--- a/document/boot spring 範例.pptx
+++ b/document/boot spring 範例.pptx
@@ -8,6 +8,12 @@
     <p:sldId id="257" r:id="rId2"/>
     <p:sldId id="340" r:id="rId3"/>
     <p:sldId id="341" r:id="rId4"/>
+    <p:sldId id="342" r:id="rId5"/>
+    <p:sldId id="343" r:id="rId6"/>
+    <p:sldId id="344" r:id="rId7"/>
+    <p:sldId id="345" r:id="rId8"/>
+    <p:sldId id="346" r:id="rId9"/>
+    <p:sldId id="347" r:id="rId10"/>
   </p:sldIdLst>
   <p:sldSz cx="12192000" cy="6858000"/>
   <p:notesSz cx="6858000" cy="9144000"/>
@@ -4641,6 +4647,5038 @@
 </p:sld>
 </file>
 
+<file path=ppt/slides/slide4.xml><?xml version="1.0" encoding="utf-8"?>
+<p:sld xmlns:a="http://schemas.openxmlformats.org/drawingml/2006/main" xmlns:r="http://schemas.openxmlformats.org/officeDocument/2006/relationships" xmlns:p="http://schemas.openxmlformats.org/presentationml/2006/main">
+  <p:cSld>
+    <p:bg>
+      <p:bgPr>
+        <a:solidFill>
+          <a:schemeClr val="bg1"/>
+        </a:solidFill>
+        <a:effectLst/>
+      </p:bgPr>
+    </p:bg>
+    <p:spTree>
+      <p:nvGrpSpPr>
+        <p:cNvPr id="1" name=""/>
+        <p:cNvGrpSpPr/>
+        <p:nvPr/>
+      </p:nvGrpSpPr>
+      <p:grpSpPr>
+        <a:xfrm>
+          <a:off x="0" y="0"/>
+          <a:ext cx="0" cy="0"/>
+          <a:chOff x="0" y="0"/>
+          <a:chExt cx="0" cy="0"/>
+        </a:xfrm>
+      </p:grpSpPr>
+      <p:sp>
+        <p:nvSpPr>
+          <p:cNvPr id="8" name="Rectangle 7">
+            <a:extLst>
+              <a:ext uri="{FF2B5EF4-FFF2-40B4-BE49-F238E27FC236}">
+                <a16:creationId xmlns:a16="http://schemas.microsoft.com/office/drawing/2014/main" id="{88294908-8B00-4F58-BBBA-20F71A40AA9E}"/>
+              </a:ext>
+              <a:ext uri="{C183D7F6-B498-43B3-948B-1728B52AA6E4}">
+                <adec:decorative xmlns:adec="http://schemas.microsoft.com/office/drawing/2017/decorative" val="1"/>
+              </a:ext>
+            </a:extLst>
+          </p:cNvPr>
+          <p:cNvSpPr>
+            <a:spLocks noGrp="1" noRot="1" noChangeAspect="1" noMove="1" noResize="1" noEditPoints="1" noAdjustHandles="1" noChangeArrowheads="1" noChangeShapeType="1" noTextEdit="1"/>
+          </p:cNvSpPr>
+          <p:nvPr>
+            <p:extLst>
+              <p:ext uri="{386F3935-93C4-4BCD-93E2-E3B085C9AB24}">
+                <p16:designElem xmlns:p16="http://schemas.microsoft.com/office/powerpoint/2015/main" val="1"/>
+              </p:ext>
+            </p:extLst>
+          </p:nvPr>
+        </p:nvSpPr>
+        <p:spPr>
+          <a:xfrm>
+            <a:off x="0" y="0"/>
+            <a:ext cx="12192000" cy="6858000"/>
+          </a:xfrm>
+          <a:prstGeom prst="rect">
+            <a:avLst/>
+          </a:prstGeom>
+          <a:solidFill>
+            <a:schemeClr val="bg2"/>
+          </a:solidFill>
+          <a:ln>
+            <a:noFill/>
+          </a:ln>
+        </p:spPr>
+        <p:style>
+          <a:lnRef idx="2">
+            <a:schemeClr val="accent1">
+              <a:shade val="50000"/>
+            </a:schemeClr>
+          </a:lnRef>
+          <a:fillRef idx="1">
+            <a:schemeClr val="accent1"/>
+          </a:fillRef>
+          <a:effectRef idx="0">
+            <a:schemeClr val="accent1"/>
+          </a:effectRef>
+          <a:fontRef idx="minor">
+            <a:schemeClr val="lt1"/>
+          </a:fontRef>
+        </p:style>
+        <p:txBody>
+          <a:bodyPr rtlCol="0" anchor="ctr"/>
+          <a:lstStyle/>
+          <a:p>
+            <a:pPr algn="ctr"/>
+            <a:endParaRPr lang="en-US" dirty="0"/>
+          </a:p>
+        </p:txBody>
+      </p:sp>
+      <p:sp>
+        <p:nvSpPr>
+          <p:cNvPr id="10" name="Freeform: Shape 9">
+            <a:extLst>
+              <a:ext uri="{FF2B5EF4-FFF2-40B4-BE49-F238E27FC236}">
+                <a16:creationId xmlns:a16="http://schemas.microsoft.com/office/drawing/2014/main" id="{4364C879-1404-4203-8E9D-CC5DE0A621A2}"/>
+              </a:ext>
+              <a:ext uri="{C183D7F6-B498-43B3-948B-1728B52AA6E4}">
+                <adec:decorative xmlns:adec="http://schemas.microsoft.com/office/drawing/2017/decorative" val="1"/>
+              </a:ext>
+            </a:extLst>
+          </p:cNvPr>
+          <p:cNvSpPr>
+            <a:spLocks noGrp="1" noRot="1" noChangeAspect="1" noMove="1" noResize="1" noEditPoints="1" noAdjustHandles="1" noChangeArrowheads="1" noChangeShapeType="1" noTextEdit="1"/>
+          </p:cNvSpPr>
+          <p:nvPr>
+            <p:extLst>
+              <p:ext uri="{386F3935-93C4-4BCD-93E2-E3B085C9AB24}">
+                <p16:designElem xmlns:p16="http://schemas.microsoft.com/office/powerpoint/2015/main" val="1"/>
+              </p:ext>
+            </p:extLst>
+          </p:nvPr>
+        </p:nvSpPr>
+        <p:spPr>
+          <a:xfrm rot="2700000">
+            <a:off x="82782" y="-1386168"/>
+            <a:ext cx="2424873" cy="3611191"/>
+          </a:xfrm>
+          <a:custGeom>
+            <a:avLst/>
+            <a:gdLst>
+              <a:gd name="connsiteX0" fmla="*/ 0 w 2424873"/>
+              <a:gd name="connsiteY0" fmla="*/ 2424874 h 3611191"/>
+              <a:gd name="connsiteX1" fmla="*/ 2424873 w 2424873"/>
+              <a:gd name="connsiteY1" fmla="*/ 0 h 3611191"/>
+              <a:gd name="connsiteX2" fmla="*/ 2424873 w 2424873"/>
+              <a:gd name="connsiteY2" fmla="*/ 3611191 h 3611191"/>
+              <a:gd name="connsiteX3" fmla="*/ 1186317 w 2424873"/>
+              <a:gd name="connsiteY3" fmla="*/ 3611191 h 3611191"/>
+            </a:gdLst>
+            <a:ahLst/>
+            <a:cxnLst>
+              <a:cxn ang="0">
+                <a:pos x="connsiteX0" y="connsiteY0"/>
+              </a:cxn>
+              <a:cxn ang="0">
+                <a:pos x="connsiteX1" y="connsiteY1"/>
+              </a:cxn>
+              <a:cxn ang="0">
+                <a:pos x="connsiteX2" y="connsiteY2"/>
+              </a:cxn>
+              <a:cxn ang="0">
+                <a:pos x="connsiteX3" y="connsiteY3"/>
+              </a:cxn>
+            </a:cxnLst>
+            <a:rect l="l" t="t" r="r" b="b"/>
+            <a:pathLst>
+              <a:path w="2424873" h="3611191">
+                <a:moveTo>
+                  <a:pt x="0" y="2424874"/>
+                </a:moveTo>
+                <a:lnTo>
+                  <a:pt x="2424873" y="0"/>
+                </a:lnTo>
+                <a:lnTo>
+                  <a:pt x="2424873" y="3611191"/>
+                </a:lnTo>
+                <a:lnTo>
+                  <a:pt x="1186317" y="3611191"/>
+                </a:lnTo>
+                <a:close/>
+              </a:path>
+            </a:pathLst>
+          </a:custGeom>
+          <a:solidFill>
+            <a:schemeClr val="accent4">
+              <a:alpha val="40000"/>
+            </a:schemeClr>
+          </a:solidFill>
+          <a:ln>
+            <a:noFill/>
+          </a:ln>
+        </p:spPr>
+        <p:style>
+          <a:lnRef idx="2">
+            <a:schemeClr val="accent1">
+              <a:shade val="50000"/>
+            </a:schemeClr>
+          </a:lnRef>
+          <a:fillRef idx="1">
+            <a:schemeClr val="accent1"/>
+          </a:fillRef>
+          <a:effectRef idx="0">
+            <a:schemeClr val="accent1"/>
+          </a:effectRef>
+          <a:fontRef idx="minor">
+            <a:schemeClr val="lt1"/>
+          </a:fontRef>
+        </p:style>
+        <p:txBody>
+          <a:bodyPr wrap="square" rtlCol="0" anchor="ctr">
+            <a:noAutofit/>
+          </a:bodyPr>
+          <a:lstStyle/>
+          <a:p>
+            <a:pPr algn="ctr"/>
+            <a:endParaRPr lang="en-US"/>
+          </a:p>
+        </p:txBody>
+      </p:sp>
+      <p:sp>
+        <p:nvSpPr>
+          <p:cNvPr id="12" name="Freeform: Shape 11">
+            <a:extLst>
+              <a:ext uri="{FF2B5EF4-FFF2-40B4-BE49-F238E27FC236}">
+                <a16:creationId xmlns:a16="http://schemas.microsoft.com/office/drawing/2014/main" id="{84617302-4B0D-4351-A6BB-6F0930D943AC}"/>
+              </a:ext>
+              <a:ext uri="{C183D7F6-B498-43B3-948B-1728B52AA6E4}">
+                <adec:decorative xmlns:adec="http://schemas.microsoft.com/office/drawing/2017/decorative" val="1"/>
+              </a:ext>
+            </a:extLst>
+          </p:cNvPr>
+          <p:cNvSpPr>
+            <a:spLocks noGrp="1" noRot="1" noChangeAspect="1" noMove="1" noResize="1" noEditPoints="1" noAdjustHandles="1" noChangeArrowheads="1" noChangeShapeType="1" noTextEdit="1"/>
+          </p:cNvSpPr>
+          <p:nvPr>
+            <p:extLst>
+              <p:ext uri="{386F3935-93C4-4BCD-93E2-E3B085C9AB24}">
+                <p16:designElem xmlns:p16="http://schemas.microsoft.com/office/powerpoint/2015/main" val="1"/>
+              </p:ext>
+            </p:extLst>
+          </p:nvPr>
+        </p:nvSpPr>
+        <p:spPr>
+          <a:xfrm rot="2700000">
+            <a:off x="1571000" y="-338582"/>
+            <a:ext cx="1635955" cy="1635955"/>
+          </a:xfrm>
+          <a:custGeom>
+            <a:avLst/>
+            <a:gdLst>
+              <a:gd name="connsiteX0" fmla="*/ 0 w 1635955"/>
+              <a:gd name="connsiteY0" fmla="*/ 957987 h 1635955"/>
+              <a:gd name="connsiteX1" fmla="*/ 957987 w 1635955"/>
+              <a:gd name="connsiteY1" fmla="*/ 0 h 1635955"/>
+              <a:gd name="connsiteX2" fmla="*/ 1635955 w 1635955"/>
+              <a:gd name="connsiteY2" fmla="*/ 0 h 1635955"/>
+              <a:gd name="connsiteX3" fmla="*/ 1635955 w 1635955"/>
+              <a:gd name="connsiteY3" fmla="*/ 1635955 h 1635955"/>
+              <a:gd name="connsiteX4" fmla="*/ 0 w 1635955"/>
+              <a:gd name="connsiteY4" fmla="*/ 1635955 h 1635955"/>
+            </a:gdLst>
+            <a:ahLst/>
+            <a:cxnLst>
+              <a:cxn ang="0">
+                <a:pos x="connsiteX0" y="connsiteY0"/>
+              </a:cxn>
+              <a:cxn ang="0">
+                <a:pos x="connsiteX1" y="connsiteY1"/>
+              </a:cxn>
+              <a:cxn ang="0">
+                <a:pos x="connsiteX2" y="connsiteY2"/>
+              </a:cxn>
+              <a:cxn ang="0">
+                <a:pos x="connsiteX3" y="connsiteY3"/>
+              </a:cxn>
+              <a:cxn ang="0">
+                <a:pos x="connsiteX4" y="connsiteY4"/>
+              </a:cxn>
+            </a:cxnLst>
+            <a:rect l="l" t="t" r="r" b="b"/>
+            <a:pathLst>
+              <a:path w="1635955" h="1635955">
+                <a:moveTo>
+                  <a:pt x="0" y="957987"/>
+                </a:moveTo>
+                <a:lnTo>
+                  <a:pt x="957987" y="0"/>
+                </a:lnTo>
+                <a:lnTo>
+                  <a:pt x="1635955" y="0"/>
+                </a:lnTo>
+                <a:lnTo>
+                  <a:pt x="1635955" y="1635955"/>
+                </a:lnTo>
+                <a:lnTo>
+                  <a:pt x="0" y="1635955"/>
+                </a:lnTo>
+                <a:close/>
+              </a:path>
+            </a:pathLst>
+          </a:custGeom>
+          <a:solidFill>
+            <a:schemeClr val="accent4">
+              <a:alpha val="40000"/>
+            </a:schemeClr>
+          </a:solidFill>
+          <a:ln>
+            <a:noFill/>
+          </a:ln>
+        </p:spPr>
+        <p:style>
+          <a:lnRef idx="2">
+            <a:schemeClr val="accent1">
+              <a:shade val="50000"/>
+            </a:schemeClr>
+          </a:lnRef>
+          <a:fillRef idx="1">
+            <a:schemeClr val="accent1"/>
+          </a:fillRef>
+          <a:effectRef idx="0">
+            <a:schemeClr val="accent1"/>
+          </a:effectRef>
+          <a:fontRef idx="minor">
+            <a:schemeClr val="lt1"/>
+          </a:fontRef>
+        </p:style>
+        <p:txBody>
+          <a:bodyPr wrap="square" rtlCol="0" anchor="ctr">
+            <a:noAutofit/>
+          </a:bodyPr>
+          <a:lstStyle/>
+          <a:p>
+            <a:pPr algn="ctr"/>
+            <a:endParaRPr lang="en-US"/>
+          </a:p>
+        </p:txBody>
+      </p:sp>
+      <p:sp>
+        <p:nvSpPr>
+          <p:cNvPr id="14" name="Freeform: Shape 13">
+            <a:extLst>
+              <a:ext uri="{FF2B5EF4-FFF2-40B4-BE49-F238E27FC236}">
+                <a16:creationId xmlns:a16="http://schemas.microsoft.com/office/drawing/2014/main" id="{DA2C7802-C2E0-4218-8F89-8DD7CCD2CD1C}"/>
+              </a:ext>
+              <a:ext uri="{C183D7F6-B498-43B3-948B-1728B52AA6E4}">
+                <adec:decorative xmlns:adec="http://schemas.microsoft.com/office/drawing/2017/decorative" val="1"/>
+              </a:ext>
+            </a:extLst>
+          </p:cNvPr>
+          <p:cNvSpPr>
+            <a:spLocks noGrp="1" noRot="1" noChangeAspect="1" noMove="1" noResize="1" noEditPoints="1" noAdjustHandles="1" noChangeArrowheads="1" noChangeShapeType="1" noTextEdit="1"/>
+          </p:cNvSpPr>
+          <p:nvPr>
+            <p:extLst>
+              <p:ext uri="{386F3935-93C4-4BCD-93E2-E3B085C9AB24}">
+                <p16:designElem xmlns:p16="http://schemas.microsoft.com/office/powerpoint/2015/main" val="1"/>
+              </p:ext>
+            </p:extLst>
+          </p:nvPr>
+        </p:nvSpPr>
+        <p:spPr>
+          <a:xfrm rot="2700000">
+            <a:off x="9627985" y="-6588"/>
+            <a:ext cx="4059393" cy="2548110"/>
+          </a:xfrm>
+          <a:custGeom>
+            <a:avLst/>
+            <a:gdLst>
+              <a:gd name="connsiteX0" fmla="*/ 0 w 4059393"/>
+              <a:gd name="connsiteY0" fmla="*/ 1511282 h 2548110"/>
+              <a:gd name="connsiteX1" fmla="*/ 1511282 w 4059393"/>
+              <a:gd name="connsiteY1" fmla="*/ 0 h 2548110"/>
+              <a:gd name="connsiteX2" fmla="*/ 4059393 w 4059393"/>
+              <a:gd name="connsiteY2" fmla="*/ 2548110 h 2548110"/>
+              <a:gd name="connsiteX3" fmla="*/ 0 w 4059393"/>
+              <a:gd name="connsiteY3" fmla="*/ 2548110 h 2548110"/>
+            </a:gdLst>
+            <a:ahLst/>
+            <a:cxnLst>
+              <a:cxn ang="0">
+                <a:pos x="connsiteX0" y="connsiteY0"/>
+              </a:cxn>
+              <a:cxn ang="0">
+                <a:pos x="connsiteX1" y="connsiteY1"/>
+              </a:cxn>
+              <a:cxn ang="0">
+                <a:pos x="connsiteX2" y="connsiteY2"/>
+              </a:cxn>
+              <a:cxn ang="0">
+                <a:pos x="connsiteX3" y="connsiteY3"/>
+              </a:cxn>
+            </a:cxnLst>
+            <a:rect l="l" t="t" r="r" b="b"/>
+            <a:pathLst>
+              <a:path w="4059393" h="2548110">
+                <a:moveTo>
+                  <a:pt x="0" y="1511282"/>
+                </a:moveTo>
+                <a:lnTo>
+                  <a:pt x="1511282" y="0"/>
+                </a:lnTo>
+                <a:lnTo>
+                  <a:pt x="4059393" y="2548110"/>
+                </a:lnTo>
+                <a:lnTo>
+                  <a:pt x="0" y="2548110"/>
+                </a:lnTo>
+                <a:close/>
+              </a:path>
+            </a:pathLst>
+          </a:custGeom>
+          <a:solidFill>
+            <a:schemeClr val="accent1">
+              <a:alpha val="30000"/>
+            </a:schemeClr>
+          </a:solidFill>
+          <a:ln>
+            <a:noFill/>
+          </a:ln>
+        </p:spPr>
+        <p:style>
+          <a:lnRef idx="2">
+            <a:schemeClr val="accent1">
+              <a:shade val="50000"/>
+            </a:schemeClr>
+          </a:lnRef>
+          <a:fillRef idx="1">
+            <a:schemeClr val="accent1"/>
+          </a:fillRef>
+          <a:effectRef idx="0">
+            <a:schemeClr val="accent1"/>
+          </a:effectRef>
+          <a:fontRef idx="minor">
+            <a:schemeClr val="lt1"/>
+          </a:fontRef>
+        </p:style>
+        <p:txBody>
+          <a:bodyPr wrap="square" rtlCol="0" anchor="ctr">
+            <a:noAutofit/>
+          </a:bodyPr>
+          <a:lstStyle/>
+          <a:p>
+            <a:pPr algn="ctr"/>
+            <a:endParaRPr lang="en-US"/>
+          </a:p>
+        </p:txBody>
+      </p:sp>
+      <p:sp>
+        <p:nvSpPr>
+          <p:cNvPr id="16" name="Rectangle 15">
+            <a:extLst>
+              <a:ext uri="{FF2B5EF4-FFF2-40B4-BE49-F238E27FC236}">
+                <a16:creationId xmlns:a16="http://schemas.microsoft.com/office/drawing/2014/main" id="{A6D7111A-21E5-4EE9-8A78-10E5530F0116}"/>
+              </a:ext>
+              <a:ext uri="{C183D7F6-B498-43B3-948B-1728B52AA6E4}">
+                <adec:decorative xmlns:adec="http://schemas.microsoft.com/office/drawing/2017/decorative" val="1"/>
+              </a:ext>
+            </a:extLst>
+          </p:cNvPr>
+          <p:cNvSpPr>
+            <a:spLocks noGrp="1" noRot="1" noChangeAspect="1" noMove="1" noResize="1" noEditPoints="1" noAdjustHandles="1" noChangeArrowheads="1" noChangeShapeType="1" noTextEdit="1"/>
+          </p:cNvSpPr>
+          <p:nvPr>
+            <p:extLst>
+              <p:ext uri="{386F3935-93C4-4BCD-93E2-E3B085C9AB24}">
+                <p16:designElem xmlns:p16="http://schemas.microsoft.com/office/powerpoint/2015/main" val="1"/>
+              </p:ext>
+            </p:extLst>
+          </p:nvPr>
+        </p:nvSpPr>
+        <p:spPr>
+          <a:xfrm rot="2700000">
+            <a:off x="10262924" y="1465780"/>
+            <a:ext cx="1185708" cy="1185708"/>
+          </a:xfrm>
+          <a:prstGeom prst="rect">
+            <a:avLst/>
+          </a:prstGeom>
+          <a:solidFill>
+            <a:schemeClr val="accent1">
+              <a:alpha val="30000"/>
+            </a:schemeClr>
+          </a:solidFill>
+          <a:ln>
+            <a:noFill/>
+          </a:ln>
+        </p:spPr>
+        <p:style>
+          <a:lnRef idx="2">
+            <a:schemeClr val="accent1">
+              <a:shade val="50000"/>
+            </a:schemeClr>
+          </a:lnRef>
+          <a:fillRef idx="1">
+            <a:schemeClr val="accent1"/>
+          </a:fillRef>
+          <a:effectRef idx="0">
+            <a:schemeClr val="accent1"/>
+          </a:effectRef>
+          <a:fontRef idx="minor">
+            <a:schemeClr val="lt1"/>
+          </a:fontRef>
+        </p:style>
+        <p:txBody>
+          <a:bodyPr wrap="square" rtlCol="0" anchor="ctr">
+            <a:noAutofit/>
+          </a:bodyPr>
+          <a:lstStyle/>
+          <a:p>
+            <a:pPr algn="ctr"/>
+            <a:endParaRPr lang="en-US"/>
+          </a:p>
+        </p:txBody>
+      </p:sp>
+      <p:sp>
+        <p:nvSpPr>
+          <p:cNvPr id="18" name="Freeform: Shape 17">
+            <a:extLst>
+              <a:ext uri="{FF2B5EF4-FFF2-40B4-BE49-F238E27FC236}">
+                <a16:creationId xmlns:a16="http://schemas.microsoft.com/office/drawing/2014/main" id="{A3969E80-A77B-49FC-9122-D89AFD5EE118}"/>
+              </a:ext>
+              <a:ext uri="{C183D7F6-B498-43B3-948B-1728B52AA6E4}">
+                <adec:decorative xmlns:adec="http://schemas.microsoft.com/office/drawing/2017/decorative" val="1"/>
+              </a:ext>
+            </a:extLst>
+          </p:cNvPr>
+          <p:cNvSpPr>
+            <a:spLocks noGrp="1" noRot="1" noChangeAspect="1" noMove="1" noResize="1" noEditPoints="1" noAdjustHandles="1" noChangeArrowheads="1" noChangeShapeType="1" noTextEdit="1"/>
+          </p:cNvSpPr>
+          <p:nvPr>
+            <p:extLst>
+              <p:ext uri="{386F3935-93C4-4BCD-93E2-E3B085C9AB24}">
+                <p16:designElem xmlns:p16="http://schemas.microsoft.com/office/powerpoint/2015/main" val="1"/>
+              </p:ext>
+            </p:extLst>
+          </p:nvPr>
+        </p:nvSpPr>
+        <p:spPr>
+          <a:xfrm rot="2700000">
+            <a:off x="-29557" y="5198743"/>
+            <a:ext cx="2444907" cy="2366116"/>
+          </a:xfrm>
+          <a:custGeom>
+            <a:avLst/>
+            <a:gdLst>
+              <a:gd name="connsiteX0" fmla="*/ 0 w 2203753"/>
+              <a:gd name="connsiteY0" fmla="*/ 0 h 2132734"/>
+              <a:gd name="connsiteX1" fmla="*/ 2203753 w 2203753"/>
+              <a:gd name="connsiteY1" fmla="*/ 0 h 2132734"/>
+              <a:gd name="connsiteX2" fmla="*/ 2203753 w 2203753"/>
+              <a:gd name="connsiteY2" fmla="*/ 576461 h 2132734"/>
+              <a:gd name="connsiteX3" fmla="*/ 647480 w 2203753"/>
+              <a:gd name="connsiteY3" fmla="*/ 2132734 h 2132734"/>
+              <a:gd name="connsiteX4" fmla="*/ 0 w 2203753"/>
+              <a:gd name="connsiteY4" fmla="*/ 1485255 h 2132734"/>
+            </a:gdLst>
+            <a:ahLst/>
+            <a:cxnLst>
+              <a:cxn ang="0">
+                <a:pos x="connsiteX0" y="connsiteY0"/>
+              </a:cxn>
+              <a:cxn ang="0">
+                <a:pos x="connsiteX1" y="connsiteY1"/>
+              </a:cxn>
+              <a:cxn ang="0">
+                <a:pos x="connsiteX2" y="connsiteY2"/>
+              </a:cxn>
+              <a:cxn ang="0">
+                <a:pos x="connsiteX3" y="connsiteY3"/>
+              </a:cxn>
+              <a:cxn ang="0">
+                <a:pos x="connsiteX4" y="connsiteY4"/>
+              </a:cxn>
+            </a:cxnLst>
+            <a:rect l="l" t="t" r="r" b="b"/>
+            <a:pathLst>
+              <a:path w="2203753" h="2132734">
+                <a:moveTo>
+                  <a:pt x="0" y="0"/>
+                </a:moveTo>
+                <a:lnTo>
+                  <a:pt x="2203753" y="0"/>
+                </a:lnTo>
+                <a:lnTo>
+                  <a:pt x="2203753" y="576461"/>
+                </a:lnTo>
+                <a:lnTo>
+                  <a:pt x="647480" y="2132734"/>
+                </a:lnTo>
+                <a:lnTo>
+                  <a:pt x="0" y="1485255"/>
+                </a:lnTo>
+                <a:close/>
+              </a:path>
+            </a:pathLst>
+          </a:custGeom>
+          <a:solidFill>
+            <a:schemeClr val="accent1">
+              <a:alpha val="30000"/>
+            </a:schemeClr>
+          </a:solidFill>
+          <a:ln>
+            <a:noFill/>
+          </a:ln>
+        </p:spPr>
+        <p:style>
+          <a:lnRef idx="2">
+            <a:schemeClr val="accent1">
+              <a:shade val="50000"/>
+            </a:schemeClr>
+          </a:lnRef>
+          <a:fillRef idx="1">
+            <a:schemeClr val="accent1"/>
+          </a:fillRef>
+          <a:effectRef idx="0">
+            <a:schemeClr val="accent1"/>
+          </a:effectRef>
+          <a:fontRef idx="minor">
+            <a:schemeClr val="lt1"/>
+          </a:fontRef>
+        </p:style>
+        <p:txBody>
+          <a:bodyPr wrap="square" rtlCol="0" anchor="ctr">
+            <a:noAutofit/>
+          </a:bodyPr>
+          <a:lstStyle/>
+          <a:p>
+            <a:pPr algn="ctr"/>
+            <a:endParaRPr lang="en-US"/>
+          </a:p>
+        </p:txBody>
+      </p:sp>
+      <p:sp>
+        <p:nvSpPr>
+          <p:cNvPr id="20" name="Rectangle 19">
+            <a:extLst>
+              <a:ext uri="{FF2B5EF4-FFF2-40B4-BE49-F238E27FC236}">
+                <a16:creationId xmlns:a16="http://schemas.microsoft.com/office/drawing/2014/main" id="{1849CA57-76BD-4CF2-80BA-D7A46A01B7B1}"/>
+              </a:ext>
+              <a:ext uri="{C183D7F6-B498-43B3-948B-1728B52AA6E4}">
+                <adec:decorative xmlns:adec="http://schemas.microsoft.com/office/drawing/2017/decorative" val="1"/>
+              </a:ext>
+            </a:extLst>
+          </p:cNvPr>
+          <p:cNvSpPr>
+            <a:spLocks noGrp="1" noRot="1" noChangeAspect="1" noMove="1" noResize="1" noEditPoints="1" noAdjustHandles="1" noChangeArrowheads="1" noChangeShapeType="1" noTextEdit="1"/>
+          </p:cNvSpPr>
+          <p:nvPr>
+            <p:extLst>
+              <p:ext uri="{386F3935-93C4-4BCD-93E2-E3B085C9AB24}">
+                <p16:designElem xmlns:p16="http://schemas.microsoft.com/office/powerpoint/2015/main" val="1"/>
+              </p:ext>
+            </p:extLst>
+          </p:nvPr>
+        </p:nvSpPr>
+        <p:spPr>
+          <a:xfrm rot="2700000">
+            <a:off x="1769787" y="5439893"/>
+            <a:ext cx="928467" cy="928467"/>
+          </a:xfrm>
+          <a:prstGeom prst="rect">
+            <a:avLst/>
+          </a:prstGeom>
+          <a:solidFill>
+            <a:schemeClr val="accent1">
+              <a:alpha val="30000"/>
+            </a:schemeClr>
+          </a:solidFill>
+          <a:ln>
+            <a:noFill/>
+          </a:ln>
+        </p:spPr>
+        <p:style>
+          <a:lnRef idx="2">
+            <a:schemeClr val="accent1">
+              <a:shade val="50000"/>
+            </a:schemeClr>
+          </a:lnRef>
+          <a:fillRef idx="1">
+            <a:schemeClr val="accent1"/>
+          </a:fillRef>
+          <a:effectRef idx="0">
+            <a:schemeClr val="accent1"/>
+          </a:effectRef>
+          <a:fontRef idx="minor">
+            <a:schemeClr val="lt1"/>
+          </a:fontRef>
+        </p:style>
+        <p:txBody>
+          <a:bodyPr wrap="square" rtlCol="0" anchor="ctr">
+            <a:noAutofit/>
+          </a:bodyPr>
+          <a:lstStyle/>
+          <a:p>
+            <a:pPr algn="ctr"/>
+            <a:endParaRPr lang="en-US">
+              <a:solidFill>
+                <a:srgbClr val="FFFFFF"/>
+              </a:solidFill>
+              <a:effectLst>
+                <a:outerShdw blurRad="38100" dist="38100" dir="2700000" algn="tl">
+                  <a:srgbClr val="000000">
+                    <a:alpha val="43137"/>
+                  </a:srgbClr>
+                </a:outerShdw>
+              </a:effectLst>
+            </a:endParaRPr>
+          </a:p>
+        </p:txBody>
+      </p:sp>
+      <p:sp>
+        <p:nvSpPr>
+          <p:cNvPr id="22" name="Freeform: Shape 21">
+            <a:extLst>
+              <a:ext uri="{FF2B5EF4-FFF2-40B4-BE49-F238E27FC236}">
+                <a16:creationId xmlns:a16="http://schemas.microsoft.com/office/drawing/2014/main" id="{35E9085E-E730-4768-83D4-6CB7E9897153}"/>
+              </a:ext>
+              <a:ext uri="{C183D7F6-B498-43B3-948B-1728B52AA6E4}">
+                <adec:decorative xmlns:adec="http://schemas.microsoft.com/office/drawing/2017/decorative" val="1"/>
+              </a:ext>
+            </a:extLst>
+          </p:cNvPr>
+          <p:cNvSpPr>
+            <a:spLocks noGrp="1" noRot="1" noChangeAspect="1" noMove="1" noResize="1" noEditPoints="1" noAdjustHandles="1" noChangeArrowheads="1" noChangeShapeType="1" noTextEdit="1"/>
+          </p:cNvSpPr>
+          <p:nvPr>
+            <p:extLst>
+              <p:ext uri="{386F3935-93C4-4BCD-93E2-E3B085C9AB24}">
+                <p16:designElem xmlns:p16="http://schemas.microsoft.com/office/powerpoint/2015/main" val="1"/>
+              </p:ext>
+            </p:extLst>
+          </p:nvPr>
+        </p:nvSpPr>
+        <p:spPr>
+          <a:xfrm rot="2700000">
+            <a:off x="3401311" y="734311"/>
+            <a:ext cx="5389379" cy="5389379"/>
+          </a:xfrm>
+          <a:custGeom>
+            <a:avLst/>
+            <a:gdLst>
+              <a:gd name="connsiteX0" fmla="*/ 0 w 5389379"/>
+              <a:gd name="connsiteY0" fmla="*/ 540040 h 5389379"/>
+              <a:gd name="connsiteX1" fmla="*/ 540040 w 5389379"/>
+              <a:gd name="connsiteY1" fmla="*/ 0 h 5389379"/>
+              <a:gd name="connsiteX2" fmla="*/ 5389379 w 5389379"/>
+              <a:gd name="connsiteY2" fmla="*/ 0 h 5389379"/>
+              <a:gd name="connsiteX3" fmla="*/ 5389379 w 5389379"/>
+              <a:gd name="connsiteY3" fmla="*/ 4838655 h 5389379"/>
+              <a:gd name="connsiteX4" fmla="*/ 4838655 w 5389379"/>
+              <a:gd name="connsiteY4" fmla="*/ 5389379 h 5389379"/>
+              <a:gd name="connsiteX5" fmla="*/ 0 w 5389379"/>
+              <a:gd name="connsiteY5" fmla="*/ 5389379 h 5389379"/>
+            </a:gdLst>
+            <a:ahLst/>
+            <a:cxnLst>
+              <a:cxn ang="0">
+                <a:pos x="connsiteX0" y="connsiteY0"/>
+              </a:cxn>
+              <a:cxn ang="0">
+                <a:pos x="connsiteX1" y="connsiteY1"/>
+              </a:cxn>
+              <a:cxn ang="0">
+                <a:pos x="connsiteX2" y="connsiteY2"/>
+              </a:cxn>
+              <a:cxn ang="0">
+                <a:pos x="connsiteX3" y="connsiteY3"/>
+              </a:cxn>
+              <a:cxn ang="0">
+                <a:pos x="connsiteX4" y="connsiteY4"/>
+              </a:cxn>
+              <a:cxn ang="0">
+                <a:pos x="connsiteX5" y="connsiteY5"/>
+              </a:cxn>
+            </a:cxnLst>
+            <a:rect l="l" t="t" r="r" b="b"/>
+            <a:pathLst>
+              <a:path w="5389379" h="5389379">
+                <a:moveTo>
+                  <a:pt x="0" y="540040"/>
+                </a:moveTo>
+                <a:lnTo>
+                  <a:pt x="540040" y="0"/>
+                </a:lnTo>
+                <a:lnTo>
+                  <a:pt x="5389379" y="0"/>
+                </a:lnTo>
+                <a:lnTo>
+                  <a:pt x="5389379" y="4838655"/>
+                </a:lnTo>
+                <a:lnTo>
+                  <a:pt x="4838655" y="5389379"/>
+                </a:lnTo>
+                <a:lnTo>
+                  <a:pt x="0" y="5389379"/>
+                </a:lnTo>
+                <a:close/>
+              </a:path>
+            </a:pathLst>
+          </a:custGeom>
+          <a:solidFill>
+            <a:srgbClr val="FFFFFF"/>
+          </a:solidFill>
+          <a:ln>
+            <a:noFill/>
+          </a:ln>
+        </p:spPr>
+        <p:style>
+          <a:lnRef idx="2">
+            <a:schemeClr val="accent1">
+              <a:shade val="50000"/>
+            </a:schemeClr>
+          </a:lnRef>
+          <a:fillRef idx="1">
+            <a:schemeClr val="accent1"/>
+          </a:fillRef>
+          <a:effectRef idx="0">
+            <a:schemeClr val="accent1"/>
+          </a:effectRef>
+          <a:fontRef idx="minor">
+            <a:schemeClr val="lt1"/>
+          </a:fontRef>
+        </p:style>
+        <p:txBody>
+          <a:bodyPr wrap="square" rtlCol="0" anchor="ctr">
+            <a:noAutofit/>
+          </a:bodyPr>
+          <a:lstStyle/>
+          <a:p>
+            <a:pPr algn="ctr"/>
+            <a:endParaRPr lang="en-US"/>
+          </a:p>
+        </p:txBody>
+      </p:sp>
+      <p:sp>
+        <p:nvSpPr>
+          <p:cNvPr id="24" name="Freeform: Shape 23">
+            <a:extLst>
+              <a:ext uri="{FF2B5EF4-FFF2-40B4-BE49-F238E27FC236}">
+                <a16:creationId xmlns:a16="http://schemas.microsoft.com/office/drawing/2014/main" id="{973272FE-A474-4CAE-8CA2-BCC8B476C3F4}"/>
+              </a:ext>
+              <a:ext uri="{C183D7F6-B498-43B3-948B-1728B52AA6E4}">
+                <adec:decorative xmlns:adec="http://schemas.microsoft.com/office/drawing/2017/decorative" val="1"/>
+              </a:ext>
+            </a:extLst>
+          </p:cNvPr>
+          <p:cNvSpPr>
+            <a:spLocks noGrp="1" noRot="1" noChangeAspect="1" noMove="1" noResize="1" noEditPoints="1" noAdjustHandles="1" noChangeArrowheads="1" noChangeShapeType="1" noTextEdit="1"/>
+          </p:cNvSpPr>
+          <p:nvPr>
+            <p:extLst>
+              <p:ext uri="{386F3935-93C4-4BCD-93E2-E3B085C9AB24}">
+                <p16:designElem xmlns:p16="http://schemas.microsoft.com/office/powerpoint/2015/main" val="1"/>
+              </p:ext>
+            </p:extLst>
+          </p:nvPr>
+        </p:nvSpPr>
+        <p:spPr>
+          <a:xfrm rot="2700000">
+            <a:off x="2700283" y="33283"/>
+            <a:ext cx="6791435" cy="6791435"/>
+          </a:xfrm>
+          <a:custGeom>
+            <a:avLst/>
+            <a:gdLst>
+              <a:gd name="connsiteX0" fmla="*/ 1860938 w 6791435"/>
+              <a:gd name="connsiteY0" fmla="*/ 81158 h 6791435"/>
+              <a:gd name="connsiteX1" fmla="*/ 1942096 w 6791435"/>
+              <a:gd name="connsiteY1" fmla="*/ 0 h 6791435"/>
+              <a:gd name="connsiteX2" fmla="*/ 6791435 w 6791435"/>
+              <a:gd name="connsiteY2" fmla="*/ 0 h 6791435"/>
+              <a:gd name="connsiteX3" fmla="*/ 6791435 w 6791435"/>
+              <a:gd name="connsiteY3" fmla="*/ 4838655 h 6791435"/>
+              <a:gd name="connsiteX4" fmla="*/ 6710277 w 6791435"/>
+              <a:gd name="connsiteY4" fmla="*/ 4919813 h 6791435"/>
+              <a:gd name="connsiteX5" fmla="*/ 6710277 w 6791435"/>
+              <a:gd name="connsiteY5" fmla="*/ 81158 h 6791435"/>
+              <a:gd name="connsiteX6" fmla="*/ 0 w 6791435"/>
+              <a:gd name="connsiteY6" fmla="*/ 1942096 h 6791435"/>
+              <a:gd name="connsiteX7" fmla="*/ 81158 w 6791435"/>
+              <a:gd name="connsiteY7" fmla="*/ 1860938 h 6791435"/>
+              <a:gd name="connsiteX8" fmla="*/ 81158 w 6791435"/>
+              <a:gd name="connsiteY8" fmla="*/ 6710277 h 6791435"/>
+              <a:gd name="connsiteX9" fmla="*/ 4919813 w 6791435"/>
+              <a:gd name="connsiteY9" fmla="*/ 6710277 h 6791435"/>
+              <a:gd name="connsiteX10" fmla="*/ 4838655 w 6791435"/>
+              <a:gd name="connsiteY10" fmla="*/ 6791435 h 6791435"/>
+              <a:gd name="connsiteX11" fmla="*/ 0 w 6791435"/>
+              <a:gd name="connsiteY11" fmla="*/ 6791435 h 6791435"/>
+            </a:gdLst>
+            <a:ahLst/>
+            <a:cxnLst>
+              <a:cxn ang="0">
+                <a:pos x="connsiteX0" y="connsiteY0"/>
+              </a:cxn>
+              <a:cxn ang="0">
+                <a:pos x="connsiteX1" y="connsiteY1"/>
+              </a:cxn>
+              <a:cxn ang="0">
+                <a:pos x="connsiteX2" y="connsiteY2"/>
+              </a:cxn>
+              <a:cxn ang="0">
+                <a:pos x="connsiteX3" y="connsiteY3"/>
+              </a:cxn>
+              <a:cxn ang="0">
+                <a:pos x="connsiteX4" y="connsiteY4"/>
+              </a:cxn>
+              <a:cxn ang="0">
+                <a:pos x="connsiteX5" y="connsiteY5"/>
+              </a:cxn>
+              <a:cxn ang="0">
+                <a:pos x="connsiteX6" y="connsiteY6"/>
+              </a:cxn>
+              <a:cxn ang="0">
+                <a:pos x="connsiteX7" y="connsiteY7"/>
+              </a:cxn>
+              <a:cxn ang="0">
+                <a:pos x="connsiteX8" y="connsiteY8"/>
+              </a:cxn>
+              <a:cxn ang="0">
+                <a:pos x="connsiteX9" y="connsiteY9"/>
+              </a:cxn>
+              <a:cxn ang="0">
+                <a:pos x="connsiteX10" y="connsiteY10"/>
+              </a:cxn>
+              <a:cxn ang="0">
+                <a:pos x="connsiteX11" y="connsiteY11"/>
+              </a:cxn>
+            </a:cxnLst>
+            <a:rect l="l" t="t" r="r" b="b"/>
+            <a:pathLst>
+              <a:path w="6791435" h="6791435">
+                <a:moveTo>
+                  <a:pt x="1860938" y="81158"/>
+                </a:moveTo>
+                <a:lnTo>
+                  <a:pt x="1942096" y="0"/>
+                </a:lnTo>
+                <a:lnTo>
+                  <a:pt x="6791435" y="0"/>
+                </a:lnTo>
+                <a:lnTo>
+                  <a:pt x="6791435" y="4838655"/>
+                </a:lnTo>
+                <a:lnTo>
+                  <a:pt x="6710277" y="4919813"/>
+                </a:lnTo>
+                <a:lnTo>
+                  <a:pt x="6710277" y="81158"/>
+                </a:lnTo>
+                <a:close/>
+                <a:moveTo>
+                  <a:pt x="0" y="1942096"/>
+                </a:moveTo>
+                <a:lnTo>
+                  <a:pt x="81158" y="1860938"/>
+                </a:lnTo>
+                <a:lnTo>
+                  <a:pt x="81158" y="6710277"/>
+                </a:lnTo>
+                <a:lnTo>
+                  <a:pt x="4919813" y="6710277"/>
+                </a:lnTo>
+                <a:lnTo>
+                  <a:pt x="4838655" y="6791435"/>
+                </a:lnTo>
+                <a:lnTo>
+                  <a:pt x="0" y="6791435"/>
+                </a:lnTo>
+                <a:close/>
+              </a:path>
+            </a:pathLst>
+          </a:custGeom>
+          <a:solidFill>
+            <a:srgbClr val="FFFFFF">
+              <a:alpha val="60000"/>
+            </a:srgbClr>
+          </a:solidFill>
+          <a:ln>
+            <a:noFill/>
+          </a:ln>
+        </p:spPr>
+        <p:style>
+          <a:lnRef idx="2">
+            <a:schemeClr val="accent1">
+              <a:shade val="50000"/>
+            </a:schemeClr>
+          </a:lnRef>
+          <a:fillRef idx="1">
+            <a:schemeClr val="accent1"/>
+          </a:fillRef>
+          <a:effectRef idx="0">
+            <a:schemeClr val="accent1"/>
+          </a:effectRef>
+          <a:fontRef idx="minor">
+            <a:schemeClr val="lt1"/>
+          </a:fontRef>
+        </p:style>
+        <p:txBody>
+          <a:bodyPr wrap="square" rtlCol="0" anchor="ctr">
+            <a:noAutofit/>
+          </a:bodyPr>
+          <a:lstStyle/>
+          <a:p>
+            <a:pPr algn="ctr"/>
+            <a:endParaRPr lang="en-US">
+              <a:solidFill>
+                <a:schemeClr val="tx1"/>
+              </a:solidFill>
+            </a:endParaRPr>
+          </a:p>
+        </p:txBody>
+      </p:sp>
+      <p:sp>
+        <p:nvSpPr>
+          <p:cNvPr id="3" name="文字版面配置區 2">
+            <a:extLst>
+              <a:ext uri="{FF2B5EF4-FFF2-40B4-BE49-F238E27FC236}">
+                <a16:creationId xmlns:a16="http://schemas.microsoft.com/office/drawing/2014/main" id="{9C29DA9D-23EF-4728-9638-96E87D805BC1}"/>
+              </a:ext>
+            </a:extLst>
+          </p:cNvPr>
+          <p:cNvSpPr>
+            <a:spLocks noGrp="1"/>
+          </p:cNvSpPr>
+          <p:nvPr>
+            <p:ph type="body" idx="1"/>
+          </p:nvPr>
+        </p:nvSpPr>
+        <p:spPr>
+          <a:xfrm>
+            <a:off x="4439633" y="4518923"/>
+            <a:ext cx="3312734" cy="1141851"/>
+          </a:xfrm>
+          <a:noFill/>
+        </p:spPr>
+        <p:txBody>
+          <a:bodyPr vert="horz" lIns="91440" tIns="45720" rIns="91440" bIns="45720" rtlCol="0">
+            <a:normAutofit/>
+          </a:bodyPr>
+          <a:lstStyle/>
+          <a:p>
+            <a:pPr algn="ctr"/>
+            <a:endParaRPr lang="en-US" altLang="zh-TW" sz="2000" kern="1200">
+              <a:solidFill>
+                <a:srgbClr val="080808"/>
+              </a:solidFill>
+              <a:latin typeface="+mn-lt"/>
+              <a:ea typeface="+mn-ea"/>
+              <a:cs typeface="+mn-cs"/>
+            </a:endParaRPr>
+          </a:p>
+        </p:txBody>
+      </p:sp>
+      <p:sp>
+        <p:nvSpPr>
+          <p:cNvPr id="2" name="標題 1">
+            <a:extLst>
+              <a:ext uri="{FF2B5EF4-FFF2-40B4-BE49-F238E27FC236}">
+                <a16:creationId xmlns:a16="http://schemas.microsoft.com/office/drawing/2014/main" id="{DCB6C803-AB96-46D7-9F49-3E799811947A}"/>
+              </a:ext>
+            </a:extLst>
+          </p:cNvPr>
+          <p:cNvSpPr>
+            <a:spLocks noGrp="1"/>
+          </p:cNvSpPr>
+          <p:nvPr>
+            <p:ph type="title"/>
+          </p:nvPr>
+        </p:nvSpPr>
+        <p:spPr>
+          <a:xfrm>
+            <a:off x="3204642" y="2353641"/>
+            <a:ext cx="5782716" cy="2150719"/>
+          </a:xfrm>
+          <a:noFill/>
+        </p:spPr>
+        <p:txBody>
+          <a:bodyPr vert="horz" lIns="91440" tIns="45720" rIns="91440" bIns="45720" rtlCol="0" anchor="ctr">
+            <a:normAutofit/>
+          </a:bodyPr>
+          <a:lstStyle/>
+          <a:p>
+            <a:pPr algn="ctr"/>
+            <a:r>
+              <a:rPr lang="zh-TW" altLang="en-US" sz="3600" kern="1200" dirty="0">
+                <a:solidFill>
+                  <a:srgbClr val="080808"/>
+                </a:solidFill>
+                <a:latin typeface="標楷體" panose="03000509000000000000" pitchFamily="65" charset="-120"/>
+                <a:ea typeface="標楷體" panose="03000509000000000000" pitchFamily="65" charset="-120"/>
+              </a:rPr>
+              <a:t>補充內容</a:t>
+            </a:r>
+            <a:endParaRPr lang="en-US" altLang="zh-TW" sz="3600" kern="1200" dirty="0">
+              <a:solidFill>
+                <a:srgbClr val="080808"/>
+              </a:solidFill>
+              <a:latin typeface="標楷體" panose="03000509000000000000" pitchFamily="65" charset="-120"/>
+              <a:ea typeface="標楷體" panose="03000509000000000000" pitchFamily="65" charset="-120"/>
+            </a:endParaRPr>
+          </a:p>
+        </p:txBody>
+      </p:sp>
+      <p:sp>
+        <p:nvSpPr>
+          <p:cNvPr id="26" name="Freeform: Shape 25">
+            <a:extLst>
+              <a:ext uri="{FF2B5EF4-FFF2-40B4-BE49-F238E27FC236}">
+                <a16:creationId xmlns:a16="http://schemas.microsoft.com/office/drawing/2014/main" id="{E07981EA-05A6-437C-88D7-B377B92B031D}"/>
+              </a:ext>
+              <a:ext uri="{C183D7F6-B498-43B3-948B-1728B52AA6E4}">
+                <adec:decorative xmlns:adec="http://schemas.microsoft.com/office/drawing/2017/decorative" val="1"/>
+              </a:ext>
+            </a:extLst>
+          </p:cNvPr>
+          <p:cNvSpPr>
+            <a:spLocks noGrp="1" noRot="1" noChangeAspect="1" noMove="1" noResize="1" noEditPoints="1" noAdjustHandles="1" noChangeArrowheads="1" noChangeShapeType="1" noTextEdit="1"/>
+          </p:cNvSpPr>
+          <p:nvPr>
+            <p:extLst>
+              <p:ext uri="{386F3935-93C4-4BCD-93E2-E3B085C9AB24}">
+                <p16:designElem xmlns:p16="http://schemas.microsoft.com/office/powerpoint/2015/main" val="1"/>
+              </p:ext>
+            </p:extLst>
+          </p:nvPr>
+        </p:nvSpPr>
+        <p:spPr>
+          <a:xfrm rot="2700000">
+            <a:off x="9629823" y="5457591"/>
+            <a:ext cx="2231794" cy="2568811"/>
+          </a:xfrm>
+          <a:custGeom>
+            <a:avLst/>
+            <a:gdLst>
+              <a:gd name="connsiteX0" fmla="*/ 0 w 2940086"/>
+              <a:gd name="connsiteY0" fmla="*/ 0 h 3384061"/>
+              <a:gd name="connsiteX1" fmla="*/ 2496112 w 2940086"/>
+              <a:gd name="connsiteY1" fmla="*/ 0 h 3384061"/>
+              <a:gd name="connsiteX2" fmla="*/ 2940086 w 2940086"/>
+              <a:gd name="connsiteY2" fmla="*/ 443975 h 3384061"/>
+              <a:gd name="connsiteX3" fmla="*/ 0 w 2940086"/>
+              <a:gd name="connsiteY3" fmla="*/ 3384061 h 3384061"/>
+            </a:gdLst>
+            <a:ahLst/>
+            <a:cxnLst>
+              <a:cxn ang="0">
+                <a:pos x="connsiteX0" y="connsiteY0"/>
+              </a:cxn>
+              <a:cxn ang="0">
+                <a:pos x="connsiteX1" y="connsiteY1"/>
+              </a:cxn>
+              <a:cxn ang="0">
+                <a:pos x="connsiteX2" y="connsiteY2"/>
+              </a:cxn>
+              <a:cxn ang="0">
+                <a:pos x="connsiteX3" y="connsiteY3"/>
+              </a:cxn>
+            </a:cxnLst>
+            <a:rect l="l" t="t" r="r" b="b"/>
+            <a:pathLst>
+              <a:path w="2940086" h="3384061">
+                <a:moveTo>
+                  <a:pt x="0" y="0"/>
+                </a:moveTo>
+                <a:lnTo>
+                  <a:pt x="2496112" y="0"/>
+                </a:lnTo>
+                <a:lnTo>
+                  <a:pt x="2940086" y="443975"/>
+                </a:lnTo>
+                <a:lnTo>
+                  <a:pt x="0" y="3384061"/>
+                </a:lnTo>
+                <a:close/>
+              </a:path>
+            </a:pathLst>
+          </a:custGeom>
+          <a:solidFill>
+            <a:schemeClr val="accent4">
+              <a:alpha val="40000"/>
+            </a:schemeClr>
+          </a:solidFill>
+          <a:ln>
+            <a:noFill/>
+          </a:ln>
+        </p:spPr>
+        <p:style>
+          <a:lnRef idx="2">
+            <a:schemeClr val="accent1">
+              <a:shade val="50000"/>
+            </a:schemeClr>
+          </a:lnRef>
+          <a:fillRef idx="1">
+            <a:schemeClr val="accent1"/>
+          </a:fillRef>
+          <a:effectRef idx="0">
+            <a:schemeClr val="accent1"/>
+          </a:effectRef>
+          <a:fontRef idx="minor">
+            <a:schemeClr val="lt1"/>
+          </a:fontRef>
+        </p:style>
+        <p:txBody>
+          <a:bodyPr wrap="square" rtlCol="0" anchor="ctr">
+            <a:noAutofit/>
+          </a:bodyPr>
+          <a:lstStyle/>
+          <a:p>
+            <a:pPr algn="ctr"/>
+            <a:endParaRPr lang="en-US"/>
+          </a:p>
+        </p:txBody>
+      </p:sp>
+      <p:sp>
+        <p:nvSpPr>
+          <p:cNvPr id="28" name="Rectangle 27">
+            <a:extLst>
+              <a:ext uri="{FF2B5EF4-FFF2-40B4-BE49-F238E27FC236}">
+                <a16:creationId xmlns:a16="http://schemas.microsoft.com/office/drawing/2014/main" id="{15E3C750-986E-4769-B1AE-49289FBEE757}"/>
+              </a:ext>
+              <a:ext uri="{C183D7F6-B498-43B3-948B-1728B52AA6E4}">
+                <adec:decorative xmlns:adec="http://schemas.microsoft.com/office/drawing/2017/decorative" val="1"/>
+              </a:ext>
+            </a:extLst>
+          </p:cNvPr>
+          <p:cNvSpPr>
+            <a:spLocks noGrp="1" noRot="1" noChangeAspect="1" noMove="1" noResize="1" noEditPoints="1" noAdjustHandles="1" noChangeArrowheads="1" noChangeShapeType="1" noTextEdit="1"/>
+          </p:cNvSpPr>
+          <p:nvPr>
+            <p:extLst>
+              <p:ext uri="{386F3935-93C4-4BCD-93E2-E3B085C9AB24}">
+                <p16:designElem xmlns:p16="http://schemas.microsoft.com/office/powerpoint/2015/main" val="1"/>
+              </p:ext>
+            </p:extLst>
+          </p:nvPr>
+        </p:nvSpPr>
+        <p:spPr>
+          <a:xfrm rot="2700000">
+            <a:off x="9720059" y="5243545"/>
+            <a:ext cx="959985" cy="959985"/>
+          </a:xfrm>
+          <a:prstGeom prst="rect">
+            <a:avLst/>
+          </a:prstGeom>
+          <a:solidFill>
+            <a:schemeClr val="accent4">
+              <a:alpha val="40000"/>
+            </a:schemeClr>
+          </a:solidFill>
+          <a:ln>
+            <a:noFill/>
+          </a:ln>
+        </p:spPr>
+        <p:style>
+          <a:lnRef idx="2">
+            <a:schemeClr val="accent1">
+              <a:shade val="50000"/>
+            </a:schemeClr>
+          </a:lnRef>
+          <a:fillRef idx="1">
+            <a:schemeClr val="accent1"/>
+          </a:fillRef>
+          <a:effectRef idx="0">
+            <a:schemeClr val="accent1"/>
+          </a:effectRef>
+          <a:fontRef idx="minor">
+            <a:schemeClr val="lt1"/>
+          </a:fontRef>
+        </p:style>
+        <p:txBody>
+          <a:bodyPr wrap="square" rtlCol="0" anchor="ctr">
+            <a:noAutofit/>
+          </a:bodyPr>
+          <a:lstStyle/>
+          <a:p>
+            <a:pPr algn="ctr"/>
+            <a:endParaRPr lang="en-US"/>
+          </a:p>
+        </p:txBody>
+      </p:sp>
+    </p:spTree>
+    <p:extLst>
+      <p:ext uri="{BB962C8B-B14F-4D97-AF65-F5344CB8AC3E}">
+        <p14:creationId xmlns:p14="http://schemas.microsoft.com/office/powerpoint/2010/main" val="2648515981"/>
+      </p:ext>
+    </p:extLst>
+  </p:cSld>
+  <p:clrMapOvr>
+    <a:masterClrMapping/>
+  </p:clrMapOvr>
+</p:sld>
+</file>
+
+<file path=ppt/slides/slide5.xml><?xml version="1.0" encoding="utf-8"?>
+<p:sld xmlns:a="http://schemas.openxmlformats.org/drawingml/2006/main" xmlns:r="http://schemas.openxmlformats.org/officeDocument/2006/relationships" xmlns:p="http://schemas.openxmlformats.org/presentationml/2006/main">
+  <p:cSld>
+    <p:spTree>
+      <p:nvGrpSpPr>
+        <p:cNvPr id="1" name=""/>
+        <p:cNvGrpSpPr/>
+        <p:nvPr/>
+      </p:nvGrpSpPr>
+      <p:grpSpPr>
+        <a:xfrm>
+          <a:off x="0" y="0"/>
+          <a:ext cx="0" cy="0"/>
+          <a:chOff x="0" y="0"/>
+          <a:chExt cx="0" cy="0"/>
+        </a:xfrm>
+      </p:grpSpPr>
+      <p:sp>
+        <p:nvSpPr>
+          <p:cNvPr id="4" name="標題 3">
+            <a:extLst>
+              <a:ext uri="{FF2B5EF4-FFF2-40B4-BE49-F238E27FC236}">
+                <a16:creationId xmlns:a16="http://schemas.microsoft.com/office/drawing/2014/main" id="{28F57E74-B3C9-401C-8CC5-355367A4BCC6}"/>
+              </a:ext>
+            </a:extLst>
+          </p:cNvPr>
+          <p:cNvSpPr>
+            <a:spLocks noGrp="1"/>
+          </p:cNvSpPr>
+          <p:nvPr>
+            <p:ph type="title"/>
+          </p:nvPr>
+        </p:nvSpPr>
+        <p:spPr/>
+        <p:txBody>
+          <a:bodyPr/>
+          <a:lstStyle/>
+          <a:p>
+            <a:r>
+              <a:rPr lang="en-US" altLang="zh-TW" dirty="0"/>
+              <a:t>Swagger 3</a:t>
+            </a:r>
+            <a:r>
+              <a:rPr lang="zh-TW" altLang="en-US" dirty="0"/>
+              <a:t>升級指南和新功能體驗！</a:t>
+            </a:r>
+          </a:p>
+        </p:txBody>
+      </p:sp>
+      <p:sp>
+        <p:nvSpPr>
+          <p:cNvPr id="9" name="內容版面配置區 8">
+            <a:extLst>
+              <a:ext uri="{FF2B5EF4-FFF2-40B4-BE49-F238E27FC236}">
+                <a16:creationId xmlns:a16="http://schemas.microsoft.com/office/drawing/2014/main" id="{17DD9CF7-7F5A-4FD4-99B9-E6EFEF5561A1}"/>
+              </a:ext>
+            </a:extLst>
+          </p:cNvPr>
+          <p:cNvSpPr>
+            <a:spLocks noGrp="1"/>
+          </p:cNvSpPr>
+          <p:nvPr>
+            <p:ph idx="1"/>
+          </p:nvPr>
+        </p:nvSpPr>
+        <p:spPr>
+          <a:xfrm>
+            <a:off x="838200" y="2092751"/>
+            <a:ext cx="10515600" cy="4084212"/>
+          </a:xfrm>
+        </p:spPr>
+        <p:txBody>
+          <a:bodyPr>
+            <a:normAutofit/>
+          </a:bodyPr>
+          <a:lstStyle/>
+          <a:p>
+            <a:r>
+              <a:rPr lang="en-US" altLang="zh-TW" sz="1800" dirty="0"/>
+              <a:t>1.</a:t>
+            </a:r>
+            <a:r>
+              <a:rPr lang="zh-TW" altLang="en-US" sz="1800" dirty="0"/>
+              <a:t>添加依赖</a:t>
+            </a:r>
+            <a:endParaRPr lang="en-US" altLang="zh-TW" sz="1800" dirty="0"/>
+          </a:p>
+          <a:p>
+            <a:endParaRPr lang="zh-TW" altLang="en-US" sz="1800" dirty="0"/>
+          </a:p>
+        </p:txBody>
+      </p:sp>
+      <p:sp>
+        <p:nvSpPr>
+          <p:cNvPr id="6" name="文字方塊 5">
+            <a:extLst>
+              <a:ext uri="{FF2B5EF4-FFF2-40B4-BE49-F238E27FC236}">
+                <a16:creationId xmlns:a16="http://schemas.microsoft.com/office/drawing/2014/main" id="{E1A95919-AF32-4FAA-9571-2789C43D8756}"/>
+              </a:ext>
+            </a:extLst>
+          </p:cNvPr>
+          <p:cNvSpPr txBox="1"/>
+          <p:nvPr/>
+        </p:nvSpPr>
+        <p:spPr>
+          <a:xfrm>
+            <a:off x="838200" y="1011116"/>
+            <a:ext cx="6097384" cy="923330"/>
+          </a:xfrm>
+          <a:prstGeom prst="rect">
+            <a:avLst/>
+          </a:prstGeom>
+          <a:noFill/>
+        </p:spPr>
+        <p:txBody>
+          <a:bodyPr wrap="square">
+            <a:spAutoFit/>
+          </a:bodyPr>
+          <a:lstStyle/>
+          <a:p>
+            <a:pPr algn="l"/>
+            <a:r>
+              <a:rPr lang="en-US" altLang="zh-CN" b="0" i="0" dirty="0">
+                <a:solidFill>
+                  <a:srgbClr val="212529"/>
+                </a:solidFill>
+                <a:effectLst/>
+                <a:latin typeface="標楷體" panose="03000509000000000000" pitchFamily="65" charset="-120"/>
+                <a:ea typeface="標楷體" panose="03000509000000000000" pitchFamily="65" charset="-120"/>
+              </a:rPr>
+              <a:t>Swagger </a:t>
+            </a:r>
+            <a:r>
+              <a:rPr lang="zh-CN" altLang="en-US" b="0" i="0" dirty="0">
+                <a:solidFill>
+                  <a:srgbClr val="212529"/>
+                </a:solidFill>
+                <a:effectLst/>
+                <a:latin typeface="標楷體" panose="03000509000000000000" pitchFamily="65" charset="-120"/>
+                <a:ea typeface="標楷體" panose="03000509000000000000" pitchFamily="65" charset="-120"/>
+              </a:rPr>
+              <a:t>最新版使用</a:t>
+            </a:r>
+          </a:p>
+          <a:p>
+            <a:pPr algn="l"/>
+            <a:r>
+              <a:rPr lang="en-US" altLang="zh-CN" b="0" i="0" dirty="0">
+                <a:solidFill>
+                  <a:srgbClr val="212529"/>
+                </a:solidFill>
+                <a:effectLst/>
+                <a:latin typeface="標楷體" panose="03000509000000000000" pitchFamily="65" charset="-120"/>
+                <a:ea typeface="標楷體" panose="03000509000000000000" pitchFamily="65" charset="-120"/>
+              </a:rPr>
+              <a:t>Swagger </a:t>
+            </a:r>
+            <a:r>
+              <a:rPr lang="zh-CN" altLang="en-US" b="0" i="0" dirty="0">
+                <a:solidFill>
+                  <a:srgbClr val="212529"/>
+                </a:solidFill>
+                <a:effectLst/>
+                <a:latin typeface="標楷體" panose="03000509000000000000" pitchFamily="65" charset="-120"/>
+                <a:ea typeface="標楷體" panose="03000509000000000000" pitchFamily="65" charset="-120"/>
+              </a:rPr>
+              <a:t>最新版的配置步驟和舊版本是一樣，只是每個具體的配置項又略有不同，具體步驟如下。</a:t>
+            </a:r>
+          </a:p>
+        </p:txBody>
+      </p:sp>
+      <p:pic>
+        <p:nvPicPr>
+          <p:cNvPr id="12" name="圖片 11">
+            <a:extLst>
+              <a:ext uri="{FF2B5EF4-FFF2-40B4-BE49-F238E27FC236}">
+                <a16:creationId xmlns:a16="http://schemas.microsoft.com/office/drawing/2014/main" id="{373F30DF-5389-477B-8A93-D89ABC37B009}"/>
+              </a:ext>
+            </a:extLst>
+          </p:cNvPr>
+          <p:cNvPicPr>
+            <a:picLocks noChangeAspect="1"/>
+          </p:cNvPicPr>
+          <p:nvPr/>
+        </p:nvPicPr>
+        <p:blipFill>
+          <a:blip r:embed="rId2"/>
+          <a:stretch>
+            <a:fillRect/>
+          </a:stretch>
+        </p:blipFill>
+        <p:spPr>
+          <a:xfrm>
+            <a:off x="1056006" y="2443573"/>
+            <a:ext cx="7020905" cy="1571844"/>
+          </a:xfrm>
+          <a:prstGeom prst="rect">
+            <a:avLst/>
+          </a:prstGeom>
+        </p:spPr>
+      </p:pic>
+      <p:sp>
+        <p:nvSpPr>
+          <p:cNvPr id="14" name="文字方塊 13">
+            <a:extLst>
+              <a:ext uri="{FF2B5EF4-FFF2-40B4-BE49-F238E27FC236}">
+                <a16:creationId xmlns:a16="http://schemas.microsoft.com/office/drawing/2014/main" id="{FEB2F637-77F5-487F-970C-A4FD74F86A1B}"/>
+              </a:ext>
+            </a:extLst>
+          </p:cNvPr>
+          <p:cNvSpPr txBox="1"/>
+          <p:nvPr/>
+        </p:nvSpPr>
+        <p:spPr>
+          <a:xfrm>
+            <a:off x="838200" y="4015417"/>
+            <a:ext cx="6097384" cy="646331"/>
+          </a:xfrm>
+          <a:prstGeom prst="rect">
+            <a:avLst/>
+          </a:prstGeom>
+          <a:noFill/>
+        </p:spPr>
+        <p:txBody>
+          <a:bodyPr wrap="square">
+            <a:spAutoFit/>
+          </a:bodyPr>
+          <a:lstStyle/>
+          <a:p>
+            <a:pPr algn="l"/>
+            <a:r>
+              <a:rPr lang="en-US" altLang="zh-TW" b="0" i="0" dirty="0">
+                <a:solidFill>
+                  <a:srgbClr val="212529"/>
+                </a:solidFill>
+                <a:effectLst/>
+                <a:latin typeface="標楷體" panose="03000509000000000000" pitchFamily="65" charset="-120"/>
+                <a:ea typeface="標楷體" panose="03000509000000000000" pitchFamily="65" charset="-120"/>
+              </a:rPr>
+              <a:t>2.</a:t>
+            </a:r>
+            <a:r>
+              <a:rPr lang="zh-TW" altLang="en-US" b="0" i="0" dirty="0">
+                <a:solidFill>
+                  <a:srgbClr val="212529"/>
+                </a:solidFill>
+                <a:effectLst/>
+                <a:latin typeface="標楷體" panose="03000509000000000000" pitchFamily="65" charset="-120"/>
+                <a:ea typeface="標楷體" panose="03000509000000000000" pitchFamily="65" charset="-120"/>
+              </a:rPr>
+              <a:t>開啟</a:t>
+            </a:r>
+            <a:r>
+              <a:rPr lang="en-US" altLang="zh-TW" b="0" i="0" dirty="0">
+                <a:solidFill>
+                  <a:srgbClr val="212529"/>
+                </a:solidFill>
+                <a:effectLst/>
+                <a:latin typeface="標楷體" panose="03000509000000000000" pitchFamily="65" charset="-120"/>
+                <a:ea typeface="標楷體" panose="03000509000000000000" pitchFamily="65" charset="-120"/>
+              </a:rPr>
+              <a:t>Swagger</a:t>
+            </a:r>
+          </a:p>
+          <a:p>
+            <a:pPr algn="l"/>
+            <a:endParaRPr lang="en-US" altLang="zh-TW" b="0" i="0" dirty="0">
+              <a:solidFill>
+                <a:srgbClr val="212529"/>
+              </a:solidFill>
+              <a:effectLst/>
+              <a:latin typeface="標楷體" panose="03000509000000000000" pitchFamily="65" charset="-120"/>
+              <a:ea typeface="標楷體" panose="03000509000000000000" pitchFamily="65" charset="-120"/>
+            </a:endParaRPr>
+          </a:p>
+        </p:txBody>
+      </p:sp>
+      <p:pic>
+        <p:nvPicPr>
+          <p:cNvPr id="16" name="圖片 15">
+            <a:extLst>
+              <a:ext uri="{FF2B5EF4-FFF2-40B4-BE49-F238E27FC236}">
+                <a16:creationId xmlns:a16="http://schemas.microsoft.com/office/drawing/2014/main" id="{B8897717-AAA5-4697-BA72-3A2E1A86D622}"/>
+              </a:ext>
+            </a:extLst>
+          </p:cNvPr>
+          <p:cNvPicPr>
+            <a:picLocks noChangeAspect="1"/>
+          </p:cNvPicPr>
+          <p:nvPr/>
+        </p:nvPicPr>
+        <p:blipFill>
+          <a:blip r:embed="rId3"/>
+          <a:stretch>
+            <a:fillRect/>
+          </a:stretch>
+        </p:blipFill>
+        <p:spPr>
+          <a:xfrm>
+            <a:off x="1056006" y="4524910"/>
+            <a:ext cx="6963747" cy="1000265"/>
+          </a:xfrm>
+          <a:prstGeom prst="rect">
+            <a:avLst/>
+          </a:prstGeom>
+        </p:spPr>
+      </p:pic>
+    </p:spTree>
+    <p:extLst>
+      <p:ext uri="{BB962C8B-B14F-4D97-AF65-F5344CB8AC3E}">
+        <p14:creationId xmlns:p14="http://schemas.microsoft.com/office/powerpoint/2010/main" val="2646438263"/>
+      </p:ext>
+    </p:extLst>
+  </p:cSld>
+  <p:clrMapOvr>
+    <a:masterClrMapping/>
+  </p:clrMapOvr>
+</p:sld>
+</file>
+
+<file path=ppt/slides/slide6.xml><?xml version="1.0" encoding="utf-8"?>
+<p:sld xmlns:a="http://schemas.openxmlformats.org/drawingml/2006/main" xmlns:r="http://schemas.openxmlformats.org/officeDocument/2006/relationships" xmlns:p="http://schemas.openxmlformats.org/presentationml/2006/main">
+  <p:cSld>
+    <p:spTree>
+      <p:nvGrpSpPr>
+        <p:cNvPr id="1" name=""/>
+        <p:cNvGrpSpPr/>
+        <p:nvPr/>
+      </p:nvGrpSpPr>
+      <p:grpSpPr>
+        <a:xfrm>
+          <a:off x="0" y="0"/>
+          <a:ext cx="0" cy="0"/>
+          <a:chOff x="0" y="0"/>
+          <a:chExt cx="0" cy="0"/>
+        </a:xfrm>
+      </p:grpSpPr>
+      <p:sp>
+        <p:nvSpPr>
+          <p:cNvPr id="4" name="標題 3">
+            <a:extLst>
+              <a:ext uri="{FF2B5EF4-FFF2-40B4-BE49-F238E27FC236}">
+                <a16:creationId xmlns:a16="http://schemas.microsoft.com/office/drawing/2014/main" id="{28F57E74-B3C9-401C-8CC5-355367A4BCC6}"/>
+              </a:ext>
+            </a:extLst>
+          </p:cNvPr>
+          <p:cNvSpPr>
+            <a:spLocks noGrp="1"/>
+          </p:cNvSpPr>
+          <p:nvPr>
+            <p:ph type="title"/>
+          </p:nvPr>
+        </p:nvSpPr>
+        <p:spPr/>
+        <p:txBody>
+          <a:bodyPr/>
+          <a:lstStyle/>
+          <a:p>
+            <a:r>
+              <a:rPr lang="en-US" altLang="zh-TW" dirty="0"/>
+              <a:t>Swagger 3</a:t>
+            </a:r>
+            <a:r>
+              <a:rPr lang="zh-TW" altLang="en-US" dirty="0"/>
+              <a:t>升級指南和新功能體驗！</a:t>
+            </a:r>
+          </a:p>
+        </p:txBody>
+      </p:sp>
+      <p:sp>
+        <p:nvSpPr>
+          <p:cNvPr id="11" name="文字方塊 10">
+            <a:extLst>
+              <a:ext uri="{FF2B5EF4-FFF2-40B4-BE49-F238E27FC236}">
+                <a16:creationId xmlns:a16="http://schemas.microsoft.com/office/drawing/2014/main" id="{0B6B60B5-7AD9-419C-A22E-3CDDB970B7D0}"/>
+              </a:ext>
+            </a:extLst>
+          </p:cNvPr>
+          <p:cNvSpPr txBox="1"/>
+          <p:nvPr/>
+        </p:nvSpPr>
+        <p:spPr>
+          <a:xfrm>
+            <a:off x="838200" y="1169774"/>
+            <a:ext cx="6097384" cy="369332"/>
+          </a:xfrm>
+          <a:prstGeom prst="rect">
+            <a:avLst/>
+          </a:prstGeom>
+          <a:noFill/>
+        </p:spPr>
+        <p:txBody>
+          <a:bodyPr wrap="square">
+            <a:spAutoFit/>
+          </a:bodyPr>
+          <a:lstStyle/>
+          <a:p>
+            <a:pPr algn="l"/>
+            <a:r>
+              <a:rPr lang="en-US" altLang="zh-TW" b="0" i="0" dirty="0">
+                <a:solidFill>
+                  <a:srgbClr val="212529"/>
+                </a:solidFill>
+                <a:effectLst/>
+                <a:latin typeface="標楷體" panose="03000509000000000000" pitchFamily="65" charset="-120"/>
+                <a:ea typeface="標楷體" panose="03000509000000000000" pitchFamily="65" charset="-120"/>
+              </a:rPr>
+              <a:t>3.</a:t>
+            </a:r>
+            <a:r>
+              <a:rPr lang="zh-TW" altLang="en-US" b="0" i="0" dirty="0">
+                <a:solidFill>
+                  <a:srgbClr val="212529"/>
+                </a:solidFill>
+                <a:effectLst/>
+                <a:latin typeface="標楷體" panose="03000509000000000000" pitchFamily="65" charset="-120"/>
+                <a:ea typeface="標楷體" panose="03000509000000000000" pitchFamily="65" charset="-120"/>
+              </a:rPr>
+              <a:t>配置摘要信息</a:t>
+            </a:r>
+          </a:p>
+        </p:txBody>
+      </p:sp>
+      <p:sp>
+        <p:nvSpPr>
+          <p:cNvPr id="19" name="Rectangle 7">
+            <a:extLst>
+              <a:ext uri="{FF2B5EF4-FFF2-40B4-BE49-F238E27FC236}">
+                <a16:creationId xmlns:a16="http://schemas.microsoft.com/office/drawing/2014/main" id="{006C0538-DCBC-4B16-A47E-9858DFC0AD52}"/>
+              </a:ext>
+            </a:extLst>
+          </p:cNvPr>
+          <p:cNvSpPr>
+            <a:spLocks noChangeArrowheads="1"/>
+          </p:cNvSpPr>
+          <p:nvPr/>
+        </p:nvSpPr>
+        <p:spPr bwMode="auto">
+          <a:xfrm>
+            <a:off x="914400" y="1607676"/>
+            <a:ext cx="6733309" cy="2492990"/>
+          </a:xfrm>
+          <a:prstGeom prst="rect">
+            <a:avLst/>
+          </a:prstGeom>
+          <a:solidFill>
+            <a:srgbClr val="2B2B2B"/>
+          </a:solidFill>
+          <a:ln>
+            <a:noFill/>
+          </a:ln>
+          <a:effectLst/>
+          <a:extLst>
+            <a:ext uri="{91240B29-F687-4F45-9708-019B960494DF}">
+              <a14:hiddenLine xmlns:a14="http://schemas.microsoft.com/office/drawing/2010/main" w="9525">
+                <a:solidFill>
+                  <a:schemeClr val="tx1"/>
+                </a:solidFill>
+                <a:miter lim="800000"/>
+                <a:headEnd/>
+                <a:tailEnd/>
+              </a14:hiddenLine>
+            </a:ext>
+            <a:ext uri="{AF507438-7753-43E0-B8FC-AC1667EBCBE1}">
+              <a14:hiddenEffects xmlns:a14="http://schemas.microsoft.com/office/drawing/2010/main">
+                <a:effectLst>
+                  <a:outerShdw dist="35921" dir="2700000" algn="ctr" rotWithShape="0">
+                    <a:schemeClr val="bg2"/>
+                  </a:outerShdw>
+                </a:effectLst>
+              </a14:hiddenEffects>
+            </a:ext>
+          </a:extLst>
+        </p:spPr>
+        <p:txBody>
+          <a:bodyPr vert="horz" wrap="square" lIns="91440" tIns="45720" rIns="91440" bIns="45720" numCol="1" anchor="ctr" anchorCtr="0" compatLnSpc="1">
+            <a:prstTxWarp prst="textNoShape">
+              <a:avLst/>
+            </a:prstTxWarp>
+            <a:spAutoFit/>
+          </a:bodyPr>
+          <a:lstStyle/>
+          <a:p>
+            <a:pPr marL="0" marR="0" lvl="0" indent="0" algn="l" defTabSz="914400" rtl="0" eaLnBrk="0" fontAlgn="base" latinLnBrk="0" hangingPunct="0">
+              <a:lnSpc>
+                <a:spcPct val="100000"/>
+              </a:lnSpc>
+              <a:spcBef>
+                <a:spcPct val="0"/>
+              </a:spcBef>
+              <a:spcAft>
+                <a:spcPct val="0"/>
+              </a:spcAft>
+              <a:buClrTx/>
+              <a:buSzTx/>
+              <a:buFontTx/>
+              <a:buNone/>
+              <a:tabLst/>
+            </a:pPr>
+            <a:r>
+              <a:rPr kumimoji="0" lang="zh-TW" altLang="zh-TW" sz="1300" b="0" i="0" u="none" strike="noStrike" cap="none" normalizeH="0" baseline="0" dirty="0">
+                <a:ln>
+                  <a:noFill/>
+                </a:ln>
+                <a:solidFill>
+                  <a:srgbClr val="BBB529"/>
+                </a:solidFill>
+                <a:effectLst/>
+                <a:latin typeface="Arial Unicode MS" panose="020B0604020202020204" pitchFamily="34" charset="-120"/>
+                <a:ea typeface="JetBrains Mono"/>
+              </a:rPr>
+              <a:t>@Configuration</a:t>
+            </a:r>
+            <a:br>
+              <a:rPr kumimoji="0" lang="zh-TW" altLang="zh-TW" sz="1300" b="0" i="0" u="none" strike="noStrike" cap="none" normalizeH="0" baseline="0" dirty="0">
+                <a:ln>
+                  <a:noFill/>
+                </a:ln>
+                <a:solidFill>
+                  <a:srgbClr val="BBB529"/>
+                </a:solidFill>
+                <a:effectLst/>
+                <a:latin typeface="Arial Unicode MS" panose="020B0604020202020204" pitchFamily="34" charset="-120"/>
+                <a:ea typeface="JetBrains Mono"/>
+              </a:rPr>
+            </a:br>
+            <a:r>
+              <a:rPr kumimoji="0" lang="zh-TW" altLang="zh-TW" sz="1300" b="0" i="0" u="none" strike="noStrike" cap="none" normalizeH="0" baseline="0" dirty="0">
+                <a:ln>
+                  <a:noFill/>
+                </a:ln>
+                <a:solidFill>
+                  <a:srgbClr val="BBB529"/>
+                </a:solidFill>
+                <a:effectLst/>
+                <a:latin typeface="Arial Unicode MS" panose="020B0604020202020204" pitchFamily="34" charset="-120"/>
+                <a:ea typeface="JetBrains Mono"/>
+              </a:rPr>
+              <a:t>@EnableOpenApi</a:t>
+            </a:r>
+            <a:br>
+              <a:rPr kumimoji="0" lang="zh-TW" altLang="zh-TW" sz="1300" b="0" i="0" u="none" strike="noStrike" cap="none" normalizeH="0" baseline="0" dirty="0">
+                <a:ln>
+                  <a:noFill/>
+                </a:ln>
+                <a:solidFill>
+                  <a:srgbClr val="BBB529"/>
+                </a:solidFill>
+                <a:effectLst/>
+                <a:latin typeface="Arial Unicode MS" panose="020B0604020202020204" pitchFamily="34" charset="-120"/>
+                <a:ea typeface="JetBrains Mono"/>
+              </a:rPr>
+            </a:br>
+            <a:r>
+              <a:rPr kumimoji="0" lang="zh-TW" altLang="zh-TW" sz="1300" b="0" i="0" u="none" strike="noStrike" cap="none" normalizeH="0" baseline="0" dirty="0">
+                <a:ln>
+                  <a:noFill/>
+                </a:ln>
+                <a:solidFill>
+                  <a:srgbClr val="CC7832"/>
+                </a:solidFill>
+                <a:effectLst/>
+                <a:latin typeface="Arial Unicode MS" panose="020B0604020202020204" pitchFamily="34" charset="-120"/>
+                <a:ea typeface="JetBrains Mono"/>
+              </a:rPr>
+              <a:t>public class </a:t>
+            </a:r>
+            <a:r>
+              <a:rPr kumimoji="0" lang="zh-TW" altLang="zh-TW" sz="1300" b="0" i="0" u="none" strike="noStrike" cap="none" normalizeH="0" baseline="0" dirty="0">
+                <a:ln>
+                  <a:noFill/>
+                </a:ln>
+                <a:solidFill>
+                  <a:srgbClr val="A9B7C6"/>
+                </a:solidFill>
+                <a:effectLst/>
+                <a:latin typeface="Arial Unicode MS" panose="020B0604020202020204" pitchFamily="34" charset="-120"/>
+                <a:ea typeface="JetBrains Mono"/>
+              </a:rPr>
+              <a:t>Swagger2 {</a:t>
+            </a:r>
+            <a:br>
+              <a:rPr kumimoji="0" lang="zh-TW" altLang="zh-TW" sz="1300" b="0" i="0" u="none" strike="noStrike" cap="none" normalizeH="0" baseline="0" dirty="0">
+                <a:ln>
+                  <a:noFill/>
+                </a:ln>
+                <a:solidFill>
+                  <a:srgbClr val="A9B7C6"/>
+                </a:solidFill>
+                <a:effectLst/>
+                <a:latin typeface="Arial Unicode MS" panose="020B0604020202020204" pitchFamily="34" charset="-120"/>
+                <a:ea typeface="JetBrains Mono"/>
+              </a:rPr>
+            </a:br>
+            <a:r>
+              <a:rPr kumimoji="0" lang="zh-TW" altLang="zh-TW" sz="1300" b="0" i="0" u="none" strike="noStrike" cap="none" normalizeH="0" baseline="0" dirty="0">
+                <a:ln>
+                  <a:noFill/>
+                </a:ln>
+                <a:solidFill>
+                  <a:srgbClr val="A9B7C6"/>
+                </a:solidFill>
+                <a:effectLst/>
+                <a:latin typeface="Arial Unicode MS" panose="020B0604020202020204" pitchFamily="34" charset="-120"/>
+                <a:ea typeface="JetBrains Mono"/>
+              </a:rPr>
+              <a:t>    </a:t>
+            </a:r>
+            <a:r>
+              <a:rPr kumimoji="0" lang="zh-TW" altLang="zh-TW" sz="1300" b="0" i="0" u="none" strike="noStrike" cap="none" normalizeH="0" baseline="0" dirty="0">
+                <a:ln>
+                  <a:noFill/>
+                </a:ln>
+                <a:solidFill>
+                  <a:srgbClr val="BBB529"/>
+                </a:solidFill>
+                <a:effectLst/>
+                <a:latin typeface="Arial Unicode MS" panose="020B0604020202020204" pitchFamily="34" charset="-120"/>
+                <a:ea typeface="JetBrains Mono"/>
+              </a:rPr>
+              <a:t>@Bean</a:t>
+            </a:r>
+            <a:br>
+              <a:rPr kumimoji="0" lang="zh-TW" altLang="zh-TW" sz="1300" b="0" i="0" u="none" strike="noStrike" cap="none" normalizeH="0" baseline="0" dirty="0">
+                <a:ln>
+                  <a:noFill/>
+                </a:ln>
+                <a:solidFill>
+                  <a:srgbClr val="BBB529"/>
+                </a:solidFill>
+                <a:effectLst/>
+                <a:latin typeface="Arial Unicode MS" panose="020B0604020202020204" pitchFamily="34" charset="-120"/>
+                <a:ea typeface="JetBrains Mono"/>
+              </a:rPr>
+            </a:br>
+            <a:r>
+              <a:rPr kumimoji="0" lang="zh-TW" altLang="zh-TW" sz="1300" b="0" i="0" u="none" strike="noStrike" cap="none" normalizeH="0" baseline="0" dirty="0">
+                <a:ln>
+                  <a:noFill/>
+                </a:ln>
+                <a:solidFill>
+                  <a:srgbClr val="BBB529"/>
+                </a:solidFill>
+                <a:effectLst/>
+                <a:latin typeface="Arial Unicode MS" panose="020B0604020202020204" pitchFamily="34" charset="-120"/>
+                <a:ea typeface="JetBrains Mono"/>
+              </a:rPr>
+              <a:t>    </a:t>
+            </a:r>
+            <a:r>
+              <a:rPr kumimoji="0" lang="zh-TW" altLang="zh-TW" sz="1300" b="0" i="0" u="none" strike="noStrike" cap="none" normalizeH="0" baseline="0" dirty="0">
+                <a:ln>
+                  <a:noFill/>
+                </a:ln>
+                <a:solidFill>
+                  <a:srgbClr val="CC7832"/>
+                </a:solidFill>
+                <a:effectLst/>
+                <a:latin typeface="Arial Unicode MS" panose="020B0604020202020204" pitchFamily="34" charset="-120"/>
+                <a:ea typeface="JetBrains Mono"/>
+              </a:rPr>
+              <a:t>public </a:t>
+            </a:r>
+            <a:r>
+              <a:rPr kumimoji="0" lang="zh-TW" altLang="zh-TW" sz="1300" b="0" i="0" u="none" strike="noStrike" cap="none" normalizeH="0" baseline="0" dirty="0">
+                <a:ln>
+                  <a:noFill/>
+                </a:ln>
+                <a:solidFill>
+                  <a:srgbClr val="A9B7C6"/>
+                </a:solidFill>
+                <a:effectLst/>
+                <a:latin typeface="Arial Unicode MS" panose="020B0604020202020204" pitchFamily="34" charset="-120"/>
+                <a:ea typeface="JetBrains Mono"/>
+              </a:rPr>
+              <a:t>Docket </a:t>
+            </a:r>
+            <a:r>
+              <a:rPr kumimoji="0" lang="zh-TW" altLang="zh-TW" sz="1300" b="0" i="0" u="none" strike="noStrike" cap="none" normalizeH="0" baseline="0" dirty="0">
+                <a:ln>
+                  <a:noFill/>
+                </a:ln>
+                <a:solidFill>
+                  <a:srgbClr val="FFC66D"/>
+                </a:solidFill>
+                <a:effectLst/>
+                <a:latin typeface="Arial Unicode MS" panose="020B0604020202020204" pitchFamily="34" charset="-120"/>
+                <a:ea typeface="JetBrains Mono"/>
+              </a:rPr>
+              <a:t>createRestApi</a:t>
+            </a:r>
+            <a:r>
+              <a:rPr kumimoji="0" lang="zh-TW" altLang="zh-TW" sz="1300" b="0" i="0" u="none" strike="noStrike" cap="none" normalizeH="0" baseline="0" dirty="0">
+                <a:ln>
+                  <a:noFill/>
+                </a:ln>
+                <a:solidFill>
+                  <a:srgbClr val="A9B7C6"/>
+                </a:solidFill>
+                <a:effectLst/>
+                <a:latin typeface="Arial Unicode MS" panose="020B0604020202020204" pitchFamily="34" charset="-120"/>
+                <a:ea typeface="JetBrains Mono"/>
+              </a:rPr>
+              <a:t>() {</a:t>
+            </a:r>
+            <a:br>
+              <a:rPr kumimoji="0" lang="zh-TW" altLang="zh-TW" sz="1300" b="0" i="0" u="none" strike="noStrike" cap="none" normalizeH="0" baseline="0" dirty="0">
+                <a:ln>
+                  <a:noFill/>
+                </a:ln>
+                <a:solidFill>
+                  <a:srgbClr val="A9B7C6"/>
+                </a:solidFill>
+                <a:effectLst/>
+                <a:latin typeface="Arial Unicode MS" panose="020B0604020202020204" pitchFamily="34" charset="-120"/>
+                <a:ea typeface="JetBrains Mono"/>
+              </a:rPr>
+            </a:br>
+            <a:r>
+              <a:rPr kumimoji="0" lang="zh-TW" altLang="zh-TW" sz="1300" b="0" i="0" u="none" strike="noStrike" cap="none" normalizeH="0" baseline="0" dirty="0">
+                <a:ln>
+                  <a:noFill/>
+                </a:ln>
+                <a:solidFill>
+                  <a:srgbClr val="A9B7C6"/>
+                </a:solidFill>
+                <a:effectLst/>
+                <a:latin typeface="Arial Unicode MS" panose="020B0604020202020204" pitchFamily="34" charset="-120"/>
+                <a:ea typeface="JetBrains Mono"/>
+              </a:rPr>
+              <a:t>        </a:t>
+            </a:r>
+            <a:r>
+              <a:rPr kumimoji="0" lang="zh-TW" altLang="zh-TW" sz="1300" b="0" i="0" u="none" strike="noStrike" cap="none" normalizeH="0" baseline="0" dirty="0">
+                <a:ln>
+                  <a:noFill/>
+                </a:ln>
+                <a:solidFill>
+                  <a:srgbClr val="CC7832"/>
+                </a:solidFill>
+                <a:effectLst/>
+                <a:latin typeface="Arial Unicode MS" panose="020B0604020202020204" pitchFamily="34" charset="-120"/>
+                <a:ea typeface="JetBrains Mono"/>
+              </a:rPr>
+              <a:t>return new </a:t>
+            </a:r>
+            <a:r>
+              <a:rPr kumimoji="0" lang="zh-TW" altLang="zh-TW" sz="1300" b="0" i="0" u="none" strike="noStrike" cap="none" normalizeH="0" baseline="0" dirty="0">
+                <a:ln>
+                  <a:noFill/>
+                </a:ln>
+                <a:solidFill>
+                  <a:srgbClr val="A9B7C6"/>
+                </a:solidFill>
+                <a:effectLst/>
+                <a:latin typeface="Arial Unicode MS" panose="020B0604020202020204" pitchFamily="34" charset="-120"/>
+                <a:ea typeface="JetBrains Mono"/>
+              </a:rPr>
+              <a:t>Docket(DocumentationType.</a:t>
+            </a:r>
+            <a:r>
+              <a:rPr kumimoji="0" lang="zh-TW" altLang="zh-TW" sz="1300" b="0" i="1" u="none" strike="noStrike" cap="none" normalizeH="0" baseline="0" dirty="0">
+                <a:ln>
+                  <a:noFill/>
+                </a:ln>
+                <a:solidFill>
+                  <a:srgbClr val="9876AA"/>
+                </a:solidFill>
+                <a:effectLst/>
+                <a:latin typeface="Arial Unicode MS" panose="020B0604020202020204" pitchFamily="34" charset="-120"/>
+                <a:ea typeface="JetBrains Mono"/>
+              </a:rPr>
+              <a:t>OAS_30</a:t>
+            </a:r>
+            <a:r>
+              <a:rPr kumimoji="0" lang="zh-TW" altLang="zh-TW" sz="1300" b="0" i="0" u="none" strike="noStrike" cap="none" normalizeH="0" baseline="0" dirty="0">
+                <a:ln>
+                  <a:noFill/>
+                </a:ln>
+                <a:solidFill>
+                  <a:srgbClr val="A9B7C6"/>
+                </a:solidFill>
+                <a:effectLst/>
+                <a:latin typeface="Arial Unicode MS" panose="020B0604020202020204" pitchFamily="34" charset="-120"/>
+                <a:ea typeface="JetBrains Mono"/>
+              </a:rPr>
+              <a:t>)</a:t>
+            </a:r>
+            <a:br>
+              <a:rPr kumimoji="0" lang="zh-TW" altLang="zh-TW" sz="1300" b="0" i="0" u="none" strike="noStrike" cap="none" normalizeH="0" baseline="0" dirty="0">
+                <a:ln>
+                  <a:noFill/>
+                </a:ln>
+                <a:solidFill>
+                  <a:srgbClr val="A9B7C6"/>
+                </a:solidFill>
+                <a:effectLst/>
+                <a:latin typeface="Arial Unicode MS" panose="020B0604020202020204" pitchFamily="34" charset="-120"/>
+                <a:ea typeface="JetBrains Mono"/>
+              </a:rPr>
+            </a:br>
+            <a:r>
+              <a:rPr kumimoji="0" lang="zh-TW" altLang="zh-TW" sz="1300" b="0" i="0" u="none" strike="noStrike" cap="none" normalizeH="0" baseline="0" dirty="0">
+                <a:ln>
+                  <a:noFill/>
+                </a:ln>
+                <a:solidFill>
+                  <a:srgbClr val="A9B7C6"/>
+                </a:solidFill>
+                <a:effectLst/>
+                <a:latin typeface="Arial Unicode MS" panose="020B0604020202020204" pitchFamily="34" charset="-120"/>
+                <a:ea typeface="JetBrains Mono"/>
+              </a:rPr>
+              <a:t>                .apiInfo(apiInfo())</a:t>
+            </a:r>
+            <a:br>
+              <a:rPr kumimoji="0" lang="zh-TW" altLang="zh-TW" sz="1300" b="0" i="0" u="none" strike="noStrike" cap="none" normalizeH="0" baseline="0" dirty="0">
+                <a:ln>
+                  <a:noFill/>
+                </a:ln>
+                <a:solidFill>
+                  <a:srgbClr val="A9B7C6"/>
+                </a:solidFill>
+                <a:effectLst/>
+                <a:latin typeface="Arial Unicode MS" panose="020B0604020202020204" pitchFamily="34" charset="-120"/>
+                <a:ea typeface="JetBrains Mono"/>
+              </a:rPr>
+            </a:br>
+            <a:r>
+              <a:rPr kumimoji="0" lang="zh-TW" altLang="zh-TW" sz="1300" b="0" i="0" u="none" strike="noStrike" cap="none" normalizeH="0" baseline="0" dirty="0">
+                <a:ln>
+                  <a:noFill/>
+                </a:ln>
+                <a:solidFill>
+                  <a:srgbClr val="A9B7C6"/>
+                </a:solidFill>
+                <a:effectLst/>
+                <a:latin typeface="Arial Unicode MS" panose="020B0604020202020204" pitchFamily="34" charset="-120"/>
+                <a:ea typeface="JetBrains Mono"/>
+              </a:rPr>
+              <a:t>                .select()</a:t>
+            </a:r>
+            <a:br>
+              <a:rPr kumimoji="0" lang="zh-TW" altLang="zh-TW" sz="1300" b="0" i="0" u="none" strike="noStrike" cap="none" normalizeH="0" baseline="0" dirty="0">
+                <a:ln>
+                  <a:noFill/>
+                </a:ln>
+                <a:solidFill>
+                  <a:srgbClr val="A9B7C6"/>
+                </a:solidFill>
+                <a:effectLst/>
+                <a:latin typeface="Arial Unicode MS" panose="020B0604020202020204" pitchFamily="34" charset="-120"/>
+                <a:ea typeface="JetBrains Mono"/>
+              </a:rPr>
+            </a:br>
+            <a:r>
+              <a:rPr kumimoji="0" lang="zh-TW" altLang="zh-TW" sz="1300" b="0" i="0" u="none" strike="noStrike" cap="none" normalizeH="0" baseline="0" dirty="0">
+                <a:ln>
+                  <a:noFill/>
+                </a:ln>
+                <a:solidFill>
+                  <a:srgbClr val="A9B7C6"/>
+                </a:solidFill>
+                <a:effectLst/>
+                <a:latin typeface="Arial Unicode MS" panose="020B0604020202020204" pitchFamily="34" charset="-120"/>
+                <a:ea typeface="JetBrains Mono"/>
+              </a:rPr>
+              <a:t>                .apis(RequestHandlerSelectors.</a:t>
+            </a:r>
+            <a:r>
+              <a:rPr kumimoji="0" lang="zh-TW" altLang="zh-TW" sz="1300" b="0" i="1" u="none" strike="noStrike" cap="none" normalizeH="0" baseline="0" dirty="0">
+                <a:ln>
+                  <a:noFill/>
+                </a:ln>
+                <a:solidFill>
+                  <a:srgbClr val="A9B7C6"/>
+                </a:solidFill>
+                <a:effectLst/>
+                <a:latin typeface="Arial Unicode MS" panose="020B0604020202020204" pitchFamily="34" charset="-120"/>
+                <a:ea typeface="JetBrains Mono"/>
+              </a:rPr>
+              <a:t>any</a:t>
+            </a:r>
+            <a:r>
+              <a:rPr kumimoji="0" lang="zh-TW" altLang="zh-TW" sz="1300" b="0" i="0" u="none" strike="noStrike" cap="none" normalizeH="0" baseline="0" dirty="0">
+                <a:ln>
+                  <a:noFill/>
+                </a:ln>
+                <a:solidFill>
+                  <a:srgbClr val="A9B7C6"/>
+                </a:solidFill>
+                <a:effectLst/>
+                <a:latin typeface="Arial Unicode MS" panose="020B0604020202020204" pitchFamily="34" charset="-120"/>
+                <a:ea typeface="JetBrains Mono"/>
+              </a:rPr>
+              <a:t>())</a:t>
+            </a:r>
+            <a:br>
+              <a:rPr kumimoji="0" lang="zh-TW" altLang="zh-TW" sz="1300" b="0" i="0" u="none" strike="noStrike" cap="none" normalizeH="0" baseline="0" dirty="0">
+                <a:ln>
+                  <a:noFill/>
+                </a:ln>
+                <a:solidFill>
+                  <a:srgbClr val="A9B7C6"/>
+                </a:solidFill>
+                <a:effectLst/>
+                <a:latin typeface="Arial Unicode MS" panose="020B0604020202020204" pitchFamily="34" charset="-120"/>
+                <a:ea typeface="JetBrains Mono"/>
+              </a:rPr>
+            </a:br>
+            <a:r>
+              <a:rPr kumimoji="0" lang="zh-TW" altLang="zh-TW" sz="1300" b="0" i="0" u="none" strike="noStrike" cap="none" normalizeH="0" baseline="0" dirty="0">
+                <a:ln>
+                  <a:noFill/>
+                </a:ln>
+                <a:solidFill>
+                  <a:srgbClr val="A9B7C6"/>
+                </a:solidFill>
+                <a:effectLst/>
+                <a:latin typeface="Arial Unicode MS" panose="020B0604020202020204" pitchFamily="34" charset="-120"/>
+                <a:ea typeface="JetBrains Mono"/>
+              </a:rPr>
+              <a:t>                .paths(PathSelectors.</a:t>
+            </a:r>
+            <a:r>
+              <a:rPr kumimoji="0" lang="zh-TW" altLang="zh-TW" sz="1300" b="0" i="1" u="none" strike="noStrike" cap="none" normalizeH="0" baseline="0" dirty="0">
+                <a:ln>
+                  <a:noFill/>
+                </a:ln>
+                <a:solidFill>
+                  <a:srgbClr val="A9B7C6"/>
+                </a:solidFill>
+                <a:effectLst/>
+                <a:latin typeface="Arial Unicode MS" panose="020B0604020202020204" pitchFamily="34" charset="-120"/>
+                <a:ea typeface="JetBrains Mono"/>
+              </a:rPr>
+              <a:t>any</a:t>
+            </a:r>
+            <a:r>
+              <a:rPr kumimoji="0" lang="zh-TW" altLang="zh-TW" sz="1300" b="0" i="0" u="none" strike="noStrike" cap="none" normalizeH="0" baseline="0" dirty="0">
+                <a:ln>
+                  <a:noFill/>
+                </a:ln>
+                <a:solidFill>
+                  <a:srgbClr val="A9B7C6"/>
+                </a:solidFill>
+                <a:effectLst/>
+                <a:latin typeface="Arial Unicode MS" panose="020B0604020202020204" pitchFamily="34" charset="-120"/>
+                <a:ea typeface="JetBrains Mono"/>
+              </a:rPr>
+              <a:t>())</a:t>
+            </a:r>
+            <a:r>
+              <a:rPr kumimoji="0" lang="zh-TW" altLang="zh-TW" sz="1300" b="0" i="0" u="none" strike="noStrike" cap="none" normalizeH="0" baseline="0" dirty="0">
+                <a:ln>
+                  <a:noFill/>
+                </a:ln>
+                <a:solidFill>
+                  <a:srgbClr val="808080"/>
+                </a:solidFill>
+                <a:effectLst/>
+                <a:latin typeface="Arial Unicode MS" panose="020B0604020202020204" pitchFamily="34" charset="-120"/>
+                <a:ea typeface="JetBrains Mono"/>
+              </a:rPr>
+              <a:t>//paths(PathSelectors.regex("/.*"))</a:t>
+            </a:r>
+            <a:br>
+              <a:rPr kumimoji="0" lang="zh-TW" altLang="zh-TW" sz="1300" b="0" i="0" u="none" strike="noStrike" cap="none" normalizeH="0" baseline="0" dirty="0">
+                <a:ln>
+                  <a:noFill/>
+                </a:ln>
+                <a:solidFill>
+                  <a:srgbClr val="808080"/>
+                </a:solidFill>
+                <a:effectLst/>
+                <a:latin typeface="Arial Unicode MS" panose="020B0604020202020204" pitchFamily="34" charset="-120"/>
+                <a:ea typeface="JetBrains Mono"/>
+              </a:rPr>
+            </a:br>
+            <a:r>
+              <a:rPr kumimoji="0" lang="zh-TW" altLang="zh-TW" sz="1300" b="0" i="0" u="none" strike="noStrike" cap="none" normalizeH="0" baseline="0" dirty="0">
+                <a:ln>
+                  <a:noFill/>
+                </a:ln>
+                <a:solidFill>
+                  <a:srgbClr val="808080"/>
+                </a:solidFill>
+                <a:effectLst/>
+                <a:latin typeface="Arial Unicode MS" panose="020B0604020202020204" pitchFamily="34" charset="-120"/>
+                <a:ea typeface="JetBrains Mono"/>
+              </a:rPr>
+              <a:t>                </a:t>
+            </a:r>
+            <a:r>
+              <a:rPr kumimoji="0" lang="zh-TW" altLang="zh-TW" sz="1300" b="0" i="0" u="none" strike="noStrike" cap="none" normalizeH="0" baseline="0" dirty="0">
+                <a:ln>
+                  <a:noFill/>
+                </a:ln>
+                <a:solidFill>
+                  <a:srgbClr val="A9B7C6"/>
+                </a:solidFill>
+                <a:effectLst/>
+                <a:latin typeface="Arial Unicode MS" panose="020B0604020202020204" pitchFamily="34" charset="-120"/>
+                <a:ea typeface="JetBrains Mono"/>
+              </a:rPr>
+              <a:t>.build()</a:t>
+            </a:r>
+            <a:r>
+              <a:rPr kumimoji="0" lang="zh-TW" altLang="zh-TW" sz="1300" b="0" i="0" u="none" strike="noStrike" cap="none" normalizeH="0" baseline="0" dirty="0">
+                <a:ln>
+                  <a:noFill/>
+                </a:ln>
+                <a:solidFill>
+                  <a:srgbClr val="CC7832"/>
+                </a:solidFill>
+                <a:effectLst/>
+                <a:latin typeface="Arial Unicode MS" panose="020B0604020202020204" pitchFamily="34" charset="-120"/>
+                <a:ea typeface="JetBrains Mono"/>
+              </a:rPr>
+              <a:t>;</a:t>
+            </a:r>
+            <a:br>
+              <a:rPr kumimoji="0" lang="zh-TW" altLang="zh-TW" sz="1300" b="0" i="0" u="none" strike="noStrike" cap="none" normalizeH="0" baseline="0" dirty="0">
+                <a:ln>
+                  <a:noFill/>
+                </a:ln>
+                <a:solidFill>
+                  <a:srgbClr val="CC7832"/>
+                </a:solidFill>
+                <a:effectLst/>
+                <a:latin typeface="Arial Unicode MS" panose="020B0604020202020204" pitchFamily="34" charset="-120"/>
+                <a:ea typeface="JetBrains Mono"/>
+              </a:rPr>
+            </a:br>
+            <a:r>
+              <a:rPr kumimoji="0" lang="zh-TW" altLang="zh-TW" sz="1300" b="0" i="0" u="none" strike="noStrike" cap="none" normalizeH="0" baseline="0" dirty="0">
+                <a:ln>
+                  <a:noFill/>
+                </a:ln>
+                <a:solidFill>
+                  <a:srgbClr val="CC7832"/>
+                </a:solidFill>
+                <a:effectLst/>
+                <a:latin typeface="Arial Unicode MS" panose="020B0604020202020204" pitchFamily="34" charset="-120"/>
+                <a:ea typeface="JetBrains Mono"/>
+              </a:rPr>
+              <a:t>    </a:t>
+            </a:r>
+            <a:r>
+              <a:rPr kumimoji="0" lang="zh-TW" altLang="zh-TW" sz="1300" b="0" i="0" u="none" strike="noStrike" cap="none" normalizeH="0" baseline="0" dirty="0">
+                <a:ln>
+                  <a:noFill/>
+                </a:ln>
+                <a:solidFill>
+                  <a:srgbClr val="A9B7C6"/>
+                </a:solidFill>
+                <a:effectLst/>
+                <a:latin typeface="Arial Unicode MS" panose="020B0604020202020204" pitchFamily="34" charset="-120"/>
+                <a:ea typeface="JetBrains Mono"/>
+              </a:rPr>
+              <a:t>}</a:t>
+            </a:r>
+            <a:endParaRPr kumimoji="0" lang="zh-TW" altLang="zh-TW" sz="1800" b="0" i="0" u="none" strike="noStrike" cap="none" normalizeH="0" baseline="0" dirty="0">
+              <a:ln>
+                <a:noFill/>
+              </a:ln>
+              <a:solidFill>
+                <a:schemeClr val="tx1"/>
+              </a:solidFill>
+              <a:effectLst/>
+              <a:latin typeface="Arial" panose="020B0604020202020204" pitchFamily="34" charset="0"/>
+            </a:endParaRPr>
+          </a:p>
+        </p:txBody>
+      </p:sp>
+    </p:spTree>
+    <p:extLst>
+      <p:ext uri="{BB962C8B-B14F-4D97-AF65-F5344CB8AC3E}">
+        <p14:creationId xmlns:p14="http://schemas.microsoft.com/office/powerpoint/2010/main" val="1114069659"/>
+      </p:ext>
+    </p:extLst>
+  </p:cSld>
+  <p:clrMapOvr>
+    <a:masterClrMapping/>
+  </p:clrMapOvr>
+</p:sld>
+</file>
+
+<file path=ppt/slides/slide7.xml><?xml version="1.0" encoding="utf-8"?>
+<p:sld xmlns:a="http://schemas.openxmlformats.org/drawingml/2006/main" xmlns:r="http://schemas.openxmlformats.org/officeDocument/2006/relationships" xmlns:p="http://schemas.openxmlformats.org/presentationml/2006/main">
+  <p:cSld>
+    <p:spTree>
+      <p:nvGrpSpPr>
+        <p:cNvPr id="1" name=""/>
+        <p:cNvGrpSpPr/>
+        <p:nvPr/>
+      </p:nvGrpSpPr>
+      <p:grpSpPr>
+        <a:xfrm>
+          <a:off x="0" y="0"/>
+          <a:ext cx="0" cy="0"/>
+          <a:chOff x="0" y="0"/>
+          <a:chExt cx="0" cy="0"/>
+        </a:xfrm>
+      </p:grpSpPr>
+      <p:sp>
+        <p:nvSpPr>
+          <p:cNvPr id="3" name="內容版面配置區 2">
+            <a:extLst>
+              <a:ext uri="{FF2B5EF4-FFF2-40B4-BE49-F238E27FC236}">
+                <a16:creationId xmlns:a16="http://schemas.microsoft.com/office/drawing/2014/main" id="{86501E51-419F-4466-BCD3-93662DE00470}"/>
+              </a:ext>
+            </a:extLst>
+          </p:cNvPr>
+          <p:cNvSpPr>
+            <a:spLocks noGrp="1"/>
+          </p:cNvSpPr>
+          <p:nvPr>
+            <p:ph idx="1"/>
+          </p:nvPr>
+        </p:nvSpPr>
+        <p:spPr>
+          <a:xfrm>
+            <a:off x="838200" y="415636"/>
+            <a:ext cx="10515600" cy="5761327"/>
+          </a:xfrm>
+        </p:spPr>
+        <p:txBody>
+          <a:bodyPr/>
+          <a:lstStyle/>
+          <a:p>
+            <a:pPr algn="l"/>
+            <a:r>
+              <a:rPr lang="zh-TW" altLang="en-US" sz="1800" b="1" i="0" dirty="0">
+                <a:solidFill>
+                  <a:srgbClr val="262626"/>
+                </a:solidFill>
+                <a:effectLst/>
+                <a:latin typeface="ui-sans-serif"/>
+              </a:rPr>
+              <a:t>啟動出錯</a:t>
+            </a:r>
+          </a:p>
+          <a:p>
+            <a:pPr algn="l">
+              <a:buFont typeface="Arial" panose="020B0604020202020204" pitchFamily="34" charset="0"/>
+              <a:buChar char="•"/>
+            </a:pPr>
+            <a:r>
+              <a:rPr lang="zh-TW" altLang="en-US" sz="1800" b="0" i="0" dirty="0">
+                <a:solidFill>
+                  <a:srgbClr val="262626"/>
+                </a:solidFill>
+                <a:effectLst/>
+                <a:latin typeface="ui-sans-serif"/>
+              </a:rPr>
+              <a:t>再次啟動</a:t>
+            </a:r>
+            <a:r>
+              <a:rPr lang="en-US" altLang="zh-TW" sz="1800" b="0" i="0" dirty="0" err="1">
+                <a:solidFill>
+                  <a:srgbClr val="262626"/>
+                </a:solidFill>
+                <a:effectLst/>
+                <a:latin typeface="ui-sans-serif"/>
+              </a:rPr>
+              <a:t>SpringBoot</a:t>
+            </a:r>
+            <a:r>
+              <a:rPr lang="zh-TW" altLang="en-US" sz="1800" b="0" i="0" dirty="0">
+                <a:solidFill>
+                  <a:srgbClr val="262626"/>
+                </a:solidFill>
+                <a:effectLst/>
+                <a:latin typeface="ui-sans-serif"/>
+              </a:rPr>
+              <a:t>應用後會出現一個空指針異常，一看就是</a:t>
+            </a:r>
+            <a:r>
+              <a:rPr lang="en-US" altLang="zh-TW" sz="1800" b="0" i="0" dirty="0">
+                <a:solidFill>
+                  <a:srgbClr val="262626"/>
+                </a:solidFill>
+                <a:effectLst/>
+                <a:latin typeface="ui-sans-serif"/>
+              </a:rPr>
+              <a:t>Swagger</a:t>
+            </a:r>
+            <a:r>
+              <a:rPr lang="zh-TW" altLang="en-US" sz="1800" b="0" i="0" dirty="0">
+                <a:solidFill>
+                  <a:srgbClr val="262626"/>
+                </a:solidFill>
+                <a:effectLst/>
+                <a:latin typeface="ui-sans-serif"/>
+              </a:rPr>
+              <a:t>問題，原來挺好用的</a:t>
+            </a:r>
+            <a:r>
+              <a:rPr lang="en-US" altLang="zh-TW" sz="1800" b="0" i="0" dirty="0">
+                <a:solidFill>
+                  <a:srgbClr val="262626"/>
+                </a:solidFill>
+                <a:effectLst/>
+                <a:latin typeface="ui-sans-serif"/>
+              </a:rPr>
+              <a:t>Swagger</a:t>
+            </a:r>
+            <a:r>
+              <a:rPr lang="zh-TW" altLang="en-US" sz="1800" b="0" i="0" dirty="0">
+                <a:solidFill>
+                  <a:srgbClr val="262626"/>
+                </a:solidFill>
+                <a:effectLst/>
+                <a:latin typeface="ui-sans-serif"/>
+              </a:rPr>
+              <a:t>不能用了！</a:t>
+            </a:r>
+          </a:p>
+          <a:p>
+            <a:endParaRPr lang="zh-TW" altLang="en-US" dirty="0"/>
+          </a:p>
+        </p:txBody>
+      </p:sp>
+      <p:pic>
+        <p:nvPicPr>
+          <p:cNvPr id="3076" name="Picture 4">
+            <a:extLst>
+              <a:ext uri="{FF2B5EF4-FFF2-40B4-BE49-F238E27FC236}">
+                <a16:creationId xmlns:a16="http://schemas.microsoft.com/office/drawing/2014/main" id="{FEB4C0A1-D819-405F-ACDD-042CC481C5C7}"/>
+              </a:ext>
+            </a:extLst>
+          </p:cNvPr>
+          <p:cNvPicPr>
+            <a:picLocks noChangeAspect="1" noChangeArrowheads="1"/>
+          </p:cNvPicPr>
+          <p:nvPr/>
+        </p:nvPicPr>
+        <p:blipFill>
+          <a:blip r:embed="rId2">
+            <a:extLst>
+              <a:ext uri="{28A0092B-C50C-407E-A947-70E740481C1C}">
+                <a14:useLocalDpi xmlns:a14="http://schemas.microsoft.com/office/drawing/2010/main" val="0"/>
+              </a:ext>
+            </a:extLst>
+          </a:blip>
+          <a:srcRect/>
+          <a:stretch>
+            <a:fillRect/>
+          </a:stretch>
+        </p:blipFill>
+        <p:spPr bwMode="auto">
+          <a:xfrm>
+            <a:off x="1157283" y="1462087"/>
+            <a:ext cx="10277475" cy="3933825"/>
+          </a:xfrm>
+          <a:prstGeom prst="rect">
+            <a:avLst/>
+          </a:prstGeom>
+          <a:noFill/>
+          <a:extLst>
+            <a:ext uri="{909E8E84-426E-40DD-AFC4-6F175D3DCCD1}">
+              <a14:hiddenFill xmlns:a14="http://schemas.microsoft.com/office/drawing/2010/main">
+                <a:solidFill>
+                  <a:srgbClr val="FFFFFF"/>
+                </a:solidFill>
+              </a14:hiddenFill>
+            </a:ext>
+          </a:extLst>
+        </p:spPr>
+      </p:pic>
+    </p:spTree>
+    <p:extLst>
+      <p:ext uri="{BB962C8B-B14F-4D97-AF65-F5344CB8AC3E}">
+        <p14:creationId xmlns:p14="http://schemas.microsoft.com/office/powerpoint/2010/main" val="2685836123"/>
+      </p:ext>
+    </p:extLst>
+  </p:cSld>
+  <p:clrMapOvr>
+    <a:masterClrMapping/>
+  </p:clrMapOvr>
+</p:sld>
+</file>
+
+<file path=ppt/slides/slide8.xml><?xml version="1.0" encoding="utf-8"?>
+<p:sld xmlns:a="http://schemas.openxmlformats.org/drawingml/2006/main" xmlns:r="http://schemas.openxmlformats.org/officeDocument/2006/relationships" xmlns:p="http://schemas.openxmlformats.org/presentationml/2006/main">
+  <p:cSld>
+    <p:spTree>
+      <p:nvGrpSpPr>
+        <p:cNvPr id="1" name=""/>
+        <p:cNvGrpSpPr/>
+        <p:nvPr/>
+      </p:nvGrpSpPr>
+      <p:grpSpPr>
+        <a:xfrm>
+          <a:off x="0" y="0"/>
+          <a:ext cx="0" cy="0"/>
+          <a:chOff x="0" y="0"/>
+          <a:chExt cx="0" cy="0"/>
+        </a:xfrm>
+      </p:grpSpPr>
+      <p:sp>
+        <p:nvSpPr>
+          <p:cNvPr id="5" name="文字方塊 4">
+            <a:extLst>
+              <a:ext uri="{FF2B5EF4-FFF2-40B4-BE49-F238E27FC236}">
+                <a16:creationId xmlns:a16="http://schemas.microsoft.com/office/drawing/2014/main" id="{B5BBA5F6-381E-4DD6-BEE4-305805540B70}"/>
+              </a:ext>
+            </a:extLst>
+          </p:cNvPr>
+          <p:cNvSpPr txBox="1"/>
+          <p:nvPr/>
+        </p:nvSpPr>
+        <p:spPr>
+          <a:xfrm>
+            <a:off x="769528" y="237483"/>
+            <a:ext cx="6094428" cy="369332"/>
+          </a:xfrm>
+          <a:prstGeom prst="rect">
+            <a:avLst/>
+          </a:prstGeom>
+          <a:noFill/>
+        </p:spPr>
+        <p:txBody>
+          <a:bodyPr wrap="square">
+            <a:spAutoFit/>
+          </a:bodyPr>
+          <a:lstStyle/>
+          <a:p>
+            <a:r>
+              <a:rPr lang="en-US" altLang="zh-TW" b="0" i="0" dirty="0">
+                <a:solidFill>
+                  <a:srgbClr val="262626"/>
+                </a:solidFill>
+                <a:effectLst/>
+                <a:latin typeface="ui-sans-serif"/>
+              </a:rPr>
+              <a:t>1.</a:t>
+            </a:r>
+            <a:r>
+              <a:rPr lang="zh-TW" altLang="en-US" b="0" i="0" dirty="0">
+                <a:solidFill>
+                  <a:srgbClr val="262626"/>
+                </a:solidFill>
+                <a:effectLst/>
+                <a:latin typeface="ui-sans-serif"/>
+              </a:rPr>
+              <a:t>在</a:t>
+            </a:r>
+            <a:r>
+              <a:rPr lang="en-US" altLang="zh-TW" b="0" i="0" dirty="0">
+                <a:solidFill>
+                  <a:srgbClr val="262626"/>
+                </a:solidFill>
+                <a:effectLst/>
+                <a:latin typeface="ui-sans-serif"/>
+              </a:rPr>
+              <a:t>Swagger</a:t>
+            </a:r>
+            <a:r>
+              <a:rPr lang="zh-TW" altLang="en-US" b="0" i="0" dirty="0">
+                <a:solidFill>
+                  <a:srgbClr val="262626"/>
+                </a:solidFill>
+                <a:effectLst/>
+                <a:latin typeface="ui-sans-serif"/>
+              </a:rPr>
+              <a:t>的配置類中添加如下</a:t>
+            </a:r>
+            <a:r>
+              <a:rPr lang="en-US" altLang="zh-TW" b="0" i="0" dirty="0">
+                <a:solidFill>
+                  <a:srgbClr val="262626"/>
+                </a:solidFill>
+                <a:effectLst/>
+                <a:latin typeface="ui-sans-serif"/>
+              </a:rPr>
+              <a:t>Bean</a:t>
+            </a:r>
+            <a:r>
+              <a:rPr lang="zh-TW" altLang="en-US" b="0" i="0" dirty="0">
+                <a:solidFill>
+                  <a:srgbClr val="262626"/>
+                </a:solidFill>
+                <a:effectLst/>
+                <a:latin typeface="ui-sans-serif"/>
+              </a:rPr>
+              <a:t>可以解決該問題；</a:t>
+            </a:r>
+            <a:endParaRPr lang="zh-TW" altLang="en-US" dirty="0"/>
+          </a:p>
+        </p:txBody>
+      </p:sp>
+      <p:sp>
+        <p:nvSpPr>
+          <p:cNvPr id="6" name="Rectangle 1">
+            <a:extLst>
+              <a:ext uri="{FF2B5EF4-FFF2-40B4-BE49-F238E27FC236}">
+                <a16:creationId xmlns:a16="http://schemas.microsoft.com/office/drawing/2014/main" id="{3AA10401-A50C-479C-BE08-6E659A2F513D}"/>
+              </a:ext>
+            </a:extLst>
+          </p:cNvPr>
+          <p:cNvSpPr>
+            <a:spLocks noChangeArrowheads="1"/>
+          </p:cNvSpPr>
+          <p:nvPr/>
+        </p:nvSpPr>
+        <p:spPr bwMode="auto">
+          <a:xfrm>
+            <a:off x="769528" y="606815"/>
+            <a:ext cx="9609513" cy="6186309"/>
+          </a:xfrm>
+          <a:prstGeom prst="rect">
+            <a:avLst/>
+          </a:prstGeom>
+          <a:solidFill>
+            <a:srgbClr val="2B2B2B"/>
+          </a:solidFill>
+          <a:ln>
+            <a:noFill/>
+          </a:ln>
+          <a:effectLst/>
+          <a:extLst>
+            <a:ext uri="{91240B29-F687-4F45-9708-019B960494DF}">
+              <a14:hiddenLine xmlns:a14="http://schemas.microsoft.com/office/drawing/2010/main" w="9525">
+                <a:solidFill>
+                  <a:schemeClr val="tx1"/>
+                </a:solidFill>
+                <a:miter lim="800000"/>
+                <a:headEnd/>
+                <a:tailEnd/>
+              </a14:hiddenLine>
+            </a:ext>
+            <a:ext uri="{AF507438-7753-43E0-B8FC-AC1667EBCBE1}">
+              <a14:hiddenEffects xmlns:a14="http://schemas.microsoft.com/office/drawing/2010/main">
+                <a:effectLst>
+                  <a:outerShdw dist="35921" dir="2700000" algn="ctr" rotWithShape="0">
+                    <a:schemeClr val="bg2"/>
+                  </a:outerShdw>
+                </a:effectLst>
+              </a14:hiddenEffects>
+            </a:ext>
+          </a:extLst>
+        </p:spPr>
+        <p:txBody>
+          <a:bodyPr vert="horz" wrap="square" lIns="91440" tIns="45720" rIns="91440" bIns="45720" numCol="1" anchor="ctr" anchorCtr="0" compatLnSpc="1">
+            <a:prstTxWarp prst="textNoShape">
+              <a:avLst/>
+            </a:prstTxWarp>
+            <a:spAutoFit/>
+          </a:bodyPr>
+          <a:lstStyle/>
+          <a:p>
+            <a:pPr marL="0" marR="0" lvl="0" indent="0" algn="l" defTabSz="914400" rtl="0" eaLnBrk="0" fontAlgn="base" latinLnBrk="0" hangingPunct="0">
+              <a:lnSpc>
+                <a:spcPct val="100000"/>
+              </a:lnSpc>
+              <a:spcBef>
+                <a:spcPct val="0"/>
+              </a:spcBef>
+              <a:spcAft>
+                <a:spcPct val="0"/>
+              </a:spcAft>
+              <a:buClrTx/>
+              <a:buSzTx/>
+              <a:buFontTx/>
+              <a:buNone/>
+              <a:tabLst/>
+            </a:pPr>
+            <a:r>
+              <a:rPr kumimoji="0" lang="zh-TW" altLang="zh-TW" sz="1200" b="0" i="0" u="none" strike="noStrike" cap="none" normalizeH="0" baseline="0" dirty="0">
+                <a:ln>
+                  <a:noFill/>
+                </a:ln>
+                <a:solidFill>
+                  <a:srgbClr val="BBB529"/>
+                </a:solidFill>
+                <a:effectLst/>
+                <a:latin typeface="Arial Unicode MS" panose="020B0604020202020204" pitchFamily="34" charset="-120"/>
+                <a:ea typeface="JetBrains Mono"/>
+              </a:rPr>
+              <a:t>@Bean</a:t>
+            </a:r>
+            <a:br>
+              <a:rPr kumimoji="0" lang="zh-TW" altLang="zh-TW" sz="1200" b="0" i="0" u="none" strike="noStrike" cap="none" normalizeH="0" baseline="0" dirty="0">
+                <a:ln>
+                  <a:noFill/>
+                </a:ln>
+                <a:solidFill>
+                  <a:srgbClr val="BBB529"/>
+                </a:solidFill>
+                <a:effectLst/>
+                <a:latin typeface="Arial Unicode MS" panose="020B0604020202020204" pitchFamily="34" charset="-120"/>
+                <a:ea typeface="JetBrains Mono"/>
+              </a:rPr>
+            </a:br>
+            <a:r>
+              <a:rPr kumimoji="0" lang="zh-TW" altLang="zh-TW" sz="1200" b="0" i="0" u="none" strike="noStrike" cap="none" normalizeH="0" baseline="0" dirty="0">
+                <a:ln>
+                  <a:noFill/>
+                </a:ln>
+                <a:solidFill>
+                  <a:srgbClr val="CC7832"/>
+                </a:solidFill>
+                <a:effectLst/>
+                <a:latin typeface="Arial Unicode MS" panose="020B0604020202020204" pitchFamily="34" charset="-120"/>
+                <a:ea typeface="JetBrains Mono"/>
+              </a:rPr>
+              <a:t>public static </a:t>
+            </a:r>
+            <a:r>
+              <a:rPr kumimoji="0" lang="zh-TW" altLang="zh-TW" sz="1200" b="0" i="0" u="none" strike="noStrike" cap="none" normalizeH="0" baseline="0" dirty="0">
+                <a:ln>
+                  <a:noFill/>
+                </a:ln>
+                <a:solidFill>
+                  <a:srgbClr val="A9B7C6"/>
+                </a:solidFill>
+                <a:effectLst/>
+                <a:latin typeface="Arial Unicode MS" panose="020B0604020202020204" pitchFamily="34" charset="-120"/>
+                <a:ea typeface="JetBrains Mono"/>
+              </a:rPr>
+              <a:t>BeanPostProcessor </a:t>
+            </a:r>
+            <a:r>
+              <a:rPr kumimoji="0" lang="zh-TW" altLang="zh-TW" sz="1200" b="0" i="0" u="none" strike="noStrike" cap="none" normalizeH="0" baseline="0" dirty="0">
+                <a:ln>
+                  <a:noFill/>
+                </a:ln>
+                <a:solidFill>
+                  <a:srgbClr val="FFC66D"/>
+                </a:solidFill>
+                <a:effectLst/>
+                <a:latin typeface="Arial Unicode MS" panose="020B0604020202020204" pitchFamily="34" charset="-120"/>
+                <a:ea typeface="JetBrains Mono"/>
+              </a:rPr>
+              <a:t>springfoxHandlerProviderBeanPostProcessor</a:t>
+            </a:r>
+            <a:r>
+              <a:rPr kumimoji="0" lang="zh-TW" altLang="zh-TW" sz="1200" b="0" i="0" u="none" strike="noStrike" cap="none" normalizeH="0" baseline="0" dirty="0">
+                <a:ln>
+                  <a:noFill/>
+                </a:ln>
+                <a:solidFill>
+                  <a:srgbClr val="A9B7C6"/>
+                </a:solidFill>
+                <a:effectLst/>
+                <a:latin typeface="Arial Unicode MS" panose="020B0604020202020204" pitchFamily="34" charset="-120"/>
+                <a:ea typeface="JetBrains Mono"/>
+              </a:rPr>
+              <a:t>() {</a:t>
+            </a:r>
+            <a:br>
+              <a:rPr kumimoji="0" lang="zh-TW" altLang="zh-TW" sz="1200" b="0" i="0" u="none" strike="noStrike" cap="none" normalizeH="0" baseline="0" dirty="0">
+                <a:ln>
+                  <a:noFill/>
+                </a:ln>
+                <a:solidFill>
+                  <a:srgbClr val="A9B7C6"/>
+                </a:solidFill>
+                <a:effectLst/>
+                <a:latin typeface="Arial Unicode MS" panose="020B0604020202020204" pitchFamily="34" charset="-120"/>
+                <a:ea typeface="JetBrains Mono"/>
+              </a:rPr>
+            </a:br>
+            <a:r>
+              <a:rPr kumimoji="0" lang="zh-TW" altLang="zh-TW" sz="1200" b="0" i="0" u="none" strike="noStrike" cap="none" normalizeH="0" baseline="0" dirty="0">
+                <a:ln>
+                  <a:noFill/>
+                </a:ln>
+                <a:solidFill>
+                  <a:srgbClr val="A9B7C6"/>
+                </a:solidFill>
+                <a:effectLst/>
+                <a:latin typeface="Arial Unicode MS" panose="020B0604020202020204" pitchFamily="34" charset="-120"/>
+                <a:ea typeface="JetBrains Mono"/>
+              </a:rPr>
+              <a:t>    </a:t>
+            </a:r>
+            <a:r>
+              <a:rPr kumimoji="0" lang="zh-TW" altLang="zh-TW" sz="1200" b="0" i="0" u="none" strike="noStrike" cap="none" normalizeH="0" baseline="0" dirty="0">
+                <a:ln>
+                  <a:noFill/>
+                </a:ln>
+                <a:solidFill>
+                  <a:srgbClr val="CC7832"/>
+                </a:solidFill>
+                <a:effectLst/>
+                <a:latin typeface="Arial Unicode MS" panose="020B0604020202020204" pitchFamily="34" charset="-120"/>
+                <a:ea typeface="JetBrains Mono"/>
+              </a:rPr>
+              <a:t>return new </a:t>
+            </a:r>
+            <a:r>
+              <a:rPr kumimoji="0" lang="zh-TW" altLang="zh-TW" sz="1200" b="0" i="0" u="none" strike="noStrike" cap="none" normalizeH="0" baseline="0" dirty="0">
+                <a:ln>
+                  <a:noFill/>
+                </a:ln>
+                <a:solidFill>
+                  <a:srgbClr val="A9B7C6"/>
+                </a:solidFill>
+                <a:effectLst/>
+                <a:latin typeface="Arial Unicode MS" panose="020B0604020202020204" pitchFamily="34" charset="-120"/>
+                <a:ea typeface="JetBrains Mono"/>
+              </a:rPr>
+              <a:t>BeanPostProcessor() {</a:t>
+            </a:r>
+            <a:br>
+              <a:rPr kumimoji="0" lang="zh-TW" altLang="zh-TW" sz="1200" b="0" i="0" u="none" strike="noStrike" cap="none" normalizeH="0" baseline="0" dirty="0">
+                <a:ln>
+                  <a:noFill/>
+                </a:ln>
+                <a:solidFill>
+                  <a:srgbClr val="A9B7C6"/>
+                </a:solidFill>
+                <a:effectLst/>
+                <a:latin typeface="Arial Unicode MS" panose="020B0604020202020204" pitchFamily="34" charset="-120"/>
+                <a:ea typeface="JetBrains Mono"/>
+              </a:rPr>
+            </a:br>
+            <a:br>
+              <a:rPr kumimoji="0" lang="zh-TW" altLang="zh-TW" sz="1200" b="0" i="0" u="none" strike="noStrike" cap="none" normalizeH="0" baseline="0" dirty="0">
+                <a:ln>
+                  <a:noFill/>
+                </a:ln>
+                <a:solidFill>
+                  <a:srgbClr val="A9B7C6"/>
+                </a:solidFill>
+                <a:effectLst/>
+                <a:latin typeface="Arial Unicode MS" panose="020B0604020202020204" pitchFamily="34" charset="-120"/>
+                <a:ea typeface="JetBrains Mono"/>
+              </a:rPr>
+            </a:br>
+            <a:r>
+              <a:rPr kumimoji="0" lang="zh-TW" altLang="zh-TW" sz="1200" b="0" i="0" u="none" strike="noStrike" cap="none" normalizeH="0" baseline="0" dirty="0">
+                <a:ln>
+                  <a:noFill/>
+                </a:ln>
+                <a:solidFill>
+                  <a:srgbClr val="A9B7C6"/>
+                </a:solidFill>
+                <a:effectLst/>
+                <a:latin typeface="Arial Unicode MS" panose="020B0604020202020204" pitchFamily="34" charset="-120"/>
+                <a:ea typeface="JetBrains Mono"/>
+              </a:rPr>
+              <a:t>        </a:t>
+            </a:r>
+            <a:r>
+              <a:rPr kumimoji="0" lang="zh-TW" altLang="zh-TW" sz="1200" b="0" i="0" u="none" strike="noStrike" cap="none" normalizeH="0" baseline="0" dirty="0">
+                <a:ln>
+                  <a:noFill/>
+                </a:ln>
+                <a:solidFill>
+                  <a:srgbClr val="BBB529"/>
+                </a:solidFill>
+                <a:effectLst/>
+                <a:latin typeface="Arial Unicode MS" panose="020B0604020202020204" pitchFamily="34" charset="-120"/>
+                <a:ea typeface="JetBrains Mono"/>
+              </a:rPr>
+              <a:t>@Override</a:t>
+            </a:r>
+            <a:br>
+              <a:rPr kumimoji="0" lang="zh-TW" altLang="zh-TW" sz="1200" b="0" i="0" u="none" strike="noStrike" cap="none" normalizeH="0" baseline="0" dirty="0">
+                <a:ln>
+                  <a:noFill/>
+                </a:ln>
+                <a:solidFill>
+                  <a:srgbClr val="BBB529"/>
+                </a:solidFill>
+                <a:effectLst/>
+                <a:latin typeface="Arial Unicode MS" panose="020B0604020202020204" pitchFamily="34" charset="-120"/>
+                <a:ea typeface="JetBrains Mono"/>
+              </a:rPr>
+            </a:br>
+            <a:r>
+              <a:rPr kumimoji="0" lang="zh-TW" altLang="zh-TW" sz="1200" b="0" i="0" u="none" strike="noStrike" cap="none" normalizeH="0" baseline="0" dirty="0">
+                <a:ln>
+                  <a:noFill/>
+                </a:ln>
+                <a:solidFill>
+                  <a:srgbClr val="BBB529"/>
+                </a:solidFill>
+                <a:effectLst/>
+                <a:latin typeface="Arial Unicode MS" panose="020B0604020202020204" pitchFamily="34" charset="-120"/>
+                <a:ea typeface="JetBrains Mono"/>
+              </a:rPr>
+              <a:t>        </a:t>
+            </a:r>
+            <a:r>
+              <a:rPr kumimoji="0" lang="zh-TW" altLang="zh-TW" sz="1200" b="0" i="0" u="none" strike="noStrike" cap="none" normalizeH="0" baseline="0" dirty="0">
+                <a:ln>
+                  <a:noFill/>
+                </a:ln>
+                <a:solidFill>
+                  <a:srgbClr val="CC7832"/>
+                </a:solidFill>
+                <a:effectLst/>
+                <a:latin typeface="Arial Unicode MS" panose="020B0604020202020204" pitchFamily="34" charset="-120"/>
+                <a:ea typeface="JetBrains Mono"/>
+              </a:rPr>
+              <a:t>public </a:t>
+            </a:r>
+            <a:r>
+              <a:rPr kumimoji="0" lang="zh-TW" altLang="zh-TW" sz="1200" b="0" i="0" u="none" strike="noStrike" cap="none" normalizeH="0" baseline="0" dirty="0">
+                <a:ln>
+                  <a:noFill/>
+                </a:ln>
+                <a:solidFill>
+                  <a:srgbClr val="A9B7C6"/>
+                </a:solidFill>
+                <a:effectLst/>
+                <a:latin typeface="Arial Unicode MS" panose="020B0604020202020204" pitchFamily="34" charset="-120"/>
+                <a:ea typeface="JetBrains Mono"/>
+              </a:rPr>
+              <a:t>Object </a:t>
+            </a:r>
+            <a:r>
+              <a:rPr kumimoji="0" lang="zh-TW" altLang="zh-TW" sz="1200" b="0" i="0" u="none" strike="noStrike" cap="none" normalizeH="0" baseline="0" dirty="0">
+                <a:ln>
+                  <a:noFill/>
+                </a:ln>
+                <a:solidFill>
+                  <a:srgbClr val="FFC66D"/>
+                </a:solidFill>
+                <a:effectLst/>
+                <a:latin typeface="Arial Unicode MS" panose="020B0604020202020204" pitchFamily="34" charset="-120"/>
+                <a:ea typeface="JetBrains Mono"/>
+              </a:rPr>
+              <a:t>postProcessAfterInitialization</a:t>
+            </a:r>
+            <a:r>
+              <a:rPr kumimoji="0" lang="zh-TW" altLang="zh-TW" sz="1200" b="0" i="0" u="none" strike="noStrike" cap="none" normalizeH="0" baseline="0" dirty="0">
+                <a:ln>
+                  <a:noFill/>
+                </a:ln>
+                <a:solidFill>
+                  <a:srgbClr val="A9B7C6"/>
+                </a:solidFill>
+                <a:effectLst/>
+                <a:latin typeface="Arial Unicode MS" panose="020B0604020202020204" pitchFamily="34" charset="-120"/>
+                <a:ea typeface="JetBrains Mono"/>
+              </a:rPr>
+              <a:t>(Object bean</a:t>
+            </a:r>
+            <a:r>
+              <a:rPr kumimoji="0" lang="zh-TW" altLang="zh-TW" sz="1200" b="0" i="0" u="none" strike="noStrike" cap="none" normalizeH="0" baseline="0" dirty="0">
+                <a:ln>
+                  <a:noFill/>
+                </a:ln>
+                <a:solidFill>
+                  <a:srgbClr val="CC7832"/>
+                </a:solidFill>
+                <a:effectLst/>
+                <a:latin typeface="Arial Unicode MS" panose="020B0604020202020204" pitchFamily="34" charset="-120"/>
+                <a:ea typeface="JetBrains Mono"/>
+              </a:rPr>
+              <a:t>, </a:t>
+            </a:r>
+            <a:r>
+              <a:rPr kumimoji="0" lang="zh-TW" altLang="zh-TW" sz="1200" b="0" i="0" u="none" strike="noStrike" cap="none" normalizeH="0" baseline="0" dirty="0">
+                <a:ln>
+                  <a:noFill/>
+                </a:ln>
+                <a:solidFill>
+                  <a:srgbClr val="A9B7C6"/>
+                </a:solidFill>
+                <a:effectLst/>
+                <a:latin typeface="Arial Unicode MS" panose="020B0604020202020204" pitchFamily="34" charset="-120"/>
+                <a:ea typeface="JetBrains Mono"/>
+              </a:rPr>
+              <a:t>String beanName) </a:t>
+            </a:r>
+            <a:r>
+              <a:rPr kumimoji="0" lang="zh-TW" altLang="zh-TW" sz="1200" b="0" i="0" u="none" strike="noStrike" cap="none" normalizeH="0" baseline="0" dirty="0">
+                <a:ln>
+                  <a:noFill/>
+                </a:ln>
+                <a:solidFill>
+                  <a:srgbClr val="CC7832"/>
+                </a:solidFill>
+                <a:effectLst/>
+                <a:latin typeface="Arial Unicode MS" panose="020B0604020202020204" pitchFamily="34" charset="-120"/>
+                <a:ea typeface="JetBrains Mono"/>
+              </a:rPr>
+              <a:t>throws </a:t>
+            </a:r>
+            <a:r>
+              <a:rPr kumimoji="0" lang="zh-TW" altLang="zh-TW" sz="1200" b="0" i="0" u="none" strike="noStrike" cap="none" normalizeH="0" baseline="0" dirty="0">
+                <a:ln>
+                  <a:noFill/>
+                </a:ln>
+                <a:solidFill>
+                  <a:srgbClr val="A9B7C6"/>
+                </a:solidFill>
+                <a:effectLst/>
+                <a:latin typeface="Arial Unicode MS" panose="020B0604020202020204" pitchFamily="34" charset="-120"/>
+                <a:ea typeface="JetBrains Mono"/>
+              </a:rPr>
+              <a:t>BeansException {</a:t>
+            </a:r>
+            <a:br>
+              <a:rPr kumimoji="0" lang="zh-TW" altLang="zh-TW" sz="1200" b="0" i="0" u="none" strike="noStrike" cap="none" normalizeH="0" baseline="0" dirty="0">
+                <a:ln>
+                  <a:noFill/>
+                </a:ln>
+                <a:solidFill>
+                  <a:srgbClr val="A9B7C6"/>
+                </a:solidFill>
+                <a:effectLst/>
+                <a:latin typeface="Arial Unicode MS" panose="020B0604020202020204" pitchFamily="34" charset="-120"/>
+                <a:ea typeface="JetBrains Mono"/>
+              </a:rPr>
+            </a:br>
+            <a:r>
+              <a:rPr kumimoji="0" lang="zh-TW" altLang="zh-TW" sz="1200" b="0" i="0" u="none" strike="noStrike" cap="none" normalizeH="0" baseline="0" dirty="0">
+                <a:ln>
+                  <a:noFill/>
+                </a:ln>
+                <a:solidFill>
+                  <a:srgbClr val="A9B7C6"/>
+                </a:solidFill>
+                <a:effectLst/>
+                <a:latin typeface="Arial Unicode MS" panose="020B0604020202020204" pitchFamily="34" charset="-120"/>
+                <a:ea typeface="JetBrains Mono"/>
+              </a:rPr>
+              <a:t>            </a:t>
+            </a:r>
+            <a:r>
+              <a:rPr kumimoji="0" lang="zh-TW" altLang="zh-TW" sz="1200" b="0" i="0" u="none" strike="noStrike" cap="none" normalizeH="0" baseline="0" dirty="0">
+                <a:ln>
+                  <a:noFill/>
+                </a:ln>
+                <a:solidFill>
+                  <a:srgbClr val="CC7832"/>
+                </a:solidFill>
+                <a:effectLst/>
+                <a:latin typeface="Arial Unicode MS" panose="020B0604020202020204" pitchFamily="34" charset="-120"/>
+                <a:ea typeface="JetBrains Mono"/>
+              </a:rPr>
+              <a:t>if </a:t>
+            </a:r>
+            <a:r>
+              <a:rPr kumimoji="0" lang="zh-TW" altLang="zh-TW" sz="1200" b="0" i="0" u="none" strike="noStrike" cap="none" normalizeH="0" baseline="0" dirty="0">
+                <a:ln>
+                  <a:noFill/>
+                </a:ln>
+                <a:solidFill>
+                  <a:srgbClr val="A9B7C6"/>
+                </a:solidFill>
+                <a:effectLst/>
+                <a:latin typeface="Arial Unicode MS" panose="020B0604020202020204" pitchFamily="34" charset="-120"/>
+                <a:ea typeface="JetBrains Mono"/>
+              </a:rPr>
+              <a:t>(bean </a:t>
+            </a:r>
+            <a:r>
+              <a:rPr kumimoji="0" lang="zh-TW" altLang="zh-TW" sz="1200" b="0" i="0" u="none" strike="noStrike" cap="none" normalizeH="0" baseline="0" dirty="0">
+                <a:ln>
+                  <a:noFill/>
+                </a:ln>
+                <a:solidFill>
+                  <a:srgbClr val="CC7832"/>
+                </a:solidFill>
+                <a:effectLst/>
+                <a:latin typeface="Arial Unicode MS" panose="020B0604020202020204" pitchFamily="34" charset="-120"/>
+                <a:ea typeface="JetBrains Mono"/>
+              </a:rPr>
+              <a:t>instanceof </a:t>
+            </a:r>
+            <a:r>
+              <a:rPr kumimoji="0" lang="zh-TW" altLang="zh-TW" sz="1200" b="0" i="0" u="none" strike="noStrike" cap="none" normalizeH="0" baseline="0" dirty="0">
+                <a:ln>
+                  <a:noFill/>
+                </a:ln>
+                <a:solidFill>
+                  <a:srgbClr val="A9B7C6"/>
+                </a:solidFill>
+                <a:effectLst/>
+                <a:latin typeface="Arial Unicode MS" panose="020B0604020202020204" pitchFamily="34" charset="-120"/>
+                <a:ea typeface="JetBrains Mono"/>
+              </a:rPr>
+              <a:t>WebMvcRequestHandlerProvider || bean </a:t>
+            </a:r>
+            <a:r>
+              <a:rPr kumimoji="0" lang="zh-TW" altLang="zh-TW" sz="1200" b="0" i="0" u="none" strike="noStrike" cap="none" normalizeH="0" baseline="0" dirty="0">
+                <a:ln>
+                  <a:noFill/>
+                </a:ln>
+                <a:solidFill>
+                  <a:srgbClr val="CC7832"/>
+                </a:solidFill>
+                <a:effectLst/>
+                <a:latin typeface="Arial Unicode MS" panose="020B0604020202020204" pitchFamily="34" charset="-120"/>
+                <a:ea typeface="JetBrains Mono"/>
+              </a:rPr>
+              <a:t>instanceof </a:t>
+            </a:r>
+            <a:r>
+              <a:rPr kumimoji="0" lang="zh-TW" altLang="zh-TW" sz="1200" b="0" i="0" u="none" strike="noStrike" cap="none" normalizeH="0" baseline="0" dirty="0">
+                <a:ln>
+                  <a:noFill/>
+                </a:ln>
+                <a:solidFill>
+                  <a:srgbClr val="A9B7C6"/>
+                </a:solidFill>
+                <a:effectLst/>
+                <a:latin typeface="Arial Unicode MS" panose="020B0604020202020204" pitchFamily="34" charset="-120"/>
+                <a:ea typeface="JetBrains Mono"/>
+              </a:rPr>
+              <a:t>WebFluxRequestHandlerProvider) {</a:t>
+            </a:r>
+            <a:br>
+              <a:rPr kumimoji="0" lang="zh-TW" altLang="zh-TW" sz="1200" b="0" i="0" u="none" strike="noStrike" cap="none" normalizeH="0" baseline="0" dirty="0">
+                <a:ln>
+                  <a:noFill/>
+                </a:ln>
+                <a:solidFill>
+                  <a:srgbClr val="A9B7C6"/>
+                </a:solidFill>
+                <a:effectLst/>
+                <a:latin typeface="Arial Unicode MS" panose="020B0604020202020204" pitchFamily="34" charset="-120"/>
+                <a:ea typeface="JetBrains Mono"/>
+              </a:rPr>
+            </a:br>
+            <a:r>
+              <a:rPr kumimoji="0" lang="zh-TW" altLang="zh-TW" sz="1200" b="0" i="0" u="none" strike="noStrike" cap="none" normalizeH="0" baseline="0" dirty="0">
+                <a:ln>
+                  <a:noFill/>
+                </a:ln>
+                <a:solidFill>
+                  <a:srgbClr val="A9B7C6"/>
+                </a:solidFill>
+                <a:effectLst/>
+                <a:latin typeface="Arial Unicode MS" panose="020B0604020202020204" pitchFamily="34" charset="-120"/>
+                <a:ea typeface="JetBrains Mono"/>
+              </a:rPr>
+              <a:t>                customizeSpringfoxHandlerMappings(getHandlerMappings(bean))</a:t>
+            </a:r>
+            <a:r>
+              <a:rPr kumimoji="0" lang="zh-TW" altLang="zh-TW" sz="1200" b="0" i="0" u="none" strike="noStrike" cap="none" normalizeH="0" baseline="0" dirty="0">
+                <a:ln>
+                  <a:noFill/>
+                </a:ln>
+                <a:solidFill>
+                  <a:srgbClr val="CC7832"/>
+                </a:solidFill>
+                <a:effectLst/>
+                <a:latin typeface="Arial Unicode MS" panose="020B0604020202020204" pitchFamily="34" charset="-120"/>
+                <a:ea typeface="JetBrains Mono"/>
+              </a:rPr>
+              <a:t>;</a:t>
+            </a:r>
+            <a:br>
+              <a:rPr kumimoji="0" lang="zh-TW" altLang="zh-TW" sz="1200" b="0" i="0" u="none" strike="noStrike" cap="none" normalizeH="0" baseline="0" dirty="0">
+                <a:ln>
+                  <a:noFill/>
+                </a:ln>
+                <a:solidFill>
+                  <a:srgbClr val="CC7832"/>
+                </a:solidFill>
+                <a:effectLst/>
+                <a:latin typeface="Arial Unicode MS" panose="020B0604020202020204" pitchFamily="34" charset="-120"/>
+                <a:ea typeface="JetBrains Mono"/>
+              </a:rPr>
+            </a:br>
+            <a:r>
+              <a:rPr kumimoji="0" lang="zh-TW" altLang="zh-TW" sz="1200" b="0" i="0" u="none" strike="noStrike" cap="none" normalizeH="0" baseline="0" dirty="0">
+                <a:ln>
+                  <a:noFill/>
+                </a:ln>
+                <a:solidFill>
+                  <a:srgbClr val="CC7832"/>
+                </a:solidFill>
+                <a:effectLst/>
+                <a:latin typeface="Arial Unicode MS" panose="020B0604020202020204" pitchFamily="34" charset="-120"/>
+                <a:ea typeface="JetBrains Mono"/>
+              </a:rPr>
+              <a:t>            </a:t>
+            </a:r>
+            <a:r>
+              <a:rPr kumimoji="0" lang="zh-TW" altLang="zh-TW" sz="1200" b="0" i="0" u="none" strike="noStrike" cap="none" normalizeH="0" baseline="0" dirty="0">
+                <a:ln>
+                  <a:noFill/>
+                </a:ln>
+                <a:solidFill>
+                  <a:srgbClr val="A9B7C6"/>
+                </a:solidFill>
+                <a:effectLst/>
+                <a:latin typeface="Arial Unicode MS" panose="020B0604020202020204" pitchFamily="34" charset="-120"/>
+                <a:ea typeface="JetBrains Mono"/>
+              </a:rPr>
+              <a:t>}</a:t>
+            </a:r>
+            <a:br>
+              <a:rPr kumimoji="0" lang="zh-TW" altLang="zh-TW" sz="1200" b="0" i="0" u="none" strike="noStrike" cap="none" normalizeH="0" baseline="0" dirty="0">
+                <a:ln>
+                  <a:noFill/>
+                </a:ln>
+                <a:solidFill>
+                  <a:srgbClr val="A9B7C6"/>
+                </a:solidFill>
+                <a:effectLst/>
+                <a:latin typeface="Arial Unicode MS" panose="020B0604020202020204" pitchFamily="34" charset="-120"/>
+                <a:ea typeface="JetBrains Mono"/>
+              </a:rPr>
+            </a:br>
+            <a:r>
+              <a:rPr kumimoji="0" lang="zh-TW" altLang="zh-TW" sz="1200" b="0" i="0" u="none" strike="noStrike" cap="none" normalizeH="0" baseline="0" dirty="0">
+                <a:ln>
+                  <a:noFill/>
+                </a:ln>
+                <a:solidFill>
+                  <a:srgbClr val="A9B7C6"/>
+                </a:solidFill>
+                <a:effectLst/>
+                <a:latin typeface="Arial Unicode MS" panose="020B0604020202020204" pitchFamily="34" charset="-120"/>
+                <a:ea typeface="JetBrains Mono"/>
+              </a:rPr>
+              <a:t>            </a:t>
+            </a:r>
+            <a:r>
+              <a:rPr kumimoji="0" lang="zh-TW" altLang="zh-TW" sz="1200" b="0" i="0" u="none" strike="noStrike" cap="none" normalizeH="0" baseline="0" dirty="0">
+                <a:ln>
+                  <a:noFill/>
+                </a:ln>
+                <a:solidFill>
+                  <a:srgbClr val="CC7832"/>
+                </a:solidFill>
+                <a:effectLst/>
+                <a:latin typeface="Arial Unicode MS" panose="020B0604020202020204" pitchFamily="34" charset="-120"/>
+                <a:ea typeface="JetBrains Mono"/>
+              </a:rPr>
+              <a:t>return </a:t>
+            </a:r>
+            <a:r>
+              <a:rPr kumimoji="0" lang="zh-TW" altLang="zh-TW" sz="1200" b="0" i="0" u="none" strike="noStrike" cap="none" normalizeH="0" baseline="0" dirty="0">
+                <a:ln>
+                  <a:noFill/>
+                </a:ln>
+                <a:solidFill>
+                  <a:srgbClr val="A9B7C6"/>
+                </a:solidFill>
+                <a:effectLst/>
+                <a:latin typeface="Arial Unicode MS" panose="020B0604020202020204" pitchFamily="34" charset="-120"/>
+                <a:ea typeface="JetBrains Mono"/>
+              </a:rPr>
+              <a:t>bean</a:t>
+            </a:r>
+            <a:r>
+              <a:rPr kumimoji="0" lang="zh-TW" altLang="zh-TW" sz="1200" b="0" i="0" u="none" strike="noStrike" cap="none" normalizeH="0" baseline="0" dirty="0">
+                <a:ln>
+                  <a:noFill/>
+                </a:ln>
+                <a:solidFill>
+                  <a:srgbClr val="CC7832"/>
+                </a:solidFill>
+                <a:effectLst/>
+                <a:latin typeface="Arial Unicode MS" panose="020B0604020202020204" pitchFamily="34" charset="-120"/>
+                <a:ea typeface="JetBrains Mono"/>
+              </a:rPr>
+              <a:t>;</a:t>
+            </a:r>
+            <a:br>
+              <a:rPr kumimoji="0" lang="zh-TW" altLang="zh-TW" sz="1200" b="0" i="0" u="none" strike="noStrike" cap="none" normalizeH="0" baseline="0" dirty="0">
+                <a:ln>
+                  <a:noFill/>
+                </a:ln>
+                <a:solidFill>
+                  <a:srgbClr val="CC7832"/>
+                </a:solidFill>
+                <a:effectLst/>
+                <a:latin typeface="Arial Unicode MS" panose="020B0604020202020204" pitchFamily="34" charset="-120"/>
+                <a:ea typeface="JetBrains Mono"/>
+              </a:rPr>
+            </a:br>
+            <a:r>
+              <a:rPr kumimoji="0" lang="zh-TW" altLang="zh-TW" sz="1200" b="0" i="0" u="none" strike="noStrike" cap="none" normalizeH="0" baseline="0" dirty="0">
+                <a:ln>
+                  <a:noFill/>
+                </a:ln>
+                <a:solidFill>
+                  <a:srgbClr val="CC7832"/>
+                </a:solidFill>
+                <a:effectLst/>
+                <a:latin typeface="Arial Unicode MS" panose="020B0604020202020204" pitchFamily="34" charset="-120"/>
+                <a:ea typeface="JetBrains Mono"/>
+              </a:rPr>
+              <a:t>        </a:t>
+            </a:r>
+            <a:r>
+              <a:rPr kumimoji="0" lang="zh-TW" altLang="zh-TW" sz="1200" b="0" i="0" u="none" strike="noStrike" cap="none" normalizeH="0" baseline="0" dirty="0">
+                <a:ln>
+                  <a:noFill/>
+                </a:ln>
+                <a:solidFill>
+                  <a:srgbClr val="A9B7C6"/>
+                </a:solidFill>
+                <a:effectLst/>
+                <a:latin typeface="Arial Unicode MS" panose="020B0604020202020204" pitchFamily="34" charset="-120"/>
+                <a:ea typeface="JetBrains Mono"/>
+              </a:rPr>
+              <a:t>}</a:t>
+            </a:r>
+            <a:br>
+              <a:rPr kumimoji="0" lang="zh-TW" altLang="zh-TW" sz="1200" b="0" i="0" u="none" strike="noStrike" cap="none" normalizeH="0" baseline="0" dirty="0">
+                <a:ln>
+                  <a:noFill/>
+                </a:ln>
+                <a:solidFill>
+                  <a:srgbClr val="A9B7C6"/>
+                </a:solidFill>
+                <a:effectLst/>
+                <a:latin typeface="Arial Unicode MS" panose="020B0604020202020204" pitchFamily="34" charset="-120"/>
+                <a:ea typeface="JetBrains Mono"/>
+              </a:rPr>
+            </a:br>
+            <a:br>
+              <a:rPr kumimoji="0" lang="zh-TW" altLang="zh-TW" sz="1200" b="0" i="0" u="none" strike="noStrike" cap="none" normalizeH="0" baseline="0" dirty="0">
+                <a:ln>
+                  <a:noFill/>
+                </a:ln>
+                <a:solidFill>
+                  <a:srgbClr val="A9B7C6"/>
+                </a:solidFill>
+                <a:effectLst/>
+                <a:latin typeface="Arial Unicode MS" panose="020B0604020202020204" pitchFamily="34" charset="-120"/>
+                <a:ea typeface="JetBrains Mono"/>
+              </a:rPr>
+            </a:br>
+            <a:r>
+              <a:rPr kumimoji="0" lang="zh-TW" altLang="zh-TW" sz="1200" b="0" i="0" u="none" strike="noStrike" cap="none" normalizeH="0" baseline="0" dirty="0">
+                <a:ln>
+                  <a:noFill/>
+                </a:ln>
+                <a:solidFill>
+                  <a:srgbClr val="A9B7C6"/>
+                </a:solidFill>
+                <a:effectLst/>
+                <a:latin typeface="Arial Unicode MS" panose="020B0604020202020204" pitchFamily="34" charset="-120"/>
+                <a:ea typeface="JetBrains Mono"/>
+              </a:rPr>
+              <a:t>        </a:t>
+            </a:r>
+            <a:r>
+              <a:rPr kumimoji="0" lang="zh-TW" altLang="zh-TW" sz="1200" b="0" i="0" u="none" strike="noStrike" cap="none" normalizeH="0" baseline="0" dirty="0">
+                <a:ln>
+                  <a:noFill/>
+                </a:ln>
+                <a:solidFill>
+                  <a:srgbClr val="CC7832"/>
+                </a:solidFill>
+                <a:effectLst/>
+                <a:latin typeface="Arial Unicode MS" panose="020B0604020202020204" pitchFamily="34" charset="-120"/>
+                <a:ea typeface="JetBrains Mono"/>
+              </a:rPr>
+              <a:t>private </a:t>
+            </a:r>
+            <a:r>
+              <a:rPr kumimoji="0" lang="zh-TW" altLang="zh-TW" sz="1200" b="0" i="0" u="none" strike="noStrike" cap="none" normalizeH="0" baseline="0" dirty="0">
+                <a:ln>
+                  <a:noFill/>
+                </a:ln>
+                <a:solidFill>
+                  <a:srgbClr val="A9B7C6"/>
+                </a:solidFill>
+                <a:effectLst/>
+                <a:latin typeface="Arial Unicode MS" panose="020B0604020202020204" pitchFamily="34" charset="-120"/>
+                <a:ea typeface="JetBrains Mono"/>
+              </a:rPr>
+              <a:t>&lt;</a:t>
+            </a:r>
+            <a:r>
+              <a:rPr kumimoji="0" lang="zh-TW" altLang="zh-TW" sz="1200" b="0" i="0" u="none" strike="noStrike" cap="none" normalizeH="0" baseline="0" dirty="0">
+                <a:ln>
+                  <a:noFill/>
+                </a:ln>
+                <a:solidFill>
+                  <a:srgbClr val="507874"/>
+                </a:solidFill>
+                <a:effectLst/>
+                <a:latin typeface="Arial Unicode MS" panose="020B0604020202020204" pitchFamily="34" charset="-120"/>
+                <a:ea typeface="JetBrains Mono"/>
+              </a:rPr>
+              <a:t>T </a:t>
+            </a:r>
+            <a:r>
+              <a:rPr kumimoji="0" lang="zh-TW" altLang="zh-TW" sz="1200" b="0" i="0" u="none" strike="noStrike" cap="none" normalizeH="0" baseline="0" dirty="0">
+                <a:ln>
+                  <a:noFill/>
+                </a:ln>
+                <a:solidFill>
+                  <a:srgbClr val="CC7832"/>
+                </a:solidFill>
+                <a:effectLst/>
+                <a:latin typeface="Arial Unicode MS" panose="020B0604020202020204" pitchFamily="34" charset="-120"/>
+                <a:ea typeface="JetBrains Mono"/>
+              </a:rPr>
+              <a:t>extends </a:t>
+            </a:r>
+            <a:r>
+              <a:rPr kumimoji="0" lang="zh-TW" altLang="zh-TW" sz="1200" b="0" i="0" u="none" strike="noStrike" cap="none" normalizeH="0" baseline="0" dirty="0">
+                <a:ln>
+                  <a:noFill/>
+                </a:ln>
+                <a:solidFill>
+                  <a:srgbClr val="A9B7C6"/>
+                </a:solidFill>
+                <a:effectLst/>
+                <a:latin typeface="Arial Unicode MS" panose="020B0604020202020204" pitchFamily="34" charset="-120"/>
+                <a:ea typeface="JetBrains Mono"/>
+              </a:rPr>
+              <a:t>RequestMappingInfoHandlerMapping&gt; </a:t>
+            </a:r>
+            <a:r>
+              <a:rPr kumimoji="0" lang="zh-TW" altLang="zh-TW" sz="1200" b="0" i="0" u="none" strike="noStrike" cap="none" normalizeH="0" baseline="0" dirty="0">
+                <a:ln>
+                  <a:noFill/>
+                </a:ln>
+                <a:solidFill>
+                  <a:srgbClr val="CC7832"/>
+                </a:solidFill>
+                <a:effectLst/>
+                <a:latin typeface="Arial Unicode MS" panose="020B0604020202020204" pitchFamily="34" charset="-120"/>
+                <a:ea typeface="JetBrains Mono"/>
+              </a:rPr>
+              <a:t>void </a:t>
+            </a:r>
+            <a:r>
+              <a:rPr kumimoji="0" lang="zh-TW" altLang="zh-TW" sz="1200" b="0" i="0" u="none" strike="noStrike" cap="none" normalizeH="0" baseline="0" dirty="0">
+                <a:ln>
+                  <a:noFill/>
+                </a:ln>
+                <a:solidFill>
+                  <a:srgbClr val="FFC66D"/>
+                </a:solidFill>
+                <a:effectLst/>
+                <a:latin typeface="Arial Unicode MS" panose="020B0604020202020204" pitchFamily="34" charset="-120"/>
+                <a:ea typeface="JetBrains Mono"/>
+              </a:rPr>
+              <a:t>customizeSpringfoxHandlerMappings</a:t>
+            </a:r>
+            <a:r>
+              <a:rPr kumimoji="0" lang="zh-TW" altLang="zh-TW" sz="1200" b="0" i="0" u="none" strike="noStrike" cap="none" normalizeH="0" baseline="0" dirty="0">
+                <a:ln>
+                  <a:noFill/>
+                </a:ln>
+                <a:solidFill>
+                  <a:srgbClr val="A9B7C6"/>
+                </a:solidFill>
+                <a:effectLst/>
+                <a:latin typeface="Arial Unicode MS" panose="020B0604020202020204" pitchFamily="34" charset="-120"/>
+                <a:ea typeface="JetBrains Mono"/>
+              </a:rPr>
+              <a:t>(List&lt;</a:t>
+            </a:r>
+            <a:r>
+              <a:rPr kumimoji="0" lang="zh-TW" altLang="zh-TW" sz="1200" b="0" i="0" u="none" strike="noStrike" cap="none" normalizeH="0" baseline="0" dirty="0">
+                <a:ln>
+                  <a:noFill/>
+                </a:ln>
+                <a:solidFill>
+                  <a:srgbClr val="507874"/>
+                </a:solidFill>
+                <a:effectLst/>
+                <a:latin typeface="Arial Unicode MS" panose="020B0604020202020204" pitchFamily="34" charset="-120"/>
+                <a:ea typeface="JetBrains Mono"/>
+              </a:rPr>
+              <a:t>T</a:t>
+            </a:r>
+            <a:r>
+              <a:rPr kumimoji="0" lang="zh-TW" altLang="zh-TW" sz="1200" b="0" i="0" u="none" strike="noStrike" cap="none" normalizeH="0" baseline="0" dirty="0">
+                <a:ln>
+                  <a:noFill/>
+                </a:ln>
+                <a:solidFill>
+                  <a:srgbClr val="A9B7C6"/>
+                </a:solidFill>
+                <a:effectLst/>
+                <a:latin typeface="Arial Unicode MS" panose="020B0604020202020204" pitchFamily="34" charset="-120"/>
+                <a:ea typeface="JetBrains Mono"/>
+              </a:rPr>
+              <a:t>&gt; mappings) {</a:t>
+            </a:r>
+            <a:br>
+              <a:rPr kumimoji="0" lang="zh-TW" altLang="zh-TW" sz="1200" b="0" i="0" u="none" strike="noStrike" cap="none" normalizeH="0" baseline="0" dirty="0">
+                <a:ln>
+                  <a:noFill/>
+                </a:ln>
+                <a:solidFill>
+                  <a:srgbClr val="A9B7C6"/>
+                </a:solidFill>
+                <a:effectLst/>
+                <a:latin typeface="Arial Unicode MS" panose="020B0604020202020204" pitchFamily="34" charset="-120"/>
+                <a:ea typeface="JetBrains Mono"/>
+              </a:rPr>
+            </a:br>
+            <a:r>
+              <a:rPr kumimoji="0" lang="zh-TW" altLang="zh-TW" sz="1200" b="0" i="0" u="none" strike="noStrike" cap="none" normalizeH="0" baseline="0" dirty="0">
+                <a:ln>
+                  <a:noFill/>
+                </a:ln>
+                <a:solidFill>
+                  <a:srgbClr val="A9B7C6"/>
+                </a:solidFill>
+                <a:effectLst/>
+                <a:latin typeface="Arial Unicode MS" panose="020B0604020202020204" pitchFamily="34" charset="-120"/>
+                <a:ea typeface="JetBrains Mono"/>
+              </a:rPr>
+              <a:t>            List&lt;</a:t>
+            </a:r>
+            <a:r>
+              <a:rPr kumimoji="0" lang="zh-TW" altLang="zh-TW" sz="1200" b="0" i="0" u="none" strike="noStrike" cap="none" normalizeH="0" baseline="0" dirty="0">
+                <a:ln>
+                  <a:noFill/>
+                </a:ln>
+                <a:solidFill>
+                  <a:srgbClr val="507874"/>
+                </a:solidFill>
+                <a:effectLst/>
+                <a:latin typeface="Arial Unicode MS" panose="020B0604020202020204" pitchFamily="34" charset="-120"/>
+                <a:ea typeface="JetBrains Mono"/>
+              </a:rPr>
+              <a:t>T</a:t>
+            </a:r>
+            <a:r>
+              <a:rPr kumimoji="0" lang="zh-TW" altLang="zh-TW" sz="1200" b="0" i="0" u="none" strike="noStrike" cap="none" normalizeH="0" baseline="0" dirty="0">
+                <a:ln>
+                  <a:noFill/>
+                </a:ln>
+                <a:solidFill>
+                  <a:srgbClr val="A9B7C6"/>
+                </a:solidFill>
+                <a:effectLst/>
+                <a:latin typeface="Arial Unicode MS" panose="020B0604020202020204" pitchFamily="34" charset="-120"/>
+                <a:ea typeface="JetBrains Mono"/>
+              </a:rPr>
+              <a:t>&gt; copy = mappings.stream()</a:t>
+            </a:r>
+            <a:br>
+              <a:rPr kumimoji="0" lang="zh-TW" altLang="zh-TW" sz="1200" b="0" i="0" u="none" strike="noStrike" cap="none" normalizeH="0" baseline="0" dirty="0">
+                <a:ln>
+                  <a:noFill/>
+                </a:ln>
+                <a:solidFill>
+                  <a:srgbClr val="A9B7C6"/>
+                </a:solidFill>
+                <a:effectLst/>
+                <a:latin typeface="Arial Unicode MS" panose="020B0604020202020204" pitchFamily="34" charset="-120"/>
+                <a:ea typeface="JetBrains Mono"/>
+              </a:rPr>
+            </a:br>
+            <a:r>
+              <a:rPr kumimoji="0" lang="zh-TW" altLang="zh-TW" sz="1200" b="0" i="0" u="none" strike="noStrike" cap="none" normalizeH="0" baseline="0" dirty="0">
+                <a:ln>
+                  <a:noFill/>
+                </a:ln>
+                <a:solidFill>
+                  <a:srgbClr val="A9B7C6"/>
+                </a:solidFill>
+                <a:effectLst/>
+                <a:latin typeface="Arial Unicode MS" panose="020B0604020202020204" pitchFamily="34" charset="-120"/>
+                <a:ea typeface="JetBrains Mono"/>
+              </a:rPr>
+              <a:t>                    .filter(mapping -&gt; mapping.getPatternParser() == </a:t>
+            </a:r>
+            <a:r>
+              <a:rPr kumimoji="0" lang="zh-TW" altLang="zh-TW" sz="1200" b="0" i="0" u="none" strike="noStrike" cap="none" normalizeH="0" baseline="0" dirty="0">
+                <a:ln>
+                  <a:noFill/>
+                </a:ln>
+                <a:solidFill>
+                  <a:srgbClr val="CC7832"/>
+                </a:solidFill>
+                <a:effectLst/>
+                <a:latin typeface="Arial Unicode MS" panose="020B0604020202020204" pitchFamily="34" charset="-120"/>
+                <a:ea typeface="JetBrains Mono"/>
+              </a:rPr>
+              <a:t>null</a:t>
+            </a:r>
+            <a:r>
+              <a:rPr kumimoji="0" lang="zh-TW" altLang="zh-TW" sz="1200" b="0" i="0" u="none" strike="noStrike" cap="none" normalizeH="0" baseline="0" dirty="0">
+                <a:ln>
+                  <a:noFill/>
+                </a:ln>
+                <a:solidFill>
+                  <a:srgbClr val="A9B7C6"/>
+                </a:solidFill>
+                <a:effectLst/>
+                <a:latin typeface="Arial Unicode MS" panose="020B0604020202020204" pitchFamily="34" charset="-120"/>
+                <a:ea typeface="JetBrains Mono"/>
+              </a:rPr>
+              <a:t>)</a:t>
+            </a:r>
+            <a:br>
+              <a:rPr kumimoji="0" lang="zh-TW" altLang="zh-TW" sz="1200" b="0" i="0" u="none" strike="noStrike" cap="none" normalizeH="0" baseline="0" dirty="0">
+                <a:ln>
+                  <a:noFill/>
+                </a:ln>
+                <a:solidFill>
+                  <a:srgbClr val="A9B7C6"/>
+                </a:solidFill>
+                <a:effectLst/>
+                <a:latin typeface="Arial Unicode MS" panose="020B0604020202020204" pitchFamily="34" charset="-120"/>
+                <a:ea typeface="JetBrains Mono"/>
+              </a:rPr>
+            </a:br>
+            <a:r>
+              <a:rPr kumimoji="0" lang="zh-TW" altLang="zh-TW" sz="1200" b="0" i="0" u="none" strike="noStrike" cap="none" normalizeH="0" baseline="0" dirty="0">
+                <a:ln>
+                  <a:noFill/>
+                </a:ln>
+                <a:solidFill>
+                  <a:srgbClr val="A9B7C6"/>
+                </a:solidFill>
+                <a:effectLst/>
+                <a:latin typeface="Arial Unicode MS" panose="020B0604020202020204" pitchFamily="34" charset="-120"/>
+                <a:ea typeface="JetBrains Mono"/>
+              </a:rPr>
+              <a:t>                    .collect(Collectors.</a:t>
+            </a:r>
+            <a:r>
+              <a:rPr kumimoji="0" lang="zh-TW" altLang="zh-TW" sz="1200" b="0" i="1" u="none" strike="noStrike" cap="none" normalizeH="0" baseline="0" dirty="0">
+                <a:ln>
+                  <a:noFill/>
+                </a:ln>
+                <a:solidFill>
+                  <a:srgbClr val="A9B7C6"/>
+                </a:solidFill>
+                <a:effectLst/>
+                <a:latin typeface="Arial Unicode MS" panose="020B0604020202020204" pitchFamily="34" charset="-120"/>
+                <a:ea typeface="JetBrains Mono"/>
+              </a:rPr>
+              <a:t>toList</a:t>
+            </a:r>
+            <a:r>
+              <a:rPr kumimoji="0" lang="zh-TW" altLang="zh-TW" sz="1200" b="0" i="0" u="none" strike="noStrike" cap="none" normalizeH="0" baseline="0" dirty="0">
+                <a:ln>
+                  <a:noFill/>
+                </a:ln>
+                <a:solidFill>
+                  <a:srgbClr val="A9B7C6"/>
+                </a:solidFill>
+                <a:effectLst/>
+                <a:latin typeface="Arial Unicode MS" panose="020B0604020202020204" pitchFamily="34" charset="-120"/>
+                <a:ea typeface="JetBrains Mono"/>
+              </a:rPr>
+              <a:t>())</a:t>
+            </a:r>
+            <a:r>
+              <a:rPr kumimoji="0" lang="zh-TW" altLang="zh-TW" sz="1200" b="0" i="0" u="none" strike="noStrike" cap="none" normalizeH="0" baseline="0" dirty="0">
+                <a:ln>
+                  <a:noFill/>
+                </a:ln>
+                <a:solidFill>
+                  <a:srgbClr val="CC7832"/>
+                </a:solidFill>
+                <a:effectLst/>
+                <a:latin typeface="Arial Unicode MS" panose="020B0604020202020204" pitchFamily="34" charset="-120"/>
+                <a:ea typeface="JetBrains Mono"/>
+              </a:rPr>
+              <a:t>;</a:t>
+            </a:r>
+            <a:br>
+              <a:rPr kumimoji="0" lang="zh-TW" altLang="zh-TW" sz="1200" b="0" i="0" u="none" strike="noStrike" cap="none" normalizeH="0" baseline="0" dirty="0">
+                <a:ln>
+                  <a:noFill/>
+                </a:ln>
+                <a:solidFill>
+                  <a:srgbClr val="CC7832"/>
+                </a:solidFill>
+                <a:effectLst/>
+                <a:latin typeface="Arial Unicode MS" panose="020B0604020202020204" pitchFamily="34" charset="-120"/>
+                <a:ea typeface="JetBrains Mono"/>
+              </a:rPr>
+            </a:br>
+            <a:r>
+              <a:rPr kumimoji="0" lang="zh-TW" altLang="zh-TW" sz="1200" b="0" i="0" u="none" strike="noStrike" cap="none" normalizeH="0" baseline="0" dirty="0">
+                <a:ln>
+                  <a:noFill/>
+                </a:ln>
+                <a:solidFill>
+                  <a:srgbClr val="CC7832"/>
+                </a:solidFill>
+                <a:effectLst/>
+                <a:latin typeface="Arial Unicode MS" panose="020B0604020202020204" pitchFamily="34" charset="-120"/>
+                <a:ea typeface="JetBrains Mono"/>
+              </a:rPr>
+              <a:t>            </a:t>
+            </a:r>
+            <a:r>
+              <a:rPr kumimoji="0" lang="zh-TW" altLang="zh-TW" sz="1200" b="0" i="0" u="none" strike="noStrike" cap="none" normalizeH="0" baseline="0" dirty="0">
+                <a:ln>
+                  <a:noFill/>
+                </a:ln>
+                <a:solidFill>
+                  <a:srgbClr val="A9B7C6"/>
+                </a:solidFill>
+                <a:effectLst/>
+                <a:latin typeface="Arial Unicode MS" panose="020B0604020202020204" pitchFamily="34" charset="-120"/>
+                <a:ea typeface="JetBrains Mono"/>
+              </a:rPr>
+              <a:t>mappings.clear()</a:t>
+            </a:r>
+            <a:r>
+              <a:rPr kumimoji="0" lang="zh-TW" altLang="zh-TW" sz="1200" b="0" i="0" u="none" strike="noStrike" cap="none" normalizeH="0" baseline="0" dirty="0">
+                <a:ln>
+                  <a:noFill/>
+                </a:ln>
+                <a:solidFill>
+                  <a:srgbClr val="CC7832"/>
+                </a:solidFill>
+                <a:effectLst/>
+                <a:latin typeface="Arial Unicode MS" panose="020B0604020202020204" pitchFamily="34" charset="-120"/>
+                <a:ea typeface="JetBrains Mono"/>
+              </a:rPr>
+              <a:t>;</a:t>
+            </a:r>
+            <a:br>
+              <a:rPr kumimoji="0" lang="zh-TW" altLang="zh-TW" sz="1200" b="0" i="0" u="none" strike="noStrike" cap="none" normalizeH="0" baseline="0" dirty="0">
+                <a:ln>
+                  <a:noFill/>
+                </a:ln>
+                <a:solidFill>
+                  <a:srgbClr val="CC7832"/>
+                </a:solidFill>
+                <a:effectLst/>
+                <a:latin typeface="Arial Unicode MS" panose="020B0604020202020204" pitchFamily="34" charset="-120"/>
+                <a:ea typeface="JetBrains Mono"/>
+              </a:rPr>
+            </a:br>
+            <a:r>
+              <a:rPr kumimoji="0" lang="zh-TW" altLang="zh-TW" sz="1200" b="0" i="0" u="none" strike="noStrike" cap="none" normalizeH="0" baseline="0" dirty="0">
+                <a:ln>
+                  <a:noFill/>
+                </a:ln>
+                <a:solidFill>
+                  <a:srgbClr val="CC7832"/>
+                </a:solidFill>
+                <a:effectLst/>
+                <a:latin typeface="Arial Unicode MS" panose="020B0604020202020204" pitchFamily="34" charset="-120"/>
+                <a:ea typeface="JetBrains Mono"/>
+              </a:rPr>
+              <a:t>            </a:t>
+            </a:r>
+            <a:r>
+              <a:rPr kumimoji="0" lang="zh-TW" altLang="zh-TW" sz="1200" b="0" i="0" u="none" strike="noStrike" cap="none" normalizeH="0" baseline="0" dirty="0">
+                <a:ln>
+                  <a:noFill/>
+                </a:ln>
+                <a:solidFill>
+                  <a:srgbClr val="A9B7C6"/>
+                </a:solidFill>
+                <a:effectLst/>
+                <a:latin typeface="Arial Unicode MS" panose="020B0604020202020204" pitchFamily="34" charset="-120"/>
+                <a:ea typeface="JetBrains Mono"/>
+              </a:rPr>
+              <a:t>mappings.addAll(copy)</a:t>
+            </a:r>
+            <a:r>
+              <a:rPr kumimoji="0" lang="zh-TW" altLang="zh-TW" sz="1200" b="0" i="0" u="none" strike="noStrike" cap="none" normalizeH="0" baseline="0" dirty="0">
+                <a:ln>
+                  <a:noFill/>
+                </a:ln>
+                <a:solidFill>
+                  <a:srgbClr val="CC7832"/>
+                </a:solidFill>
+                <a:effectLst/>
+                <a:latin typeface="Arial Unicode MS" panose="020B0604020202020204" pitchFamily="34" charset="-120"/>
+                <a:ea typeface="JetBrains Mono"/>
+              </a:rPr>
+              <a:t>;</a:t>
+            </a:r>
+            <a:br>
+              <a:rPr kumimoji="0" lang="zh-TW" altLang="zh-TW" sz="1200" b="0" i="0" u="none" strike="noStrike" cap="none" normalizeH="0" baseline="0" dirty="0">
+                <a:ln>
+                  <a:noFill/>
+                </a:ln>
+                <a:solidFill>
+                  <a:srgbClr val="CC7832"/>
+                </a:solidFill>
+                <a:effectLst/>
+                <a:latin typeface="Arial Unicode MS" panose="020B0604020202020204" pitchFamily="34" charset="-120"/>
+                <a:ea typeface="JetBrains Mono"/>
+              </a:rPr>
+            </a:br>
+            <a:r>
+              <a:rPr kumimoji="0" lang="zh-TW" altLang="zh-TW" sz="1200" b="0" i="0" u="none" strike="noStrike" cap="none" normalizeH="0" baseline="0" dirty="0">
+                <a:ln>
+                  <a:noFill/>
+                </a:ln>
+                <a:solidFill>
+                  <a:srgbClr val="CC7832"/>
+                </a:solidFill>
+                <a:effectLst/>
+                <a:latin typeface="Arial Unicode MS" panose="020B0604020202020204" pitchFamily="34" charset="-120"/>
+                <a:ea typeface="JetBrains Mono"/>
+              </a:rPr>
+              <a:t>        </a:t>
+            </a:r>
+            <a:r>
+              <a:rPr kumimoji="0" lang="zh-TW" altLang="zh-TW" sz="1200" b="0" i="0" u="none" strike="noStrike" cap="none" normalizeH="0" baseline="0" dirty="0">
+                <a:ln>
+                  <a:noFill/>
+                </a:ln>
+                <a:solidFill>
+                  <a:srgbClr val="A9B7C6"/>
+                </a:solidFill>
+                <a:effectLst/>
+                <a:latin typeface="Arial Unicode MS" panose="020B0604020202020204" pitchFamily="34" charset="-120"/>
+                <a:ea typeface="JetBrains Mono"/>
+              </a:rPr>
+              <a:t>}</a:t>
+            </a:r>
+            <a:br>
+              <a:rPr kumimoji="0" lang="zh-TW" altLang="zh-TW" sz="1200" b="0" i="0" u="none" strike="noStrike" cap="none" normalizeH="0" baseline="0" dirty="0">
+                <a:ln>
+                  <a:noFill/>
+                </a:ln>
+                <a:solidFill>
+                  <a:srgbClr val="A9B7C6"/>
+                </a:solidFill>
+                <a:effectLst/>
+                <a:latin typeface="Arial Unicode MS" panose="020B0604020202020204" pitchFamily="34" charset="-120"/>
+                <a:ea typeface="JetBrains Mono"/>
+              </a:rPr>
+            </a:br>
+            <a:br>
+              <a:rPr kumimoji="0" lang="zh-TW" altLang="zh-TW" sz="1200" b="0" i="0" u="none" strike="noStrike" cap="none" normalizeH="0" baseline="0" dirty="0">
+                <a:ln>
+                  <a:noFill/>
+                </a:ln>
+                <a:solidFill>
+                  <a:srgbClr val="A9B7C6"/>
+                </a:solidFill>
+                <a:effectLst/>
+                <a:latin typeface="Arial Unicode MS" panose="020B0604020202020204" pitchFamily="34" charset="-120"/>
+                <a:ea typeface="JetBrains Mono"/>
+              </a:rPr>
+            </a:br>
+            <a:r>
+              <a:rPr kumimoji="0" lang="zh-TW" altLang="zh-TW" sz="1200" b="0" i="0" u="none" strike="noStrike" cap="none" normalizeH="0" baseline="0" dirty="0">
+                <a:ln>
+                  <a:noFill/>
+                </a:ln>
+                <a:solidFill>
+                  <a:srgbClr val="A9B7C6"/>
+                </a:solidFill>
+                <a:effectLst/>
+                <a:latin typeface="Arial Unicode MS" panose="020B0604020202020204" pitchFamily="34" charset="-120"/>
+                <a:ea typeface="JetBrains Mono"/>
+              </a:rPr>
+              <a:t>        </a:t>
+            </a:r>
+            <a:r>
+              <a:rPr kumimoji="0" lang="zh-TW" altLang="zh-TW" sz="1200" b="0" i="0" u="none" strike="noStrike" cap="none" normalizeH="0" baseline="0" dirty="0">
+                <a:ln>
+                  <a:noFill/>
+                </a:ln>
+                <a:solidFill>
+                  <a:srgbClr val="BBB529"/>
+                </a:solidFill>
+                <a:effectLst/>
+                <a:latin typeface="Arial Unicode MS" panose="020B0604020202020204" pitchFamily="34" charset="-120"/>
+                <a:ea typeface="JetBrains Mono"/>
+              </a:rPr>
+              <a:t>@SuppressWarnings</a:t>
+            </a:r>
+            <a:r>
+              <a:rPr kumimoji="0" lang="zh-TW" altLang="zh-TW" sz="1200" b="0" i="0" u="none" strike="noStrike" cap="none" normalizeH="0" baseline="0" dirty="0">
+                <a:ln>
+                  <a:noFill/>
+                </a:ln>
+                <a:solidFill>
+                  <a:srgbClr val="A9B7C6"/>
+                </a:solidFill>
+                <a:effectLst/>
+                <a:latin typeface="Arial Unicode MS" panose="020B0604020202020204" pitchFamily="34" charset="-120"/>
+                <a:ea typeface="JetBrains Mono"/>
+              </a:rPr>
+              <a:t>(</a:t>
+            </a:r>
+            <a:r>
+              <a:rPr kumimoji="0" lang="zh-TW" altLang="zh-TW" sz="1200" b="0" i="0" u="none" strike="noStrike" cap="none" normalizeH="0" baseline="0" dirty="0">
+                <a:ln>
+                  <a:noFill/>
+                </a:ln>
+                <a:solidFill>
+                  <a:srgbClr val="6A8759"/>
+                </a:solidFill>
+                <a:effectLst/>
+                <a:latin typeface="Arial Unicode MS" panose="020B0604020202020204" pitchFamily="34" charset="-120"/>
+                <a:ea typeface="JetBrains Mono"/>
+              </a:rPr>
+              <a:t>"unchecked"</a:t>
+            </a:r>
+            <a:r>
+              <a:rPr kumimoji="0" lang="zh-TW" altLang="zh-TW" sz="1200" b="0" i="0" u="none" strike="noStrike" cap="none" normalizeH="0" baseline="0" dirty="0">
+                <a:ln>
+                  <a:noFill/>
+                </a:ln>
+                <a:solidFill>
+                  <a:srgbClr val="A9B7C6"/>
+                </a:solidFill>
+                <a:effectLst/>
+                <a:latin typeface="Arial Unicode MS" panose="020B0604020202020204" pitchFamily="34" charset="-120"/>
+                <a:ea typeface="JetBrains Mono"/>
+              </a:rPr>
+              <a:t>)</a:t>
+            </a:r>
+            <a:br>
+              <a:rPr kumimoji="0" lang="zh-TW" altLang="zh-TW" sz="1200" b="0" i="0" u="none" strike="noStrike" cap="none" normalizeH="0" baseline="0" dirty="0">
+                <a:ln>
+                  <a:noFill/>
+                </a:ln>
+                <a:solidFill>
+                  <a:srgbClr val="A9B7C6"/>
+                </a:solidFill>
+                <a:effectLst/>
+                <a:latin typeface="Arial Unicode MS" panose="020B0604020202020204" pitchFamily="34" charset="-120"/>
+                <a:ea typeface="JetBrains Mono"/>
+              </a:rPr>
+            </a:br>
+            <a:r>
+              <a:rPr kumimoji="0" lang="zh-TW" altLang="zh-TW" sz="1200" b="0" i="0" u="none" strike="noStrike" cap="none" normalizeH="0" baseline="0" dirty="0">
+                <a:ln>
+                  <a:noFill/>
+                </a:ln>
+                <a:solidFill>
+                  <a:srgbClr val="A9B7C6"/>
+                </a:solidFill>
+                <a:effectLst/>
+                <a:latin typeface="Arial Unicode MS" panose="020B0604020202020204" pitchFamily="34" charset="-120"/>
+                <a:ea typeface="JetBrains Mono"/>
+              </a:rPr>
+              <a:t>        </a:t>
+            </a:r>
+            <a:r>
+              <a:rPr kumimoji="0" lang="zh-TW" altLang="zh-TW" sz="1200" b="0" i="0" u="none" strike="noStrike" cap="none" normalizeH="0" baseline="0" dirty="0">
+                <a:ln>
+                  <a:noFill/>
+                </a:ln>
+                <a:solidFill>
+                  <a:srgbClr val="CC7832"/>
+                </a:solidFill>
+                <a:effectLst/>
+                <a:latin typeface="Arial Unicode MS" panose="020B0604020202020204" pitchFamily="34" charset="-120"/>
+                <a:ea typeface="JetBrains Mono"/>
+              </a:rPr>
+              <a:t>private </a:t>
+            </a:r>
+            <a:r>
+              <a:rPr kumimoji="0" lang="zh-TW" altLang="zh-TW" sz="1200" b="0" i="0" u="none" strike="noStrike" cap="none" normalizeH="0" baseline="0" dirty="0">
+                <a:ln>
+                  <a:noFill/>
+                </a:ln>
+                <a:solidFill>
+                  <a:srgbClr val="A9B7C6"/>
+                </a:solidFill>
+                <a:effectLst/>
+                <a:latin typeface="Arial Unicode MS" panose="020B0604020202020204" pitchFamily="34" charset="-120"/>
+                <a:ea typeface="JetBrains Mono"/>
+              </a:rPr>
+              <a:t>List&lt;RequestMappingInfoHandlerMapping&gt; </a:t>
+            </a:r>
+            <a:r>
+              <a:rPr kumimoji="0" lang="zh-TW" altLang="zh-TW" sz="1200" b="0" i="0" u="none" strike="noStrike" cap="none" normalizeH="0" baseline="0" dirty="0">
+                <a:ln>
+                  <a:noFill/>
+                </a:ln>
+                <a:solidFill>
+                  <a:srgbClr val="FFC66D"/>
+                </a:solidFill>
+                <a:effectLst/>
+                <a:latin typeface="Arial Unicode MS" panose="020B0604020202020204" pitchFamily="34" charset="-120"/>
+                <a:ea typeface="JetBrains Mono"/>
+              </a:rPr>
+              <a:t>getHandlerMappings</a:t>
+            </a:r>
+            <a:r>
+              <a:rPr kumimoji="0" lang="zh-TW" altLang="zh-TW" sz="1200" b="0" i="0" u="none" strike="noStrike" cap="none" normalizeH="0" baseline="0" dirty="0">
+                <a:ln>
+                  <a:noFill/>
+                </a:ln>
+                <a:solidFill>
+                  <a:srgbClr val="A9B7C6"/>
+                </a:solidFill>
+                <a:effectLst/>
+                <a:latin typeface="Arial Unicode MS" panose="020B0604020202020204" pitchFamily="34" charset="-120"/>
+                <a:ea typeface="JetBrains Mono"/>
+              </a:rPr>
+              <a:t>(Object bean) {</a:t>
+            </a:r>
+            <a:br>
+              <a:rPr kumimoji="0" lang="zh-TW" altLang="zh-TW" sz="1200" b="0" i="0" u="none" strike="noStrike" cap="none" normalizeH="0" baseline="0" dirty="0">
+                <a:ln>
+                  <a:noFill/>
+                </a:ln>
+                <a:solidFill>
+                  <a:srgbClr val="A9B7C6"/>
+                </a:solidFill>
+                <a:effectLst/>
+                <a:latin typeface="Arial Unicode MS" panose="020B0604020202020204" pitchFamily="34" charset="-120"/>
+                <a:ea typeface="JetBrains Mono"/>
+              </a:rPr>
+            </a:br>
+            <a:r>
+              <a:rPr kumimoji="0" lang="zh-TW" altLang="zh-TW" sz="1200" b="0" i="0" u="none" strike="noStrike" cap="none" normalizeH="0" baseline="0" dirty="0">
+                <a:ln>
+                  <a:noFill/>
+                </a:ln>
+                <a:solidFill>
+                  <a:srgbClr val="A9B7C6"/>
+                </a:solidFill>
+                <a:effectLst/>
+                <a:latin typeface="Arial Unicode MS" panose="020B0604020202020204" pitchFamily="34" charset="-120"/>
+                <a:ea typeface="JetBrains Mono"/>
+              </a:rPr>
+              <a:t>            </a:t>
+            </a:r>
+            <a:r>
+              <a:rPr kumimoji="0" lang="zh-TW" altLang="zh-TW" sz="1200" b="0" i="0" u="none" strike="noStrike" cap="none" normalizeH="0" baseline="0" dirty="0">
+                <a:ln>
+                  <a:noFill/>
+                </a:ln>
+                <a:solidFill>
+                  <a:srgbClr val="CC7832"/>
+                </a:solidFill>
+                <a:effectLst/>
+                <a:latin typeface="Arial Unicode MS" panose="020B0604020202020204" pitchFamily="34" charset="-120"/>
+                <a:ea typeface="JetBrains Mono"/>
+              </a:rPr>
+              <a:t>try </a:t>
+            </a:r>
+            <a:r>
+              <a:rPr kumimoji="0" lang="zh-TW" altLang="zh-TW" sz="1200" b="0" i="0" u="none" strike="noStrike" cap="none" normalizeH="0" baseline="0" dirty="0">
+                <a:ln>
+                  <a:noFill/>
+                </a:ln>
+                <a:solidFill>
+                  <a:srgbClr val="A9B7C6"/>
+                </a:solidFill>
+                <a:effectLst/>
+                <a:latin typeface="Arial Unicode MS" panose="020B0604020202020204" pitchFamily="34" charset="-120"/>
+                <a:ea typeface="JetBrains Mono"/>
+              </a:rPr>
+              <a:t>{</a:t>
+            </a:r>
+            <a:br>
+              <a:rPr kumimoji="0" lang="zh-TW" altLang="zh-TW" sz="1200" b="0" i="0" u="none" strike="noStrike" cap="none" normalizeH="0" baseline="0" dirty="0">
+                <a:ln>
+                  <a:noFill/>
+                </a:ln>
+                <a:solidFill>
+                  <a:srgbClr val="A9B7C6"/>
+                </a:solidFill>
+                <a:effectLst/>
+                <a:latin typeface="Arial Unicode MS" panose="020B0604020202020204" pitchFamily="34" charset="-120"/>
+                <a:ea typeface="JetBrains Mono"/>
+              </a:rPr>
+            </a:br>
+            <a:r>
+              <a:rPr kumimoji="0" lang="zh-TW" altLang="zh-TW" sz="1200" b="0" i="0" u="none" strike="noStrike" cap="none" normalizeH="0" baseline="0" dirty="0">
+                <a:ln>
+                  <a:noFill/>
+                </a:ln>
+                <a:solidFill>
+                  <a:srgbClr val="A9B7C6"/>
+                </a:solidFill>
+                <a:effectLst/>
+                <a:latin typeface="Arial Unicode MS" panose="020B0604020202020204" pitchFamily="34" charset="-120"/>
+                <a:ea typeface="JetBrains Mono"/>
+              </a:rPr>
+              <a:t>                Field field = ReflectionUtils.</a:t>
+            </a:r>
+            <a:r>
+              <a:rPr kumimoji="0" lang="zh-TW" altLang="zh-TW" sz="1200" b="0" i="1" u="none" strike="noStrike" cap="none" normalizeH="0" baseline="0" dirty="0">
+                <a:ln>
+                  <a:noFill/>
+                </a:ln>
+                <a:solidFill>
+                  <a:srgbClr val="A9B7C6"/>
+                </a:solidFill>
+                <a:effectLst/>
+                <a:latin typeface="Arial Unicode MS" panose="020B0604020202020204" pitchFamily="34" charset="-120"/>
+                <a:ea typeface="JetBrains Mono"/>
+              </a:rPr>
+              <a:t>findField</a:t>
+            </a:r>
+            <a:r>
+              <a:rPr kumimoji="0" lang="zh-TW" altLang="zh-TW" sz="1200" b="0" i="0" u="none" strike="noStrike" cap="none" normalizeH="0" baseline="0" dirty="0">
+                <a:ln>
+                  <a:noFill/>
+                </a:ln>
+                <a:solidFill>
+                  <a:srgbClr val="A9B7C6"/>
+                </a:solidFill>
+                <a:effectLst/>
+                <a:latin typeface="Arial Unicode MS" panose="020B0604020202020204" pitchFamily="34" charset="-120"/>
+                <a:ea typeface="JetBrains Mono"/>
+              </a:rPr>
+              <a:t>(bean.getClass()</a:t>
+            </a:r>
+            <a:r>
+              <a:rPr kumimoji="0" lang="zh-TW" altLang="zh-TW" sz="1200" b="0" i="0" u="none" strike="noStrike" cap="none" normalizeH="0" baseline="0" dirty="0">
+                <a:ln>
+                  <a:noFill/>
+                </a:ln>
+                <a:solidFill>
+                  <a:srgbClr val="CC7832"/>
+                </a:solidFill>
+                <a:effectLst/>
+                <a:latin typeface="Arial Unicode MS" panose="020B0604020202020204" pitchFamily="34" charset="-120"/>
+                <a:ea typeface="JetBrains Mono"/>
+              </a:rPr>
+              <a:t>,</a:t>
+            </a:r>
+            <a:br>
+              <a:rPr kumimoji="0" lang="zh-TW" altLang="zh-TW" sz="1200" b="0" i="0" u="none" strike="noStrike" cap="none" normalizeH="0" baseline="0" dirty="0">
+                <a:ln>
+                  <a:noFill/>
+                </a:ln>
+                <a:solidFill>
+                  <a:srgbClr val="CC7832"/>
+                </a:solidFill>
+                <a:effectLst/>
+                <a:latin typeface="Arial Unicode MS" panose="020B0604020202020204" pitchFamily="34" charset="-120"/>
+                <a:ea typeface="JetBrains Mono"/>
+              </a:rPr>
+            </a:br>
+            <a:r>
+              <a:rPr kumimoji="0" lang="zh-TW" altLang="zh-TW" sz="1200" b="0" i="0" u="none" strike="noStrike" cap="none" normalizeH="0" baseline="0" dirty="0">
+                <a:ln>
+                  <a:noFill/>
+                </a:ln>
+                <a:solidFill>
+                  <a:srgbClr val="CC7832"/>
+                </a:solidFill>
+                <a:effectLst/>
+                <a:latin typeface="Arial Unicode MS" panose="020B0604020202020204" pitchFamily="34" charset="-120"/>
+                <a:ea typeface="JetBrains Mono"/>
+              </a:rPr>
+              <a:t>                        </a:t>
+            </a:r>
+            <a:r>
+              <a:rPr kumimoji="0" lang="zh-TW" altLang="zh-TW" sz="1200" b="0" i="0" u="none" strike="noStrike" cap="none" normalizeH="0" baseline="0" dirty="0">
+                <a:ln>
+                  <a:noFill/>
+                </a:ln>
+                <a:solidFill>
+                  <a:srgbClr val="6A8759"/>
+                </a:solidFill>
+                <a:effectLst/>
+                <a:latin typeface="Arial Unicode MS" panose="020B0604020202020204" pitchFamily="34" charset="-120"/>
+                <a:ea typeface="JetBrains Mono"/>
+              </a:rPr>
+              <a:t>"handlerMappings"</a:t>
+            </a:r>
+            <a:r>
+              <a:rPr kumimoji="0" lang="zh-TW" altLang="zh-TW" sz="1200" b="0" i="0" u="none" strike="noStrike" cap="none" normalizeH="0" baseline="0" dirty="0">
+                <a:ln>
+                  <a:noFill/>
+                </a:ln>
+                <a:solidFill>
+                  <a:srgbClr val="A9B7C6"/>
+                </a:solidFill>
+                <a:effectLst/>
+                <a:latin typeface="Arial Unicode MS" panose="020B0604020202020204" pitchFamily="34" charset="-120"/>
+                <a:ea typeface="JetBrains Mono"/>
+              </a:rPr>
+              <a:t>)</a:t>
+            </a:r>
+            <a:r>
+              <a:rPr kumimoji="0" lang="zh-TW" altLang="zh-TW" sz="1200" b="0" i="0" u="none" strike="noStrike" cap="none" normalizeH="0" baseline="0" dirty="0">
+                <a:ln>
+                  <a:noFill/>
+                </a:ln>
+                <a:solidFill>
+                  <a:srgbClr val="CC7832"/>
+                </a:solidFill>
+                <a:effectLst/>
+                <a:latin typeface="Arial Unicode MS" panose="020B0604020202020204" pitchFamily="34" charset="-120"/>
+                <a:ea typeface="JetBrains Mono"/>
+              </a:rPr>
+              <a:t>;</a:t>
+            </a:r>
+            <a:br>
+              <a:rPr kumimoji="0" lang="zh-TW" altLang="zh-TW" sz="1200" b="0" i="0" u="none" strike="noStrike" cap="none" normalizeH="0" baseline="0" dirty="0">
+                <a:ln>
+                  <a:noFill/>
+                </a:ln>
+                <a:solidFill>
+                  <a:srgbClr val="CC7832"/>
+                </a:solidFill>
+                <a:effectLst/>
+                <a:latin typeface="Arial Unicode MS" panose="020B0604020202020204" pitchFamily="34" charset="-120"/>
+                <a:ea typeface="JetBrains Mono"/>
+              </a:rPr>
+            </a:br>
+            <a:r>
+              <a:rPr kumimoji="0" lang="zh-TW" altLang="zh-TW" sz="1200" b="0" i="0" u="none" strike="noStrike" cap="none" normalizeH="0" baseline="0" dirty="0">
+                <a:ln>
+                  <a:noFill/>
+                </a:ln>
+                <a:solidFill>
+                  <a:srgbClr val="CC7832"/>
+                </a:solidFill>
+                <a:effectLst/>
+                <a:latin typeface="Arial Unicode MS" panose="020B0604020202020204" pitchFamily="34" charset="-120"/>
+                <a:ea typeface="JetBrains Mono"/>
+              </a:rPr>
+              <a:t>                </a:t>
+            </a:r>
+            <a:r>
+              <a:rPr kumimoji="0" lang="zh-TW" altLang="zh-TW" sz="1200" b="0" i="0" u="none" strike="noStrike" cap="none" normalizeH="0" baseline="0" dirty="0">
+                <a:ln>
+                  <a:noFill/>
+                </a:ln>
+                <a:solidFill>
+                  <a:srgbClr val="A9B7C6"/>
+                </a:solidFill>
+                <a:effectLst/>
+                <a:latin typeface="Arial Unicode MS" panose="020B0604020202020204" pitchFamily="34" charset="-120"/>
+                <a:ea typeface="JetBrains Mono"/>
+              </a:rPr>
+              <a:t>field.setAccessible(</a:t>
+            </a:r>
+            <a:r>
+              <a:rPr kumimoji="0" lang="zh-TW" altLang="zh-TW" sz="1200" b="0" i="0" u="none" strike="noStrike" cap="none" normalizeH="0" baseline="0" dirty="0">
+                <a:ln>
+                  <a:noFill/>
+                </a:ln>
+                <a:solidFill>
+                  <a:srgbClr val="CC7832"/>
+                </a:solidFill>
+                <a:effectLst/>
+                <a:latin typeface="Arial Unicode MS" panose="020B0604020202020204" pitchFamily="34" charset="-120"/>
+                <a:ea typeface="JetBrains Mono"/>
+              </a:rPr>
+              <a:t>true</a:t>
+            </a:r>
+            <a:r>
+              <a:rPr kumimoji="0" lang="zh-TW" altLang="zh-TW" sz="1200" b="0" i="0" u="none" strike="noStrike" cap="none" normalizeH="0" baseline="0" dirty="0">
+                <a:ln>
+                  <a:noFill/>
+                </a:ln>
+                <a:solidFill>
+                  <a:srgbClr val="A9B7C6"/>
+                </a:solidFill>
+                <a:effectLst/>
+                <a:latin typeface="Arial Unicode MS" panose="020B0604020202020204" pitchFamily="34" charset="-120"/>
+                <a:ea typeface="JetBrains Mono"/>
+              </a:rPr>
+              <a:t>)</a:t>
+            </a:r>
+            <a:r>
+              <a:rPr kumimoji="0" lang="zh-TW" altLang="zh-TW" sz="1200" b="0" i="0" u="none" strike="noStrike" cap="none" normalizeH="0" baseline="0" dirty="0">
+                <a:ln>
+                  <a:noFill/>
+                </a:ln>
+                <a:solidFill>
+                  <a:srgbClr val="CC7832"/>
+                </a:solidFill>
+                <a:effectLst/>
+                <a:latin typeface="Arial Unicode MS" panose="020B0604020202020204" pitchFamily="34" charset="-120"/>
+                <a:ea typeface="JetBrains Mono"/>
+              </a:rPr>
+              <a:t>;</a:t>
+            </a:r>
+            <a:br>
+              <a:rPr kumimoji="0" lang="zh-TW" altLang="zh-TW" sz="1200" b="0" i="0" u="none" strike="noStrike" cap="none" normalizeH="0" baseline="0" dirty="0">
+                <a:ln>
+                  <a:noFill/>
+                </a:ln>
+                <a:solidFill>
+                  <a:srgbClr val="CC7832"/>
+                </a:solidFill>
+                <a:effectLst/>
+                <a:latin typeface="Arial Unicode MS" panose="020B0604020202020204" pitchFamily="34" charset="-120"/>
+                <a:ea typeface="JetBrains Mono"/>
+              </a:rPr>
+            </a:br>
+            <a:r>
+              <a:rPr kumimoji="0" lang="zh-TW" altLang="zh-TW" sz="1200" b="0" i="0" u="none" strike="noStrike" cap="none" normalizeH="0" baseline="0" dirty="0">
+                <a:ln>
+                  <a:noFill/>
+                </a:ln>
+                <a:solidFill>
+                  <a:srgbClr val="CC7832"/>
+                </a:solidFill>
+                <a:effectLst/>
+                <a:latin typeface="Arial Unicode MS" panose="020B0604020202020204" pitchFamily="34" charset="-120"/>
+                <a:ea typeface="JetBrains Mono"/>
+              </a:rPr>
+              <a:t>                return </a:t>
+            </a:r>
+            <a:r>
+              <a:rPr kumimoji="0" lang="zh-TW" altLang="zh-TW" sz="1200" b="0" i="0" u="none" strike="noStrike" cap="none" normalizeH="0" baseline="0" dirty="0">
+                <a:ln>
+                  <a:noFill/>
+                </a:ln>
+                <a:solidFill>
+                  <a:srgbClr val="A9B7C6"/>
+                </a:solidFill>
+                <a:effectLst/>
+                <a:latin typeface="Arial Unicode MS" panose="020B0604020202020204" pitchFamily="34" charset="-120"/>
+                <a:ea typeface="JetBrains Mono"/>
+              </a:rPr>
+              <a:t>(List&lt;RequestMappingInfoHandlerMapping&gt;) field.get(bean)</a:t>
+            </a:r>
+            <a:r>
+              <a:rPr kumimoji="0" lang="zh-TW" altLang="zh-TW" sz="1200" b="0" i="0" u="none" strike="noStrike" cap="none" normalizeH="0" baseline="0" dirty="0">
+                <a:ln>
+                  <a:noFill/>
+                </a:ln>
+                <a:solidFill>
+                  <a:srgbClr val="CC7832"/>
+                </a:solidFill>
+                <a:effectLst/>
+                <a:latin typeface="Arial Unicode MS" panose="020B0604020202020204" pitchFamily="34" charset="-120"/>
+                <a:ea typeface="JetBrains Mono"/>
+              </a:rPr>
+              <a:t>;</a:t>
+            </a:r>
+            <a:br>
+              <a:rPr kumimoji="0" lang="zh-TW" altLang="zh-TW" sz="1200" b="0" i="0" u="none" strike="noStrike" cap="none" normalizeH="0" baseline="0" dirty="0">
+                <a:ln>
+                  <a:noFill/>
+                </a:ln>
+                <a:solidFill>
+                  <a:srgbClr val="CC7832"/>
+                </a:solidFill>
+                <a:effectLst/>
+                <a:latin typeface="Arial Unicode MS" panose="020B0604020202020204" pitchFamily="34" charset="-120"/>
+                <a:ea typeface="JetBrains Mono"/>
+              </a:rPr>
+            </a:br>
+            <a:r>
+              <a:rPr kumimoji="0" lang="zh-TW" altLang="zh-TW" sz="1200" b="0" i="0" u="none" strike="noStrike" cap="none" normalizeH="0" baseline="0" dirty="0">
+                <a:ln>
+                  <a:noFill/>
+                </a:ln>
+                <a:solidFill>
+                  <a:srgbClr val="CC7832"/>
+                </a:solidFill>
+                <a:effectLst/>
+                <a:latin typeface="Arial Unicode MS" panose="020B0604020202020204" pitchFamily="34" charset="-120"/>
+                <a:ea typeface="JetBrains Mono"/>
+              </a:rPr>
+              <a:t>            </a:t>
+            </a:r>
+            <a:r>
+              <a:rPr kumimoji="0" lang="zh-TW" altLang="zh-TW" sz="1200" b="0" i="0" u="none" strike="noStrike" cap="none" normalizeH="0" baseline="0" dirty="0">
+                <a:ln>
+                  <a:noFill/>
+                </a:ln>
+                <a:solidFill>
+                  <a:srgbClr val="A9B7C6"/>
+                </a:solidFill>
+                <a:effectLst/>
+                <a:latin typeface="Arial Unicode MS" panose="020B0604020202020204" pitchFamily="34" charset="-120"/>
+                <a:ea typeface="JetBrains Mono"/>
+              </a:rPr>
+              <a:t>} </a:t>
+            </a:r>
+            <a:r>
+              <a:rPr kumimoji="0" lang="zh-TW" altLang="zh-TW" sz="1200" b="0" i="0" u="none" strike="noStrike" cap="none" normalizeH="0" baseline="0" dirty="0">
+                <a:ln>
+                  <a:noFill/>
+                </a:ln>
+                <a:solidFill>
+                  <a:srgbClr val="CC7832"/>
+                </a:solidFill>
+                <a:effectLst/>
+                <a:latin typeface="Arial Unicode MS" panose="020B0604020202020204" pitchFamily="34" charset="-120"/>
+                <a:ea typeface="JetBrains Mono"/>
+              </a:rPr>
+              <a:t>catch </a:t>
+            </a:r>
+            <a:r>
+              <a:rPr kumimoji="0" lang="zh-TW" altLang="zh-TW" sz="1200" b="0" i="0" u="none" strike="noStrike" cap="none" normalizeH="0" baseline="0" dirty="0">
+                <a:ln>
+                  <a:noFill/>
+                </a:ln>
+                <a:solidFill>
+                  <a:srgbClr val="A9B7C6"/>
+                </a:solidFill>
+                <a:effectLst/>
+                <a:latin typeface="Arial Unicode MS" panose="020B0604020202020204" pitchFamily="34" charset="-120"/>
+                <a:ea typeface="JetBrains Mono"/>
+              </a:rPr>
+              <a:t>(IllegalArgumentException | IllegalAccessException e) {</a:t>
+            </a:r>
+            <a:br>
+              <a:rPr kumimoji="0" lang="zh-TW" altLang="zh-TW" sz="1200" b="0" i="0" u="none" strike="noStrike" cap="none" normalizeH="0" baseline="0" dirty="0">
+                <a:ln>
+                  <a:noFill/>
+                </a:ln>
+                <a:solidFill>
+                  <a:srgbClr val="A9B7C6"/>
+                </a:solidFill>
+                <a:effectLst/>
+                <a:latin typeface="Arial Unicode MS" panose="020B0604020202020204" pitchFamily="34" charset="-120"/>
+                <a:ea typeface="JetBrains Mono"/>
+              </a:rPr>
+            </a:br>
+            <a:r>
+              <a:rPr kumimoji="0" lang="zh-TW" altLang="zh-TW" sz="1200" b="0" i="0" u="none" strike="noStrike" cap="none" normalizeH="0" baseline="0" dirty="0">
+                <a:ln>
+                  <a:noFill/>
+                </a:ln>
+                <a:solidFill>
+                  <a:srgbClr val="A9B7C6"/>
+                </a:solidFill>
+                <a:effectLst/>
+                <a:latin typeface="Arial Unicode MS" panose="020B0604020202020204" pitchFamily="34" charset="-120"/>
+                <a:ea typeface="JetBrains Mono"/>
+              </a:rPr>
+              <a:t>                </a:t>
+            </a:r>
+            <a:r>
+              <a:rPr kumimoji="0" lang="zh-TW" altLang="zh-TW" sz="1200" b="0" i="0" u="none" strike="noStrike" cap="none" normalizeH="0" baseline="0" dirty="0">
+                <a:ln>
+                  <a:noFill/>
+                </a:ln>
+                <a:solidFill>
+                  <a:srgbClr val="CC7832"/>
+                </a:solidFill>
+                <a:effectLst/>
+                <a:latin typeface="Arial Unicode MS" panose="020B0604020202020204" pitchFamily="34" charset="-120"/>
+                <a:ea typeface="JetBrains Mono"/>
+              </a:rPr>
+              <a:t>throw new </a:t>
+            </a:r>
+            <a:r>
+              <a:rPr kumimoji="0" lang="zh-TW" altLang="zh-TW" sz="1200" b="0" i="0" u="none" strike="noStrike" cap="none" normalizeH="0" baseline="0" dirty="0">
+                <a:ln>
+                  <a:noFill/>
+                </a:ln>
+                <a:solidFill>
+                  <a:srgbClr val="A9B7C6"/>
+                </a:solidFill>
+                <a:effectLst/>
+                <a:latin typeface="Arial Unicode MS" panose="020B0604020202020204" pitchFamily="34" charset="-120"/>
+                <a:ea typeface="JetBrains Mono"/>
+              </a:rPr>
+              <a:t>IllegalStateException(e)</a:t>
+            </a:r>
+            <a:r>
+              <a:rPr kumimoji="0" lang="zh-TW" altLang="zh-TW" sz="1200" b="0" i="0" u="none" strike="noStrike" cap="none" normalizeH="0" baseline="0" dirty="0">
+                <a:ln>
+                  <a:noFill/>
+                </a:ln>
+                <a:solidFill>
+                  <a:srgbClr val="CC7832"/>
+                </a:solidFill>
+                <a:effectLst/>
+                <a:latin typeface="Arial Unicode MS" panose="020B0604020202020204" pitchFamily="34" charset="-120"/>
+                <a:ea typeface="JetBrains Mono"/>
+              </a:rPr>
+              <a:t>;</a:t>
+            </a:r>
+            <a:br>
+              <a:rPr kumimoji="0" lang="zh-TW" altLang="zh-TW" sz="1200" b="0" i="0" u="none" strike="noStrike" cap="none" normalizeH="0" baseline="0" dirty="0">
+                <a:ln>
+                  <a:noFill/>
+                </a:ln>
+                <a:solidFill>
+                  <a:srgbClr val="CC7832"/>
+                </a:solidFill>
+                <a:effectLst/>
+                <a:latin typeface="Arial Unicode MS" panose="020B0604020202020204" pitchFamily="34" charset="-120"/>
+                <a:ea typeface="JetBrains Mono"/>
+              </a:rPr>
+            </a:br>
+            <a:r>
+              <a:rPr kumimoji="0" lang="zh-TW" altLang="zh-TW" sz="1200" b="0" i="0" u="none" strike="noStrike" cap="none" normalizeH="0" baseline="0" dirty="0">
+                <a:ln>
+                  <a:noFill/>
+                </a:ln>
+                <a:solidFill>
+                  <a:srgbClr val="CC7832"/>
+                </a:solidFill>
+                <a:effectLst/>
+                <a:latin typeface="Arial Unicode MS" panose="020B0604020202020204" pitchFamily="34" charset="-120"/>
+                <a:ea typeface="JetBrains Mono"/>
+              </a:rPr>
+              <a:t>            </a:t>
+            </a:r>
+            <a:r>
+              <a:rPr kumimoji="0" lang="zh-TW" altLang="zh-TW" sz="1200" b="0" i="0" u="none" strike="noStrike" cap="none" normalizeH="0" baseline="0" dirty="0">
+                <a:ln>
+                  <a:noFill/>
+                </a:ln>
+                <a:solidFill>
+                  <a:srgbClr val="A9B7C6"/>
+                </a:solidFill>
+                <a:effectLst/>
+                <a:latin typeface="Arial Unicode MS" panose="020B0604020202020204" pitchFamily="34" charset="-120"/>
+                <a:ea typeface="JetBrains Mono"/>
+              </a:rPr>
+              <a:t>}</a:t>
+            </a:r>
+            <a:br>
+              <a:rPr kumimoji="0" lang="zh-TW" altLang="zh-TW" sz="1200" b="0" i="0" u="none" strike="noStrike" cap="none" normalizeH="0" baseline="0" dirty="0">
+                <a:ln>
+                  <a:noFill/>
+                </a:ln>
+                <a:solidFill>
+                  <a:srgbClr val="A9B7C6"/>
+                </a:solidFill>
+                <a:effectLst/>
+                <a:latin typeface="Arial Unicode MS" panose="020B0604020202020204" pitchFamily="34" charset="-120"/>
+                <a:ea typeface="JetBrains Mono"/>
+              </a:rPr>
+            </a:br>
+            <a:r>
+              <a:rPr kumimoji="0" lang="zh-TW" altLang="zh-TW" sz="1200" b="0" i="0" u="none" strike="noStrike" cap="none" normalizeH="0" baseline="0" dirty="0">
+                <a:ln>
+                  <a:noFill/>
+                </a:ln>
+                <a:solidFill>
+                  <a:srgbClr val="A9B7C6"/>
+                </a:solidFill>
+                <a:effectLst/>
+                <a:latin typeface="Arial Unicode MS" panose="020B0604020202020204" pitchFamily="34" charset="-120"/>
+                <a:ea typeface="JetBrains Mono"/>
+              </a:rPr>
+              <a:t>        }</a:t>
+            </a:r>
+            <a:br>
+              <a:rPr kumimoji="0" lang="zh-TW" altLang="zh-TW" sz="1200" b="0" i="0" u="none" strike="noStrike" cap="none" normalizeH="0" baseline="0" dirty="0">
+                <a:ln>
+                  <a:noFill/>
+                </a:ln>
+                <a:solidFill>
+                  <a:srgbClr val="A9B7C6"/>
+                </a:solidFill>
+                <a:effectLst/>
+                <a:latin typeface="Arial Unicode MS" panose="020B0604020202020204" pitchFamily="34" charset="-120"/>
+                <a:ea typeface="JetBrains Mono"/>
+              </a:rPr>
+            </a:br>
+            <a:r>
+              <a:rPr kumimoji="0" lang="zh-TW" altLang="zh-TW" sz="1200" b="0" i="0" u="none" strike="noStrike" cap="none" normalizeH="0" baseline="0" dirty="0">
+                <a:ln>
+                  <a:noFill/>
+                </a:ln>
+                <a:solidFill>
+                  <a:srgbClr val="A9B7C6"/>
+                </a:solidFill>
+                <a:effectLst/>
+                <a:latin typeface="Arial Unicode MS" panose="020B0604020202020204" pitchFamily="34" charset="-120"/>
+                <a:ea typeface="JetBrains Mono"/>
+              </a:rPr>
+              <a:t>    }</a:t>
+            </a:r>
+            <a:r>
+              <a:rPr kumimoji="0" lang="zh-TW" altLang="zh-TW" sz="1200" b="0" i="0" u="none" strike="noStrike" cap="none" normalizeH="0" baseline="0" dirty="0">
+                <a:ln>
+                  <a:noFill/>
+                </a:ln>
+                <a:solidFill>
+                  <a:srgbClr val="CC7832"/>
+                </a:solidFill>
+                <a:effectLst/>
+                <a:latin typeface="Arial Unicode MS" panose="020B0604020202020204" pitchFamily="34" charset="-120"/>
+                <a:ea typeface="JetBrains Mono"/>
+              </a:rPr>
+              <a:t>;</a:t>
+            </a:r>
+            <a:br>
+              <a:rPr kumimoji="0" lang="zh-TW" altLang="zh-TW" sz="1200" b="0" i="0" u="none" strike="noStrike" cap="none" normalizeH="0" baseline="0" dirty="0">
+                <a:ln>
+                  <a:noFill/>
+                </a:ln>
+                <a:solidFill>
+                  <a:srgbClr val="CC7832"/>
+                </a:solidFill>
+                <a:effectLst/>
+                <a:latin typeface="Arial Unicode MS" panose="020B0604020202020204" pitchFamily="34" charset="-120"/>
+                <a:ea typeface="JetBrains Mono"/>
+              </a:rPr>
+            </a:br>
+            <a:r>
+              <a:rPr kumimoji="0" lang="zh-TW" altLang="zh-TW" sz="1200" b="0" i="0" u="none" strike="noStrike" cap="none" normalizeH="0" baseline="0" dirty="0">
+                <a:ln>
+                  <a:noFill/>
+                </a:ln>
+                <a:solidFill>
+                  <a:srgbClr val="A9B7C6"/>
+                </a:solidFill>
+                <a:effectLst/>
+                <a:latin typeface="Arial Unicode MS" panose="020B0604020202020204" pitchFamily="34" charset="-120"/>
+                <a:ea typeface="JetBrains Mono"/>
+              </a:rPr>
+              <a:t>}</a:t>
+            </a:r>
+            <a:endParaRPr kumimoji="0" lang="zh-TW" altLang="zh-TW" sz="1600" b="0" i="0" u="none" strike="noStrike" cap="none" normalizeH="0" baseline="0" dirty="0">
+              <a:ln>
+                <a:noFill/>
+              </a:ln>
+              <a:solidFill>
+                <a:schemeClr val="tx1"/>
+              </a:solidFill>
+              <a:effectLst/>
+              <a:latin typeface="Arial" panose="020B0604020202020204" pitchFamily="34" charset="0"/>
+            </a:endParaRPr>
+          </a:p>
+        </p:txBody>
+      </p:sp>
+    </p:spTree>
+    <p:extLst>
+      <p:ext uri="{BB962C8B-B14F-4D97-AF65-F5344CB8AC3E}">
+        <p14:creationId xmlns:p14="http://schemas.microsoft.com/office/powerpoint/2010/main" val="4201398053"/>
+      </p:ext>
+    </p:extLst>
+  </p:cSld>
+  <p:clrMapOvr>
+    <a:masterClrMapping/>
+  </p:clrMapOvr>
+</p:sld>
+</file>
+
+<file path=ppt/slides/slide9.xml><?xml version="1.0" encoding="utf-8"?>
+<p:sld xmlns:a="http://schemas.openxmlformats.org/drawingml/2006/main" xmlns:r="http://schemas.openxmlformats.org/officeDocument/2006/relationships" xmlns:p="http://schemas.openxmlformats.org/presentationml/2006/main">
+  <p:cSld>
+    <p:spTree>
+      <p:nvGrpSpPr>
+        <p:cNvPr id="1" name=""/>
+        <p:cNvGrpSpPr/>
+        <p:nvPr/>
+      </p:nvGrpSpPr>
+      <p:grpSpPr>
+        <a:xfrm>
+          <a:off x="0" y="0"/>
+          <a:ext cx="0" cy="0"/>
+          <a:chOff x="0" y="0"/>
+          <a:chExt cx="0" cy="0"/>
+        </a:xfrm>
+      </p:grpSpPr>
+      <p:sp>
+        <p:nvSpPr>
+          <p:cNvPr id="3" name="文字方塊 2">
+            <a:extLst>
+              <a:ext uri="{FF2B5EF4-FFF2-40B4-BE49-F238E27FC236}">
+                <a16:creationId xmlns:a16="http://schemas.microsoft.com/office/drawing/2014/main" id="{16EE92DD-97C4-448E-BA57-91D45BD6DBBB}"/>
+              </a:ext>
+            </a:extLst>
+          </p:cNvPr>
+          <p:cNvSpPr txBox="1"/>
+          <p:nvPr/>
+        </p:nvSpPr>
+        <p:spPr>
+          <a:xfrm>
+            <a:off x="638002" y="279508"/>
+            <a:ext cx="10883437" cy="646331"/>
+          </a:xfrm>
+          <a:prstGeom prst="rect">
+            <a:avLst/>
+          </a:prstGeom>
+          <a:noFill/>
+        </p:spPr>
+        <p:txBody>
+          <a:bodyPr wrap="square">
+            <a:spAutoFit/>
+          </a:bodyPr>
+          <a:lstStyle/>
+          <a:p>
+            <a:r>
+              <a:rPr lang="en-US" altLang="zh-TW" b="0" i="0" dirty="0">
+                <a:solidFill>
+                  <a:srgbClr val="262626"/>
+                </a:solidFill>
+                <a:effectLst/>
+                <a:latin typeface="標楷體" panose="03000509000000000000" pitchFamily="65" charset="-120"/>
+                <a:ea typeface="標楷體" panose="03000509000000000000" pitchFamily="65" charset="-120"/>
+              </a:rPr>
+              <a:t>2.</a:t>
+            </a:r>
+            <a:r>
+              <a:rPr lang="zh-TW" altLang="en-US" b="0" i="0" dirty="0">
+                <a:solidFill>
+                  <a:srgbClr val="262626"/>
+                </a:solidFill>
+                <a:effectLst/>
+                <a:latin typeface="標楷體" panose="03000509000000000000" pitchFamily="65" charset="-120"/>
+                <a:ea typeface="標楷體" panose="03000509000000000000" pitchFamily="65" charset="-120"/>
+              </a:rPr>
+              <a:t>修改</a:t>
+            </a:r>
+            <a:r>
+              <a:rPr lang="en-US" altLang="zh-TW" b="0" i="0" dirty="0">
+                <a:solidFill>
+                  <a:srgbClr val="262626"/>
+                </a:solidFill>
+                <a:effectLst/>
+                <a:latin typeface="標楷體" panose="03000509000000000000" pitchFamily="65" charset="-120"/>
+                <a:ea typeface="標楷體" panose="03000509000000000000" pitchFamily="65" charset="-120"/>
+              </a:rPr>
+              <a:t>application. properties</a:t>
+            </a:r>
+            <a:r>
+              <a:rPr lang="zh-TW" altLang="en-US" b="0" i="0" dirty="0">
+                <a:solidFill>
+                  <a:srgbClr val="262626"/>
+                </a:solidFill>
+                <a:effectLst/>
+                <a:latin typeface="標楷體" panose="03000509000000000000" pitchFamily="65" charset="-120"/>
+                <a:ea typeface="標楷體" panose="03000509000000000000" pitchFamily="65" charset="-120"/>
+              </a:rPr>
+              <a:t>檔案，</a:t>
+            </a:r>
+            <a:r>
+              <a:rPr lang="en-US" altLang="zh-TW" b="0" i="0" dirty="0">
+                <a:solidFill>
+                  <a:srgbClr val="262626"/>
+                </a:solidFill>
+                <a:effectLst/>
+                <a:latin typeface="標楷體" panose="03000509000000000000" pitchFamily="65" charset="-120"/>
+                <a:ea typeface="標楷體" panose="03000509000000000000" pitchFamily="65" charset="-120"/>
+              </a:rPr>
+              <a:t>MVC</a:t>
+            </a:r>
+            <a:r>
+              <a:rPr lang="zh-TW" altLang="en-US" b="0" i="0" dirty="0">
+                <a:solidFill>
+                  <a:srgbClr val="262626"/>
+                </a:solidFill>
+                <a:effectLst/>
+                <a:latin typeface="標楷體" panose="03000509000000000000" pitchFamily="65" charset="-120"/>
+                <a:ea typeface="標楷體" panose="03000509000000000000" pitchFamily="65" charset="-120"/>
+              </a:rPr>
+              <a:t>預設的路徑比對政策為</a:t>
+            </a:r>
+            <a:r>
+              <a:rPr lang="en-US" altLang="zh-TW" b="0" i="0" dirty="0">
+                <a:solidFill>
+                  <a:srgbClr val="262626"/>
+                </a:solidFill>
+                <a:effectLst/>
+                <a:latin typeface="標楷體" panose="03000509000000000000" pitchFamily="65" charset="-120"/>
+                <a:ea typeface="標楷體" panose="03000509000000000000" pitchFamily="65" charset="-120"/>
+              </a:rPr>
+              <a:t>PATH_PATTERN_PARSER</a:t>
+            </a:r>
+            <a:r>
+              <a:rPr lang="zh-TW" altLang="en-US" b="0" i="0" dirty="0">
+                <a:solidFill>
+                  <a:srgbClr val="262626"/>
+                </a:solidFill>
+                <a:effectLst/>
+                <a:latin typeface="標楷體" panose="03000509000000000000" pitchFamily="65" charset="-120"/>
+                <a:ea typeface="標楷體" panose="03000509000000000000" pitchFamily="65" charset="-120"/>
+              </a:rPr>
+              <a:t>，需要修改為</a:t>
+            </a:r>
+            <a:r>
+              <a:rPr lang="en-US" altLang="zh-TW" b="0" i="0" dirty="0">
+                <a:solidFill>
+                  <a:srgbClr val="262626"/>
+                </a:solidFill>
+                <a:effectLst/>
+                <a:latin typeface="標楷體" panose="03000509000000000000" pitchFamily="65" charset="-120"/>
+                <a:ea typeface="標楷體" panose="03000509000000000000" pitchFamily="65" charset="-120"/>
+              </a:rPr>
+              <a:t>ANT_PATH_MATCHER</a:t>
+            </a:r>
+            <a:r>
+              <a:rPr lang="zh-TW" altLang="en-US" b="0" i="0" dirty="0">
+                <a:solidFill>
+                  <a:srgbClr val="262626"/>
+                </a:solidFill>
+                <a:effectLst/>
+                <a:latin typeface="標楷體" panose="03000509000000000000" pitchFamily="65" charset="-120"/>
+                <a:ea typeface="標楷體" panose="03000509000000000000" pitchFamily="65" charset="-120"/>
+              </a:rPr>
+              <a:t>；</a:t>
+            </a:r>
+            <a:endParaRPr lang="zh-TW" altLang="en-US" dirty="0">
+              <a:latin typeface="標楷體" panose="03000509000000000000" pitchFamily="65" charset="-120"/>
+              <a:ea typeface="標楷體" panose="03000509000000000000" pitchFamily="65" charset="-120"/>
+            </a:endParaRPr>
+          </a:p>
+        </p:txBody>
+      </p:sp>
+      <p:sp>
+        <p:nvSpPr>
+          <p:cNvPr id="4" name="Rectangle 1">
+            <a:extLst>
+              <a:ext uri="{FF2B5EF4-FFF2-40B4-BE49-F238E27FC236}">
+                <a16:creationId xmlns:a16="http://schemas.microsoft.com/office/drawing/2014/main" id="{0763B7E4-A98C-4B49-AC40-B79C280B3D63}"/>
+              </a:ext>
+            </a:extLst>
+          </p:cNvPr>
+          <p:cNvSpPr>
+            <a:spLocks noChangeArrowheads="1"/>
+          </p:cNvSpPr>
+          <p:nvPr/>
+        </p:nvSpPr>
+        <p:spPr bwMode="auto">
+          <a:xfrm>
+            <a:off x="638002" y="1138123"/>
+            <a:ext cx="4998027" cy="292388"/>
+          </a:xfrm>
+          <a:prstGeom prst="rect">
+            <a:avLst/>
+          </a:prstGeom>
+          <a:solidFill>
+            <a:srgbClr val="2B2B2B"/>
+          </a:solidFill>
+          <a:ln>
+            <a:noFill/>
+          </a:ln>
+          <a:effectLst/>
+          <a:extLst>
+            <a:ext uri="{91240B29-F687-4F45-9708-019B960494DF}">
+              <a14:hiddenLine xmlns:a14="http://schemas.microsoft.com/office/drawing/2010/main" w="9525">
+                <a:solidFill>
+                  <a:schemeClr val="tx1"/>
+                </a:solidFill>
+                <a:miter lim="800000"/>
+                <a:headEnd/>
+                <a:tailEnd/>
+              </a14:hiddenLine>
+            </a:ext>
+            <a:ext uri="{AF507438-7753-43E0-B8FC-AC1667EBCBE1}">
+              <a14:hiddenEffects xmlns:a14="http://schemas.microsoft.com/office/drawing/2010/main">
+                <a:effectLst>
+                  <a:outerShdw dist="35921" dir="2700000" algn="ctr" rotWithShape="0">
+                    <a:schemeClr val="bg2"/>
+                  </a:outerShdw>
+                </a:effectLst>
+              </a14:hiddenEffects>
+            </a:ext>
+          </a:extLst>
+        </p:spPr>
+        <p:txBody>
+          <a:bodyPr vert="horz" wrap="square" lIns="91440" tIns="45720" rIns="91440" bIns="45720" numCol="1" anchor="ctr" anchorCtr="0" compatLnSpc="1">
+            <a:prstTxWarp prst="textNoShape">
+              <a:avLst/>
+            </a:prstTxWarp>
+            <a:spAutoFit/>
+          </a:bodyPr>
+          <a:lstStyle/>
+          <a:p>
+            <a:pPr marL="0" marR="0" lvl="0" indent="0" algn="l" defTabSz="914400" rtl="0" eaLnBrk="0" fontAlgn="base" latinLnBrk="0" hangingPunct="0">
+              <a:lnSpc>
+                <a:spcPct val="100000"/>
+              </a:lnSpc>
+              <a:spcBef>
+                <a:spcPct val="0"/>
+              </a:spcBef>
+              <a:spcAft>
+                <a:spcPct val="0"/>
+              </a:spcAft>
+              <a:buClrTx/>
+              <a:buSzTx/>
+              <a:buFontTx/>
+              <a:buNone/>
+              <a:tabLst/>
+            </a:pPr>
+            <a:r>
+              <a:rPr kumimoji="0" lang="zh-TW" altLang="zh-TW" sz="1300" b="0" i="0" u="none" strike="noStrike" cap="none" normalizeH="0" baseline="0">
+                <a:ln>
+                  <a:noFill/>
+                </a:ln>
+                <a:solidFill>
+                  <a:srgbClr val="CC7832"/>
+                </a:solidFill>
+                <a:effectLst/>
+                <a:latin typeface="Arial Unicode MS" panose="020B0604020202020204" pitchFamily="34" charset="-120"/>
+                <a:ea typeface="JetBrains Mono"/>
+              </a:rPr>
+              <a:t>spring.mvc.pathmatch.matching-strategy</a:t>
+            </a:r>
+            <a:r>
+              <a:rPr kumimoji="0" lang="zh-TW" altLang="zh-TW" sz="1300" b="0" i="0" u="none" strike="noStrike" cap="none" normalizeH="0" baseline="0">
+                <a:ln>
+                  <a:noFill/>
+                </a:ln>
+                <a:solidFill>
+                  <a:srgbClr val="808080"/>
+                </a:solidFill>
+                <a:effectLst/>
+                <a:latin typeface="Arial Unicode MS" panose="020B0604020202020204" pitchFamily="34" charset="-120"/>
+                <a:ea typeface="JetBrains Mono"/>
+              </a:rPr>
+              <a:t>=</a:t>
+            </a:r>
+            <a:r>
+              <a:rPr kumimoji="0" lang="zh-TW" altLang="zh-TW" sz="1300" b="0" i="0" u="none" strike="noStrike" cap="none" normalizeH="0" baseline="0">
+                <a:ln>
+                  <a:noFill/>
+                </a:ln>
+                <a:solidFill>
+                  <a:srgbClr val="6A8759"/>
+                </a:solidFill>
+                <a:effectLst/>
+                <a:latin typeface="Arial Unicode MS" panose="020B0604020202020204" pitchFamily="34" charset="-120"/>
+                <a:ea typeface="JetBrains Mono"/>
+              </a:rPr>
+              <a:t>ant-path-matcher</a:t>
+            </a:r>
+            <a:endParaRPr kumimoji="0" lang="zh-TW" altLang="zh-TW" sz="1800" b="0" i="0" u="none" strike="noStrike" cap="none" normalizeH="0" baseline="0">
+              <a:ln>
+                <a:noFill/>
+              </a:ln>
+              <a:solidFill>
+                <a:schemeClr val="tx1"/>
+              </a:solidFill>
+              <a:effectLst/>
+              <a:latin typeface="Arial" panose="020B0604020202020204" pitchFamily="34" charset="0"/>
+            </a:endParaRPr>
+          </a:p>
+        </p:txBody>
+      </p:sp>
+      <p:pic>
+        <p:nvPicPr>
+          <p:cNvPr id="6" name="圖片 5">
+            <a:extLst>
+              <a:ext uri="{FF2B5EF4-FFF2-40B4-BE49-F238E27FC236}">
+                <a16:creationId xmlns:a16="http://schemas.microsoft.com/office/drawing/2014/main" id="{B04C6B4B-3EA8-40D0-BB83-6395123A71AD}"/>
+              </a:ext>
+            </a:extLst>
+          </p:cNvPr>
+          <p:cNvPicPr>
+            <a:picLocks noChangeAspect="1"/>
+          </p:cNvPicPr>
+          <p:nvPr/>
+        </p:nvPicPr>
+        <p:blipFill>
+          <a:blip r:embed="rId2"/>
+          <a:stretch>
+            <a:fillRect/>
+          </a:stretch>
+        </p:blipFill>
+        <p:spPr>
+          <a:xfrm>
+            <a:off x="713371" y="1889051"/>
+            <a:ext cx="5851279" cy="4322618"/>
+          </a:xfrm>
+          <a:prstGeom prst="rect">
+            <a:avLst/>
+          </a:prstGeom>
+        </p:spPr>
+      </p:pic>
+    </p:spTree>
+    <p:extLst>
+      <p:ext uri="{BB962C8B-B14F-4D97-AF65-F5344CB8AC3E}">
+        <p14:creationId xmlns:p14="http://schemas.microsoft.com/office/powerpoint/2010/main" val="4244656585"/>
+      </p:ext>
+    </p:extLst>
+  </p:cSld>
+  <p:clrMapOvr>
+    <a:masterClrMapping/>
+  </p:clrMapOvr>
+</p:sld>
+</file>
+
 <file path=ppt/theme/theme1.xml><?xml version="1.0" encoding="utf-8"?>
 <a:theme xmlns:a="http://schemas.openxmlformats.org/drawingml/2006/main" name="Office 佈景主題">
   <a:themeElements>

--- a/document/boot spring 範例.pptx
+++ b/document/boot spring 範例.pptx
@@ -8,12 +8,13 @@
     <p:sldId id="257" r:id="rId2"/>
     <p:sldId id="340" r:id="rId3"/>
     <p:sldId id="341" r:id="rId4"/>
-    <p:sldId id="342" r:id="rId5"/>
-    <p:sldId id="343" r:id="rId6"/>
-    <p:sldId id="344" r:id="rId7"/>
-    <p:sldId id="345" r:id="rId8"/>
-    <p:sldId id="346" r:id="rId9"/>
-    <p:sldId id="347" r:id="rId10"/>
+    <p:sldId id="348" r:id="rId5"/>
+    <p:sldId id="342" r:id="rId6"/>
+    <p:sldId id="343" r:id="rId7"/>
+    <p:sldId id="344" r:id="rId8"/>
+    <p:sldId id="345" r:id="rId9"/>
+    <p:sldId id="346" r:id="rId10"/>
+    <p:sldId id="347" r:id="rId11"/>
   </p:sldIdLst>
   <p:sldSz cx="12192000" cy="6858000"/>
   <p:notesSz cx="6858000" cy="9144000"/>
@@ -267,7 +268,7 @@
           <a:p>
             <a:fld id="{51512AB3-2A0D-4117-85C5-76A0D68606F0}" type="datetimeFigureOut">
               <a:rPr lang="zh-TW" altLang="en-US" smtClean="0"/>
-              <a:t>2022/4/3</a:t>
+              <a:t>2022/4/4</a:t>
             </a:fld>
             <a:endParaRPr lang="zh-TW" altLang="en-US"/>
           </a:p>
@@ -465,7 +466,7 @@
           <a:p>
             <a:fld id="{51512AB3-2A0D-4117-85C5-76A0D68606F0}" type="datetimeFigureOut">
               <a:rPr lang="zh-TW" altLang="en-US" smtClean="0"/>
-              <a:t>2022/4/3</a:t>
+              <a:t>2022/4/4</a:t>
             </a:fld>
             <a:endParaRPr lang="zh-TW" altLang="en-US"/>
           </a:p>
@@ -673,7 +674,7 @@
           <a:p>
             <a:fld id="{51512AB3-2A0D-4117-85C5-76A0D68606F0}" type="datetimeFigureOut">
               <a:rPr lang="zh-TW" altLang="en-US" smtClean="0"/>
-              <a:t>2022/4/3</a:t>
+              <a:t>2022/4/4</a:t>
             </a:fld>
             <a:endParaRPr lang="zh-TW" altLang="en-US"/>
           </a:p>
@@ -919,7 +920,7 @@
           <a:p>
             <a:fld id="{51512AB3-2A0D-4117-85C5-76A0D68606F0}" type="datetimeFigureOut">
               <a:rPr lang="zh-TW" altLang="en-US" smtClean="0"/>
-              <a:t>2022/4/3</a:t>
+              <a:t>2022/4/4</a:t>
             </a:fld>
             <a:endParaRPr lang="zh-TW" altLang="en-US"/>
           </a:p>
@@ -1194,7 +1195,7 @@
           <a:p>
             <a:fld id="{51512AB3-2A0D-4117-85C5-76A0D68606F0}" type="datetimeFigureOut">
               <a:rPr lang="zh-TW" altLang="en-US" smtClean="0"/>
-              <a:t>2022/4/3</a:t>
+              <a:t>2022/4/4</a:t>
             </a:fld>
             <a:endParaRPr lang="zh-TW" altLang="en-US"/>
           </a:p>
@@ -1459,7 +1460,7 @@
           <a:p>
             <a:fld id="{51512AB3-2A0D-4117-85C5-76A0D68606F0}" type="datetimeFigureOut">
               <a:rPr lang="zh-TW" altLang="en-US" smtClean="0"/>
-              <a:t>2022/4/3</a:t>
+              <a:t>2022/4/4</a:t>
             </a:fld>
             <a:endParaRPr lang="zh-TW" altLang="en-US"/>
           </a:p>
@@ -1871,7 +1872,7 @@
           <a:p>
             <a:fld id="{51512AB3-2A0D-4117-85C5-76A0D68606F0}" type="datetimeFigureOut">
               <a:rPr lang="zh-TW" altLang="en-US" smtClean="0"/>
-              <a:t>2022/4/3</a:t>
+              <a:t>2022/4/4</a:t>
             </a:fld>
             <a:endParaRPr lang="zh-TW" altLang="en-US"/>
           </a:p>
@@ -2026,7 +2027,7 @@
           <a:p>
             <a:fld id="{51512AB3-2A0D-4117-85C5-76A0D68606F0}" type="datetimeFigureOut">
               <a:rPr lang="zh-TW" altLang="en-US" smtClean="0"/>
-              <a:t>2022/4/3</a:t>
+              <a:t>2022/4/4</a:t>
             </a:fld>
             <a:endParaRPr lang="zh-TW" altLang="en-US"/>
           </a:p>
@@ -2139,7 +2140,7 @@
           <a:p>
             <a:fld id="{51512AB3-2A0D-4117-85C5-76A0D68606F0}" type="datetimeFigureOut">
               <a:rPr lang="zh-TW" altLang="en-US" smtClean="0"/>
-              <a:t>2022/4/3</a:t>
+              <a:t>2022/4/4</a:t>
             </a:fld>
             <a:endParaRPr lang="zh-TW" altLang="en-US"/>
           </a:p>
@@ -2450,7 +2451,7 @@
           <a:p>
             <a:fld id="{51512AB3-2A0D-4117-85C5-76A0D68606F0}" type="datetimeFigureOut">
               <a:rPr lang="zh-TW" altLang="en-US" smtClean="0"/>
-              <a:t>2022/4/3</a:t>
+              <a:t>2022/4/4</a:t>
             </a:fld>
             <a:endParaRPr lang="zh-TW" altLang="en-US"/>
           </a:p>
@@ -2738,7 +2739,7 @@
           <a:p>
             <a:fld id="{51512AB3-2A0D-4117-85C5-76A0D68606F0}" type="datetimeFigureOut">
               <a:rPr lang="zh-TW" altLang="en-US" smtClean="0"/>
-              <a:t>2022/4/3</a:t>
+              <a:t>2022/4/4</a:t>
             </a:fld>
             <a:endParaRPr lang="zh-TW" altLang="en-US"/>
           </a:p>
@@ -2979,7 +2980,7 @@
           <a:p>
             <a:fld id="{51512AB3-2A0D-4117-85C5-76A0D68606F0}" type="datetimeFigureOut">
               <a:rPr lang="zh-TW" altLang="en-US" smtClean="0"/>
-              <a:t>2022/4/3</a:t>
+              <a:t>2022/4/4</a:t>
             </a:fld>
             <a:endParaRPr lang="zh-TW" altLang="en-US"/>
           </a:p>
@@ -3532,6 +3533,342 @@
 </p:sld>
 </file>
 
+<file path=ppt/slides/slide10.xml><?xml version="1.0" encoding="utf-8"?>
+<p:sld xmlns:a="http://schemas.openxmlformats.org/drawingml/2006/main" xmlns:r="http://schemas.openxmlformats.org/officeDocument/2006/relationships" xmlns:p="http://schemas.openxmlformats.org/presentationml/2006/main">
+  <p:cSld>
+    <p:spTree>
+      <p:nvGrpSpPr>
+        <p:cNvPr id="1" name=""/>
+        <p:cNvGrpSpPr/>
+        <p:nvPr/>
+      </p:nvGrpSpPr>
+      <p:grpSpPr>
+        <a:xfrm>
+          <a:off x="0" y="0"/>
+          <a:ext cx="0" cy="0"/>
+          <a:chOff x="0" y="0"/>
+          <a:chExt cx="0" cy="0"/>
+        </a:xfrm>
+      </p:grpSpPr>
+      <p:sp>
+        <p:nvSpPr>
+          <p:cNvPr id="3" name="文字方塊 2">
+            <a:extLst>
+              <a:ext uri="{FF2B5EF4-FFF2-40B4-BE49-F238E27FC236}">
+                <a16:creationId xmlns:a16="http://schemas.microsoft.com/office/drawing/2014/main" id="{16EE92DD-97C4-448E-BA57-91D45BD6DBBB}"/>
+              </a:ext>
+            </a:extLst>
+          </p:cNvPr>
+          <p:cNvSpPr txBox="1"/>
+          <p:nvPr/>
+        </p:nvSpPr>
+        <p:spPr>
+          <a:xfrm>
+            <a:off x="638002" y="279508"/>
+            <a:ext cx="10883437" cy="646331"/>
+          </a:xfrm>
+          <a:prstGeom prst="rect">
+            <a:avLst/>
+          </a:prstGeom>
+          <a:noFill/>
+        </p:spPr>
+        <p:txBody>
+          <a:bodyPr wrap="square">
+            <a:spAutoFit/>
+          </a:bodyPr>
+          <a:lstStyle/>
+          <a:p>
+            <a:r>
+              <a:rPr lang="en-US" altLang="zh-TW" b="0" i="0" dirty="0">
+                <a:solidFill>
+                  <a:srgbClr val="262626"/>
+                </a:solidFill>
+                <a:effectLst/>
+                <a:latin typeface="標楷體" panose="03000509000000000000" pitchFamily="65" charset="-120"/>
+                <a:ea typeface="標楷體" panose="03000509000000000000" pitchFamily="65" charset="-120"/>
+              </a:rPr>
+              <a:t>2.</a:t>
+            </a:r>
+            <a:r>
+              <a:rPr lang="zh-TW" altLang="en-US" b="0" i="0" dirty="0">
+                <a:solidFill>
+                  <a:srgbClr val="262626"/>
+                </a:solidFill>
+                <a:effectLst/>
+                <a:latin typeface="標楷體" panose="03000509000000000000" pitchFamily="65" charset="-120"/>
+                <a:ea typeface="標楷體" panose="03000509000000000000" pitchFamily="65" charset="-120"/>
+              </a:rPr>
+              <a:t>修改</a:t>
+            </a:r>
+            <a:r>
+              <a:rPr lang="en-US" altLang="zh-TW" b="0" i="0" dirty="0">
+                <a:solidFill>
+                  <a:srgbClr val="262626"/>
+                </a:solidFill>
+                <a:effectLst/>
+                <a:latin typeface="標楷體" panose="03000509000000000000" pitchFamily="65" charset="-120"/>
+                <a:ea typeface="標楷體" panose="03000509000000000000" pitchFamily="65" charset="-120"/>
+              </a:rPr>
+              <a:t>application. properties</a:t>
+            </a:r>
+            <a:r>
+              <a:rPr lang="zh-TW" altLang="en-US" b="0" i="0" dirty="0">
+                <a:solidFill>
+                  <a:srgbClr val="262626"/>
+                </a:solidFill>
+                <a:effectLst/>
+                <a:latin typeface="標楷體" panose="03000509000000000000" pitchFamily="65" charset="-120"/>
+                <a:ea typeface="標楷體" panose="03000509000000000000" pitchFamily="65" charset="-120"/>
+              </a:rPr>
+              <a:t>檔案，</a:t>
+            </a:r>
+            <a:r>
+              <a:rPr lang="en-US" altLang="zh-TW" b="0" i="0" dirty="0">
+                <a:solidFill>
+                  <a:srgbClr val="262626"/>
+                </a:solidFill>
+                <a:effectLst/>
+                <a:latin typeface="標楷體" panose="03000509000000000000" pitchFamily="65" charset="-120"/>
+                <a:ea typeface="標楷體" panose="03000509000000000000" pitchFamily="65" charset="-120"/>
+              </a:rPr>
+              <a:t>MVC</a:t>
+            </a:r>
+            <a:r>
+              <a:rPr lang="zh-TW" altLang="en-US" b="0" i="0" dirty="0">
+                <a:solidFill>
+                  <a:srgbClr val="262626"/>
+                </a:solidFill>
+                <a:effectLst/>
+                <a:latin typeface="標楷體" panose="03000509000000000000" pitchFamily="65" charset="-120"/>
+                <a:ea typeface="標楷體" panose="03000509000000000000" pitchFamily="65" charset="-120"/>
+              </a:rPr>
+              <a:t>預設的路徑比對政策為</a:t>
+            </a:r>
+            <a:r>
+              <a:rPr lang="en-US" altLang="zh-TW" b="0" i="0" dirty="0">
+                <a:solidFill>
+                  <a:srgbClr val="262626"/>
+                </a:solidFill>
+                <a:effectLst/>
+                <a:latin typeface="標楷體" panose="03000509000000000000" pitchFamily="65" charset="-120"/>
+                <a:ea typeface="標楷體" panose="03000509000000000000" pitchFamily="65" charset="-120"/>
+              </a:rPr>
+              <a:t>PATH_PATTERN_PARSER</a:t>
+            </a:r>
+            <a:r>
+              <a:rPr lang="zh-TW" altLang="en-US" b="0" i="0" dirty="0">
+                <a:solidFill>
+                  <a:srgbClr val="262626"/>
+                </a:solidFill>
+                <a:effectLst/>
+                <a:latin typeface="標楷體" panose="03000509000000000000" pitchFamily="65" charset="-120"/>
+                <a:ea typeface="標楷體" panose="03000509000000000000" pitchFamily="65" charset="-120"/>
+              </a:rPr>
+              <a:t>，需要修改為</a:t>
+            </a:r>
+            <a:r>
+              <a:rPr lang="en-US" altLang="zh-TW" b="0" i="0" dirty="0">
+                <a:solidFill>
+                  <a:srgbClr val="262626"/>
+                </a:solidFill>
+                <a:effectLst/>
+                <a:latin typeface="標楷體" panose="03000509000000000000" pitchFamily="65" charset="-120"/>
+                <a:ea typeface="標楷體" panose="03000509000000000000" pitchFamily="65" charset="-120"/>
+              </a:rPr>
+              <a:t>ANT_PATH_MATCHER</a:t>
+            </a:r>
+            <a:r>
+              <a:rPr lang="zh-TW" altLang="en-US" b="0" i="0" dirty="0">
+                <a:solidFill>
+                  <a:srgbClr val="262626"/>
+                </a:solidFill>
+                <a:effectLst/>
+                <a:latin typeface="標楷體" panose="03000509000000000000" pitchFamily="65" charset="-120"/>
+                <a:ea typeface="標楷體" panose="03000509000000000000" pitchFamily="65" charset="-120"/>
+              </a:rPr>
+              <a:t>；</a:t>
+            </a:r>
+            <a:endParaRPr lang="zh-TW" altLang="en-US" dirty="0">
+              <a:latin typeface="標楷體" panose="03000509000000000000" pitchFamily="65" charset="-120"/>
+              <a:ea typeface="標楷體" panose="03000509000000000000" pitchFamily="65" charset="-120"/>
+            </a:endParaRPr>
+          </a:p>
+        </p:txBody>
+      </p:sp>
+      <p:sp>
+        <p:nvSpPr>
+          <p:cNvPr id="4" name="Rectangle 1">
+            <a:extLst>
+              <a:ext uri="{FF2B5EF4-FFF2-40B4-BE49-F238E27FC236}">
+                <a16:creationId xmlns:a16="http://schemas.microsoft.com/office/drawing/2014/main" id="{0763B7E4-A98C-4B49-AC40-B79C280B3D63}"/>
+              </a:ext>
+            </a:extLst>
+          </p:cNvPr>
+          <p:cNvSpPr>
+            <a:spLocks noChangeArrowheads="1"/>
+          </p:cNvSpPr>
+          <p:nvPr/>
+        </p:nvSpPr>
+        <p:spPr bwMode="auto">
+          <a:xfrm>
+            <a:off x="638002" y="1138123"/>
+            <a:ext cx="4998027" cy="292388"/>
+          </a:xfrm>
+          <a:prstGeom prst="rect">
+            <a:avLst/>
+          </a:prstGeom>
+          <a:solidFill>
+            <a:srgbClr val="2B2B2B"/>
+          </a:solidFill>
+          <a:ln>
+            <a:noFill/>
+          </a:ln>
+          <a:effectLst/>
+          <a:extLst>
+            <a:ext uri="{91240B29-F687-4F45-9708-019B960494DF}">
+              <a14:hiddenLine xmlns:a14="http://schemas.microsoft.com/office/drawing/2010/main" w="9525">
+                <a:solidFill>
+                  <a:schemeClr val="tx1"/>
+                </a:solidFill>
+                <a:miter lim="800000"/>
+                <a:headEnd/>
+                <a:tailEnd/>
+              </a14:hiddenLine>
+            </a:ext>
+            <a:ext uri="{AF507438-7753-43E0-B8FC-AC1667EBCBE1}">
+              <a14:hiddenEffects xmlns:a14="http://schemas.microsoft.com/office/drawing/2010/main">
+                <a:effectLst>
+                  <a:outerShdw dist="35921" dir="2700000" algn="ctr" rotWithShape="0">
+                    <a:schemeClr val="bg2"/>
+                  </a:outerShdw>
+                </a:effectLst>
+              </a14:hiddenEffects>
+            </a:ext>
+          </a:extLst>
+        </p:spPr>
+        <p:txBody>
+          <a:bodyPr vert="horz" wrap="square" lIns="91440" tIns="45720" rIns="91440" bIns="45720" numCol="1" anchor="ctr" anchorCtr="0" compatLnSpc="1">
+            <a:prstTxWarp prst="textNoShape">
+              <a:avLst/>
+            </a:prstTxWarp>
+            <a:spAutoFit/>
+          </a:bodyPr>
+          <a:lstStyle/>
+          <a:p>
+            <a:pPr marL="0" marR="0" lvl="0" indent="0" algn="l" defTabSz="914400" rtl="0" eaLnBrk="0" fontAlgn="base" latinLnBrk="0" hangingPunct="0">
+              <a:lnSpc>
+                <a:spcPct val="100000"/>
+              </a:lnSpc>
+              <a:spcBef>
+                <a:spcPct val="0"/>
+              </a:spcBef>
+              <a:spcAft>
+                <a:spcPct val="0"/>
+              </a:spcAft>
+              <a:buClrTx/>
+              <a:buSzTx/>
+              <a:buFontTx/>
+              <a:buNone/>
+              <a:tabLst/>
+            </a:pPr>
+            <a:r>
+              <a:rPr kumimoji="0" lang="zh-TW" altLang="zh-TW" sz="1300" b="0" i="0" u="none" strike="noStrike" cap="none" normalizeH="0" baseline="0">
+                <a:ln>
+                  <a:noFill/>
+                </a:ln>
+                <a:solidFill>
+                  <a:srgbClr val="CC7832"/>
+                </a:solidFill>
+                <a:effectLst/>
+                <a:latin typeface="Arial Unicode MS" panose="020B0604020202020204" pitchFamily="34" charset="-120"/>
+                <a:ea typeface="JetBrains Mono"/>
+              </a:rPr>
+              <a:t>spring.mvc.pathmatch.matching-strategy</a:t>
+            </a:r>
+            <a:r>
+              <a:rPr kumimoji="0" lang="zh-TW" altLang="zh-TW" sz="1300" b="0" i="0" u="none" strike="noStrike" cap="none" normalizeH="0" baseline="0">
+                <a:ln>
+                  <a:noFill/>
+                </a:ln>
+                <a:solidFill>
+                  <a:srgbClr val="808080"/>
+                </a:solidFill>
+                <a:effectLst/>
+                <a:latin typeface="Arial Unicode MS" panose="020B0604020202020204" pitchFamily="34" charset="-120"/>
+                <a:ea typeface="JetBrains Mono"/>
+              </a:rPr>
+              <a:t>=</a:t>
+            </a:r>
+            <a:r>
+              <a:rPr kumimoji="0" lang="zh-TW" altLang="zh-TW" sz="1300" b="0" i="0" u="none" strike="noStrike" cap="none" normalizeH="0" baseline="0">
+                <a:ln>
+                  <a:noFill/>
+                </a:ln>
+                <a:solidFill>
+                  <a:srgbClr val="6A8759"/>
+                </a:solidFill>
+                <a:effectLst/>
+                <a:latin typeface="Arial Unicode MS" panose="020B0604020202020204" pitchFamily="34" charset="-120"/>
+                <a:ea typeface="JetBrains Mono"/>
+              </a:rPr>
+              <a:t>ant-path-matcher</a:t>
+            </a:r>
+            <a:endParaRPr kumimoji="0" lang="zh-TW" altLang="zh-TW" sz="1800" b="0" i="0" u="none" strike="noStrike" cap="none" normalizeH="0" baseline="0">
+              <a:ln>
+                <a:noFill/>
+              </a:ln>
+              <a:solidFill>
+                <a:schemeClr val="tx1"/>
+              </a:solidFill>
+              <a:effectLst/>
+              <a:latin typeface="Arial" panose="020B0604020202020204" pitchFamily="34" charset="0"/>
+            </a:endParaRPr>
+          </a:p>
+        </p:txBody>
+      </p:sp>
+      <p:pic>
+        <p:nvPicPr>
+          <p:cNvPr id="6" name="圖片 5">
+            <a:extLst>
+              <a:ext uri="{FF2B5EF4-FFF2-40B4-BE49-F238E27FC236}">
+                <a16:creationId xmlns:a16="http://schemas.microsoft.com/office/drawing/2014/main" id="{B04C6B4B-3EA8-40D0-BB83-6395123A71AD}"/>
+              </a:ext>
+            </a:extLst>
+          </p:cNvPr>
+          <p:cNvPicPr>
+            <a:picLocks noChangeAspect="1"/>
+          </p:cNvPicPr>
+          <p:nvPr/>
+        </p:nvPicPr>
+        <p:blipFill>
+          <a:blip r:embed="rId2"/>
+          <a:stretch>
+            <a:fillRect/>
+          </a:stretch>
+        </p:blipFill>
+        <p:spPr>
+          <a:xfrm>
+            <a:off x="713371" y="1889051"/>
+            <a:ext cx="5851279" cy="4322618"/>
+          </a:xfrm>
+          <a:prstGeom prst="rect">
+            <a:avLst/>
+          </a:prstGeom>
+        </p:spPr>
+      </p:pic>
+    </p:spTree>
+    <p:extLst>
+      <p:ext uri="{BB962C8B-B14F-4D97-AF65-F5344CB8AC3E}">
+        <p14:creationId xmlns:p14="http://schemas.microsoft.com/office/powerpoint/2010/main" val="4244656585"/>
+      </p:ext>
+    </p:extLst>
+  </p:cSld>
+  <p:clrMapOvr>
+    <a:masterClrMapping/>
+  </p:clrMapOvr>
+</p:sld>
+</file>
+
 <file path=ppt/slides/slide2.xml><?xml version="1.0" encoding="utf-8"?>
 <p:sld xmlns:a="http://schemas.openxmlformats.org/drawingml/2006/main" xmlns:r="http://schemas.openxmlformats.org/officeDocument/2006/relationships" xmlns:p="http://schemas.openxmlformats.org/presentationml/2006/main">
   <p:cSld>
@@ -4648,6 +4985,626 @@
 </file>
 
 <file path=ppt/slides/slide4.xml><?xml version="1.0" encoding="utf-8"?>
+<p:sld xmlns:a="http://schemas.openxmlformats.org/drawingml/2006/main" xmlns:r="http://schemas.openxmlformats.org/officeDocument/2006/relationships" xmlns:p="http://schemas.openxmlformats.org/presentationml/2006/main">
+  <p:cSld>
+    <p:bg>
+      <p:bgPr>
+        <a:solidFill>
+          <a:schemeClr val="bg1"/>
+        </a:solidFill>
+        <a:effectLst/>
+      </p:bgPr>
+    </p:bg>
+    <p:spTree>
+      <p:nvGrpSpPr>
+        <p:cNvPr id="1" name=""/>
+        <p:cNvGrpSpPr/>
+        <p:nvPr/>
+      </p:nvGrpSpPr>
+      <p:grpSpPr>
+        <a:xfrm>
+          <a:off x="0" y="0"/>
+          <a:ext cx="0" cy="0"/>
+          <a:chOff x="0" y="0"/>
+          <a:chExt cx="0" cy="0"/>
+        </a:xfrm>
+      </p:grpSpPr>
+      <p:sp>
+        <p:nvSpPr>
+          <p:cNvPr id="8" name="Rectangle 7">
+            <a:extLst>
+              <a:ext uri="{FF2B5EF4-FFF2-40B4-BE49-F238E27FC236}">
+                <a16:creationId xmlns:a16="http://schemas.microsoft.com/office/drawing/2014/main" id="{F3060C83-F051-4F0E-ABAD-AA0DFC48B218}"/>
+              </a:ext>
+              <a:ext uri="{C183D7F6-B498-43B3-948B-1728B52AA6E4}">
+                <adec:decorative xmlns:adec="http://schemas.microsoft.com/office/drawing/2017/decorative" val="1"/>
+              </a:ext>
+            </a:extLst>
+          </p:cNvPr>
+          <p:cNvSpPr>
+            <a:spLocks noGrp="1" noRot="1" noChangeAspect="1" noMove="1" noResize="1" noEditPoints="1" noAdjustHandles="1" noChangeArrowheads="1" noChangeShapeType="1" noTextEdit="1"/>
+          </p:cNvSpPr>
+          <p:nvPr>
+            <p:extLst>
+              <p:ext uri="{386F3935-93C4-4BCD-93E2-E3B085C9AB24}">
+                <p16:designElem xmlns:p16="http://schemas.microsoft.com/office/powerpoint/2015/main" val="1"/>
+              </p:ext>
+            </p:extLst>
+          </p:nvPr>
+        </p:nvSpPr>
+        <p:spPr>
+          <a:xfrm>
+            <a:off x="0" y="0"/>
+            <a:ext cx="12192000" cy="6858000"/>
+          </a:xfrm>
+          <a:prstGeom prst="rect">
+            <a:avLst/>
+          </a:prstGeom>
+          <a:solidFill>
+            <a:schemeClr val="bg1"/>
+          </a:solidFill>
+          <a:ln>
+            <a:noFill/>
+          </a:ln>
+        </p:spPr>
+        <p:style>
+          <a:lnRef idx="2">
+            <a:schemeClr val="accent1">
+              <a:shade val="50000"/>
+            </a:schemeClr>
+          </a:lnRef>
+          <a:fillRef idx="1">
+            <a:schemeClr val="accent1"/>
+          </a:fillRef>
+          <a:effectRef idx="0">
+            <a:schemeClr val="accent1"/>
+          </a:effectRef>
+          <a:fontRef idx="minor">
+            <a:schemeClr val="lt1"/>
+          </a:fontRef>
+        </p:style>
+        <p:txBody>
+          <a:bodyPr rtlCol="0" anchor="ctr"/>
+          <a:lstStyle/>
+          <a:p>
+            <a:pPr algn="ctr"/>
+            <a:endParaRPr lang="en-US" dirty="0"/>
+          </a:p>
+        </p:txBody>
+      </p:sp>
+      <p:sp>
+        <p:nvSpPr>
+          <p:cNvPr id="10" name="Freeform: Shape 9">
+            <a:extLst>
+              <a:ext uri="{FF2B5EF4-FFF2-40B4-BE49-F238E27FC236}">
+                <a16:creationId xmlns:a16="http://schemas.microsoft.com/office/drawing/2014/main" id="{83C98ABE-055B-441F-B07E-44F97F083C39}"/>
+              </a:ext>
+              <a:ext uri="{C183D7F6-B498-43B3-948B-1728B52AA6E4}">
+                <adec:decorative xmlns:adec="http://schemas.microsoft.com/office/drawing/2017/decorative" val="1"/>
+              </a:ext>
+            </a:extLst>
+          </p:cNvPr>
+          <p:cNvSpPr>
+            <a:spLocks noGrp="1" noRot="1" noChangeAspect="1" noMove="1" noResize="1" noEditPoints="1" noAdjustHandles="1" noChangeArrowheads="1" noChangeShapeType="1" noTextEdit="1"/>
+          </p:cNvSpPr>
+          <p:nvPr>
+            <p:extLst>
+              <p:ext uri="{386F3935-93C4-4BCD-93E2-E3B085C9AB24}">
+                <p16:designElem xmlns:p16="http://schemas.microsoft.com/office/powerpoint/2015/main" val="1"/>
+              </p:ext>
+            </p:extLst>
+          </p:nvPr>
+        </p:nvSpPr>
+        <p:spPr>
+          <a:xfrm rot="18900000" flipH="1">
+            <a:off x="-376156" y="-253670"/>
+            <a:ext cx="1827638" cy="1376989"/>
+          </a:xfrm>
+          <a:custGeom>
+            <a:avLst/>
+            <a:gdLst>
+              <a:gd name="connsiteX0" fmla="*/ 0 w 1827638"/>
+              <a:gd name="connsiteY0" fmla="*/ 987379 h 1376989"/>
+              <a:gd name="connsiteX1" fmla="*/ 987379 w 1827638"/>
+              <a:gd name="connsiteY1" fmla="*/ 0 h 1376989"/>
+              <a:gd name="connsiteX2" fmla="*/ 1827638 w 1827638"/>
+              <a:gd name="connsiteY2" fmla="*/ 840260 h 1376989"/>
+              <a:gd name="connsiteX3" fmla="*/ 1827638 w 1827638"/>
+              <a:gd name="connsiteY3" fmla="*/ 1376989 h 1376989"/>
+              <a:gd name="connsiteX4" fmla="*/ 0 w 1827638"/>
+              <a:gd name="connsiteY4" fmla="*/ 1376989 h 1376989"/>
+            </a:gdLst>
+            <a:ahLst/>
+            <a:cxnLst>
+              <a:cxn ang="0">
+                <a:pos x="connsiteX0" y="connsiteY0"/>
+              </a:cxn>
+              <a:cxn ang="0">
+                <a:pos x="connsiteX1" y="connsiteY1"/>
+              </a:cxn>
+              <a:cxn ang="0">
+                <a:pos x="connsiteX2" y="connsiteY2"/>
+              </a:cxn>
+              <a:cxn ang="0">
+                <a:pos x="connsiteX3" y="connsiteY3"/>
+              </a:cxn>
+              <a:cxn ang="0">
+                <a:pos x="connsiteX4" y="connsiteY4"/>
+              </a:cxn>
+            </a:cxnLst>
+            <a:rect l="l" t="t" r="r" b="b"/>
+            <a:pathLst>
+              <a:path w="1827638" h="1376989">
+                <a:moveTo>
+                  <a:pt x="0" y="987379"/>
+                </a:moveTo>
+                <a:lnTo>
+                  <a:pt x="987379" y="0"/>
+                </a:lnTo>
+                <a:lnTo>
+                  <a:pt x="1827638" y="840260"/>
+                </a:lnTo>
+                <a:lnTo>
+                  <a:pt x="1827638" y="1376989"/>
+                </a:lnTo>
+                <a:lnTo>
+                  <a:pt x="0" y="1376989"/>
+                </a:lnTo>
+                <a:close/>
+              </a:path>
+            </a:pathLst>
+          </a:custGeom>
+          <a:solidFill>
+            <a:schemeClr val="accent1">
+              <a:alpha val="30000"/>
+            </a:schemeClr>
+          </a:solidFill>
+          <a:ln>
+            <a:noFill/>
+          </a:ln>
+        </p:spPr>
+        <p:style>
+          <a:lnRef idx="2">
+            <a:schemeClr val="accent1">
+              <a:shade val="50000"/>
+            </a:schemeClr>
+          </a:lnRef>
+          <a:fillRef idx="1">
+            <a:schemeClr val="accent1"/>
+          </a:fillRef>
+          <a:effectRef idx="0">
+            <a:schemeClr val="accent1"/>
+          </a:effectRef>
+          <a:fontRef idx="minor">
+            <a:schemeClr val="lt1"/>
+          </a:fontRef>
+        </p:style>
+        <p:txBody>
+          <a:bodyPr rtlCol="0" anchor="ctr"/>
+          <a:lstStyle/>
+          <a:p>
+            <a:pPr algn="ctr"/>
+            <a:endParaRPr lang="en-US" dirty="0"/>
+          </a:p>
+        </p:txBody>
+      </p:sp>
+      <p:sp>
+        <p:nvSpPr>
+          <p:cNvPr id="12" name="Rectangle 11">
+            <a:extLst>
+              <a:ext uri="{FF2B5EF4-FFF2-40B4-BE49-F238E27FC236}">
+                <a16:creationId xmlns:a16="http://schemas.microsoft.com/office/drawing/2014/main" id="{29FDB030-9B49-4CED-8CCD-4D99382388AC}"/>
+              </a:ext>
+              <a:ext uri="{C183D7F6-B498-43B3-948B-1728B52AA6E4}">
+                <adec:decorative xmlns:adec="http://schemas.microsoft.com/office/drawing/2017/decorative" val="1"/>
+              </a:ext>
+            </a:extLst>
+          </p:cNvPr>
+          <p:cNvSpPr>
+            <a:spLocks noGrp="1" noRot="1" noChangeAspect="1" noMove="1" noResize="1" noEditPoints="1" noAdjustHandles="1" noChangeArrowheads="1" noChangeShapeType="1" noTextEdit="1"/>
+          </p:cNvSpPr>
+          <p:nvPr>
+            <p:extLst>
+              <p:ext uri="{386F3935-93C4-4BCD-93E2-E3B085C9AB24}">
+                <p16:designElem xmlns:p16="http://schemas.microsoft.com/office/powerpoint/2015/main" val="1"/>
+              </p:ext>
+            </p:extLst>
+          </p:nvPr>
+        </p:nvSpPr>
+        <p:spPr>
+          <a:xfrm rot="18900000" flipH="1">
+            <a:off x="891641" y="422146"/>
+            <a:ext cx="645368" cy="645368"/>
+          </a:xfrm>
+          <a:prstGeom prst="rect">
+            <a:avLst/>
+          </a:prstGeom>
+          <a:solidFill>
+            <a:schemeClr val="accent1">
+              <a:alpha val="30000"/>
+            </a:schemeClr>
+          </a:solidFill>
+          <a:ln>
+            <a:noFill/>
+          </a:ln>
+        </p:spPr>
+        <p:style>
+          <a:lnRef idx="2">
+            <a:schemeClr val="accent1">
+              <a:shade val="50000"/>
+            </a:schemeClr>
+          </a:lnRef>
+          <a:fillRef idx="1">
+            <a:schemeClr val="accent1"/>
+          </a:fillRef>
+          <a:effectRef idx="0">
+            <a:schemeClr val="accent1"/>
+          </a:effectRef>
+          <a:fontRef idx="minor">
+            <a:schemeClr val="lt1"/>
+          </a:fontRef>
+        </p:style>
+        <p:txBody>
+          <a:bodyPr rtlCol="0" anchor="ctr"/>
+          <a:lstStyle/>
+          <a:p>
+            <a:pPr algn="ctr"/>
+            <a:endParaRPr lang="en-US"/>
+          </a:p>
+        </p:txBody>
+      </p:sp>
+      <p:sp>
+        <p:nvSpPr>
+          <p:cNvPr id="14" name="Rectangle 13">
+            <a:extLst>
+              <a:ext uri="{FF2B5EF4-FFF2-40B4-BE49-F238E27FC236}">
+                <a16:creationId xmlns:a16="http://schemas.microsoft.com/office/drawing/2014/main" id="{3783CA14-24A1-485C-8B30-D6A5D87987AD}"/>
+              </a:ext>
+              <a:ext uri="{C183D7F6-B498-43B3-948B-1728B52AA6E4}">
+                <adec:decorative xmlns:adec="http://schemas.microsoft.com/office/drawing/2017/decorative" val="1"/>
+              </a:ext>
+            </a:extLst>
+          </p:cNvPr>
+          <p:cNvSpPr>
+            <a:spLocks noGrp="1" noRot="1" noChangeAspect="1" noMove="1" noResize="1" noEditPoints="1" noAdjustHandles="1" noChangeArrowheads="1" noChangeShapeType="1" noTextEdit="1"/>
+          </p:cNvSpPr>
+          <p:nvPr>
+            <p:extLst>
+              <p:ext uri="{386F3935-93C4-4BCD-93E2-E3B085C9AB24}">
+                <p16:designElem xmlns:p16="http://schemas.microsoft.com/office/powerpoint/2015/main" val="1"/>
+              </p:ext>
+            </p:extLst>
+          </p:nvPr>
+        </p:nvSpPr>
+        <p:spPr>
+          <a:xfrm rot="18900000" flipH="1">
+            <a:off x="10043482" y="655140"/>
+            <a:ext cx="687472" cy="687472"/>
+          </a:xfrm>
+          <a:prstGeom prst="rect">
+            <a:avLst/>
+          </a:prstGeom>
+          <a:solidFill>
+            <a:schemeClr val="accent4">
+              <a:alpha val="30000"/>
+            </a:schemeClr>
+          </a:solidFill>
+          <a:ln>
+            <a:noFill/>
+          </a:ln>
+        </p:spPr>
+        <p:style>
+          <a:lnRef idx="2">
+            <a:schemeClr val="accent1">
+              <a:shade val="50000"/>
+            </a:schemeClr>
+          </a:lnRef>
+          <a:fillRef idx="1">
+            <a:schemeClr val="accent1"/>
+          </a:fillRef>
+          <a:effectRef idx="0">
+            <a:schemeClr val="accent1"/>
+          </a:effectRef>
+          <a:fontRef idx="minor">
+            <a:schemeClr val="lt1"/>
+          </a:fontRef>
+        </p:style>
+        <p:txBody>
+          <a:bodyPr rtlCol="0" anchor="ctr"/>
+          <a:lstStyle/>
+          <a:p>
+            <a:pPr algn="ctr"/>
+            <a:endParaRPr lang="en-US"/>
+          </a:p>
+        </p:txBody>
+      </p:sp>
+      <p:sp>
+        <p:nvSpPr>
+          <p:cNvPr id="16" name="Freeform: Shape 15">
+            <a:extLst>
+              <a:ext uri="{FF2B5EF4-FFF2-40B4-BE49-F238E27FC236}">
+                <a16:creationId xmlns:a16="http://schemas.microsoft.com/office/drawing/2014/main" id="{9A97C86A-04D6-40F7-AE84-31AB43E6A846}"/>
+              </a:ext>
+              <a:ext uri="{C183D7F6-B498-43B3-948B-1728B52AA6E4}">
+                <adec:decorative xmlns:adec="http://schemas.microsoft.com/office/drawing/2017/decorative" val="1"/>
+              </a:ext>
+            </a:extLst>
+          </p:cNvPr>
+          <p:cNvSpPr>
+            <a:spLocks noGrp="1" noRot="1" noChangeAspect="1" noMove="1" noResize="1" noEditPoints="1" noAdjustHandles="1" noChangeArrowheads="1" noChangeShapeType="1" noTextEdit="1"/>
+          </p:cNvSpPr>
+          <p:nvPr>
+            <p:extLst>
+              <p:ext uri="{386F3935-93C4-4BCD-93E2-E3B085C9AB24}">
+                <p16:designElem xmlns:p16="http://schemas.microsoft.com/office/powerpoint/2015/main" val="1"/>
+              </p:ext>
+            </p:extLst>
+          </p:nvPr>
+        </p:nvSpPr>
+        <p:spPr>
+          <a:xfrm rot="10800000" flipH="1">
+            <a:off x="9356643" y="0"/>
+            <a:ext cx="2835357" cy="1480837"/>
+          </a:xfrm>
+          <a:custGeom>
+            <a:avLst/>
+            <a:gdLst>
+              <a:gd name="connsiteX0" fmla="*/ 2835357 w 2835357"/>
+              <a:gd name="connsiteY0" fmla="*/ 1480837 h 1480837"/>
+              <a:gd name="connsiteX1" fmla="*/ 0 w 2835357"/>
+              <a:gd name="connsiteY1" fmla="*/ 1480837 h 1480837"/>
+              <a:gd name="connsiteX2" fmla="*/ 1552727 w 2835357"/>
+              <a:gd name="connsiteY2" fmla="*/ 0 h 1480837"/>
+              <a:gd name="connsiteX3" fmla="*/ 2835357 w 2835357"/>
+              <a:gd name="connsiteY3" fmla="*/ 1223245 h 1480837"/>
+            </a:gdLst>
+            <a:ahLst/>
+            <a:cxnLst>
+              <a:cxn ang="0">
+                <a:pos x="connsiteX0" y="connsiteY0"/>
+              </a:cxn>
+              <a:cxn ang="0">
+                <a:pos x="connsiteX1" y="connsiteY1"/>
+              </a:cxn>
+              <a:cxn ang="0">
+                <a:pos x="connsiteX2" y="connsiteY2"/>
+              </a:cxn>
+              <a:cxn ang="0">
+                <a:pos x="connsiteX3" y="connsiteY3"/>
+              </a:cxn>
+            </a:cxnLst>
+            <a:rect l="l" t="t" r="r" b="b"/>
+            <a:pathLst>
+              <a:path w="2835357" h="1480837">
+                <a:moveTo>
+                  <a:pt x="2835357" y="1480837"/>
+                </a:moveTo>
+                <a:lnTo>
+                  <a:pt x="0" y="1480837"/>
+                </a:lnTo>
+                <a:lnTo>
+                  <a:pt x="1552727" y="0"/>
+                </a:lnTo>
+                <a:lnTo>
+                  <a:pt x="2835357" y="1223245"/>
+                </a:lnTo>
+                <a:close/>
+              </a:path>
+            </a:pathLst>
+          </a:custGeom>
+          <a:solidFill>
+            <a:schemeClr val="accent4">
+              <a:alpha val="30000"/>
+            </a:schemeClr>
+          </a:solidFill>
+          <a:ln>
+            <a:noFill/>
+          </a:ln>
+        </p:spPr>
+        <p:style>
+          <a:lnRef idx="2">
+            <a:schemeClr val="accent1">
+              <a:shade val="50000"/>
+            </a:schemeClr>
+          </a:lnRef>
+          <a:fillRef idx="1">
+            <a:schemeClr val="accent1"/>
+          </a:fillRef>
+          <a:effectRef idx="0">
+            <a:schemeClr val="accent1"/>
+          </a:effectRef>
+          <a:fontRef idx="minor">
+            <a:schemeClr val="lt1"/>
+          </a:fontRef>
+        </p:style>
+        <p:txBody>
+          <a:bodyPr wrap="square" rtlCol="0" anchor="ctr">
+            <a:noAutofit/>
+          </a:bodyPr>
+          <a:lstStyle/>
+          <a:p>
+            <a:pPr algn="ctr"/>
+            <a:endParaRPr lang="en-US" dirty="0"/>
+          </a:p>
+        </p:txBody>
+      </p:sp>
+      <p:sp>
+        <p:nvSpPr>
+          <p:cNvPr id="18" name="Isosceles Triangle 17">
+            <a:extLst>
+              <a:ext uri="{FF2B5EF4-FFF2-40B4-BE49-F238E27FC236}">
+                <a16:creationId xmlns:a16="http://schemas.microsoft.com/office/drawing/2014/main" id="{FF9F2414-84E8-453E-B1F3-389FDE8192D9}"/>
+              </a:ext>
+              <a:ext uri="{C183D7F6-B498-43B3-948B-1728B52AA6E4}">
+                <adec:decorative xmlns:adec="http://schemas.microsoft.com/office/drawing/2017/decorative" val="1"/>
+              </a:ext>
+            </a:extLst>
+          </p:cNvPr>
+          <p:cNvSpPr>
+            <a:spLocks noGrp="1" noRot="1" noChangeAspect="1" noMove="1" noResize="1" noEditPoints="1" noAdjustHandles="1" noChangeArrowheads="1" noChangeShapeType="1" noTextEdit="1"/>
+          </p:cNvSpPr>
+          <p:nvPr>
+            <p:extLst>
+              <p:ext uri="{386F3935-93C4-4BCD-93E2-E3B085C9AB24}">
+                <p16:designElem xmlns:p16="http://schemas.microsoft.com/office/powerpoint/2015/main" val="1"/>
+              </p:ext>
+            </p:extLst>
+          </p:nvPr>
+        </p:nvSpPr>
+        <p:spPr>
+          <a:xfrm flipH="1">
+            <a:off x="7976344" y="6115501"/>
+            <a:ext cx="1494513" cy="742499"/>
+          </a:xfrm>
+          <a:prstGeom prst="triangle">
+            <a:avLst/>
+          </a:prstGeom>
+          <a:solidFill>
+            <a:schemeClr val="accent1">
+              <a:alpha val="30000"/>
+            </a:schemeClr>
+          </a:solidFill>
+          <a:ln>
+            <a:noFill/>
+          </a:ln>
+        </p:spPr>
+        <p:style>
+          <a:lnRef idx="2">
+            <a:schemeClr val="accent1">
+              <a:shade val="50000"/>
+            </a:schemeClr>
+          </a:lnRef>
+          <a:fillRef idx="1">
+            <a:schemeClr val="accent1"/>
+          </a:fillRef>
+          <a:effectRef idx="0">
+            <a:schemeClr val="accent1"/>
+          </a:effectRef>
+          <a:fontRef idx="minor">
+            <a:schemeClr val="lt1"/>
+          </a:fontRef>
+        </p:style>
+        <p:txBody>
+          <a:bodyPr rtlCol="0" anchor="ctr"/>
+          <a:lstStyle/>
+          <a:p>
+            <a:pPr algn="ctr"/>
+            <a:endParaRPr lang="en-US"/>
+          </a:p>
+        </p:txBody>
+      </p:sp>
+      <p:pic>
+        <p:nvPicPr>
+          <p:cNvPr id="3" name="圖片 2">
+            <a:extLst>
+              <a:ext uri="{FF2B5EF4-FFF2-40B4-BE49-F238E27FC236}">
+                <a16:creationId xmlns:a16="http://schemas.microsoft.com/office/drawing/2014/main" id="{B48DFB75-A7B0-489E-BD74-0E0FA4D4DEE4}"/>
+              </a:ext>
+            </a:extLst>
+          </p:cNvPr>
+          <p:cNvPicPr>
+            <a:picLocks noChangeAspect="1"/>
+          </p:cNvPicPr>
+          <p:nvPr/>
+        </p:nvPicPr>
+        <p:blipFill>
+          <a:blip r:embed="rId2"/>
+          <a:stretch>
+            <a:fillRect/>
+          </a:stretch>
+        </p:blipFill>
+        <p:spPr>
+          <a:xfrm>
+            <a:off x="643467" y="893572"/>
+            <a:ext cx="10905066" cy="5070854"/>
+          </a:xfrm>
+          <a:prstGeom prst="rect">
+            <a:avLst/>
+          </a:prstGeom>
+          <a:ln>
+            <a:noFill/>
+          </a:ln>
+        </p:spPr>
+      </p:pic>
+      <p:sp>
+        <p:nvSpPr>
+          <p:cNvPr id="20" name="Isosceles Triangle 19">
+            <a:extLst>
+              <a:ext uri="{FF2B5EF4-FFF2-40B4-BE49-F238E27FC236}">
+                <a16:creationId xmlns:a16="http://schemas.microsoft.com/office/drawing/2014/main" id="{3ECA69A1-7536-43AC-85EF-C7106179F5ED}"/>
+              </a:ext>
+              <a:ext uri="{C183D7F6-B498-43B3-948B-1728B52AA6E4}">
+                <adec:decorative xmlns:adec="http://schemas.microsoft.com/office/drawing/2017/decorative" val="1"/>
+              </a:ext>
+            </a:extLst>
+          </p:cNvPr>
+          <p:cNvSpPr>
+            <a:spLocks noGrp="1" noRot="1" noChangeAspect="1" noMove="1" noResize="1" noEditPoints="1" noAdjustHandles="1" noChangeArrowheads="1" noChangeShapeType="1" noTextEdit="1"/>
+          </p:cNvSpPr>
+          <p:nvPr>
+            <p:extLst>
+              <p:ext uri="{386F3935-93C4-4BCD-93E2-E3B085C9AB24}">
+                <p16:designElem xmlns:p16="http://schemas.microsoft.com/office/powerpoint/2015/main" val="1"/>
+              </p:ext>
+            </p:extLst>
+          </p:nvPr>
+        </p:nvSpPr>
+        <p:spPr>
+          <a:xfrm flipH="1">
+            <a:off x="7604080" y="6453143"/>
+            <a:ext cx="814903" cy="404857"/>
+          </a:xfrm>
+          <a:prstGeom prst="triangle">
+            <a:avLst/>
+          </a:prstGeom>
+          <a:solidFill>
+            <a:schemeClr val="accent1">
+              <a:alpha val="30000"/>
+            </a:schemeClr>
+          </a:solidFill>
+          <a:ln>
+            <a:noFill/>
+          </a:ln>
+        </p:spPr>
+        <p:style>
+          <a:lnRef idx="2">
+            <a:schemeClr val="accent1">
+              <a:shade val="50000"/>
+            </a:schemeClr>
+          </a:lnRef>
+          <a:fillRef idx="1">
+            <a:schemeClr val="accent1"/>
+          </a:fillRef>
+          <a:effectRef idx="0">
+            <a:schemeClr val="accent1"/>
+          </a:effectRef>
+          <a:fontRef idx="minor">
+            <a:schemeClr val="lt1"/>
+          </a:fontRef>
+        </p:style>
+        <p:txBody>
+          <a:bodyPr rtlCol="0" anchor="ctr"/>
+          <a:lstStyle/>
+          <a:p>
+            <a:pPr algn="ctr"/>
+            <a:endParaRPr lang="en-US"/>
+          </a:p>
+        </p:txBody>
+      </p:sp>
+    </p:spTree>
+    <p:extLst>
+      <p:ext uri="{BB962C8B-B14F-4D97-AF65-F5344CB8AC3E}">
+        <p14:creationId xmlns:p14="http://schemas.microsoft.com/office/powerpoint/2010/main" val="979843967"/>
+      </p:ext>
+    </p:extLst>
+  </p:cSld>
+  <p:clrMapOvr>
+    <a:masterClrMapping/>
+  </p:clrMapOvr>
+</p:sld>
+</file>
+
+<file path=ppt/slides/slide5.xml><?xml version="1.0" encoding="utf-8"?>
 <p:sld xmlns:a="http://schemas.openxmlformats.org/drawingml/2006/main" xmlns:r="http://schemas.openxmlformats.org/officeDocument/2006/relationships" xmlns:p="http://schemas.openxmlformats.org/presentationml/2006/main">
   <p:cSld>
     <p:bg>
@@ -5920,7 +6877,7 @@
 </p:sld>
 </file>
 
-<file path=ppt/slides/slide5.xml><?xml version="1.0" encoding="utf-8"?>
+<file path=ppt/slides/slide6.xml><?xml version="1.0" encoding="utf-8"?>
 <p:sld xmlns:a="http://schemas.openxmlformats.org/drawingml/2006/main" xmlns:r="http://schemas.openxmlformats.org/officeDocument/2006/relationships" xmlns:p="http://schemas.openxmlformats.org/presentationml/2006/main">
   <p:cSld>
     <p:spTree>
@@ -6240,7 +7197,7 @@
 </p:sld>
 </file>
 
-<file path=ppt/slides/slide6.xml><?xml version="1.0" encoding="utf-8"?>
+<file path=ppt/slides/slide7.xml><?xml version="1.0" encoding="utf-8"?>
 <p:sld xmlns:a="http://schemas.openxmlformats.org/drawingml/2006/main" xmlns:r="http://schemas.openxmlformats.org/officeDocument/2006/relationships" xmlns:p="http://schemas.openxmlformats.org/presentationml/2006/main">
   <p:cSld>
     <p:spTree>
@@ -6999,202 +7956,6 @@
     <p:extLst>
       <p:ext uri="{BB962C8B-B14F-4D97-AF65-F5344CB8AC3E}">
         <p14:creationId xmlns:p14="http://schemas.microsoft.com/office/powerpoint/2010/main" val="1114069659"/>
-      </p:ext>
-    </p:extLst>
-  </p:cSld>
-  <p:clrMapOvr>
-    <a:masterClrMapping/>
-  </p:clrMapOvr>
-</p:sld>
-</file>
-
-<file path=ppt/slides/slide7.xml><?xml version="1.0" encoding="utf-8"?>
-<p:sld xmlns:a="http://schemas.openxmlformats.org/drawingml/2006/main" xmlns:r="http://schemas.openxmlformats.org/officeDocument/2006/relationships" xmlns:p="http://schemas.openxmlformats.org/presentationml/2006/main">
-  <p:cSld>
-    <p:spTree>
-      <p:nvGrpSpPr>
-        <p:cNvPr id="1" name=""/>
-        <p:cNvGrpSpPr/>
-        <p:nvPr/>
-      </p:nvGrpSpPr>
-      <p:grpSpPr>
-        <a:xfrm>
-          <a:off x="0" y="0"/>
-          <a:ext cx="0" cy="0"/>
-          <a:chOff x="0" y="0"/>
-          <a:chExt cx="0" cy="0"/>
-        </a:xfrm>
-      </p:grpSpPr>
-      <p:sp>
-        <p:nvSpPr>
-          <p:cNvPr id="3" name="內容版面配置區 2">
-            <a:extLst>
-              <a:ext uri="{FF2B5EF4-FFF2-40B4-BE49-F238E27FC236}">
-                <a16:creationId xmlns:a16="http://schemas.microsoft.com/office/drawing/2014/main" id="{86501E51-419F-4466-BCD3-93662DE00470}"/>
-              </a:ext>
-            </a:extLst>
-          </p:cNvPr>
-          <p:cNvSpPr>
-            <a:spLocks noGrp="1"/>
-          </p:cNvSpPr>
-          <p:nvPr>
-            <p:ph idx="1"/>
-          </p:nvPr>
-        </p:nvSpPr>
-        <p:spPr>
-          <a:xfrm>
-            <a:off x="838200" y="415636"/>
-            <a:ext cx="10515600" cy="5761327"/>
-          </a:xfrm>
-        </p:spPr>
-        <p:txBody>
-          <a:bodyPr/>
-          <a:lstStyle/>
-          <a:p>
-            <a:pPr algn="l"/>
-            <a:r>
-              <a:rPr lang="zh-TW" altLang="en-US" sz="1800" b="1" i="0" dirty="0">
-                <a:solidFill>
-                  <a:srgbClr val="262626"/>
-                </a:solidFill>
-                <a:effectLst/>
-                <a:latin typeface="ui-sans-serif"/>
-              </a:rPr>
-              <a:t>啟動出錯</a:t>
-            </a:r>
-          </a:p>
-          <a:p>
-            <a:pPr algn="l">
-              <a:buFont typeface="Arial" panose="020B0604020202020204" pitchFamily="34" charset="0"/>
-              <a:buChar char="•"/>
-            </a:pPr>
-            <a:r>
-              <a:rPr lang="zh-TW" altLang="en-US" sz="1800" b="0" i="0" dirty="0">
-                <a:solidFill>
-                  <a:srgbClr val="262626"/>
-                </a:solidFill>
-                <a:effectLst/>
-                <a:latin typeface="ui-sans-serif"/>
-              </a:rPr>
-              <a:t>再次啟動</a:t>
-            </a:r>
-            <a:r>
-              <a:rPr lang="en-US" altLang="zh-TW" sz="1800" b="0" i="0" dirty="0" err="1">
-                <a:solidFill>
-                  <a:srgbClr val="262626"/>
-                </a:solidFill>
-                <a:effectLst/>
-                <a:latin typeface="ui-sans-serif"/>
-              </a:rPr>
-              <a:t>SpringBoot</a:t>
-            </a:r>
-            <a:r>
-              <a:rPr lang="zh-TW" altLang="en-US" sz="1800" b="0" i="0" dirty="0">
-                <a:solidFill>
-                  <a:srgbClr val="262626"/>
-                </a:solidFill>
-                <a:effectLst/>
-                <a:latin typeface="ui-sans-serif"/>
-              </a:rPr>
-              <a:t>應用後會出現一個空指針異常，一看就是</a:t>
-            </a:r>
-            <a:r>
-              <a:rPr lang="en-US" altLang="zh-TW" sz="1800" b="0" i="0" dirty="0">
-                <a:solidFill>
-                  <a:srgbClr val="262626"/>
-                </a:solidFill>
-                <a:effectLst/>
-                <a:latin typeface="ui-sans-serif"/>
-              </a:rPr>
-              <a:t>Swagger</a:t>
-            </a:r>
-            <a:r>
-              <a:rPr lang="zh-TW" altLang="en-US" sz="1800" b="0" i="0" dirty="0">
-                <a:solidFill>
-                  <a:srgbClr val="262626"/>
-                </a:solidFill>
-                <a:effectLst/>
-                <a:latin typeface="ui-sans-serif"/>
-              </a:rPr>
-              <a:t>問題，原來挺好用的</a:t>
-            </a:r>
-            <a:r>
-              <a:rPr lang="en-US" altLang="zh-TW" sz="1800" b="0" i="0" dirty="0">
-                <a:solidFill>
-                  <a:srgbClr val="262626"/>
-                </a:solidFill>
-                <a:effectLst/>
-                <a:latin typeface="ui-sans-serif"/>
-              </a:rPr>
-              <a:t>Swagger</a:t>
-            </a:r>
-            <a:r>
-              <a:rPr lang="zh-TW" altLang="en-US" sz="1800" b="0" i="0" dirty="0">
-                <a:solidFill>
-                  <a:srgbClr val="262626"/>
-                </a:solidFill>
-                <a:effectLst/>
-                <a:latin typeface="ui-sans-serif"/>
-              </a:rPr>
-              <a:t>不能用了！</a:t>
-            </a:r>
-          </a:p>
-          <a:p>
-            <a:endParaRPr lang="zh-TW" altLang="en-US" dirty="0"/>
-          </a:p>
-        </p:txBody>
-      </p:sp>
-      <p:pic>
-        <p:nvPicPr>
-          <p:cNvPr id="3076" name="Picture 4">
-            <a:extLst>
-              <a:ext uri="{FF2B5EF4-FFF2-40B4-BE49-F238E27FC236}">
-                <a16:creationId xmlns:a16="http://schemas.microsoft.com/office/drawing/2014/main" id="{FEB4C0A1-D819-405F-ACDD-042CC481C5C7}"/>
-              </a:ext>
-            </a:extLst>
-          </p:cNvPr>
-          <p:cNvPicPr>
-            <a:picLocks noChangeAspect="1" noChangeArrowheads="1"/>
-          </p:cNvPicPr>
-          <p:nvPr/>
-        </p:nvPicPr>
-        <p:blipFill>
-          <a:blip r:embed="rId2">
-            <a:extLst>
-              <a:ext uri="{28A0092B-C50C-407E-A947-70E740481C1C}">
-                <a14:useLocalDpi xmlns:a14="http://schemas.microsoft.com/office/drawing/2010/main" val="0"/>
-              </a:ext>
-            </a:extLst>
-          </a:blip>
-          <a:srcRect/>
-          <a:stretch>
-            <a:fillRect/>
-          </a:stretch>
-        </p:blipFill>
-        <p:spPr bwMode="auto">
-          <a:xfrm>
-            <a:off x="1157283" y="1462087"/>
-            <a:ext cx="10277475" cy="3933825"/>
-          </a:xfrm>
-          <a:prstGeom prst="rect">
-            <a:avLst/>
-          </a:prstGeom>
-          <a:noFill/>
-          <a:extLst>
-            <a:ext uri="{909E8E84-426E-40DD-AFC4-6F175D3DCCD1}">
-              <a14:hiddenFill xmlns:a14="http://schemas.microsoft.com/office/drawing/2010/main">
-                <a:solidFill>
-                  <a:srgbClr val="FFFFFF"/>
-                </a:solidFill>
-              </a14:hiddenFill>
-            </a:ext>
-          </a:extLst>
-        </p:spPr>
-      </p:pic>
-    </p:spTree>
-    <p:extLst>
-      <p:ext uri="{BB962C8B-B14F-4D97-AF65-F5344CB8AC3E}">
-        <p14:creationId xmlns:p14="http://schemas.microsoft.com/office/powerpoint/2010/main" val="2685836123"/>
       </p:ext>
     </p:extLst>
   </p:cSld>
@@ -7223,2117 +7984,174 @@
       </p:grpSpPr>
       <p:sp>
         <p:nvSpPr>
-          <p:cNvPr id="5" name="文字方塊 4">
-            <a:extLst>
-              <a:ext uri="{FF2B5EF4-FFF2-40B4-BE49-F238E27FC236}">
-                <a16:creationId xmlns:a16="http://schemas.microsoft.com/office/drawing/2014/main" id="{B5BBA5F6-381E-4DD6-BEE4-305805540B70}"/>
-              </a:ext>
-            </a:extLst>
-          </p:cNvPr>
-          <p:cNvSpPr txBox="1"/>
-          <p:nvPr/>
+          <p:cNvPr id="3" name="內容版面配置區 2">
+            <a:extLst>
+              <a:ext uri="{FF2B5EF4-FFF2-40B4-BE49-F238E27FC236}">
+                <a16:creationId xmlns:a16="http://schemas.microsoft.com/office/drawing/2014/main" id="{86501E51-419F-4466-BCD3-93662DE00470}"/>
+              </a:ext>
+            </a:extLst>
+          </p:cNvPr>
+          <p:cNvSpPr>
+            <a:spLocks noGrp="1"/>
+          </p:cNvSpPr>
+          <p:nvPr>
+            <p:ph idx="1"/>
+          </p:nvPr>
         </p:nvSpPr>
         <p:spPr>
           <a:xfrm>
-            <a:off x="769528" y="237483"/>
-            <a:ext cx="6094428" cy="369332"/>
+            <a:off x="838200" y="415636"/>
+            <a:ext cx="10515600" cy="5761327"/>
+          </a:xfrm>
+        </p:spPr>
+        <p:txBody>
+          <a:bodyPr/>
+          <a:lstStyle/>
+          <a:p>
+            <a:pPr algn="l"/>
+            <a:r>
+              <a:rPr lang="zh-TW" altLang="en-US" sz="1800" b="1" i="0" dirty="0">
+                <a:solidFill>
+                  <a:srgbClr val="262626"/>
+                </a:solidFill>
+                <a:effectLst/>
+                <a:latin typeface="ui-sans-serif"/>
+              </a:rPr>
+              <a:t>啟動出錯</a:t>
+            </a:r>
+          </a:p>
+          <a:p>
+            <a:pPr algn="l">
+              <a:buFont typeface="Arial" panose="020B0604020202020204" pitchFamily="34" charset="0"/>
+              <a:buChar char="•"/>
+            </a:pPr>
+            <a:r>
+              <a:rPr lang="zh-TW" altLang="en-US" sz="1800" b="0" i="0" dirty="0">
+                <a:solidFill>
+                  <a:srgbClr val="262626"/>
+                </a:solidFill>
+                <a:effectLst/>
+                <a:latin typeface="ui-sans-serif"/>
+              </a:rPr>
+              <a:t>再次啟動</a:t>
+            </a:r>
+            <a:r>
+              <a:rPr lang="en-US" altLang="zh-TW" sz="1800" b="0" i="0" dirty="0" err="1">
+                <a:solidFill>
+                  <a:srgbClr val="262626"/>
+                </a:solidFill>
+                <a:effectLst/>
+                <a:latin typeface="ui-sans-serif"/>
+              </a:rPr>
+              <a:t>SpringBoot</a:t>
+            </a:r>
+            <a:r>
+              <a:rPr lang="zh-TW" altLang="en-US" sz="1800" b="0" i="0" dirty="0">
+                <a:solidFill>
+                  <a:srgbClr val="262626"/>
+                </a:solidFill>
+                <a:effectLst/>
+                <a:latin typeface="ui-sans-serif"/>
+              </a:rPr>
+              <a:t>應用後會出現一個空指針異常，一看就是</a:t>
+            </a:r>
+            <a:r>
+              <a:rPr lang="en-US" altLang="zh-TW" sz="1800" b="0" i="0" dirty="0">
+                <a:solidFill>
+                  <a:srgbClr val="262626"/>
+                </a:solidFill>
+                <a:effectLst/>
+                <a:latin typeface="ui-sans-serif"/>
+              </a:rPr>
+              <a:t>Swagger</a:t>
+            </a:r>
+            <a:r>
+              <a:rPr lang="zh-TW" altLang="en-US" sz="1800" b="0" i="0" dirty="0">
+                <a:solidFill>
+                  <a:srgbClr val="262626"/>
+                </a:solidFill>
+                <a:effectLst/>
+                <a:latin typeface="ui-sans-serif"/>
+              </a:rPr>
+              <a:t>問題，原來挺好用的</a:t>
+            </a:r>
+            <a:r>
+              <a:rPr lang="en-US" altLang="zh-TW" sz="1800" b="0" i="0" dirty="0">
+                <a:solidFill>
+                  <a:srgbClr val="262626"/>
+                </a:solidFill>
+                <a:effectLst/>
+                <a:latin typeface="ui-sans-serif"/>
+              </a:rPr>
+              <a:t>Swagger</a:t>
+            </a:r>
+            <a:r>
+              <a:rPr lang="zh-TW" altLang="en-US" sz="1800" b="0" i="0" dirty="0">
+                <a:solidFill>
+                  <a:srgbClr val="262626"/>
+                </a:solidFill>
+                <a:effectLst/>
+                <a:latin typeface="ui-sans-serif"/>
+              </a:rPr>
+              <a:t>不能用了！</a:t>
+            </a:r>
+          </a:p>
+          <a:p>
+            <a:endParaRPr lang="zh-TW" altLang="en-US" dirty="0"/>
+          </a:p>
+        </p:txBody>
+      </p:sp>
+      <p:pic>
+        <p:nvPicPr>
+          <p:cNvPr id="3076" name="Picture 4">
+            <a:extLst>
+              <a:ext uri="{FF2B5EF4-FFF2-40B4-BE49-F238E27FC236}">
+                <a16:creationId xmlns:a16="http://schemas.microsoft.com/office/drawing/2014/main" id="{FEB4C0A1-D819-405F-ACDD-042CC481C5C7}"/>
+              </a:ext>
+            </a:extLst>
+          </p:cNvPr>
+          <p:cNvPicPr>
+            <a:picLocks noChangeAspect="1" noChangeArrowheads="1"/>
+          </p:cNvPicPr>
+          <p:nvPr/>
+        </p:nvPicPr>
+        <p:blipFill>
+          <a:blip r:embed="rId2">
+            <a:extLst>
+              <a:ext uri="{28A0092B-C50C-407E-A947-70E740481C1C}">
+                <a14:useLocalDpi xmlns:a14="http://schemas.microsoft.com/office/drawing/2010/main" val="0"/>
+              </a:ext>
+            </a:extLst>
+          </a:blip>
+          <a:srcRect/>
+          <a:stretch>
+            <a:fillRect/>
+          </a:stretch>
+        </p:blipFill>
+        <p:spPr bwMode="auto">
+          <a:xfrm>
+            <a:off x="1157283" y="1462087"/>
+            <a:ext cx="10277475" cy="3933825"/>
           </a:xfrm>
           <a:prstGeom prst="rect">
             <a:avLst/>
           </a:prstGeom>
           <a:noFill/>
-        </p:spPr>
-        <p:txBody>
-          <a:bodyPr wrap="square">
-            <a:spAutoFit/>
-          </a:bodyPr>
-          <a:lstStyle/>
-          <a:p>
-            <a:r>
-              <a:rPr lang="en-US" altLang="zh-TW" b="0" i="0" dirty="0">
-                <a:solidFill>
-                  <a:srgbClr val="262626"/>
-                </a:solidFill>
-                <a:effectLst/>
-                <a:latin typeface="ui-sans-serif"/>
-              </a:rPr>
-              <a:t>1.</a:t>
-            </a:r>
-            <a:r>
-              <a:rPr lang="zh-TW" altLang="en-US" b="0" i="0" dirty="0">
-                <a:solidFill>
-                  <a:srgbClr val="262626"/>
-                </a:solidFill>
-                <a:effectLst/>
-                <a:latin typeface="ui-sans-serif"/>
-              </a:rPr>
-              <a:t>在</a:t>
-            </a:r>
-            <a:r>
-              <a:rPr lang="en-US" altLang="zh-TW" b="0" i="0" dirty="0">
-                <a:solidFill>
-                  <a:srgbClr val="262626"/>
-                </a:solidFill>
-                <a:effectLst/>
-                <a:latin typeface="ui-sans-serif"/>
-              </a:rPr>
-              <a:t>Swagger</a:t>
-            </a:r>
-            <a:r>
-              <a:rPr lang="zh-TW" altLang="en-US" b="0" i="0" dirty="0">
-                <a:solidFill>
-                  <a:srgbClr val="262626"/>
-                </a:solidFill>
-                <a:effectLst/>
-                <a:latin typeface="ui-sans-serif"/>
-              </a:rPr>
-              <a:t>的配置類中添加如下</a:t>
-            </a:r>
-            <a:r>
-              <a:rPr lang="en-US" altLang="zh-TW" b="0" i="0" dirty="0">
-                <a:solidFill>
-                  <a:srgbClr val="262626"/>
-                </a:solidFill>
-                <a:effectLst/>
-                <a:latin typeface="ui-sans-serif"/>
-              </a:rPr>
-              <a:t>Bean</a:t>
-            </a:r>
-            <a:r>
-              <a:rPr lang="zh-TW" altLang="en-US" b="0" i="0" dirty="0">
-                <a:solidFill>
-                  <a:srgbClr val="262626"/>
-                </a:solidFill>
-                <a:effectLst/>
-                <a:latin typeface="ui-sans-serif"/>
-              </a:rPr>
-              <a:t>可以解決該問題；</a:t>
-            </a:r>
-            <a:endParaRPr lang="zh-TW" altLang="en-US" dirty="0"/>
-          </a:p>
-        </p:txBody>
-      </p:sp>
-      <p:sp>
-        <p:nvSpPr>
-          <p:cNvPr id="6" name="Rectangle 1">
-            <a:extLst>
-              <a:ext uri="{FF2B5EF4-FFF2-40B4-BE49-F238E27FC236}">
-                <a16:creationId xmlns:a16="http://schemas.microsoft.com/office/drawing/2014/main" id="{3AA10401-A50C-479C-BE08-6E659A2F513D}"/>
-              </a:ext>
-            </a:extLst>
-          </p:cNvPr>
-          <p:cNvSpPr>
-            <a:spLocks noChangeArrowheads="1"/>
-          </p:cNvSpPr>
-          <p:nvPr/>
-        </p:nvSpPr>
-        <p:spPr bwMode="auto">
-          <a:xfrm>
-            <a:off x="769528" y="606815"/>
-            <a:ext cx="9609513" cy="6186309"/>
-          </a:xfrm>
-          <a:prstGeom prst="rect">
-            <a:avLst/>
-          </a:prstGeom>
-          <a:solidFill>
-            <a:srgbClr val="2B2B2B"/>
-          </a:solidFill>
-          <a:ln>
-            <a:noFill/>
-          </a:ln>
-          <a:effectLst/>
           <a:extLst>
-            <a:ext uri="{91240B29-F687-4F45-9708-019B960494DF}">
-              <a14:hiddenLine xmlns:a14="http://schemas.microsoft.com/office/drawing/2010/main" w="9525">
-                <a:solidFill>
-                  <a:schemeClr val="tx1"/>
-                </a:solidFill>
-                <a:miter lim="800000"/>
-                <a:headEnd/>
-                <a:tailEnd/>
-              </a14:hiddenLine>
-            </a:ext>
-            <a:ext uri="{AF507438-7753-43E0-B8FC-AC1667EBCBE1}">
-              <a14:hiddenEffects xmlns:a14="http://schemas.microsoft.com/office/drawing/2010/main">
-                <a:effectLst>
-                  <a:outerShdw dist="35921" dir="2700000" algn="ctr" rotWithShape="0">
-                    <a:schemeClr val="bg2"/>
-                  </a:outerShdw>
-                </a:effectLst>
-              </a14:hiddenEffects>
+            <a:ext uri="{909E8E84-426E-40DD-AFC4-6F175D3DCCD1}">
+              <a14:hiddenFill xmlns:a14="http://schemas.microsoft.com/office/drawing/2010/main">
+                <a:solidFill>
+                  <a:srgbClr val="FFFFFF"/>
+                </a:solidFill>
+              </a14:hiddenFill>
             </a:ext>
           </a:extLst>
         </p:spPr>
-        <p:txBody>
-          <a:bodyPr vert="horz" wrap="square" lIns="91440" tIns="45720" rIns="91440" bIns="45720" numCol="1" anchor="ctr" anchorCtr="0" compatLnSpc="1">
-            <a:prstTxWarp prst="textNoShape">
-              <a:avLst/>
-            </a:prstTxWarp>
-            <a:spAutoFit/>
-          </a:bodyPr>
-          <a:lstStyle/>
-          <a:p>
-            <a:pPr marL="0" marR="0" lvl="0" indent="0" algn="l" defTabSz="914400" rtl="0" eaLnBrk="0" fontAlgn="base" latinLnBrk="0" hangingPunct="0">
-              <a:lnSpc>
-                <a:spcPct val="100000"/>
-              </a:lnSpc>
-              <a:spcBef>
-                <a:spcPct val="0"/>
-              </a:spcBef>
-              <a:spcAft>
-                <a:spcPct val="0"/>
-              </a:spcAft>
-              <a:buClrTx/>
-              <a:buSzTx/>
-              <a:buFontTx/>
-              <a:buNone/>
-              <a:tabLst/>
-            </a:pPr>
-            <a:r>
-              <a:rPr kumimoji="0" lang="zh-TW" altLang="zh-TW" sz="1200" b="0" i="0" u="none" strike="noStrike" cap="none" normalizeH="0" baseline="0" dirty="0">
-                <a:ln>
-                  <a:noFill/>
-                </a:ln>
-                <a:solidFill>
-                  <a:srgbClr val="BBB529"/>
-                </a:solidFill>
-                <a:effectLst/>
-                <a:latin typeface="Arial Unicode MS" panose="020B0604020202020204" pitchFamily="34" charset="-120"/>
-                <a:ea typeface="JetBrains Mono"/>
-              </a:rPr>
-              <a:t>@Bean</a:t>
-            </a:r>
-            <a:br>
-              <a:rPr kumimoji="0" lang="zh-TW" altLang="zh-TW" sz="1200" b="0" i="0" u="none" strike="noStrike" cap="none" normalizeH="0" baseline="0" dirty="0">
-                <a:ln>
-                  <a:noFill/>
-                </a:ln>
-                <a:solidFill>
-                  <a:srgbClr val="BBB529"/>
-                </a:solidFill>
-                <a:effectLst/>
-                <a:latin typeface="Arial Unicode MS" panose="020B0604020202020204" pitchFamily="34" charset="-120"/>
-                <a:ea typeface="JetBrains Mono"/>
-              </a:rPr>
-            </a:br>
-            <a:r>
-              <a:rPr kumimoji="0" lang="zh-TW" altLang="zh-TW" sz="1200" b="0" i="0" u="none" strike="noStrike" cap="none" normalizeH="0" baseline="0" dirty="0">
-                <a:ln>
-                  <a:noFill/>
-                </a:ln>
-                <a:solidFill>
-                  <a:srgbClr val="CC7832"/>
-                </a:solidFill>
-                <a:effectLst/>
-                <a:latin typeface="Arial Unicode MS" panose="020B0604020202020204" pitchFamily="34" charset="-120"/>
-                <a:ea typeface="JetBrains Mono"/>
-              </a:rPr>
-              <a:t>public static </a:t>
-            </a:r>
-            <a:r>
-              <a:rPr kumimoji="0" lang="zh-TW" altLang="zh-TW" sz="1200" b="0" i="0" u="none" strike="noStrike" cap="none" normalizeH="0" baseline="0" dirty="0">
-                <a:ln>
-                  <a:noFill/>
-                </a:ln>
-                <a:solidFill>
-                  <a:srgbClr val="A9B7C6"/>
-                </a:solidFill>
-                <a:effectLst/>
-                <a:latin typeface="Arial Unicode MS" panose="020B0604020202020204" pitchFamily="34" charset="-120"/>
-                <a:ea typeface="JetBrains Mono"/>
-              </a:rPr>
-              <a:t>BeanPostProcessor </a:t>
-            </a:r>
-            <a:r>
-              <a:rPr kumimoji="0" lang="zh-TW" altLang="zh-TW" sz="1200" b="0" i="0" u="none" strike="noStrike" cap="none" normalizeH="0" baseline="0" dirty="0">
-                <a:ln>
-                  <a:noFill/>
-                </a:ln>
-                <a:solidFill>
-                  <a:srgbClr val="FFC66D"/>
-                </a:solidFill>
-                <a:effectLst/>
-                <a:latin typeface="Arial Unicode MS" panose="020B0604020202020204" pitchFamily="34" charset="-120"/>
-                <a:ea typeface="JetBrains Mono"/>
-              </a:rPr>
-              <a:t>springfoxHandlerProviderBeanPostProcessor</a:t>
-            </a:r>
-            <a:r>
-              <a:rPr kumimoji="0" lang="zh-TW" altLang="zh-TW" sz="1200" b="0" i="0" u="none" strike="noStrike" cap="none" normalizeH="0" baseline="0" dirty="0">
-                <a:ln>
-                  <a:noFill/>
-                </a:ln>
-                <a:solidFill>
-                  <a:srgbClr val="A9B7C6"/>
-                </a:solidFill>
-                <a:effectLst/>
-                <a:latin typeface="Arial Unicode MS" panose="020B0604020202020204" pitchFamily="34" charset="-120"/>
-                <a:ea typeface="JetBrains Mono"/>
-              </a:rPr>
-              <a:t>() {</a:t>
-            </a:r>
-            <a:br>
-              <a:rPr kumimoji="0" lang="zh-TW" altLang="zh-TW" sz="1200" b="0" i="0" u="none" strike="noStrike" cap="none" normalizeH="0" baseline="0" dirty="0">
-                <a:ln>
-                  <a:noFill/>
-                </a:ln>
-                <a:solidFill>
-                  <a:srgbClr val="A9B7C6"/>
-                </a:solidFill>
-                <a:effectLst/>
-                <a:latin typeface="Arial Unicode MS" panose="020B0604020202020204" pitchFamily="34" charset="-120"/>
-                <a:ea typeface="JetBrains Mono"/>
-              </a:rPr>
-            </a:br>
-            <a:r>
-              <a:rPr kumimoji="0" lang="zh-TW" altLang="zh-TW" sz="1200" b="0" i="0" u="none" strike="noStrike" cap="none" normalizeH="0" baseline="0" dirty="0">
-                <a:ln>
-                  <a:noFill/>
-                </a:ln>
-                <a:solidFill>
-                  <a:srgbClr val="A9B7C6"/>
-                </a:solidFill>
-                <a:effectLst/>
-                <a:latin typeface="Arial Unicode MS" panose="020B0604020202020204" pitchFamily="34" charset="-120"/>
-                <a:ea typeface="JetBrains Mono"/>
-              </a:rPr>
-              <a:t>    </a:t>
-            </a:r>
-            <a:r>
-              <a:rPr kumimoji="0" lang="zh-TW" altLang="zh-TW" sz="1200" b="0" i="0" u="none" strike="noStrike" cap="none" normalizeH="0" baseline="0" dirty="0">
-                <a:ln>
-                  <a:noFill/>
-                </a:ln>
-                <a:solidFill>
-                  <a:srgbClr val="CC7832"/>
-                </a:solidFill>
-                <a:effectLst/>
-                <a:latin typeface="Arial Unicode MS" panose="020B0604020202020204" pitchFamily="34" charset="-120"/>
-                <a:ea typeface="JetBrains Mono"/>
-              </a:rPr>
-              <a:t>return new </a:t>
-            </a:r>
-            <a:r>
-              <a:rPr kumimoji="0" lang="zh-TW" altLang="zh-TW" sz="1200" b="0" i="0" u="none" strike="noStrike" cap="none" normalizeH="0" baseline="0" dirty="0">
-                <a:ln>
-                  <a:noFill/>
-                </a:ln>
-                <a:solidFill>
-                  <a:srgbClr val="A9B7C6"/>
-                </a:solidFill>
-                <a:effectLst/>
-                <a:latin typeface="Arial Unicode MS" panose="020B0604020202020204" pitchFamily="34" charset="-120"/>
-                <a:ea typeface="JetBrains Mono"/>
-              </a:rPr>
-              <a:t>BeanPostProcessor() {</a:t>
-            </a:r>
-            <a:br>
-              <a:rPr kumimoji="0" lang="zh-TW" altLang="zh-TW" sz="1200" b="0" i="0" u="none" strike="noStrike" cap="none" normalizeH="0" baseline="0" dirty="0">
-                <a:ln>
-                  <a:noFill/>
-                </a:ln>
-                <a:solidFill>
-                  <a:srgbClr val="A9B7C6"/>
-                </a:solidFill>
-                <a:effectLst/>
-                <a:latin typeface="Arial Unicode MS" panose="020B0604020202020204" pitchFamily="34" charset="-120"/>
-                <a:ea typeface="JetBrains Mono"/>
-              </a:rPr>
-            </a:br>
-            <a:br>
-              <a:rPr kumimoji="0" lang="zh-TW" altLang="zh-TW" sz="1200" b="0" i="0" u="none" strike="noStrike" cap="none" normalizeH="0" baseline="0" dirty="0">
-                <a:ln>
-                  <a:noFill/>
-                </a:ln>
-                <a:solidFill>
-                  <a:srgbClr val="A9B7C6"/>
-                </a:solidFill>
-                <a:effectLst/>
-                <a:latin typeface="Arial Unicode MS" panose="020B0604020202020204" pitchFamily="34" charset="-120"/>
-                <a:ea typeface="JetBrains Mono"/>
-              </a:rPr>
-            </a:br>
-            <a:r>
-              <a:rPr kumimoji="0" lang="zh-TW" altLang="zh-TW" sz="1200" b="0" i="0" u="none" strike="noStrike" cap="none" normalizeH="0" baseline="0" dirty="0">
-                <a:ln>
-                  <a:noFill/>
-                </a:ln>
-                <a:solidFill>
-                  <a:srgbClr val="A9B7C6"/>
-                </a:solidFill>
-                <a:effectLst/>
-                <a:latin typeface="Arial Unicode MS" panose="020B0604020202020204" pitchFamily="34" charset="-120"/>
-                <a:ea typeface="JetBrains Mono"/>
-              </a:rPr>
-              <a:t>        </a:t>
-            </a:r>
-            <a:r>
-              <a:rPr kumimoji="0" lang="zh-TW" altLang="zh-TW" sz="1200" b="0" i="0" u="none" strike="noStrike" cap="none" normalizeH="0" baseline="0" dirty="0">
-                <a:ln>
-                  <a:noFill/>
-                </a:ln>
-                <a:solidFill>
-                  <a:srgbClr val="BBB529"/>
-                </a:solidFill>
-                <a:effectLst/>
-                <a:latin typeface="Arial Unicode MS" panose="020B0604020202020204" pitchFamily="34" charset="-120"/>
-                <a:ea typeface="JetBrains Mono"/>
-              </a:rPr>
-              <a:t>@Override</a:t>
-            </a:r>
-            <a:br>
-              <a:rPr kumimoji="0" lang="zh-TW" altLang="zh-TW" sz="1200" b="0" i="0" u="none" strike="noStrike" cap="none" normalizeH="0" baseline="0" dirty="0">
-                <a:ln>
-                  <a:noFill/>
-                </a:ln>
-                <a:solidFill>
-                  <a:srgbClr val="BBB529"/>
-                </a:solidFill>
-                <a:effectLst/>
-                <a:latin typeface="Arial Unicode MS" panose="020B0604020202020204" pitchFamily="34" charset="-120"/>
-                <a:ea typeface="JetBrains Mono"/>
-              </a:rPr>
-            </a:br>
-            <a:r>
-              <a:rPr kumimoji="0" lang="zh-TW" altLang="zh-TW" sz="1200" b="0" i="0" u="none" strike="noStrike" cap="none" normalizeH="0" baseline="0" dirty="0">
-                <a:ln>
-                  <a:noFill/>
-                </a:ln>
-                <a:solidFill>
-                  <a:srgbClr val="BBB529"/>
-                </a:solidFill>
-                <a:effectLst/>
-                <a:latin typeface="Arial Unicode MS" panose="020B0604020202020204" pitchFamily="34" charset="-120"/>
-                <a:ea typeface="JetBrains Mono"/>
-              </a:rPr>
-              <a:t>        </a:t>
-            </a:r>
-            <a:r>
-              <a:rPr kumimoji="0" lang="zh-TW" altLang="zh-TW" sz="1200" b="0" i="0" u="none" strike="noStrike" cap="none" normalizeH="0" baseline="0" dirty="0">
-                <a:ln>
-                  <a:noFill/>
-                </a:ln>
-                <a:solidFill>
-                  <a:srgbClr val="CC7832"/>
-                </a:solidFill>
-                <a:effectLst/>
-                <a:latin typeface="Arial Unicode MS" panose="020B0604020202020204" pitchFamily="34" charset="-120"/>
-                <a:ea typeface="JetBrains Mono"/>
-              </a:rPr>
-              <a:t>public </a:t>
-            </a:r>
-            <a:r>
-              <a:rPr kumimoji="0" lang="zh-TW" altLang="zh-TW" sz="1200" b="0" i="0" u="none" strike="noStrike" cap="none" normalizeH="0" baseline="0" dirty="0">
-                <a:ln>
-                  <a:noFill/>
-                </a:ln>
-                <a:solidFill>
-                  <a:srgbClr val="A9B7C6"/>
-                </a:solidFill>
-                <a:effectLst/>
-                <a:latin typeface="Arial Unicode MS" panose="020B0604020202020204" pitchFamily="34" charset="-120"/>
-                <a:ea typeface="JetBrains Mono"/>
-              </a:rPr>
-              <a:t>Object </a:t>
-            </a:r>
-            <a:r>
-              <a:rPr kumimoji="0" lang="zh-TW" altLang="zh-TW" sz="1200" b="0" i="0" u="none" strike="noStrike" cap="none" normalizeH="0" baseline="0" dirty="0">
-                <a:ln>
-                  <a:noFill/>
-                </a:ln>
-                <a:solidFill>
-                  <a:srgbClr val="FFC66D"/>
-                </a:solidFill>
-                <a:effectLst/>
-                <a:latin typeface="Arial Unicode MS" panose="020B0604020202020204" pitchFamily="34" charset="-120"/>
-                <a:ea typeface="JetBrains Mono"/>
-              </a:rPr>
-              <a:t>postProcessAfterInitialization</a:t>
-            </a:r>
-            <a:r>
-              <a:rPr kumimoji="0" lang="zh-TW" altLang="zh-TW" sz="1200" b="0" i="0" u="none" strike="noStrike" cap="none" normalizeH="0" baseline="0" dirty="0">
-                <a:ln>
-                  <a:noFill/>
-                </a:ln>
-                <a:solidFill>
-                  <a:srgbClr val="A9B7C6"/>
-                </a:solidFill>
-                <a:effectLst/>
-                <a:latin typeface="Arial Unicode MS" panose="020B0604020202020204" pitchFamily="34" charset="-120"/>
-                <a:ea typeface="JetBrains Mono"/>
-              </a:rPr>
-              <a:t>(Object bean</a:t>
-            </a:r>
-            <a:r>
-              <a:rPr kumimoji="0" lang="zh-TW" altLang="zh-TW" sz="1200" b="0" i="0" u="none" strike="noStrike" cap="none" normalizeH="0" baseline="0" dirty="0">
-                <a:ln>
-                  <a:noFill/>
-                </a:ln>
-                <a:solidFill>
-                  <a:srgbClr val="CC7832"/>
-                </a:solidFill>
-                <a:effectLst/>
-                <a:latin typeface="Arial Unicode MS" panose="020B0604020202020204" pitchFamily="34" charset="-120"/>
-                <a:ea typeface="JetBrains Mono"/>
-              </a:rPr>
-              <a:t>, </a:t>
-            </a:r>
-            <a:r>
-              <a:rPr kumimoji="0" lang="zh-TW" altLang="zh-TW" sz="1200" b="0" i="0" u="none" strike="noStrike" cap="none" normalizeH="0" baseline="0" dirty="0">
-                <a:ln>
-                  <a:noFill/>
-                </a:ln>
-                <a:solidFill>
-                  <a:srgbClr val="A9B7C6"/>
-                </a:solidFill>
-                <a:effectLst/>
-                <a:latin typeface="Arial Unicode MS" panose="020B0604020202020204" pitchFamily="34" charset="-120"/>
-                <a:ea typeface="JetBrains Mono"/>
-              </a:rPr>
-              <a:t>String beanName) </a:t>
-            </a:r>
-            <a:r>
-              <a:rPr kumimoji="0" lang="zh-TW" altLang="zh-TW" sz="1200" b="0" i="0" u="none" strike="noStrike" cap="none" normalizeH="0" baseline="0" dirty="0">
-                <a:ln>
-                  <a:noFill/>
-                </a:ln>
-                <a:solidFill>
-                  <a:srgbClr val="CC7832"/>
-                </a:solidFill>
-                <a:effectLst/>
-                <a:latin typeface="Arial Unicode MS" panose="020B0604020202020204" pitchFamily="34" charset="-120"/>
-                <a:ea typeface="JetBrains Mono"/>
-              </a:rPr>
-              <a:t>throws </a:t>
-            </a:r>
-            <a:r>
-              <a:rPr kumimoji="0" lang="zh-TW" altLang="zh-TW" sz="1200" b="0" i="0" u="none" strike="noStrike" cap="none" normalizeH="0" baseline="0" dirty="0">
-                <a:ln>
-                  <a:noFill/>
-                </a:ln>
-                <a:solidFill>
-                  <a:srgbClr val="A9B7C6"/>
-                </a:solidFill>
-                <a:effectLst/>
-                <a:latin typeface="Arial Unicode MS" panose="020B0604020202020204" pitchFamily="34" charset="-120"/>
-                <a:ea typeface="JetBrains Mono"/>
-              </a:rPr>
-              <a:t>BeansException {</a:t>
-            </a:r>
-            <a:br>
-              <a:rPr kumimoji="0" lang="zh-TW" altLang="zh-TW" sz="1200" b="0" i="0" u="none" strike="noStrike" cap="none" normalizeH="0" baseline="0" dirty="0">
-                <a:ln>
-                  <a:noFill/>
-                </a:ln>
-                <a:solidFill>
-                  <a:srgbClr val="A9B7C6"/>
-                </a:solidFill>
-                <a:effectLst/>
-                <a:latin typeface="Arial Unicode MS" panose="020B0604020202020204" pitchFamily="34" charset="-120"/>
-                <a:ea typeface="JetBrains Mono"/>
-              </a:rPr>
-            </a:br>
-            <a:r>
-              <a:rPr kumimoji="0" lang="zh-TW" altLang="zh-TW" sz="1200" b="0" i="0" u="none" strike="noStrike" cap="none" normalizeH="0" baseline="0" dirty="0">
-                <a:ln>
-                  <a:noFill/>
-                </a:ln>
-                <a:solidFill>
-                  <a:srgbClr val="A9B7C6"/>
-                </a:solidFill>
-                <a:effectLst/>
-                <a:latin typeface="Arial Unicode MS" panose="020B0604020202020204" pitchFamily="34" charset="-120"/>
-                <a:ea typeface="JetBrains Mono"/>
-              </a:rPr>
-              <a:t>            </a:t>
-            </a:r>
-            <a:r>
-              <a:rPr kumimoji="0" lang="zh-TW" altLang="zh-TW" sz="1200" b="0" i="0" u="none" strike="noStrike" cap="none" normalizeH="0" baseline="0" dirty="0">
-                <a:ln>
-                  <a:noFill/>
-                </a:ln>
-                <a:solidFill>
-                  <a:srgbClr val="CC7832"/>
-                </a:solidFill>
-                <a:effectLst/>
-                <a:latin typeface="Arial Unicode MS" panose="020B0604020202020204" pitchFamily="34" charset="-120"/>
-                <a:ea typeface="JetBrains Mono"/>
-              </a:rPr>
-              <a:t>if </a:t>
-            </a:r>
-            <a:r>
-              <a:rPr kumimoji="0" lang="zh-TW" altLang="zh-TW" sz="1200" b="0" i="0" u="none" strike="noStrike" cap="none" normalizeH="0" baseline="0" dirty="0">
-                <a:ln>
-                  <a:noFill/>
-                </a:ln>
-                <a:solidFill>
-                  <a:srgbClr val="A9B7C6"/>
-                </a:solidFill>
-                <a:effectLst/>
-                <a:latin typeface="Arial Unicode MS" panose="020B0604020202020204" pitchFamily="34" charset="-120"/>
-                <a:ea typeface="JetBrains Mono"/>
-              </a:rPr>
-              <a:t>(bean </a:t>
-            </a:r>
-            <a:r>
-              <a:rPr kumimoji="0" lang="zh-TW" altLang="zh-TW" sz="1200" b="0" i="0" u="none" strike="noStrike" cap="none" normalizeH="0" baseline="0" dirty="0">
-                <a:ln>
-                  <a:noFill/>
-                </a:ln>
-                <a:solidFill>
-                  <a:srgbClr val="CC7832"/>
-                </a:solidFill>
-                <a:effectLst/>
-                <a:latin typeface="Arial Unicode MS" panose="020B0604020202020204" pitchFamily="34" charset="-120"/>
-                <a:ea typeface="JetBrains Mono"/>
-              </a:rPr>
-              <a:t>instanceof </a:t>
-            </a:r>
-            <a:r>
-              <a:rPr kumimoji="0" lang="zh-TW" altLang="zh-TW" sz="1200" b="0" i="0" u="none" strike="noStrike" cap="none" normalizeH="0" baseline="0" dirty="0">
-                <a:ln>
-                  <a:noFill/>
-                </a:ln>
-                <a:solidFill>
-                  <a:srgbClr val="A9B7C6"/>
-                </a:solidFill>
-                <a:effectLst/>
-                <a:latin typeface="Arial Unicode MS" panose="020B0604020202020204" pitchFamily="34" charset="-120"/>
-                <a:ea typeface="JetBrains Mono"/>
-              </a:rPr>
-              <a:t>WebMvcRequestHandlerProvider || bean </a:t>
-            </a:r>
-            <a:r>
-              <a:rPr kumimoji="0" lang="zh-TW" altLang="zh-TW" sz="1200" b="0" i="0" u="none" strike="noStrike" cap="none" normalizeH="0" baseline="0" dirty="0">
-                <a:ln>
-                  <a:noFill/>
-                </a:ln>
-                <a:solidFill>
-                  <a:srgbClr val="CC7832"/>
-                </a:solidFill>
-                <a:effectLst/>
-                <a:latin typeface="Arial Unicode MS" panose="020B0604020202020204" pitchFamily="34" charset="-120"/>
-                <a:ea typeface="JetBrains Mono"/>
-              </a:rPr>
-              <a:t>instanceof </a:t>
-            </a:r>
-            <a:r>
-              <a:rPr kumimoji="0" lang="zh-TW" altLang="zh-TW" sz="1200" b="0" i="0" u="none" strike="noStrike" cap="none" normalizeH="0" baseline="0" dirty="0">
-                <a:ln>
-                  <a:noFill/>
-                </a:ln>
-                <a:solidFill>
-                  <a:srgbClr val="A9B7C6"/>
-                </a:solidFill>
-                <a:effectLst/>
-                <a:latin typeface="Arial Unicode MS" panose="020B0604020202020204" pitchFamily="34" charset="-120"/>
-                <a:ea typeface="JetBrains Mono"/>
-              </a:rPr>
-              <a:t>WebFluxRequestHandlerProvider) {</a:t>
-            </a:r>
-            <a:br>
-              <a:rPr kumimoji="0" lang="zh-TW" altLang="zh-TW" sz="1200" b="0" i="0" u="none" strike="noStrike" cap="none" normalizeH="0" baseline="0" dirty="0">
-                <a:ln>
-                  <a:noFill/>
-                </a:ln>
-                <a:solidFill>
-                  <a:srgbClr val="A9B7C6"/>
-                </a:solidFill>
-                <a:effectLst/>
-                <a:latin typeface="Arial Unicode MS" panose="020B0604020202020204" pitchFamily="34" charset="-120"/>
-                <a:ea typeface="JetBrains Mono"/>
-              </a:rPr>
-            </a:br>
-            <a:r>
-              <a:rPr kumimoji="0" lang="zh-TW" altLang="zh-TW" sz="1200" b="0" i="0" u="none" strike="noStrike" cap="none" normalizeH="0" baseline="0" dirty="0">
-                <a:ln>
-                  <a:noFill/>
-                </a:ln>
-                <a:solidFill>
-                  <a:srgbClr val="A9B7C6"/>
-                </a:solidFill>
-                <a:effectLst/>
-                <a:latin typeface="Arial Unicode MS" panose="020B0604020202020204" pitchFamily="34" charset="-120"/>
-                <a:ea typeface="JetBrains Mono"/>
-              </a:rPr>
-              <a:t>                customizeSpringfoxHandlerMappings(getHandlerMappings(bean))</a:t>
-            </a:r>
-            <a:r>
-              <a:rPr kumimoji="0" lang="zh-TW" altLang="zh-TW" sz="1200" b="0" i="0" u="none" strike="noStrike" cap="none" normalizeH="0" baseline="0" dirty="0">
-                <a:ln>
-                  <a:noFill/>
-                </a:ln>
-                <a:solidFill>
-                  <a:srgbClr val="CC7832"/>
-                </a:solidFill>
-                <a:effectLst/>
-                <a:latin typeface="Arial Unicode MS" panose="020B0604020202020204" pitchFamily="34" charset="-120"/>
-                <a:ea typeface="JetBrains Mono"/>
-              </a:rPr>
-              <a:t>;</a:t>
-            </a:r>
-            <a:br>
-              <a:rPr kumimoji="0" lang="zh-TW" altLang="zh-TW" sz="1200" b="0" i="0" u="none" strike="noStrike" cap="none" normalizeH="0" baseline="0" dirty="0">
-                <a:ln>
-                  <a:noFill/>
-                </a:ln>
-                <a:solidFill>
-                  <a:srgbClr val="CC7832"/>
-                </a:solidFill>
-                <a:effectLst/>
-                <a:latin typeface="Arial Unicode MS" panose="020B0604020202020204" pitchFamily="34" charset="-120"/>
-                <a:ea typeface="JetBrains Mono"/>
-              </a:rPr>
-            </a:br>
-            <a:r>
-              <a:rPr kumimoji="0" lang="zh-TW" altLang="zh-TW" sz="1200" b="0" i="0" u="none" strike="noStrike" cap="none" normalizeH="0" baseline="0" dirty="0">
-                <a:ln>
-                  <a:noFill/>
-                </a:ln>
-                <a:solidFill>
-                  <a:srgbClr val="CC7832"/>
-                </a:solidFill>
-                <a:effectLst/>
-                <a:latin typeface="Arial Unicode MS" panose="020B0604020202020204" pitchFamily="34" charset="-120"/>
-                <a:ea typeface="JetBrains Mono"/>
-              </a:rPr>
-              <a:t>            </a:t>
-            </a:r>
-            <a:r>
-              <a:rPr kumimoji="0" lang="zh-TW" altLang="zh-TW" sz="1200" b="0" i="0" u="none" strike="noStrike" cap="none" normalizeH="0" baseline="0" dirty="0">
-                <a:ln>
-                  <a:noFill/>
-                </a:ln>
-                <a:solidFill>
-                  <a:srgbClr val="A9B7C6"/>
-                </a:solidFill>
-                <a:effectLst/>
-                <a:latin typeface="Arial Unicode MS" panose="020B0604020202020204" pitchFamily="34" charset="-120"/>
-                <a:ea typeface="JetBrains Mono"/>
-              </a:rPr>
-              <a:t>}</a:t>
-            </a:r>
-            <a:br>
-              <a:rPr kumimoji="0" lang="zh-TW" altLang="zh-TW" sz="1200" b="0" i="0" u="none" strike="noStrike" cap="none" normalizeH="0" baseline="0" dirty="0">
-                <a:ln>
-                  <a:noFill/>
-                </a:ln>
-                <a:solidFill>
-                  <a:srgbClr val="A9B7C6"/>
-                </a:solidFill>
-                <a:effectLst/>
-                <a:latin typeface="Arial Unicode MS" panose="020B0604020202020204" pitchFamily="34" charset="-120"/>
-                <a:ea typeface="JetBrains Mono"/>
-              </a:rPr>
-            </a:br>
-            <a:r>
-              <a:rPr kumimoji="0" lang="zh-TW" altLang="zh-TW" sz="1200" b="0" i="0" u="none" strike="noStrike" cap="none" normalizeH="0" baseline="0" dirty="0">
-                <a:ln>
-                  <a:noFill/>
-                </a:ln>
-                <a:solidFill>
-                  <a:srgbClr val="A9B7C6"/>
-                </a:solidFill>
-                <a:effectLst/>
-                <a:latin typeface="Arial Unicode MS" panose="020B0604020202020204" pitchFamily="34" charset="-120"/>
-                <a:ea typeface="JetBrains Mono"/>
-              </a:rPr>
-              <a:t>            </a:t>
-            </a:r>
-            <a:r>
-              <a:rPr kumimoji="0" lang="zh-TW" altLang="zh-TW" sz="1200" b="0" i="0" u="none" strike="noStrike" cap="none" normalizeH="0" baseline="0" dirty="0">
-                <a:ln>
-                  <a:noFill/>
-                </a:ln>
-                <a:solidFill>
-                  <a:srgbClr val="CC7832"/>
-                </a:solidFill>
-                <a:effectLst/>
-                <a:latin typeface="Arial Unicode MS" panose="020B0604020202020204" pitchFamily="34" charset="-120"/>
-                <a:ea typeface="JetBrains Mono"/>
-              </a:rPr>
-              <a:t>return </a:t>
-            </a:r>
-            <a:r>
-              <a:rPr kumimoji="0" lang="zh-TW" altLang="zh-TW" sz="1200" b="0" i="0" u="none" strike="noStrike" cap="none" normalizeH="0" baseline="0" dirty="0">
-                <a:ln>
-                  <a:noFill/>
-                </a:ln>
-                <a:solidFill>
-                  <a:srgbClr val="A9B7C6"/>
-                </a:solidFill>
-                <a:effectLst/>
-                <a:latin typeface="Arial Unicode MS" panose="020B0604020202020204" pitchFamily="34" charset="-120"/>
-                <a:ea typeface="JetBrains Mono"/>
-              </a:rPr>
-              <a:t>bean</a:t>
-            </a:r>
-            <a:r>
-              <a:rPr kumimoji="0" lang="zh-TW" altLang="zh-TW" sz="1200" b="0" i="0" u="none" strike="noStrike" cap="none" normalizeH="0" baseline="0" dirty="0">
-                <a:ln>
-                  <a:noFill/>
-                </a:ln>
-                <a:solidFill>
-                  <a:srgbClr val="CC7832"/>
-                </a:solidFill>
-                <a:effectLst/>
-                <a:latin typeface="Arial Unicode MS" panose="020B0604020202020204" pitchFamily="34" charset="-120"/>
-                <a:ea typeface="JetBrains Mono"/>
-              </a:rPr>
-              <a:t>;</a:t>
-            </a:r>
-            <a:br>
-              <a:rPr kumimoji="0" lang="zh-TW" altLang="zh-TW" sz="1200" b="0" i="0" u="none" strike="noStrike" cap="none" normalizeH="0" baseline="0" dirty="0">
-                <a:ln>
-                  <a:noFill/>
-                </a:ln>
-                <a:solidFill>
-                  <a:srgbClr val="CC7832"/>
-                </a:solidFill>
-                <a:effectLst/>
-                <a:latin typeface="Arial Unicode MS" panose="020B0604020202020204" pitchFamily="34" charset="-120"/>
-                <a:ea typeface="JetBrains Mono"/>
-              </a:rPr>
-            </a:br>
-            <a:r>
-              <a:rPr kumimoji="0" lang="zh-TW" altLang="zh-TW" sz="1200" b="0" i="0" u="none" strike="noStrike" cap="none" normalizeH="0" baseline="0" dirty="0">
-                <a:ln>
-                  <a:noFill/>
-                </a:ln>
-                <a:solidFill>
-                  <a:srgbClr val="CC7832"/>
-                </a:solidFill>
-                <a:effectLst/>
-                <a:latin typeface="Arial Unicode MS" panose="020B0604020202020204" pitchFamily="34" charset="-120"/>
-                <a:ea typeface="JetBrains Mono"/>
-              </a:rPr>
-              <a:t>        </a:t>
-            </a:r>
-            <a:r>
-              <a:rPr kumimoji="0" lang="zh-TW" altLang="zh-TW" sz="1200" b="0" i="0" u="none" strike="noStrike" cap="none" normalizeH="0" baseline="0" dirty="0">
-                <a:ln>
-                  <a:noFill/>
-                </a:ln>
-                <a:solidFill>
-                  <a:srgbClr val="A9B7C6"/>
-                </a:solidFill>
-                <a:effectLst/>
-                <a:latin typeface="Arial Unicode MS" panose="020B0604020202020204" pitchFamily="34" charset="-120"/>
-                <a:ea typeface="JetBrains Mono"/>
-              </a:rPr>
-              <a:t>}</a:t>
-            </a:r>
-            <a:br>
-              <a:rPr kumimoji="0" lang="zh-TW" altLang="zh-TW" sz="1200" b="0" i="0" u="none" strike="noStrike" cap="none" normalizeH="0" baseline="0" dirty="0">
-                <a:ln>
-                  <a:noFill/>
-                </a:ln>
-                <a:solidFill>
-                  <a:srgbClr val="A9B7C6"/>
-                </a:solidFill>
-                <a:effectLst/>
-                <a:latin typeface="Arial Unicode MS" panose="020B0604020202020204" pitchFamily="34" charset="-120"/>
-                <a:ea typeface="JetBrains Mono"/>
-              </a:rPr>
-            </a:br>
-            <a:br>
-              <a:rPr kumimoji="0" lang="zh-TW" altLang="zh-TW" sz="1200" b="0" i="0" u="none" strike="noStrike" cap="none" normalizeH="0" baseline="0" dirty="0">
-                <a:ln>
-                  <a:noFill/>
-                </a:ln>
-                <a:solidFill>
-                  <a:srgbClr val="A9B7C6"/>
-                </a:solidFill>
-                <a:effectLst/>
-                <a:latin typeface="Arial Unicode MS" panose="020B0604020202020204" pitchFamily="34" charset="-120"/>
-                <a:ea typeface="JetBrains Mono"/>
-              </a:rPr>
-            </a:br>
-            <a:r>
-              <a:rPr kumimoji="0" lang="zh-TW" altLang="zh-TW" sz="1200" b="0" i="0" u="none" strike="noStrike" cap="none" normalizeH="0" baseline="0" dirty="0">
-                <a:ln>
-                  <a:noFill/>
-                </a:ln>
-                <a:solidFill>
-                  <a:srgbClr val="A9B7C6"/>
-                </a:solidFill>
-                <a:effectLst/>
-                <a:latin typeface="Arial Unicode MS" panose="020B0604020202020204" pitchFamily="34" charset="-120"/>
-                <a:ea typeface="JetBrains Mono"/>
-              </a:rPr>
-              <a:t>        </a:t>
-            </a:r>
-            <a:r>
-              <a:rPr kumimoji="0" lang="zh-TW" altLang="zh-TW" sz="1200" b="0" i="0" u="none" strike="noStrike" cap="none" normalizeH="0" baseline="0" dirty="0">
-                <a:ln>
-                  <a:noFill/>
-                </a:ln>
-                <a:solidFill>
-                  <a:srgbClr val="CC7832"/>
-                </a:solidFill>
-                <a:effectLst/>
-                <a:latin typeface="Arial Unicode MS" panose="020B0604020202020204" pitchFamily="34" charset="-120"/>
-                <a:ea typeface="JetBrains Mono"/>
-              </a:rPr>
-              <a:t>private </a:t>
-            </a:r>
-            <a:r>
-              <a:rPr kumimoji="0" lang="zh-TW" altLang="zh-TW" sz="1200" b="0" i="0" u="none" strike="noStrike" cap="none" normalizeH="0" baseline="0" dirty="0">
-                <a:ln>
-                  <a:noFill/>
-                </a:ln>
-                <a:solidFill>
-                  <a:srgbClr val="A9B7C6"/>
-                </a:solidFill>
-                <a:effectLst/>
-                <a:latin typeface="Arial Unicode MS" panose="020B0604020202020204" pitchFamily="34" charset="-120"/>
-                <a:ea typeface="JetBrains Mono"/>
-              </a:rPr>
-              <a:t>&lt;</a:t>
-            </a:r>
-            <a:r>
-              <a:rPr kumimoji="0" lang="zh-TW" altLang="zh-TW" sz="1200" b="0" i="0" u="none" strike="noStrike" cap="none" normalizeH="0" baseline="0" dirty="0">
-                <a:ln>
-                  <a:noFill/>
-                </a:ln>
-                <a:solidFill>
-                  <a:srgbClr val="507874"/>
-                </a:solidFill>
-                <a:effectLst/>
-                <a:latin typeface="Arial Unicode MS" panose="020B0604020202020204" pitchFamily="34" charset="-120"/>
-                <a:ea typeface="JetBrains Mono"/>
-              </a:rPr>
-              <a:t>T </a:t>
-            </a:r>
-            <a:r>
-              <a:rPr kumimoji="0" lang="zh-TW" altLang="zh-TW" sz="1200" b="0" i="0" u="none" strike="noStrike" cap="none" normalizeH="0" baseline="0" dirty="0">
-                <a:ln>
-                  <a:noFill/>
-                </a:ln>
-                <a:solidFill>
-                  <a:srgbClr val="CC7832"/>
-                </a:solidFill>
-                <a:effectLst/>
-                <a:latin typeface="Arial Unicode MS" panose="020B0604020202020204" pitchFamily="34" charset="-120"/>
-                <a:ea typeface="JetBrains Mono"/>
-              </a:rPr>
-              <a:t>extends </a:t>
-            </a:r>
-            <a:r>
-              <a:rPr kumimoji="0" lang="zh-TW" altLang="zh-TW" sz="1200" b="0" i="0" u="none" strike="noStrike" cap="none" normalizeH="0" baseline="0" dirty="0">
-                <a:ln>
-                  <a:noFill/>
-                </a:ln>
-                <a:solidFill>
-                  <a:srgbClr val="A9B7C6"/>
-                </a:solidFill>
-                <a:effectLst/>
-                <a:latin typeface="Arial Unicode MS" panose="020B0604020202020204" pitchFamily="34" charset="-120"/>
-                <a:ea typeface="JetBrains Mono"/>
-              </a:rPr>
-              <a:t>RequestMappingInfoHandlerMapping&gt; </a:t>
-            </a:r>
-            <a:r>
-              <a:rPr kumimoji="0" lang="zh-TW" altLang="zh-TW" sz="1200" b="0" i="0" u="none" strike="noStrike" cap="none" normalizeH="0" baseline="0" dirty="0">
-                <a:ln>
-                  <a:noFill/>
-                </a:ln>
-                <a:solidFill>
-                  <a:srgbClr val="CC7832"/>
-                </a:solidFill>
-                <a:effectLst/>
-                <a:latin typeface="Arial Unicode MS" panose="020B0604020202020204" pitchFamily="34" charset="-120"/>
-                <a:ea typeface="JetBrains Mono"/>
-              </a:rPr>
-              <a:t>void </a:t>
-            </a:r>
-            <a:r>
-              <a:rPr kumimoji="0" lang="zh-TW" altLang="zh-TW" sz="1200" b="0" i="0" u="none" strike="noStrike" cap="none" normalizeH="0" baseline="0" dirty="0">
-                <a:ln>
-                  <a:noFill/>
-                </a:ln>
-                <a:solidFill>
-                  <a:srgbClr val="FFC66D"/>
-                </a:solidFill>
-                <a:effectLst/>
-                <a:latin typeface="Arial Unicode MS" panose="020B0604020202020204" pitchFamily="34" charset="-120"/>
-                <a:ea typeface="JetBrains Mono"/>
-              </a:rPr>
-              <a:t>customizeSpringfoxHandlerMappings</a:t>
-            </a:r>
-            <a:r>
-              <a:rPr kumimoji="0" lang="zh-TW" altLang="zh-TW" sz="1200" b="0" i="0" u="none" strike="noStrike" cap="none" normalizeH="0" baseline="0" dirty="0">
-                <a:ln>
-                  <a:noFill/>
-                </a:ln>
-                <a:solidFill>
-                  <a:srgbClr val="A9B7C6"/>
-                </a:solidFill>
-                <a:effectLst/>
-                <a:latin typeface="Arial Unicode MS" panose="020B0604020202020204" pitchFamily="34" charset="-120"/>
-                <a:ea typeface="JetBrains Mono"/>
-              </a:rPr>
-              <a:t>(List&lt;</a:t>
-            </a:r>
-            <a:r>
-              <a:rPr kumimoji="0" lang="zh-TW" altLang="zh-TW" sz="1200" b="0" i="0" u="none" strike="noStrike" cap="none" normalizeH="0" baseline="0" dirty="0">
-                <a:ln>
-                  <a:noFill/>
-                </a:ln>
-                <a:solidFill>
-                  <a:srgbClr val="507874"/>
-                </a:solidFill>
-                <a:effectLst/>
-                <a:latin typeface="Arial Unicode MS" panose="020B0604020202020204" pitchFamily="34" charset="-120"/>
-                <a:ea typeface="JetBrains Mono"/>
-              </a:rPr>
-              <a:t>T</a:t>
-            </a:r>
-            <a:r>
-              <a:rPr kumimoji="0" lang="zh-TW" altLang="zh-TW" sz="1200" b="0" i="0" u="none" strike="noStrike" cap="none" normalizeH="0" baseline="0" dirty="0">
-                <a:ln>
-                  <a:noFill/>
-                </a:ln>
-                <a:solidFill>
-                  <a:srgbClr val="A9B7C6"/>
-                </a:solidFill>
-                <a:effectLst/>
-                <a:latin typeface="Arial Unicode MS" panose="020B0604020202020204" pitchFamily="34" charset="-120"/>
-                <a:ea typeface="JetBrains Mono"/>
-              </a:rPr>
-              <a:t>&gt; mappings) {</a:t>
-            </a:r>
-            <a:br>
-              <a:rPr kumimoji="0" lang="zh-TW" altLang="zh-TW" sz="1200" b="0" i="0" u="none" strike="noStrike" cap="none" normalizeH="0" baseline="0" dirty="0">
-                <a:ln>
-                  <a:noFill/>
-                </a:ln>
-                <a:solidFill>
-                  <a:srgbClr val="A9B7C6"/>
-                </a:solidFill>
-                <a:effectLst/>
-                <a:latin typeface="Arial Unicode MS" panose="020B0604020202020204" pitchFamily="34" charset="-120"/>
-                <a:ea typeface="JetBrains Mono"/>
-              </a:rPr>
-            </a:br>
-            <a:r>
-              <a:rPr kumimoji="0" lang="zh-TW" altLang="zh-TW" sz="1200" b="0" i="0" u="none" strike="noStrike" cap="none" normalizeH="0" baseline="0" dirty="0">
-                <a:ln>
-                  <a:noFill/>
-                </a:ln>
-                <a:solidFill>
-                  <a:srgbClr val="A9B7C6"/>
-                </a:solidFill>
-                <a:effectLst/>
-                <a:latin typeface="Arial Unicode MS" panose="020B0604020202020204" pitchFamily="34" charset="-120"/>
-                <a:ea typeface="JetBrains Mono"/>
-              </a:rPr>
-              <a:t>            List&lt;</a:t>
-            </a:r>
-            <a:r>
-              <a:rPr kumimoji="0" lang="zh-TW" altLang="zh-TW" sz="1200" b="0" i="0" u="none" strike="noStrike" cap="none" normalizeH="0" baseline="0" dirty="0">
-                <a:ln>
-                  <a:noFill/>
-                </a:ln>
-                <a:solidFill>
-                  <a:srgbClr val="507874"/>
-                </a:solidFill>
-                <a:effectLst/>
-                <a:latin typeface="Arial Unicode MS" panose="020B0604020202020204" pitchFamily="34" charset="-120"/>
-                <a:ea typeface="JetBrains Mono"/>
-              </a:rPr>
-              <a:t>T</a:t>
-            </a:r>
-            <a:r>
-              <a:rPr kumimoji="0" lang="zh-TW" altLang="zh-TW" sz="1200" b="0" i="0" u="none" strike="noStrike" cap="none" normalizeH="0" baseline="0" dirty="0">
-                <a:ln>
-                  <a:noFill/>
-                </a:ln>
-                <a:solidFill>
-                  <a:srgbClr val="A9B7C6"/>
-                </a:solidFill>
-                <a:effectLst/>
-                <a:latin typeface="Arial Unicode MS" panose="020B0604020202020204" pitchFamily="34" charset="-120"/>
-                <a:ea typeface="JetBrains Mono"/>
-              </a:rPr>
-              <a:t>&gt; copy = mappings.stream()</a:t>
-            </a:r>
-            <a:br>
-              <a:rPr kumimoji="0" lang="zh-TW" altLang="zh-TW" sz="1200" b="0" i="0" u="none" strike="noStrike" cap="none" normalizeH="0" baseline="0" dirty="0">
-                <a:ln>
-                  <a:noFill/>
-                </a:ln>
-                <a:solidFill>
-                  <a:srgbClr val="A9B7C6"/>
-                </a:solidFill>
-                <a:effectLst/>
-                <a:latin typeface="Arial Unicode MS" panose="020B0604020202020204" pitchFamily="34" charset="-120"/>
-                <a:ea typeface="JetBrains Mono"/>
-              </a:rPr>
-            </a:br>
-            <a:r>
-              <a:rPr kumimoji="0" lang="zh-TW" altLang="zh-TW" sz="1200" b="0" i="0" u="none" strike="noStrike" cap="none" normalizeH="0" baseline="0" dirty="0">
-                <a:ln>
-                  <a:noFill/>
-                </a:ln>
-                <a:solidFill>
-                  <a:srgbClr val="A9B7C6"/>
-                </a:solidFill>
-                <a:effectLst/>
-                <a:latin typeface="Arial Unicode MS" panose="020B0604020202020204" pitchFamily="34" charset="-120"/>
-                <a:ea typeface="JetBrains Mono"/>
-              </a:rPr>
-              <a:t>                    .filter(mapping -&gt; mapping.getPatternParser() == </a:t>
-            </a:r>
-            <a:r>
-              <a:rPr kumimoji="0" lang="zh-TW" altLang="zh-TW" sz="1200" b="0" i="0" u="none" strike="noStrike" cap="none" normalizeH="0" baseline="0" dirty="0">
-                <a:ln>
-                  <a:noFill/>
-                </a:ln>
-                <a:solidFill>
-                  <a:srgbClr val="CC7832"/>
-                </a:solidFill>
-                <a:effectLst/>
-                <a:latin typeface="Arial Unicode MS" panose="020B0604020202020204" pitchFamily="34" charset="-120"/>
-                <a:ea typeface="JetBrains Mono"/>
-              </a:rPr>
-              <a:t>null</a:t>
-            </a:r>
-            <a:r>
-              <a:rPr kumimoji="0" lang="zh-TW" altLang="zh-TW" sz="1200" b="0" i="0" u="none" strike="noStrike" cap="none" normalizeH="0" baseline="0" dirty="0">
-                <a:ln>
-                  <a:noFill/>
-                </a:ln>
-                <a:solidFill>
-                  <a:srgbClr val="A9B7C6"/>
-                </a:solidFill>
-                <a:effectLst/>
-                <a:latin typeface="Arial Unicode MS" panose="020B0604020202020204" pitchFamily="34" charset="-120"/>
-                <a:ea typeface="JetBrains Mono"/>
-              </a:rPr>
-              <a:t>)</a:t>
-            </a:r>
-            <a:br>
-              <a:rPr kumimoji="0" lang="zh-TW" altLang="zh-TW" sz="1200" b="0" i="0" u="none" strike="noStrike" cap="none" normalizeH="0" baseline="0" dirty="0">
-                <a:ln>
-                  <a:noFill/>
-                </a:ln>
-                <a:solidFill>
-                  <a:srgbClr val="A9B7C6"/>
-                </a:solidFill>
-                <a:effectLst/>
-                <a:latin typeface="Arial Unicode MS" panose="020B0604020202020204" pitchFamily="34" charset="-120"/>
-                <a:ea typeface="JetBrains Mono"/>
-              </a:rPr>
-            </a:br>
-            <a:r>
-              <a:rPr kumimoji="0" lang="zh-TW" altLang="zh-TW" sz="1200" b="0" i="0" u="none" strike="noStrike" cap="none" normalizeH="0" baseline="0" dirty="0">
-                <a:ln>
-                  <a:noFill/>
-                </a:ln>
-                <a:solidFill>
-                  <a:srgbClr val="A9B7C6"/>
-                </a:solidFill>
-                <a:effectLst/>
-                <a:latin typeface="Arial Unicode MS" panose="020B0604020202020204" pitchFamily="34" charset="-120"/>
-                <a:ea typeface="JetBrains Mono"/>
-              </a:rPr>
-              <a:t>                    .collect(Collectors.</a:t>
-            </a:r>
-            <a:r>
-              <a:rPr kumimoji="0" lang="zh-TW" altLang="zh-TW" sz="1200" b="0" i="1" u="none" strike="noStrike" cap="none" normalizeH="0" baseline="0" dirty="0">
-                <a:ln>
-                  <a:noFill/>
-                </a:ln>
-                <a:solidFill>
-                  <a:srgbClr val="A9B7C6"/>
-                </a:solidFill>
-                <a:effectLst/>
-                <a:latin typeface="Arial Unicode MS" panose="020B0604020202020204" pitchFamily="34" charset="-120"/>
-                <a:ea typeface="JetBrains Mono"/>
-              </a:rPr>
-              <a:t>toList</a:t>
-            </a:r>
-            <a:r>
-              <a:rPr kumimoji="0" lang="zh-TW" altLang="zh-TW" sz="1200" b="0" i="0" u="none" strike="noStrike" cap="none" normalizeH="0" baseline="0" dirty="0">
-                <a:ln>
-                  <a:noFill/>
-                </a:ln>
-                <a:solidFill>
-                  <a:srgbClr val="A9B7C6"/>
-                </a:solidFill>
-                <a:effectLst/>
-                <a:latin typeface="Arial Unicode MS" panose="020B0604020202020204" pitchFamily="34" charset="-120"/>
-                <a:ea typeface="JetBrains Mono"/>
-              </a:rPr>
-              <a:t>())</a:t>
-            </a:r>
-            <a:r>
-              <a:rPr kumimoji="0" lang="zh-TW" altLang="zh-TW" sz="1200" b="0" i="0" u="none" strike="noStrike" cap="none" normalizeH="0" baseline="0" dirty="0">
-                <a:ln>
-                  <a:noFill/>
-                </a:ln>
-                <a:solidFill>
-                  <a:srgbClr val="CC7832"/>
-                </a:solidFill>
-                <a:effectLst/>
-                <a:latin typeface="Arial Unicode MS" panose="020B0604020202020204" pitchFamily="34" charset="-120"/>
-                <a:ea typeface="JetBrains Mono"/>
-              </a:rPr>
-              <a:t>;</a:t>
-            </a:r>
-            <a:br>
-              <a:rPr kumimoji="0" lang="zh-TW" altLang="zh-TW" sz="1200" b="0" i="0" u="none" strike="noStrike" cap="none" normalizeH="0" baseline="0" dirty="0">
-                <a:ln>
-                  <a:noFill/>
-                </a:ln>
-                <a:solidFill>
-                  <a:srgbClr val="CC7832"/>
-                </a:solidFill>
-                <a:effectLst/>
-                <a:latin typeface="Arial Unicode MS" panose="020B0604020202020204" pitchFamily="34" charset="-120"/>
-                <a:ea typeface="JetBrains Mono"/>
-              </a:rPr>
-            </a:br>
-            <a:r>
-              <a:rPr kumimoji="0" lang="zh-TW" altLang="zh-TW" sz="1200" b="0" i="0" u="none" strike="noStrike" cap="none" normalizeH="0" baseline="0" dirty="0">
-                <a:ln>
-                  <a:noFill/>
-                </a:ln>
-                <a:solidFill>
-                  <a:srgbClr val="CC7832"/>
-                </a:solidFill>
-                <a:effectLst/>
-                <a:latin typeface="Arial Unicode MS" panose="020B0604020202020204" pitchFamily="34" charset="-120"/>
-                <a:ea typeface="JetBrains Mono"/>
-              </a:rPr>
-              <a:t>            </a:t>
-            </a:r>
-            <a:r>
-              <a:rPr kumimoji="0" lang="zh-TW" altLang="zh-TW" sz="1200" b="0" i="0" u="none" strike="noStrike" cap="none" normalizeH="0" baseline="0" dirty="0">
-                <a:ln>
-                  <a:noFill/>
-                </a:ln>
-                <a:solidFill>
-                  <a:srgbClr val="A9B7C6"/>
-                </a:solidFill>
-                <a:effectLst/>
-                <a:latin typeface="Arial Unicode MS" panose="020B0604020202020204" pitchFamily="34" charset="-120"/>
-                <a:ea typeface="JetBrains Mono"/>
-              </a:rPr>
-              <a:t>mappings.clear()</a:t>
-            </a:r>
-            <a:r>
-              <a:rPr kumimoji="0" lang="zh-TW" altLang="zh-TW" sz="1200" b="0" i="0" u="none" strike="noStrike" cap="none" normalizeH="0" baseline="0" dirty="0">
-                <a:ln>
-                  <a:noFill/>
-                </a:ln>
-                <a:solidFill>
-                  <a:srgbClr val="CC7832"/>
-                </a:solidFill>
-                <a:effectLst/>
-                <a:latin typeface="Arial Unicode MS" panose="020B0604020202020204" pitchFamily="34" charset="-120"/>
-                <a:ea typeface="JetBrains Mono"/>
-              </a:rPr>
-              <a:t>;</a:t>
-            </a:r>
-            <a:br>
-              <a:rPr kumimoji="0" lang="zh-TW" altLang="zh-TW" sz="1200" b="0" i="0" u="none" strike="noStrike" cap="none" normalizeH="0" baseline="0" dirty="0">
-                <a:ln>
-                  <a:noFill/>
-                </a:ln>
-                <a:solidFill>
-                  <a:srgbClr val="CC7832"/>
-                </a:solidFill>
-                <a:effectLst/>
-                <a:latin typeface="Arial Unicode MS" panose="020B0604020202020204" pitchFamily="34" charset="-120"/>
-                <a:ea typeface="JetBrains Mono"/>
-              </a:rPr>
-            </a:br>
-            <a:r>
-              <a:rPr kumimoji="0" lang="zh-TW" altLang="zh-TW" sz="1200" b="0" i="0" u="none" strike="noStrike" cap="none" normalizeH="0" baseline="0" dirty="0">
-                <a:ln>
-                  <a:noFill/>
-                </a:ln>
-                <a:solidFill>
-                  <a:srgbClr val="CC7832"/>
-                </a:solidFill>
-                <a:effectLst/>
-                <a:latin typeface="Arial Unicode MS" panose="020B0604020202020204" pitchFamily="34" charset="-120"/>
-                <a:ea typeface="JetBrains Mono"/>
-              </a:rPr>
-              <a:t>            </a:t>
-            </a:r>
-            <a:r>
-              <a:rPr kumimoji="0" lang="zh-TW" altLang="zh-TW" sz="1200" b="0" i="0" u="none" strike="noStrike" cap="none" normalizeH="0" baseline="0" dirty="0">
-                <a:ln>
-                  <a:noFill/>
-                </a:ln>
-                <a:solidFill>
-                  <a:srgbClr val="A9B7C6"/>
-                </a:solidFill>
-                <a:effectLst/>
-                <a:latin typeface="Arial Unicode MS" panose="020B0604020202020204" pitchFamily="34" charset="-120"/>
-                <a:ea typeface="JetBrains Mono"/>
-              </a:rPr>
-              <a:t>mappings.addAll(copy)</a:t>
-            </a:r>
-            <a:r>
-              <a:rPr kumimoji="0" lang="zh-TW" altLang="zh-TW" sz="1200" b="0" i="0" u="none" strike="noStrike" cap="none" normalizeH="0" baseline="0" dirty="0">
-                <a:ln>
-                  <a:noFill/>
-                </a:ln>
-                <a:solidFill>
-                  <a:srgbClr val="CC7832"/>
-                </a:solidFill>
-                <a:effectLst/>
-                <a:latin typeface="Arial Unicode MS" panose="020B0604020202020204" pitchFamily="34" charset="-120"/>
-                <a:ea typeface="JetBrains Mono"/>
-              </a:rPr>
-              <a:t>;</a:t>
-            </a:r>
-            <a:br>
-              <a:rPr kumimoji="0" lang="zh-TW" altLang="zh-TW" sz="1200" b="0" i="0" u="none" strike="noStrike" cap="none" normalizeH="0" baseline="0" dirty="0">
-                <a:ln>
-                  <a:noFill/>
-                </a:ln>
-                <a:solidFill>
-                  <a:srgbClr val="CC7832"/>
-                </a:solidFill>
-                <a:effectLst/>
-                <a:latin typeface="Arial Unicode MS" panose="020B0604020202020204" pitchFamily="34" charset="-120"/>
-                <a:ea typeface="JetBrains Mono"/>
-              </a:rPr>
-            </a:br>
-            <a:r>
-              <a:rPr kumimoji="0" lang="zh-TW" altLang="zh-TW" sz="1200" b="0" i="0" u="none" strike="noStrike" cap="none" normalizeH="0" baseline="0" dirty="0">
-                <a:ln>
-                  <a:noFill/>
-                </a:ln>
-                <a:solidFill>
-                  <a:srgbClr val="CC7832"/>
-                </a:solidFill>
-                <a:effectLst/>
-                <a:latin typeface="Arial Unicode MS" panose="020B0604020202020204" pitchFamily="34" charset="-120"/>
-                <a:ea typeface="JetBrains Mono"/>
-              </a:rPr>
-              <a:t>        </a:t>
-            </a:r>
-            <a:r>
-              <a:rPr kumimoji="0" lang="zh-TW" altLang="zh-TW" sz="1200" b="0" i="0" u="none" strike="noStrike" cap="none" normalizeH="0" baseline="0" dirty="0">
-                <a:ln>
-                  <a:noFill/>
-                </a:ln>
-                <a:solidFill>
-                  <a:srgbClr val="A9B7C6"/>
-                </a:solidFill>
-                <a:effectLst/>
-                <a:latin typeface="Arial Unicode MS" panose="020B0604020202020204" pitchFamily="34" charset="-120"/>
-                <a:ea typeface="JetBrains Mono"/>
-              </a:rPr>
-              <a:t>}</a:t>
-            </a:r>
-            <a:br>
-              <a:rPr kumimoji="0" lang="zh-TW" altLang="zh-TW" sz="1200" b="0" i="0" u="none" strike="noStrike" cap="none" normalizeH="0" baseline="0" dirty="0">
-                <a:ln>
-                  <a:noFill/>
-                </a:ln>
-                <a:solidFill>
-                  <a:srgbClr val="A9B7C6"/>
-                </a:solidFill>
-                <a:effectLst/>
-                <a:latin typeface="Arial Unicode MS" panose="020B0604020202020204" pitchFamily="34" charset="-120"/>
-                <a:ea typeface="JetBrains Mono"/>
-              </a:rPr>
-            </a:br>
-            <a:br>
-              <a:rPr kumimoji="0" lang="zh-TW" altLang="zh-TW" sz="1200" b="0" i="0" u="none" strike="noStrike" cap="none" normalizeH="0" baseline="0" dirty="0">
-                <a:ln>
-                  <a:noFill/>
-                </a:ln>
-                <a:solidFill>
-                  <a:srgbClr val="A9B7C6"/>
-                </a:solidFill>
-                <a:effectLst/>
-                <a:latin typeface="Arial Unicode MS" panose="020B0604020202020204" pitchFamily="34" charset="-120"/>
-                <a:ea typeface="JetBrains Mono"/>
-              </a:rPr>
-            </a:br>
-            <a:r>
-              <a:rPr kumimoji="0" lang="zh-TW" altLang="zh-TW" sz="1200" b="0" i="0" u="none" strike="noStrike" cap="none" normalizeH="0" baseline="0" dirty="0">
-                <a:ln>
-                  <a:noFill/>
-                </a:ln>
-                <a:solidFill>
-                  <a:srgbClr val="A9B7C6"/>
-                </a:solidFill>
-                <a:effectLst/>
-                <a:latin typeface="Arial Unicode MS" panose="020B0604020202020204" pitchFamily="34" charset="-120"/>
-                <a:ea typeface="JetBrains Mono"/>
-              </a:rPr>
-              <a:t>        </a:t>
-            </a:r>
-            <a:r>
-              <a:rPr kumimoji="0" lang="zh-TW" altLang="zh-TW" sz="1200" b="0" i="0" u="none" strike="noStrike" cap="none" normalizeH="0" baseline="0" dirty="0">
-                <a:ln>
-                  <a:noFill/>
-                </a:ln>
-                <a:solidFill>
-                  <a:srgbClr val="BBB529"/>
-                </a:solidFill>
-                <a:effectLst/>
-                <a:latin typeface="Arial Unicode MS" panose="020B0604020202020204" pitchFamily="34" charset="-120"/>
-                <a:ea typeface="JetBrains Mono"/>
-              </a:rPr>
-              <a:t>@SuppressWarnings</a:t>
-            </a:r>
-            <a:r>
-              <a:rPr kumimoji="0" lang="zh-TW" altLang="zh-TW" sz="1200" b="0" i="0" u="none" strike="noStrike" cap="none" normalizeH="0" baseline="0" dirty="0">
-                <a:ln>
-                  <a:noFill/>
-                </a:ln>
-                <a:solidFill>
-                  <a:srgbClr val="A9B7C6"/>
-                </a:solidFill>
-                <a:effectLst/>
-                <a:latin typeface="Arial Unicode MS" panose="020B0604020202020204" pitchFamily="34" charset="-120"/>
-                <a:ea typeface="JetBrains Mono"/>
-              </a:rPr>
-              <a:t>(</a:t>
-            </a:r>
-            <a:r>
-              <a:rPr kumimoji="0" lang="zh-TW" altLang="zh-TW" sz="1200" b="0" i="0" u="none" strike="noStrike" cap="none" normalizeH="0" baseline="0" dirty="0">
-                <a:ln>
-                  <a:noFill/>
-                </a:ln>
-                <a:solidFill>
-                  <a:srgbClr val="6A8759"/>
-                </a:solidFill>
-                <a:effectLst/>
-                <a:latin typeface="Arial Unicode MS" panose="020B0604020202020204" pitchFamily="34" charset="-120"/>
-                <a:ea typeface="JetBrains Mono"/>
-              </a:rPr>
-              <a:t>"unchecked"</a:t>
-            </a:r>
-            <a:r>
-              <a:rPr kumimoji="0" lang="zh-TW" altLang="zh-TW" sz="1200" b="0" i="0" u="none" strike="noStrike" cap="none" normalizeH="0" baseline="0" dirty="0">
-                <a:ln>
-                  <a:noFill/>
-                </a:ln>
-                <a:solidFill>
-                  <a:srgbClr val="A9B7C6"/>
-                </a:solidFill>
-                <a:effectLst/>
-                <a:latin typeface="Arial Unicode MS" panose="020B0604020202020204" pitchFamily="34" charset="-120"/>
-                <a:ea typeface="JetBrains Mono"/>
-              </a:rPr>
-              <a:t>)</a:t>
-            </a:r>
-            <a:br>
-              <a:rPr kumimoji="0" lang="zh-TW" altLang="zh-TW" sz="1200" b="0" i="0" u="none" strike="noStrike" cap="none" normalizeH="0" baseline="0" dirty="0">
-                <a:ln>
-                  <a:noFill/>
-                </a:ln>
-                <a:solidFill>
-                  <a:srgbClr val="A9B7C6"/>
-                </a:solidFill>
-                <a:effectLst/>
-                <a:latin typeface="Arial Unicode MS" panose="020B0604020202020204" pitchFamily="34" charset="-120"/>
-                <a:ea typeface="JetBrains Mono"/>
-              </a:rPr>
-            </a:br>
-            <a:r>
-              <a:rPr kumimoji="0" lang="zh-TW" altLang="zh-TW" sz="1200" b="0" i="0" u="none" strike="noStrike" cap="none" normalizeH="0" baseline="0" dirty="0">
-                <a:ln>
-                  <a:noFill/>
-                </a:ln>
-                <a:solidFill>
-                  <a:srgbClr val="A9B7C6"/>
-                </a:solidFill>
-                <a:effectLst/>
-                <a:latin typeface="Arial Unicode MS" panose="020B0604020202020204" pitchFamily="34" charset="-120"/>
-                <a:ea typeface="JetBrains Mono"/>
-              </a:rPr>
-              <a:t>        </a:t>
-            </a:r>
-            <a:r>
-              <a:rPr kumimoji="0" lang="zh-TW" altLang="zh-TW" sz="1200" b="0" i="0" u="none" strike="noStrike" cap="none" normalizeH="0" baseline="0" dirty="0">
-                <a:ln>
-                  <a:noFill/>
-                </a:ln>
-                <a:solidFill>
-                  <a:srgbClr val="CC7832"/>
-                </a:solidFill>
-                <a:effectLst/>
-                <a:latin typeface="Arial Unicode MS" panose="020B0604020202020204" pitchFamily="34" charset="-120"/>
-                <a:ea typeface="JetBrains Mono"/>
-              </a:rPr>
-              <a:t>private </a:t>
-            </a:r>
-            <a:r>
-              <a:rPr kumimoji="0" lang="zh-TW" altLang="zh-TW" sz="1200" b="0" i="0" u="none" strike="noStrike" cap="none" normalizeH="0" baseline="0" dirty="0">
-                <a:ln>
-                  <a:noFill/>
-                </a:ln>
-                <a:solidFill>
-                  <a:srgbClr val="A9B7C6"/>
-                </a:solidFill>
-                <a:effectLst/>
-                <a:latin typeface="Arial Unicode MS" panose="020B0604020202020204" pitchFamily="34" charset="-120"/>
-                <a:ea typeface="JetBrains Mono"/>
-              </a:rPr>
-              <a:t>List&lt;RequestMappingInfoHandlerMapping&gt; </a:t>
-            </a:r>
-            <a:r>
-              <a:rPr kumimoji="0" lang="zh-TW" altLang="zh-TW" sz="1200" b="0" i="0" u="none" strike="noStrike" cap="none" normalizeH="0" baseline="0" dirty="0">
-                <a:ln>
-                  <a:noFill/>
-                </a:ln>
-                <a:solidFill>
-                  <a:srgbClr val="FFC66D"/>
-                </a:solidFill>
-                <a:effectLst/>
-                <a:latin typeface="Arial Unicode MS" panose="020B0604020202020204" pitchFamily="34" charset="-120"/>
-                <a:ea typeface="JetBrains Mono"/>
-              </a:rPr>
-              <a:t>getHandlerMappings</a:t>
-            </a:r>
-            <a:r>
-              <a:rPr kumimoji="0" lang="zh-TW" altLang="zh-TW" sz="1200" b="0" i="0" u="none" strike="noStrike" cap="none" normalizeH="0" baseline="0" dirty="0">
-                <a:ln>
-                  <a:noFill/>
-                </a:ln>
-                <a:solidFill>
-                  <a:srgbClr val="A9B7C6"/>
-                </a:solidFill>
-                <a:effectLst/>
-                <a:latin typeface="Arial Unicode MS" panose="020B0604020202020204" pitchFamily="34" charset="-120"/>
-                <a:ea typeface="JetBrains Mono"/>
-              </a:rPr>
-              <a:t>(Object bean) {</a:t>
-            </a:r>
-            <a:br>
-              <a:rPr kumimoji="0" lang="zh-TW" altLang="zh-TW" sz="1200" b="0" i="0" u="none" strike="noStrike" cap="none" normalizeH="0" baseline="0" dirty="0">
-                <a:ln>
-                  <a:noFill/>
-                </a:ln>
-                <a:solidFill>
-                  <a:srgbClr val="A9B7C6"/>
-                </a:solidFill>
-                <a:effectLst/>
-                <a:latin typeface="Arial Unicode MS" panose="020B0604020202020204" pitchFamily="34" charset="-120"/>
-                <a:ea typeface="JetBrains Mono"/>
-              </a:rPr>
-            </a:br>
-            <a:r>
-              <a:rPr kumimoji="0" lang="zh-TW" altLang="zh-TW" sz="1200" b="0" i="0" u="none" strike="noStrike" cap="none" normalizeH="0" baseline="0" dirty="0">
-                <a:ln>
-                  <a:noFill/>
-                </a:ln>
-                <a:solidFill>
-                  <a:srgbClr val="A9B7C6"/>
-                </a:solidFill>
-                <a:effectLst/>
-                <a:latin typeface="Arial Unicode MS" panose="020B0604020202020204" pitchFamily="34" charset="-120"/>
-                <a:ea typeface="JetBrains Mono"/>
-              </a:rPr>
-              <a:t>            </a:t>
-            </a:r>
-            <a:r>
-              <a:rPr kumimoji="0" lang="zh-TW" altLang="zh-TW" sz="1200" b="0" i="0" u="none" strike="noStrike" cap="none" normalizeH="0" baseline="0" dirty="0">
-                <a:ln>
-                  <a:noFill/>
-                </a:ln>
-                <a:solidFill>
-                  <a:srgbClr val="CC7832"/>
-                </a:solidFill>
-                <a:effectLst/>
-                <a:latin typeface="Arial Unicode MS" panose="020B0604020202020204" pitchFamily="34" charset="-120"/>
-                <a:ea typeface="JetBrains Mono"/>
-              </a:rPr>
-              <a:t>try </a:t>
-            </a:r>
-            <a:r>
-              <a:rPr kumimoji="0" lang="zh-TW" altLang="zh-TW" sz="1200" b="0" i="0" u="none" strike="noStrike" cap="none" normalizeH="0" baseline="0" dirty="0">
-                <a:ln>
-                  <a:noFill/>
-                </a:ln>
-                <a:solidFill>
-                  <a:srgbClr val="A9B7C6"/>
-                </a:solidFill>
-                <a:effectLst/>
-                <a:latin typeface="Arial Unicode MS" panose="020B0604020202020204" pitchFamily="34" charset="-120"/>
-                <a:ea typeface="JetBrains Mono"/>
-              </a:rPr>
-              <a:t>{</a:t>
-            </a:r>
-            <a:br>
-              <a:rPr kumimoji="0" lang="zh-TW" altLang="zh-TW" sz="1200" b="0" i="0" u="none" strike="noStrike" cap="none" normalizeH="0" baseline="0" dirty="0">
-                <a:ln>
-                  <a:noFill/>
-                </a:ln>
-                <a:solidFill>
-                  <a:srgbClr val="A9B7C6"/>
-                </a:solidFill>
-                <a:effectLst/>
-                <a:latin typeface="Arial Unicode MS" panose="020B0604020202020204" pitchFamily="34" charset="-120"/>
-                <a:ea typeface="JetBrains Mono"/>
-              </a:rPr>
-            </a:br>
-            <a:r>
-              <a:rPr kumimoji="0" lang="zh-TW" altLang="zh-TW" sz="1200" b="0" i="0" u="none" strike="noStrike" cap="none" normalizeH="0" baseline="0" dirty="0">
-                <a:ln>
-                  <a:noFill/>
-                </a:ln>
-                <a:solidFill>
-                  <a:srgbClr val="A9B7C6"/>
-                </a:solidFill>
-                <a:effectLst/>
-                <a:latin typeface="Arial Unicode MS" panose="020B0604020202020204" pitchFamily="34" charset="-120"/>
-                <a:ea typeface="JetBrains Mono"/>
-              </a:rPr>
-              <a:t>                Field field = ReflectionUtils.</a:t>
-            </a:r>
-            <a:r>
-              <a:rPr kumimoji="0" lang="zh-TW" altLang="zh-TW" sz="1200" b="0" i="1" u="none" strike="noStrike" cap="none" normalizeH="0" baseline="0" dirty="0">
-                <a:ln>
-                  <a:noFill/>
-                </a:ln>
-                <a:solidFill>
-                  <a:srgbClr val="A9B7C6"/>
-                </a:solidFill>
-                <a:effectLst/>
-                <a:latin typeface="Arial Unicode MS" panose="020B0604020202020204" pitchFamily="34" charset="-120"/>
-                <a:ea typeface="JetBrains Mono"/>
-              </a:rPr>
-              <a:t>findField</a:t>
-            </a:r>
-            <a:r>
-              <a:rPr kumimoji="0" lang="zh-TW" altLang="zh-TW" sz="1200" b="0" i="0" u="none" strike="noStrike" cap="none" normalizeH="0" baseline="0" dirty="0">
-                <a:ln>
-                  <a:noFill/>
-                </a:ln>
-                <a:solidFill>
-                  <a:srgbClr val="A9B7C6"/>
-                </a:solidFill>
-                <a:effectLst/>
-                <a:latin typeface="Arial Unicode MS" panose="020B0604020202020204" pitchFamily="34" charset="-120"/>
-                <a:ea typeface="JetBrains Mono"/>
-              </a:rPr>
-              <a:t>(bean.getClass()</a:t>
-            </a:r>
-            <a:r>
-              <a:rPr kumimoji="0" lang="zh-TW" altLang="zh-TW" sz="1200" b="0" i="0" u="none" strike="noStrike" cap="none" normalizeH="0" baseline="0" dirty="0">
-                <a:ln>
-                  <a:noFill/>
-                </a:ln>
-                <a:solidFill>
-                  <a:srgbClr val="CC7832"/>
-                </a:solidFill>
-                <a:effectLst/>
-                <a:latin typeface="Arial Unicode MS" panose="020B0604020202020204" pitchFamily="34" charset="-120"/>
-                <a:ea typeface="JetBrains Mono"/>
-              </a:rPr>
-              <a:t>,</a:t>
-            </a:r>
-            <a:br>
-              <a:rPr kumimoji="0" lang="zh-TW" altLang="zh-TW" sz="1200" b="0" i="0" u="none" strike="noStrike" cap="none" normalizeH="0" baseline="0" dirty="0">
-                <a:ln>
-                  <a:noFill/>
-                </a:ln>
-                <a:solidFill>
-                  <a:srgbClr val="CC7832"/>
-                </a:solidFill>
-                <a:effectLst/>
-                <a:latin typeface="Arial Unicode MS" panose="020B0604020202020204" pitchFamily="34" charset="-120"/>
-                <a:ea typeface="JetBrains Mono"/>
-              </a:rPr>
-            </a:br>
-            <a:r>
-              <a:rPr kumimoji="0" lang="zh-TW" altLang="zh-TW" sz="1200" b="0" i="0" u="none" strike="noStrike" cap="none" normalizeH="0" baseline="0" dirty="0">
-                <a:ln>
-                  <a:noFill/>
-                </a:ln>
-                <a:solidFill>
-                  <a:srgbClr val="CC7832"/>
-                </a:solidFill>
-                <a:effectLst/>
-                <a:latin typeface="Arial Unicode MS" panose="020B0604020202020204" pitchFamily="34" charset="-120"/>
-                <a:ea typeface="JetBrains Mono"/>
-              </a:rPr>
-              <a:t>                        </a:t>
-            </a:r>
-            <a:r>
-              <a:rPr kumimoji="0" lang="zh-TW" altLang="zh-TW" sz="1200" b="0" i="0" u="none" strike="noStrike" cap="none" normalizeH="0" baseline="0" dirty="0">
-                <a:ln>
-                  <a:noFill/>
-                </a:ln>
-                <a:solidFill>
-                  <a:srgbClr val="6A8759"/>
-                </a:solidFill>
-                <a:effectLst/>
-                <a:latin typeface="Arial Unicode MS" panose="020B0604020202020204" pitchFamily="34" charset="-120"/>
-                <a:ea typeface="JetBrains Mono"/>
-              </a:rPr>
-              <a:t>"handlerMappings"</a:t>
-            </a:r>
-            <a:r>
-              <a:rPr kumimoji="0" lang="zh-TW" altLang="zh-TW" sz="1200" b="0" i="0" u="none" strike="noStrike" cap="none" normalizeH="0" baseline="0" dirty="0">
-                <a:ln>
-                  <a:noFill/>
-                </a:ln>
-                <a:solidFill>
-                  <a:srgbClr val="A9B7C6"/>
-                </a:solidFill>
-                <a:effectLst/>
-                <a:latin typeface="Arial Unicode MS" panose="020B0604020202020204" pitchFamily="34" charset="-120"/>
-                <a:ea typeface="JetBrains Mono"/>
-              </a:rPr>
-              <a:t>)</a:t>
-            </a:r>
-            <a:r>
-              <a:rPr kumimoji="0" lang="zh-TW" altLang="zh-TW" sz="1200" b="0" i="0" u="none" strike="noStrike" cap="none" normalizeH="0" baseline="0" dirty="0">
-                <a:ln>
-                  <a:noFill/>
-                </a:ln>
-                <a:solidFill>
-                  <a:srgbClr val="CC7832"/>
-                </a:solidFill>
-                <a:effectLst/>
-                <a:latin typeface="Arial Unicode MS" panose="020B0604020202020204" pitchFamily="34" charset="-120"/>
-                <a:ea typeface="JetBrains Mono"/>
-              </a:rPr>
-              <a:t>;</a:t>
-            </a:r>
-            <a:br>
-              <a:rPr kumimoji="0" lang="zh-TW" altLang="zh-TW" sz="1200" b="0" i="0" u="none" strike="noStrike" cap="none" normalizeH="0" baseline="0" dirty="0">
-                <a:ln>
-                  <a:noFill/>
-                </a:ln>
-                <a:solidFill>
-                  <a:srgbClr val="CC7832"/>
-                </a:solidFill>
-                <a:effectLst/>
-                <a:latin typeface="Arial Unicode MS" panose="020B0604020202020204" pitchFamily="34" charset="-120"/>
-                <a:ea typeface="JetBrains Mono"/>
-              </a:rPr>
-            </a:br>
-            <a:r>
-              <a:rPr kumimoji="0" lang="zh-TW" altLang="zh-TW" sz="1200" b="0" i="0" u="none" strike="noStrike" cap="none" normalizeH="0" baseline="0" dirty="0">
-                <a:ln>
-                  <a:noFill/>
-                </a:ln>
-                <a:solidFill>
-                  <a:srgbClr val="CC7832"/>
-                </a:solidFill>
-                <a:effectLst/>
-                <a:latin typeface="Arial Unicode MS" panose="020B0604020202020204" pitchFamily="34" charset="-120"/>
-                <a:ea typeface="JetBrains Mono"/>
-              </a:rPr>
-              <a:t>                </a:t>
-            </a:r>
-            <a:r>
-              <a:rPr kumimoji="0" lang="zh-TW" altLang="zh-TW" sz="1200" b="0" i="0" u="none" strike="noStrike" cap="none" normalizeH="0" baseline="0" dirty="0">
-                <a:ln>
-                  <a:noFill/>
-                </a:ln>
-                <a:solidFill>
-                  <a:srgbClr val="A9B7C6"/>
-                </a:solidFill>
-                <a:effectLst/>
-                <a:latin typeface="Arial Unicode MS" panose="020B0604020202020204" pitchFamily="34" charset="-120"/>
-                <a:ea typeface="JetBrains Mono"/>
-              </a:rPr>
-              <a:t>field.setAccessible(</a:t>
-            </a:r>
-            <a:r>
-              <a:rPr kumimoji="0" lang="zh-TW" altLang="zh-TW" sz="1200" b="0" i="0" u="none" strike="noStrike" cap="none" normalizeH="0" baseline="0" dirty="0">
-                <a:ln>
-                  <a:noFill/>
-                </a:ln>
-                <a:solidFill>
-                  <a:srgbClr val="CC7832"/>
-                </a:solidFill>
-                <a:effectLst/>
-                <a:latin typeface="Arial Unicode MS" panose="020B0604020202020204" pitchFamily="34" charset="-120"/>
-                <a:ea typeface="JetBrains Mono"/>
-              </a:rPr>
-              <a:t>true</a:t>
-            </a:r>
-            <a:r>
-              <a:rPr kumimoji="0" lang="zh-TW" altLang="zh-TW" sz="1200" b="0" i="0" u="none" strike="noStrike" cap="none" normalizeH="0" baseline="0" dirty="0">
-                <a:ln>
-                  <a:noFill/>
-                </a:ln>
-                <a:solidFill>
-                  <a:srgbClr val="A9B7C6"/>
-                </a:solidFill>
-                <a:effectLst/>
-                <a:latin typeface="Arial Unicode MS" panose="020B0604020202020204" pitchFamily="34" charset="-120"/>
-                <a:ea typeface="JetBrains Mono"/>
-              </a:rPr>
-              <a:t>)</a:t>
-            </a:r>
-            <a:r>
-              <a:rPr kumimoji="0" lang="zh-TW" altLang="zh-TW" sz="1200" b="0" i="0" u="none" strike="noStrike" cap="none" normalizeH="0" baseline="0" dirty="0">
-                <a:ln>
-                  <a:noFill/>
-                </a:ln>
-                <a:solidFill>
-                  <a:srgbClr val="CC7832"/>
-                </a:solidFill>
-                <a:effectLst/>
-                <a:latin typeface="Arial Unicode MS" panose="020B0604020202020204" pitchFamily="34" charset="-120"/>
-                <a:ea typeface="JetBrains Mono"/>
-              </a:rPr>
-              <a:t>;</a:t>
-            </a:r>
-            <a:br>
-              <a:rPr kumimoji="0" lang="zh-TW" altLang="zh-TW" sz="1200" b="0" i="0" u="none" strike="noStrike" cap="none" normalizeH="0" baseline="0" dirty="0">
-                <a:ln>
-                  <a:noFill/>
-                </a:ln>
-                <a:solidFill>
-                  <a:srgbClr val="CC7832"/>
-                </a:solidFill>
-                <a:effectLst/>
-                <a:latin typeface="Arial Unicode MS" panose="020B0604020202020204" pitchFamily="34" charset="-120"/>
-                <a:ea typeface="JetBrains Mono"/>
-              </a:rPr>
-            </a:br>
-            <a:r>
-              <a:rPr kumimoji="0" lang="zh-TW" altLang="zh-TW" sz="1200" b="0" i="0" u="none" strike="noStrike" cap="none" normalizeH="0" baseline="0" dirty="0">
-                <a:ln>
-                  <a:noFill/>
-                </a:ln>
-                <a:solidFill>
-                  <a:srgbClr val="CC7832"/>
-                </a:solidFill>
-                <a:effectLst/>
-                <a:latin typeface="Arial Unicode MS" panose="020B0604020202020204" pitchFamily="34" charset="-120"/>
-                <a:ea typeface="JetBrains Mono"/>
-              </a:rPr>
-              <a:t>                return </a:t>
-            </a:r>
-            <a:r>
-              <a:rPr kumimoji="0" lang="zh-TW" altLang="zh-TW" sz="1200" b="0" i="0" u="none" strike="noStrike" cap="none" normalizeH="0" baseline="0" dirty="0">
-                <a:ln>
-                  <a:noFill/>
-                </a:ln>
-                <a:solidFill>
-                  <a:srgbClr val="A9B7C6"/>
-                </a:solidFill>
-                <a:effectLst/>
-                <a:latin typeface="Arial Unicode MS" panose="020B0604020202020204" pitchFamily="34" charset="-120"/>
-                <a:ea typeface="JetBrains Mono"/>
-              </a:rPr>
-              <a:t>(List&lt;RequestMappingInfoHandlerMapping&gt;) field.get(bean)</a:t>
-            </a:r>
-            <a:r>
-              <a:rPr kumimoji="0" lang="zh-TW" altLang="zh-TW" sz="1200" b="0" i="0" u="none" strike="noStrike" cap="none" normalizeH="0" baseline="0" dirty="0">
-                <a:ln>
-                  <a:noFill/>
-                </a:ln>
-                <a:solidFill>
-                  <a:srgbClr val="CC7832"/>
-                </a:solidFill>
-                <a:effectLst/>
-                <a:latin typeface="Arial Unicode MS" panose="020B0604020202020204" pitchFamily="34" charset="-120"/>
-                <a:ea typeface="JetBrains Mono"/>
-              </a:rPr>
-              <a:t>;</a:t>
-            </a:r>
-            <a:br>
-              <a:rPr kumimoji="0" lang="zh-TW" altLang="zh-TW" sz="1200" b="0" i="0" u="none" strike="noStrike" cap="none" normalizeH="0" baseline="0" dirty="0">
-                <a:ln>
-                  <a:noFill/>
-                </a:ln>
-                <a:solidFill>
-                  <a:srgbClr val="CC7832"/>
-                </a:solidFill>
-                <a:effectLst/>
-                <a:latin typeface="Arial Unicode MS" panose="020B0604020202020204" pitchFamily="34" charset="-120"/>
-                <a:ea typeface="JetBrains Mono"/>
-              </a:rPr>
-            </a:br>
-            <a:r>
-              <a:rPr kumimoji="0" lang="zh-TW" altLang="zh-TW" sz="1200" b="0" i="0" u="none" strike="noStrike" cap="none" normalizeH="0" baseline="0" dirty="0">
-                <a:ln>
-                  <a:noFill/>
-                </a:ln>
-                <a:solidFill>
-                  <a:srgbClr val="CC7832"/>
-                </a:solidFill>
-                <a:effectLst/>
-                <a:latin typeface="Arial Unicode MS" panose="020B0604020202020204" pitchFamily="34" charset="-120"/>
-                <a:ea typeface="JetBrains Mono"/>
-              </a:rPr>
-              <a:t>            </a:t>
-            </a:r>
-            <a:r>
-              <a:rPr kumimoji="0" lang="zh-TW" altLang="zh-TW" sz="1200" b="0" i="0" u="none" strike="noStrike" cap="none" normalizeH="0" baseline="0" dirty="0">
-                <a:ln>
-                  <a:noFill/>
-                </a:ln>
-                <a:solidFill>
-                  <a:srgbClr val="A9B7C6"/>
-                </a:solidFill>
-                <a:effectLst/>
-                <a:latin typeface="Arial Unicode MS" panose="020B0604020202020204" pitchFamily="34" charset="-120"/>
-                <a:ea typeface="JetBrains Mono"/>
-              </a:rPr>
-              <a:t>} </a:t>
-            </a:r>
-            <a:r>
-              <a:rPr kumimoji="0" lang="zh-TW" altLang="zh-TW" sz="1200" b="0" i="0" u="none" strike="noStrike" cap="none" normalizeH="0" baseline="0" dirty="0">
-                <a:ln>
-                  <a:noFill/>
-                </a:ln>
-                <a:solidFill>
-                  <a:srgbClr val="CC7832"/>
-                </a:solidFill>
-                <a:effectLst/>
-                <a:latin typeface="Arial Unicode MS" panose="020B0604020202020204" pitchFamily="34" charset="-120"/>
-                <a:ea typeface="JetBrains Mono"/>
-              </a:rPr>
-              <a:t>catch </a:t>
-            </a:r>
-            <a:r>
-              <a:rPr kumimoji="0" lang="zh-TW" altLang="zh-TW" sz="1200" b="0" i="0" u="none" strike="noStrike" cap="none" normalizeH="0" baseline="0" dirty="0">
-                <a:ln>
-                  <a:noFill/>
-                </a:ln>
-                <a:solidFill>
-                  <a:srgbClr val="A9B7C6"/>
-                </a:solidFill>
-                <a:effectLst/>
-                <a:latin typeface="Arial Unicode MS" panose="020B0604020202020204" pitchFamily="34" charset="-120"/>
-                <a:ea typeface="JetBrains Mono"/>
-              </a:rPr>
-              <a:t>(IllegalArgumentException | IllegalAccessException e) {</a:t>
-            </a:r>
-            <a:br>
-              <a:rPr kumimoji="0" lang="zh-TW" altLang="zh-TW" sz="1200" b="0" i="0" u="none" strike="noStrike" cap="none" normalizeH="0" baseline="0" dirty="0">
-                <a:ln>
-                  <a:noFill/>
-                </a:ln>
-                <a:solidFill>
-                  <a:srgbClr val="A9B7C6"/>
-                </a:solidFill>
-                <a:effectLst/>
-                <a:latin typeface="Arial Unicode MS" panose="020B0604020202020204" pitchFamily="34" charset="-120"/>
-                <a:ea typeface="JetBrains Mono"/>
-              </a:rPr>
-            </a:br>
-            <a:r>
-              <a:rPr kumimoji="0" lang="zh-TW" altLang="zh-TW" sz="1200" b="0" i="0" u="none" strike="noStrike" cap="none" normalizeH="0" baseline="0" dirty="0">
-                <a:ln>
-                  <a:noFill/>
-                </a:ln>
-                <a:solidFill>
-                  <a:srgbClr val="A9B7C6"/>
-                </a:solidFill>
-                <a:effectLst/>
-                <a:latin typeface="Arial Unicode MS" panose="020B0604020202020204" pitchFamily="34" charset="-120"/>
-                <a:ea typeface="JetBrains Mono"/>
-              </a:rPr>
-              <a:t>                </a:t>
-            </a:r>
-            <a:r>
-              <a:rPr kumimoji="0" lang="zh-TW" altLang="zh-TW" sz="1200" b="0" i="0" u="none" strike="noStrike" cap="none" normalizeH="0" baseline="0" dirty="0">
-                <a:ln>
-                  <a:noFill/>
-                </a:ln>
-                <a:solidFill>
-                  <a:srgbClr val="CC7832"/>
-                </a:solidFill>
-                <a:effectLst/>
-                <a:latin typeface="Arial Unicode MS" panose="020B0604020202020204" pitchFamily="34" charset="-120"/>
-                <a:ea typeface="JetBrains Mono"/>
-              </a:rPr>
-              <a:t>throw new </a:t>
-            </a:r>
-            <a:r>
-              <a:rPr kumimoji="0" lang="zh-TW" altLang="zh-TW" sz="1200" b="0" i="0" u="none" strike="noStrike" cap="none" normalizeH="0" baseline="0" dirty="0">
-                <a:ln>
-                  <a:noFill/>
-                </a:ln>
-                <a:solidFill>
-                  <a:srgbClr val="A9B7C6"/>
-                </a:solidFill>
-                <a:effectLst/>
-                <a:latin typeface="Arial Unicode MS" panose="020B0604020202020204" pitchFamily="34" charset="-120"/>
-                <a:ea typeface="JetBrains Mono"/>
-              </a:rPr>
-              <a:t>IllegalStateException(e)</a:t>
-            </a:r>
-            <a:r>
-              <a:rPr kumimoji="0" lang="zh-TW" altLang="zh-TW" sz="1200" b="0" i="0" u="none" strike="noStrike" cap="none" normalizeH="0" baseline="0" dirty="0">
-                <a:ln>
-                  <a:noFill/>
-                </a:ln>
-                <a:solidFill>
-                  <a:srgbClr val="CC7832"/>
-                </a:solidFill>
-                <a:effectLst/>
-                <a:latin typeface="Arial Unicode MS" panose="020B0604020202020204" pitchFamily="34" charset="-120"/>
-                <a:ea typeface="JetBrains Mono"/>
-              </a:rPr>
-              <a:t>;</a:t>
-            </a:r>
-            <a:br>
-              <a:rPr kumimoji="0" lang="zh-TW" altLang="zh-TW" sz="1200" b="0" i="0" u="none" strike="noStrike" cap="none" normalizeH="0" baseline="0" dirty="0">
-                <a:ln>
-                  <a:noFill/>
-                </a:ln>
-                <a:solidFill>
-                  <a:srgbClr val="CC7832"/>
-                </a:solidFill>
-                <a:effectLst/>
-                <a:latin typeface="Arial Unicode MS" panose="020B0604020202020204" pitchFamily="34" charset="-120"/>
-                <a:ea typeface="JetBrains Mono"/>
-              </a:rPr>
-            </a:br>
-            <a:r>
-              <a:rPr kumimoji="0" lang="zh-TW" altLang="zh-TW" sz="1200" b="0" i="0" u="none" strike="noStrike" cap="none" normalizeH="0" baseline="0" dirty="0">
-                <a:ln>
-                  <a:noFill/>
-                </a:ln>
-                <a:solidFill>
-                  <a:srgbClr val="CC7832"/>
-                </a:solidFill>
-                <a:effectLst/>
-                <a:latin typeface="Arial Unicode MS" panose="020B0604020202020204" pitchFamily="34" charset="-120"/>
-                <a:ea typeface="JetBrains Mono"/>
-              </a:rPr>
-              <a:t>            </a:t>
-            </a:r>
-            <a:r>
-              <a:rPr kumimoji="0" lang="zh-TW" altLang="zh-TW" sz="1200" b="0" i="0" u="none" strike="noStrike" cap="none" normalizeH="0" baseline="0" dirty="0">
-                <a:ln>
-                  <a:noFill/>
-                </a:ln>
-                <a:solidFill>
-                  <a:srgbClr val="A9B7C6"/>
-                </a:solidFill>
-                <a:effectLst/>
-                <a:latin typeface="Arial Unicode MS" panose="020B0604020202020204" pitchFamily="34" charset="-120"/>
-                <a:ea typeface="JetBrains Mono"/>
-              </a:rPr>
-              <a:t>}</a:t>
-            </a:r>
-            <a:br>
-              <a:rPr kumimoji="0" lang="zh-TW" altLang="zh-TW" sz="1200" b="0" i="0" u="none" strike="noStrike" cap="none" normalizeH="0" baseline="0" dirty="0">
-                <a:ln>
-                  <a:noFill/>
-                </a:ln>
-                <a:solidFill>
-                  <a:srgbClr val="A9B7C6"/>
-                </a:solidFill>
-                <a:effectLst/>
-                <a:latin typeface="Arial Unicode MS" panose="020B0604020202020204" pitchFamily="34" charset="-120"/>
-                <a:ea typeface="JetBrains Mono"/>
-              </a:rPr>
-            </a:br>
-            <a:r>
-              <a:rPr kumimoji="0" lang="zh-TW" altLang="zh-TW" sz="1200" b="0" i="0" u="none" strike="noStrike" cap="none" normalizeH="0" baseline="0" dirty="0">
-                <a:ln>
-                  <a:noFill/>
-                </a:ln>
-                <a:solidFill>
-                  <a:srgbClr val="A9B7C6"/>
-                </a:solidFill>
-                <a:effectLst/>
-                <a:latin typeface="Arial Unicode MS" panose="020B0604020202020204" pitchFamily="34" charset="-120"/>
-                <a:ea typeface="JetBrains Mono"/>
-              </a:rPr>
-              <a:t>        }</a:t>
-            </a:r>
-            <a:br>
-              <a:rPr kumimoji="0" lang="zh-TW" altLang="zh-TW" sz="1200" b="0" i="0" u="none" strike="noStrike" cap="none" normalizeH="0" baseline="0" dirty="0">
-                <a:ln>
-                  <a:noFill/>
-                </a:ln>
-                <a:solidFill>
-                  <a:srgbClr val="A9B7C6"/>
-                </a:solidFill>
-                <a:effectLst/>
-                <a:latin typeface="Arial Unicode MS" panose="020B0604020202020204" pitchFamily="34" charset="-120"/>
-                <a:ea typeface="JetBrains Mono"/>
-              </a:rPr>
-            </a:br>
-            <a:r>
-              <a:rPr kumimoji="0" lang="zh-TW" altLang="zh-TW" sz="1200" b="0" i="0" u="none" strike="noStrike" cap="none" normalizeH="0" baseline="0" dirty="0">
-                <a:ln>
-                  <a:noFill/>
-                </a:ln>
-                <a:solidFill>
-                  <a:srgbClr val="A9B7C6"/>
-                </a:solidFill>
-                <a:effectLst/>
-                <a:latin typeface="Arial Unicode MS" panose="020B0604020202020204" pitchFamily="34" charset="-120"/>
-                <a:ea typeface="JetBrains Mono"/>
-              </a:rPr>
-              <a:t>    }</a:t>
-            </a:r>
-            <a:r>
-              <a:rPr kumimoji="0" lang="zh-TW" altLang="zh-TW" sz="1200" b="0" i="0" u="none" strike="noStrike" cap="none" normalizeH="0" baseline="0" dirty="0">
-                <a:ln>
-                  <a:noFill/>
-                </a:ln>
-                <a:solidFill>
-                  <a:srgbClr val="CC7832"/>
-                </a:solidFill>
-                <a:effectLst/>
-                <a:latin typeface="Arial Unicode MS" panose="020B0604020202020204" pitchFamily="34" charset="-120"/>
-                <a:ea typeface="JetBrains Mono"/>
-              </a:rPr>
-              <a:t>;</a:t>
-            </a:r>
-            <a:br>
-              <a:rPr kumimoji="0" lang="zh-TW" altLang="zh-TW" sz="1200" b="0" i="0" u="none" strike="noStrike" cap="none" normalizeH="0" baseline="0" dirty="0">
-                <a:ln>
-                  <a:noFill/>
-                </a:ln>
-                <a:solidFill>
-                  <a:srgbClr val="CC7832"/>
-                </a:solidFill>
-                <a:effectLst/>
-                <a:latin typeface="Arial Unicode MS" panose="020B0604020202020204" pitchFamily="34" charset="-120"/>
-                <a:ea typeface="JetBrains Mono"/>
-              </a:rPr>
-            </a:br>
-            <a:r>
-              <a:rPr kumimoji="0" lang="zh-TW" altLang="zh-TW" sz="1200" b="0" i="0" u="none" strike="noStrike" cap="none" normalizeH="0" baseline="0" dirty="0">
-                <a:ln>
-                  <a:noFill/>
-                </a:ln>
-                <a:solidFill>
-                  <a:srgbClr val="A9B7C6"/>
-                </a:solidFill>
-                <a:effectLst/>
-                <a:latin typeface="Arial Unicode MS" panose="020B0604020202020204" pitchFamily="34" charset="-120"/>
-                <a:ea typeface="JetBrains Mono"/>
-              </a:rPr>
-              <a:t>}</a:t>
-            </a:r>
-            <a:endParaRPr kumimoji="0" lang="zh-TW" altLang="zh-TW" sz="1600" b="0" i="0" u="none" strike="noStrike" cap="none" normalizeH="0" baseline="0" dirty="0">
-              <a:ln>
-                <a:noFill/>
-              </a:ln>
-              <a:solidFill>
-                <a:schemeClr val="tx1"/>
-              </a:solidFill>
-              <a:effectLst/>
-              <a:latin typeface="Arial" panose="020B0604020202020204" pitchFamily="34" charset="0"/>
-            </a:endParaRPr>
-          </a:p>
-        </p:txBody>
-      </p:sp>
+      </p:pic>
     </p:spTree>
     <p:extLst>
       <p:ext uri="{BB962C8B-B14F-4D97-AF65-F5344CB8AC3E}">
-        <p14:creationId xmlns:p14="http://schemas.microsoft.com/office/powerpoint/2010/main" val="4201398053"/>
+        <p14:creationId xmlns:p14="http://schemas.microsoft.com/office/powerpoint/2010/main" val="2685836123"/>
       </p:ext>
     </p:extLst>
   </p:cSld>
@@ -9362,10 +8180,10 @@
       </p:grpSpPr>
       <p:sp>
         <p:nvSpPr>
-          <p:cNvPr id="3" name="文字方塊 2">
-            <a:extLst>
-              <a:ext uri="{FF2B5EF4-FFF2-40B4-BE49-F238E27FC236}">
-                <a16:creationId xmlns:a16="http://schemas.microsoft.com/office/drawing/2014/main" id="{16EE92DD-97C4-448E-BA57-91D45BD6DBBB}"/>
+          <p:cNvPr id="5" name="文字方塊 4">
+            <a:extLst>
+              <a:ext uri="{FF2B5EF4-FFF2-40B4-BE49-F238E27FC236}">
+                <a16:creationId xmlns:a16="http://schemas.microsoft.com/office/drawing/2014/main" id="{B5BBA5F6-381E-4DD6-BEE4-305805540B70}"/>
               </a:ext>
             </a:extLst>
           </p:cNvPr>
@@ -9374,8 +8192,8 @@
         </p:nvSpPr>
         <p:spPr>
           <a:xfrm>
-            <a:off x="638002" y="279508"/>
-            <a:ext cx="10883437" cy="646331"/>
+            <a:off x="769528" y="237483"/>
+            <a:ext cx="6094428" cy="369332"/>
           </a:xfrm>
           <a:prstGeom prst="rect">
             <a:avLst/>
@@ -9394,10 +8212,9 @@
                   <a:srgbClr val="262626"/>
                 </a:solidFill>
                 <a:effectLst/>
-                <a:latin typeface="標楷體" panose="03000509000000000000" pitchFamily="65" charset="-120"/>
-                <a:ea typeface="標楷體" panose="03000509000000000000" pitchFamily="65" charset="-120"/>
-              </a:rPr>
-              <a:t>2.</a:t>
+                <a:latin typeface="ui-sans-serif"/>
+              </a:rPr>
+              <a:t>1.</a:t>
             </a:r>
             <a:r>
               <a:rPr lang="zh-TW" altLang="en-US" b="0" i="0" dirty="0">
@@ -9405,10 +8222,9 @@
                   <a:srgbClr val="262626"/>
                 </a:solidFill>
                 <a:effectLst/>
-                <a:latin typeface="標楷體" panose="03000509000000000000" pitchFamily="65" charset="-120"/>
-                <a:ea typeface="標楷體" panose="03000509000000000000" pitchFamily="65" charset="-120"/>
-              </a:rPr>
-              <a:t>修改</a:t>
+                <a:latin typeface="ui-sans-serif"/>
+              </a:rPr>
+              <a:t>在</a:t>
             </a:r>
             <a:r>
               <a:rPr lang="en-US" altLang="zh-TW" b="0" i="0" dirty="0">
@@ -9416,10 +8232,9 @@
                   <a:srgbClr val="262626"/>
                 </a:solidFill>
                 <a:effectLst/>
-                <a:latin typeface="標楷體" panose="03000509000000000000" pitchFamily="65" charset="-120"/>
-                <a:ea typeface="標楷體" panose="03000509000000000000" pitchFamily="65" charset="-120"/>
-              </a:rPr>
-              <a:t>application. properties</a:t>
+                <a:latin typeface="ui-sans-serif"/>
+              </a:rPr>
+              <a:t>Swagger</a:t>
             </a:r>
             <a:r>
               <a:rPr lang="zh-TW" altLang="en-US" b="0" i="0" dirty="0">
@@ -9427,10 +8242,9 @@
                   <a:srgbClr val="262626"/>
                 </a:solidFill>
                 <a:effectLst/>
-                <a:latin typeface="標楷體" panose="03000509000000000000" pitchFamily="65" charset="-120"/>
-                <a:ea typeface="標楷體" panose="03000509000000000000" pitchFamily="65" charset="-120"/>
-              </a:rPr>
-              <a:t>檔案，</a:t>
+                <a:latin typeface="ui-sans-serif"/>
+              </a:rPr>
+              <a:t>的配置類中添加如下</a:t>
             </a:r>
             <a:r>
               <a:rPr lang="en-US" altLang="zh-TW" b="0" i="0" dirty="0">
@@ -9438,10 +8252,9 @@
                   <a:srgbClr val="262626"/>
                 </a:solidFill>
                 <a:effectLst/>
-                <a:latin typeface="標楷體" panose="03000509000000000000" pitchFamily="65" charset="-120"/>
-                <a:ea typeface="標楷體" panose="03000509000000000000" pitchFamily="65" charset="-120"/>
-              </a:rPr>
-              <a:t>MVC</a:t>
+                <a:latin typeface="ui-sans-serif"/>
+              </a:rPr>
+              <a:t>Bean</a:t>
             </a:r>
             <a:r>
               <a:rPr lang="zh-TW" altLang="en-US" b="0" i="0" dirty="0">
@@ -9449,68 +8262,20 @@
                   <a:srgbClr val="262626"/>
                 </a:solidFill>
                 <a:effectLst/>
-                <a:latin typeface="標楷體" panose="03000509000000000000" pitchFamily="65" charset="-120"/>
-                <a:ea typeface="標楷體" panose="03000509000000000000" pitchFamily="65" charset="-120"/>
-              </a:rPr>
-              <a:t>預設的路徑比對政策為</a:t>
-            </a:r>
-            <a:r>
-              <a:rPr lang="en-US" altLang="zh-TW" b="0" i="0" dirty="0">
-                <a:solidFill>
-                  <a:srgbClr val="262626"/>
-                </a:solidFill>
-                <a:effectLst/>
-                <a:latin typeface="標楷體" panose="03000509000000000000" pitchFamily="65" charset="-120"/>
-                <a:ea typeface="標楷體" panose="03000509000000000000" pitchFamily="65" charset="-120"/>
-              </a:rPr>
-              <a:t>PATH_PATTERN_PARSER</a:t>
-            </a:r>
-            <a:r>
-              <a:rPr lang="zh-TW" altLang="en-US" b="0" i="0" dirty="0">
-                <a:solidFill>
-                  <a:srgbClr val="262626"/>
-                </a:solidFill>
-                <a:effectLst/>
-                <a:latin typeface="標楷體" panose="03000509000000000000" pitchFamily="65" charset="-120"/>
-                <a:ea typeface="標楷體" panose="03000509000000000000" pitchFamily="65" charset="-120"/>
-              </a:rPr>
-              <a:t>，需要修改為</a:t>
-            </a:r>
-            <a:r>
-              <a:rPr lang="en-US" altLang="zh-TW" b="0" i="0" dirty="0">
-                <a:solidFill>
-                  <a:srgbClr val="262626"/>
-                </a:solidFill>
-                <a:effectLst/>
-                <a:latin typeface="標楷體" panose="03000509000000000000" pitchFamily="65" charset="-120"/>
-                <a:ea typeface="標楷體" panose="03000509000000000000" pitchFamily="65" charset="-120"/>
-              </a:rPr>
-              <a:t>ANT_PATH_MATCHER</a:t>
-            </a:r>
-            <a:r>
-              <a:rPr lang="zh-TW" altLang="en-US" b="0" i="0" dirty="0">
-                <a:solidFill>
-                  <a:srgbClr val="262626"/>
-                </a:solidFill>
-                <a:effectLst/>
-                <a:latin typeface="標楷體" panose="03000509000000000000" pitchFamily="65" charset="-120"/>
-                <a:ea typeface="標楷體" panose="03000509000000000000" pitchFamily="65" charset="-120"/>
-              </a:rPr>
-              <a:t>；</a:t>
-            </a:r>
-            <a:endParaRPr lang="zh-TW" altLang="en-US" dirty="0">
-              <a:latin typeface="標楷體" panose="03000509000000000000" pitchFamily="65" charset="-120"/>
-              <a:ea typeface="標楷體" panose="03000509000000000000" pitchFamily="65" charset="-120"/>
-            </a:endParaRPr>
-          </a:p>
-        </p:txBody>
-      </p:sp>
-      <p:sp>
-        <p:nvSpPr>
-          <p:cNvPr id="4" name="Rectangle 1">
-            <a:extLst>
-              <a:ext uri="{FF2B5EF4-FFF2-40B4-BE49-F238E27FC236}">
-                <a16:creationId xmlns:a16="http://schemas.microsoft.com/office/drawing/2014/main" id="{0763B7E4-A98C-4B49-AC40-B79C280B3D63}"/>
+                <a:latin typeface="ui-sans-serif"/>
+              </a:rPr>
+              <a:t>可以解決該問題；</a:t>
+            </a:r>
+            <a:endParaRPr lang="zh-TW" altLang="en-US" dirty="0"/>
+          </a:p>
+        </p:txBody>
+      </p:sp>
+      <p:sp>
+        <p:nvSpPr>
+          <p:cNvPr id="6" name="Rectangle 1">
+            <a:extLst>
+              <a:ext uri="{FF2B5EF4-FFF2-40B4-BE49-F238E27FC236}">
+                <a16:creationId xmlns:a16="http://schemas.microsoft.com/office/drawing/2014/main" id="{3AA10401-A50C-479C-BE08-6E659A2F513D}"/>
               </a:ext>
             </a:extLst>
           </p:cNvPr>
@@ -9521,8 +8286,8 @@
         </p:nvSpPr>
         <p:spPr bwMode="auto">
           <a:xfrm>
-            <a:off x="638002" y="1138123"/>
-            <a:ext cx="4998027" cy="292388"/>
+            <a:off x="769528" y="606815"/>
+            <a:ext cx="9609513" cy="6186309"/>
           </a:xfrm>
           <a:prstGeom prst="rect">
             <a:avLst/>
@@ -9582,7 +8347,34 @@
               <a:tabLst/>
             </a:pPr>
             <a:r>
-              <a:rPr kumimoji="0" lang="zh-TW" altLang="zh-TW" sz="1300" b="0" i="0" u="none" strike="noStrike" cap="none" normalizeH="0" baseline="0">
+              <a:rPr kumimoji="0" lang="zh-TW" altLang="zh-TW" sz="1200" b="0" i="0" u="none" strike="noStrike" cap="none" normalizeH="0" baseline="0" dirty="0">
+                <a:ln>
+                  <a:noFill/>
+                </a:ln>
+                <a:solidFill>
+                  <a:srgbClr val="BBB529"/>
+                </a:solidFill>
+                <a:effectLst/>
+                <a:latin typeface="Arial Unicode MS" panose="020B0604020202020204" pitchFamily="34" charset="-120"/>
+                <a:ea typeface="JetBrains Mono"/>
+              </a:rPr>
+              <a:t>@Bean</a:t>
+            </a:r>
+            <a:br>
+              <a:rPr kumimoji="0" lang="zh-TW" altLang="zh-TW" sz="1200" b="0" i="0" u="none" strike="noStrike" cap="none" normalizeH="0" baseline="0" dirty="0">
+                <a:ln>
+                  <a:noFill/>
+                </a:ln>
+                <a:solidFill>
+                  <a:srgbClr val="BBB529"/>
+                </a:solidFill>
+                <a:effectLst/>
+                <a:latin typeface="Arial Unicode MS" panose="020B0604020202020204" pitchFamily="34" charset="-120"/>
+                <a:ea typeface="JetBrains Mono"/>
+              </a:rPr>
+            </a:br>
+            <a:r>
+              <a:rPr kumimoji="0" lang="zh-TW" altLang="zh-TW" sz="1200" b="0" i="0" u="none" strike="noStrike" cap="none" normalizeH="0" baseline="0" dirty="0">
                 <a:ln>
                   <a:noFill/>
                 </a:ln>
@@ -9593,24 +8385,1181 @@
                 <a:latin typeface="Arial Unicode MS" panose="020B0604020202020204" pitchFamily="34" charset="-120"/>
                 <a:ea typeface="JetBrains Mono"/>
               </a:rPr>
-              <a:t>spring.mvc.pathmatch.matching-strategy</a:t>
-            </a:r>
-            <a:r>
-              <a:rPr kumimoji="0" lang="zh-TW" altLang="zh-TW" sz="1300" b="0" i="0" u="none" strike="noStrike" cap="none" normalizeH="0" baseline="0">
-                <a:ln>
-                  <a:noFill/>
-                </a:ln>
-                <a:solidFill>
-                  <a:srgbClr val="808080"/>
-                </a:solidFill>
-                <a:effectLst/>
-                <a:latin typeface="Arial Unicode MS" panose="020B0604020202020204" pitchFamily="34" charset="-120"/>
-                <a:ea typeface="JetBrains Mono"/>
-              </a:rPr>
-              <a:t>=</a:t>
-            </a:r>
-            <a:r>
-              <a:rPr kumimoji="0" lang="zh-TW" altLang="zh-TW" sz="1300" b="0" i="0" u="none" strike="noStrike" cap="none" normalizeH="0" baseline="0">
+              <a:t>public static </a:t>
+            </a:r>
+            <a:r>
+              <a:rPr kumimoji="0" lang="zh-TW" altLang="zh-TW" sz="1200" b="0" i="0" u="none" strike="noStrike" cap="none" normalizeH="0" baseline="0" dirty="0">
+                <a:ln>
+                  <a:noFill/>
+                </a:ln>
+                <a:solidFill>
+                  <a:srgbClr val="A9B7C6"/>
+                </a:solidFill>
+                <a:effectLst/>
+                <a:latin typeface="Arial Unicode MS" panose="020B0604020202020204" pitchFamily="34" charset="-120"/>
+                <a:ea typeface="JetBrains Mono"/>
+              </a:rPr>
+              <a:t>BeanPostProcessor </a:t>
+            </a:r>
+            <a:r>
+              <a:rPr kumimoji="0" lang="zh-TW" altLang="zh-TW" sz="1200" b="0" i="0" u="none" strike="noStrike" cap="none" normalizeH="0" baseline="0" dirty="0">
+                <a:ln>
+                  <a:noFill/>
+                </a:ln>
+                <a:solidFill>
+                  <a:srgbClr val="FFC66D"/>
+                </a:solidFill>
+                <a:effectLst/>
+                <a:latin typeface="Arial Unicode MS" panose="020B0604020202020204" pitchFamily="34" charset="-120"/>
+                <a:ea typeface="JetBrains Mono"/>
+              </a:rPr>
+              <a:t>springfoxHandlerProviderBeanPostProcessor</a:t>
+            </a:r>
+            <a:r>
+              <a:rPr kumimoji="0" lang="zh-TW" altLang="zh-TW" sz="1200" b="0" i="0" u="none" strike="noStrike" cap="none" normalizeH="0" baseline="0" dirty="0">
+                <a:ln>
+                  <a:noFill/>
+                </a:ln>
+                <a:solidFill>
+                  <a:srgbClr val="A9B7C6"/>
+                </a:solidFill>
+                <a:effectLst/>
+                <a:latin typeface="Arial Unicode MS" panose="020B0604020202020204" pitchFamily="34" charset="-120"/>
+                <a:ea typeface="JetBrains Mono"/>
+              </a:rPr>
+              <a:t>() {</a:t>
+            </a:r>
+            <a:br>
+              <a:rPr kumimoji="0" lang="zh-TW" altLang="zh-TW" sz="1200" b="0" i="0" u="none" strike="noStrike" cap="none" normalizeH="0" baseline="0" dirty="0">
+                <a:ln>
+                  <a:noFill/>
+                </a:ln>
+                <a:solidFill>
+                  <a:srgbClr val="A9B7C6"/>
+                </a:solidFill>
+                <a:effectLst/>
+                <a:latin typeface="Arial Unicode MS" panose="020B0604020202020204" pitchFamily="34" charset="-120"/>
+                <a:ea typeface="JetBrains Mono"/>
+              </a:rPr>
+            </a:br>
+            <a:r>
+              <a:rPr kumimoji="0" lang="zh-TW" altLang="zh-TW" sz="1200" b="0" i="0" u="none" strike="noStrike" cap="none" normalizeH="0" baseline="0" dirty="0">
+                <a:ln>
+                  <a:noFill/>
+                </a:ln>
+                <a:solidFill>
+                  <a:srgbClr val="A9B7C6"/>
+                </a:solidFill>
+                <a:effectLst/>
+                <a:latin typeface="Arial Unicode MS" panose="020B0604020202020204" pitchFamily="34" charset="-120"/>
+                <a:ea typeface="JetBrains Mono"/>
+              </a:rPr>
+              <a:t>    </a:t>
+            </a:r>
+            <a:r>
+              <a:rPr kumimoji="0" lang="zh-TW" altLang="zh-TW" sz="1200" b="0" i="0" u="none" strike="noStrike" cap="none" normalizeH="0" baseline="0" dirty="0">
+                <a:ln>
+                  <a:noFill/>
+                </a:ln>
+                <a:solidFill>
+                  <a:srgbClr val="CC7832"/>
+                </a:solidFill>
+                <a:effectLst/>
+                <a:latin typeface="Arial Unicode MS" panose="020B0604020202020204" pitchFamily="34" charset="-120"/>
+                <a:ea typeface="JetBrains Mono"/>
+              </a:rPr>
+              <a:t>return new </a:t>
+            </a:r>
+            <a:r>
+              <a:rPr kumimoji="0" lang="zh-TW" altLang="zh-TW" sz="1200" b="0" i="0" u="none" strike="noStrike" cap="none" normalizeH="0" baseline="0" dirty="0">
+                <a:ln>
+                  <a:noFill/>
+                </a:ln>
+                <a:solidFill>
+                  <a:srgbClr val="A9B7C6"/>
+                </a:solidFill>
+                <a:effectLst/>
+                <a:latin typeface="Arial Unicode MS" panose="020B0604020202020204" pitchFamily="34" charset="-120"/>
+                <a:ea typeface="JetBrains Mono"/>
+              </a:rPr>
+              <a:t>BeanPostProcessor() {</a:t>
+            </a:r>
+            <a:br>
+              <a:rPr kumimoji="0" lang="zh-TW" altLang="zh-TW" sz="1200" b="0" i="0" u="none" strike="noStrike" cap="none" normalizeH="0" baseline="0" dirty="0">
+                <a:ln>
+                  <a:noFill/>
+                </a:ln>
+                <a:solidFill>
+                  <a:srgbClr val="A9B7C6"/>
+                </a:solidFill>
+                <a:effectLst/>
+                <a:latin typeface="Arial Unicode MS" panose="020B0604020202020204" pitchFamily="34" charset="-120"/>
+                <a:ea typeface="JetBrains Mono"/>
+              </a:rPr>
+            </a:br>
+            <a:br>
+              <a:rPr kumimoji="0" lang="zh-TW" altLang="zh-TW" sz="1200" b="0" i="0" u="none" strike="noStrike" cap="none" normalizeH="0" baseline="0" dirty="0">
+                <a:ln>
+                  <a:noFill/>
+                </a:ln>
+                <a:solidFill>
+                  <a:srgbClr val="A9B7C6"/>
+                </a:solidFill>
+                <a:effectLst/>
+                <a:latin typeface="Arial Unicode MS" panose="020B0604020202020204" pitchFamily="34" charset="-120"/>
+                <a:ea typeface="JetBrains Mono"/>
+              </a:rPr>
+            </a:br>
+            <a:r>
+              <a:rPr kumimoji="0" lang="zh-TW" altLang="zh-TW" sz="1200" b="0" i="0" u="none" strike="noStrike" cap="none" normalizeH="0" baseline="0" dirty="0">
+                <a:ln>
+                  <a:noFill/>
+                </a:ln>
+                <a:solidFill>
+                  <a:srgbClr val="A9B7C6"/>
+                </a:solidFill>
+                <a:effectLst/>
+                <a:latin typeface="Arial Unicode MS" panose="020B0604020202020204" pitchFamily="34" charset="-120"/>
+                <a:ea typeface="JetBrains Mono"/>
+              </a:rPr>
+              <a:t>        </a:t>
+            </a:r>
+            <a:r>
+              <a:rPr kumimoji="0" lang="zh-TW" altLang="zh-TW" sz="1200" b="0" i="0" u="none" strike="noStrike" cap="none" normalizeH="0" baseline="0" dirty="0">
+                <a:ln>
+                  <a:noFill/>
+                </a:ln>
+                <a:solidFill>
+                  <a:srgbClr val="BBB529"/>
+                </a:solidFill>
+                <a:effectLst/>
+                <a:latin typeface="Arial Unicode MS" panose="020B0604020202020204" pitchFamily="34" charset="-120"/>
+                <a:ea typeface="JetBrains Mono"/>
+              </a:rPr>
+              <a:t>@Override</a:t>
+            </a:r>
+            <a:br>
+              <a:rPr kumimoji="0" lang="zh-TW" altLang="zh-TW" sz="1200" b="0" i="0" u="none" strike="noStrike" cap="none" normalizeH="0" baseline="0" dirty="0">
+                <a:ln>
+                  <a:noFill/>
+                </a:ln>
+                <a:solidFill>
+                  <a:srgbClr val="BBB529"/>
+                </a:solidFill>
+                <a:effectLst/>
+                <a:latin typeface="Arial Unicode MS" panose="020B0604020202020204" pitchFamily="34" charset="-120"/>
+                <a:ea typeface="JetBrains Mono"/>
+              </a:rPr>
+            </a:br>
+            <a:r>
+              <a:rPr kumimoji="0" lang="zh-TW" altLang="zh-TW" sz="1200" b="0" i="0" u="none" strike="noStrike" cap="none" normalizeH="0" baseline="0" dirty="0">
+                <a:ln>
+                  <a:noFill/>
+                </a:ln>
+                <a:solidFill>
+                  <a:srgbClr val="BBB529"/>
+                </a:solidFill>
+                <a:effectLst/>
+                <a:latin typeface="Arial Unicode MS" panose="020B0604020202020204" pitchFamily="34" charset="-120"/>
+                <a:ea typeface="JetBrains Mono"/>
+              </a:rPr>
+              <a:t>        </a:t>
+            </a:r>
+            <a:r>
+              <a:rPr kumimoji="0" lang="zh-TW" altLang="zh-TW" sz="1200" b="0" i="0" u="none" strike="noStrike" cap="none" normalizeH="0" baseline="0" dirty="0">
+                <a:ln>
+                  <a:noFill/>
+                </a:ln>
+                <a:solidFill>
+                  <a:srgbClr val="CC7832"/>
+                </a:solidFill>
+                <a:effectLst/>
+                <a:latin typeface="Arial Unicode MS" panose="020B0604020202020204" pitchFamily="34" charset="-120"/>
+                <a:ea typeface="JetBrains Mono"/>
+              </a:rPr>
+              <a:t>public </a:t>
+            </a:r>
+            <a:r>
+              <a:rPr kumimoji="0" lang="zh-TW" altLang="zh-TW" sz="1200" b="0" i="0" u="none" strike="noStrike" cap="none" normalizeH="0" baseline="0" dirty="0">
+                <a:ln>
+                  <a:noFill/>
+                </a:ln>
+                <a:solidFill>
+                  <a:srgbClr val="A9B7C6"/>
+                </a:solidFill>
+                <a:effectLst/>
+                <a:latin typeface="Arial Unicode MS" panose="020B0604020202020204" pitchFamily="34" charset="-120"/>
+                <a:ea typeface="JetBrains Mono"/>
+              </a:rPr>
+              <a:t>Object </a:t>
+            </a:r>
+            <a:r>
+              <a:rPr kumimoji="0" lang="zh-TW" altLang="zh-TW" sz="1200" b="0" i="0" u="none" strike="noStrike" cap="none" normalizeH="0" baseline="0" dirty="0">
+                <a:ln>
+                  <a:noFill/>
+                </a:ln>
+                <a:solidFill>
+                  <a:srgbClr val="FFC66D"/>
+                </a:solidFill>
+                <a:effectLst/>
+                <a:latin typeface="Arial Unicode MS" panose="020B0604020202020204" pitchFamily="34" charset="-120"/>
+                <a:ea typeface="JetBrains Mono"/>
+              </a:rPr>
+              <a:t>postProcessAfterInitialization</a:t>
+            </a:r>
+            <a:r>
+              <a:rPr kumimoji="0" lang="zh-TW" altLang="zh-TW" sz="1200" b="0" i="0" u="none" strike="noStrike" cap="none" normalizeH="0" baseline="0" dirty="0">
+                <a:ln>
+                  <a:noFill/>
+                </a:ln>
+                <a:solidFill>
+                  <a:srgbClr val="A9B7C6"/>
+                </a:solidFill>
+                <a:effectLst/>
+                <a:latin typeface="Arial Unicode MS" panose="020B0604020202020204" pitchFamily="34" charset="-120"/>
+                <a:ea typeface="JetBrains Mono"/>
+              </a:rPr>
+              <a:t>(Object bean</a:t>
+            </a:r>
+            <a:r>
+              <a:rPr kumimoji="0" lang="zh-TW" altLang="zh-TW" sz="1200" b="0" i="0" u="none" strike="noStrike" cap="none" normalizeH="0" baseline="0" dirty="0">
+                <a:ln>
+                  <a:noFill/>
+                </a:ln>
+                <a:solidFill>
+                  <a:srgbClr val="CC7832"/>
+                </a:solidFill>
+                <a:effectLst/>
+                <a:latin typeface="Arial Unicode MS" panose="020B0604020202020204" pitchFamily="34" charset="-120"/>
+                <a:ea typeface="JetBrains Mono"/>
+              </a:rPr>
+              <a:t>, </a:t>
+            </a:r>
+            <a:r>
+              <a:rPr kumimoji="0" lang="zh-TW" altLang="zh-TW" sz="1200" b="0" i="0" u="none" strike="noStrike" cap="none" normalizeH="0" baseline="0" dirty="0">
+                <a:ln>
+                  <a:noFill/>
+                </a:ln>
+                <a:solidFill>
+                  <a:srgbClr val="A9B7C6"/>
+                </a:solidFill>
+                <a:effectLst/>
+                <a:latin typeface="Arial Unicode MS" panose="020B0604020202020204" pitchFamily="34" charset="-120"/>
+                <a:ea typeface="JetBrains Mono"/>
+              </a:rPr>
+              <a:t>String beanName) </a:t>
+            </a:r>
+            <a:r>
+              <a:rPr kumimoji="0" lang="zh-TW" altLang="zh-TW" sz="1200" b="0" i="0" u="none" strike="noStrike" cap="none" normalizeH="0" baseline="0" dirty="0">
+                <a:ln>
+                  <a:noFill/>
+                </a:ln>
+                <a:solidFill>
+                  <a:srgbClr val="CC7832"/>
+                </a:solidFill>
+                <a:effectLst/>
+                <a:latin typeface="Arial Unicode MS" panose="020B0604020202020204" pitchFamily="34" charset="-120"/>
+                <a:ea typeface="JetBrains Mono"/>
+              </a:rPr>
+              <a:t>throws </a:t>
+            </a:r>
+            <a:r>
+              <a:rPr kumimoji="0" lang="zh-TW" altLang="zh-TW" sz="1200" b="0" i="0" u="none" strike="noStrike" cap="none" normalizeH="0" baseline="0" dirty="0">
+                <a:ln>
+                  <a:noFill/>
+                </a:ln>
+                <a:solidFill>
+                  <a:srgbClr val="A9B7C6"/>
+                </a:solidFill>
+                <a:effectLst/>
+                <a:latin typeface="Arial Unicode MS" panose="020B0604020202020204" pitchFamily="34" charset="-120"/>
+                <a:ea typeface="JetBrains Mono"/>
+              </a:rPr>
+              <a:t>BeansException {</a:t>
+            </a:r>
+            <a:br>
+              <a:rPr kumimoji="0" lang="zh-TW" altLang="zh-TW" sz="1200" b="0" i="0" u="none" strike="noStrike" cap="none" normalizeH="0" baseline="0" dirty="0">
+                <a:ln>
+                  <a:noFill/>
+                </a:ln>
+                <a:solidFill>
+                  <a:srgbClr val="A9B7C6"/>
+                </a:solidFill>
+                <a:effectLst/>
+                <a:latin typeface="Arial Unicode MS" panose="020B0604020202020204" pitchFamily="34" charset="-120"/>
+                <a:ea typeface="JetBrains Mono"/>
+              </a:rPr>
+            </a:br>
+            <a:r>
+              <a:rPr kumimoji="0" lang="zh-TW" altLang="zh-TW" sz="1200" b="0" i="0" u="none" strike="noStrike" cap="none" normalizeH="0" baseline="0" dirty="0">
+                <a:ln>
+                  <a:noFill/>
+                </a:ln>
+                <a:solidFill>
+                  <a:srgbClr val="A9B7C6"/>
+                </a:solidFill>
+                <a:effectLst/>
+                <a:latin typeface="Arial Unicode MS" panose="020B0604020202020204" pitchFamily="34" charset="-120"/>
+                <a:ea typeface="JetBrains Mono"/>
+              </a:rPr>
+              <a:t>            </a:t>
+            </a:r>
+            <a:r>
+              <a:rPr kumimoji="0" lang="zh-TW" altLang="zh-TW" sz="1200" b="0" i="0" u="none" strike="noStrike" cap="none" normalizeH="0" baseline="0" dirty="0">
+                <a:ln>
+                  <a:noFill/>
+                </a:ln>
+                <a:solidFill>
+                  <a:srgbClr val="CC7832"/>
+                </a:solidFill>
+                <a:effectLst/>
+                <a:latin typeface="Arial Unicode MS" panose="020B0604020202020204" pitchFamily="34" charset="-120"/>
+                <a:ea typeface="JetBrains Mono"/>
+              </a:rPr>
+              <a:t>if </a:t>
+            </a:r>
+            <a:r>
+              <a:rPr kumimoji="0" lang="zh-TW" altLang="zh-TW" sz="1200" b="0" i="0" u="none" strike="noStrike" cap="none" normalizeH="0" baseline="0" dirty="0">
+                <a:ln>
+                  <a:noFill/>
+                </a:ln>
+                <a:solidFill>
+                  <a:srgbClr val="A9B7C6"/>
+                </a:solidFill>
+                <a:effectLst/>
+                <a:latin typeface="Arial Unicode MS" panose="020B0604020202020204" pitchFamily="34" charset="-120"/>
+                <a:ea typeface="JetBrains Mono"/>
+              </a:rPr>
+              <a:t>(bean </a:t>
+            </a:r>
+            <a:r>
+              <a:rPr kumimoji="0" lang="zh-TW" altLang="zh-TW" sz="1200" b="0" i="0" u="none" strike="noStrike" cap="none" normalizeH="0" baseline="0" dirty="0">
+                <a:ln>
+                  <a:noFill/>
+                </a:ln>
+                <a:solidFill>
+                  <a:srgbClr val="CC7832"/>
+                </a:solidFill>
+                <a:effectLst/>
+                <a:latin typeface="Arial Unicode MS" panose="020B0604020202020204" pitchFamily="34" charset="-120"/>
+                <a:ea typeface="JetBrains Mono"/>
+              </a:rPr>
+              <a:t>instanceof </a:t>
+            </a:r>
+            <a:r>
+              <a:rPr kumimoji="0" lang="zh-TW" altLang="zh-TW" sz="1200" b="0" i="0" u="none" strike="noStrike" cap="none" normalizeH="0" baseline="0" dirty="0">
+                <a:ln>
+                  <a:noFill/>
+                </a:ln>
+                <a:solidFill>
+                  <a:srgbClr val="A9B7C6"/>
+                </a:solidFill>
+                <a:effectLst/>
+                <a:latin typeface="Arial Unicode MS" panose="020B0604020202020204" pitchFamily="34" charset="-120"/>
+                <a:ea typeface="JetBrains Mono"/>
+              </a:rPr>
+              <a:t>WebMvcRequestHandlerProvider || bean </a:t>
+            </a:r>
+            <a:r>
+              <a:rPr kumimoji="0" lang="zh-TW" altLang="zh-TW" sz="1200" b="0" i="0" u="none" strike="noStrike" cap="none" normalizeH="0" baseline="0" dirty="0">
+                <a:ln>
+                  <a:noFill/>
+                </a:ln>
+                <a:solidFill>
+                  <a:srgbClr val="CC7832"/>
+                </a:solidFill>
+                <a:effectLst/>
+                <a:latin typeface="Arial Unicode MS" panose="020B0604020202020204" pitchFamily="34" charset="-120"/>
+                <a:ea typeface="JetBrains Mono"/>
+              </a:rPr>
+              <a:t>instanceof </a:t>
+            </a:r>
+            <a:r>
+              <a:rPr kumimoji="0" lang="zh-TW" altLang="zh-TW" sz="1200" b="0" i="0" u="none" strike="noStrike" cap="none" normalizeH="0" baseline="0" dirty="0">
+                <a:ln>
+                  <a:noFill/>
+                </a:ln>
+                <a:solidFill>
+                  <a:srgbClr val="A9B7C6"/>
+                </a:solidFill>
+                <a:effectLst/>
+                <a:latin typeface="Arial Unicode MS" panose="020B0604020202020204" pitchFamily="34" charset="-120"/>
+                <a:ea typeface="JetBrains Mono"/>
+              </a:rPr>
+              <a:t>WebFluxRequestHandlerProvider) {</a:t>
+            </a:r>
+            <a:br>
+              <a:rPr kumimoji="0" lang="zh-TW" altLang="zh-TW" sz="1200" b="0" i="0" u="none" strike="noStrike" cap="none" normalizeH="0" baseline="0" dirty="0">
+                <a:ln>
+                  <a:noFill/>
+                </a:ln>
+                <a:solidFill>
+                  <a:srgbClr val="A9B7C6"/>
+                </a:solidFill>
+                <a:effectLst/>
+                <a:latin typeface="Arial Unicode MS" panose="020B0604020202020204" pitchFamily="34" charset="-120"/>
+                <a:ea typeface="JetBrains Mono"/>
+              </a:rPr>
+            </a:br>
+            <a:r>
+              <a:rPr kumimoji="0" lang="zh-TW" altLang="zh-TW" sz="1200" b="0" i="0" u="none" strike="noStrike" cap="none" normalizeH="0" baseline="0" dirty="0">
+                <a:ln>
+                  <a:noFill/>
+                </a:ln>
+                <a:solidFill>
+                  <a:srgbClr val="A9B7C6"/>
+                </a:solidFill>
+                <a:effectLst/>
+                <a:latin typeface="Arial Unicode MS" panose="020B0604020202020204" pitchFamily="34" charset="-120"/>
+                <a:ea typeface="JetBrains Mono"/>
+              </a:rPr>
+              <a:t>                customizeSpringfoxHandlerMappings(getHandlerMappings(bean))</a:t>
+            </a:r>
+            <a:r>
+              <a:rPr kumimoji="0" lang="zh-TW" altLang="zh-TW" sz="1200" b="0" i="0" u="none" strike="noStrike" cap="none" normalizeH="0" baseline="0" dirty="0">
+                <a:ln>
+                  <a:noFill/>
+                </a:ln>
+                <a:solidFill>
+                  <a:srgbClr val="CC7832"/>
+                </a:solidFill>
+                <a:effectLst/>
+                <a:latin typeface="Arial Unicode MS" panose="020B0604020202020204" pitchFamily="34" charset="-120"/>
+                <a:ea typeface="JetBrains Mono"/>
+              </a:rPr>
+              <a:t>;</a:t>
+            </a:r>
+            <a:br>
+              <a:rPr kumimoji="0" lang="zh-TW" altLang="zh-TW" sz="1200" b="0" i="0" u="none" strike="noStrike" cap="none" normalizeH="0" baseline="0" dirty="0">
+                <a:ln>
+                  <a:noFill/>
+                </a:ln>
+                <a:solidFill>
+                  <a:srgbClr val="CC7832"/>
+                </a:solidFill>
+                <a:effectLst/>
+                <a:latin typeface="Arial Unicode MS" panose="020B0604020202020204" pitchFamily="34" charset="-120"/>
+                <a:ea typeface="JetBrains Mono"/>
+              </a:rPr>
+            </a:br>
+            <a:r>
+              <a:rPr kumimoji="0" lang="zh-TW" altLang="zh-TW" sz="1200" b="0" i="0" u="none" strike="noStrike" cap="none" normalizeH="0" baseline="0" dirty="0">
+                <a:ln>
+                  <a:noFill/>
+                </a:ln>
+                <a:solidFill>
+                  <a:srgbClr val="CC7832"/>
+                </a:solidFill>
+                <a:effectLst/>
+                <a:latin typeface="Arial Unicode MS" panose="020B0604020202020204" pitchFamily="34" charset="-120"/>
+                <a:ea typeface="JetBrains Mono"/>
+              </a:rPr>
+              <a:t>            </a:t>
+            </a:r>
+            <a:r>
+              <a:rPr kumimoji="0" lang="zh-TW" altLang="zh-TW" sz="1200" b="0" i="0" u="none" strike="noStrike" cap="none" normalizeH="0" baseline="0" dirty="0">
+                <a:ln>
+                  <a:noFill/>
+                </a:ln>
+                <a:solidFill>
+                  <a:srgbClr val="A9B7C6"/>
+                </a:solidFill>
+                <a:effectLst/>
+                <a:latin typeface="Arial Unicode MS" panose="020B0604020202020204" pitchFamily="34" charset="-120"/>
+                <a:ea typeface="JetBrains Mono"/>
+              </a:rPr>
+              <a:t>}</a:t>
+            </a:r>
+            <a:br>
+              <a:rPr kumimoji="0" lang="zh-TW" altLang="zh-TW" sz="1200" b="0" i="0" u="none" strike="noStrike" cap="none" normalizeH="0" baseline="0" dirty="0">
+                <a:ln>
+                  <a:noFill/>
+                </a:ln>
+                <a:solidFill>
+                  <a:srgbClr val="A9B7C6"/>
+                </a:solidFill>
+                <a:effectLst/>
+                <a:latin typeface="Arial Unicode MS" panose="020B0604020202020204" pitchFamily="34" charset="-120"/>
+                <a:ea typeface="JetBrains Mono"/>
+              </a:rPr>
+            </a:br>
+            <a:r>
+              <a:rPr kumimoji="0" lang="zh-TW" altLang="zh-TW" sz="1200" b="0" i="0" u="none" strike="noStrike" cap="none" normalizeH="0" baseline="0" dirty="0">
+                <a:ln>
+                  <a:noFill/>
+                </a:ln>
+                <a:solidFill>
+                  <a:srgbClr val="A9B7C6"/>
+                </a:solidFill>
+                <a:effectLst/>
+                <a:latin typeface="Arial Unicode MS" panose="020B0604020202020204" pitchFamily="34" charset="-120"/>
+                <a:ea typeface="JetBrains Mono"/>
+              </a:rPr>
+              <a:t>            </a:t>
+            </a:r>
+            <a:r>
+              <a:rPr kumimoji="0" lang="zh-TW" altLang="zh-TW" sz="1200" b="0" i="0" u="none" strike="noStrike" cap="none" normalizeH="0" baseline="0" dirty="0">
+                <a:ln>
+                  <a:noFill/>
+                </a:ln>
+                <a:solidFill>
+                  <a:srgbClr val="CC7832"/>
+                </a:solidFill>
+                <a:effectLst/>
+                <a:latin typeface="Arial Unicode MS" panose="020B0604020202020204" pitchFamily="34" charset="-120"/>
+                <a:ea typeface="JetBrains Mono"/>
+              </a:rPr>
+              <a:t>return </a:t>
+            </a:r>
+            <a:r>
+              <a:rPr kumimoji="0" lang="zh-TW" altLang="zh-TW" sz="1200" b="0" i="0" u="none" strike="noStrike" cap="none" normalizeH="0" baseline="0" dirty="0">
+                <a:ln>
+                  <a:noFill/>
+                </a:ln>
+                <a:solidFill>
+                  <a:srgbClr val="A9B7C6"/>
+                </a:solidFill>
+                <a:effectLst/>
+                <a:latin typeface="Arial Unicode MS" panose="020B0604020202020204" pitchFamily="34" charset="-120"/>
+                <a:ea typeface="JetBrains Mono"/>
+              </a:rPr>
+              <a:t>bean</a:t>
+            </a:r>
+            <a:r>
+              <a:rPr kumimoji="0" lang="zh-TW" altLang="zh-TW" sz="1200" b="0" i="0" u="none" strike="noStrike" cap="none" normalizeH="0" baseline="0" dirty="0">
+                <a:ln>
+                  <a:noFill/>
+                </a:ln>
+                <a:solidFill>
+                  <a:srgbClr val="CC7832"/>
+                </a:solidFill>
+                <a:effectLst/>
+                <a:latin typeface="Arial Unicode MS" panose="020B0604020202020204" pitchFamily="34" charset="-120"/>
+                <a:ea typeface="JetBrains Mono"/>
+              </a:rPr>
+              <a:t>;</a:t>
+            </a:r>
+            <a:br>
+              <a:rPr kumimoji="0" lang="zh-TW" altLang="zh-TW" sz="1200" b="0" i="0" u="none" strike="noStrike" cap="none" normalizeH="0" baseline="0" dirty="0">
+                <a:ln>
+                  <a:noFill/>
+                </a:ln>
+                <a:solidFill>
+                  <a:srgbClr val="CC7832"/>
+                </a:solidFill>
+                <a:effectLst/>
+                <a:latin typeface="Arial Unicode MS" panose="020B0604020202020204" pitchFamily="34" charset="-120"/>
+                <a:ea typeface="JetBrains Mono"/>
+              </a:rPr>
+            </a:br>
+            <a:r>
+              <a:rPr kumimoji="0" lang="zh-TW" altLang="zh-TW" sz="1200" b="0" i="0" u="none" strike="noStrike" cap="none" normalizeH="0" baseline="0" dirty="0">
+                <a:ln>
+                  <a:noFill/>
+                </a:ln>
+                <a:solidFill>
+                  <a:srgbClr val="CC7832"/>
+                </a:solidFill>
+                <a:effectLst/>
+                <a:latin typeface="Arial Unicode MS" panose="020B0604020202020204" pitchFamily="34" charset="-120"/>
+                <a:ea typeface="JetBrains Mono"/>
+              </a:rPr>
+              <a:t>        </a:t>
+            </a:r>
+            <a:r>
+              <a:rPr kumimoji="0" lang="zh-TW" altLang="zh-TW" sz="1200" b="0" i="0" u="none" strike="noStrike" cap="none" normalizeH="0" baseline="0" dirty="0">
+                <a:ln>
+                  <a:noFill/>
+                </a:ln>
+                <a:solidFill>
+                  <a:srgbClr val="A9B7C6"/>
+                </a:solidFill>
+                <a:effectLst/>
+                <a:latin typeface="Arial Unicode MS" panose="020B0604020202020204" pitchFamily="34" charset="-120"/>
+                <a:ea typeface="JetBrains Mono"/>
+              </a:rPr>
+              <a:t>}</a:t>
+            </a:r>
+            <a:br>
+              <a:rPr kumimoji="0" lang="zh-TW" altLang="zh-TW" sz="1200" b="0" i="0" u="none" strike="noStrike" cap="none" normalizeH="0" baseline="0" dirty="0">
+                <a:ln>
+                  <a:noFill/>
+                </a:ln>
+                <a:solidFill>
+                  <a:srgbClr val="A9B7C6"/>
+                </a:solidFill>
+                <a:effectLst/>
+                <a:latin typeface="Arial Unicode MS" panose="020B0604020202020204" pitchFamily="34" charset="-120"/>
+                <a:ea typeface="JetBrains Mono"/>
+              </a:rPr>
+            </a:br>
+            <a:br>
+              <a:rPr kumimoji="0" lang="zh-TW" altLang="zh-TW" sz="1200" b="0" i="0" u="none" strike="noStrike" cap="none" normalizeH="0" baseline="0" dirty="0">
+                <a:ln>
+                  <a:noFill/>
+                </a:ln>
+                <a:solidFill>
+                  <a:srgbClr val="A9B7C6"/>
+                </a:solidFill>
+                <a:effectLst/>
+                <a:latin typeface="Arial Unicode MS" panose="020B0604020202020204" pitchFamily="34" charset="-120"/>
+                <a:ea typeface="JetBrains Mono"/>
+              </a:rPr>
+            </a:br>
+            <a:r>
+              <a:rPr kumimoji="0" lang="zh-TW" altLang="zh-TW" sz="1200" b="0" i="0" u="none" strike="noStrike" cap="none" normalizeH="0" baseline="0" dirty="0">
+                <a:ln>
+                  <a:noFill/>
+                </a:ln>
+                <a:solidFill>
+                  <a:srgbClr val="A9B7C6"/>
+                </a:solidFill>
+                <a:effectLst/>
+                <a:latin typeface="Arial Unicode MS" panose="020B0604020202020204" pitchFamily="34" charset="-120"/>
+                <a:ea typeface="JetBrains Mono"/>
+              </a:rPr>
+              <a:t>        </a:t>
+            </a:r>
+            <a:r>
+              <a:rPr kumimoji="0" lang="zh-TW" altLang="zh-TW" sz="1200" b="0" i="0" u="none" strike="noStrike" cap="none" normalizeH="0" baseline="0" dirty="0">
+                <a:ln>
+                  <a:noFill/>
+                </a:ln>
+                <a:solidFill>
+                  <a:srgbClr val="CC7832"/>
+                </a:solidFill>
+                <a:effectLst/>
+                <a:latin typeface="Arial Unicode MS" panose="020B0604020202020204" pitchFamily="34" charset="-120"/>
+                <a:ea typeface="JetBrains Mono"/>
+              </a:rPr>
+              <a:t>private </a:t>
+            </a:r>
+            <a:r>
+              <a:rPr kumimoji="0" lang="zh-TW" altLang="zh-TW" sz="1200" b="0" i="0" u="none" strike="noStrike" cap="none" normalizeH="0" baseline="0" dirty="0">
+                <a:ln>
+                  <a:noFill/>
+                </a:ln>
+                <a:solidFill>
+                  <a:srgbClr val="A9B7C6"/>
+                </a:solidFill>
+                <a:effectLst/>
+                <a:latin typeface="Arial Unicode MS" panose="020B0604020202020204" pitchFamily="34" charset="-120"/>
+                <a:ea typeface="JetBrains Mono"/>
+              </a:rPr>
+              <a:t>&lt;</a:t>
+            </a:r>
+            <a:r>
+              <a:rPr kumimoji="0" lang="zh-TW" altLang="zh-TW" sz="1200" b="0" i="0" u="none" strike="noStrike" cap="none" normalizeH="0" baseline="0" dirty="0">
+                <a:ln>
+                  <a:noFill/>
+                </a:ln>
+                <a:solidFill>
+                  <a:srgbClr val="507874"/>
+                </a:solidFill>
+                <a:effectLst/>
+                <a:latin typeface="Arial Unicode MS" panose="020B0604020202020204" pitchFamily="34" charset="-120"/>
+                <a:ea typeface="JetBrains Mono"/>
+              </a:rPr>
+              <a:t>T </a:t>
+            </a:r>
+            <a:r>
+              <a:rPr kumimoji="0" lang="zh-TW" altLang="zh-TW" sz="1200" b="0" i="0" u="none" strike="noStrike" cap="none" normalizeH="0" baseline="0" dirty="0">
+                <a:ln>
+                  <a:noFill/>
+                </a:ln>
+                <a:solidFill>
+                  <a:srgbClr val="CC7832"/>
+                </a:solidFill>
+                <a:effectLst/>
+                <a:latin typeface="Arial Unicode MS" panose="020B0604020202020204" pitchFamily="34" charset="-120"/>
+                <a:ea typeface="JetBrains Mono"/>
+              </a:rPr>
+              <a:t>extends </a:t>
+            </a:r>
+            <a:r>
+              <a:rPr kumimoji="0" lang="zh-TW" altLang="zh-TW" sz="1200" b="0" i="0" u="none" strike="noStrike" cap="none" normalizeH="0" baseline="0" dirty="0">
+                <a:ln>
+                  <a:noFill/>
+                </a:ln>
+                <a:solidFill>
+                  <a:srgbClr val="A9B7C6"/>
+                </a:solidFill>
+                <a:effectLst/>
+                <a:latin typeface="Arial Unicode MS" panose="020B0604020202020204" pitchFamily="34" charset="-120"/>
+                <a:ea typeface="JetBrains Mono"/>
+              </a:rPr>
+              <a:t>RequestMappingInfoHandlerMapping&gt; </a:t>
+            </a:r>
+            <a:r>
+              <a:rPr kumimoji="0" lang="zh-TW" altLang="zh-TW" sz="1200" b="0" i="0" u="none" strike="noStrike" cap="none" normalizeH="0" baseline="0" dirty="0">
+                <a:ln>
+                  <a:noFill/>
+                </a:ln>
+                <a:solidFill>
+                  <a:srgbClr val="CC7832"/>
+                </a:solidFill>
+                <a:effectLst/>
+                <a:latin typeface="Arial Unicode MS" panose="020B0604020202020204" pitchFamily="34" charset="-120"/>
+                <a:ea typeface="JetBrains Mono"/>
+              </a:rPr>
+              <a:t>void </a:t>
+            </a:r>
+            <a:r>
+              <a:rPr kumimoji="0" lang="zh-TW" altLang="zh-TW" sz="1200" b="0" i="0" u="none" strike="noStrike" cap="none" normalizeH="0" baseline="0" dirty="0">
+                <a:ln>
+                  <a:noFill/>
+                </a:ln>
+                <a:solidFill>
+                  <a:srgbClr val="FFC66D"/>
+                </a:solidFill>
+                <a:effectLst/>
+                <a:latin typeface="Arial Unicode MS" panose="020B0604020202020204" pitchFamily="34" charset="-120"/>
+                <a:ea typeface="JetBrains Mono"/>
+              </a:rPr>
+              <a:t>customizeSpringfoxHandlerMappings</a:t>
+            </a:r>
+            <a:r>
+              <a:rPr kumimoji="0" lang="zh-TW" altLang="zh-TW" sz="1200" b="0" i="0" u="none" strike="noStrike" cap="none" normalizeH="0" baseline="0" dirty="0">
+                <a:ln>
+                  <a:noFill/>
+                </a:ln>
+                <a:solidFill>
+                  <a:srgbClr val="A9B7C6"/>
+                </a:solidFill>
+                <a:effectLst/>
+                <a:latin typeface="Arial Unicode MS" panose="020B0604020202020204" pitchFamily="34" charset="-120"/>
+                <a:ea typeface="JetBrains Mono"/>
+              </a:rPr>
+              <a:t>(List&lt;</a:t>
+            </a:r>
+            <a:r>
+              <a:rPr kumimoji="0" lang="zh-TW" altLang="zh-TW" sz="1200" b="0" i="0" u="none" strike="noStrike" cap="none" normalizeH="0" baseline="0" dirty="0">
+                <a:ln>
+                  <a:noFill/>
+                </a:ln>
+                <a:solidFill>
+                  <a:srgbClr val="507874"/>
+                </a:solidFill>
+                <a:effectLst/>
+                <a:latin typeface="Arial Unicode MS" panose="020B0604020202020204" pitchFamily="34" charset="-120"/>
+                <a:ea typeface="JetBrains Mono"/>
+              </a:rPr>
+              <a:t>T</a:t>
+            </a:r>
+            <a:r>
+              <a:rPr kumimoji="0" lang="zh-TW" altLang="zh-TW" sz="1200" b="0" i="0" u="none" strike="noStrike" cap="none" normalizeH="0" baseline="0" dirty="0">
+                <a:ln>
+                  <a:noFill/>
+                </a:ln>
+                <a:solidFill>
+                  <a:srgbClr val="A9B7C6"/>
+                </a:solidFill>
+                <a:effectLst/>
+                <a:latin typeface="Arial Unicode MS" panose="020B0604020202020204" pitchFamily="34" charset="-120"/>
+                <a:ea typeface="JetBrains Mono"/>
+              </a:rPr>
+              <a:t>&gt; mappings) {</a:t>
+            </a:r>
+            <a:br>
+              <a:rPr kumimoji="0" lang="zh-TW" altLang="zh-TW" sz="1200" b="0" i="0" u="none" strike="noStrike" cap="none" normalizeH="0" baseline="0" dirty="0">
+                <a:ln>
+                  <a:noFill/>
+                </a:ln>
+                <a:solidFill>
+                  <a:srgbClr val="A9B7C6"/>
+                </a:solidFill>
+                <a:effectLst/>
+                <a:latin typeface="Arial Unicode MS" panose="020B0604020202020204" pitchFamily="34" charset="-120"/>
+                <a:ea typeface="JetBrains Mono"/>
+              </a:rPr>
+            </a:br>
+            <a:r>
+              <a:rPr kumimoji="0" lang="zh-TW" altLang="zh-TW" sz="1200" b="0" i="0" u="none" strike="noStrike" cap="none" normalizeH="0" baseline="0" dirty="0">
+                <a:ln>
+                  <a:noFill/>
+                </a:ln>
+                <a:solidFill>
+                  <a:srgbClr val="A9B7C6"/>
+                </a:solidFill>
+                <a:effectLst/>
+                <a:latin typeface="Arial Unicode MS" panose="020B0604020202020204" pitchFamily="34" charset="-120"/>
+                <a:ea typeface="JetBrains Mono"/>
+              </a:rPr>
+              <a:t>            List&lt;</a:t>
+            </a:r>
+            <a:r>
+              <a:rPr kumimoji="0" lang="zh-TW" altLang="zh-TW" sz="1200" b="0" i="0" u="none" strike="noStrike" cap="none" normalizeH="0" baseline="0" dirty="0">
+                <a:ln>
+                  <a:noFill/>
+                </a:ln>
+                <a:solidFill>
+                  <a:srgbClr val="507874"/>
+                </a:solidFill>
+                <a:effectLst/>
+                <a:latin typeface="Arial Unicode MS" panose="020B0604020202020204" pitchFamily="34" charset="-120"/>
+                <a:ea typeface="JetBrains Mono"/>
+              </a:rPr>
+              <a:t>T</a:t>
+            </a:r>
+            <a:r>
+              <a:rPr kumimoji="0" lang="zh-TW" altLang="zh-TW" sz="1200" b="0" i="0" u="none" strike="noStrike" cap="none" normalizeH="0" baseline="0" dirty="0">
+                <a:ln>
+                  <a:noFill/>
+                </a:ln>
+                <a:solidFill>
+                  <a:srgbClr val="A9B7C6"/>
+                </a:solidFill>
+                <a:effectLst/>
+                <a:latin typeface="Arial Unicode MS" panose="020B0604020202020204" pitchFamily="34" charset="-120"/>
+                <a:ea typeface="JetBrains Mono"/>
+              </a:rPr>
+              <a:t>&gt; copy = mappings.stream()</a:t>
+            </a:r>
+            <a:br>
+              <a:rPr kumimoji="0" lang="zh-TW" altLang="zh-TW" sz="1200" b="0" i="0" u="none" strike="noStrike" cap="none" normalizeH="0" baseline="0" dirty="0">
+                <a:ln>
+                  <a:noFill/>
+                </a:ln>
+                <a:solidFill>
+                  <a:srgbClr val="A9B7C6"/>
+                </a:solidFill>
+                <a:effectLst/>
+                <a:latin typeface="Arial Unicode MS" panose="020B0604020202020204" pitchFamily="34" charset="-120"/>
+                <a:ea typeface="JetBrains Mono"/>
+              </a:rPr>
+            </a:br>
+            <a:r>
+              <a:rPr kumimoji="0" lang="zh-TW" altLang="zh-TW" sz="1200" b="0" i="0" u="none" strike="noStrike" cap="none" normalizeH="0" baseline="0" dirty="0">
+                <a:ln>
+                  <a:noFill/>
+                </a:ln>
+                <a:solidFill>
+                  <a:srgbClr val="A9B7C6"/>
+                </a:solidFill>
+                <a:effectLst/>
+                <a:latin typeface="Arial Unicode MS" panose="020B0604020202020204" pitchFamily="34" charset="-120"/>
+                <a:ea typeface="JetBrains Mono"/>
+              </a:rPr>
+              <a:t>                    .filter(mapping -&gt; mapping.getPatternParser() == </a:t>
+            </a:r>
+            <a:r>
+              <a:rPr kumimoji="0" lang="zh-TW" altLang="zh-TW" sz="1200" b="0" i="0" u="none" strike="noStrike" cap="none" normalizeH="0" baseline="0" dirty="0">
+                <a:ln>
+                  <a:noFill/>
+                </a:ln>
+                <a:solidFill>
+                  <a:srgbClr val="CC7832"/>
+                </a:solidFill>
+                <a:effectLst/>
+                <a:latin typeface="Arial Unicode MS" panose="020B0604020202020204" pitchFamily="34" charset="-120"/>
+                <a:ea typeface="JetBrains Mono"/>
+              </a:rPr>
+              <a:t>null</a:t>
+            </a:r>
+            <a:r>
+              <a:rPr kumimoji="0" lang="zh-TW" altLang="zh-TW" sz="1200" b="0" i="0" u="none" strike="noStrike" cap="none" normalizeH="0" baseline="0" dirty="0">
+                <a:ln>
+                  <a:noFill/>
+                </a:ln>
+                <a:solidFill>
+                  <a:srgbClr val="A9B7C6"/>
+                </a:solidFill>
+                <a:effectLst/>
+                <a:latin typeface="Arial Unicode MS" panose="020B0604020202020204" pitchFamily="34" charset="-120"/>
+                <a:ea typeface="JetBrains Mono"/>
+              </a:rPr>
+              <a:t>)</a:t>
+            </a:r>
+            <a:br>
+              <a:rPr kumimoji="0" lang="zh-TW" altLang="zh-TW" sz="1200" b="0" i="0" u="none" strike="noStrike" cap="none" normalizeH="0" baseline="0" dirty="0">
+                <a:ln>
+                  <a:noFill/>
+                </a:ln>
+                <a:solidFill>
+                  <a:srgbClr val="A9B7C6"/>
+                </a:solidFill>
+                <a:effectLst/>
+                <a:latin typeface="Arial Unicode MS" panose="020B0604020202020204" pitchFamily="34" charset="-120"/>
+                <a:ea typeface="JetBrains Mono"/>
+              </a:rPr>
+            </a:br>
+            <a:r>
+              <a:rPr kumimoji="0" lang="zh-TW" altLang="zh-TW" sz="1200" b="0" i="0" u="none" strike="noStrike" cap="none" normalizeH="0" baseline="0" dirty="0">
+                <a:ln>
+                  <a:noFill/>
+                </a:ln>
+                <a:solidFill>
+                  <a:srgbClr val="A9B7C6"/>
+                </a:solidFill>
+                <a:effectLst/>
+                <a:latin typeface="Arial Unicode MS" panose="020B0604020202020204" pitchFamily="34" charset="-120"/>
+                <a:ea typeface="JetBrains Mono"/>
+              </a:rPr>
+              <a:t>                    .collect(Collectors.</a:t>
+            </a:r>
+            <a:r>
+              <a:rPr kumimoji="0" lang="zh-TW" altLang="zh-TW" sz="1200" b="0" i="1" u="none" strike="noStrike" cap="none" normalizeH="0" baseline="0" dirty="0">
+                <a:ln>
+                  <a:noFill/>
+                </a:ln>
+                <a:solidFill>
+                  <a:srgbClr val="A9B7C6"/>
+                </a:solidFill>
+                <a:effectLst/>
+                <a:latin typeface="Arial Unicode MS" panose="020B0604020202020204" pitchFamily="34" charset="-120"/>
+                <a:ea typeface="JetBrains Mono"/>
+              </a:rPr>
+              <a:t>toList</a:t>
+            </a:r>
+            <a:r>
+              <a:rPr kumimoji="0" lang="zh-TW" altLang="zh-TW" sz="1200" b="0" i="0" u="none" strike="noStrike" cap="none" normalizeH="0" baseline="0" dirty="0">
+                <a:ln>
+                  <a:noFill/>
+                </a:ln>
+                <a:solidFill>
+                  <a:srgbClr val="A9B7C6"/>
+                </a:solidFill>
+                <a:effectLst/>
+                <a:latin typeface="Arial Unicode MS" panose="020B0604020202020204" pitchFamily="34" charset="-120"/>
+                <a:ea typeface="JetBrains Mono"/>
+              </a:rPr>
+              <a:t>())</a:t>
+            </a:r>
+            <a:r>
+              <a:rPr kumimoji="0" lang="zh-TW" altLang="zh-TW" sz="1200" b="0" i="0" u="none" strike="noStrike" cap="none" normalizeH="0" baseline="0" dirty="0">
+                <a:ln>
+                  <a:noFill/>
+                </a:ln>
+                <a:solidFill>
+                  <a:srgbClr val="CC7832"/>
+                </a:solidFill>
+                <a:effectLst/>
+                <a:latin typeface="Arial Unicode MS" panose="020B0604020202020204" pitchFamily="34" charset="-120"/>
+                <a:ea typeface="JetBrains Mono"/>
+              </a:rPr>
+              <a:t>;</a:t>
+            </a:r>
+            <a:br>
+              <a:rPr kumimoji="0" lang="zh-TW" altLang="zh-TW" sz="1200" b="0" i="0" u="none" strike="noStrike" cap="none" normalizeH="0" baseline="0" dirty="0">
+                <a:ln>
+                  <a:noFill/>
+                </a:ln>
+                <a:solidFill>
+                  <a:srgbClr val="CC7832"/>
+                </a:solidFill>
+                <a:effectLst/>
+                <a:latin typeface="Arial Unicode MS" panose="020B0604020202020204" pitchFamily="34" charset="-120"/>
+                <a:ea typeface="JetBrains Mono"/>
+              </a:rPr>
+            </a:br>
+            <a:r>
+              <a:rPr kumimoji="0" lang="zh-TW" altLang="zh-TW" sz="1200" b="0" i="0" u="none" strike="noStrike" cap="none" normalizeH="0" baseline="0" dirty="0">
+                <a:ln>
+                  <a:noFill/>
+                </a:ln>
+                <a:solidFill>
+                  <a:srgbClr val="CC7832"/>
+                </a:solidFill>
+                <a:effectLst/>
+                <a:latin typeface="Arial Unicode MS" panose="020B0604020202020204" pitchFamily="34" charset="-120"/>
+                <a:ea typeface="JetBrains Mono"/>
+              </a:rPr>
+              <a:t>            </a:t>
+            </a:r>
+            <a:r>
+              <a:rPr kumimoji="0" lang="zh-TW" altLang="zh-TW" sz="1200" b="0" i="0" u="none" strike="noStrike" cap="none" normalizeH="0" baseline="0" dirty="0">
+                <a:ln>
+                  <a:noFill/>
+                </a:ln>
+                <a:solidFill>
+                  <a:srgbClr val="A9B7C6"/>
+                </a:solidFill>
+                <a:effectLst/>
+                <a:latin typeface="Arial Unicode MS" panose="020B0604020202020204" pitchFamily="34" charset="-120"/>
+                <a:ea typeface="JetBrains Mono"/>
+              </a:rPr>
+              <a:t>mappings.clear()</a:t>
+            </a:r>
+            <a:r>
+              <a:rPr kumimoji="0" lang="zh-TW" altLang="zh-TW" sz="1200" b="0" i="0" u="none" strike="noStrike" cap="none" normalizeH="0" baseline="0" dirty="0">
+                <a:ln>
+                  <a:noFill/>
+                </a:ln>
+                <a:solidFill>
+                  <a:srgbClr val="CC7832"/>
+                </a:solidFill>
+                <a:effectLst/>
+                <a:latin typeface="Arial Unicode MS" panose="020B0604020202020204" pitchFamily="34" charset="-120"/>
+                <a:ea typeface="JetBrains Mono"/>
+              </a:rPr>
+              <a:t>;</a:t>
+            </a:r>
+            <a:br>
+              <a:rPr kumimoji="0" lang="zh-TW" altLang="zh-TW" sz="1200" b="0" i="0" u="none" strike="noStrike" cap="none" normalizeH="0" baseline="0" dirty="0">
+                <a:ln>
+                  <a:noFill/>
+                </a:ln>
+                <a:solidFill>
+                  <a:srgbClr val="CC7832"/>
+                </a:solidFill>
+                <a:effectLst/>
+                <a:latin typeface="Arial Unicode MS" panose="020B0604020202020204" pitchFamily="34" charset="-120"/>
+                <a:ea typeface="JetBrains Mono"/>
+              </a:rPr>
+            </a:br>
+            <a:r>
+              <a:rPr kumimoji="0" lang="zh-TW" altLang="zh-TW" sz="1200" b="0" i="0" u="none" strike="noStrike" cap="none" normalizeH="0" baseline="0" dirty="0">
+                <a:ln>
+                  <a:noFill/>
+                </a:ln>
+                <a:solidFill>
+                  <a:srgbClr val="CC7832"/>
+                </a:solidFill>
+                <a:effectLst/>
+                <a:latin typeface="Arial Unicode MS" panose="020B0604020202020204" pitchFamily="34" charset="-120"/>
+                <a:ea typeface="JetBrains Mono"/>
+              </a:rPr>
+              <a:t>            </a:t>
+            </a:r>
+            <a:r>
+              <a:rPr kumimoji="0" lang="zh-TW" altLang="zh-TW" sz="1200" b="0" i="0" u="none" strike="noStrike" cap="none" normalizeH="0" baseline="0" dirty="0">
+                <a:ln>
+                  <a:noFill/>
+                </a:ln>
+                <a:solidFill>
+                  <a:srgbClr val="A9B7C6"/>
+                </a:solidFill>
+                <a:effectLst/>
+                <a:latin typeface="Arial Unicode MS" panose="020B0604020202020204" pitchFamily="34" charset="-120"/>
+                <a:ea typeface="JetBrains Mono"/>
+              </a:rPr>
+              <a:t>mappings.addAll(copy)</a:t>
+            </a:r>
+            <a:r>
+              <a:rPr kumimoji="0" lang="zh-TW" altLang="zh-TW" sz="1200" b="0" i="0" u="none" strike="noStrike" cap="none" normalizeH="0" baseline="0" dirty="0">
+                <a:ln>
+                  <a:noFill/>
+                </a:ln>
+                <a:solidFill>
+                  <a:srgbClr val="CC7832"/>
+                </a:solidFill>
+                <a:effectLst/>
+                <a:latin typeface="Arial Unicode MS" panose="020B0604020202020204" pitchFamily="34" charset="-120"/>
+                <a:ea typeface="JetBrains Mono"/>
+              </a:rPr>
+              <a:t>;</a:t>
+            </a:r>
+            <a:br>
+              <a:rPr kumimoji="0" lang="zh-TW" altLang="zh-TW" sz="1200" b="0" i="0" u="none" strike="noStrike" cap="none" normalizeH="0" baseline="0" dirty="0">
+                <a:ln>
+                  <a:noFill/>
+                </a:ln>
+                <a:solidFill>
+                  <a:srgbClr val="CC7832"/>
+                </a:solidFill>
+                <a:effectLst/>
+                <a:latin typeface="Arial Unicode MS" panose="020B0604020202020204" pitchFamily="34" charset="-120"/>
+                <a:ea typeface="JetBrains Mono"/>
+              </a:rPr>
+            </a:br>
+            <a:r>
+              <a:rPr kumimoji="0" lang="zh-TW" altLang="zh-TW" sz="1200" b="0" i="0" u="none" strike="noStrike" cap="none" normalizeH="0" baseline="0" dirty="0">
+                <a:ln>
+                  <a:noFill/>
+                </a:ln>
+                <a:solidFill>
+                  <a:srgbClr val="CC7832"/>
+                </a:solidFill>
+                <a:effectLst/>
+                <a:latin typeface="Arial Unicode MS" panose="020B0604020202020204" pitchFamily="34" charset="-120"/>
+                <a:ea typeface="JetBrains Mono"/>
+              </a:rPr>
+              <a:t>        </a:t>
+            </a:r>
+            <a:r>
+              <a:rPr kumimoji="0" lang="zh-TW" altLang="zh-TW" sz="1200" b="0" i="0" u="none" strike="noStrike" cap="none" normalizeH="0" baseline="0" dirty="0">
+                <a:ln>
+                  <a:noFill/>
+                </a:ln>
+                <a:solidFill>
+                  <a:srgbClr val="A9B7C6"/>
+                </a:solidFill>
+                <a:effectLst/>
+                <a:latin typeface="Arial Unicode MS" panose="020B0604020202020204" pitchFamily="34" charset="-120"/>
+                <a:ea typeface="JetBrains Mono"/>
+              </a:rPr>
+              <a:t>}</a:t>
+            </a:r>
+            <a:br>
+              <a:rPr kumimoji="0" lang="zh-TW" altLang="zh-TW" sz="1200" b="0" i="0" u="none" strike="noStrike" cap="none" normalizeH="0" baseline="0" dirty="0">
+                <a:ln>
+                  <a:noFill/>
+                </a:ln>
+                <a:solidFill>
+                  <a:srgbClr val="A9B7C6"/>
+                </a:solidFill>
+                <a:effectLst/>
+                <a:latin typeface="Arial Unicode MS" panose="020B0604020202020204" pitchFamily="34" charset="-120"/>
+                <a:ea typeface="JetBrains Mono"/>
+              </a:rPr>
+            </a:br>
+            <a:br>
+              <a:rPr kumimoji="0" lang="zh-TW" altLang="zh-TW" sz="1200" b="0" i="0" u="none" strike="noStrike" cap="none" normalizeH="0" baseline="0" dirty="0">
+                <a:ln>
+                  <a:noFill/>
+                </a:ln>
+                <a:solidFill>
+                  <a:srgbClr val="A9B7C6"/>
+                </a:solidFill>
+                <a:effectLst/>
+                <a:latin typeface="Arial Unicode MS" panose="020B0604020202020204" pitchFamily="34" charset="-120"/>
+                <a:ea typeface="JetBrains Mono"/>
+              </a:rPr>
+            </a:br>
+            <a:r>
+              <a:rPr kumimoji="0" lang="zh-TW" altLang="zh-TW" sz="1200" b="0" i="0" u="none" strike="noStrike" cap="none" normalizeH="0" baseline="0" dirty="0">
+                <a:ln>
+                  <a:noFill/>
+                </a:ln>
+                <a:solidFill>
+                  <a:srgbClr val="A9B7C6"/>
+                </a:solidFill>
+                <a:effectLst/>
+                <a:latin typeface="Arial Unicode MS" panose="020B0604020202020204" pitchFamily="34" charset="-120"/>
+                <a:ea typeface="JetBrains Mono"/>
+              </a:rPr>
+              <a:t>        </a:t>
+            </a:r>
+            <a:r>
+              <a:rPr kumimoji="0" lang="zh-TW" altLang="zh-TW" sz="1200" b="0" i="0" u="none" strike="noStrike" cap="none" normalizeH="0" baseline="0" dirty="0">
+                <a:ln>
+                  <a:noFill/>
+                </a:ln>
+                <a:solidFill>
+                  <a:srgbClr val="BBB529"/>
+                </a:solidFill>
+                <a:effectLst/>
+                <a:latin typeface="Arial Unicode MS" panose="020B0604020202020204" pitchFamily="34" charset="-120"/>
+                <a:ea typeface="JetBrains Mono"/>
+              </a:rPr>
+              <a:t>@SuppressWarnings</a:t>
+            </a:r>
+            <a:r>
+              <a:rPr kumimoji="0" lang="zh-TW" altLang="zh-TW" sz="1200" b="0" i="0" u="none" strike="noStrike" cap="none" normalizeH="0" baseline="0" dirty="0">
+                <a:ln>
+                  <a:noFill/>
+                </a:ln>
+                <a:solidFill>
+                  <a:srgbClr val="A9B7C6"/>
+                </a:solidFill>
+                <a:effectLst/>
+                <a:latin typeface="Arial Unicode MS" panose="020B0604020202020204" pitchFamily="34" charset="-120"/>
+                <a:ea typeface="JetBrains Mono"/>
+              </a:rPr>
+              <a:t>(</a:t>
+            </a:r>
+            <a:r>
+              <a:rPr kumimoji="0" lang="zh-TW" altLang="zh-TW" sz="1200" b="0" i="0" u="none" strike="noStrike" cap="none" normalizeH="0" baseline="0" dirty="0">
                 <a:ln>
                   <a:noFill/>
                 </a:ln>
@@ -9621,9 +9570,711 @@
                 <a:latin typeface="Arial Unicode MS" panose="020B0604020202020204" pitchFamily="34" charset="-120"/>
                 <a:ea typeface="JetBrains Mono"/>
               </a:rPr>
-              <a:t>ant-path-matcher</a:t>
-            </a:r>
-            <a:endParaRPr kumimoji="0" lang="zh-TW" altLang="zh-TW" sz="1800" b="0" i="0" u="none" strike="noStrike" cap="none" normalizeH="0" baseline="0">
+              <a:t>"unchecked"</a:t>
+            </a:r>
+            <a:r>
+              <a:rPr kumimoji="0" lang="zh-TW" altLang="zh-TW" sz="1200" b="0" i="0" u="none" strike="noStrike" cap="none" normalizeH="0" baseline="0" dirty="0">
+                <a:ln>
+                  <a:noFill/>
+                </a:ln>
+                <a:solidFill>
+                  <a:srgbClr val="A9B7C6"/>
+                </a:solidFill>
+                <a:effectLst/>
+                <a:latin typeface="Arial Unicode MS" panose="020B0604020202020204" pitchFamily="34" charset="-120"/>
+                <a:ea typeface="JetBrains Mono"/>
+              </a:rPr>
+              <a:t>)</a:t>
+            </a:r>
+            <a:br>
+              <a:rPr kumimoji="0" lang="zh-TW" altLang="zh-TW" sz="1200" b="0" i="0" u="none" strike="noStrike" cap="none" normalizeH="0" baseline="0" dirty="0">
+                <a:ln>
+                  <a:noFill/>
+                </a:ln>
+                <a:solidFill>
+                  <a:srgbClr val="A9B7C6"/>
+                </a:solidFill>
+                <a:effectLst/>
+                <a:latin typeface="Arial Unicode MS" panose="020B0604020202020204" pitchFamily="34" charset="-120"/>
+                <a:ea typeface="JetBrains Mono"/>
+              </a:rPr>
+            </a:br>
+            <a:r>
+              <a:rPr kumimoji="0" lang="zh-TW" altLang="zh-TW" sz="1200" b="0" i="0" u="none" strike="noStrike" cap="none" normalizeH="0" baseline="0" dirty="0">
+                <a:ln>
+                  <a:noFill/>
+                </a:ln>
+                <a:solidFill>
+                  <a:srgbClr val="A9B7C6"/>
+                </a:solidFill>
+                <a:effectLst/>
+                <a:latin typeface="Arial Unicode MS" panose="020B0604020202020204" pitchFamily="34" charset="-120"/>
+                <a:ea typeface="JetBrains Mono"/>
+              </a:rPr>
+              <a:t>        </a:t>
+            </a:r>
+            <a:r>
+              <a:rPr kumimoji="0" lang="zh-TW" altLang="zh-TW" sz="1200" b="0" i="0" u="none" strike="noStrike" cap="none" normalizeH="0" baseline="0" dirty="0">
+                <a:ln>
+                  <a:noFill/>
+                </a:ln>
+                <a:solidFill>
+                  <a:srgbClr val="CC7832"/>
+                </a:solidFill>
+                <a:effectLst/>
+                <a:latin typeface="Arial Unicode MS" panose="020B0604020202020204" pitchFamily="34" charset="-120"/>
+                <a:ea typeface="JetBrains Mono"/>
+              </a:rPr>
+              <a:t>private </a:t>
+            </a:r>
+            <a:r>
+              <a:rPr kumimoji="0" lang="zh-TW" altLang="zh-TW" sz="1200" b="0" i="0" u="none" strike="noStrike" cap="none" normalizeH="0" baseline="0" dirty="0">
+                <a:ln>
+                  <a:noFill/>
+                </a:ln>
+                <a:solidFill>
+                  <a:srgbClr val="A9B7C6"/>
+                </a:solidFill>
+                <a:effectLst/>
+                <a:latin typeface="Arial Unicode MS" panose="020B0604020202020204" pitchFamily="34" charset="-120"/>
+                <a:ea typeface="JetBrains Mono"/>
+              </a:rPr>
+              <a:t>List&lt;RequestMappingInfoHandlerMapping&gt; </a:t>
+            </a:r>
+            <a:r>
+              <a:rPr kumimoji="0" lang="zh-TW" altLang="zh-TW" sz="1200" b="0" i="0" u="none" strike="noStrike" cap="none" normalizeH="0" baseline="0" dirty="0">
+                <a:ln>
+                  <a:noFill/>
+                </a:ln>
+                <a:solidFill>
+                  <a:srgbClr val="FFC66D"/>
+                </a:solidFill>
+                <a:effectLst/>
+                <a:latin typeface="Arial Unicode MS" panose="020B0604020202020204" pitchFamily="34" charset="-120"/>
+                <a:ea typeface="JetBrains Mono"/>
+              </a:rPr>
+              <a:t>getHandlerMappings</a:t>
+            </a:r>
+            <a:r>
+              <a:rPr kumimoji="0" lang="zh-TW" altLang="zh-TW" sz="1200" b="0" i="0" u="none" strike="noStrike" cap="none" normalizeH="0" baseline="0" dirty="0">
+                <a:ln>
+                  <a:noFill/>
+                </a:ln>
+                <a:solidFill>
+                  <a:srgbClr val="A9B7C6"/>
+                </a:solidFill>
+                <a:effectLst/>
+                <a:latin typeface="Arial Unicode MS" panose="020B0604020202020204" pitchFamily="34" charset="-120"/>
+                <a:ea typeface="JetBrains Mono"/>
+              </a:rPr>
+              <a:t>(Object bean) {</a:t>
+            </a:r>
+            <a:br>
+              <a:rPr kumimoji="0" lang="zh-TW" altLang="zh-TW" sz="1200" b="0" i="0" u="none" strike="noStrike" cap="none" normalizeH="0" baseline="0" dirty="0">
+                <a:ln>
+                  <a:noFill/>
+                </a:ln>
+                <a:solidFill>
+                  <a:srgbClr val="A9B7C6"/>
+                </a:solidFill>
+                <a:effectLst/>
+                <a:latin typeface="Arial Unicode MS" panose="020B0604020202020204" pitchFamily="34" charset="-120"/>
+                <a:ea typeface="JetBrains Mono"/>
+              </a:rPr>
+            </a:br>
+            <a:r>
+              <a:rPr kumimoji="0" lang="zh-TW" altLang="zh-TW" sz="1200" b="0" i="0" u="none" strike="noStrike" cap="none" normalizeH="0" baseline="0" dirty="0">
+                <a:ln>
+                  <a:noFill/>
+                </a:ln>
+                <a:solidFill>
+                  <a:srgbClr val="A9B7C6"/>
+                </a:solidFill>
+                <a:effectLst/>
+                <a:latin typeface="Arial Unicode MS" panose="020B0604020202020204" pitchFamily="34" charset="-120"/>
+                <a:ea typeface="JetBrains Mono"/>
+              </a:rPr>
+              <a:t>            </a:t>
+            </a:r>
+            <a:r>
+              <a:rPr kumimoji="0" lang="zh-TW" altLang="zh-TW" sz="1200" b="0" i="0" u="none" strike="noStrike" cap="none" normalizeH="0" baseline="0" dirty="0">
+                <a:ln>
+                  <a:noFill/>
+                </a:ln>
+                <a:solidFill>
+                  <a:srgbClr val="CC7832"/>
+                </a:solidFill>
+                <a:effectLst/>
+                <a:latin typeface="Arial Unicode MS" panose="020B0604020202020204" pitchFamily="34" charset="-120"/>
+                <a:ea typeface="JetBrains Mono"/>
+              </a:rPr>
+              <a:t>try </a:t>
+            </a:r>
+            <a:r>
+              <a:rPr kumimoji="0" lang="zh-TW" altLang="zh-TW" sz="1200" b="0" i="0" u="none" strike="noStrike" cap="none" normalizeH="0" baseline="0" dirty="0">
+                <a:ln>
+                  <a:noFill/>
+                </a:ln>
+                <a:solidFill>
+                  <a:srgbClr val="A9B7C6"/>
+                </a:solidFill>
+                <a:effectLst/>
+                <a:latin typeface="Arial Unicode MS" panose="020B0604020202020204" pitchFamily="34" charset="-120"/>
+                <a:ea typeface="JetBrains Mono"/>
+              </a:rPr>
+              <a:t>{</a:t>
+            </a:r>
+            <a:br>
+              <a:rPr kumimoji="0" lang="zh-TW" altLang="zh-TW" sz="1200" b="0" i="0" u="none" strike="noStrike" cap="none" normalizeH="0" baseline="0" dirty="0">
+                <a:ln>
+                  <a:noFill/>
+                </a:ln>
+                <a:solidFill>
+                  <a:srgbClr val="A9B7C6"/>
+                </a:solidFill>
+                <a:effectLst/>
+                <a:latin typeface="Arial Unicode MS" panose="020B0604020202020204" pitchFamily="34" charset="-120"/>
+                <a:ea typeface="JetBrains Mono"/>
+              </a:rPr>
+            </a:br>
+            <a:r>
+              <a:rPr kumimoji="0" lang="zh-TW" altLang="zh-TW" sz="1200" b="0" i="0" u="none" strike="noStrike" cap="none" normalizeH="0" baseline="0" dirty="0">
+                <a:ln>
+                  <a:noFill/>
+                </a:ln>
+                <a:solidFill>
+                  <a:srgbClr val="A9B7C6"/>
+                </a:solidFill>
+                <a:effectLst/>
+                <a:latin typeface="Arial Unicode MS" panose="020B0604020202020204" pitchFamily="34" charset="-120"/>
+                <a:ea typeface="JetBrains Mono"/>
+              </a:rPr>
+              <a:t>                Field field = ReflectionUtils.</a:t>
+            </a:r>
+            <a:r>
+              <a:rPr kumimoji="0" lang="zh-TW" altLang="zh-TW" sz="1200" b="0" i="1" u="none" strike="noStrike" cap="none" normalizeH="0" baseline="0" dirty="0">
+                <a:ln>
+                  <a:noFill/>
+                </a:ln>
+                <a:solidFill>
+                  <a:srgbClr val="A9B7C6"/>
+                </a:solidFill>
+                <a:effectLst/>
+                <a:latin typeface="Arial Unicode MS" panose="020B0604020202020204" pitchFamily="34" charset="-120"/>
+                <a:ea typeface="JetBrains Mono"/>
+              </a:rPr>
+              <a:t>findField</a:t>
+            </a:r>
+            <a:r>
+              <a:rPr kumimoji="0" lang="zh-TW" altLang="zh-TW" sz="1200" b="0" i="0" u="none" strike="noStrike" cap="none" normalizeH="0" baseline="0" dirty="0">
+                <a:ln>
+                  <a:noFill/>
+                </a:ln>
+                <a:solidFill>
+                  <a:srgbClr val="A9B7C6"/>
+                </a:solidFill>
+                <a:effectLst/>
+                <a:latin typeface="Arial Unicode MS" panose="020B0604020202020204" pitchFamily="34" charset="-120"/>
+                <a:ea typeface="JetBrains Mono"/>
+              </a:rPr>
+              <a:t>(bean.getClass()</a:t>
+            </a:r>
+            <a:r>
+              <a:rPr kumimoji="0" lang="zh-TW" altLang="zh-TW" sz="1200" b="0" i="0" u="none" strike="noStrike" cap="none" normalizeH="0" baseline="0" dirty="0">
+                <a:ln>
+                  <a:noFill/>
+                </a:ln>
+                <a:solidFill>
+                  <a:srgbClr val="CC7832"/>
+                </a:solidFill>
+                <a:effectLst/>
+                <a:latin typeface="Arial Unicode MS" panose="020B0604020202020204" pitchFamily="34" charset="-120"/>
+                <a:ea typeface="JetBrains Mono"/>
+              </a:rPr>
+              <a:t>,</a:t>
+            </a:r>
+            <a:br>
+              <a:rPr kumimoji="0" lang="zh-TW" altLang="zh-TW" sz="1200" b="0" i="0" u="none" strike="noStrike" cap="none" normalizeH="0" baseline="0" dirty="0">
+                <a:ln>
+                  <a:noFill/>
+                </a:ln>
+                <a:solidFill>
+                  <a:srgbClr val="CC7832"/>
+                </a:solidFill>
+                <a:effectLst/>
+                <a:latin typeface="Arial Unicode MS" panose="020B0604020202020204" pitchFamily="34" charset="-120"/>
+                <a:ea typeface="JetBrains Mono"/>
+              </a:rPr>
+            </a:br>
+            <a:r>
+              <a:rPr kumimoji="0" lang="zh-TW" altLang="zh-TW" sz="1200" b="0" i="0" u="none" strike="noStrike" cap="none" normalizeH="0" baseline="0" dirty="0">
+                <a:ln>
+                  <a:noFill/>
+                </a:ln>
+                <a:solidFill>
+                  <a:srgbClr val="CC7832"/>
+                </a:solidFill>
+                <a:effectLst/>
+                <a:latin typeface="Arial Unicode MS" panose="020B0604020202020204" pitchFamily="34" charset="-120"/>
+                <a:ea typeface="JetBrains Mono"/>
+              </a:rPr>
+              <a:t>                        </a:t>
+            </a:r>
+            <a:r>
+              <a:rPr kumimoji="0" lang="zh-TW" altLang="zh-TW" sz="1200" b="0" i="0" u="none" strike="noStrike" cap="none" normalizeH="0" baseline="0" dirty="0">
+                <a:ln>
+                  <a:noFill/>
+                </a:ln>
+                <a:solidFill>
+                  <a:srgbClr val="6A8759"/>
+                </a:solidFill>
+                <a:effectLst/>
+                <a:latin typeface="Arial Unicode MS" panose="020B0604020202020204" pitchFamily="34" charset="-120"/>
+                <a:ea typeface="JetBrains Mono"/>
+              </a:rPr>
+              <a:t>"handlerMappings"</a:t>
+            </a:r>
+            <a:r>
+              <a:rPr kumimoji="0" lang="zh-TW" altLang="zh-TW" sz="1200" b="0" i="0" u="none" strike="noStrike" cap="none" normalizeH="0" baseline="0" dirty="0">
+                <a:ln>
+                  <a:noFill/>
+                </a:ln>
+                <a:solidFill>
+                  <a:srgbClr val="A9B7C6"/>
+                </a:solidFill>
+                <a:effectLst/>
+                <a:latin typeface="Arial Unicode MS" panose="020B0604020202020204" pitchFamily="34" charset="-120"/>
+                <a:ea typeface="JetBrains Mono"/>
+              </a:rPr>
+              <a:t>)</a:t>
+            </a:r>
+            <a:r>
+              <a:rPr kumimoji="0" lang="zh-TW" altLang="zh-TW" sz="1200" b="0" i="0" u="none" strike="noStrike" cap="none" normalizeH="0" baseline="0" dirty="0">
+                <a:ln>
+                  <a:noFill/>
+                </a:ln>
+                <a:solidFill>
+                  <a:srgbClr val="CC7832"/>
+                </a:solidFill>
+                <a:effectLst/>
+                <a:latin typeface="Arial Unicode MS" panose="020B0604020202020204" pitchFamily="34" charset="-120"/>
+                <a:ea typeface="JetBrains Mono"/>
+              </a:rPr>
+              <a:t>;</a:t>
+            </a:r>
+            <a:br>
+              <a:rPr kumimoji="0" lang="zh-TW" altLang="zh-TW" sz="1200" b="0" i="0" u="none" strike="noStrike" cap="none" normalizeH="0" baseline="0" dirty="0">
+                <a:ln>
+                  <a:noFill/>
+                </a:ln>
+                <a:solidFill>
+                  <a:srgbClr val="CC7832"/>
+                </a:solidFill>
+                <a:effectLst/>
+                <a:latin typeface="Arial Unicode MS" panose="020B0604020202020204" pitchFamily="34" charset="-120"/>
+                <a:ea typeface="JetBrains Mono"/>
+              </a:rPr>
+            </a:br>
+            <a:r>
+              <a:rPr kumimoji="0" lang="zh-TW" altLang="zh-TW" sz="1200" b="0" i="0" u="none" strike="noStrike" cap="none" normalizeH="0" baseline="0" dirty="0">
+                <a:ln>
+                  <a:noFill/>
+                </a:ln>
+                <a:solidFill>
+                  <a:srgbClr val="CC7832"/>
+                </a:solidFill>
+                <a:effectLst/>
+                <a:latin typeface="Arial Unicode MS" panose="020B0604020202020204" pitchFamily="34" charset="-120"/>
+                <a:ea typeface="JetBrains Mono"/>
+              </a:rPr>
+              <a:t>                </a:t>
+            </a:r>
+            <a:r>
+              <a:rPr kumimoji="0" lang="zh-TW" altLang="zh-TW" sz="1200" b="0" i="0" u="none" strike="noStrike" cap="none" normalizeH="0" baseline="0" dirty="0">
+                <a:ln>
+                  <a:noFill/>
+                </a:ln>
+                <a:solidFill>
+                  <a:srgbClr val="A9B7C6"/>
+                </a:solidFill>
+                <a:effectLst/>
+                <a:latin typeface="Arial Unicode MS" panose="020B0604020202020204" pitchFamily="34" charset="-120"/>
+                <a:ea typeface="JetBrains Mono"/>
+              </a:rPr>
+              <a:t>field.setAccessible(</a:t>
+            </a:r>
+            <a:r>
+              <a:rPr kumimoji="0" lang="zh-TW" altLang="zh-TW" sz="1200" b="0" i="0" u="none" strike="noStrike" cap="none" normalizeH="0" baseline="0" dirty="0">
+                <a:ln>
+                  <a:noFill/>
+                </a:ln>
+                <a:solidFill>
+                  <a:srgbClr val="CC7832"/>
+                </a:solidFill>
+                <a:effectLst/>
+                <a:latin typeface="Arial Unicode MS" panose="020B0604020202020204" pitchFamily="34" charset="-120"/>
+                <a:ea typeface="JetBrains Mono"/>
+              </a:rPr>
+              <a:t>true</a:t>
+            </a:r>
+            <a:r>
+              <a:rPr kumimoji="0" lang="zh-TW" altLang="zh-TW" sz="1200" b="0" i="0" u="none" strike="noStrike" cap="none" normalizeH="0" baseline="0" dirty="0">
+                <a:ln>
+                  <a:noFill/>
+                </a:ln>
+                <a:solidFill>
+                  <a:srgbClr val="A9B7C6"/>
+                </a:solidFill>
+                <a:effectLst/>
+                <a:latin typeface="Arial Unicode MS" panose="020B0604020202020204" pitchFamily="34" charset="-120"/>
+                <a:ea typeface="JetBrains Mono"/>
+              </a:rPr>
+              <a:t>)</a:t>
+            </a:r>
+            <a:r>
+              <a:rPr kumimoji="0" lang="zh-TW" altLang="zh-TW" sz="1200" b="0" i="0" u="none" strike="noStrike" cap="none" normalizeH="0" baseline="0" dirty="0">
+                <a:ln>
+                  <a:noFill/>
+                </a:ln>
+                <a:solidFill>
+                  <a:srgbClr val="CC7832"/>
+                </a:solidFill>
+                <a:effectLst/>
+                <a:latin typeface="Arial Unicode MS" panose="020B0604020202020204" pitchFamily="34" charset="-120"/>
+                <a:ea typeface="JetBrains Mono"/>
+              </a:rPr>
+              <a:t>;</a:t>
+            </a:r>
+            <a:br>
+              <a:rPr kumimoji="0" lang="zh-TW" altLang="zh-TW" sz="1200" b="0" i="0" u="none" strike="noStrike" cap="none" normalizeH="0" baseline="0" dirty="0">
+                <a:ln>
+                  <a:noFill/>
+                </a:ln>
+                <a:solidFill>
+                  <a:srgbClr val="CC7832"/>
+                </a:solidFill>
+                <a:effectLst/>
+                <a:latin typeface="Arial Unicode MS" panose="020B0604020202020204" pitchFamily="34" charset="-120"/>
+                <a:ea typeface="JetBrains Mono"/>
+              </a:rPr>
+            </a:br>
+            <a:r>
+              <a:rPr kumimoji="0" lang="zh-TW" altLang="zh-TW" sz="1200" b="0" i="0" u="none" strike="noStrike" cap="none" normalizeH="0" baseline="0" dirty="0">
+                <a:ln>
+                  <a:noFill/>
+                </a:ln>
+                <a:solidFill>
+                  <a:srgbClr val="CC7832"/>
+                </a:solidFill>
+                <a:effectLst/>
+                <a:latin typeface="Arial Unicode MS" panose="020B0604020202020204" pitchFamily="34" charset="-120"/>
+                <a:ea typeface="JetBrains Mono"/>
+              </a:rPr>
+              <a:t>                return </a:t>
+            </a:r>
+            <a:r>
+              <a:rPr kumimoji="0" lang="zh-TW" altLang="zh-TW" sz="1200" b="0" i="0" u="none" strike="noStrike" cap="none" normalizeH="0" baseline="0" dirty="0">
+                <a:ln>
+                  <a:noFill/>
+                </a:ln>
+                <a:solidFill>
+                  <a:srgbClr val="A9B7C6"/>
+                </a:solidFill>
+                <a:effectLst/>
+                <a:latin typeface="Arial Unicode MS" panose="020B0604020202020204" pitchFamily="34" charset="-120"/>
+                <a:ea typeface="JetBrains Mono"/>
+              </a:rPr>
+              <a:t>(List&lt;RequestMappingInfoHandlerMapping&gt;) field.get(bean)</a:t>
+            </a:r>
+            <a:r>
+              <a:rPr kumimoji="0" lang="zh-TW" altLang="zh-TW" sz="1200" b="0" i="0" u="none" strike="noStrike" cap="none" normalizeH="0" baseline="0" dirty="0">
+                <a:ln>
+                  <a:noFill/>
+                </a:ln>
+                <a:solidFill>
+                  <a:srgbClr val="CC7832"/>
+                </a:solidFill>
+                <a:effectLst/>
+                <a:latin typeface="Arial Unicode MS" panose="020B0604020202020204" pitchFamily="34" charset="-120"/>
+                <a:ea typeface="JetBrains Mono"/>
+              </a:rPr>
+              <a:t>;</a:t>
+            </a:r>
+            <a:br>
+              <a:rPr kumimoji="0" lang="zh-TW" altLang="zh-TW" sz="1200" b="0" i="0" u="none" strike="noStrike" cap="none" normalizeH="0" baseline="0" dirty="0">
+                <a:ln>
+                  <a:noFill/>
+                </a:ln>
+                <a:solidFill>
+                  <a:srgbClr val="CC7832"/>
+                </a:solidFill>
+                <a:effectLst/>
+                <a:latin typeface="Arial Unicode MS" panose="020B0604020202020204" pitchFamily="34" charset="-120"/>
+                <a:ea typeface="JetBrains Mono"/>
+              </a:rPr>
+            </a:br>
+            <a:r>
+              <a:rPr kumimoji="0" lang="zh-TW" altLang="zh-TW" sz="1200" b="0" i="0" u="none" strike="noStrike" cap="none" normalizeH="0" baseline="0" dirty="0">
+                <a:ln>
+                  <a:noFill/>
+                </a:ln>
+                <a:solidFill>
+                  <a:srgbClr val="CC7832"/>
+                </a:solidFill>
+                <a:effectLst/>
+                <a:latin typeface="Arial Unicode MS" panose="020B0604020202020204" pitchFamily="34" charset="-120"/>
+                <a:ea typeface="JetBrains Mono"/>
+              </a:rPr>
+              <a:t>            </a:t>
+            </a:r>
+            <a:r>
+              <a:rPr kumimoji="0" lang="zh-TW" altLang="zh-TW" sz="1200" b="0" i="0" u="none" strike="noStrike" cap="none" normalizeH="0" baseline="0" dirty="0">
+                <a:ln>
+                  <a:noFill/>
+                </a:ln>
+                <a:solidFill>
+                  <a:srgbClr val="A9B7C6"/>
+                </a:solidFill>
+                <a:effectLst/>
+                <a:latin typeface="Arial Unicode MS" panose="020B0604020202020204" pitchFamily="34" charset="-120"/>
+                <a:ea typeface="JetBrains Mono"/>
+              </a:rPr>
+              <a:t>} </a:t>
+            </a:r>
+            <a:r>
+              <a:rPr kumimoji="0" lang="zh-TW" altLang="zh-TW" sz="1200" b="0" i="0" u="none" strike="noStrike" cap="none" normalizeH="0" baseline="0" dirty="0">
+                <a:ln>
+                  <a:noFill/>
+                </a:ln>
+                <a:solidFill>
+                  <a:srgbClr val="CC7832"/>
+                </a:solidFill>
+                <a:effectLst/>
+                <a:latin typeface="Arial Unicode MS" panose="020B0604020202020204" pitchFamily="34" charset="-120"/>
+                <a:ea typeface="JetBrains Mono"/>
+              </a:rPr>
+              <a:t>catch </a:t>
+            </a:r>
+            <a:r>
+              <a:rPr kumimoji="0" lang="zh-TW" altLang="zh-TW" sz="1200" b="0" i="0" u="none" strike="noStrike" cap="none" normalizeH="0" baseline="0" dirty="0">
+                <a:ln>
+                  <a:noFill/>
+                </a:ln>
+                <a:solidFill>
+                  <a:srgbClr val="A9B7C6"/>
+                </a:solidFill>
+                <a:effectLst/>
+                <a:latin typeface="Arial Unicode MS" panose="020B0604020202020204" pitchFamily="34" charset="-120"/>
+                <a:ea typeface="JetBrains Mono"/>
+              </a:rPr>
+              <a:t>(IllegalArgumentException | IllegalAccessException e) {</a:t>
+            </a:r>
+            <a:br>
+              <a:rPr kumimoji="0" lang="zh-TW" altLang="zh-TW" sz="1200" b="0" i="0" u="none" strike="noStrike" cap="none" normalizeH="0" baseline="0" dirty="0">
+                <a:ln>
+                  <a:noFill/>
+                </a:ln>
+                <a:solidFill>
+                  <a:srgbClr val="A9B7C6"/>
+                </a:solidFill>
+                <a:effectLst/>
+                <a:latin typeface="Arial Unicode MS" panose="020B0604020202020204" pitchFamily="34" charset="-120"/>
+                <a:ea typeface="JetBrains Mono"/>
+              </a:rPr>
+            </a:br>
+            <a:r>
+              <a:rPr kumimoji="0" lang="zh-TW" altLang="zh-TW" sz="1200" b="0" i="0" u="none" strike="noStrike" cap="none" normalizeH="0" baseline="0" dirty="0">
+                <a:ln>
+                  <a:noFill/>
+                </a:ln>
+                <a:solidFill>
+                  <a:srgbClr val="A9B7C6"/>
+                </a:solidFill>
+                <a:effectLst/>
+                <a:latin typeface="Arial Unicode MS" panose="020B0604020202020204" pitchFamily="34" charset="-120"/>
+                <a:ea typeface="JetBrains Mono"/>
+              </a:rPr>
+              <a:t>                </a:t>
+            </a:r>
+            <a:r>
+              <a:rPr kumimoji="0" lang="zh-TW" altLang="zh-TW" sz="1200" b="0" i="0" u="none" strike="noStrike" cap="none" normalizeH="0" baseline="0" dirty="0">
+                <a:ln>
+                  <a:noFill/>
+                </a:ln>
+                <a:solidFill>
+                  <a:srgbClr val="CC7832"/>
+                </a:solidFill>
+                <a:effectLst/>
+                <a:latin typeface="Arial Unicode MS" panose="020B0604020202020204" pitchFamily="34" charset="-120"/>
+                <a:ea typeface="JetBrains Mono"/>
+              </a:rPr>
+              <a:t>throw new </a:t>
+            </a:r>
+            <a:r>
+              <a:rPr kumimoji="0" lang="zh-TW" altLang="zh-TW" sz="1200" b="0" i="0" u="none" strike="noStrike" cap="none" normalizeH="0" baseline="0" dirty="0">
+                <a:ln>
+                  <a:noFill/>
+                </a:ln>
+                <a:solidFill>
+                  <a:srgbClr val="A9B7C6"/>
+                </a:solidFill>
+                <a:effectLst/>
+                <a:latin typeface="Arial Unicode MS" panose="020B0604020202020204" pitchFamily="34" charset="-120"/>
+                <a:ea typeface="JetBrains Mono"/>
+              </a:rPr>
+              <a:t>IllegalStateException(e)</a:t>
+            </a:r>
+            <a:r>
+              <a:rPr kumimoji="0" lang="zh-TW" altLang="zh-TW" sz="1200" b="0" i="0" u="none" strike="noStrike" cap="none" normalizeH="0" baseline="0" dirty="0">
+                <a:ln>
+                  <a:noFill/>
+                </a:ln>
+                <a:solidFill>
+                  <a:srgbClr val="CC7832"/>
+                </a:solidFill>
+                <a:effectLst/>
+                <a:latin typeface="Arial Unicode MS" panose="020B0604020202020204" pitchFamily="34" charset="-120"/>
+                <a:ea typeface="JetBrains Mono"/>
+              </a:rPr>
+              <a:t>;</a:t>
+            </a:r>
+            <a:br>
+              <a:rPr kumimoji="0" lang="zh-TW" altLang="zh-TW" sz="1200" b="0" i="0" u="none" strike="noStrike" cap="none" normalizeH="0" baseline="0" dirty="0">
+                <a:ln>
+                  <a:noFill/>
+                </a:ln>
+                <a:solidFill>
+                  <a:srgbClr val="CC7832"/>
+                </a:solidFill>
+                <a:effectLst/>
+                <a:latin typeface="Arial Unicode MS" panose="020B0604020202020204" pitchFamily="34" charset="-120"/>
+                <a:ea typeface="JetBrains Mono"/>
+              </a:rPr>
+            </a:br>
+            <a:r>
+              <a:rPr kumimoji="0" lang="zh-TW" altLang="zh-TW" sz="1200" b="0" i="0" u="none" strike="noStrike" cap="none" normalizeH="0" baseline="0" dirty="0">
+                <a:ln>
+                  <a:noFill/>
+                </a:ln>
+                <a:solidFill>
+                  <a:srgbClr val="CC7832"/>
+                </a:solidFill>
+                <a:effectLst/>
+                <a:latin typeface="Arial Unicode MS" panose="020B0604020202020204" pitchFamily="34" charset="-120"/>
+                <a:ea typeface="JetBrains Mono"/>
+              </a:rPr>
+              <a:t>            </a:t>
+            </a:r>
+            <a:r>
+              <a:rPr kumimoji="0" lang="zh-TW" altLang="zh-TW" sz="1200" b="0" i="0" u="none" strike="noStrike" cap="none" normalizeH="0" baseline="0" dirty="0">
+                <a:ln>
+                  <a:noFill/>
+                </a:ln>
+                <a:solidFill>
+                  <a:srgbClr val="A9B7C6"/>
+                </a:solidFill>
+                <a:effectLst/>
+                <a:latin typeface="Arial Unicode MS" panose="020B0604020202020204" pitchFamily="34" charset="-120"/>
+                <a:ea typeface="JetBrains Mono"/>
+              </a:rPr>
+              <a:t>}</a:t>
+            </a:r>
+            <a:br>
+              <a:rPr kumimoji="0" lang="zh-TW" altLang="zh-TW" sz="1200" b="0" i="0" u="none" strike="noStrike" cap="none" normalizeH="0" baseline="0" dirty="0">
+                <a:ln>
+                  <a:noFill/>
+                </a:ln>
+                <a:solidFill>
+                  <a:srgbClr val="A9B7C6"/>
+                </a:solidFill>
+                <a:effectLst/>
+                <a:latin typeface="Arial Unicode MS" panose="020B0604020202020204" pitchFamily="34" charset="-120"/>
+                <a:ea typeface="JetBrains Mono"/>
+              </a:rPr>
+            </a:br>
+            <a:r>
+              <a:rPr kumimoji="0" lang="zh-TW" altLang="zh-TW" sz="1200" b="0" i="0" u="none" strike="noStrike" cap="none" normalizeH="0" baseline="0" dirty="0">
+                <a:ln>
+                  <a:noFill/>
+                </a:ln>
+                <a:solidFill>
+                  <a:srgbClr val="A9B7C6"/>
+                </a:solidFill>
+                <a:effectLst/>
+                <a:latin typeface="Arial Unicode MS" panose="020B0604020202020204" pitchFamily="34" charset="-120"/>
+                <a:ea typeface="JetBrains Mono"/>
+              </a:rPr>
+              <a:t>        }</a:t>
+            </a:r>
+            <a:br>
+              <a:rPr kumimoji="0" lang="zh-TW" altLang="zh-TW" sz="1200" b="0" i="0" u="none" strike="noStrike" cap="none" normalizeH="0" baseline="0" dirty="0">
+                <a:ln>
+                  <a:noFill/>
+                </a:ln>
+                <a:solidFill>
+                  <a:srgbClr val="A9B7C6"/>
+                </a:solidFill>
+                <a:effectLst/>
+                <a:latin typeface="Arial Unicode MS" panose="020B0604020202020204" pitchFamily="34" charset="-120"/>
+                <a:ea typeface="JetBrains Mono"/>
+              </a:rPr>
+            </a:br>
+            <a:r>
+              <a:rPr kumimoji="0" lang="zh-TW" altLang="zh-TW" sz="1200" b="0" i="0" u="none" strike="noStrike" cap="none" normalizeH="0" baseline="0" dirty="0">
+                <a:ln>
+                  <a:noFill/>
+                </a:ln>
+                <a:solidFill>
+                  <a:srgbClr val="A9B7C6"/>
+                </a:solidFill>
+                <a:effectLst/>
+                <a:latin typeface="Arial Unicode MS" panose="020B0604020202020204" pitchFamily="34" charset="-120"/>
+                <a:ea typeface="JetBrains Mono"/>
+              </a:rPr>
+              <a:t>    }</a:t>
+            </a:r>
+            <a:r>
+              <a:rPr kumimoji="0" lang="zh-TW" altLang="zh-TW" sz="1200" b="0" i="0" u="none" strike="noStrike" cap="none" normalizeH="0" baseline="0" dirty="0">
+                <a:ln>
+                  <a:noFill/>
+                </a:ln>
+                <a:solidFill>
+                  <a:srgbClr val="CC7832"/>
+                </a:solidFill>
+                <a:effectLst/>
+                <a:latin typeface="Arial Unicode MS" panose="020B0604020202020204" pitchFamily="34" charset="-120"/>
+                <a:ea typeface="JetBrains Mono"/>
+              </a:rPr>
+              <a:t>;</a:t>
+            </a:r>
+            <a:br>
+              <a:rPr kumimoji="0" lang="zh-TW" altLang="zh-TW" sz="1200" b="0" i="0" u="none" strike="noStrike" cap="none" normalizeH="0" baseline="0" dirty="0">
+                <a:ln>
+                  <a:noFill/>
+                </a:ln>
+                <a:solidFill>
+                  <a:srgbClr val="CC7832"/>
+                </a:solidFill>
+                <a:effectLst/>
+                <a:latin typeface="Arial Unicode MS" panose="020B0604020202020204" pitchFamily="34" charset="-120"/>
+                <a:ea typeface="JetBrains Mono"/>
+              </a:rPr>
+            </a:br>
+            <a:r>
+              <a:rPr kumimoji="0" lang="zh-TW" altLang="zh-TW" sz="1200" b="0" i="0" u="none" strike="noStrike" cap="none" normalizeH="0" baseline="0" dirty="0">
+                <a:ln>
+                  <a:noFill/>
+                </a:ln>
+                <a:solidFill>
+                  <a:srgbClr val="A9B7C6"/>
+                </a:solidFill>
+                <a:effectLst/>
+                <a:latin typeface="Arial Unicode MS" panose="020B0604020202020204" pitchFamily="34" charset="-120"/>
+                <a:ea typeface="JetBrains Mono"/>
+              </a:rPr>
+              <a:t>}</a:t>
+            </a:r>
+            <a:endParaRPr kumimoji="0" lang="zh-TW" altLang="zh-TW" sz="1600" b="0" i="0" u="none" strike="noStrike" cap="none" normalizeH="0" baseline="0" dirty="0">
               <a:ln>
                 <a:noFill/>
               </a:ln>
@@ -9636,40 +10287,10 @@
           </a:p>
         </p:txBody>
       </p:sp>
-      <p:pic>
-        <p:nvPicPr>
-          <p:cNvPr id="6" name="圖片 5">
-            <a:extLst>
-              <a:ext uri="{FF2B5EF4-FFF2-40B4-BE49-F238E27FC236}">
-                <a16:creationId xmlns:a16="http://schemas.microsoft.com/office/drawing/2014/main" id="{B04C6B4B-3EA8-40D0-BB83-6395123A71AD}"/>
-              </a:ext>
-            </a:extLst>
-          </p:cNvPr>
-          <p:cNvPicPr>
-            <a:picLocks noChangeAspect="1"/>
-          </p:cNvPicPr>
-          <p:nvPr/>
-        </p:nvPicPr>
-        <p:blipFill>
-          <a:blip r:embed="rId2"/>
-          <a:stretch>
-            <a:fillRect/>
-          </a:stretch>
-        </p:blipFill>
-        <p:spPr>
-          <a:xfrm>
-            <a:off x="713371" y="1889051"/>
-            <a:ext cx="5851279" cy="4322618"/>
-          </a:xfrm>
-          <a:prstGeom prst="rect">
-            <a:avLst/>
-          </a:prstGeom>
-        </p:spPr>
-      </p:pic>
     </p:spTree>
     <p:extLst>
       <p:ext uri="{BB962C8B-B14F-4D97-AF65-F5344CB8AC3E}">
-        <p14:creationId xmlns:p14="http://schemas.microsoft.com/office/powerpoint/2010/main" val="4244656585"/>
+        <p14:creationId xmlns:p14="http://schemas.microsoft.com/office/powerpoint/2010/main" val="4201398053"/>
       </p:ext>
     </p:extLst>
   </p:cSld>

--- a/document/boot spring 範例.pptx
+++ b/document/boot spring 範例.pptx
@@ -7,14 +7,12 @@
   <p:sldIdLst>
     <p:sldId id="257" r:id="rId2"/>
     <p:sldId id="340" r:id="rId3"/>
-    <p:sldId id="341" r:id="rId4"/>
-    <p:sldId id="348" r:id="rId5"/>
-    <p:sldId id="342" r:id="rId6"/>
-    <p:sldId id="343" r:id="rId7"/>
-    <p:sldId id="344" r:id="rId8"/>
-    <p:sldId id="345" r:id="rId9"/>
-    <p:sldId id="346" r:id="rId10"/>
-    <p:sldId id="347" r:id="rId11"/>
+    <p:sldId id="342" r:id="rId4"/>
+    <p:sldId id="343" r:id="rId5"/>
+    <p:sldId id="344" r:id="rId6"/>
+    <p:sldId id="345" r:id="rId7"/>
+    <p:sldId id="346" r:id="rId8"/>
+    <p:sldId id="347" r:id="rId9"/>
   </p:sldIdLst>
   <p:sldSz cx="12192000" cy="6858000"/>
   <p:notesSz cx="6858000" cy="9144000"/>
@@ -268,7 +266,7 @@
           <a:p>
             <a:fld id="{51512AB3-2A0D-4117-85C5-76A0D68606F0}" type="datetimeFigureOut">
               <a:rPr lang="zh-TW" altLang="en-US" smtClean="0"/>
-              <a:t>2022/4/4</a:t>
+              <a:t>2022/6/4</a:t>
             </a:fld>
             <a:endParaRPr lang="zh-TW" altLang="en-US"/>
           </a:p>
@@ -466,7 +464,7 @@
           <a:p>
             <a:fld id="{51512AB3-2A0D-4117-85C5-76A0D68606F0}" type="datetimeFigureOut">
               <a:rPr lang="zh-TW" altLang="en-US" smtClean="0"/>
-              <a:t>2022/4/4</a:t>
+              <a:t>2022/6/4</a:t>
             </a:fld>
             <a:endParaRPr lang="zh-TW" altLang="en-US"/>
           </a:p>
@@ -674,7 +672,7 @@
           <a:p>
             <a:fld id="{51512AB3-2A0D-4117-85C5-76A0D68606F0}" type="datetimeFigureOut">
               <a:rPr lang="zh-TW" altLang="en-US" smtClean="0"/>
-              <a:t>2022/4/4</a:t>
+              <a:t>2022/6/4</a:t>
             </a:fld>
             <a:endParaRPr lang="zh-TW" altLang="en-US"/>
           </a:p>
@@ -920,7 +918,7 @@
           <a:p>
             <a:fld id="{51512AB3-2A0D-4117-85C5-76A0D68606F0}" type="datetimeFigureOut">
               <a:rPr lang="zh-TW" altLang="en-US" smtClean="0"/>
-              <a:t>2022/4/4</a:t>
+              <a:t>2022/6/4</a:t>
             </a:fld>
             <a:endParaRPr lang="zh-TW" altLang="en-US"/>
           </a:p>
@@ -1195,7 +1193,7 @@
           <a:p>
             <a:fld id="{51512AB3-2A0D-4117-85C5-76A0D68606F0}" type="datetimeFigureOut">
               <a:rPr lang="zh-TW" altLang="en-US" smtClean="0"/>
-              <a:t>2022/4/4</a:t>
+              <a:t>2022/6/4</a:t>
             </a:fld>
             <a:endParaRPr lang="zh-TW" altLang="en-US"/>
           </a:p>
@@ -1460,7 +1458,7 @@
           <a:p>
             <a:fld id="{51512AB3-2A0D-4117-85C5-76A0D68606F0}" type="datetimeFigureOut">
               <a:rPr lang="zh-TW" altLang="en-US" smtClean="0"/>
-              <a:t>2022/4/4</a:t>
+              <a:t>2022/6/4</a:t>
             </a:fld>
             <a:endParaRPr lang="zh-TW" altLang="en-US"/>
           </a:p>
@@ -1872,7 +1870,7 @@
           <a:p>
             <a:fld id="{51512AB3-2A0D-4117-85C5-76A0D68606F0}" type="datetimeFigureOut">
               <a:rPr lang="zh-TW" altLang="en-US" smtClean="0"/>
-              <a:t>2022/4/4</a:t>
+              <a:t>2022/6/4</a:t>
             </a:fld>
             <a:endParaRPr lang="zh-TW" altLang="en-US"/>
           </a:p>
@@ -2027,7 +2025,7 @@
           <a:p>
             <a:fld id="{51512AB3-2A0D-4117-85C5-76A0D68606F0}" type="datetimeFigureOut">
               <a:rPr lang="zh-TW" altLang="en-US" smtClean="0"/>
-              <a:t>2022/4/4</a:t>
+              <a:t>2022/6/4</a:t>
             </a:fld>
             <a:endParaRPr lang="zh-TW" altLang="en-US"/>
           </a:p>
@@ -2140,7 +2138,7 @@
           <a:p>
             <a:fld id="{51512AB3-2A0D-4117-85C5-76A0D68606F0}" type="datetimeFigureOut">
               <a:rPr lang="zh-TW" altLang="en-US" smtClean="0"/>
-              <a:t>2022/4/4</a:t>
+              <a:t>2022/6/4</a:t>
             </a:fld>
             <a:endParaRPr lang="zh-TW" altLang="en-US"/>
           </a:p>
@@ -2451,7 +2449,7 @@
           <a:p>
             <a:fld id="{51512AB3-2A0D-4117-85C5-76A0D68606F0}" type="datetimeFigureOut">
               <a:rPr lang="zh-TW" altLang="en-US" smtClean="0"/>
-              <a:t>2022/4/4</a:t>
+              <a:t>2022/6/4</a:t>
             </a:fld>
             <a:endParaRPr lang="zh-TW" altLang="en-US"/>
           </a:p>
@@ -2739,7 +2737,7 @@
           <a:p>
             <a:fld id="{51512AB3-2A0D-4117-85C5-76A0D68606F0}" type="datetimeFigureOut">
               <a:rPr lang="zh-TW" altLang="en-US" smtClean="0"/>
-              <a:t>2022/4/4</a:t>
+              <a:t>2022/6/4</a:t>
             </a:fld>
             <a:endParaRPr lang="zh-TW" altLang="en-US"/>
           </a:p>
@@ -2980,7 +2978,7 @@
           <a:p>
             <a:fld id="{51512AB3-2A0D-4117-85C5-76A0D68606F0}" type="datetimeFigureOut">
               <a:rPr lang="zh-TW" altLang="en-US" smtClean="0"/>
-              <a:t>2022/4/4</a:t>
+              <a:t>2022/6/4</a:t>
             </a:fld>
             <a:endParaRPr lang="zh-TW" altLang="en-US"/>
           </a:p>
@@ -3533,342 +3531,6 @@
 </p:sld>
 </file>
 
-<file path=ppt/slides/slide10.xml><?xml version="1.0" encoding="utf-8"?>
-<p:sld xmlns:a="http://schemas.openxmlformats.org/drawingml/2006/main" xmlns:r="http://schemas.openxmlformats.org/officeDocument/2006/relationships" xmlns:p="http://schemas.openxmlformats.org/presentationml/2006/main">
-  <p:cSld>
-    <p:spTree>
-      <p:nvGrpSpPr>
-        <p:cNvPr id="1" name=""/>
-        <p:cNvGrpSpPr/>
-        <p:nvPr/>
-      </p:nvGrpSpPr>
-      <p:grpSpPr>
-        <a:xfrm>
-          <a:off x="0" y="0"/>
-          <a:ext cx="0" cy="0"/>
-          <a:chOff x="0" y="0"/>
-          <a:chExt cx="0" cy="0"/>
-        </a:xfrm>
-      </p:grpSpPr>
-      <p:sp>
-        <p:nvSpPr>
-          <p:cNvPr id="3" name="文字方塊 2">
-            <a:extLst>
-              <a:ext uri="{FF2B5EF4-FFF2-40B4-BE49-F238E27FC236}">
-                <a16:creationId xmlns:a16="http://schemas.microsoft.com/office/drawing/2014/main" id="{16EE92DD-97C4-448E-BA57-91D45BD6DBBB}"/>
-              </a:ext>
-            </a:extLst>
-          </p:cNvPr>
-          <p:cNvSpPr txBox="1"/>
-          <p:nvPr/>
-        </p:nvSpPr>
-        <p:spPr>
-          <a:xfrm>
-            <a:off x="638002" y="279508"/>
-            <a:ext cx="10883437" cy="646331"/>
-          </a:xfrm>
-          <a:prstGeom prst="rect">
-            <a:avLst/>
-          </a:prstGeom>
-          <a:noFill/>
-        </p:spPr>
-        <p:txBody>
-          <a:bodyPr wrap="square">
-            <a:spAutoFit/>
-          </a:bodyPr>
-          <a:lstStyle/>
-          <a:p>
-            <a:r>
-              <a:rPr lang="en-US" altLang="zh-TW" b="0" i="0" dirty="0">
-                <a:solidFill>
-                  <a:srgbClr val="262626"/>
-                </a:solidFill>
-                <a:effectLst/>
-                <a:latin typeface="標楷體" panose="03000509000000000000" pitchFamily="65" charset="-120"/>
-                <a:ea typeface="標楷體" panose="03000509000000000000" pitchFamily="65" charset="-120"/>
-              </a:rPr>
-              <a:t>2.</a:t>
-            </a:r>
-            <a:r>
-              <a:rPr lang="zh-TW" altLang="en-US" b="0" i="0" dirty="0">
-                <a:solidFill>
-                  <a:srgbClr val="262626"/>
-                </a:solidFill>
-                <a:effectLst/>
-                <a:latin typeface="標楷體" panose="03000509000000000000" pitchFamily="65" charset="-120"/>
-                <a:ea typeface="標楷體" panose="03000509000000000000" pitchFamily="65" charset="-120"/>
-              </a:rPr>
-              <a:t>修改</a:t>
-            </a:r>
-            <a:r>
-              <a:rPr lang="en-US" altLang="zh-TW" b="0" i="0" dirty="0">
-                <a:solidFill>
-                  <a:srgbClr val="262626"/>
-                </a:solidFill>
-                <a:effectLst/>
-                <a:latin typeface="標楷體" panose="03000509000000000000" pitchFamily="65" charset="-120"/>
-                <a:ea typeface="標楷體" panose="03000509000000000000" pitchFamily="65" charset="-120"/>
-              </a:rPr>
-              <a:t>application. properties</a:t>
-            </a:r>
-            <a:r>
-              <a:rPr lang="zh-TW" altLang="en-US" b="0" i="0" dirty="0">
-                <a:solidFill>
-                  <a:srgbClr val="262626"/>
-                </a:solidFill>
-                <a:effectLst/>
-                <a:latin typeface="標楷體" panose="03000509000000000000" pitchFamily="65" charset="-120"/>
-                <a:ea typeface="標楷體" panose="03000509000000000000" pitchFamily="65" charset="-120"/>
-              </a:rPr>
-              <a:t>檔案，</a:t>
-            </a:r>
-            <a:r>
-              <a:rPr lang="en-US" altLang="zh-TW" b="0" i="0" dirty="0">
-                <a:solidFill>
-                  <a:srgbClr val="262626"/>
-                </a:solidFill>
-                <a:effectLst/>
-                <a:latin typeface="標楷體" panose="03000509000000000000" pitchFamily="65" charset="-120"/>
-                <a:ea typeface="標楷體" panose="03000509000000000000" pitchFamily="65" charset="-120"/>
-              </a:rPr>
-              <a:t>MVC</a:t>
-            </a:r>
-            <a:r>
-              <a:rPr lang="zh-TW" altLang="en-US" b="0" i="0" dirty="0">
-                <a:solidFill>
-                  <a:srgbClr val="262626"/>
-                </a:solidFill>
-                <a:effectLst/>
-                <a:latin typeface="標楷體" panose="03000509000000000000" pitchFamily="65" charset="-120"/>
-                <a:ea typeface="標楷體" panose="03000509000000000000" pitchFamily="65" charset="-120"/>
-              </a:rPr>
-              <a:t>預設的路徑比對政策為</a:t>
-            </a:r>
-            <a:r>
-              <a:rPr lang="en-US" altLang="zh-TW" b="0" i="0" dirty="0">
-                <a:solidFill>
-                  <a:srgbClr val="262626"/>
-                </a:solidFill>
-                <a:effectLst/>
-                <a:latin typeface="標楷體" panose="03000509000000000000" pitchFamily="65" charset="-120"/>
-                <a:ea typeface="標楷體" panose="03000509000000000000" pitchFamily="65" charset="-120"/>
-              </a:rPr>
-              <a:t>PATH_PATTERN_PARSER</a:t>
-            </a:r>
-            <a:r>
-              <a:rPr lang="zh-TW" altLang="en-US" b="0" i="0" dirty="0">
-                <a:solidFill>
-                  <a:srgbClr val="262626"/>
-                </a:solidFill>
-                <a:effectLst/>
-                <a:latin typeface="標楷體" panose="03000509000000000000" pitchFamily="65" charset="-120"/>
-                <a:ea typeface="標楷體" panose="03000509000000000000" pitchFamily="65" charset="-120"/>
-              </a:rPr>
-              <a:t>，需要修改為</a:t>
-            </a:r>
-            <a:r>
-              <a:rPr lang="en-US" altLang="zh-TW" b="0" i="0" dirty="0">
-                <a:solidFill>
-                  <a:srgbClr val="262626"/>
-                </a:solidFill>
-                <a:effectLst/>
-                <a:latin typeface="標楷體" panose="03000509000000000000" pitchFamily="65" charset="-120"/>
-                <a:ea typeface="標楷體" panose="03000509000000000000" pitchFamily="65" charset="-120"/>
-              </a:rPr>
-              <a:t>ANT_PATH_MATCHER</a:t>
-            </a:r>
-            <a:r>
-              <a:rPr lang="zh-TW" altLang="en-US" b="0" i="0" dirty="0">
-                <a:solidFill>
-                  <a:srgbClr val="262626"/>
-                </a:solidFill>
-                <a:effectLst/>
-                <a:latin typeface="標楷體" panose="03000509000000000000" pitchFamily="65" charset="-120"/>
-                <a:ea typeface="標楷體" panose="03000509000000000000" pitchFamily="65" charset="-120"/>
-              </a:rPr>
-              <a:t>；</a:t>
-            </a:r>
-            <a:endParaRPr lang="zh-TW" altLang="en-US" dirty="0">
-              <a:latin typeface="標楷體" panose="03000509000000000000" pitchFamily="65" charset="-120"/>
-              <a:ea typeface="標楷體" panose="03000509000000000000" pitchFamily="65" charset="-120"/>
-            </a:endParaRPr>
-          </a:p>
-        </p:txBody>
-      </p:sp>
-      <p:sp>
-        <p:nvSpPr>
-          <p:cNvPr id="4" name="Rectangle 1">
-            <a:extLst>
-              <a:ext uri="{FF2B5EF4-FFF2-40B4-BE49-F238E27FC236}">
-                <a16:creationId xmlns:a16="http://schemas.microsoft.com/office/drawing/2014/main" id="{0763B7E4-A98C-4B49-AC40-B79C280B3D63}"/>
-              </a:ext>
-            </a:extLst>
-          </p:cNvPr>
-          <p:cNvSpPr>
-            <a:spLocks noChangeArrowheads="1"/>
-          </p:cNvSpPr>
-          <p:nvPr/>
-        </p:nvSpPr>
-        <p:spPr bwMode="auto">
-          <a:xfrm>
-            <a:off x="638002" y="1138123"/>
-            <a:ext cx="4998027" cy="292388"/>
-          </a:xfrm>
-          <a:prstGeom prst="rect">
-            <a:avLst/>
-          </a:prstGeom>
-          <a:solidFill>
-            <a:srgbClr val="2B2B2B"/>
-          </a:solidFill>
-          <a:ln>
-            <a:noFill/>
-          </a:ln>
-          <a:effectLst/>
-          <a:extLst>
-            <a:ext uri="{91240B29-F687-4F45-9708-019B960494DF}">
-              <a14:hiddenLine xmlns:a14="http://schemas.microsoft.com/office/drawing/2010/main" w="9525">
-                <a:solidFill>
-                  <a:schemeClr val="tx1"/>
-                </a:solidFill>
-                <a:miter lim="800000"/>
-                <a:headEnd/>
-                <a:tailEnd/>
-              </a14:hiddenLine>
-            </a:ext>
-            <a:ext uri="{AF507438-7753-43E0-B8FC-AC1667EBCBE1}">
-              <a14:hiddenEffects xmlns:a14="http://schemas.microsoft.com/office/drawing/2010/main">
-                <a:effectLst>
-                  <a:outerShdw dist="35921" dir="2700000" algn="ctr" rotWithShape="0">
-                    <a:schemeClr val="bg2"/>
-                  </a:outerShdw>
-                </a:effectLst>
-              </a14:hiddenEffects>
-            </a:ext>
-          </a:extLst>
-        </p:spPr>
-        <p:txBody>
-          <a:bodyPr vert="horz" wrap="square" lIns="91440" tIns="45720" rIns="91440" bIns="45720" numCol="1" anchor="ctr" anchorCtr="0" compatLnSpc="1">
-            <a:prstTxWarp prst="textNoShape">
-              <a:avLst/>
-            </a:prstTxWarp>
-            <a:spAutoFit/>
-          </a:bodyPr>
-          <a:lstStyle/>
-          <a:p>
-            <a:pPr marL="0" marR="0" lvl="0" indent="0" algn="l" defTabSz="914400" rtl="0" eaLnBrk="0" fontAlgn="base" latinLnBrk="0" hangingPunct="0">
-              <a:lnSpc>
-                <a:spcPct val="100000"/>
-              </a:lnSpc>
-              <a:spcBef>
-                <a:spcPct val="0"/>
-              </a:spcBef>
-              <a:spcAft>
-                <a:spcPct val="0"/>
-              </a:spcAft>
-              <a:buClrTx/>
-              <a:buSzTx/>
-              <a:buFontTx/>
-              <a:buNone/>
-              <a:tabLst/>
-            </a:pPr>
-            <a:r>
-              <a:rPr kumimoji="0" lang="zh-TW" altLang="zh-TW" sz="1300" b="0" i="0" u="none" strike="noStrike" cap="none" normalizeH="0" baseline="0">
-                <a:ln>
-                  <a:noFill/>
-                </a:ln>
-                <a:solidFill>
-                  <a:srgbClr val="CC7832"/>
-                </a:solidFill>
-                <a:effectLst/>
-                <a:latin typeface="Arial Unicode MS" panose="020B0604020202020204" pitchFamily="34" charset="-120"/>
-                <a:ea typeface="JetBrains Mono"/>
-              </a:rPr>
-              <a:t>spring.mvc.pathmatch.matching-strategy</a:t>
-            </a:r>
-            <a:r>
-              <a:rPr kumimoji="0" lang="zh-TW" altLang="zh-TW" sz="1300" b="0" i="0" u="none" strike="noStrike" cap="none" normalizeH="0" baseline="0">
-                <a:ln>
-                  <a:noFill/>
-                </a:ln>
-                <a:solidFill>
-                  <a:srgbClr val="808080"/>
-                </a:solidFill>
-                <a:effectLst/>
-                <a:latin typeface="Arial Unicode MS" panose="020B0604020202020204" pitchFamily="34" charset="-120"/>
-                <a:ea typeface="JetBrains Mono"/>
-              </a:rPr>
-              <a:t>=</a:t>
-            </a:r>
-            <a:r>
-              <a:rPr kumimoji="0" lang="zh-TW" altLang="zh-TW" sz="1300" b="0" i="0" u="none" strike="noStrike" cap="none" normalizeH="0" baseline="0">
-                <a:ln>
-                  <a:noFill/>
-                </a:ln>
-                <a:solidFill>
-                  <a:srgbClr val="6A8759"/>
-                </a:solidFill>
-                <a:effectLst/>
-                <a:latin typeface="Arial Unicode MS" panose="020B0604020202020204" pitchFamily="34" charset="-120"/>
-                <a:ea typeface="JetBrains Mono"/>
-              </a:rPr>
-              <a:t>ant-path-matcher</a:t>
-            </a:r>
-            <a:endParaRPr kumimoji="0" lang="zh-TW" altLang="zh-TW" sz="1800" b="0" i="0" u="none" strike="noStrike" cap="none" normalizeH="0" baseline="0">
-              <a:ln>
-                <a:noFill/>
-              </a:ln>
-              <a:solidFill>
-                <a:schemeClr val="tx1"/>
-              </a:solidFill>
-              <a:effectLst/>
-              <a:latin typeface="Arial" panose="020B0604020202020204" pitchFamily="34" charset="0"/>
-            </a:endParaRPr>
-          </a:p>
-        </p:txBody>
-      </p:sp>
-      <p:pic>
-        <p:nvPicPr>
-          <p:cNvPr id="6" name="圖片 5">
-            <a:extLst>
-              <a:ext uri="{FF2B5EF4-FFF2-40B4-BE49-F238E27FC236}">
-                <a16:creationId xmlns:a16="http://schemas.microsoft.com/office/drawing/2014/main" id="{B04C6B4B-3EA8-40D0-BB83-6395123A71AD}"/>
-              </a:ext>
-            </a:extLst>
-          </p:cNvPr>
-          <p:cNvPicPr>
-            <a:picLocks noChangeAspect="1"/>
-          </p:cNvPicPr>
-          <p:nvPr/>
-        </p:nvPicPr>
-        <p:blipFill>
-          <a:blip r:embed="rId2"/>
-          <a:stretch>
-            <a:fillRect/>
-          </a:stretch>
-        </p:blipFill>
-        <p:spPr>
-          <a:xfrm>
-            <a:off x="713371" y="1889051"/>
-            <a:ext cx="5851279" cy="4322618"/>
-          </a:xfrm>
-          <a:prstGeom prst="rect">
-            <a:avLst/>
-          </a:prstGeom>
-        </p:spPr>
-      </p:pic>
-    </p:spTree>
-    <p:extLst>
-      <p:ext uri="{BB962C8B-B14F-4D97-AF65-F5344CB8AC3E}">
-        <p14:creationId xmlns:p14="http://schemas.microsoft.com/office/powerpoint/2010/main" val="4244656585"/>
-      </p:ext>
-    </p:extLst>
-  </p:cSld>
-  <p:clrMapOvr>
-    <a:masterClrMapping/>
-  </p:clrMapOvr>
-</p:sld>
-</file>
-
 <file path=ppt/slides/slide2.xml><?xml version="1.0" encoding="utf-8"?>
 <p:sld xmlns:a="http://schemas.openxmlformats.org/drawingml/2006/main" xmlns:r="http://schemas.openxmlformats.org/officeDocument/2006/relationships" xmlns:p="http://schemas.openxmlformats.org/presentationml/2006/main">
   <p:cSld>
@@ -4365,1246 +4027,6 @@
 </file>
 
 <file path=ppt/slides/slide3.xml><?xml version="1.0" encoding="utf-8"?>
-<p:sld xmlns:a="http://schemas.openxmlformats.org/drawingml/2006/main" xmlns:r="http://schemas.openxmlformats.org/officeDocument/2006/relationships" xmlns:p="http://schemas.openxmlformats.org/presentationml/2006/main">
-  <p:cSld>
-    <p:bg>
-      <p:bgPr>
-        <a:solidFill>
-          <a:schemeClr val="bg1"/>
-        </a:solidFill>
-        <a:effectLst/>
-      </p:bgPr>
-    </p:bg>
-    <p:spTree>
-      <p:nvGrpSpPr>
-        <p:cNvPr id="1" name=""/>
-        <p:cNvGrpSpPr/>
-        <p:nvPr/>
-      </p:nvGrpSpPr>
-      <p:grpSpPr>
-        <a:xfrm>
-          <a:off x="0" y="0"/>
-          <a:ext cx="0" cy="0"/>
-          <a:chOff x="0" y="0"/>
-          <a:chExt cx="0" cy="0"/>
-        </a:xfrm>
-      </p:grpSpPr>
-      <p:sp>
-        <p:nvSpPr>
-          <p:cNvPr id="10" name="Rectangle 9">
-            <a:extLst>
-              <a:ext uri="{FF2B5EF4-FFF2-40B4-BE49-F238E27FC236}">
-                <a16:creationId xmlns:a16="http://schemas.microsoft.com/office/drawing/2014/main" id="{F3060C83-F051-4F0E-ABAD-AA0DFC48B218}"/>
-              </a:ext>
-              <a:ext uri="{C183D7F6-B498-43B3-948B-1728B52AA6E4}">
-                <adec:decorative xmlns:adec="http://schemas.microsoft.com/office/drawing/2017/decorative" val="1"/>
-              </a:ext>
-            </a:extLst>
-          </p:cNvPr>
-          <p:cNvSpPr>
-            <a:spLocks noGrp="1" noRot="1" noChangeAspect="1" noMove="1" noResize="1" noEditPoints="1" noAdjustHandles="1" noChangeArrowheads="1" noChangeShapeType="1" noTextEdit="1"/>
-          </p:cNvSpPr>
-          <p:nvPr>
-            <p:extLst>
-              <p:ext uri="{386F3935-93C4-4BCD-93E2-E3B085C9AB24}">
-                <p16:designElem xmlns:p16="http://schemas.microsoft.com/office/powerpoint/2015/main" val="1"/>
-              </p:ext>
-            </p:extLst>
-          </p:nvPr>
-        </p:nvSpPr>
-        <p:spPr>
-          <a:xfrm>
-            <a:off x="0" y="0"/>
-            <a:ext cx="12192000" cy="6858000"/>
-          </a:xfrm>
-          <a:prstGeom prst="rect">
-            <a:avLst/>
-          </a:prstGeom>
-          <a:solidFill>
-            <a:schemeClr val="bg1"/>
-          </a:solidFill>
-          <a:ln>
-            <a:noFill/>
-          </a:ln>
-        </p:spPr>
-        <p:style>
-          <a:lnRef idx="2">
-            <a:schemeClr val="accent1">
-              <a:shade val="50000"/>
-            </a:schemeClr>
-          </a:lnRef>
-          <a:fillRef idx="1">
-            <a:schemeClr val="accent1"/>
-          </a:fillRef>
-          <a:effectRef idx="0">
-            <a:schemeClr val="accent1"/>
-          </a:effectRef>
-          <a:fontRef idx="minor">
-            <a:schemeClr val="lt1"/>
-          </a:fontRef>
-        </p:style>
-        <p:txBody>
-          <a:bodyPr rtlCol="0" anchor="ctr"/>
-          <a:lstStyle/>
-          <a:p>
-            <a:pPr algn="ctr"/>
-            <a:endParaRPr lang="en-US" dirty="0"/>
-          </a:p>
-        </p:txBody>
-      </p:sp>
-      <p:sp>
-        <p:nvSpPr>
-          <p:cNvPr id="12" name="Freeform: Shape 11">
-            <a:extLst>
-              <a:ext uri="{FF2B5EF4-FFF2-40B4-BE49-F238E27FC236}">
-                <a16:creationId xmlns:a16="http://schemas.microsoft.com/office/drawing/2014/main" id="{83C98ABE-055B-441F-B07E-44F97F083C39}"/>
-              </a:ext>
-              <a:ext uri="{C183D7F6-B498-43B3-948B-1728B52AA6E4}">
-                <adec:decorative xmlns:adec="http://schemas.microsoft.com/office/drawing/2017/decorative" val="1"/>
-              </a:ext>
-            </a:extLst>
-          </p:cNvPr>
-          <p:cNvSpPr>
-            <a:spLocks noGrp="1" noRot="1" noChangeAspect="1" noMove="1" noResize="1" noEditPoints="1" noAdjustHandles="1" noChangeArrowheads="1" noChangeShapeType="1" noTextEdit="1"/>
-          </p:cNvSpPr>
-          <p:nvPr>
-            <p:extLst>
-              <p:ext uri="{386F3935-93C4-4BCD-93E2-E3B085C9AB24}">
-                <p16:designElem xmlns:p16="http://schemas.microsoft.com/office/powerpoint/2015/main" val="1"/>
-              </p:ext>
-            </p:extLst>
-          </p:nvPr>
-        </p:nvSpPr>
-        <p:spPr>
-          <a:xfrm rot="18900000" flipH="1">
-            <a:off x="-376156" y="-253670"/>
-            <a:ext cx="1827638" cy="1376989"/>
-          </a:xfrm>
-          <a:custGeom>
-            <a:avLst/>
-            <a:gdLst>
-              <a:gd name="connsiteX0" fmla="*/ 0 w 1827638"/>
-              <a:gd name="connsiteY0" fmla="*/ 987379 h 1376989"/>
-              <a:gd name="connsiteX1" fmla="*/ 987379 w 1827638"/>
-              <a:gd name="connsiteY1" fmla="*/ 0 h 1376989"/>
-              <a:gd name="connsiteX2" fmla="*/ 1827638 w 1827638"/>
-              <a:gd name="connsiteY2" fmla="*/ 840260 h 1376989"/>
-              <a:gd name="connsiteX3" fmla="*/ 1827638 w 1827638"/>
-              <a:gd name="connsiteY3" fmla="*/ 1376989 h 1376989"/>
-              <a:gd name="connsiteX4" fmla="*/ 0 w 1827638"/>
-              <a:gd name="connsiteY4" fmla="*/ 1376989 h 1376989"/>
-            </a:gdLst>
-            <a:ahLst/>
-            <a:cxnLst>
-              <a:cxn ang="0">
-                <a:pos x="connsiteX0" y="connsiteY0"/>
-              </a:cxn>
-              <a:cxn ang="0">
-                <a:pos x="connsiteX1" y="connsiteY1"/>
-              </a:cxn>
-              <a:cxn ang="0">
-                <a:pos x="connsiteX2" y="connsiteY2"/>
-              </a:cxn>
-              <a:cxn ang="0">
-                <a:pos x="connsiteX3" y="connsiteY3"/>
-              </a:cxn>
-              <a:cxn ang="0">
-                <a:pos x="connsiteX4" y="connsiteY4"/>
-              </a:cxn>
-            </a:cxnLst>
-            <a:rect l="l" t="t" r="r" b="b"/>
-            <a:pathLst>
-              <a:path w="1827638" h="1376989">
-                <a:moveTo>
-                  <a:pt x="0" y="987379"/>
-                </a:moveTo>
-                <a:lnTo>
-                  <a:pt x="987379" y="0"/>
-                </a:lnTo>
-                <a:lnTo>
-                  <a:pt x="1827638" y="840260"/>
-                </a:lnTo>
-                <a:lnTo>
-                  <a:pt x="1827638" y="1376989"/>
-                </a:lnTo>
-                <a:lnTo>
-                  <a:pt x="0" y="1376989"/>
-                </a:lnTo>
-                <a:close/>
-              </a:path>
-            </a:pathLst>
-          </a:custGeom>
-          <a:solidFill>
-            <a:schemeClr val="accent1">
-              <a:alpha val="30000"/>
-            </a:schemeClr>
-          </a:solidFill>
-          <a:ln>
-            <a:noFill/>
-          </a:ln>
-        </p:spPr>
-        <p:style>
-          <a:lnRef idx="2">
-            <a:schemeClr val="accent1">
-              <a:shade val="50000"/>
-            </a:schemeClr>
-          </a:lnRef>
-          <a:fillRef idx="1">
-            <a:schemeClr val="accent1"/>
-          </a:fillRef>
-          <a:effectRef idx="0">
-            <a:schemeClr val="accent1"/>
-          </a:effectRef>
-          <a:fontRef idx="minor">
-            <a:schemeClr val="lt1"/>
-          </a:fontRef>
-        </p:style>
-        <p:txBody>
-          <a:bodyPr rtlCol="0" anchor="ctr"/>
-          <a:lstStyle/>
-          <a:p>
-            <a:pPr algn="ctr"/>
-            <a:endParaRPr lang="en-US" dirty="0"/>
-          </a:p>
-        </p:txBody>
-      </p:sp>
-      <p:sp>
-        <p:nvSpPr>
-          <p:cNvPr id="14" name="Rectangle 13">
-            <a:extLst>
-              <a:ext uri="{FF2B5EF4-FFF2-40B4-BE49-F238E27FC236}">
-                <a16:creationId xmlns:a16="http://schemas.microsoft.com/office/drawing/2014/main" id="{29FDB030-9B49-4CED-8CCD-4D99382388AC}"/>
-              </a:ext>
-              <a:ext uri="{C183D7F6-B498-43B3-948B-1728B52AA6E4}">
-                <adec:decorative xmlns:adec="http://schemas.microsoft.com/office/drawing/2017/decorative" val="1"/>
-              </a:ext>
-            </a:extLst>
-          </p:cNvPr>
-          <p:cNvSpPr>
-            <a:spLocks noGrp="1" noRot="1" noChangeAspect="1" noMove="1" noResize="1" noEditPoints="1" noAdjustHandles="1" noChangeArrowheads="1" noChangeShapeType="1" noTextEdit="1"/>
-          </p:cNvSpPr>
-          <p:nvPr>
-            <p:extLst>
-              <p:ext uri="{386F3935-93C4-4BCD-93E2-E3B085C9AB24}">
-                <p16:designElem xmlns:p16="http://schemas.microsoft.com/office/powerpoint/2015/main" val="1"/>
-              </p:ext>
-            </p:extLst>
-          </p:nvPr>
-        </p:nvSpPr>
-        <p:spPr>
-          <a:xfrm rot="18900000" flipH="1">
-            <a:off x="891641" y="422146"/>
-            <a:ext cx="645368" cy="645368"/>
-          </a:xfrm>
-          <a:prstGeom prst="rect">
-            <a:avLst/>
-          </a:prstGeom>
-          <a:solidFill>
-            <a:schemeClr val="accent1">
-              <a:alpha val="30000"/>
-            </a:schemeClr>
-          </a:solidFill>
-          <a:ln>
-            <a:noFill/>
-          </a:ln>
-        </p:spPr>
-        <p:style>
-          <a:lnRef idx="2">
-            <a:schemeClr val="accent1">
-              <a:shade val="50000"/>
-            </a:schemeClr>
-          </a:lnRef>
-          <a:fillRef idx="1">
-            <a:schemeClr val="accent1"/>
-          </a:fillRef>
-          <a:effectRef idx="0">
-            <a:schemeClr val="accent1"/>
-          </a:effectRef>
-          <a:fontRef idx="minor">
-            <a:schemeClr val="lt1"/>
-          </a:fontRef>
-        </p:style>
-        <p:txBody>
-          <a:bodyPr rtlCol="0" anchor="ctr"/>
-          <a:lstStyle/>
-          <a:p>
-            <a:pPr algn="ctr"/>
-            <a:endParaRPr lang="en-US"/>
-          </a:p>
-        </p:txBody>
-      </p:sp>
-      <p:sp>
-        <p:nvSpPr>
-          <p:cNvPr id="16" name="Rectangle 15">
-            <a:extLst>
-              <a:ext uri="{FF2B5EF4-FFF2-40B4-BE49-F238E27FC236}">
-                <a16:creationId xmlns:a16="http://schemas.microsoft.com/office/drawing/2014/main" id="{3783CA14-24A1-485C-8B30-D6A5D87987AD}"/>
-              </a:ext>
-              <a:ext uri="{C183D7F6-B498-43B3-948B-1728B52AA6E4}">
-                <adec:decorative xmlns:adec="http://schemas.microsoft.com/office/drawing/2017/decorative" val="1"/>
-              </a:ext>
-            </a:extLst>
-          </p:cNvPr>
-          <p:cNvSpPr>
-            <a:spLocks noGrp="1" noRot="1" noChangeAspect="1" noMove="1" noResize="1" noEditPoints="1" noAdjustHandles="1" noChangeArrowheads="1" noChangeShapeType="1" noTextEdit="1"/>
-          </p:cNvSpPr>
-          <p:nvPr>
-            <p:extLst>
-              <p:ext uri="{386F3935-93C4-4BCD-93E2-E3B085C9AB24}">
-                <p16:designElem xmlns:p16="http://schemas.microsoft.com/office/powerpoint/2015/main" val="1"/>
-              </p:ext>
-            </p:extLst>
-          </p:nvPr>
-        </p:nvSpPr>
-        <p:spPr>
-          <a:xfrm rot="18900000" flipH="1">
-            <a:off x="10043482" y="655140"/>
-            <a:ext cx="687472" cy="687472"/>
-          </a:xfrm>
-          <a:prstGeom prst="rect">
-            <a:avLst/>
-          </a:prstGeom>
-          <a:solidFill>
-            <a:schemeClr val="accent4">
-              <a:alpha val="30000"/>
-            </a:schemeClr>
-          </a:solidFill>
-          <a:ln>
-            <a:noFill/>
-          </a:ln>
-        </p:spPr>
-        <p:style>
-          <a:lnRef idx="2">
-            <a:schemeClr val="accent1">
-              <a:shade val="50000"/>
-            </a:schemeClr>
-          </a:lnRef>
-          <a:fillRef idx="1">
-            <a:schemeClr val="accent1"/>
-          </a:fillRef>
-          <a:effectRef idx="0">
-            <a:schemeClr val="accent1"/>
-          </a:effectRef>
-          <a:fontRef idx="minor">
-            <a:schemeClr val="lt1"/>
-          </a:fontRef>
-        </p:style>
-        <p:txBody>
-          <a:bodyPr rtlCol="0" anchor="ctr"/>
-          <a:lstStyle/>
-          <a:p>
-            <a:pPr algn="ctr"/>
-            <a:endParaRPr lang="en-US"/>
-          </a:p>
-        </p:txBody>
-      </p:sp>
-      <p:sp>
-        <p:nvSpPr>
-          <p:cNvPr id="18" name="Freeform: Shape 17">
-            <a:extLst>
-              <a:ext uri="{FF2B5EF4-FFF2-40B4-BE49-F238E27FC236}">
-                <a16:creationId xmlns:a16="http://schemas.microsoft.com/office/drawing/2014/main" id="{9A97C86A-04D6-40F7-AE84-31AB43E6A846}"/>
-              </a:ext>
-              <a:ext uri="{C183D7F6-B498-43B3-948B-1728B52AA6E4}">
-                <adec:decorative xmlns:adec="http://schemas.microsoft.com/office/drawing/2017/decorative" val="1"/>
-              </a:ext>
-            </a:extLst>
-          </p:cNvPr>
-          <p:cNvSpPr>
-            <a:spLocks noGrp="1" noRot="1" noChangeAspect="1" noMove="1" noResize="1" noEditPoints="1" noAdjustHandles="1" noChangeArrowheads="1" noChangeShapeType="1" noTextEdit="1"/>
-          </p:cNvSpPr>
-          <p:nvPr>
-            <p:extLst>
-              <p:ext uri="{386F3935-93C4-4BCD-93E2-E3B085C9AB24}">
-                <p16:designElem xmlns:p16="http://schemas.microsoft.com/office/powerpoint/2015/main" val="1"/>
-              </p:ext>
-            </p:extLst>
-          </p:nvPr>
-        </p:nvSpPr>
-        <p:spPr>
-          <a:xfrm rot="10800000" flipH="1">
-            <a:off x="9356643" y="0"/>
-            <a:ext cx="2835357" cy="1480837"/>
-          </a:xfrm>
-          <a:custGeom>
-            <a:avLst/>
-            <a:gdLst>
-              <a:gd name="connsiteX0" fmla="*/ 2835357 w 2835357"/>
-              <a:gd name="connsiteY0" fmla="*/ 1480837 h 1480837"/>
-              <a:gd name="connsiteX1" fmla="*/ 0 w 2835357"/>
-              <a:gd name="connsiteY1" fmla="*/ 1480837 h 1480837"/>
-              <a:gd name="connsiteX2" fmla="*/ 1552727 w 2835357"/>
-              <a:gd name="connsiteY2" fmla="*/ 0 h 1480837"/>
-              <a:gd name="connsiteX3" fmla="*/ 2835357 w 2835357"/>
-              <a:gd name="connsiteY3" fmla="*/ 1223245 h 1480837"/>
-            </a:gdLst>
-            <a:ahLst/>
-            <a:cxnLst>
-              <a:cxn ang="0">
-                <a:pos x="connsiteX0" y="connsiteY0"/>
-              </a:cxn>
-              <a:cxn ang="0">
-                <a:pos x="connsiteX1" y="connsiteY1"/>
-              </a:cxn>
-              <a:cxn ang="0">
-                <a:pos x="connsiteX2" y="connsiteY2"/>
-              </a:cxn>
-              <a:cxn ang="0">
-                <a:pos x="connsiteX3" y="connsiteY3"/>
-              </a:cxn>
-            </a:cxnLst>
-            <a:rect l="l" t="t" r="r" b="b"/>
-            <a:pathLst>
-              <a:path w="2835357" h="1480837">
-                <a:moveTo>
-                  <a:pt x="2835357" y="1480837"/>
-                </a:moveTo>
-                <a:lnTo>
-                  <a:pt x="0" y="1480837"/>
-                </a:lnTo>
-                <a:lnTo>
-                  <a:pt x="1552727" y="0"/>
-                </a:lnTo>
-                <a:lnTo>
-                  <a:pt x="2835357" y="1223245"/>
-                </a:lnTo>
-                <a:close/>
-              </a:path>
-            </a:pathLst>
-          </a:custGeom>
-          <a:solidFill>
-            <a:schemeClr val="accent4">
-              <a:alpha val="30000"/>
-            </a:schemeClr>
-          </a:solidFill>
-          <a:ln>
-            <a:noFill/>
-          </a:ln>
-        </p:spPr>
-        <p:style>
-          <a:lnRef idx="2">
-            <a:schemeClr val="accent1">
-              <a:shade val="50000"/>
-            </a:schemeClr>
-          </a:lnRef>
-          <a:fillRef idx="1">
-            <a:schemeClr val="accent1"/>
-          </a:fillRef>
-          <a:effectRef idx="0">
-            <a:schemeClr val="accent1"/>
-          </a:effectRef>
-          <a:fontRef idx="minor">
-            <a:schemeClr val="lt1"/>
-          </a:fontRef>
-        </p:style>
-        <p:txBody>
-          <a:bodyPr wrap="square" rtlCol="0" anchor="ctr">
-            <a:noAutofit/>
-          </a:bodyPr>
-          <a:lstStyle/>
-          <a:p>
-            <a:pPr algn="ctr"/>
-            <a:endParaRPr lang="en-US" dirty="0"/>
-          </a:p>
-        </p:txBody>
-      </p:sp>
-      <p:sp>
-        <p:nvSpPr>
-          <p:cNvPr id="20" name="Isosceles Triangle 19">
-            <a:extLst>
-              <a:ext uri="{FF2B5EF4-FFF2-40B4-BE49-F238E27FC236}">
-                <a16:creationId xmlns:a16="http://schemas.microsoft.com/office/drawing/2014/main" id="{FF9F2414-84E8-453E-B1F3-389FDE8192D9}"/>
-              </a:ext>
-              <a:ext uri="{C183D7F6-B498-43B3-948B-1728B52AA6E4}">
-                <adec:decorative xmlns:adec="http://schemas.microsoft.com/office/drawing/2017/decorative" val="1"/>
-              </a:ext>
-            </a:extLst>
-          </p:cNvPr>
-          <p:cNvSpPr>
-            <a:spLocks noGrp="1" noRot="1" noChangeAspect="1" noMove="1" noResize="1" noEditPoints="1" noAdjustHandles="1" noChangeArrowheads="1" noChangeShapeType="1" noTextEdit="1"/>
-          </p:cNvSpPr>
-          <p:nvPr>
-            <p:extLst>
-              <p:ext uri="{386F3935-93C4-4BCD-93E2-E3B085C9AB24}">
-                <p16:designElem xmlns:p16="http://schemas.microsoft.com/office/powerpoint/2015/main" val="1"/>
-              </p:ext>
-            </p:extLst>
-          </p:nvPr>
-        </p:nvSpPr>
-        <p:spPr>
-          <a:xfrm flipH="1">
-            <a:off x="7976344" y="6115501"/>
-            <a:ext cx="1494513" cy="742499"/>
-          </a:xfrm>
-          <a:prstGeom prst="triangle">
-            <a:avLst/>
-          </a:prstGeom>
-          <a:solidFill>
-            <a:schemeClr val="accent1">
-              <a:alpha val="30000"/>
-            </a:schemeClr>
-          </a:solidFill>
-          <a:ln>
-            <a:noFill/>
-          </a:ln>
-        </p:spPr>
-        <p:style>
-          <a:lnRef idx="2">
-            <a:schemeClr val="accent1">
-              <a:shade val="50000"/>
-            </a:schemeClr>
-          </a:lnRef>
-          <a:fillRef idx="1">
-            <a:schemeClr val="accent1"/>
-          </a:fillRef>
-          <a:effectRef idx="0">
-            <a:schemeClr val="accent1"/>
-          </a:effectRef>
-          <a:fontRef idx="minor">
-            <a:schemeClr val="lt1"/>
-          </a:fontRef>
-        </p:style>
-        <p:txBody>
-          <a:bodyPr rtlCol="0" anchor="ctr"/>
-          <a:lstStyle/>
-          <a:p>
-            <a:pPr algn="ctr"/>
-            <a:endParaRPr lang="en-US"/>
-          </a:p>
-        </p:txBody>
-      </p:sp>
-      <p:pic>
-        <p:nvPicPr>
-          <p:cNvPr id="5" name="圖片 4">
-            <a:extLst>
-              <a:ext uri="{FF2B5EF4-FFF2-40B4-BE49-F238E27FC236}">
-                <a16:creationId xmlns:a16="http://schemas.microsoft.com/office/drawing/2014/main" id="{8651D9B5-E038-4330-96AE-AACE31B04919}"/>
-              </a:ext>
-            </a:extLst>
-          </p:cNvPr>
-          <p:cNvPicPr>
-            <a:picLocks noChangeAspect="1"/>
-          </p:cNvPicPr>
-          <p:nvPr/>
-        </p:nvPicPr>
-        <p:blipFill>
-          <a:blip r:embed="rId2"/>
-          <a:stretch>
-            <a:fillRect/>
-          </a:stretch>
-        </p:blipFill>
-        <p:spPr>
-          <a:xfrm>
-            <a:off x="643467" y="907203"/>
-            <a:ext cx="10905066" cy="5043592"/>
-          </a:xfrm>
-          <a:prstGeom prst="rect">
-            <a:avLst/>
-          </a:prstGeom>
-          <a:ln>
-            <a:noFill/>
-          </a:ln>
-        </p:spPr>
-      </p:pic>
-      <p:sp>
-        <p:nvSpPr>
-          <p:cNvPr id="22" name="Isosceles Triangle 21">
-            <a:extLst>
-              <a:ext uri="{FF2B5EF4-FFF2-40B4-BE49-F238E27FC236}">
-                <a16:creationId xmlns:a16="http://schemas.microsoft.com/office/drawing/2014/main" id="{3ECA69A1-7536-43AC-85EF-C7106179F5ED}"/>
-              </a:ext>
-              <a:ext uri="{C183D7F6-B498-43B3-948B-1728B52AA6E4}">
-                <adec:decorative xmlns:adec="http://schemas.microsoft.com/office/drawing/2017/decorative" val="1"/>
-              </a:ext>
-            </a:extLst>
-          </p:cNvPr>
-          <p:cNvSpPr>
-            <a:spLocks noGrp="1" noRot="1" noChangeAspect="1" noMove="1" noResize="1" noEditPoints="1" noAdjustHandles="1" noChangeArrowheads="1" noChangeShapeType="1" noTextEdit="1"/>
-          </p:cNvSpPr>
-          <p:nvPr>
-            <p:extLst>
-              <p:ext uri="{386F3935-93C4-4BCD-93E2-E3B085C9AB24}">
-                <p16:designElem xmlns:p16="http://schemas.microsoft.com/office/powerpoint/2015/main" val="1"/>
-              </p:ext>
-            </p:extLst>
-          </p:nvPr>
-        </p:nvSpPr>
-        <p:spPr>
-          <a:xfrm flipH="1">
-            <a:off x="7604080" y="6453143"/>
-            <a:ext cx="814903" cy="404857"/>
-          </a:xfrm>
-          <a:prstGeom prst="triangle">
-            <a:avLst/>
-          </a:prstGeom>
-          <a:solidFill>
-            <a:schemeClr val="accent1">
-              <a:alpha val="30000"/>
-            </a:schemeClr>
-          </a:solidFill>
-          <a:ln>
-            <a:noFill/>
-          </a:ln>
-        </p:spPr>
-        <p:style>
-          <a:lnRef idx="2">
-            <a:schemeClr val="accent1">
-              <a:shade val="50000"/>
-            </a:schemeClr>
-          </a:lnRef>
-          <a:fillRef idx="1">
-            <a:schemeClr val="accent1"/>
-          </a:fillRef>
-          <a:effectRef idx="0">
-            <a:schemeClr val="accent1"/>
-          </a:effectRef>
-          <a:fontRef idx="minor">
-            <a:schemeClr val="lt1"/>
-          </a:fontRef>
-        </p:style>
-        <p:txBody>
-          <a:bodyPr rtlCol="0" anchor="ctr"/>
-          <a:lstStyle/>
-          <a:p>
-            <a:pPr algn="ctr"/>
-            <a:endParaRPr lang="en-US"/>
-          </a:p>
-        </p:txBody>
-      </p:sp>
-    </p:spTree>
-    <p:extLst>
-      <p:ext uri="{BB962C8B-B14F-4D97-AF65-F5344CB8AC3E}">
-        <p14:creationId xmlns:p14="http://schemas.microsoft.com/office/powerpoint/2010/main" val="3226115260"/>
-      </p:ext>
-    </p:extLst>
-  </p:cSld>
-  <p:clrMapOvr>
-    <a:masterClrMapping/>
-  </p:clrMapOvr>
-</p:sld>
-</file>
-
-<file path=ppt/slides/slide4.xml><?xml version="1.0" encoding="utf-8"?>
-<p:sld xmlns:a="http://schemas.openxmlformats.org/drawingml/2006/main" xmlns:r="http://schemas.openxmlformats.org/officeDocument/2006/relationships" xmlns:p="http://schemas.openxmlformats.org/presentationml/2006/main">
-  <p:cSld>
-    <p:bg>
-      <p:bgPr>
-        <a:solidFill>
-          <a:schemeClr val="bg1"/>
-        </a:solidFill>
-        <a:effectLst/>
-      </p:bgPr>
-    </p:bg>
-    <p:spTree>
-      <p:nvGrpSpPr>
-        <p:cNvPr id="1" name=""/>
-        <p:cNvGrpSpPr/>
-        <p:nvPr/>
-      </p:nvGrpSpPr>
-      <p:grpSpPr>
-        <a:xfrm>
-          <a:off x="0" y="0"/>
-          <a:ext cx="0" cy="0"/>
-          <a:chOff x="0" y="0"/>
-          <a:chExt cx="0" cy="0"/>
-        </a:xfrm>
-      </p:grpSpPr>
-      <p:sp>
-        <p:nvSpPr>
-          <p:cNvPr id="8" name="Rectangle 7">
-            <a:extLst>
-              <a:ext uri="{FF2B5EF4-FFF2-40B4-BE49-F238E27FC236}">
-                <a16:creationId xmlns:a16="http://schemas.microsoft.com/office/drawing/2014/main" id="{F3060C83-F051-4F0E-ABAD-AA0DFC48B218}"/>
-              </a:ext>
-              <a:ext uri="{C183D7F6-B498-43B3-948B-1728B52AA6E4}">
-                <adec:decorative xmlns:adec="http://schemas.microsoft.com/office/drawing/2017/decorative" val="1"/>
-              </a:ext>
-            </a:extLst>
-          </p:cNvPr>
-          <p:cNvSpPr>
-            <a:spLocks noGrp="1" noRot="1" noChangeAspect="1" noMove="1" noResize="1" noEditPoints="1" noAdjustHandles="1" noChangeArrowheads="1" noChangeShapeType="1" noTextEdit="1"/>
-          </p:cNvSpPr>
-          <p:nvPr>
-            <p:extLst>
-              <p:ext uri="{386F3935-93C4-4BCD-93E2-E3B085C9AB24}">
-                <p16:designElem xmlns:p16="http://schemas.microsoft.com/office/powerpoint/2015/main" val="1"/>
-              </p:ext>
-            </p:extLst>
-          </p:nvPr>
-        </p:nvSpPr>
-        <p:spPr>
-          <a:xfrm>
-            <a:off x="0" y="0"/>
-            <a:ext cx="12192000" cy="6858000"/>
-          </a:xfrm>
-          <a:prstGeom prst="rect">
-            <a:avLst/>
-          </a:prstGeom>
-          <a:solidFill>
-            <a:schemeClr val="bg1"/>
-          </a:solidFill>
-          <a:ln>
-            <a:noFill/>
-          </a:ln>
-        </p:spPr>
-        <p:style>
-          <a:lnRef idx="2">
-            <a:schemeClr val="accent1">
-              <a:shade val="50000"/>
-            </a:schemeClr>
-          </a:lnRef>
-          <a:fillRef idx="1">
-            <a:schemeClr val="accent1"/>
-          </a:fillRef>
-          <a:effectRef idx="0">
-            <a:schemeClr val="accent1"/>
-          </a:effectRef>
-          <a:fontRef idx="minor">
-            <a:schemeClr val="lt1"/>
-          </a:fontRef>
-        </p:style>
-        <p:txBody>
-          <a:bodyPr rtlCol="0" anchor="ctr"/>
-          <a:lstStyle/>
-          <a:p>
-            <a:pPr algn="ctr"/>
-            <a:endParaRPr lang="en-US" dirty="0"/>
-          </a:p>
-        </p:txBody>
-      </p:sp>
-      <p:sp>
-        <p:nvSpPr>
-          <p:cNvPr id="10" name="Freeform: Shape 9">
-            <a:extLst>
-              <a:ext uri="{FF2B5EF4-FFF2-40B4-BE49-F238E27FC236}">
-                <a16:creationId xmlns:a16="http://schemas.microsoft.com/office/drawing/2014/main" id="{83C98ABE-055B-441F-B07E-44F97F083C39}"/>
-              </a:ext>
-              <a:ext uri="{C183D7F6-B498-43B3-948B-1728B52AA6E4}">
-                <adec:decorative xmlns:adec="http://schemas.microsoft.com/office/drawing/2017/decorative" val="1"/>
-              </a:ext>
-            </a:extLst>
-          </p:cNvPr>
-          <p:cNvSpPr>
-            <a:spLocks noGrp="1" noRot="1" noChangeAspect="1" noMove="1" noResize="1" noEditPoints="1" noAdjustHandles="1" noChangeArrowheads="1" noChangeShapeType="1" noTextEdit="1"/>
-          </p:cNvSpPr>
-          <p:nvPr>
-            <p:extLst>
-              <p:ext uri="{386F3935-93C4-4BCD-93E2-E3B085C9AB24}">
-                <p16:designElem xmlns:p16="http://schemas.microsoft.com/office/powerpoint/2015/main" val="1"/>
-              </p:ext>
-            </p:extLst>
-          </p:nvPr>
-        </p:nvSpPr>
-        <p:spPr>
-          <a:xfrm rot="18900000" flipH="1">
-            <a:off x="-376156" y="-253670"/>
-            <a:ext cx="1827638" cy="1376989"/>
-          </a:xfrm>
-          <a:custGeom>
-            <a:avLst/>
-            <a:gdLst>
-              <a:gd name="connsiteX0" fmla="*/ 0 w 1827638"/>
-              <a:gd name="connsiteY0" fmla="*/ 987379 h 1376989"/>
-              <a:gd name="connsiteX1" fmla="*/ 987379 w 1827638"/>
-              <a:gd name="connsiteY1" fmla="*/ 0 h 1376989"/>
-              <a:gd name="connsiteX2" fmla="*/ 1827638 w 1827638"/>
-              <a:gd name="connsiteY2" fmla="*/ 840260 h 1376989"/>
-              <a:gd name="connsiteX3" fmla="*/ 1827638 w 1827638"/>
-              <a:gd name="connsiteY3" fmla="*/ 1376989 h 1376989"/>
-              <a:gd name="connsiteX4" fmla="*/ 0 w 1827638"/>
-              <a:gd name="connsiteY4" fmla="*/ 1376989 h 1376989"/>
-            </a:gdLst>
-            <a:ahLst/>
-            <a:cxnLst>
-              <a:cxn ang="0">
-                <a:pos x="connsiteX0" y="connsiteY0"/>
-              </a:cxn>
-              <a:cxn ang="0">
-                <a:pos x="connsiteX1" y="connsiteY1"/>
-              </a:cxn>
-              <a:cxn ang="0">
-                <a:pos x="connsiteX2" y="connsiteY2"/>
-              </a:cxn>
-              <a:cxn ang="0">
-                <a:pos x="connsiteX3" y="connsiteY3"/>
-              </a:cxn>
-              <a:cxn ang="0">
-                <a:pos x="connsiteX4" y="connsiteY4"/>
-              </a:cxn>
-            </a:cxnLst>
-            <a:rect l="l" t="t" r="r" b="b"/>
-            <a:pathLst>
-              <a:path w="1827638" h="1376989">
-                <a:moveTo>
-                  <a:pt x="0" y="987379"/>
-                </a:moveTo>
-                <a:lnTo>
-                  <a:pt x="987379" y="0"/>
-                </a:lnTo>
-                <a:lnTo>
-                  <a:pt x="1827638" y="840260"/>
-                </a:lnTo>
-                <a:lnTo>
-                  <a:pt x="1827638" y="1376989"/>
-                </a:lnTo>
-                <a:lnTo>
-                  <a:pt x="0" y="1376989"/>
-                </a:lnTo>
-                <a:close/>
-              </a:path>
-            </a:pathLst>
-          </a:custGeom>
-          <a:solidFill>
-            <a:schemeClr val="accent1">
-              <a:alpha val="30000"/>
-            </a:schemeClr>
-          </a:solidFill>
-          <a:ln>
-            <a:noFill/>
-          </a:ln>
-        </p:spPr>
-        <p:style>
-          <a:lnRef idx="2">
-            <a:schemeClr val="accent1">
-              <a:shade val="50000"/>
-            </a:schemeClr>
-          </a:lnRef>
-          <a:fillRef idx="1">
-            <a:schemeClr val="accent1"/>
-          </a:fillRef>
-          <a:effectRef idx="0">
-            <a:schemeClr val="accent1"/>
-          </a:effectRef>
-          <a:fontRef idx="minor">
-            <a:schemeClr val="lt1"/>
-          </a:fontRef>
-        </p:style>
-        <p:txBody>
-          <a:bodyPr rtlCol="0" anchor="ctr"/>
-          <a:lstStyle/>
-          <a:p>
-            <a:pPr algn="ctr"/>
-            <a:endParaRPr lang="en-US" dirty="0"/>
-          </a:p>
-        </p:txBody>
-      </p:sp>
-      <p:sp>
-        <p:nvSpPr>
-          <p:cNvPr id="12" name="Rectangle 11">
-            <a:extLst>
-              <a:ext uri="{FF2B5EF4-FFF2-40B4-BE49-F238E27FC236}">
-                <a16:creationId xmlns:a16="http://schemas.microsoft.com/office/drawing/2014/main" id="{29FDB030-9B49-4CED-8CCD-4D99382388AC}"/>
-              </a:ext>
-              <a:ext uri="{C183D7F6-B498-43B3-948B-1728B52AA6E4}">
-                <adec:decorative xmlns:adec="http://schemas.microsoft.com/office/drawing/2017/decorative" val="1"/>
-              </a:ext>
-            </a:extLst>
-          </p:cNvPr>
-          <p:cNvSpPr>
-            <a:spLocks noGrp="1" noRot="1" noChangeAspect="1" noMove="1" noResize="1" noEditPoints="1" noAdjustHandles="1" noChangeArrowheads="1" noChangeShapeType="1" noTextEdit="1"/>
-          </p:cNvSpPr>
-          <p:nvPr>
-            <p:extLst>
-              <p:ext uri="{386F3935-93C4-4BCD-93E2-E3B085C9AB24}">
-                <p16:designElem xmlns:p16="http://schemas.microsoft.com/office/powerpoint/2015/main" val="1"/>
-              </p:ext>
-            </p:extLst>
-          </p:nvPr>
-        </p:nvSpPr>
-        <p:spPr>
-          <a:xfrm rot="18900000" flipH="1">
-            <a:off x="891641" y="422146"/>
-            <a:ext cx="645368" cy="645368"/>
-          </a:xfrm>
-          <a:prstGeom prst="rect">
-            <a:avLst/>
-          </a:prstGeom>
-          <a:solidFill>
-            <a:schemeClr val="accent1">
-              <a:alpha val="30000"/>
-            </a:schemeClr>
-          </a:solidFill>
-          <a:ln>
-            <a:noFill/>
-          </a:ln>
-        </p:spPr>
-        <p:style>
-          <a:lnRef idx="2">
-            <a:schemeClr val="accent1">
-              <a:shade val="50000"/>
-            </a:schemeClr>
-          </a:lnRef>
-          <a:fillRef idx="1">
-            <a:schemeClr val="accent1"/>
-          </a:fillRef>
-          <a:effectRef idx="0">
-            <a:schemeClr val="accent1"/>
-          </a:effectRef>
-          <a:fontRef idx="minor">
-            <a:schemeClr val="lt1"/>
-          </a:fontRef>
-        </p:style>
-        <p:txBody>
-          <a:bodyPr rtlCol="0" anchor="ctr"/>
-          <a:lstStyle/>
-          <a:p>
-            <a:pPr algn="ctr"/>
-            <a:endParaRPr lang="en-US"/>
-          </a:p>
-        </p:txBody>
-      </p:sp>
-      <p:sp>
-        <p:nvSpPr>
-          <p:cNvPr id="14" name="Rectangle 13">
-            <a:extLst>
-              <a:ext uri="{FF2B5EF4-FFF2-40B4-BE49-F238E27FC236}">
-                <a16:creationId xmlns:a16="http://schemas.microsoft.com/office/drawing/2014/main" id="{3783CA14-24A1-485C-8B30-D6A5D87987AD}"/>
-              </a:ext>
-              <a:ext uri="{C183D7F6-B498-43B3-948B-1728B52AA6E4}">
-                <adec:decorative xmlns:adec="http://schemas.microsoft.com/office/drawing/2017/decorative" val="1"/>
-              </a:ext>
-            </a:extLst>
-          </p:cNvPr>
-          <p:cNvSpPr>
-            <a:spLocks noGrp="1" noRot="1" noChangeAspect="1" noMove="1" noResize="1" noEditPoints="1" noAdjustHandles="1" noChangeArrowheads="1" noChangeShapeType="1" noTextEdit="1"/>
-          </p:cNvSpPr>
-          <p:nvPr>
-            <p:extLst>
-              <p:ext uri="{386F3935-93C4-4BCD-93E2-E3B085C9AB24}">
-                <p16:designElem xmlns:p16="http://schemas.microsoft.com/office/powerpoint/2015/main" val="1"/>
-              </p:ext>
-            </p:extLst>
-          </p:nvPr>
-        </p:nvSpPr>
-        <p:spPr>
-          <a:xfrm rot="18900000" flipH="1">
-            <a:off x="10043482" y="655140"/>
-            <a:ext cx="687472" cy="687472"/>
-          </a:xfrm>
-          <a:prstGeom prst="rect">
-            <a:avLst/>
-          </a:prstGeom>
-          <a:solidFill>
-            <a:schemeClr val="accent4">
-              <a:alpha val="30000"/>
-            </a:schemeClr>
-          </a:solidFill>
-          <a:ln>
-            <a:noFill/>
-          </a:ln>
-        </p:spPr>
-        <p:style>
-          <a:lnRef idx="2">
-            <a:schemeClr val="accent1">
-              <a:shade val="50000"/>
-            </a:schemeClr>
-          </a:lnRef>
-          <a:fillRef idx="1">
-            <a:schemeClr val="accent1"/>
-          </a:fillRef>
-          <a:effectRef idx="0">
-            <a:schemeClr val="accent1"/>
-          </a:effectRef>
-          <a:fontRef idx="minor">
-            <a:schemeClr val="lt1"/>
-          </a:fontRef>
-        </p:style>
-        <p:txBody>
-          <a:bodyPr rtlCol="0" anchor="ctr"/>
-          <a:lstStyle/>
-          <a:p>
-            <a:pPr algn="ctr"/>
-            <a:endParaRPr lang="en-US"/>
-          </a:p>
-        </p:txBody>
-      </p:sp>
-      <p:sp>
-        <p:nvSpPr>
-          <p:cNvPr id="16" name="Freeform: Shape 15">
-            <a:extLst>
-              <a:ext uri="{FF2B5EF4-FFF2-40B4-BE49-F238E27FC236}">
-                <a16:creationId xmlns:a16="http://schemas.microsoft.com/office/drawing/2014/main" id="{9A97C86A-04D6-40F7-AE84-31AB43E6A846}"/>
-              </a:ext>
-              <a:ext uri="{C183D7F6-B498-43B3-948B-1728B52AA6E4}">
-                <adec:decorative xmlns:adec="http://schemas.microsoft.com/office/drawing/2017/decorative" val="1"/>
-              </a:ext>
-            </a:extLst>
-          </p:cNvPr>
-          <p:cNvSpPr>
-            <a:spLocks noGrp="1" noRot="1" noChangeAspect="1" noMove="1" noResize="1" noEditPoints="1" noAdjustHandles="1" noChangeArrowheads="1" noChangeShapeType="1" noTextEdit="1"/>
-          </p:cNvSpPr>
-          <p:nvPr>
-            <p:extLst>
-              <p:ext uri="{386F3935-93C4-4BCD-93E2-E3B085C9AB24}">
-                <p16:designElem xmlns:p16="http://schemas.microsoft.com/office/powerpoint/2015/main" val="1"/>
-              </p:ext>
-            </p:extLst>
-          </p:nvPr>
-        </p:nvSpPr>
-        <p:spPr>
-          <a:xfrm rot="10800000" flipH="1">
-            <a:off x="9356643" y="0"/>
-            <a:ext cx="2835357" cy="1480837"/>
-          </a:xfrm>
-          <a:custGeom>
-            <a:avLst/>
-            <a:gdLst>
-              <a:gd name="connsiteX0" fmla="*/ 2835357 w 2835357"/>
-              <a:gd name="connsiteY0" fmla="*/ 1480837 h 1480837"/>
-              <a:gd name="connsiteX1" fmla="*/ 0 w 2835357"/>
-              <a:gd name="connsiteY1" fmla="*/ 1480837 h 1480837"/>
-              <a:gd name="connsiteX2" fmla="*/ 1552727 w 2835357"/>
-              <a:gd name="connsiteY2" fmla="*/ 0 h 1480837"/>
-              <a:gd name="connsiteX3" fmla="*/ 2835357 w 2835357"/>
-              <a:gd name="connsiteY3" fmla="*/ 1223245 h 1480837"/>
-            </a:gdLst>
-            <a:ahLst/>
-            <a:cxnLst>
-              <a:cxn ang="0">
-                <a:pos x="connsiteX0" y="connsiteY0"/>
-              </a:cxn>
-              <a:cxn ang="0">
-                <a:pos x="connsiteX1" y="connsiteY1"/>
-              </a:cxn>
-              <a:cxn ang="0">
-                <a:pos x="connsiteX2" y="connsiteY2"/>
-              </a:cxn>
-              <a:cxn ang="0">
-                <a:pos x="connsiteX3" y="connsiteY3"/>
-              </a:cxn>
-            </a:cxnLst>
-            <a:rect l="l" t="t" r="r" b="b"/>
-            <a:pathLst>
-              <a:path w="2835357" h="1480837">
-                <a:moveTo>
-                  <a:pt x="2835357" y="1480837"/>
-                </a:moveTo>
-                <a:lnTo>
-                  <a:pt x="0" y="1480837"/>
-                </a:lnTo>
-                <a:lnTo>
-                  <a:pt x="1552727" y="0"/>
-                </a:lnTo>
-                <a:lnTo>
-                  <a:pt x="2835357" y="1223245"/>
-                </a:lnTo>
-                <a:close/>
-              </a:path>
-            </a:pathLst>
-          </a:custGeom>
-          <a:solidFill>
-            <a:schemeClr val="accent4">
-              <a:alpha val="30000"/>
-            </a:schemeClr>
-          </a:solidFill>
-          <a:ln>
-            <a:noFill/>
-          </a:ln>
-        </p:spPr>
-        <p:style>
-          <a:lnRef idx="2">
-            <a:schemeClr val="accent1">
-              <a:shade val="50000"/>
-            </a:schemeClr>
-          </a:lnRef>
-          <a:fillRef idx="1">
-            <a:schemeClr val="accent1"/>
-          </a:fillRef>
-          <a:effectRef idx="0">
-            <a:schemeClr val="accent1"/>
-          </a:effectRef>
-          <a:fontRef idx="minor">
-            <a:schemeClr val="lt1"/>
-          </a:fontRef>
-        </p:style>
-        <p:txBody>
-          <a:bodyPr wrap="square" rtlCol="0" anchor="ctr">
-            <a:noAutofit/>
-          </a:bodyPr>
-          <a:lstStyle/>
-          <a:p>
-            <a:pPr algn="ctr"/>
-            <a:endParaRPr lang="en-US" dirty="0"/>
-          </a:p>
-        </p:txBody>
-      </p:sp>
-      <p:sp>
-        <p:nvSpPr>
-          <p:cNvPr id="18" name="Isosceles Triangle 17">
-            <a:extLst>
-              <a:ext uri="{FF2B5EF4-FFF2-40B4-BE49-F238E27FC236}">
-                <a16:creationId xmlns:a16="http://schemas.microsoft.com/office/drawing/2014/main" id="{FF9F2414-84E8-453E-B1F3-389FDE8192D9}"/>
-              </a:ext>
-              <a:ext uri="{C183D7F6-B498-43B3-948B-1728B52AA6E4}">
-                <adec:decorative xmlns:adec="http://schemas.microsoft.com/office/drawing/2017/decorative" val="1"/>
-              </a:ext>
-            </a:extLst>
-          </p:cNvPr>
-          <p:cNvSpPr>
-            <a:spLocks noGrp="1" noRot="1" noChangeAspect="1" noMove="1" noResize="1" noEditPoints="1" noAdjustHandles="1" noChangeArrowheads="1" noChangeShapeType="1" noTextEdit="1"/>
-          </p:cNvSpPr>
-          <p:nvPr>
-            <p:extLst>
-              <p:ext uri="{386F3935-93C4-4BCD-93E2-E3B085C9AB24}">
-                <p16:designElem xmlns:p16="http://schemas.microsoft.com/office/powerpoint/2015/main" val="1"/>
-              </p:ext>
-            </p:extLst>
-          </p:nvPr>
-        </p:nvSpPr>
-        <p:spPr>
-          <a:xfrm flipH="1">
-            <a:off x="7976344" y="6115501"/>
-            <a:ext cx="1494513" cy="742499"/>
-          </a:xfrm>
-          <a:prstGeom prst="triangle">
-            <a:avLst/>
-          </a:prstGeom>
-          <a:solidFill>
-            <a:schemeClr val="accent1">
-              <a:alpha val="30000"/>
-            </a:schemeClr>
-          </a:solidFill>
-          <a:ln>
-            <a:noFill/>
-          </a:ln>
-        </p:spPr>
-        <p:style>
-          <a:lnRef idx="2">
-            <a:schemeClr val="accent1">
-              <a:shade val="50000"/>
-            </a:schemeClr>
-          </a:lnRef>
-          <a:fillRef idx="1">
-            <a:schemeClr val="accent1"/>
-          </a:fillRef>
-          <a:effectRef idx="0">
-            <a:schemeClr val="accent1"/>
-          </a:effectRef>
-          <a:fontRef idx="minor">
-            <a:schemeClr val="lt1"/>
-          </a:fontRef>
-        </p:style>
-        <p:txBody>
-          <a:bodyPr rtlCol="0" anchor="ctr"/>
-          <a:lstStyle/>
-          <a:p>
-            <a:pPr algn="ctr"/>
-            <a:endParaRPr lang="en-US"/>
-          </a:p>
-        </p:txBody>
-      </p:sp>
-      <p:pic>
-        <p:nvPicPr>
-          <p:cNvPr id="3" name="圖片 2">
-            <a:extLst>
-              <a:ext uri="{FF2B5EF4-FFF2-40B4-BE49-F238E27FC236}">
-                <a16:creationId xmlns:a16="http://schemas.microsoft.com/office/drawing/2014/main" id="{B48DFB75-A7B0-489E-BD74-0E0FA4D4DEE4}"/>
-              </a:ext>
-            </a:extLst>
-          </p:cNvPr>
-          <p:cNvPicPr>
-            <a:picLocks noChangeAspect="1"/>
-          </p:cNvPicPr>
-          <p:nvPr/>
-        </p:nvPicPr>
-        <p:blipFill>
-          <a:blip r:embed="rId2"/>
-          <a:stretch>
-            <a:fillRect/>
-          </a:stretch>
-        </p:blipFill>
-        <p:spPr>
-          <a:xfrm>
-            <a:off x="643467" y="893572"/>
-            <a:ext cx="10905066" cy="5070854"/>
-          </a:xfrm>
-          <a:prstGeom prst="rect">
-            <a:avLst/>
-          </a:prstGeom>
-          <a:ln>
-            <a:noFill/>
-          </a:ln>
-        </p:spPr>
-      </p:pic>
-      <p:sp>
-        <p:nvSpPr>
-          <p:cNvPr id="20" name="Isosceles Triangle 19">
-            <a:extLst>
-              <a:ext uri="{FF2B5EF4-FFF2-40B4-BE49-F238E27FC236}">
-                <a16:creationId xmlns:a16="http://schemas.microsoft.com/office/drawing/2014/main" id="{3ECA69A1-7536-43AC-85EF-C7106179F5ED}"/>
-              </a:ext>
-              <a:ext uri="{C183D7F6-B498-43B3-948B-1728B52AA6E4}">
-                <adec:decorative xmlns:adec="http://schemas.microsoft.com/office/drawing/2017/decorative" val="1"/>
-              </a:ext>
-            </a:extLst>
-          </p:cNvPr>
-          <p:cNvSpPr>
-            <a:spLocks noGrp="1" noRot="1" noChangeAspect="1" noMove="1" noResize="1" noEditPoints="1" noAdjustHandles="1" noChangeArrowheads="1" noChangeShapeType="1" noTextEdit="1"/>
-          </p:cNvSpPr>
-          <p:nvPr>
-            <p:extLst>
-              <p:ext uri="{386F3935-93C4-4BCD-93E2-E3B085C9AB24}">
-                <p16:designElem xmlns:p16="http://schemas.microsoft.com/office/powerpoint/2015/main" val="1"/>
-              </p:ext>
-            </p:extLst>
-          </p:nvPr>
-        </p:nvSpPr>
-        <p:spPr>
-          <a:xfrm flipH="1">
-            <a:off x="7604080" y="6453143"/>
-            <a:ext cx="814903" cy="404857"/>
-          </a:xfrm>
-          <a:prstGeom prst="triangle">
-            <a:avLst/>
-          </a:prstGeom>
-          <a:solidFill>
-            <a:schemeClr val="accent1">
-              <a:alpha val="30000"/>
-            </a:schemeClr>
-          </a:solidFill>
-          <a:ln>
-            <a:noFill/>
-          </a:ln>
-        </p:spPr>
-        <p:style>
-          <a:lnRef idx="2">
-            <a:schemeClr val="accent1">
-              <a:shade val="50000"/>
-            </a:schemeClr>
-          </a:lnRef>
-          <a:fillRef idx="1">
-            <a:schemeClr val="accent1"/>
-          </a:fillRef>
-          <a:effectRef idx="0">
-            <a:schemeClr val="accent1"/>
-          </a:effectRef>
-          <a:fontRef idx="minor">
-            <a:schemeClr val="lt1"/>
-          </a:fontRef>
-        </p:style>
-        <p:txBody>
-          <a:bodyPr rtlCol="0" anchor="ctr"/>
-          <a:lstStyle/>
-          <a:p>
-            <a:pPr algn="ctr"/>
-            <a:endParaRPr lang="en-US"/>
-          </a:p>
-        </p:txBody>
-      </p:sp>
-    </p:spTree>
-    <p:extLst>
-      <p:ext uri="{BB962C8B-B14F-4D97-AF65-F5344CB8AC3E}">
-        <p14:creationId xmlns:p14="http://schemas.microsoft.com/office/powerpoint/2010/main" val="979843967"/>
-      </p:ext>
-    </p:extLst>
-  </p:cSld>
-  <p:clrMapOvr>
-    <a:masterClrMapping/>
-  </p:clrMapOvr>
-</p:sld>
-</file>
-
-<file path=ppt/slides/slide5.xml><?xml version="1.0" encoding="utf-8"?>
 <p:sld xmlns:a="http://schemas.openxmlformats.org/drawingml/2006/main" xmlns:r="http://schemas.openxmlformats.org/officeDocument/2006/relationships" xmlns:p="http://schemas.openxmlformats.org/presentationml/2006/main">
   <p:cSld>
     <p:bg>
@@ -6877,7 +5299,7 @@
 </p:sld>
 </file>
 
-<file path=ppt/slides/slide6.xml><?xml version="1.0" encoding="utf-8"?>
+<file path=ppt/slides/slide4.xml><?xml version="1.0" encoding="utf-8"?>
 <p:sld xmlns:a="http://schemas.openxmlformats.org/drawingml/2006/main" xmlns:r="http://schemas.openxmlformats.org/officeDocument/2006/relationships" xmlns:p="http://schemas.openxmlformats.org/presentationml/2006/main">
   <p:cSld>
     <p:spTree>
@@ -7197,7 +5619,7 @@
 </p:sld>
 </file>
 
-<file path=ppt/slides/slide7.xml><?xml version="1.0" encoding="utf-8"?>
+<file path=ppt/slides/slide5.xml><?xml version="1.0" encoding="utf-8"?>
 <p:sld xmlns:a="http://schemas.openxmlformats.org/drawingml/2006/main" xmlns:r="http://schemas.openxmlformats.org/officeDocument/2006/relationships" xmlns:p="http://schemas.openxmlformats.org/presentationml/2006/main">
   <p:cSld>
     <p:spTree>
@@ -7956,6 +6378,2341 @@
     <p:extLst>
       <p:ext uri="{BB962C8B-B14F-4D97-AF65-F5344CB8AC3E}">
         <p14:creationId xmlns:p14="http://schemas.microsoft.com/office/powerpoint/2010/main" val="1114069659"/>
+      </p:ext>
+    </p:extLst>
+  </p:cSld>
+  <p:clrMapOvr>
+    <a:masterClrMapping/>
+  </p:clrMapOvr>
+</p:sld>
+</file>
+
+<file path=ppt/slides/slide6.xml><?xml version="1.0" encoding="utf-8"?>
+<p:sld xmlns:a="http://schemas.openxmlformats.org/drawingml/2006/main" xmlns:r="http://schemas.openxmlformats.org/officeDocument/2006/relationships" xmlns:p="http://schemas.openxmlformats.org/presentationml/2006/main">
+  <p:cSld>
+    <p:spTree>
+      <p:nvGrpSpPr>
+        <p:cNvPr id="1" name=""/>
+        <p:cNvGrpSpPr/>
+        <p:nvPr/>
+      </p:nvGrpSpPr>
+      <p:grpSpPr>
+        <a:xfrm>
+          <a:off x="0" y="0"/>
+          <a:ext cx="0" cy="0"/>
+          <a:chOff x="0" y="0"/>
+          <a:chExt cx="0" cy="0"/>
+        </a:xfrm>
+      </p:grpSpPr>
+      <p:sp>
+        <p:nvSpPr>
+          <p:cNvPr id="3" name="內容版面配置區 2">
+            <a:extLst>
+              <a:ext uri="{FF2B5EF4-FFF2-40B4-BE49-F238E27FC236}">
+                <a16:creationId xmlns:a16="http://schemas.microsoft.com/office/drawing/2014/main" id="{86501E51-419F-4466-BCD3-93662DE00470}"/>
+              </a:ext>
+            </a:extLst>
+          </p:cNvPr>
+          <p:cNvSpPr>
+            <a:spLocks noGrp="1"/>
+          </p:cNvSpPr>
+          <p:nvPr>
+            <p:ph idx="1"/>
+          </p:nvPr>
+        </p:nvSpPr>
+        <p:spPr>
+          <a:xfrm>
+            <a:off x="838200" y="415636"/>
+            <a:ext cx="10515600" cy="5761327"/>
+          </a:xfrm>
+        </p:spPr>
+        <p:txBody>
+          <a:bodyPr/>
+          <a:lstStyle/>
+          <a:p>
+            <a:pPr algn="l"/>
+            <a:r>
+              <a:rPr lang="zh-TW" altLang="en-US" sz="1800" b="1" i="0" dirty="0">
+                <a:solidFill>
+                  <a:srgbClr val="262626"/>
+                </a:solidFill>
+                <a:effectLst/>
+                <a:latin typeface="ui-sans-serif"/>
+              </a:rPr>
+              <a:t>啟動出錯</a:t>
+            </a:r>
+          </a:p>
+          <a:p>
+            <a:pPr algn="l">
+              <a:buFont typeface="Arial" panose="020B0604020202020204" pitchFamily="34" charset="0"/>
+              <a:buChar char="•"/>
+            </a:pPr>
+            <a:r>
+              <a:rPr lang="zh-TW" altLang="en-US" sz="1800" b="0" i="0" dirty="0">
+                <a:solidFill>
+                  <a:srgbClr val="262626"/>
+                </a:solidFill>
+                <a:effectLst/>
+                <a:latin typeface="ui-sans-serif"/>
+              </a:rPr>
+              <a:t>再次啟動</a:t>
+            </a:r>
+            <a:r>
+              <a:rPr lang="en-US" altLang="zh-TW" sz="1800" b="0" i="0" dirty="0" err="1">
+                <a:solidFill>
+                  <a:srgbClr val="262626"/>
+                </a:solidFill>
+                <a:effectLst/>
+                <a:latin typeface="ui-sans-serif"/>
+              </a:rPr>
+              <a:t>SpringBoot</a:t>
+            </a:r>
+            <a:r>
+              <a:rPr lang="zh-TW" altLang="en-US" sz="1800" b="0" i="0" dirty="0">
+                <a:solidFill>
+                  <a:srgbClr val="262626"/>
+                </a:solidFill>
+                <a:effectLst/>
+                <a:latin typeface="ui-sans-serif"/>
+              </a:rPr>
+              <a:t>應用後會出現一個空指針異常，一看就是</a:t>
+            </a:r>
+            <a:r>
+              <a:rPr lang="en-US" altLang="zh-TW" sz="1800" b="0" i="0" dirty="0">
+                <a:solidFill>
+                  <a:srgbClr val="262626"/>
+                </a:solidFill>
+                <a:effectLst/>
+                <a:latin typeface="ui-sans-serif"/>
+              </a:rPr>
+              <a:t>Swagger</a:t>
+            </a:r>
+            <a:r>
+              <a:rPr lang="zh-TW" altLang="en-US" sz="1800" b="0" i="0" dirty="0">
+                <a:solidFill>
+                  <a:srgbClr val="262626"/>
+                </a:solidFill>
+                <a:effectLst/>
+                <a:latin typeface="ui-sans-serif"/>
+              </a:rPr>
+              <a:t>問題，原來挺好用的</a:t>
+            </a:r>
+            <a:r>
+              <a:rPr lang="en-US" altLang="zh-TW" sz="1800" b="0" i="0" dirty="0">
+                <a:solidFill>
+                  <a:srgbClr val="262626"/>
+                </a:solidFill>
+                <a:effectLst/>
+                <a:latin typeface="ui-sans-serif"/>
+              </a:rPr>
+              <a:t>Swagger</a:t>
+            </a:r>
+            <a:r>
+              <a:rPr lang="zh-TW" altLang="en-US" sz="1800" b="0" i="0" dirty="0">
+                <a:solidFill>
+                  <a:srgbClr val="262626"/>
+                </a:solidFill>
+                <a:effectLst/>
+                <a:latin typeface="ui-sans-serif"/>
+              </a:rPr>
+              <a:t>不能用了！</a:t>
+            </a:r>
+          </a:p>
+          <a:p>
+            <a:endParaRPr lang="zh-TW" altLang="en-US" dirty="0"/>
+          </a:p>
+        </p:txBody>
+      </p:sp>
+      <p:pic>
+        <p:nvPicPr>
+          <p:cNvPr id="3076" name="Picture 4">
+            <a:extLst>
+              <a:ext uri="{FF2B5EF4-FFF2-40B4-BE49-F238E27FC236}">
+                <a16:creationId xmlns:a16="http://schemas.microsoft.com/office/drawing/2014/main" id="{FEB4C0A1-D819-405F-ACDD-042CC481C5C7}"/>
+              </a:ext>
+            </a:extLst>
+          </p:cNvPr>
+          <p:cNvPicPr>
+            <a:picLocks noChangeAspect="1" noChangeArrowheads="1"/>
+          </p:cNvPicPr>
+          <p:nvPr/>
+        </p:nvPicPr>
+        <p:blipFill>
+          <a:blip r:embed="rId2">
+            <a:extLst>
+              <a:ext uri="{28A0092B-C50C-407E-A947-70E740481C1C}">
+                <a14:useLocalDpi xmlns:a14="http://schemas.microsoft.com/office/drawing/2010/main" val="0"/>
+              </a:ext>
+            </a:extLst>
+          </a:blip>
+          <a:srcRect/>
+          <a:stretch>
+            <a:fillRect/>
+          </a:stretch>
+        </p:blipFill>
+        <p:spPr bwMode="auto">
+          <a:xfrm>
+            <a:off x="1157283" y="1462087"/>
+            <a:ext cx="10277475" cy="3933825"/>
+          </a:xfrm>
+          <a:prstGeom prst="rect">
+            <a:avLst/>
+          </a:prstGeom>
+          <a:noFill/>
+          <a:extLst>
+            <a:ext uri="{909E8E84-426E-40DD-AFC4-6F175D3DCCD1}">
+              <a14:hiddenFill xmlns:a14="http://schemas.microsoft.com/office/drawing/2010/main">
+                <a:solidFill>
+                  <a:srgbClr val="FFFFFF"/>
+                </a:solidFill>
+              </a14:hiddenFill>
+            </a:ext>
+          </a:extLst>
+        </p:spPr>
+      </p:pic>
+    </p:spTree>
+    <p:extLst>
+      <p:ext uri="{BB962C8B-B14F-4D97-AF65-F5344CB8AC3E}">
+        <p14:creationId xmlns:p14="http://schemas.microsoft.com/office/powerpoint/2010/main" val="2685836123"/>
+      </p:ext>
+    </p:extLst>
+  </p:cSld>
+  <p:clrMapOvr>
+    <a:masterClrMapping/>
+  </p:clrMapOvr>
+</p:sld>
+</file>
+
+<file path=ppt/slides/slide7.xml><?xml version="1.0" encoding="utf-8"?>
+<p:sld xmlns:a="http://schemas.openxmlformats.org/drawingml/2006/main" xmlns:r="http://schemas.openxmlformats.org/officeDocument/2006/relationships" xmlns:p="http://schemas.openxmlformats.org/presentationml/2006/main">
+  <p:cSld>
+    <p:spTree>
+      <p:nvGrpSpPr>
+        <p:cNvPr id="1" name=""/>
+        <p:cNvGrpSpPr/>
+        <p:nvPr/>
+      </p:nvGrpSpPr>
+      <p:grpSpPr>
+        <a:xfrm>
+          <a:off x="0" y="0"/>
+          <a:ext cx="0" cy="0"/>
+          <a:chOff x="0" y="0"/>
+          <a:chExt cx="0" cy="0"/>
+        </a:xfrm>
+      </p:grpSpPr>
+      <p:sp>
+        <p:nvSpPr>
+          <p:cNvPr id="5" name="文字方塊 4">
+            <a:extLst>
+              <a:ext uri="{FF2B5EF4-FFF2-40B4-BE49-F238E27FC236}">
+                <a16:creationId xmlns:a16="http://schemas.microsoft.com/office/drawing/2014/main" id="{B5BBA5F6-381E-4DD6-BEE4-305805540B70}"/>
+              </a:ext>
+            </a:extLst>
+          </p:cNvPr>
+          <p:cNvSpPr txBox="1"/>
+          <p:nvPr/>
+        </p:nvSpPr>
+        <p:spPr>
+          <a:xfrm>
+            <a:off x="769528" y="237483"/>
+            <a:ext cx="6094428" cy="369332"/>
+          </a:xfrm>
+          <a:prstGeom prst="rect">
+            <a:avLst/>
+          </a:prstGeom>
+          <a:noFill/>
+        </p:spPr>
+        <p:txBody>
+          <a:bodyPr wrap="square">
+            <a:spAutoFit/>
+          </a:bodyPr>
+          <a:lstStyle/>
+          <a:p>
+            <a:r>
+              <a:rPr lang="en-US" altLang="zh-TW" b="0" i="0" dirty="0">
+                <a:solidFill>
+                  <a:srgbClr val="262626"/>
+                </a:solidFill>
+                <a:effectLst/>
+                <a:latin typeface="ui-sans-serif"/>
+              </a:rPr>
+              <a:t>1.</a:t>
+            </a:r>
+            <a:r>
+              <a:rPr lang="zh-TW" altLang="en-US" b="0" i="0" dirty="0">
+                <a:solidFill>
+                  <a:srgbClr val="262626"/>
+                </a:solidFill>
+                <a:effectLst/>
+                <a:latin typeface="ui-sans-serif"/>
+              </a:rPr>
+              <a:t>在</a:t>
+            </a:r>
+            <a:r>
+              <a:rPr lang="en-US" altLang="zh-TW" b="0" i="0" dirty="0">
+                <a:solidFill>
+                  <a:srgbClr val="262626"/>
+                </a:solidFill>
+                <a:effectLst/>
+                <a:latin typeface="ui-sans-serif"/>
+              </a:rPr>
+              <a:t>Swagger</a:t>
+            </a:r>
+            <a:r>
+              <a:rPr lang="zh-TW" altLang="en-US" b="0" i="0" dirty="0">
+                <a:solidFill>
+                  <a:srgbClr val="262626"/>
+                </a:solidFill>
+                <a:effectLst/>
+                <a:latin typeface="ui-sans-serif"/>
+              </a:rPr>
+              <a:t>的配置類中添加如下</a:t>
+            </a:r>
+            <a:r>
+              <a:rPr lang="en-US" altLang="zh-TW" b="0" i="0" dirty="0">
+                <a:solidFill>
+                  <a:srgbClr val="262626"/>
+                </a:solidFill>
+                <a:effectLst/>
+                <a:latin typeface="ui-sans-serif"/>
+              </a:rPr>
+              <a:t>Bean</a:t>
+            </a:r>
+            <a:r>
+              <a:rPr lang="zh-TW" altLang="en-US" b="0" i="0" dirty="0">
+                <a:solidFill>
+                  <a:srgbClr val="262626"/>
+                </a:solidFill>
+                <a:effectLst/>
+                <a:latin typeface="ui-sans-serif"/>
+              </a:rPr>
+              <a:t>可以解決該問題；</a:t>
+            </a:r>
+            <a:endParaRPr lang="zh-TW" altLang="en-US" dirty="0"/>
+          </a:p>
+        </p:txBody>
+      </p:sp>
+      <p:sp>
+        <p:nvSpPr>
+          <p:cNvPr id="6" name="Rectangle 1">
+            <a:extLst>
+              <a:ext uri="{FF2B5EF4-FFF2-40B4-BE49-F238E27FC236}">
+                <a16:creationId xmlns:a16="http://schemas.microsoft.com/office/drawing/2014/main" id="{3AA10401-A50C-479C-BE08-6E659A2F513D}"/>
+              </a:ext>
+            </a:extLst>
+          </p:cNvPr>
+          <p:cNvSpPr>
+            <a:spLocks noChangeArrowheads="1"/>
+          </p:cNvSpPr>
+          <p:nvPr/>
+        </p:nvSpPr>
+        <p:spPr bwMode="auto">
+          <a:xfrm>
+            <a:off x="769528" y="606815"/>
+            <a:ext cx="9609513" cy="6186309"/>
+          </a:xfrm>
+          <a:prstGeom prst="rect">
+            <a:avLst/>
+          </a:prstGeom>
+          <a:solidFill>
+            <a:srgbClr val="2B2B2B"/>
+          </a:solidFill>
+          <a:ln>
+            <a:noFill/>
+          </a:ln>
+          <a:effectLst/>
+          <a:extLst>
+            <a:ext uri="{91240B29-F687-4F45-9708-019B960494DF}">
+              <a14:hiddenLine xmlns:a14="http://schemas.microsoft.com/office/drawing/2010/main" w="9525">
+                <a:solidFill>
+                  <a:schemeClr val="tx1"/>
+                </a:solidFill>
+                <a:miter lim="800000"/>
+                <a:headEnd/>
+                <a:tailEnd/>
+              </a14:hiddenLine>
+            </a:ext>
+            <a:ext uri="{AF507438-7753-43E0-B8FC-AC1667EBCBE1}">
+              <a14:hiddenEffects xmlns:a14="http://schemas.microsoft.com/office/drawing/2010/main">
+                <a:effectLst>
+                  <a:outerShdw dist="35921" dir="2700000" algn="ctr" rotWithShape="0">
+                    <a:schemeClr val="bg2"/>
+                  </a:outerShdw>
+                </a:effectLst>
+              </a14:hiddenEffects>
+            </a:ext>
+          </a:extLst>
+        </p:spPr>
+        <p:txBody>
+          <a:bodyPr vert="horz" wrap="square" lIns="91440" tIns="45720" rIns="91440" bIns="45720" numCol="1" anchor="ctr" anchorCtr="0" compatLnSpc="1">
+            <a:prstTxWarp prst="textNoShape">
+              <a:avLst/>
+            </a:prstTxWarp>
+            <a:spAutoFit/>
+          </a:bodyPr>
+          <a:lstStyle/>
+          <a:p>
+            <a:pPr marL="0" marR="0" lvl="0" indent="0" algn="l" defTabSz="914400" rtl="0" eaLnBrk="0" fontAlgn="base" latinLnBrk="0" hangingPunct="0">
+              <a:lnSpc>
+                <a:spcPct val="100000"/>
+              </a:lnSpc>
+              <a:spcBef>
+                <a:spcPct val="0"/>
+              </a:spcBef>
+              <a:spcAft>
+                <a:spcPct val="0"/>
+              </a:spcAft>
+              <a:buClrTx/>
+              <a:buSzTx/>
+              <a:buFontTx/>
+              <a:buNone/>
+              <a:tabLst/>
+            </a:pPr>
+            <a:r>
+              <a:rPr kumimoji="0" lang="zh-TW" altLang="zh-TW" sz="1200" b="0" i="0" u="none" strike="noStrike" cap="none" normalizeH="0" baseline="0" dirty="0">
+                <a:ln>
+                  <a:noFill/>
+                </a:ln>
+                <a:solidFill>
+                  <a:srgbClr val="BBB529"/>
+                </a:solidFill>
+                <a:effectLst/>
+                <a:latin typeface="Arial Unicode MS" panose="020B0604020202020204" pitchFamily="34" charset="-120"/>
+                <a:ea typeface="JetBrains Mono"/>
+              </a:rPr>
+              <a:t>@Bean</a:t>
+            </a:r>
+            <a:br>
+              <a:rPr kumimoji="0" lang="zh-TW" altLang="zh-TW" sz="1200" b="0" i="0" u="none" strike="noStrike" cap="none" normalizeH="0" baseline="0" dirty="0">
+                <a:ln>
+                  <a:noFill/>
+                </a:ln>
+                <a:solidFill>
+                  <a:srgbClr val="BBB529"/>
+                </a:solidFill>
+                <a:effectLst/>
+                <a:latin typeface="Arial Unicode MS" panose="020B0604020202020204" pitchFamily="34" charset="-120"/>
+                <a:ea typeface="JetBrains Mono"/>
+              </a:rPr>
+            </a:br>
+            <a:r>
+              <a:rPr kumimoji="0" lang="zh-TW" altLang="zh-TW" sz="1200" b="0" i="0" u="none" strike="noStrike" cap="none" normalizeH="0" baseline="0" dirty="0">
+                <a:ln>
+                  <a:noFill/>
+                </a:ln>
+                <a:solidFill>
+                  <a:srgbClr val="CC7832"/>
+                </a:solidFill>
+                <a:effectLst/>
+                <a:latin typeface="Arial Unicode MS" panose="020B0604020202020204" pitchFamily="34" charset="-120"/>
+                <a:ea typeface="JetBrains Mono"/>
+              </a:rPr>
+              <a:t>public static </a:t>
+            </a:r>
+            <a:r>
+              <a:rPr kumimoji="0" lang="zh-TW" altLang="zh-TW" sz="1200" b="0" i="0" u="none" strike="noStrike" cap="none" normalizeH="0" baseline="0" dirty="0">
+                <a:ln>
+                  <a:noFill/>
+                </a:ln>
+                <a:solidFill>
+                  <a:srgbClr val="A9B7C6"/>
+                </a:solidFill>
+                <a:effectLst/>
+                <a:latin typeface="Arial Unicode MS" panose="020B0604020202020204" pitchFamily="34" charset="-120"/>
+                <a:ea typeface="JetBrains Mono"/>
+              </a:rPr>
+              <a:t>BeanPostProcessor </a:t>
+            </a:r>
+            <a:r>
+              <a:rPr kumimoji="0" lang="zh-TW" altLang="zh-TW" sz="1200" b="0" i="0" u="none" strike="noStrike" cap="none" normalizeH="0" baseline="0" dirty="0">
+                <a:ln>
+                  <a:noFill/>
+                </a:ln>
+                <a:solidFill>
+                  <a:srgbClr val="FFC66D"/>
+                </a:solidFill>
+                <a:effectLst/>
+                <a:latin typeface="Arial Unicode MS" panose="020B0604020202020204" pitchFamily="34" charset="-120"/>
+                <a:ea typeface="JetBrains Mono"/>
+              </a:rPr>
+              <a:t>springfoxHandlerProviderBeanPostProcessor</a:t>
+            </a:r>
+            <a:r>
+              <a:rPr kumimoji="0" lang="zh-TW" altLang="zh-TW" sz="1200" b="0" i="0" u="none" strike="noStrike" cap="none" normalizeH="0" baseline="0" dirty="0">
+                <a:ln>
+                  <a:noFill/>
+                </a:ln>
+                <a:solidFill>
+                  <a:srgbClr val="A9B7C6"/>
+                </a:solidFill>
+                <a:effectLst/>
+                <a:latin typeface="Arial Unicode MS" panose="020B0604020202020204" pitchFamily="34" charset="-120"/>
+                <a:ea typeface="JetBrains Mono"/>
+              </a:rPr>
+              <a:t>() {</a:t>
+            </a:r>
+            <a:br>
+              <a:rPr kumimoji="0" lang="zh-TW" altLang="zh-TW" sz="1200" b="0" i="0" u="none" strike="noStrike" cap="none" normalizeH="0" baseline="0" dirty="0">
+                <a:ln>
+                  <a:noFill/>
+                </a:ln>
+                <a:solidFill>
+                  <a:srgbClr val="A9B7C6"/>
+                </a:solidFill>
+                <a:effectLst/>
+                <a:latin typeface="Arial Unicode MS" panose="020B0604020202020204" pitchFamily="34" charset="-120"/>
+                <a:ea typeface="JetBrains Mono"/>
+              </a:rPr>
+            </a:br>
+            <a:r>
+              <a:rPr kumimoji="0" lang="zh-TW" altLang="zh-TW" sz="1200" b="0" i="0" u="none" strike="noStrike" cap="none" normalizeH="0" baseline="0" dirty="0">
+                <a:ln>
+                  <a:noFill/>
+                </a:ln>
+                <a:solidFill>
+                  <a:srgbClr val="A9B7C6"/>
+                </a:solidFill>
+                <a:effectLst/>
+                <a:latin typeface="Arial Unicode MS" panose="020B0604020202020204" pitchFamily="34" charset="-120"/>
+                <a:ea typeface="JetBrains Mono"/>
+              </a:rPr>
+              <a:t>    </a:t>
+            </a:r>
+            <a:r>
+              <a:rPr kumimoji="0" lang="zh-TW" altLang="zh-TW" sz="1200" b="0" i="0" u="none" strike="noStrike" cap="none" normalizeH="0" baseline="0" dirty="0">
+                <a:ln>
+                  <a:noFill/>
+                </a:ln>
+                <a:solidFill>
+                  <a:srgbClr val="CC7832"/>
+                </a:solidFill>
+                <a:effectLst/>
+                <a:latin typeface="Arial Unicode MS" panose="020B0604020202020204" pitchFamily="34" charset="-120"/>
+                <a:ea typeface="JetBrains Mono"/>
+              </a:rPr>
+              <a:t>return new </a:t>
+            </a:r>
+            <a:r>
+              <a:rPr kumimoji="0" lang="zh-TW" altLang="zh-TW" sz="1200" b="0" i="0" u="none" strike="noStrike" cap="none" normalizeH="0" baseline="0" dirty="0">
+                <a:ln>
+                  <a:noFill/>
+                </a:ln>
+                <a:solidFill>
+                  <a:srgbClr val="A9B7C6"/>
+                </a:solidFill>
+                <a:effectLst/>
+                <a:latin typeface="Arial Unicode MS" panose="020B0604020202020204" pitchFamily="34" charset="-120"/>
+                <a:ea typeface="JetBrains Mono"/>
+              </a:rPr>
+              <a:t>BeanPostProcessor() {</a:t>
+            </a:r>
+            <a:br>
+              <a:rPr kumimoji="0" lang="zh-TW" altLang="zh-TW" sz="1200" b="0" i="0" u="none" strike="noStrike" cap="none" normalizeH="0" baseline="0" dirty="0">
+                <a:ln>
+                  <a:noFill/>
+                </a:ln>
+                <a:solidFill>
+                  <a:srgbClr val="A9B7C6"/>
+                </a:solidFill>
+                <a:effectLst/>
+                <a:latin typeface="Arial Unicode MS" panose="020B0604020202020204" pitchFamily="34" charset="-120"/>
+                <a:ea typeface="JetBrains Mono"/>
+              </a:rPr>
+            </a:br>
+            <a:br>
+              <a:rPr kumimoji="0" lang="zh-TW" altLang="zh-TW" sz="1200" b="0" i="0" u="none" strike="noStrike" cap="none" normalizeH="0" baseline="0" dirty="0">
+                <a:ln>
+                  <a:noFill/>
+                </a:ln>
+                <a:solidFill>
+                  <a:srgbClr val="A9B7C6"/>
+                </a:solidFill>
+                <a:effectLst/>
+                <a:latin typeface="Arial Unicode MS" panose="020B0604020202020204" pitchFamily="34" charset="-120"/>
+                <a:ea typeface="JetBrains Mono"/>
+              </a:rPr>
+            </a:br>
+            <a:r>
+              <a:rPr kumimoji="0" lang="zh-TW" altLang="zh-TW" sz="1200" b="0" i="0" u="none" strike="noStrike" cap="none" normalizeH="0" baseline="0" dirty="0">
+                <a:ln>
+                  <a:noFill/>
+                </a:ln>
+                <a:solidFill>
+                  <a:srgbClr val="A9B7C6"/>
+                </a:solidFill>
+                <a:effectLst/>
+                <a:latin typeface="Arial Unicode MS" panose="020B0604020202020204" pitchFamily="34" charset="-120"/>
+                <a:ea typeface="JetBrains Mono"/>
+              </a:rPr>
+              <a:t>        </a:t>
+            </a:r>
+            <a:r>
+              <a:rPr kumimoji="0" lang="zh-TW" altLang="zh-TW" sz="1200" b="0" i="0" u="none" strike="noStrike" cap="none" normalizeH="0" baseline="0" dirty="0">
+                <a:ln>
+                  <a:noFill/>
+                </a:ln>
+                <a:solidFill>
+                  <a:srgbClr val="BBB529"/>
+                </a:solidFill>
+                <a:effectLst/>
+                <a:latin typeface="Arial Unicode MS" panose="020B0604020202020204" pitchFamily="34" charset="-120"/>
+                <a:ea typeface="JetBrains Mono"/>
+              </a:rPr>
+              <a:t>@Override</a:t>
+            </a:r>
+            <a:br>
+              <a:rPr kumimoji="0" lang="zh-TW" altLang="zh-TW" sz="1200" b="0" i="0" u="none" strike="noStrike" cap="none" normalizeH="0" baseline="0" dirty="0">
+                <a:ln>
+                  <a:noFill/>
+                </a:ln>
+                <a:solidFill>
+                  <a:srgbClr val="BBB529"/>
+                </a:solidFill>
+                <a:effectLst/>
+                <a:latin typeface="Arial Unicode MS" panose="020B0604020202020204" pitchFamily="34" charset="-120"/>
+                <a:ea typeface="JetBrains Mono"/>
+              </a:rPr>
+            </a:br>
+            <a:r>
+              <a:rPr kumimoji="0" lang="zh-TW" altLang="zh-TW" sz="1200" b="0" i="0" u="none" strike="noStrike" cap="none" normalizeH="0" baseline="0" dirty="0">
+                <a:ln>
+                  <a:noFill/>
+                </a:ln>
+                <a:solidFill>
+                  <a:srgbClr val="BBB529"/>
+                </a:solidFill>
+                <a:effectLst/>
+                <a:latin typeface="Arial Unicode MS" panose="020B0604020202020204" pitchFamily="34" charset="-120"/>
+                <a:ea typeface="JetBrains Mono"/>
+              </a:rPr>
+              <a:t>        </a:t>
+            </a:r>
+            <a:r>
+              <a:rPr kumimoji="0" lang="zh-TW" altLang="zh-TW" sz="1200" b="0" i="0" u="none" strike="noStrike" cap="none" normalizeH="0" baseline="0" dirty="0">
+                <a:ln>
+                  <a:noFill/>
+                </a:ln>
+                <a:solidFill>
+                  <a:srgbClr val="CC7832"/>
+                </a:solidFill>
+                <a:effectLst/>
+                <a:latin typeface="Arial Unicode MS" panose="020B0604020202020204" pitchFamily="34" charset="-120"/>
+                <a:ea typeface="JetBrains Mono"/>
+              </a:rPr>
+              <a:t>public </a:t>
+            </a:r>
+            <a:r>
+              <a:rPr kumimoji="0" lang="zh-TW" altLang="zh-TW" sz="1200" b="0" i="0" u="none" strike="noStrike" cap="none" normalizeH="0" baseline="0" dirty="0">
+                <a:ln>
+                  <a:noFill/>
+                </a:ln>
+                <a:solidFill>
+                  <a:srgbClr val="A9B7C6"/>
+                </a:solidFill>
+                <a:effectLst/>
+                <a:latin typeface="Arial Unicode MS" panose="020B0604020202020204" pitchFamily="34" charset="-120"/>
+                <a:ea typeface="JetBrains Mono"/>
+              </a:rPr>
+              <a:t>Object </a:t>
+            </a:r>
+            <a:r>
+              <a:rPr kumimoji="0" lang="zh-TW" altLang="zh-TW" sz="1200" b="0" i="0" u="none" strike="noStrike" cap="none" normalizeH="0" baseline="0" dirty="0">
+                <a:ln>
+                  <a:noFill/>
+                </a:ln>
+                <a:solidFill>
+                  <a:srgbClr val="FFC66D"/>
+                </a:solidFill>
+                <a:effectLst/>
+                <a:latin typeface="Arial Unicode MS" panose="020B0604020202020204" pitchFamily="34" charset="-120"/>
+                <a:ea typeface="JetBrains Mono"/>
+              </a:rPr>
+              <a:t>postProcessAfterInitialization</a:t>
+            </a:r>
+            <a:r>
+              <a:rPr kumimoji="0" lang="zh-TW" altLang="zh-TW" sz="1200" b="0" i="0" u="none" strike="noStrike" cap="none" normalizeH="0" baseline="0" dirty="0">
+                <a:ln>
+                  <a:noFill/>
+                </a:ln>
+                <a:solidFill>
+                  <a:srgbClr val="A9B7C6"/>
+                </a:solidFill>
+                <a:effectLst/>
+                <a:latin typeface="Arial Unicode MS" panose="020B0604020202020204" pitchFamily="34" charset="-120"/>
+                <a:ea typeface="JetBrains Mono"/>
+              </a:rPr>
+              <a:t>(Object bean</a:t>
+            </a:r>
+            <a:r>
+              <a:rPr kumimoji="0" lang="zh-TW" altLang="zh-TW" sz="1200" b="0" i="0" u="none" strike="noStrike" cap="none" normalizeH="0" baseline="0" dirty="0">
+                <a:ln>
+                  <a:noFill/>
+                </a:ln>
+                <a:solidFill>
+                  <a:srgbClr val="CC7832"/>
+                </a:solidFill>
+                <a:effectLst/>
+                <a:latin typeface="Arial Unicode MS" panose="020B0604020202020204" pitchFamily="34" charset="-120"/>
+                <a:ea typeface="JetBrains Mono"/>
+              </a:rPr>
+              <a:t>, </a:t>
+            </a:r>
+            <a:r>
+              <a:rPr kumimoji="0" lang="zh-TW" altLang="zh-TW" sz="1200" b="0" i="0" u="none" strike="noStrike" cap="none" normalizeH="0" baseline="0" dirty="0">
+                <a:ln>
+                  <a:noFill/>
+                </a:ln>
+                <a:solidFill>
+                  <a:srgbClr val="A9B7C6"/>
+                </a:solidFill>
+                <a:effectLst/>
+                <a:latin typeface="Arial Unicode MS" panose="020B0604020202020204" pitchFamily="34" charset="-120"/>
+                <a:ea typeface="JetBrains Mono"/>
+              </a:rPr>
+              <a:t>String beanName) </a:t>
+            </a:r>
+            <a:r>
+              <a:rPr kumimoji="0" lang="zh-TW" altLang="zh-TW" sz="1200" b="0" i="0" u="none" strike="noStrike" cap="none" normalizeH="0" baseline="0" dirty="0">
+                <a:ln>
+                  <a:noFill/>
+                </a:ln>
+                <a:solidFill>
+                  <a:srgbClr val="CC7832"/>
+                </a:solidFill>
+                <a:effectLst/>
+                <a:latin typeface="Arial Unicode MS" panose="020B0604020202020204" pitchFamily="34" charset="-120"/>
+                <a:ea typeface="JetBrains Mono"/>
+              </a:rPr>
+              <a:t>throws </a:t>
+            </a:r>
+            <a:r>
+              <a:rPr kumimoji="0" lang="zh-TW" altLang="zh-TW" sz="1200" b="0" i="0" u="none" strike="noStrike" cap="none" normalizeH="0" baseline="0" dirty="0">
+                <a:ln>
+                  <a:noFill/>
+                </a:ln>
+                <a:solidFill>
+                  <a:srgbClr val="A9B7C6"/>
+                </a:solidFill>
+                <a:effectLst/>
+                <a:latin typeface="Arial Unicode MS" panose="020B0604020202020204" pitchFamily="34" charset="-120"/>
+                <a:ea typeface="JetBrains Mono"/>
+              </a:rPr>
+              <a:t>BeansException {</a:t>
+            </a:r>
+            <a:br>
+              <a:rPr kumimoji="0" lang="zh-TW" altLang="zh-TW" sz="1200" b="0" i="0" u="none" strike="noStrike" cap="none" normalizeH="0" baseline="0" dirty="0">
+                <a:ln>
+                  <a:noFill/>
+                </a:ln>
+                <a:solidFill>
+                  <a:srgbClr val="A9B7C6"/>
+                </a:solidFill>
+                <a:effectLst/>
+                <a:latin typeface="Arial Unicode MS" panose="020B0604020202020204" pitchFamily="34" charset="-120"/>
+                <a:ea typeface="JetBrains Mono"/>
+              </a:rPr>
+            </a:br>
+            <a:r>
+              <a:rPr kumimoji="0" lang="zh-TW" altLang="zh-TW" sz="1200" b="0" i="0" u="none" strike="noStrike" cap="none" normalizeH="0" baseline="0" dirty="0">
+                <a:ln>
+                  <a:noFill/>
+                </a:ln>
+                <a:solidFill>
+                  <a:srgbClr val="A9B7C6"/>
+                </a:solidFill>
+                <a:effectLst/>
+                <a:latin typeface="Arial Unicode MS" panose="020B0604020202020204" pitchFamily="34" charset="-120"/>
+                <a:ea typeface="JetBrains Mono"/>
+              </a:rPr>
+              <a:t>            </a:t>
+            </a:r>
+            <a:r>
+              <a:rPr kumimoji="0" lang="zh-TW" altLang="zh-TW" sz="1200" b="0" i="0" u="none" strike="noStrike" cap="none" normalizeH="0" baseline="0" dirty="0">
+                <a:ln>
+                  <a:noFill/>
+                </a:ln>
+                <a:solidFill>
+                  <a:srgbClr val="CC7832"/>
+                </a:solidFill>
+                <a:effectLst/>
+                <a:latin typeface="Arial Unicode MS" panose="020B0604020202020204" pitchFamily="34" charset="-120"/>
+                <a:ea typeface="JetBrains Mono"/>
+              </a:rPr>
+              <a:t>if </a:t>
+            </a:r>
+            <a:r>
+              <a:rPr kumimoji="0" lang="zh-TW" altLang="zh-TW" sz="1200" b="0" i="0" u="none" strike="noStrike" cap="none" normalizeH="0" baseline="0" dirty="0">
+                <a:ln>
+                  <a:noFill/>
+                </a:ln>
+                <a:solidFill>
+                  <a:srgbClr val="A9B7C6"/>
+                </a:solidFill>
+                <a:effectLst/>
+                <a:latin typeface="Arial Unicode MS" panose="020B0604020202020204" pitchFamily="34" charset="-120"/>
+                <a:ea typeface="JetBrains Mono"/>
+              </a:rPr>
+              <a:t>(bean </a:t>
+            </a:r>
+            <a:r>
+              <a:rPr kumimoji="0" lang="zh-TW" altLang="zh-TW" sz="1200" b="0" i="0" u="none" strike="noStrike" cap="none" normalizeH="0" baseline="0" dirty="0">
+                <a:ln>
+                  <a:noFill/>
+                </a:ln>
+                <a:solidFill>
+                  <a:srgbClr val="CC7832"/>
+                </a:solidFill>
+                <a:effectLst/>
+                <a:latin typeface="Arial Unicode MS" panose="020B0604020202020204" pitchFamily="34" charset="-120"/>
+                <a:ea typeface="JetBrains Mono"/>
+              </a:rPr>
+              <a:t>instanceof </a:t>
+            </a:r>
+            <a:r>
+              <a:rPr kumimoji="0" lang="zh-TW" altLang="zh-TW" sz="1200" b="0" i="0" u="none" strike="noStrike" cap="none" normalizeH="0" baseline="0" dirty="0">
+                <a:ln>
+                  <a:noFill/>
+                </a:ln>
+                <a:solidFill>
+                  <a:srgbClr val="A9B7C6"/>
+                </a:solidFill>
+                <a:effectLst/>
+                <a:latin typeface="Arial Unicode MS" panose="020B0604020202020204" pitchFamily="34" charset="-120"/>
+                <a:ea typeface="JetBrains Mono"/>
+              </a:rPr>
+              <a:t>WebMvcRequestHandlerProvider || bean </a:t>
+            </a:r>
+            <a:r>
+              <a:rPr kumimoji="0" lang="zh-TW" altLang="zh-TW" sz="1200" b="0" i="0" u="none" strike="noStrike" cap="none" normalizeH="0" baseline="0" dirty="0">
+                <a:ln>
+                  <a:noFill/>
+                </a:ln>
+                <a:solidFill>
+                  <a:srgbClr val="CC7832"/>
+                </a:solidFill>
+                <a:effectLst/>
+                <a:latin typeface="Arial Unicode MS" panose="020B0604020202020204" pitchFamily="34" charset="-120"/>
+                <a:ea typeface="JetBrains Mono"/>
+              </a:rPr>
+              <a:t>instanceof </a:t>
+            </a:r>
+            <a:r>
+              <a:rPr kumimoji="0" lang="zh-TW" altLang="zh-TW" sz="1200" b="0" i="0" u="none" strike="noStrike" cap="none" normalizeH="0" baseline="0" dirty="0">
+                <a:ln>
+                  <a:noFill/>
+                </a:ln>
+                <a:solidFill>
+                  <a:srgbClr val="A9B7C6"/>
+                </a:solidFill>
+                <a:effectLst/>
+                <a:latin typeface="Arial Unicode MS" panose="020B0604020202020204" pitchFamily="34" charset="-120"/>
+                <a:ea typeface="JetBrains Mono"/>
+              </a:rPr>
+              <a:t>WebFluxRequestHandlerProvider) {</a:t>
+            </a:r>
+            <a:br>
+              <a:rPr kumimoji="0" lang="zh-TW" altLang="zh-TW" sz="1200" b="0" i="0" u="none" strike="noStrike" cap="none" normalizeH="0" baseline="0" dirty="0">
+                <a:ln>
+                  <a:noFill/>
+                </a:ln>
+                <a:solidFill>
+                  <a:srgbClr val="A9B7C6"/>
+                </a:solidFill>
+                <a:effectLst/>
+                <a:latin typeface="Arial Unicode MS" panose="020B0604020202020204" pitchFamily="34" charset="-120"/>
+                <a:ea typeface="JetBrains Mono"/>
+              </a:rPr>
+            </a:br>
+            <a:r>
+              <a:rPr kumimoji="0" lang="zh-TW" altLang="zh-TW" sz="1200" b="0" i="0" u="none" strike="noStrike" cap="none" normalizeH="0" baseline="0" dirty="0">
+                <a:ln>
+                  <a:noFill/>
+                </a:ln>
+                <a:solidFill>
+                  <a:srgbClr val="A9B7C6"/>
+                </a:solidFill>
+                <a:effectLst/>
+                <a:latin typeface="Arial Unicode MS" panose="020B0604020202020204" pitchFamily="34" charset="-120"/>
+                <a:ea typeface="JetBrains Mono"/>
+              </a:rPr>
+              <a:t>                customizeSpringfoxHandlerMappings(getHandlerMappings(bean))</a:t>
+            </a:r>
+            <a:r>
+              <a:rPr kumimoji="0" lang="zh-TW" altLang="zh-TW" sz="1200" b="0" i="0" u="none" strike="noStrike" cap="none" normalizeH="0" baseline="0" dirty="0">
+                <a:ln>
+                  <a:noFill/>
+                </a:ln>
+                <a:solidFill>
+                  <a:srgbClr val="CC7832"/>
+                </a:solidFill>
+                <a:effectLst/>
+                <a:latin typeface="Arial Unicode MS" panose="020B0604020202020204" pitchFamily="34" charset="-120"/>
+                <a:ea typeface="JetBrains Mono"/>
+              </a:rPr>
+              <a:t>;</a:t>
+            </a:r>
+            <a:br>
+              <a:rPr kumimoji="0" lang="zh-TW" altLang="zh-TW" sz="1200" b="0" i="0" u="none" strike="noStrike" cap="none" normalizeH="0" baseline="0" dirty="0">
+                <a:ln>
+                  <a:noFill/>
+                </a:ln>
+                <a:solidFill>
+                  <a:srgbClr val="CC7832"/>
+                </a:solidFill>
+                <a:effectLst/>
+                <a:latin typeface="Arial Unicode MS" panose="020B0604020202020204" pitchFamily="34" charset="-120"/>
+                <a:ea typeface="JetBrains Mono"/>
+              </a:rPr>
+            </a:br>
+            <a:r>
+              <a:rPr kumimoji="0" lang="zh-TW" altLang="zh-TW" sz="1200" b="0" i="0" u="none" strike="noStrike" cap="none" normalizeH="0" baseline="0" dirty="0">
+                <a:ln>
+                  <a:noFill/>
+                </a:ln>
+                <a:solidFill>
+                  <a:srgbClr val="CC7832"/>
+                </a:solidFill>
+                <a:effectLst/>
+                <a:latin typeface="Arial Unicode MS" panose="020B0604020202020204" pitchFamily="34" charset="-120"/>
+                <a:ea typeface="JetBrains Mono"/>
+              </a:rPr>
+              <a:t>            </a:t>
+            </a:r>
+            <a:r>
+              <a:rPr kumimoji="0" lang="zh-TW" altLang="zh-TW" sz="1200" b="0" i="0" u="none" strike="noStrike" cap="none" normalizeH="0" baseline="0" dirty="0">
+                <a:ln>
+                  <a:noFill/>
+                </a:ln>
+                <a:solidFill>
+                  <a:srgbClr val="A9B7C6"/>
+                </a:solidFill>
+                <a:effectLst/>
+                <a:latin typeface="Arial Unicode MS" panose="020B0604020202020204" pitchFamily="34" charset="-120"/>
+                <a:ea typeface="JetBrains Mono"/>
+              </a:rPr>
+              <a:t>}</a:t>
+            </a:r>
+            <a:br>
+              <a:rPr kumimoji="0" lang="zh-TW" altLang="zh-TW" sz="1200" b="0" i="0" u="none" strike="noStrike" cap="none" normalizeH="0" baseline="0" dirty="0">
+                <a:ln>
+                  <a:noFill/>
+                </a:ln>
+                <a:solidFill>
+                  <a:srgbClr val="A9B7C6"/>
+                </a:solidFill>
+                <a:effectLst/>
+                <a:latin typeface="Arial Unicode MS" panose="020B0604020202020204" pitchFamily="34" charset="-120"/>
+                <a:ea typeface="JetBrains Mono"/>
+              </a:rPr>
+            </a:br>
+            <a:r>
+              <a:rPr kumimoji="0" lang="zh-TW" altLang="zh-TW" sz="1200" b="0" i="0" u="none" strike="noStrike" cap="none" normalizeH="0" baseline="0" dirty="0">
+                <a:ln>
+                  <a:noFill/>
+                </a:ln>
+                <a:solidFill>
+                  <a:srgbClr val="A9B7C6"/>
+                </a:solidFill>
+                <a:effectLst/>
+                <a:latin typeface="Arial Unicode MS" panose="020B0604020202020204" pitchFamily="34" charset="-120"/>
+                <a:ea typeface="JetBrains Mono"/>
+              </a:rPr>
+              <a:t>            </a:t>
+            </a:r>
+            <a:r>
+              <a:rPr kumimoji="0" lang="zh-TW" altLang="zh-TW" sz="1200" b="0" i="0" u="none" strike="noStrike" cap="none" normalizeH="0" baseline="0" dirty="0">
+                <a:ln>
+                  <a:noFill/>
+                </a:ln>
+                <a:solidFill>
+                  <a:srgbClr val="CC7832"/>
+                </a:solidFill>
+                <a:effectLst/>
+                <a:latin typeface="Arial Unicode MS" panose="020B0604020202020204" pitchFamily="34" charset="-120"/>
+                <a:ea typeface="JetBrains Mono"/>
+              </a:rPr>
+              <a:t>return </a:t>
+            </a:r>
+            <a:r>
+              <a:rPr kumimoji="0" lang="zh-TW" altLang="zh-TW" sz="1200" b="0" i="0" u="none" strike="noStrike" cap="none" normalizeH="0" baseline="0" dirty="0">
+                <a:ln>
+                  <a:noFill/>
+                </a:ln>
+                <a:solidFill>
+                  <a:srgbClr val="A9B7C6"/>
+                </a:solidFill>
+                <a:effectLst/>
+                <a:latin typeface="Arial Unicode MS" panose="020B0604020202020204" pitchFamily="34" charset="-120"/>
+                <a:ea typeface="JetBrains Mono"/>
+              </a:rPr>
+              <a:t>bean</a:t>
+            </a:r>
+            <a:r>
+              <a:rPr kumimoji="0" lang="zh-TW" altLang="zh-TW" sz="1200" b="0" i="0" u="none" strike="noStrike" cap="none" normalizeH="0" baseline="0" dirty="0">
+                <a:ln>
+                  <a:noFill/>
+                </a:ln>
+                <a:solidFill>
+                  <a:srgbClr val="CC7832"/>
+                </a:solidFill>
+                <a:effectLst/>
+                <a:latin typeface="Arial Unicode MS" panose="020B0604020202020204" pitchFamily="34" charset="-120"/>
+                <a:ea typeface="JetBrains Mono"/>
+              </a:rPr>
+              <a:t>;</a:t>
+            </a:r>
+            <a:br>
+              <a:rPr kumimoji="0" lang="zh-TW" altLang="zh-TW" sz="1200" b="0" i="0" u="none" strike="noStrike" cap="none" normalizeH="0" baseline="0" dirty="0">
+                <a:ln>
+                  <a:noFill/>
+                </a:ln>
+                <a:solidFill>
+                  <a:srgbClr val="CC7832"/>
+                </a:solidFill>
+                <a:effectLst/>
+                <a:latin typeface="Arial Unicode MS" panose="020B0604020202020204" pitchFamily="34" charset="-120"/>
+                <a:ea typeface="JetBrains Mono"/>
+              </a:rPr>
+            </a:br>
+            <a:r>
+              <a:rPr kumimoji="0" lang="zh-TW" altLang="zh-TW" sz="1200" b="0" i="0" u="none" strike="noStrike" cap="none" normalizeH="0" baseline="0" dirty="0">
+                <a:ln>
+                  <a:noFill/>
+                </a:ln>
+                <a:solidFill>
+                  <a:srgbClr val="CC7832"/>
+                </a:solidFill>
+                <a:effectLst/>
+                <a:latin typeface="Arial Unicode MS" panose="020B0604020202020204" pitchFamily="34" charset="-120"/>
+                <a:ea typeface="JetBrains Mono"/>
+              </a:rPr>
+              <a:t>        </a:t>
+            </a:r>
+            <a:r>
+              <a:rPr kumimoji="0" lang="zh-TW" altLang="zh-TW" sz="1200" b="0" i="0" u="none" strike="noStrike" cap="none" normalizeH="0" baseline="0" dirty="0">
+                <a:ln>
+                  <a:noFill/>
+                </a:ln>
+                <a:solidFill>
+                  <a:srgbClr val="A9B7C6"/>
+                </a:solidFill>
+                <a:effectLst/>
+                <a:latin typeface="Arial Unicode MS" panose="020B0604020202020204" pitchFamily="34" charset="-120"/>
+                <a:ea typeface="JetBrains Mono"/>
+              </a:rPr>
+              <a:t>}</a:t>
+            </a:r>
+            <a:br>
+              <a:rPr kumimoji="0" lang="zh-TW" altLang="zh-TW" sz="1200" b="0" i="0" u="none" strike="noStrike" cap="none" normalizeH="0" baseline="0" dirty="0">
+                <a:ln>
+                  <a:noFill/>
+                </a:ln>
+                <a:solidFill>
+                  <a:srgbClr val="A9B7C6"/>
+                </a:solidFill>
+                <a:effectLst/>
+                <a:latin typeface="Arial Unicode MS" panose="020B0604020202020204" pitchFamily="34" charset="-120"/>
+                <a:ea typeface="JetBrains Mono"/>
+              </a:rPr>
+            </a:br>
+            <a:br>
+              <a:rPr kumimoji="0" lang="zh-TW" altLang="zh-TW" sz="1200" b="0" i="0" u="none" strike="noStrike" cap="none" normalizeH="0" baseline="0" dirty="0">
+                <a:ln>
+                  <a:noFill/>
+                </a:ln>
+                <a:solidFill>
+                  <a:srgbClr val="A9B7C6"/>
+                </a:solidFill>
+                <a:effectLst/>
+                <a:latin typeface="Arial Unicode MS" panose="020B0604020202020204" pitchFamily="34" charset="-120"/>
+                <a:ea typeface="JetBrains Mono"/>
+              </a:rPr>
+            </a:br>
+            <a:r>
+              <a:rPr kumimoji="0" lang="zh-TW" altLang="zh-TW" sz="1200" b="0" i="0" u="none" strike="noStrike" cap="none" normalizeH="0" baseline="0" dirty="0">
+                <a:ln>
+                  <a:noFill/>
+                </a:ln>
+                <a:solidFill>
+                  <a:srgbClr val="A9B7C6"/>
+                </a:solidFill>
+                <a:effectLst/>
+                <a:latin typeface="Arial Unicode MS" panose="020B0604020202020204" pitchFamily="34" charset="-120"/>
+                <a:ea typeface="JetBrains Mono"/>
+              </a:rPr>
+              <a:t>        </a:t>
+            </a:r>
+            <a:r>
+              <a:rPr kumimoji="0" lang="zh-TW" altLang="zh-TW" sz="1200" b="0" i="0" u="none" strike="noStrike" cap="none" normalizeH="0" baseline="0" dirty="0">
+                <a:ln>
+                  <a:noFill/>
+                </a:ln>
+                <a:solidFill>
+                  <a:srgbClr val="CC7832"/>
+                </a:solidFill>
+                <a:effectLst/>
+                <a:latin typeface="Arial Unicode MS" panose="020B0604020202020204" pitchFamily="34" charset="-120"/>
+                <a:ea typeface="JetBrains Mono"/>
+              </a:rPr>
+              <a:t>private </a:t>
+            </a:r>
+            <a:r>
+              <a:rPr kumimoji="0" lang="zh-TW" altLang="zh-TW" sz="1200" b="0" i="0" u="none" strike="noStrike" cap="none" normalizeH="0" baseline="0" dirty="0">
+                <a:ln>
+                  <a:noFill/>
+                </a:ln>
+                <a:solidFill>
+                  <a:srgbClr val="A9B7C6"/>
+                </a:solidFill>
+                <a:effectLst/>
+                <a:latin typeface="Arial Unicode MS" panose="020B0604020202020204" pitchFamily="34" charset="-120"/>
+                <a:ea typeface="JetBrains Mono"/>
+              </a:rPr>
+              <a:t>&lt;</a:t>
+            </a:r>
+            <a:r>
+              <a:rPr kumimoji="0" lang="zh-TW" altLang="zh-TW" sz="1200" b="0" i="0" u="none" strike="noStrike" cap="none" normalizeH="0" baseline="0" dirty="0">
+                <a:ln>
+                  <a:noFill/>
+                </a:ln>
+                <a:solidFill>
+                  <a:srgbClr val="507874"/>
+                </a:solidFill>
+                <a:effectLst/>
+                <a:latin typeface="Arial Unicode MS" panose="020B0604020202020204" pitchFamily="34" charset="-120"/>
+                <a:ea typeface="JetBrains Mono"/>
+              </a:rPr>
+              <a:t>T </a:t>
+            </a:r>
+            <a:r>
+              <a:rPr kumimoji="0" lang="zh-TW" altLang="zh-TW" sz="1200" b="0" i="0" u="none" strike="noStrike" cap="none" normalizeH="0" baseline="0" dirty="0">
+                <a:ln>
+                  <a:noFill/>
+                </a:ln>
+                <a:solidFill>
+                  <a:srgbClr val="CC7832"/>
+                </a:solidFill>
+                <a:effectLst/>
+                <a:latin typeface="Arial Unicode MS" panose="020B0604020202020204" pitchFamily="34" charset="-120"/>
+                <a:ea typeface="JetBrains Mono"/>
+              </a:rPr>
+              <a:t>extends </a:t>
+            </a:r>
+            <a:r>
+              <a:rPr kumimoji="0" lang="zh-TW" altLang="zh-TW" sz="1200" b="0" i="0" u="none" strike="noStrike" cap="none" normalizeH="0" baseline="0" dirty="0">
+                <a:ln>
+                  <a:noFill/>
+                </a:ln>
+                <a:solidFill>
+                  <a:srgbClr val="A9B7C6"/>
+                </a:solidFill>
+                <a:effectLst/>
+                <a:latin typeface="Arial Unicode MS" panose="020B0604020202020204" pitchFamily="34" charset="-120"/>
+                <a:ea typeface="JetBrains Mono"/>
+              </a:rPr>
+              <a:t>RequestMappingInfoHandlerMapping&gt; </a:t>
+            </a:r>
+            <a:r>
+              <a:rPr kumimoji="0" lang="zh-TW" altLang="zh-TW" sz="1200" b="0" i="0" u="none" strike="noStrike" cap="none" normalizeH="0" baseline="0" dirty="0">
+                <a:ln>
+                  <a:noFill/>
+                </a:ln>
+                <a:solidFill>
+                  <a:srgbClr val="CC7832"/>
+                </a:solidFill>
+                <a:effectLst/>
+                <a:latin typeface="Arial Unicode MS" panose="020B0604020202020204" pitchFamily="34" charset="-120"/>
+                <a:ea typeface="JetBrains Mono"/>
+              </a:rPr>
+              <a:t>void </a:t>
+            </a:r>
+            <a:r>
+              <a:rPr kumimoji="0" lang="zh-TW" altLang="zh-TW" sz="1200" b="0" i="0" u="none" strike="noStrike" cap="none" normalizeH="0" baseline="0" dirty="0">
+                <a:ln>
+                  <a:noFill/>
+                </a:ln>
+                <a:solidFill>
+                  <a:srgbClr val="FFC66D"/>
+                </a:solidFill>
+                <a:effectLst/>
+                <a:latin typeface="Arial Unicode MS" panose="020B0604020202020204" pitchFamily="34" charset="-120"/>
+                <a:ea typeface="JetBrains Mono"/>
+              </a:rPr>
+              <a:t>customizeSpringfoxHandlerMappings</a:t>
+            </a:r>
+            <a:r>
+              <a:rPr kumimoji="0" lang="zh-TW" altLang="zh-TW" sz="1200" b="0" i="0" u="none" strike="noStrike" cap="none" normalizeH="0" baseline="0" dirty="0">
+                <a:ln>
+                  <a:noFill/>
+                </a:ln>
+                <a:solidFill>
+                  <a:srgbClr val="A9B7C6"/>
+                </a:solidFill>
+                <a:effectLst/>
+                <a:latin typeface="Arial Unicode MS" panose="020B0604020202020204" pitchFamily="34" charset="-120"/>
+                <a:ea typeface="JetBrains Mono"/>
+              </a:rPr>
+              <a:t>(List&lt;</a:t>
+            </a:r>
+            <a:r>
+              <a:rPr kumimoji="0" lang="zh-TW" altLang="zh-TW" sz="1200" b="0" i="0" u="none" strike="noStrike" cap="none" normalizeH="0" baseline="0" dirty="0">
+                <a:ln>
+                  <a:noFill/>
+                </a:ln>
+                <a:solidFill>
+                  <a:srgbClr val="507874"/>
+                </a:solidFill>
+                <a:effectLst/>
+                <a:latin typeface="Arial Unicode MS" panose="020B0604020202020204" pitchFamily="34" charset="-120"/>
+                <a:ea typeface="JetBrains Mono"/>
+              </a:rPr>
+              <a:t>T</a:t>
+            </a:r>
+            <a:r>
+              <a:rPr kumimoji="0" lang="zh-TW" altLang="zh-TW" sz="1200" b="0" i="0" u="none" strike="noStrike" cap="none" normalizeH="0" baseline="0" dirty="0">
+                <a:ln>
+                  <a:noFill/>
+                </a:ln>
+                <a:solidFill>
+                  <a:srgbClr val="A9B7C6"/>
+                </a:solidFill>
+                <a:effectLst/>
+                <a:latin typeface="Arial Unicode MS" panose="020B0604020202020204" pitchFamily="34" charset="-120"/>
+                <a:ea typeface="JetBrains Mono"/>
+              </a:rPr>
+              <a:t>&gt; mappings) {</a:t>
+            </a:r>
+            <a:br>
+              <a:rPr kumimoji="0" lang="zh-TW" altLang="zh-TW" sz="1200" b="0" i="0" u="none" strike="noStrike" cap="none" normalizeH="0" baseline="0" dirty="0">
+                <a:ln>
+                  <a:noFill/>
+                </a:ln>
+                <a:solidFill>
+                  <a:srgbClr val="A9B7C6"/>
+                </a:solidFill>
+                <a:effectLst/>
+                <a:latin typeface="Arial Unicode MS" panose="020B0604020202020204" pitchFamily="34" charset="-120"/>
+                <a:ea typeface="JetBrains Mono"/>
+              </a:rPr>
+            </a:br>
+            <a:r>
+              <a:rPr kumimoji="0" lang="zh-TW" altLang="zh-TW" sz="1200" b="0" i="0" u="none" strike="noStrike" cap="none" normalizeH="0" baseline="0" dirty="0">
+                <a:ln>
+                  <a:noFill/>
+                </a:ln>
+                <a:solidFill>
+                  <a:srgbClr val="A9B7C6"/>
+                </a:solidFill>
+                <a:effectLst/>
+                <a:latin typeface="Arial Unicode MS" panose="020B0604020202020204" pitchFamily="34" charset="-120"/>
+                <a:ea typeface="JetBrains Mono"/>
+              </a:rPr>
+              <a:t>            List&lt;</a:t>
+            </a:r>
+            <a:r>
+              <a:rPr kumimoji="0" lang="zh-TW" altLang="zh-TW" sz="1200" b="0" i="0" u="none" strike="noStrike" cap="none" normalizeH="0" baseline="0" dirty="0">
+                <a:ln>
+                  <a:noFill/>
+                </a:ln>
+                <a:solidFill>
+                  <a:srgbClr val="507874"/>
+                </a:solidFill>
+                <a:effectLst/>
+                <a:latin typeface="Arial Unicode MS" panose="020B0604020202020204" pitchFamily="34" charset="-120"/>
+                <a:ea typeface="JetBrains Mono"/>
+              </a:rPr>
+              <a:t>T</a:t>
+            </a:r>
+            <a:r>
+              <a:rPr kumimoji="0" lang="zh-TW" altLang="zh-TW" sz="1200" b="0" i="0" u="none" strike="noStrike" cap="none" normalizeH="0" baseline="0" dirty="0">
+                <a:ln>
+                  <a:noFill/>
+                </a:ln>
+                <a:solidFill>
+                  <a:srgbClr val="A9B7C6"/>
+                </a:solidFill>
+                <a:effectLst/>
+                <a:latin typeface="Arial Unicode MS" panose="020B0604020202020204" pitchFamily="34" charset="-120"/>
+                <a:ea typeface="JetBrains Mono"/>
+              </a:rPr>
+              <a:t>&gt; copy = mappings.stream()</a:t>
+            </a:r>
+            <a:br>
+              <a:rPr kumimoji="0" lang="zh-TW" altLang="zh-TW" sz="1200" b="0" i="0" u="none" strike="noStrike" cap="none" normalizeH="0" baseline="0" dirty="0">
+                <a:ln>
+                  <a:noFill/>
+                </a:ln>
+                <a:solidFill>
+                  <a:srgbClr val="A9B7C6"/>
+                </a:solidFill>
+                <a:effectLst/>
+                <a:latin typeface="Arial Unicode MS" panose="020B0604020202020204" pitchFamily="34" charset="-120"/>
+                <a:ea typeface="JetBrains Mono"/>
+              </a:rPr>
+            </a:br>
+            <a:r>
+              <a:rPr kumimoji="0" lang="zh-TW" altLang="zh-TW" sz="1200" b="0" i="0" u="none" strike="noStrike" cap="none" normalizeH="0" baseline="0" dirty="0">
+                <a:ln>
+                  <a:noFill/>
+                </a:ln>
+                <a:solidFill>
+                  <a:srgbClr val="A9B7C6"/>
+                </a:solidFill>
+                <a:effectLst/>
+                <a:latin typeface="Arial Unicode MS" panose="020B0604020202020204" pitchFamily="34" charset="-120"/>
+                <a:ea typeface="JetBrains Mono"/>
+              </a:rPr>
+              <a:t>                    .filter(mapping -&gt; mapping.getPatternParser() == </a:t>
+            </a:r>
+            <a:r>
+              <a:rPr kumimoji="0" lang="zh-TW" altLang="zh-TW" sz="1200" b="0" i="0" u="none" strike="noStrike" cap="none" normalizeH="0" baseline="0" dirty="0">
+                <a:ln>
+                  <a:noFill/>
+                </a:ln>
+                <a:solidFill>
+                  <a:srgbClr val="CC7832"/>
+                </a:solidFill>
+                <a:effectLst/>
+                <a:latin typeface="Arial Unicode MS" panose="020B0604020202020204" pitchFamily="34" charset="-120"/>
+                <a:ea typeface="JetBrains Mono"/>
+              </a:rPr>
+              <a:t>null</a:t>
+            </a:r>
+            <a:r>
+              <a:rPr kumimoji="0" lang="zh-TW" altLang="zh-TW" sz="1200" b="0" i="0" u="none" strike="noStrike" cap="none" normalizeH="0" baseline="0" dirty="0">
+                <a:ln>
+                  <a:noFill/>
+                </a:ln>
+                <a:solidFill>
+                  <a:srgbClr val="A9B7C6"/>
+                </a:solidFill>
+                <a:effectLst/>
+                <a:latin typeface="Arial Unicode MS" panose="020B0604020202020204" pitchFamily="34" charset="-120"/>
+                <a:ea typeface="JetBrains Mono"/>
+              </a:rPr>
+              <a:t>)</a:t>
+            </a:r>
+            <a:br>
+              <a:rPr kumimoji="0" lang="zh-TW" altLang="zh-TW" sz="1200" b="0" i="0" u="none" strike="noStrike" cap="none" normalizeH="0" baseline="0" dirty="0">
+                <a:ln>
+                  <a:noFill/>
+                </a:ln>
+                <a:solidFill>
+                  <a:srgbClr val="A9B7C6"/>
+                </a:solidFill>
+                <a:effectLst/>
+                <a:latin typeface="Arial Unicode MS" panose="020B0604020202020204" pitchFamily="34" charset="-120"/>
+                <a:ea typeface="JetBrains Mono"/>
+              </a:rPr>
+            </a:br>
+            <a:r>
+              <a:rPr kumimoji="0" lang="zh-TW" altLang="zh-TW" sz="1200" b="0" i="0" u="none" strike="noStrike" cap="none" normalizeH="0" baseline="0" dirty="0">
+                <a:ln>
+                  <a:noFill/>
+                </a:ln>
+                <a:solidFill>
+                  <a:srgbClr val="A9B7C6"/>
+                </a:solidFill>
+                <a:effectLst/>
+                <a:latin typeface="Arial Unicode MS" panose="020B0604020202020204" pitchFamily="34" charset="-120"/>
+                <a:ea typeface="JetBrains Mono"/>
+              </a:rPr>
+              <a:t>                    .collect(Collectors.</a:t>
+            </a:r>
+            <a:r>
+              <a:rPr kumimoji="0" lang="zh-TW" altLang="zh-TW" sz="1200" b="0" i="1" u="none" strike="noStrike" cap="none" normalizeH="0" baseline="0" dirty="0">
+                <a:ln>
+                  <a:noFill/>
+                </a:ln>
+                <a:solidFill>
+                  <a:srgbClr val="A9B7C6"/>
+                </a:solidFill>
+                <a:effectLst/>
+                <a:latin typeface="Arial Unicode MS" panose="020B0604020202020204" pitchFamily="34" charset="-120"/>
+                <a:ea typeface="JetBrains Mono"/>
+              </a:rPr>
+              <a:t>toList</a:t>
+            </a:r>
+            <a:r>
+              <a:rPr kumimoji="0" lang="zh-TW" altLang="zh-TW" sz="1200" b="0" i="0" u="none" strike="noStrike" cap="none" normalizeH="0" baseline="0" dirty="0">
+                <a:ln>
+                  <a:noFill/>
+                </a:ln>
+                <a:solidFill>
+                  <a:srgbClr val="A9B7C6"/>
+                </a:solidFill>
+                <a:effectLst/>
+                <a:latin typeface="Arial Unicode MS" panose="020B0604020202020204" pitchFamily="34" charset="-120"/>
+                <a:ea typeface="JetBrains Mono"/>
+              </a:rPr>
+              <a:t>())</a:t>
+            </a:r>
+            <a:r>
+              <a:rPr kumimoji="0" lang="zh-TW" altLang="zh-TW" sz="1200" b="0" i="0" u="none" strike="noStrike" cap="none" normalizeH="0" baseline="0" dirty="0">
+                <a:ln>
+                  <a:noFill/>
+                </a:ln>
+                <a:solidFill>
+                  <a:srgbClr val="CC7832"/>
+                </a:solidFill>
+                <a:effectLst/>
+                <a:latin typeface="Arial Unicode MS" panose="020B0604020202020204" pitchFamily="34" charset="-120"/>
+                <a:ea typeface="JetBrains Mono"/>
+              </a:rPr>
+              <a:t>;</a:t>
+            </a:r>
+            <a:br>
+              <a:rPr kumimoji="0" lang="zh-TW" altLang="zh-TW" sz="1200" b="0" i="0" u="none" strike="noStrike" cap="none" normalizeH="0" baseline="0" dirty="0">
+                <a:ln>
+                  <a:noFill/>
+                </a:ln>
+                <a:solidFill>
+                  <a:srgbClr val="CC7832"/>
+                </a:solidFill>
+                <a:effectLst/>
+                <a:latin typeface="Arial Unicode MS" panose="020B0604020202020204" pitchFamily="34" charset="-120"/>
+                <a:ea typeface="JetBrains Mono"/>
+              </a:rPr>
+            </a:br>
+            <a:r>
+              <a:rPr kumimoji="0" lang="zh-TW" altLang="zh-TW" sz="1200" b="0" i="0" u="none" strike="noStrike" cap="none" normalizeH="0" baseline="0" dirty="0">
+                <a:ln>
+                  <a:noFill/>
+                </a:ln>
+                <a:solidFill>
+                  <a:srgbClr val="CC7832"/>
+                </a:solidFill>
+                <a:effectLst/>
+                <a:latin typeface="Arial Unicode MS" panose="020B0604020202020204" pitchFamily="34" charset="-120"/>
+                <a:ea typeface="JetBrains Mono"/>
+              </a:rPr>
+              <a:t>            </a:t>
+            </a:r>
+            <a:r>
+              <a:rPr kumimoji="0" lang="zh-TW" altLang="zh-TW" sz="1200" b="0" i="0" u="none" strike="noStrike" cap="none" normalizeH="0" baseline="0" dirty="0">
+                <a:ln>
+                  <a:noFill/>
+                </a:ln>
+                <a:solidFill>
+                  <a:srgbClr val="A9B7C6"/>
+                </a:solidFill>
+                <a:effectLst/>
+                <a:latin typeface="Arial Unicode MS" panose="020B0604020202020204" pitchFamily="34" charset="-120"/>
+                <a:ea typeface="JetBrains Mono"/>
+              </a:rPr>
+              <a:t>mappings.clear()</a:t>
+            </a:r>
+            <a:r>
+              <a:rPr kumimoji="0" lang="zh-TW" altLang="zh-TW" sz="1200" b="0" i="0" u="none" strike="noStrike" cap="none" normalizeH="0" baseline="0" dirty="0">
+                <a:ln>
+                  <a:noFill/>
+                </a:ln>
+                <a:solidFill>
+                  <a:srgbClr val="CC7832"/>
+                </a:solidFill>
+                <a:effectLst/>
+                <a:latin typeface="Arial Unicode MS" panose="020B0604020202020204" pitchFamily="34" charset="-120"/>
+                <a:ea typeface="JetBrains Mono"/>
+              </a:rPr>
+              <a:t>;</a:t>
+            </a:r>
+            <a:br>
+              <a:rPr kumimoji="0" lang="zh-TW" altLang="zh-TW" sz="1200" b="0" i="0" u="none" strike="noStrike" cap="none" normalizeH="0" baseline="0" dirty="0">
+                <a:ln>
+                  <a:noFill/>
+                </a:ln>
+                <a:solidFill>
+                  <a:srgbClr val="CC7832"/>
+                </a:solidFill>
+                <a:effectLst/>
+                <a:latin typeface="Arial Unicode MS" panose="020B0604020202020204" pitchFamily="34" charset="-120"/>
+                <a:ea typeface="JetBrains Mono"/>
+              </a:rPr>
+            </a:br>
+            <a:r>
+              <a:rPr kumimoji="0" lang="zh-TW" altLang="zh-TW" sz="1200" b="0" i="0" u="none" strike="noStrike" cap="none" normalizeH="0" baseline="0" dirty="0">
+                <a:ln>
+                  <a:noFill/>
+                </a:ln>
+                <a:solidFill>
+                  <a:srgbClr val="CC7832"/>
+                </a:solidFill>
+                <a:effectLst/>
+                <a:latin typeface="Arial Unicode MS" panose="020B0604020202020204" pitchFamily="34" charset="-120"/>
+                <a:ea typeface="JetBrains Mono"/>
+              </a:rPr>
+              <a:t>            </a:t>
+            </a:r>
+            <a:r>
+              <a:rPr kumimoji="0" lang="zh-TW" altLang="zh-TW" sz="1200" b="0" i="0" u="none" strike="noStrike" cap="none" normalizeH="0" baseline="0" dirty="0">
+                <a:ln>
+                  <a:noFill/>
+                </a:ln>
+                <a:solidFill>
+                  <a:srgbClr val="A9B7C6"/>
+                </a:solidFill>
+                <a:effectLst/>
+                <a:latin typeface="Arial Unicode MS" panose="020B0604020202020204" pitchFamily="34" charset="-120"/>
+                <a:ea typeface="JetBrains Mono"/>
+              </a:rPr>
+              <a:t>mappings.addAll(copy)</a:t>
+            </a:r>
+            <a:r>
+              <a:rPr kumimoji="0" lang="zh-TW" altLang="zh-TW" sz="1200" b="0" i="0" u="none" strike="noStrike" cap="none" normalizeH="0" baseline="0" dirty="0">
+                <a:ln>
+                  <a:noFill/>
+                </a:ln>
+                <a:solidFill>
+                  <a:srgbClr val="CC7832"/>
+                </a:solidFill>
+                <a:effectLst/>
+                <a:latin typeface="Arial Unicode MS" panose="020B0604020202020204" pitchFamily="34" charset="-120"/>
+                <a:ea typeface="JetBrains Mono"/>
+              </a:rPr>
+              <a:t>;</a:t>
+            </a:r>
+            <a:br>
+              <a:rPr kumimoji="0" lang="zh-TW" altLang="zh-TW" sz="1200" b="0" i="0" u="none" strike="noStrike" cap="none" normalizeH="0" baseline="0" dirty="0">
+                <a:ln>
+                  <a:noFill/>
+                </a:ln>
+                <a:solidFill>
+                  <a:srgbClr val="CC7832"/>
+                </a:solidFill>
+                <a:effectLst/>
+                <a:latin typeface="Arial Unicode MS" panose="020B0604020202020204" pitchFamily="34" charset="-120"/>
+                <a:ea typeface="JetBrains Mono"/>
+              </a:rPr>
+            </a:br>
+            <a:r>
+              <a:rPr kumimoji="0" lang="zh-TW" altLang="zh-TW" sz="1200" b="0" i="0" u="none" strike="noStrike" cap="none" normalizeH="0" baseline="0" dirty="0">
+                <a:ln>
+                  <a:noFill/>
+                </a:ln>
+                <a:solidFill>
+                  <a:srgbClr val="CC7832"/>
+                </a:solidFill>
+                <a:effectLst/>
+                <a:latin typeface="Arial Unicode MS" panose="020B0604020202020204" pitchFamily="34" charset="-120"/>
+                <a:ea typeface="JetBrains Mono"/>
+              </a:rPr>
+              <a:t>        </a:t>
+            </a:r>
+            <a:r>
+              <a:rPr kumimoji="0" lang="zh-TW" altLang="zh-TW" sz="1200" b="0" i="0" u="none" strike="noStrike" cap="none" normalizeH="0" baseline="0" dirty="0">
+                <a:ln>
+                  <a:noFill/>
+                </a:ln>
+                <a:solidFill>
+                  <a:srgbClr val="A9B7C6"/>
+                </a:solidFill>
+                <a:effectLst/>
+                <a:latin typeface="Arial Unicode MS" panose="020B0604020202020204" pitchFamily="34" charset="-120"/>
+                <a:ea typeface="JetBrains Mono"/>
+              </a:rPr>
+              <a:t>}</a:t>
+            </a:r>
+            <a:br>
+              <a:rPr kumimoji="0" lang="zh-TW" altLang="zh-TW" sz="1200" b="0" i="0" u="none" strike="noStrike" cap="none" normalizeH="0" baseline="0" dirty="0">
+                <a:ln>
+                  <a:noFill/>
+                </a:ln>
+                <a:solidFill>
+                  <a:srgbClr val="A9B7C6"/>
+                </a:solidFill>
+                <a:effectLst/>
+                <a:latin typeface="Arial Unicode MS" panose="020B0604020202020204" pitchFamily="34" charset="-120"/>
+                <a:ea typeface="JetBrains Mono"/>
+              </a:rPr>
+            </a:br>
+            <a:br>
+              <a:rPr kumimoji="0" lang="zh-TW" altLang="zh-TW" sz="1200" b="0" i="0" u="none" strike="noStrike" cap="none" normalizeH="0" baseline="0" dirty="0">
+                <a:ln>
+                  <a:noFill/>
+                </a:ln>
+                <a:solidFill>
+                  <a:srgbClr val="A9B7C6"/>
+                </a:solidFill>
+                <a:effectLst/>
+                <a:latin typeface="Arial Unicode MS" panose="020B0604020202020204" pitchFamily="34" charset="-120"/>
+                <a:ea typeface="JetBrains Mono"/>
+              </a:rPr>
+            </a:br>
+            <a:r>
+              <a:rPr kumimoji="0" lang="zh-TW" altLang="zh-TW" sz="1200" b="0" i="0" u="none" strike="noStrike" cap="none" normalizeH="0" baseline="0" dirty="0">
+                <a:ln>
+                  <a:noFill/>
+                </a:ln>
+                <a:solidFill>
+                  <a:srgbClr val="A9B7C6"/>
+                </a:solidFill>
+                <a:effectLst/>
+                <a:latin typeface="Arial Unicode MS" panose="020B0604020202020204" pitchFamily="34" charset="-120"/>
+                <a:ea typeface="JetBrains Mono"/>
+              </a:rPr>
+              <a:t>        </a:t>
+            </a:r>
+            <a:r>
+              <a:rPr kumimoji="0" lang="zh-TW" altLang="zh-TW" sz="1200" b="0" i="0" u="none" strike="noStrike" cap="none" normalizeH="0" baseline="0" dirty="0">
+                <a:ln>
+                  <a:noFill/>
+                </a:ln>
+                <a:solidFill>
+                  <a:srgbClr val="BBB529"/>
+                </a:solidFill>
+                <a:effectLst/>
+                <a:latin typeface="Arial Unicode MS" panose="020B0604020202020204" pitchFamily="34" charset="-120"/>
+                <a:ea typeface="JetBrains Mono"/>
+              </a:rPr>
+              <a:t>@SuppressWarnings</a:t>
+            </a:r>
+            <a:r>
+              <a:rPr kumimoji="0" lang="zh-TW" altLang="zh-TW" sz="1200" b="0" i="0" u="none" strike="noStrike" cap="none" normalizeH="0" baseline="0" dirty="0">
+                <a:ln>
+                  <a:noFill/>
+                </a:ln>
+                <a:solidFill>
+                  <a:srgbClr val="A9B7C6"/>
+                </a:solidFill>
+                <a:effectLst/>
+                <a:latin typeface="Arial Unicode MS" panose="020B0604020202020204" pitchFamily="34" charset="-120"/>
+                <a:ea typeface="JetBrains Mono"/>
+              </a:rPr>
+              <a:t>(</a:t>
+            </a:r>
+            <a:r>
+              <a:rPr kumimoji="0" lang="zh-TW" altLang="zh-TW" sz="1200" b="0" i="0" u="none" strike="noStrike" cap="none" normalizeH="0" baseline="0" dirty="0">
+                <a:ln>
+                  <a:noFill/>
+                </a:ln>
+                <a:solidFill>
+                  <a:srgbClr val="6A8759"/>
+                </a:solidFill>
+                <a:effectLst/>
+                <a:latin typeface="Arial Unicode MS" panose="020B0604020202020204" pitchFamily="34" charset="-120"/>
+                <a:ea typeface="JetBrains Mono"/>
+              </a:rPr>
+              <a:t>"unchecked"</a:t>
+            </a:r>
+            <a:r>
+              <a:rPr kumimoji="0" lang="zh-TW" altLang="zh-TW" sz="1200" b="0" i="0" u="none" strike="noStrike" cap="none" normalizeH="0" baseline="0" dirty="0">
+                <a:ln>
+                  <a:noFill/>
+                </a:ln>
+                <a:solidFill>
+                  <a:srgbClr val="A9B7C6"/>
+                </a:solidFill>
+                <a:effectLst/>
+                <a:latin typeface="Arial Unicode MS" panose="020B0604020202020204" pitchFamily="34" charset="-120"/>
+                <a:ea typeface="JetBrains Mono"/>
+              </a:rPr>
+              <a:t>)</a:t>
+            </a:r>
+            <a:br>
+              <a:rPr kumimoji="0" lang="zh-TW" altLang="zh-TW" sz="1200" b="0" i="0" u="none" strike="noStrike" cap="none" normalizeH="0" baseline="0" dirty="0">
+                <a:ln>
+                  <a:noFill/>
+                </a:ln>
+                <a:solidFill>
+                  <a:srgbClr val="A9B7C6"/>
+                </a:solidFill>
+                <a:effectLst/>
+                <a:latin typeface="Arial Unicode MS" panose="020B0604020202020204" pitchFamily="34" charset="-120"/>
+                <a:ea typeface="JetBrains Mono"/>
+              </a:rPr>
+            </a:br>
+            <a:r>
+              <a:rPr kumimoji="0" lang="zh-TW" altLang="zh-TW" sz="1200" b="0" i="0" u="none" strike="noStrike" cap="none" normalizeH="0" baseline="0" dirty="0">
+                <a:ln>
+                  <a:noFill/>
+                </a:ln>
+                <a:solidFill>
+                  <a:srgbClr val="A9B7C6"/>
+                </a:solidFill>
+                <a:effectLst/>
+                <a:latin typeface="Arial Unicode MS" panose="020B0604020202020204" pitchFamily="34" charset="-120"/>
+                <a:ea typeface="JetBrains Mono"/>
+              </a:rPr>
+              <a:t>        </a:t>
+            </a:r>
+            <a:r>
+              <a:rPr kumimoji="0" lang="zh-TW" altLang="zh-TW" sz="1200" b="0" i="0" u="none" strike="noStrike" cap="none" normalizeH="0" baseline="0" dirty="0">
+                <a:ln>
+                  <a:noFill/>
+                </a:ln>
+                <a:solidFill>
+                  <a:srgbClr val="CC7832"/>
+                </a:solidFill>
+                <a:effectLst/>
+                <a:latin typeface="Arial Unicode MS" panose="020B0604020202020204" pitchFamily="34" charset="-120"/>
+                <a:ea typeface="JetBrains Mono"/>
+              </a:rPr>
+              <a:t>private </a:t>
+            </a:r>
+            <a:r>
+              <a:rPr kumimoji="0" lang="zh-TW" altLang="zh-TW" sz="1200" b="0" i="0" u="none" strike="noStrike" cap="none" normalizeH="0" baseline="0" dirty="0">
+                <a:ln>
+                  <a:noFill/>
+                </a:ln>
+                <a:solidFill>
+                  <a:srgbClr val="A9B7C6"/>
+                </a:solidFill>
+                <a:effectLst/>
+                <a:latin typeface="Arial Unicode MS" panose="020B0604020202020204" pitchFamily="34" charset="-120"/>
+                <a:ea typeface="JetBrains Mono"/>
+              </a:rPr>
+              <a:t>List&lt;RequestMappingInfoHandlerMapping&gt; </a:t>
+            </a:r>
+            <a:r>
+              <a:rPr kumimoji="0" lang="zh-TW" altLang="zh-TW" sz="1200" b="0" i="0" u="none" strike="noStrike" cap="none" normalizeH="0" baseline="0" dirty="0">
+                <a:ln>
+                  <a:noFill/>
+                </a:ln>
+                <a:solidFill>
+                  <a:srgbClr val="FFC66D"/>
+                </a:solidFill>
+                <a:effectLst/>
+                <a:latin typeface="Arial Unicode MS" panose="020B0604020202020204" pitchFamily="34" charset="-120"/>
+                <a:ea typeface="JetBrains Mono"/>
+              </a:rPr>
+              <a:t>getHandlerMappings</a:t>
+            </a:r>
+            <a:r>
+              <a:rPr kumimoji="0" lang="zh-TW" altLang="zh-TW" sz="1200" b="0" i="0" u="none" strike="noStrike" cap="none" normalizeH="0" baseline="0" dirty="0">
+                <a:ln>
+                  <a:noFill/>
+                </a:ln>
+                <a:solidFill>
+                  <a:srgbClr val="A9B7C6"/>
+                </a:solidFill>
+                <a:effectLst/>
+                <a:latin typeface="Arial Unicode MS" panose="020B0604020202020204" pitchFamily="34" charset="-120"/>
+                <a:ea typeface="JetBrains Mono"/>
+              </a:rPr>
+              <a:t>(Object bean) {</a:t>
+            </a:r>
+            <a:br>
+              <a:rPr kumimoji="0" lang="zh-TW" altLang="zh-TW" sz="1200" b="0" i="0" u="none" strike="noStrike" cap="none" normalizeH="0" baseline="0" dirty="0">
+                <a:ln>
+                  <a:noFill/>
+                </a:ln>
+                <a:solidFill>
+                  <a:srgbClr val="A9B7C6"/>
+                </a:solidFill>
+                <a:effectLst/>
+                <a:latin typeface="Arial Unicode MS" panose="020B0604020202020204" pitchFamily="34" charset="-120"/>
+                <a:ea typeface="JetBrains Mono"/>
+              </a:rPr>
+            </a:br>
+            <a:r>
+              <a:rPr kumimoji="0" lang="zh-TW" altLang="zh-TW" sz="1200" b="0" i="0" u="none" strike="noStrike" cap="none" normalizeH="0" baseline="0" dirty="0">
+                <a:ln>
+                  <a:noFill/>
+                </a:ln>
+                <a:solidFill>
+                  <a:srgbClr val="A9B7C6"/>
+                </a:solidFill>
+                <a:effectLst/>
+                <a:latin typeface="Arial Unicode MS" panose="020B0604020202020204" pitchFamily="34" charset="-120"/>
+                <a:ea typeface="JetBrains Mono"/>
+              </a:rPr>
+              <a:t>            </a:t>
+            </a:r>
+            <a:r>
+              <a:rPr kumimoji="0" lang="zh-TW" altLang="zh-TW" sz="1200" b="0" i="0" u="none" strike="noStrike" cap="none" normalizeH="0" baseline="0" dirty="0">
+                <a:ln>
+                  <a:noFill/>
+                </a:ln>
+                <a:solidFill>
+                  <a:srgbClr val="CC7832"/>
+                </a:solidFill>
+                <a:effectLst/>
+                <a:latin typeface="Arial Unicode MS" panose="020B0604020202020204" pitchFamily="34" charset="-120"/>
+                <a:ea typeface="JetBrains Mono"/>
+              </a:rPr>
+              <a:t>try </a:t>
+            </a:r>
+            <a:r>
+              <a:rPr kumimoji="0" lang="zh-TW" altLang="zh-TW" sz="1200" b="0" i="0" u="none" strike="noStrike" cap="none" normalizeH="0" baseline="0" dirty="0">
+                <a:ln>
+                  <a:noFill/>
+                </a:ln>
+                <a:solidFill>
+                  <a:srgbClr val="A9B7C6"/>
+                </a:solidFill>
+                <a:effectLst/>
+                <a:latin typeface="Arial Unicode MS" panose="020B0604020202020204" pitchFamily="34" charset="-120"/>
+                <a:ea typeface="JetBrains Mono"/>
+              </a:rPr>
+              <a:t>{</a:t>
+            </a:r>
+            <a:br>
+              <a:rPr kumimoji="0" lang="zh-TW" altLang="zh-TW" sz="1200" b="0" i="0" u="none" strike="noStrike" cap="none" normalizeH="0" baseline="0" dirty="0">
+                <a:ln>
+                  <a:noFill/>
+                </a:ln>
+                <a:solidFill>
+                  <a:srgbClr val="A9B7C6"/>
+                </a:solidFill>
+                <a:effectLst/>
+                <a:latin typeface="Arial Unicode MS" panose="020B0604020202020204" pitchFamily="34" charset="-120"/>
+                <a:ea typeface="JetBrains Mono"/>
+              </a:rPr>
+            </a:br>
+            <a:r>
+              <a:rPr kumimoji="0" lang="zh-TW" altLang="zh-TW" sz="1200" b="0" i="0" u="none" strike="noStrike" cap="none" normalizeH="0" baseline="0" dirty="0">
+                <a:ln>
+                  <a:noFill/>
+                </a:ln>
+                <a:solidFill>
+                  <a:srgbClr val="A9B7C6"/>
+                </a:solidFill>
+                <a:effectLst/>
+                <a:latin typeface="Arial Unicode MS" panose="020B0604020202020204" pitchFamily="34" charset="-120"/>
+                <a:ea typeface="JetBrains Mono"/>
+              </a:rPr>
+              <a:t>                Field field = ReflectionUtils.</a:t>
+            </a:r>
+            <a:r>
+              <a:rPr kumimoji="0" lang="zh-TW" altLang="zh-TW" sz="1200" b="0" i="1" u="none" strike="noStrike" cap="none" normalizeH="0" baseline="0" dirty="0">
+                <a:ln>
+                  <a:noFill/>
+                </a:ln>
+                <a:solidFill>
+                  <a:srgbClr val="A9B7C6"/>
+                </a:solidFill>
+                <a:effectLst/>
+                <a:latin typeface="Arial Unicode MS" panose="020B0604020202020204" pitchFamily="34" charset="-120"/>
+                <a:ea typeface="JetBrains Mono"/>
+              </a:rPr>
+              <a:t>findField</a:t>
+            </a:r>
+            <a:r>
+              <a:rPr kumimoji="0" lang="zh-TW" altLang="zh-TW" sz="1200" b="0" i="0" u="none" strike="noStrike" cap="none" normalizeH="0" baseline="0" dirty="0">
+                <a:ln>
+                  <a:noFill/>
+                </a:ln>
+                <a:solidFill>
+                  <a:srgbClr val="A9B7C6"/>
+                </a:solidFill>
+                <a:effectLst/>
+                <a:latin typeface="Arial Unicode MS" panose="020B0604020202020204" pitchFamily="34" charset="-120"/>
+                <a:ea typeface="JetBrains Mono"/>
+              </a:rPr>
+              <a:t>(bean.getClass()</a:t>
+            </a:r>
+            <a:r>
+              <a:rPr kumimoji="0" lang="zh-TW" altLang="zh-TW" sz="1200" b="0" i="0" u="none" strike="noStrike" cap="none" normalizeH="0" baseline="0" dirty="0">
+                <a:ln>
+                  <a:noFill/>
+                </a:ln>
+                <a:solidFill>
+                  <a:srgbClr val="CC7832"/>
+                </a:solidFill>
+                <a:effectLst/>
+                <a:latin typeface="Arial Unicode MS" panose="020B0604020202020204" pitchFamily="34" charset="-120"/>
+                <a:ea typeface="JetBrains Mono"/>
+              </a:rPr>
+              <a:t>,</a:t>
+            </a:r>
+            <a:br>
+              <a:rPr kumimoji="0" lang="zh-TW" altLang="zh-TW" sz="1200" b="0" i="0" u="none" strike="noStrike" cap="none" normalizeH="0" baseline="0" dirty="0">
+                <a:ln>
+                  <a:noFill/>
+                </a:ln>
+                <a:solidFill>
+                  <a:srgbClr val="CC7832"/>
+                </a:solidFill>
+                <a:effectLst/>
+                <a:latin typeface="Arial Unicode MS" panose="020B0604020202020204" pitchFamily="34" charset="-120"/>
+                <a:ea typeface="JetBrains Mono"/>
+              </a:rPr>
+            </a:br>
+            <a:r>
+              <a:rPr kumimoji="0" lang="zh-TW" altLang="zh-TW" sz="1200" b="0" i="0" u="none" strike="noStrike" cap="none" normalizeH="0" baseline="0" dirty="0">
+                <a:ln>
+                  <a:noFill/>
+                </a:ln>
+                <a:solidFill>
+                  <a:srgbClr val="CC7832"/>
+                </a:solidFill>
+                <a:effectLst/>
+                <a:latin typeface="Arial Unicode MS" panose="020B0604020202020204" pitchFamily="34" charset="-120"/>
+                <a:ea typeface="JetBrains Mono"/>
+              </a:rPr>
+              <a:t>                        </a:t>
+            </a:r>
+            <a:r>
+              <a:rPr kumimoji="0" lang="zh-TW" altLang="zh-TW" sz="1200" b="0" i="0" u="none" strike="noStrike" cap="none" normalizeH="0" baseline="0" dirty="0">
+                <a:ln>
+                  <a:noFill/>
+                </a:ln>
+                <a:solidFill>
+                  <a:srgbClr val="6A8759"/>
+                </a:solidFill>
+                <a:effectLst/>
+                <a:latin typeface="Arial Unicode MS" panose="020B0604020202020204" pitchFamily="34" charset="-120"/>
+                <a:ea typeface="JetBrains Mono"/>
+              </a:rPr>
+              <a:t>"handlerMappings"</a:t>
+            </a:r>
+            <a:r>
+              <a:rPr kumimoji="0" lang="zh-TW" altLang="zh-TW" sz="1200" b="0" i="0" u="none" strike="noStrike" cap="none" normalizeH="0" baseline="0" dirty="0">
+                <a:ln>
+                  <a:noFill/>
+                </a:ln>
+                <a:solidFill>
+                  <a:srgbClr val="A9B7C6"/>
+                </a:solidFill>
+                <a:effectLst/>
+                <a:latin typeface="Arial Unicode MS" panose="020B0604020202020204" pitchFamily="34" charset="-120"/>
+                <a:ea typeface="JetBrains Mono"/>
+              </a:rPr>
+              <a:t>)</a:t>
+            </a:r>
+            <a:r>
+              <a:rPr kumimoji="0" lang="zh-TW" altLang="zh-TW" sz="1200" b="0" i="0" u="none" strike="noStrike" cap="none" normalizeH="0" baseline="0" dirty="0">
+                <a:ln>
+                  <a:noFill/>
+                </a:ln>
+                <a:solidFill>
+                  <a:srgbClr val="CC7832"/>
+                </a:solidFill>
+                <a:effectLst/>
+                <a:latin typeface="Arial Unicode MS" panose="020B0604020202020204" pitchFamily="34" charset="-120"/>
+                <a:ea typeface="JetBrains Mono"/>
+              </a:rPr>
+              <a:t>;</a:t>
+            </a:r>
+            <a:br>
+              <a:rPr kumimoji="0" lang="zh-TW" altLang="zh-TW" sz="1200" b="0" i="0" u="none" strike="noStrike" cap="none" normalizeH="0" baseline="0" dirty="0">
+                <a:ln>
+                  <a:noFill/>
+                </a:ln>
+                <a:solidFill>
+                  <a:srgbClr val="CC7832"/>
+                </a:solidFill>
+                <a:effectLst/>
+                <a:latin typeface="Arial Unicode MS" panose="020B0604020202020204" pitchFamily="34" charset="-120"/>
+                <a:ea typeface="JetBrains Mono"/>
+              </a:rPr>
+            </a:br>
+            <a:r>
+              <a:rPr kumimoji="0" lang="zh-TW" altLang="zh-TW" sz="1200" b="0" i="0" u="none" strike="noStrike" cap="none" normalizeH="0" baseline="0" dirty="0">
+                <a:ln>
+                  <a:noFill/>
+                </a:ln>
+                <a:solidFill>
+                  <a:srgbClr val="CC7832"/>
+                </a:solidFill>
+                <a:effectLst/>
+                <a:latin typeface="Arial Unicode MS" panose="020B0604020202020204" pitchFamily="34" charset="-120"/>
+                <a:ea typeface="JetBrains Mono"/>
+              </a:rPr>
+              <a:t>                </a:t>
+            </a:r>
+            <a:r>
+              <a:rPr kumimoji="0" lang="zh-TW" altLang="zh-TW" sz="1200" b="0" i="0" u="none" strike="noStrike" cap="none" normalizeH="0" baseline="0" dirty="0">
+                <a:ln>
+                  <a:noFill/>
+                </a:ln>
+                <a:solidFill>
+                  <a:srgbClr val="A9B7C6"/>
+                </a:solidFill>
+                <a:effectLst/>
+                <a:latin typeface="Arial Unicode MS" panose="020B0604020202020204" pitchFamily="34" charset="-120"/>
+                <a:ea typeface="JetBrains Mono"/>
+              </a:rPr>
+              <a:t>field.setAccessible(</a:t>
+            </a:r>
+            <a:r>
+              <a:rPr kumimoji="0" lang="zh-TW" altLang="zh-TW" sz="1200" b="0" i="0" u="none" strike="noStrike" cap="none" normalizeH="0" baseline="0" dirty="0">
+                <a:ln>
+                  <a:noFill/>
+                </a:ln>
+                <a:solidFill>
+                  <a:srgbClr val="CC7832"/>
+                </a:solidFill>
+                <a:effectLst/>
+                <a:latin typeface="Arial Unicode MS" panose="020B0604020202020204" pitchFamily="34" charset="-120"/>
+                <a:ea typeface="JetBrains Mono"/>
+              </a:rPr>
+              <a:t>true</a:t>
+            </a:r>
+            <a:r>
+              <a:rPr kumimoji="0" lang="zh-TW" altLang="zh-TW" sz="1200" b="0" i="0" u="none" strike="noStrike" cap="none" normalizeH="0" baseline="0" dirty="0">
+                <a:ln>
+                  <a:noFill/>
+                </a:ln>
+                <a:solidFill>
+                  <a:srgbClr val="A9B7C6"/>
+                </a:solidFill>
+                <a:effectLst/>
+                <a:latin typeface="Arial Unicode MS" panose="020B0604020202020204" pitchFamily="34" charset="-120"/>
+                <a:ea typeface="JetBrains Mono"/>
+              </a:rPr>
+              <a:t>)</a:t>
+            </a:r>
+            <a:r>
+              <a:rPr kumimoji="0" lang="zh-TW" altLang="zh-TW" sz="1200" b="0" i="0" u="none" strike="noStrike" cap="none" normalizeH="0" baseline="0" dirty="0">
+                <a:ln>
+                  <a:noFill/>
+                </a:ln>
+                <a:solidFill>
+                  <a:srgbClr val="CC7832"/>
+                </a:solidFill>
+                <a:effectLst/>
+                <a:latin typeface="Arial Unicode MS" panose="020B0604020202020204" pitchFamily="34" charset="-120"/>
+                <a:ea typeface="JetBrains Mono"/>
+              </a:rPr>
+              <a:t>;</a:t>
+            </a:r>
+            <a:br>
+              <a:rPr kumimoji="0" lang="zh-TW" altLang="zh-TW" sz="1200" b="0" i="0" u="none" strike="noStrike" cap="none" normalizeH="0" baseline="0" dirty="0">
+                <a:ln>
+                  <a:noFill/>
+                </a:ln>
+                <a:solidFill>
+                  <a:srgbClr val="CC7832"/>
+                </a:solidFill>
+                <a:effectLst/>
+                <a:latin typeface="Arial Unicode MS" panose="020B0604020202020204" pitchFamily="34" charset="-120"/>
+                <a:ea typeface="JetBrains Mono"/>
+              </a:rPr>
+            </a:br>
+            <a:r>
+              <a:rPr kumimoji="0" lang="zh-TW" altLang="zh-TW" sz="1200" b="0" i="0" u="none" strike="noStrike" cap="none" normalizeH="0" baseline="0" dirty="0">
+                <a:ln>
+                  <a:noFill/>
+                </a:ln>
+                <a:solidFill>
+                  <a:srgbClr val="CC7832"/>
+                </a:solidFill>
+                <a:effectLst/>
+                <a:latin typeface="Arial Unicode MS" panose="020B0604020202020204" pitchFamily="34" charset="-120"/>
+                <a:ea typeface="JetBrains Mono"/>
+              </a:rPr>
+              <a:t>                return </a:t>
+            </a:r>
+            <a:r>
+              <a:rPr kumimoji="0" lang="zh-TW" altLang="zh-TW" sz="1200" b="0" i="0" u="none" strike="noStrike" cap="none" normalizeH="0" baseline="0" dirty="0">
+                <a:ln>
+                  <a:noFill/>
+                </a:ln>
+                <a:solidFill>
+                  <a:srgbClr val="A9B7C6"/>
+                </a:solidFill>
+                <a:effectLst/>
+                <a:latin typeface="Arial Unicode MS" panose="020B0604020202020204" pitchFamily="34" charset="-120"/>
+                <a:ea typeface="JetBrains Mono"/>
+              </a:rPr>
+              <a:t>(List&lt;RequestMappingInfoHandlerMapping&gt;) field.get(bean)</a:t>
+            </a:r>
+            <a:r>
+              <a:rPr kumimoji="0" lang="zh-TW" altLang="zh-TW" sz="1200" b="0" i="0" u="none" strike="noStrike" cap="none" normalizeH="0" baseline="0" dirty="0">
+                <a:ln>
+                  <a:noFill/>
+                </a:ln>
+                <a:solidFill>
+                  <a:srgbClr val="CC7832"/>
+                </a:solidFill>
+                <a:effectLst/>
+                <a:latin typeface="Arial Unicode MS" panose="020B0604020202020204" pitchFamily="34" charset="-120"/>
+                <a:ea typeface="JetBrains Mono"/>
+              </a:rPr>
+              <a:t>;</a:t>
+            </a:r>
+            <a:br>
+              <a:rPr kumimoji="0" lang="zh-TW" altLang="zh-TW" sz="1200" b="0" i="0" u="none" strike="noStrike" cap="none" normalizeH="0" baseline="0" dirty="0">
+                <a:ln>
+                  <a:noFill/>
+                </a:ln>
+                <a:solidFill>
+                  <a:srgbClr val="CC7832"/>
+                </a:solidFill>
+                <a:effectLst/>
+                <a:latin typeface="Arial Unicode MS" panose="020B0604020202020204" pitchFamily="34" charset="-120"/>
+                <a:ea typeface="JetBrains Mono"/>
+              </a:rPr>
+            </a:br>
+            <a:r>
+              <a:rPr kumimoji="0" lang="zh-TW" altLang="zh-TW" sz="1200" b="0" i="0" u="none" strike="noStrike" cap="none" normalizeH="0" baseline="0" dirty="0">
+                <a:ln>
+                  <a:noFill/>
+                </a:ln>
+                <a:solidFill>
+                  <a:srgbClr val="CC7832"/>
+                </a:solidFill>
+                <a:effectLst/>
+                <a:latin typeface="Arial Unicode MS" panose="020B0604020202020204" pitchFamily="34" charset="-120"/>
+                <a:ea typeface="JetBrains Mono"/>
+              </a:rPr>
+              <a:t>            </a:t>
+            </a:r>
+            <a:r>
+              <a:rPr kumimoji="0" lang="zh-TW" altLang="zh-TW" sz="1200" b="0" i="0" u="none" strike="noStrike" cap="none" normalizeH="0" baseline="0" dirty="0">
+                <a:ln>
+                  <a:noFill/>
+                </a:ln>
+                <a:solidFill>
+                  <a:srgbClr val="A9B7C6"/>
+                </a:solidFill>
+                <a:effectLst/>
+                <a:latin typeface="Arial Unicode MS" panose="020B0604020202020204" pitchFamily="34" charset="-120"/>
+                <a:ea typeface="JetBrains Mono"/>
+              </a:rPr>
+              <a:t>} </a:t>
+            </a:r>
+            <a:r>
+              <a:rPr kumimoji="0" lang="zh-TW" altLang="zh-TW" sz="1200" b="0" i="0" u="none" strike="noStrike" cap="none" normalizeH="0" baseline="0" dirty="0">
+                <a:ln>
+                  <a:noFill/>
+                </a:ln>
+                <a:solidFill>
+                  <a:srgbClr val="CC7832"/>
+                </a:solidFill>
+                <a:effectLst/>
+                <a:latin typeface="Arial Unicode MS" panose="020B0604020202020204" pitchFamily="34" charset="-120"/>
+                <a:ea typeface="JetBrains Mono"/>
+              </a:rPr>
+              <a:t>catch </a:t>
+            </a:r>
+            <a:r>
+              <a:rPr kumimoji="0" lang="zh-TW" altLang="zh-TW" sz="1200" b="0" i="0" u="none" strike="noStrike" cap="none" normalizeH="0" baseline="0" dirty="0">
+                <a:ln>
+                  <a:noFill/>
+                </a:ln>
+                <a:solidFill>
+                  <a:srgbClr val="A9B7C6"/>
+                </a:solidFill>
+                <a:effectLst/>
+                <a:latin typeface="Arial Unicode MS" panose="020B0604020202020204" pitchFamily="34" charset="-120"/>
+                <a:ea typeface="JetBrains Mono"/>
+              </a:rPr>
+              <a:t>(IllegalArgumentException | IllegalAccessException e) {</a:t>
+            </a:r>
+            <a:br>
+              <a:rPr kumimoji="0" lang="zh-TW" altLang="zh-TW" sz="1200" b="0" i="0" u="none" strike="noStrike" cap="none" normalizeH="0" baseline="0" dirty="0">
+                <a:ln>
+                  <a:noFill/>
+                </a:ln>
+                <a:solidFill>
+                  <a:srgbClr val="A9B7C6"/>
+                </a:solidFill>
+                <a:effectLst/>
+                <a:latin typeface="Arial Unicode MS" panose="020B0604020202020204" pitchFamily="34" charset="-120"/>
+                <a:ea typeface="JetBrains Mono"/>
+              </a:rPr>
+            </a:br>
+            <a:r>
+              <a:rPr kumimoji="0" lang="zh-TW" altLang="zh-TW" sz="1200" b="0" i="0" u="none" strike="noStrike" cap="none" normalizeH="0" baseline="0" dirty="0">
+                <a:ln>
+                  <a:noFill/>
+                </a:ln>
+                <a:solidFill>
+                  <a:srgbClr val="A9B7C6"/>
+                </a:solidFill>
+                <a:effectLst/>
+                <a:latin typeface="Arial Unicode MS" panose="020B0604020202020204" pitchFamily="34" charset="-120"/>
+                <a:ea typeface="JetBrains Mono"/>
+              </a:rPr>
+              <a:t>                </a:t>
+            </a:r>
+            <a:r>
+              <a:rPr kumimoji="0" lang="zh-TW" altLang="zh-TW" sz="1200" b="0" i="0" u="none" strike="noStrike" cap="none" normalizeH="0" baseline="0" dirty="0">
+                <a:ln>
+                  <a:noFill/>
+                </a:ln>
+                <a:solidFill>
+                  <a:srgbClr val="CC7832"/>
+                </a:solidFill>
+                <a:effectLst/>
+                <a:latin typeface="Arial Unicode MS" panose="020B0604020202020204" pitchFamily="34" charset="-120"/>
+                <a:ea typeface="JetBrains Mono"/>
+              </a:rPr>
+              <a:t>throw new </a:t>
+            </a:r>
+            <a:r>
+              <a:rPr kumimoji="0" lang="zh-TW" altLang="zh-TW" sz="1200" b="0" i="0" u="none" strike="noStrike" cap="none" normalizeH="0" baseline="0" dirty="0">
+                <a:ln>
+                  <a:noFill/>
+                </a:ln>
+                <a:solidFill>
+                  <a:srgbClr val="A9B7C6"/>
+                </a:solidFill>
+                <a:effectLst/>
+                <a:latin typeface="Arial Unicode MS" panose="020B0604020202020204" pitchFamily="34" charset="-120"/>
+                <a:ea typeface="JetBrains Mono"/>
+              </a:rPr>
+              <a:t>IllegalStateException(e)</a:t>
+            </a:r>
+            <a:r>
+              <a:rPr kumimoji="0" lang="zh-TW" altLang="zh-TW" sz="1200" b="0" i="0" u="none" strike="noStrike" cap="none" normalizeH="0" baseline="0" dirty="0">
+                <a:ln>
+                  <a:noFill/>
+                </a:ln>
+                <a:solidFill>
+                  <a:srgbClr val="CC7832"/>
+                </a:solidFill>
+                <a:effectLst/>
+                <a:latin typeface="Arial Unicode MS" panose="020B0604020202020204" pitchFamily="34" charset="-120"/>
+                <a:ea typeface="JetBrains Mono"/>
+              </a:rPr>
+              <a:t>;</a:t>
+            </a:r>
+            <a:br>
+              <a:rPr kumimoji="0" lang="zh-TW" altLang="zh-TW" sz="1200" b="0" i="0" u="none" strike="noStrike" cap="none" normalizeH="0" baseline="0" dirty="0">
+                <a:ln>
+                  <a:noFill/>
+                </a:ln>
+                <a:solidFill>
+                  <a:srgbClr val="CC7832"/>
+                </a:solidFill>
+                <a:effectLst/>
+                <a:latin typeface="Arial Unicode MS" panose="020B0604020202020204" pitchFamily="34" charset="-120"/>
+                <a:ea typeface="JetBrains Mono"/>
+              </a:rPr>
+            </a:br>
+            <a:r>
+              <a:rPr kumimoji="0" lang="zh-TW" altLang="zh-TW" sz="1200" b="0" i="0" u="none" strike="noStrike" cap="none" normalizeH="0" baseline="0" dirty="0">
+                <a:ln>
+                  <a:noFill/>
+                </a:ln>
+                <a:solidFill>
+                  <a:srgbClr val="CC7832"/>
+                </a:solidFill>
+                <a:effectLst/>
+                <a:latin typeface="Arial Unicode MS" panose="020B0604020202020204" pitchFamily="34" charset="-120"/>
+                <a:ea typeface="JetBrains Mono"/>
+              </a:rPr>
+              <a:t>            </a:t>
+            </a:r>
+            <a:r>
+              <a:rPr kumimoji="0" lang="zh-TW" altLang="zh-TW" sz="1200" b="0" i="0" u="none" strike="noStrike" cap="none" normalizeH="0" baseline="0" dirty="0">
+                <a:ln>
+                  <a:noFill/>
+                </a:ln>
+                <a:solidFill>
+                  <a:srgbClr val="A9B7C6"/>
+                </a:solidFill>
+                <a:effectLst/>
+                <a:latin typeface="Arial Unicode MS" panose="020B0604020202020204" pitchFamily="34" charset="-120"/>
+                <a:ea typeface="JetBrains Mono"/>
+              </a:rPr>
+              <a:t>}</a:t>
+            </a:r>
+            <a:br>
+              <a:rPr kumimoji="0" lang="zh-TW" altLang="zh-TW" sz="1200" b="0" i="0" u="none" strike="noStrike" cap="none" normalizeH="0" baseline="0" dirty="0">
+                <a:ln>
+                  <a:noFill/>
+                </a:ln>
+                <a:solidFill>
+                  <a:srgbClr val="A9B7C6"/>
+                </a:solidFill>
+                <a:effectLst/>
+                <a:latin typeface="Arial Unicode MS" panose="020B0604020202020204" pitchFamily="34" charset="-120"/>
+                <a:ea typeface="JetBrains Mono"/>
+              </a:rPr>
+            </a:br>
+            <a:r>
+              <a:rPr kumimoji="0" lang="zh-TW" altLang="zh-TW" sz="1200" b="0" i="0" u="none" strike="noStrike" cap="none" normalizeH="0" baseline="0" dirty="0">
+                <a:ln>
+                  <a:noFill/>
+                </a:ln>
+                <a:solidFill>
+                  <a:srgbClr val="A9B7C6"/>
+                </a:solidFill>
+                <a:effectLst/>
+                <a:latin typeface="Arial Unicode MS" panose="020B0604020202020204" pitchFamily="34" charset="-120"/>
+                <a:ea typeface="JetBrains Mono"/>
+              </a:rPr>
+              <a:t>        }</a:t>
+            </a:r>
+            <a:br>
+              <a:rPr kumimoji="0" lang="zh-TW" altLang="zh-TW" sz="1200" b="0" i="0" u="none" strike="noStrike" cap="none" normalizeH="0" baseline="0" dirty="0">
+                <a:ln>
+                  <a:noFill/>
+                </a:ln>
+                <a:solidFill>
+                  <a:srgbClr val="A9B7C6"/>
+                </a:solidFill>
+                <a:effectLst/>
+                <a:latin typeface="Arial Unicode MS" panose="020B0604020202020204" pitchFamily="34" charset="-120"/>
+                <a:ea typeface="JetBrains Mono"/>
+              </a:rPr>
+            </a:br>
+            <a:r>
+              <a:rPr kumimoji="0" lang="zh-TW" altLang="zh-TW" sz="1200" b="0" i="0" u="none" strike="noStrike" cap="none" normalizeH="0" baseline="0" dirty="0">
+                <a:ln>
+                  <a:noFill/>
+                </a:ln>
+                <a:solidFill>
+                  <a:srgbClr val="A9B7C6"/>
+                </a:solidFill>
+                <a:effectLst/>
+                <a:latin typeface="Arial Unicode MS" panose="020B0604020202020204" pitchFamily="34" charset="-120"/>
+                <a:ea typeface="JetBrains Mono"/>
+              </a:rPr>
+              <a:t>    }</a:t>
+            </a:r>
+            <a:r>
+              <a:rPr kumimoji="0" lang="zh-TW" altLang="zh-TW" sz="1200" b="0" i="0" u="none" strike="noStrike" cap="none" normalizeH="0" baseline="0" dirty="0">
+                <a:ln>
+                  <a:noFill/>
+                </a:ln>
+                <a:solidFill>
+                  <a:srgbClr val="CC7832"/>
+                </a:solidFill>
+                <a:effectLst/>
+                <a:latin typeface="Arial Unicode MS" panose="020B0604020202020204" pitchFamily="34" charset="-120"/>
+                <a:ea typeface="JetBrains Mono"/>
+              </a:rPr>
+              <a:t>;</a:t>
+            </a:r>
+            <a:br>
+              <a:rPr kumimoji="0" lang="zh-TW" altLang="zh-TW" sz="1200" b="0" i="0" u="none" strike="noStrike" cap="none" normalizeH="0" baseline="0" dirty="0">
+                <a:ln>
+                  <a:noFill/>
+                </a:ln>
+                <a:solidFill>
+                  <a:srgbClr val="CC7832"/>
+                </a:solidFill>
+                <a:effectLst/>
+                <a:latin typeface="Arial Unicode MS" panose="020B0604020202020204" pitchFamily="34" charset="-120"/>
+                <a:ea typeface="JetBrains Mono"/>
+              </a:rPr>
+            </a:br>
+            <a:r>
+              <a:rPr kumimoji="0" lang="zh-TW" altLang="zh-TW" sz="1200" b="0" i="0" u="none" strike="noStrike" cap="none" normalizeH="0" baseline="0" dirty="0">
+                <a:ln>
+                  <a:noFill/>
+                </a:ln>
+                <a:solidFill>
+                  <a:srgbClr val="A9B7C6"/>
+                </a:solidFill>
+                <a:effectLst/>
+                <a:latin typeface="Arial Unicode MS" panose="020B0604020202020204" pitchFamily="34" charset="-120"/>
+                <a:ea typeface="JetBrains Mono"/>
+              </a:rPr>
+              <a:t>}</a:t>
+            </a:r>
+            <a:endParaRPr kumimoji="0" lang="zh-TW" altLang="zh-TW" sz="1600" b="0" i="0" u="none" strike="noStrike" cap="none" normalizeH="0" baseline="0" dirty="0">
+              <a:ln>
+                <a:noFill/>
+              </a:ln>
+              <a:solidFill>
+                <a:schemeClr val="tx1"/>
+              </a:solidFill>
+              <a:effectLst/>
+              <a:latin typeface="Arial" panose="020B0604020202020204" pitchFamily="34" charset="0"/>
+            </a:endParaRPr>
+          </a:p>
+        </p:txBody>
+      </p:sp>
+    </p:spTree>
+    <p:extLst>
+      <p:ext uri="{BB962C8B-B14F-4D97-AF65-F5344CB8AC3E}">
+        <p14:creationId xmlns:p14="http://schemas.microsoft.com/office/powerpoint/2010/main" val="4201398053"/>
       </p:ext>
     </p:extLst>
   </p:cSld>
@@ -7984,216 +8741,20 @@
       </p:grpSpPr>
       <p:sp>
         <p:nvSpPr>
-          <p:cNvPr id="3" name="內容版面配置區 2">
-            <a:extLst>
-              <a:ext uri="{FF2B5EF4-FFF2-40B4-BE49-F238E27FC236}">
-                <a16:creationId xmlns:a16="http://schemas.microsoft.com/office/drawing/2014/main" id="{86501E51-419F-4466-BCD3-93662DE00470}"/>
-              </a:ext>
-            </a:extLst>
-          </p:cNvPr>
-          <p:cNvSpPr>
-            <a:spLocks noGrp="1"/>
-          </p:cNvSpPr>
-          <p:nvPr>
-            <p:ph idx="1"/>
-          </p:nvPr>
+          <p:cNvPr id="3" name="文字方塊 2">
+            <a:extLst>
+              <a:ext uri="{FF2B5EF4-FFF2-40B4-BE49-F238E27FC236}">
+                <a16:creationId xmlns:a16="http://schemas.microsoft.com/office/drawing/2014/main" id="{16EE92DD-97C4-448E-BA57-91D45BD6DBBB}"/>
+              </a:ext>
+            </a:extLst>
+          </p:cNvPr>
+          <p:cNvSpPr txBox="1"/>
+          <p:nvPr/>
         </p:nvSpPr>
         <p:spPr>
           <a:xfrm>
-            <a:off x="838200" y="415636"/>
-            <a:ext cx="10515600" cy="5761327"/>
-          </a:xfrm>
-        </p:spPr>
-        <p:txBody>
-          <a:bodyPr/>
-          <a:lstStyle/>
-          <a:p>
-            <a:pPr algn="l"/>
-            <a:r>
-              <a:rPr lang="zh-TW" altLang="en-US" sz="1800" b="1" i="0" dirty="0">
-                <a:solidFill>
-                  <a:srgbClr val="262626"/>
-                </a:solidFill>
-                <a:effectLst/>
-                <a:latin typeface="ui-sans-serif"/>
-              </a:rPr>
-              <a:t>啟動出錯</a:t>
-            </a:r>
-          </a:p>
-          <a:p>
-            <a:pPr algn="l">
-              <a:buFont typeface="Arial" panose="020B0604020202020204" pitchFamily="34" charset="0"/>
-              <a:buChar char="•"/>
-            </a:pPr>
-            <a:r>
-              <a:rPr lang="zh-TW" altLang="en-US" sz="1800" b="0" i="0" dirty="0">
-                <a:solidFill>
-                  <a:srgbClr val="262626"/>
-                </a:solidFill>
-                <a:effectLst/>
-                <a:latin typeface="ui-sans-serif"/>
-              </a:rPr>
-              <a:t>再次啟動</a:t>
-            </a:r>
-            <a:r>
-              <a:rPr lang="en-US" altLang="zh-TW" sz="1800" b="0" i="0" dirty="0" err="1">
-                <a:solidFill>
-                  <a:srgbClr val="262626"/>
-                </a:solidFill>
-                <a:effectLst/>
-                <a:latin typeface="ui-sans-serif"/>
-              </a:rPr>
-              <a:t>SpringBoot</a:t>
-            </a:r>
-            <a:r>
-              <a:rPr lang="zh-TW" altLang="en-US" sz="1800" b="0" i="0" dirty="0">
-                <a:solidFill>
-                  <a:srgbClr val="262626"/>
-                </a:solidFill>
-                <a:effectLst/>
-                <a:latin typeface="ui-sans-serif"/>
-              </a:rPr>
-              <a:t>應用後會出現一個空指針異常，一看就是</a:t>
-            </a:r>
-            <a:r>
-              <a:rPr lang="en-US" altLang="zh-TW" sz="1800" b="0" i="0" dirty="0">
-                <a:solidFill>
-                  <a:srgbClr val="262626"/>
-                </a:solidFill>
-                <a:effectLst/>
-                <a:latin typeface="ui-sans-serif"/>
-              </a:rPr>
-              <a:t>Swagger</a:t>
-            </a:r>
-            <a:r>
-              <a:rPr lang="zh-TW" altLang="en-US" sz="1800" b="0" i="0" dirty="0">
-                <a:solidFill>
-                  <a:srgbClr val="262626"/>
-                </a:solidFill>
-                <a:effectLst/>
-                <a:latin typeface="ui-sans-serif"/>
-              </a:rPr>
-              <a:t>問題，原來挺好用的</a:t>
-            </a:r>
-            <a:r>
-              <a:rPr lang="en-US" altLang="zh-TW" sz="1800" b="0" i="0" dirty="0">
-                <a:solidFill>
-                  <a:srgbClr val="262626"/>
-                </a:solidFill>
-                <a:effectLst/>
-                <a:latin typeface="ui-sans-serif"/>
-              </a:rPr>
-              <a:t>Swagger</a:t>
-            </a:r>
-            <a:r>
-              <a:rPr lang="zh-TW" altLang="en-US" sz="1800" b="0" i="0" dirty="0">
-                <a:solidFill>
-                  <a:srgbClr val="262626"/>
-                </a:solidFill>
-                <a:effectLst/>
-                <a:latin typeface="ui-sans-serif"/>
-              </a:rPr>
-              <a:t>不能用了！</a:t>
-            </a:r>
-          </a:p>
-          <a:p>
-            <a:endParaRPr lang="zh-TW" altLang="en-US" dirty="0"/>
-          </a:p>
-        </p:txBody>
-      </p:sp>
-      <p:pic>
-        <p:nvPicPr>
-          <p:cNvPr id="3076" name="Picture 4">
-            <a:extLst>
-              <a:ext uri="{FF2B5EF4-FFF2-40B4-BE49-F238E27FC236}">
-                <a16:creationId xmlns:a16="http://schemas.microsoft.com/office/drawing/2014/main" id="{FEB4C0A1-D819-405F-ACDD-042CC481C5C7}"/>
-              </a:ext>
-            </a:extLst>
-          </p:cNvPr>
-          <p:cNvPicPr>
-            <a:picLocks noChangeAspect="1" noChangeArrowheads="1"/>
-          </p:cNvPicPr>
-          <p:nvPr/>
-        </p:nvPicPr>
-        <p:blipFill>
-          <a:blip r:embed="rId2">
-            <a:extLst>
-              <a:ext uri="{28A0092B-C50C-407E-A947-70E740481C1C}">
-                <a14:useLocalDpi xmlns:a14="http://schemas.microsoft.com/office/drawing/2010/main" val="0"/>
-              </a:ext>
-            </a:extLst>
-          </a:blip>
-          <a:srcRect/>
-          <a:stretch>
-            <a:fillRect/>
-          </a:stretch>
-        </p:blipFill>
-        <p:spPr bwMode="auto">
-          <a:xfrm>
-            <a:off x="1157283" y="1462087"/>
-            <a:ext cx="10277475" cy="3933825"/>
-          </a:xfrm>
-          <a:prstGeom prst="rect">
-            <a:avLst/>
-          </a:prstGeom>
-          <a:noFill/>
-          <a:extLst>
-            <a:ext uri="{909E8E84-426E-40DD-AFC4-6F175D3DCCD1}">
-              <a14:hiddenFill xmlns:a14="http://schemas.microsoft.com/office/drawing/2010/main">
-                <a:solidFill>
-                  <a:srgbClr val="FFFFFF"/>
-                </a:solidFill>
-              </a14:hiddenFill>
-            </a:ext>
-          </a:extLst>
-        </p:spPr>
-      </p:pic>
-    </p:spTree>
-    <p:extLst>
-      <p:ext uri="{BB962C8B-B14F-4D97-AF65-F5344CB8AC3E}">
-        <p14:creationId xmlns:p14="http://schemas.microsoft.com/office/powerpoint/2010/main" val="2685836123"/>
-      </p:ext>
-    </p:extLst>
-  </p:cSld>
-  <p:clrMapOvr>
-    <a:masterClrMapping/>
-  </p:clrMapOvr>
-</p:sld>
-</file>
-
-<file path=ppt/slides/slide9.xml><?xml version="1.0" encoding="utf-8"?>
-<p:sld xmlns:a="http://schemas.openxmlformats.org/drawingml/2006/main" xmlns:r="http://schemas.openxmlformats.org/officeDocument/2006/relationships" xmlns:p="http://schemas.openxmlformats.org/presentationml/2006/main">
-  <p:cSld>
-    <p:spTree>
-      <p:nvGrpSpPr>
-        <p:cNvPr id="1" name=""/>
-        <p:cNvGrpSpPr/>
-        <p:nvPr/>
-      </p:nvGrpSpPr>
-      <p:grpSpPr>
-        <a:xfrm>
-          <a:off x="0" y="0"/>
-          <a:ext cx="0" cy="0"/>
-          <a:chOff x="0" y="0"/>
-          <a:chExt cx="0" cy="0"/>
-        </a:xfrm>
-      </p:grpSpPr>
-      <p:sp>
-        <p:nvSpPr>
-          <p:cNvPr id="5" name="文字方塊 4">
-            <a:extLst>
-              <a:ext uri="{FF2B5EF4-FFF2-40B4-BE49-F238E27FC236}">
-                <a16:creationId xmlns:a16="http://schemas.microsoft.com/office/drawing/2014/main" id="{B5BBA5F6-381E-4DD6-BEE4-305805540B70}"/>
-              </a:ext>
-            </a:extLst>
-          </p:cNvPr>
-          <p:cNvSpPr txBox="1"/>
-          <p:nvPr/>
-        </p:nvSpPr>
-        <p:spPr>
-          <a:xfrm>
-            <a:off x="769528" y="237483"/>
-            <a:ext cx="6094428" cy="369332"/>
+            <a:off x="638002" y="279508"/>
+            <a:ext cx="10883437" cy="646331"/>
           </a:xfrm>
           <a:prstGeom prst="rect">
             <a:avLst/>
@@ -8212,9 +8773,10 @@
                   <a:srgbClr val="262626"/>
                 </a:solidFill>
                 <a:effectLst/>
-                <a:latin typeface="ui-sans-serif"/>
-              </a:rPr>
-              <a:t>1.</a:t>
+                <a:latin typeface="標楷體" panose="03000509000000000000" pitchFamily="65" charset="-120"/>
+                <a:ea typeface="標楷體" panose="03000509000000000000" pitchFamily="65" charset="-120"/>
+              </a:rPr>
+              <a:t>2.</a:t>
             </a:r>
             <a:r>
               <a:rPr lang="zh-TW" altLang="en-US" b="0" i="0" dirty="0">
@@ -8222,9 +8784,10 @@
                   <a:srgbClr val="262626"/>
                 </a:solidFill>
                 <a:effectLst/>
-                <a:latin typeface="ui-sans-serif"/>
-              </a:rPr>
-              <a:t>在</a:t>
+                <a:latin typeface="標楷體" panose="03000509000000000000" pitchFamily="65" charset="-120"/>
+                <a:ea typeface="標楷體" panose="03000509000000000000" pitchFamily="65" charset="-120"/>
+              </a:rPr>
+              <a:t>修改</a:t>
             </a:r>
             <a:r>
               <a:rPr lang="en-US" altLang="zh-TW" b="0" i="0" dirty="0">
@@ -8232,9 +8795,10 @@
                   <a:srgbClr val="262626"/>
                 </a:solidFill>
                 <a:effectLst/>
-                <a:latin typeface="ui-sans-serif"/>
-              </a:rPr>
-              <a:t>Swagger</a:t>
+                <a:latin typeface="標楷體" panose="03000509000000000000" pitchFamily="65" charset="-120"/>
+                <a:ea typeface="標楷體" panose="03000509000000000000" pitchFamily="65" charset="-120"/>
+              </a:rPr>
+              <a:t>application. properties</a:t>
             </a:r>
             <a:r>
               <a:rPr lang="zh-TW" altLang="en-US" b="0" i="0" dirty="0">
@@ -8242,9 +8806,10 @@
                   <a:srgbClr val="262626"/>
                 </a:solidFill>
                 <a:effectLst/>
-                <a:latin typeface="ui-sans-serif"/>
-              </a:rPr>
-              <a:t>的配置類中添加如下</a:t>
+                <a:latin typeface="標楷體" panose="03000509000000000000" pitchFamily="65" charset="-120"/>
+                <a:ea typeface="標楷體" panose="03000509000000000000" pitchFamily="65" charset="-120"/>
+              </a:rPr>
+              <a:t>檔案，</a:t>
             </a:r>
             <a:r>
               <a:rPr lang="en-US" altLang="zh-TW" b="0" i="0" dirty="0">
@@ -8252,9 +8817,10 @@
                   <a:srgbClr val="262626"/>
                 </a:solidFill>
                 <a:effectLst/>
-                <a:latin typeface="ui-sans-serif"/>
-              </a:rPr>
-              <a:t>Bean</a:t>
+                <a:latin typeface="標楷體" panose="03000509000000000000" pitchFamily="65" charset="-120"/>
+                <a:ea typeface="標楷體" panose="03000509000000000000" pitchFamily="65" charset="-120"/>
+              </a:rPr>
+              <a:t>MVC</a:t>
             </a:r>
             <a:r>
               <a:rPr lang="zh-TW" altLang="en-US" b="0" i="0" dirty="0">
@@ -8262,20 +8828,68 @@
                   <a:srgbClr val="262626"/>
                 </a:solidFill>
                 <a:effectLst/>
-                <a:latin typeface="ui-sans-serif"/>
-              </a:rPr>
-              <a:t>可以解決該問題；</a:t>
-            </a:r>
-            <a:endParaRPr lang="zh-TW" altLang="en-US" dirty="0"/>
-          </a:p>
-        </p:txBody>
-      </p:sp>
-      <p:sp>
-        <p:nvSpPr>
-          <p:cNvPr id="6" name="Rectangle 1">
-            <a:extLst>
-              <a:ext uri="{FF2B5EF4-FFF2-40B4-BE49-F238E27FC236}">
-                <a16:creationId xmlns:a16="http://schemas.microsoft.com/office/drawing/2014/main" id="{3AA10401-A50C-479C-BE08-6E659A2F513D}"/>
+                <a:latin typeface="標楷體" panose="03000509000000000000" pitchFamily="65" charset="-120"/>
+                <a:ea typeface="標楷體" panose="03000509000000000000" pitchFamily="65" charset="-120"/>
+              </a:rPr>
+              <a:t>預設的路徑比對政策為</a:t>
+            </a:r>
+            <a:r>
+              <a:rPr lang="en-US" altLang="zh-TW" b="0" i="0" dirty="0">
+                <a:solidFill>
+                  <a:srgbClr val="262626"/>
+                </a:solidFill>
+                <a:effectLst/>
+                <a:latin typeface="標楷體" panose="03000509000000000000" pitchFamily="65" charset="-120"/>
+                <a:ea typeface="標楷體" panose="03000509000000000000" pitchFamily="65" charset="-120"/>
+              </a:rPr>
+              <a:t>PATH_PATTERN_PARSER</a:t>
+            </a:r>
+            <a:r>
+              <a:rPr lang="zh-TW" altLang="en-US" b="0" i="0" dirty="0">
+                <a:solidFill>
+                  <a:srgbClr val="262626"/>
+                </a:solidFill>
+                <a:effectLst/>
+                <a:latin typeface="標楷體" panose="03000509000000000000" pitchFamily="65" charset="-120"/>
+                <a:ea typeface="標楷體" panose="03000509000000000000" pitchFamily="65" charset="-120"/>
+              </a:rPr>
+              <a:t>，需要修改為</a:t>
+            </a:r>
+            <a:r>
+              <a:rPr lang="en-US" altLang="zh-TW" b="0" i="0" dirty="0">
+                <a:solidFill>
+                  <a:srgbClr val="262626"/>
+                </a:solidFill>
+                <a:effectLst/>
+                <a:latin typeface="標楷體" panose="03000509000000000000" pitchFamily="65" charset="-120"/>
+                <a:ea typeface="標楷體" panose="03000509000000000000" pitchFamily="65" charset="-120"/>
+              </a:rPr>
+              <a:t>ANT_PATH_MATCHER</a:t>
+            </a:r>
+            <a:r>
+              <a:rPr lang="zh-TW" altLang="en-US" b="0" i="0" dirty="0">
+                <a:solidFill>
+                  <a:srgbClr val="262626"/>
+                </a:solidFill>
+                <a:effectLst/>
+                <a:latin typeface="標楷體" panose="03000509000000000000" pitchFamily="65" charset="-120"/>
+                <a:ea typeface="標楷體" panose="03000509000000000000" pitchFamily="65" charset="-120"/>
+              </a:rPr>
+              <a:t>；</a:t>
+            </a:r>
+            <a:endParaRPr lang="zh-TW" altLang="en-US" dirty="0">
+              <a:latin typeface="標楷體" panose="03000509000000000000" pitchFamily="65" charset="-120"/>
+              <a:ea typeface="標楷體" panose="03000509000000000000" pitchFamily="65" charset="-120"/>
+            </a:endParaRPr>
+          </a:p>
+        </p:txBody>
+      </p:sp>
+      <p:sp>
+        <p:nvSpPr>
+          <p:cNvPr id="4" name="Rectangle 1">
+            <a:extLst>
+              <a:ext uri="{FF2B5EF4-FFF2-40B4-BE49-F238E27FC236}">
+                <a16:creationId xmlns:a16="http://schemas.microsoft.com/office/drawing/2014/main" id="{0763B7E4-A98C-4B49-AC40-B79C280B3D63}"/>
               </a:ext>
             </a:extLst>
           </p:cNvPr>
@@ -8286,8 +8900,8 @@
         </p:nvSpPr>
         <p:spPr bwMode="auto">
           <a:xfrm>
-            <a:off x="769528" y="606815"/>
-            <a:ext cx="9609513" cy="6186309"/>
+            <a:off x="638002" y="1138123"/>
+            <a:ext cx="4998027" cy="292388"/>
           </a:xfrm>
           <a:prstGeom prst="rect">
             <a:avLst/>
@@ -8347,34 +8961,7 @@
               <a:tabLst/>
             </a:pPr>
             <a:r>
-              <a:rPr kumimoji="0" lang="zh-TW" altLang="zh-TW" sz="1200" b="0" i="0" u="none" strike="noStrike" cap="none" normalizeH="0" baseline="0" dirty="0">
-                <a:ln>
-                  <a:noFill/>
-                </a:ln>
-                <a:solidFill>
-                  <a:srgbClr val="BBB529"/>
-                </a:solidFill>
-                <a:effectLst/>
-                <a:latin typeface="Arial Unicode MS" panose="020B0604020202020204" pitchFamily="34" charset="-120"/>
-                <a:ea typeface="JetBrains Mono"/>
-              </a:rPr>
-              <a:t>@Bean</a:t>
-            </a:r>
-            <a:br>
-              <a:rPr kumimoji="0" lang="zh-TW" altLang="zh-TW" sz="1200" b="0" i="0" u="none" strike="noStrike" cap="none" normalizeH="0" baseline="0" dirty="0">
-                <a:ln>
-                  <a:noFill/>
-                </a:ln>
-                <a:solidFill>
-                  <a:srgbClr val="BBB529"/>
-                </a:solidFill>
-                <a:effectLst/>
-                <a:latin typeface="Arial Unicode MS" panose="020B0604020202020204" pitchFamily="34" charset="-120"/>
-                <a:ea typeface="JetBrains Mono"/>
-              </a:rPr>
-            </a:br>
-            <a:r>
-              <a:rPr kumimoji="0" lang="zh-TW" altLang="zh-TW" sz="1200" b="0" i="0" u="none" strike="noStrike" cap="none" normalizeH="0" baseline="0" dirty="0">
+              <a:rPr kumimoji="0" lang="zh-TW" altLang="zh-TW" sz="1300" b="0" i="0" u="none" strike="noStrike" cap="none" normalizeH="0" baseline="0">
                 <a:ln>
                   <a:noFill/>
                 </a:ln>
@@ -8385,1181 +8972,24 @@
                 <a:latin typeface="Arial Unicode MS" panose="020B0604020202020204" pitchFamily="34" charset="-120"/>
                 <a:ea typeface="JetBrains Mono"/>
               </a:rPr>
-              <a:t>public static </a:t>
-            </a:r>
-            <a:r>
-              <a:rPr kumimoji="0" lang="zh-TW" altLang="zh-TW" sz="1200" b="0" i="0" u="none" strike="noStrike" cap="none" normalizeH="0" baseline="0" dirty="0">
-                <a:ln>
-                  <a:noFill/>
-                </a:ln>
-                <a:solidFill>
-                  <a:srgbClr val="A9B7C6"/>
-                </a:solidFill>
-                <a:effectLst/>
-                <a:latin typeface="Arial Unicode MS" panose="020B0604020202020204" pitchFamily="34" charset="-120"/>
-                <a:ea typeface="JetBrains Mono"/>
-              </a:rPr>
-              <a:t>BeanPostProcessor </a:t>
-            </a:r>
-            <a:r>
-              <a:rPr kumimoji="0" lang="zh-TW" altLang="zh-TW" sz="1200" b="0" i="0" u="none" strike="noStrike" cap="none" normalizeH="0" baseline="0" dirty="0">
-                <a:ln>
-                  <a:noFill/>
-                </a:ln>
-                <a:solidFill>
-                  <a:srgbClr val="FFC66D"/>
-                </a:solidFill>
-                <a:effectLst/>
-                <a:latin typeface="Arial Unicode MS" panose="020B0604020202020204" pitchFamily="34" charset="-120"/>
-                <a:ea typeface="JetBrains Mono"/>
-              </a:rPr>
-              <a:t>springfoxHandlerProviderBeanPostProcessor</a:t>
-            </a:r>
-            <a:r>
-              <a:rPr kumimoji="0" lang="zh-TW" altLang="zh-TW" sz="1200" b="0" i="0" u="none" strike="noStrike" cap="none" normalizeH="0" baseline="0" dirty="0">
-                <a:ln>
-                  <a:noFill/>
-                </a:ln>
-                <a:solidFill>
-                  <a:srgbClr val="A9B7C6"/>
-                </a:solidFill>
-                <a:effectLst/>
-                <a:latin typeface="Arial Unicode MS" panose="020B0604020202020204" pitchFamily="34" charset="-120"/>
-                <a:ea typeface="JetBrains Mono"/>
-              </a:rPr>
-              <a:t>() {</a:t>
-            </a:r>
-            <a:br>
-              <a:rPr kumimoji="0" lang="zh-TW" altLang="zh-TW" sz="1200" b="0" i="0" u="none" strike="noStrike" cap="none" normalizeH="0" baseline="0" dirty="0">
-                <a:ln>
-                  <a:noFill/>
-                </a:ln>
-                <a:solidFill>
-                  <a:srgbClr val="A9B7C6"/>
-                </a:solidFill>
-                <a:effectLst/>
-                <a:latin typeface="Arial Unicode MS" panose="020B0604020202020204" pitchFamily="34" charset="-120"/>
-                <a:ea typeface="JetBrains Mono"/>
-              </a:rPr>
-            </a:br>
-            <a:r>
-              <a:rPr kumimoji="0" lang="zh-TW" altLang="zh-TW" sz="1200" b="0" i="0" u="none" strike="noStrike" cap="none" normalizeH="0" baseline="0" dirty="0">
-                <a:ln>
-                  <a:noFill/>
-                </a:ln>
-                <a:solidFill>
-                  <a:srgbClr val="A9B7C6"/>
-                </a:solidFill>
-                <a:effectLst/>
-                <a:latin typeface="Arial Unicode MS" panose="020B0604020202020204" pitchFamily="34" charset="-120"/>
-                <a:ea typeface="JetBrains Mono"/>
-              </a:rPr>
-              <a:t>    </a:t>
-            </a:r>
-            <a:r>
-              <a:rPr kumimoji="0" lang="zh-TW" altLang="zh-TW" sz="1200" b="0" i="0" u="none" strike="noStrike" cap="none" normalizeH="0" baseline="0" dirty="0">
-                <a:ln>
-                  <a:noFill/>
-                </a:ln>
-                <a:solidFill>
-                  <a:srgbClr val="CC7832"/>
-                </a:solidFill>
-                <a:effectLst/>
-                <a:latin typeface="Arial Unicode MS" panose="020B0604020202020204" pitchFamily="34" charset="-120"/>
-                <a:ea typeface="JetBrains Mono"/>
-              </a:rPr>
-              <a:t>return new </a:t>
-            </a:r>
-            <a:r>
-              <a:rPr kumimoji="0" lang="zh-TW" altLang="zh-TW" sz="1200" b="0" i="0" u="none" strike="noStrike" cap="none" normalizeH="0" baseline="0" dirty="0">
-                <a:ln>
-                  <a:noFill/>
-                </a:ln>
-                <a:solidFill>
-                  <a:srgbClr val="A9B7C6"/>
-                </a:solidFill>
-                <a:effectLst/>
-                <a:latin typeface="Arial Unicode MS" panose="020B0604020202020204" pitchFamily="34" charset="-120"/>
-                <a:ea typeface="JetBrains Mono"/>
-              </a:rPr>
-              <a:t>BeanPostProcessor() {</a:t>
-            </a:r>
-            <a:br>
-              <a:rPr kumimoji="0" lang="zh-TW" altLang="zh-TW" sz="1200" b="0" i="0" u="none" strike="noStrike" cap="none" normalizeH="0" baseline="0" dirty="0">
-                <a:ln>
-                  <a:noFill/>
-                </a:ln>
-                <a:solidFill>
-                  <a:srgbClr val="A9B7C6"/>
-                </a:solidFill>
-                <a:effectLst/>
-                <a:latin typeface="Arial Unicode MS" panose="020B0604020202020204" pitchFamily="34" charset="-120"/>
-                <a:ea typeface="JetBrains Mono"/>
-              </a:rPr>
-            </a:br>
-            <a:br>
-              <a:rPr kumimoji="0" lang="zh-TW" altLang="zh-TW" sz="1200" b="0" i="0" u="none" strike="noStrike" cap="none" normalizeH="0" baseline="0" dirty="0">
-                <a:ln>
-                  <a:noFill/>
-                </a:ln>
-                <a:solidFill>
-                  <a:srgbClr val="A9B7C6"/>
-                </a:solidFill>
-                <a:effectLst/>
-                <a:latin typeface="Arial Unicode MS" panose="020B0604020202020204" pitchFamily="34" charset="-120"/>
-                <a:ea typeface="JetBrains Mono"/>
-              </a:rPr>
-            </a:br>
-            <a:r>
-              <a:rPr kumimoji="0" lang="zh-TW" altLang="zh-TW" sz="1200" b="0" i="0" u="none" strike="noStrike" cap="none" normalizeH="0" baseline="0" dirty="0">
-                <a:ln>
-                  <a:noFill/>
-                </a:ln>
-                <a:solidFill>
-                  <a:srgbClr val="A9B7C6"/>
-                </a:solidFill>
-                <a:effectLst/>
-                <a:latin typeface="Arial Unicode MS" panose="020B0604020202020204" pitchFamily="34" charset="-120"/>
-                <a:ea typeface="JetBrains Mono"/>
-              </a:rPr>
-              <a:t>        </a:t>
-            </a:r>
-            <a:r>
-              <a:rPr kumimoji="0" lang="zh-TW" altLang="zh-TW" sz="1200" b="0" i="0" u="none" strike="noStrike" cap="none" normalizeH="0" baseline="0" dirty="0">
-                <a:ln>
-                  <a:noFill/>
-                </a:ln>
-                <a:solidFill>
-                  <a:srgbClr val="BBB529"/>
-                </a:solidFill>
-                <a:effectLst/>
-                <a:latin typeface="Arial Unicode MS" panose="020B0604020202020204" pitchFamily="34" charset="-120"/>
-                <a:ea typeface="JetBrains Mono"/>
-              </a:rPr>
-              <a:t>@Override</a:t>
-            </a:r>
-            <a:br>
-              <a:rPr kumimoji="0" lang="zh-TW" altLang="zh-TW" sz="1200" b="0" i="0" u="none" strike="noStrike" cap="none" normalizeH="0" baseline="0" dirty="0">
-                <a:ln>
-                  <a:noFill/>
-                </a:ln>
-                <a:solidFill>
-                  <a:srgbClr val="BBB529"/>
-                </a:solidFill>
-                <a:effectLst/>
-                <a:latin typeface="Arial Unicode MS" panose="020B0604020202020204" pitchFamily="34" charset="-120"/>
-                <a:ea typeface="JetBrains Mono"/>
-              </a:rPr>
-            </a:br>
-            <a:r>
-              <a:rPr kumimoji="0" lang="zh-TW" altLang="zh-TW" sz="1200" b="0" i="0" u="none" strike="noStrike" cap="none" normalizeH="0" baseline="0" dirty="0">
-                <a:ln>
-                  <a:noFill/>
-                </a:ln>
-                <a:solidFill>
-                  <a:srgbClr val="BBB529"/>
-                </a:solidFill>
-                <a:effectLst/>
-                <a:latin typeface="Arial Unicode MS" panose="020B0604020202020204" pitchFamily="34" charset="-120"/>
-                <a:ea typeface="JetBrains Mono"/>
-              </a:rPr>
-              <a:t>        </a:t>
-            </a:r>
-            <a:r>
-              <a:rPr kumimoji="0" lang="zh-TW" altLang="zh-TW" sz="1200" b="0" i="0" u="none" strike="noStrike" cap="none" normalizeH="0" baseline="0" dirty="0">
-                <a:ln>
-                  <a:noFill/>
-                </a:ln>
-                <a:solidFill>
-                  <a:srgbClr val="CC7832"/>
-                </a:solidFill>
-                <a:effectLst/>
-                <a:latin typeface="Arial Unicode MS" panose="020B0604020202020204" pitchFamily="34" charset="-120"/>
-                <a:ea typeface="JetBrains Mono"/>
-              </a:rPr>
-              <a:t>public </a:t>
-            </a:r>
-            <a:r>
-              <a:rPr kumimoji="0" lang="zh-TW" altLang="zh-TW" sz="1200" b="0" i="0" u="none" strike="noStrike" cap="none" normalizeH="0" baseline="0" dirty="0">
-                <a:ln>
-                  <a:noFill/>
-                </a:ln>
-                <a:solidFill>
-                  <a:srgbClr val="A9B7C6"/>
-                </a:solidFill>
-                <a:effectLst/>
-                <a:latin typeface="Arial Unicode MS" panose="020B0604020202020204" pitchFamily="34" charset="-120"/>
-                <a:ea typeface="JetBrains Mono"/>
-              </a:rPr>
-              <a:t>Object </a:t>
-            </a:r>
-            <a:r>
-              <a:rPr kumimoji="0" lang="zh-TW" altLang="zh-TW" sz="1200" b="0" i="0" u="none" strike="noStrike" cap="none" normalizeH="0" baseline="0" dirty="0">
-                <a:ln>
-                  <a:noFill/>
-                </a:ln>
-                <a:solidFill>
-                  <a:srgbClr val="FFC66D"/>
-                </a:solidFill>
-                <a:effectLst/>
-                <a:latin typeface="Arial Unicode MS" panose="020B0604020202020204" pitchFamily="34" charset="-120"/>
-                <a:ea typeface="JetBrains Mono"/>
-              </a:rPr>
-              <a:t>postProcessAfterInitialization</a:t>
-            </a:r>
-            <a:r>
-              <a:rPr kumimoji="0" lang="zh-TW" altLang="zh-TW" sz="1200" b="0" i="0" u="none" strike="noStrike" cap="none" normalizeH="0" baseline="0" dirty="0">
-                <a:ln>
-                  <a:noFill/>
-                </a:ln>
-                <a:solidFill>
-                  <a:srgbClr val="A9B7C6"/>
-                </a:solidFill>
-                <a:effectLst/>
-                <a:latin typeface="Arial Unicode MS" panose="020B0604020202020204" pitchFamily="34" charset="-120"/>
-                <a:ea typeface="JetBrains Mono"/>
-              </a:rPr>
-              <a:t>(Object bean</a:t>
-            </a:r>
-            <a:r>
-              <a:rPr kumimoji="0" lang="zh-TW" altLang="zh-TW" sz="1200" b="0" i="0" u="none" strike="noStrike" cap="none" normalizeH="0" baseline="0" dirty="0">
-                <a:ln>
-                  <a:noFill/>
-                </a:ln>
-                <a:solidFill>
-                  <a:srgbClr val="CC7832"/>
-                </a:solidFill>
-                <a:effectLst/>
-                <a:latin typeface="Arial Unicode MS" panose="020B0604020202020204" pitchFamily="34" charset="-120"/>
-                <a:ea typeface="JetBrains Mono"/>
-              </a:rPr>
-              <a:t>, </a:t>
-            </a:r>
-            <a:r>
-              <a:rPr kumimoji="0" lang="zh-TW" altLang="zh-TW" sz="1200" b="0" i="0" u="none" strike="noStrike" cap="none" normalizeH="0" baseline="0" dirty="0">
-                <a:ln>
-                  <a:noFill/>
-                </a:ln>
-                <a:solidFill>
-                  <a:srgbClr val="A9B7C6"/>
-                </a:solidFill>
-                <a:effectLst/>
-                <a:latin typeface="Arial Unicode MS" panose="020B0604020202020204" pitchFamily="34" charset="-120"/>
-                <a:ea typeface="JetBrains Mono"/>
-              </a:rPr>
-              <a:t>String beanName) </a:t>
-            </a:r>
-            <a:r>
-              <a:rPr kumimoji="0" lang="zh-TW" altLang="zh-TW" sz="1200" b="0" i="0" u="none" strike="noStrike" cap="none" normalizeH="0" baseline="0" dirty="0">
-                <a:ln>
-                  <a:noFill/>
-                </a:ln>
-                <a:solidFill>
-                  <a:srgbClr val="CC7832"/>
-                </a:solidFill>
-                <a:effectLst/>
-                <a:latin typeface="Arial Unicode MS" panose="020B0604020202020204" pitchFamily="34" charset="-120"/>
-                <a:ea typeface="JetBrains Mono"/>
-              </a:rPr>
-              <a:t>throws </a:t>
-            </a:r>
-            <a:r>
-              <a:rPr kumimoji="0" lang="zh-TW" altLang="zh-TW" sz="1200" b="0" i="0" u="none" strike="noStrike" cap="none" normalizeH="0" baseline="0" dirty="0">
-                <a:ln>
-                  <a:noFill/>
-                </a:ln>
-                <a:solidFill>
-                  <a:srgbClr val="A9B7C6"/>
-                </a:solidFill>
-                <a:effectLst/>
-                <a:latin typeface="Arial Unicode MS" panose="020B0604020202020204" pitchFamily="34" charset="-120"/>
-                <a:ea typeface="JetBrains Mono"/>
-              </a:rPr>
-              <a:t>BeansException {</a:t>
-            </a:r>
-            <a:br>
-              <a:rPr kumimoji="0" lang="zh-TW" altLang="zh-TW" sz="1200" b="0" i="0" u="none" strike="noStrike" cap="none" normalizeH="0" baseline="0" dirty="0">
-                <a:ln>
-                  <a:noFill/>
-                </a:ln>
-                <a:solidFill>
-                  <a:srgbClr val="A9B7C6"/>
-                </a:solidFill>
-                <a:effectLst/>
-                <a:latin typeface="Arial Unicode MS" panose="020B0604020202020204" pitchFamily="34" charset="-120"/>
-                <a:ea typeface="JetBrains Mono"/>
-              </a:rPr>
-            </a:br>
-            <a:r>
-              <a:rPr kumimoji="0" lang="zh-TW" altLang="zh-TW" sz="1200" b="0" i="0" u="none" strike="noStrike" cap="none" normalizeH="0" baseline="0" dirty="0">
-                <a:ln>
-                  <a:noFill/>
-                </a:ln>
-                <a:solidFill>
-                  <a:srgbClr val="A9B7C6"/>
-                </a:solidFill>
-                <a:effectLst/>
-                <a:latin typeface="Arial Unicode MS" panose="020B0604020202020204" pitchFamily="34" charset="-120"/>
-                <a:ea typeface="JetBrains Mono"/>
-              </a:rPr>
-              <a:t>            </a:t>
-            </a:r>
-            <a:r>
-              <a:rPr kumimoji="0" lang="zh-TW" altLang="zh-TW" sz="1200" b="0" i="0" u="none" strike="noStrike" cap="none" normalizeH="0" baseline="0" dirty="0">
-                <a:ln>
-                  <a:noFill/>
-                </a:ln>
-                <a:solidFill>
-                  <a:srgbClr val="CC7832"/>
-                </a:solidFill>
-                <a:effectLst/>
-                <a:latin typeface="Arial Unicode MS" panose="020B0604020202020204" pitchFamily="34" charset="-120"/>
-                <a:ea typeface="JetBrains Mono"/>
-              </a:rPr>
-              <a:t>if </a:t>
-            </a:r>
-            <a:r>
-              <a:rPr kumimoji="0" lang="zh-TW" altLang="zh-TW" sz="1200" b="0" i="0" u="none" strike="noStrike" cap="none" normalizeH="0" baseline="0" dirty="0">
-                <a:ln>
-                  <a:noFill/>
-                </a:ln>
-                <a:solidFill>
-                  <a:srgbClr val="A9B7C6"/>
-                </a:solidFill>
-                <a:effectLst/>
-                <a:latin typeface="Arial Unicode MS" panose="020B0604020202020204" pitchFamily="34" charset="-120"/>
-                <a:ea typeface="JetBrains Mono"/>
-              </a:rPr>
-              <a:t>(bean </a:t>
-            </a:r>
-            <a:r>
-              <a:rPr kumimoji="0" lang="zh-TW" altLang="zh-TW" sz="1200" b="0" i="0" u="none" strike="noStrike" cap="none" normalizeH="0" baseline="0" dirty="0">
-                <a:ln>
-                  <a:noFill/>
-                </a:ln>
-                <a:solidFill>
-                  <a:srgbClr val="CC7832"/>
-                </a:solidFill>
-                <a:effectLst/>
-                <a:latin typeface="Arial Unicode MS" panose="020B0604020202020204" pitchFamily="34" charset="-120"/>
-                <a:ea typeface="JetBrains Mono"/>
-              </a:rPr>
-              <a:t>instanceof </a:t>
-            </a:r>
-            <a:r>
-              <a:rPr kumimoji="0" lang="zh-TW" altLang="zh-TW" sz="1200" b="0" i="0" u="none" strike="noStrike" cap="none" normalizeH="0" baseline="0" dirty="0">
-                <a:ln>
-                  <a:noFill/>
-                </a:ln>
-                <a:solidFill>
-                  <a:srgbClr val="A9B7C6"/>
-                </a:solidFill>
-                <a:effectLst/>
-                <a:latin typeface="Arial Unicode MS" panose="020B0604020202020204" pitchFamily="34" charset="-120"/>
-                <a:ea typeface="JetBrains Mono"/>
-              </a:rPr>
-              <a:t>WebMvcRequestHandlerProvider || bean </a:t>
-            </a:r>
-            <a:r>
-              <a:rPr kumimoji="0" lang="zh-TW" altLang="zh-TW" sz="1200" b="0" i="0" u="none" strike="noStrike" cap="none" normalizeH="0" baseline="0" dirty="0">
-                <a:ln>
-                  <a:noFill/>
-                </a:ln>
-                <a:solidFill>
-                  <a:srgbClr val="CC7832"/>
-                </a:solidFill>
-                <a:effectLst/>
-                <a:latin typeface="Arial Unicode MS" panose="020B0604020202020204" pitchFamily="34" charset="-120"/>
-                <a:ea typeface="JetBrains Mono"/>
-              </a:rPr>
-              <a:t>instanceof </a:t>
-            </a:r>
-            <a:r>
-              <a:rPr kumimoji="0" lang="zh-TW" altLang="zh-TW" sz="1200" b="0" i="0" u="none" strike="noStrike" cap="none" normalizeH="0" baseline="0" dirty="0">
-                <a:ln>
-                  <a:noFill/>
-                </a:ln>
-                <a:solidFill>
-                  <a:srgbClr val="A9B7C6"/>
-                </a:solidFill>
-                <a:effectLst/>
-                <a:latin typeface="Arial Unicode MS" panose="020B0604020202020204" pitchFamily="34" charset="-120"/>
-                <a:ea typeface="JetBrains Mono"/>
-              </a:rPr>
-              <a:t>WebFluxRequestHandlerProvider) {</a:t>
-            </a:r>
-            <a:br>
-              <a:rPr kumimoji="0" lang="zh-TW" altLang="zh-TW" sz="1200" b="0" i="0" u="none" strike="noStrike" cap="none" normalizeH="0" baseline="0" dirty="0">
-                <a:ln>
-                  <a:noFill/>
-                </a:ln>
-                <a:solidFill>
-                  <a:srgbClr val="A9B7C6"/>
-                </a:solidFill>
-                <a:effectLst/>
-                <a:latin typeface="Arial Unicode MS" panose="020B0604020202020204" pitchFamily="34" charset="-120"/>
-                <a:ea typeface="JetBrains Mono"/>
-              </a:rPr>
-            </a:br>
-            <a:r>
-              <a:rPr kumimoji="0" lang="zh-TW" altLang="zh-TW" sz="1200" b="0" i="0" u="none" strike="noStrike" cap="none" normalizeH="0" baseline="0" dirty="0">
-                <a:ln>
-                  <a:noFill/>
-                </a:ln>
-                <a:solidFill>
-                  <a:srgbClr val="A9B7C6"/>
-                </a:solidFill>
-                <a:effectLst/>
-                <a:latin typeface="Arial Unicode MS" panose="020B0604020202020204" pitchFamily="34" charset="-120"/>
-                <a:ea typeface="JetBrains Mono"/>
-              </a:rPr>
-              <a:t>                customizeSpringfoxHandlerMappings(getHandlerMappings(bean))</a:t>
-            </a:r>
-            <a:r>
-              <a:rPr kumimoji="0" lang="zh-TW" altLang="zh-TW" sz="1200" b="0" i="0" u="none" strike="noStrike" cap="none" normalizeH="0" baseline="0" dirty="0">
-                <a:ln>
-                  <a:noFill/>
-                </a:ln>
-                <a:solidFill>
-                  <a:srgbClr val="CC7832"/>
-                </a:solidFill>
-                <a:effectLst/>
-                <a:latin typeface="Arial Unicode MS" panose="020B0604020202020204" pitchFamily="34" charset="-120"/>
-                <a:ea typeface="JetBrains Mono"/>
-              </a:rPr>
-              <a:t>;</a:t>
-            </a:r>
-            <a:br>
-              <a:rPr kumimoji="0" lang="zh-TW" altLang="zh-TW" sz="1200" b="0" i="0" u="none" strike="noStrike" cap="none" normalizeH="0" baseline="0" dirty="0">
-                <a:ln>
-                  <a:noFill/>
-                </a:ln>
-                <a:solidFill>
-                  <a:srgbClr val="CC7832"/>
-                </a:solidFill>
-                <a:effectLst/>
-                <a:latin typeface="Arial Unicode MS" panose="020B0604020202020204" pitchFamily="34" charset="-120"/>
-                <a:ea typeface="JetBrains Mono"/>
-              </a:rPr>
-            </a:br>
-            <a:r>
-              <a:rPr kumimoji="0" lang="zh-TW" altLang="zh-TW" sz="1200" b="0" i="0" u="none" strike="noStrike" cap="none" normalizeH="0" baseline="0" dirty="0">
-                <a:ln>
-                  <a:noFill/>
-                </a:ln>
-                <a:solidFill>
-                  <a:srgbClr val="CC7832"/>
-                </a:solidFill>
-                <a:effectLst/>
-                <a:latin typeface="Arial Unicode MS" panose="020B0604020202020204" pitchFamily="34" charset="-120"/>
-                <a:ea typeface="JetBrains Mono"/>
-              </a:rPr>
-              <a:t>            </a:t>
-            </a:r>
-            <a:r>
-              <a:rPr kumimoji="0" lang="zh-TW" altLang="zh-TW" sz="1200" b="0" i="0" u="none" strike="noStrike" cap="none" normalizeH="0" baseline="0" dirty="0">
-                <a:ln>
-                  <a:noFill/>
-                </a:ln>
-                <a:solidFill>
-                  <a:srgbClr val="A9B7C6"/>
-                </a:solidFill>
-                <a:effectLst/>
-                <a:latin typeface="Arial Unicode MS" panose="020B0604020202020204" pitchFamily="34" charset="-120"/>
-                <a:ea typeface="JetBrains Mono"/>
-              </a:rPr>
-              <a:t>}</a:t>
-            </a:r>
-            <a:br>
-              <a:rPr kumimoji="0" lang="zh-TW" altLang="zh-TW" sz="1200" b="0" i="0" u="none" strike="noStrike" cap="none" normalizeH="0" baseline="0" dirty="0">
-                <a:ln>
-                  <a:noFill/>
-                </a:ln>
-                <a:solidFill>
-                  <a:srgbClr val="A9B7C6"/>
-                </a:solidFill>
-                <a:effectLst/>
-                <a:latin typeface="Arial Unicode MS" panose="020B0604020202020204" pitchFamily="34" charset="-120"/>
-                <a:ea typeface="JetBrains Mono"/>
-              </a:rPr>
-            </a:br>
-            <a:r>
-              <a:rPr kumimoji="0" lang="zh-TW" altLang="zh-TW" sz="1200" b="0" i="0" u="none" strike="noStrike" cap="none" normalizeH="0" baseline="0" dirty="0">
-                <a:ln>
-                  <a:noFill/>
-                </a:ln>
-                <a:solidFill>
-                  <a:srgbClr val="A9B7C6"/>
-                </a:solidFill>
-                <a:effectLst/>
-                <a:latin typeface="Arial Unicode MS" panose="020B0604020202020204" pitchFamily="34" charset="-120"/>
-                <a:ea typeface="JetBrains Mono"/>
-              </a:rPr>
-              <a:t>            </a:t>
-            </a:r>
-            <a:r>
-              <a:rPr kumimoji="0" lang="zh-TW" altLang="zh-TW" sz="1200" b="0" i="0" u="none" strike="noStrike" cap="none" normalizeH="0" baseline="0" dirty="0">
-                <a:ln>
-                  <a:noFill/>
-                </a:ln>
-                <a:solidFill>
-                  <a:srgbClr val="CC7832"/>
-                </a:solidFill>
-                <a:effectLst/>
-                <a:latin typeface="Arial Unicode MS" panose="020B0604020202020204" pitchFamily="34" charset="-120"/>
-                <a:ea typeface="JetBrains Mono"/>
-              </a:rPr>
-              <a:t>return </a:t>
-            </a:r>
-            <a:r>
-              <a:rPr kumimoji="0" lang="zh-TW" altLang="zh-TW" sz="1200" b="0" i="0" u="none" strike="noStrike" cap="none" normalizeH="0" baseline="0" dirty="0">
-                <a:ln>
-                  <a:noFill/>
-                </a:ln>
-                <a:solidFill>
-                  <a:srgbClr val="A9B7C6"/>
-                </a:solidFill>
-                <a:effectLst/>
-                <a:latin typeface="Arial Unicode MS" panose="020B0604020202020204" pitchFamily="34" charset="-120"/>
-                <a:ea typeface="JetBrains Mono"/>
-              </a:rPr>
-              <a:t>bean</a:t>
-            </a:r>
-            <a:r>
-              <a:rPr kumimoji="0" lang="zh-TW" altLang="zh-TW" sz="1200" b="0" i="0" u="none" strike="noStrike" cap="none" normalizeH="0" baseline="0" dirty="0">
-                <a:ln>
-                  <a:noFill/>
-                </a:ln>
-                <a:solidFill>
-                  <a:srgbClr val="CC7832"/>
-                </a:solidFill>
-                <a:effectLst/>
-                <a:latin typeface="Arial Unicode MS" panose="020B0604020202020204" pitchFamily="34" charset="-120"/>
-                <a:ea typeface="JetBrains Mono"/>
-              </a:rPr>
-              <a:t>;</a:t>
-            </a:r>
-            <a:br>
-              <a:rPr kumimoji="0" lang="zh-TW" altLang="zh-TW" sz="1200" b="0" i="0" u="none" strike="noStrike" cap="none" normalizeH="0" baseline="0" dirty="0">
-                <a:ln>
-                  <a:noFill/>
-                </a:ln>
-                <a:solidFill>
-                  <a:srgbClr val="CC7832"/>
-                </a:solidFill>
-                <a:effectLst/>
-                <a:latin typeface="Arial Unicode MS" panose="020B0604020202020204" pitchFamily="34" charset="-120"/>
-                <a:ea typeface="JetBrains Mono"/>
-              </a:rPr>
-            </a:br>
-            <a:r>
-              <a:rPr kumimoji="0" lang="zh-TW" altLang="zh-TW" sz="1200" b="0" i="0" u="none" strike="noStrike" cap="none" normalizeH="0" baseline="0" dirty="0">
-                <a:ln>
-                  <a:noFill/>
-                </a:ln>
-                <a:solidFill>
-                  <a:srgbClr val="CC7832"/>
-                </a:solidFill>
-                <a:effectLst/>
-                <a:latin typeface="Arial Unicode MS" panose="020B0604020202020204" pitchFamily="34" charset="-120"/>
-                <a:ea typeface="JetBrains Mono"/>
-              </a:rPr>
-              <a:t>        </a:t>
-            </a:r>
-            <a:r>
-              <a:rPr kumimoji="0" lang="zh-TW" altLang="zh-TW" sz="1200" b="0" i="0" u="none" strike="noStrike" cap="none" normalizeH="0" baseline="0" dirty="0">
-                <a:ln>
-                  <a:noFill/>
-                </a:ln>
-                <a:solidFill>
-                  <a:srgbClr val="A9B7C6"/>
-                </a:solidFill>
-                <a:effectLst/>
-                <a:latin typeface="Arial Unicode MS" panose="020B0604020202020204" pitchFamily="34" charset="-120"/>
-                <a:ea typeface="JetBrains Mono"/>
-              </a:rPr>
-              <a:t>}</a:t>
-            </a:r>
-            <a:br>
-              <a:rPr kumimoji="0" lang="zh-TW" altLang="zh-TW" sz="1200" b="0" i="0" u="none" strike="noStrike" cap="none" normalizeH="0" baseline="0" dirty="0">
-                <a:ln>
-                  <a:noFill/>
-                </a:ln>
-                <a:solidFill>
-                  <a:srgbClr val="A9B7C6"/>
-                </a:solidFill>
-                <a:effectLst/>
-                <a:latin typeface="Arial Unicode MS" panose="020B0604020202020204" pitchFamily="34" charset="-120"/>
-                <a:ea typeface="JetBrains Mono"/>
-              </a:rPr>
-            </a:br>
-            <a:br>
-              <a:rPr kumimoji="0" lang="zh-TW" altLang="zh-TW" sz="1200" b="0" i="0" u="none" strike="noStrike" cap="none" normalizeH="0" baseline="0" dirty="0">
-                <a:ln>
-                  <a:noFill/>
-                </a:ln>
-                <a:solidFill>
-                  <a:srgbClr val="A9B7C6"/>
-                </a:solidFill>
-                <a:effectLst/>
-                <a:latin typeface="Arial Unicode MS" panose="020B0604020202020204" pitchFamily="34" charset="-120"/>
-                <a:ea typeface="JetBrains Mono"/>
-              </a:rPr>
-            </a:br>
-            <a:r>
-              <a:rPr kumimoji="0" lang="zh-TW" altLang="zh-TW" sz="1200" b="0" i="0" u="none" strike="noStrike" cap="none" normalizeH="0" baseline="0" dirty="0">
-                <a:ln>
-                  <a:noFill/>
-                </a:ln>
-                <a:solidFill>
-                  <a:srgbClr val="A9B7C6"/>
-                </a:solidFill>
-                <a:effectLst/>
-                <a:latin typeface="Arial Unicode MS" panose="020B0604020202020204" pitchFamily="34" charset="-120"/>
-                <a:ea typeface="JetBrains Mono"/>
-              </a:rPr>
-              <a:t>        </a:t>
-            </a:r>
-            <a:r>
-              <a:rPr kumimoji="0" lang="zh-TW" altLang="zh-TW" sz="1200" b="0" i="0" u="none" strike="noStrike" cap="none" normalizeH="0" baseline="0" dirty="0">
-                <a:ln>
-                  <a:noFill/>
-                </a:ln>
-                <a:solidFill>
-                  <a:srgbClr val="CC7832"/>
-                </a:solidFill>
-                <a:effectLst/>
-                <a:latin typeface="Arial Unicode MS" panose="020B0604020202020204" pitchFamily="34" charset="-120"/>
-                <a:ea typeface="JetBrains Mono"/>
-              </a:rPr>
-              <a:t>private </a:t>
-            </a:r>
-            <a:r>
-              <a:rPr kumimoji="0" lang="zh-TW" altLang="zh-TW" sz="1200" b="0" i="0" u="none" strike="noStrike" cap="none" normalizeH="0" baseline="0" dirty="0">
-                <a:ln>
-                  <a:noFill/>
-                </a:ln>
-                <a:solidFill>
-                  <a:srgbClr val="A9B7C6"/>
-                </a:solidFill>
-                <a:effectLst/>
-                <a:latin typeface="Arial Unicode MS" panose="020B0604020202020204" pitchFamily="34" charset="-120"/>
-                <a:ea typeface="JetBrains Mono"/>
-              </a:rPr>
-              <a:t>&lt;</a:t>
-            </a:r>
-            <a:r>
-              <a:rPr kumimoji="0" lang="zh-TW" altLang="zh-TW" sz="1200" b="0" i="0" u="none" strike="noStrike" cap="none" normalizeH="0" baseline="0" dirty="0">
-                <a:ln>
-                  <a:noFill/>
-                </a:ln>
-                <a:solidFill>
-                  <a:srgbClr val="507874"/>
-                </a:solidFill>
-                <a:effectLst/>
-                <a:latin typeface="Arial Unicode MS" panose="020B0604020202020204" pitchFamily="34" charset="-120"/>
-                <a:ea typeface="JetBrains Mono"/>
-              </a:rPr>
-              <a:t>T </a:t>
-            </a:r>
-            <a:r>
-              <a:rPr kumimoji="0" lang="zh-TW" altLang="zh-TW" sz="1200" b="0" i="0" u="none" strike="noStrike" cap="none" normalizeH="0" baseline="0" dirty="0">
-                <a:ln>
-                  <a:noFill/>
-                </a:ln>
-                <a:solidFill>
-                  <a:srgbClr val="CC7832"/>
-                </a:solidFill>
-                <a:effectLst/>
-                <a:latin typeface="Arial Unicode MS" panose="020B0604020202020204" pitchFamily="34" charset="-120"/>
-                <a:ea typeface="JetBrains Mono"/>
-              </a:rPr>
-              <a:t>extends </a:t>
-            </a:r>
-            <a:r>
-              <a:rPr kumimoji="0" lang="zh-TW" altLang="zh-TW" sz="1200" b="0" i="0" u="none" strike="noStrike" cap="none" normalizeH="0" baseline="0" dirty="0">
-                <a:ln>
-                  <a:noFill/>
-                </a:ln>
-                <a:solidFill>
-                  <a:srgbClr val="A9B7C6"/>
-                </a:solidFill>
-                <a:effectLst/>
-                <a:latin typeface="Arial Unicode MS" panose="020B0604020202020204" pitchFamily="34" charset="-120"/>
-                <a:ea typeface="JetBrains Mono"/>
-              </a:rPr>
-              <a:t>RequestMappingInfoHandlerMapping&gt; </a:t>
-            </a:r>
-            <a:r>
-              <a:rPr kumimoji="0" lang="zh-TW" altLang="zh-TW" sz="1200" b="0" i="0" u="none" strike="noStrike" cap="none" normalizeH="0" baseline="0" dirty="0">
-                <a:ln>
-                  <a:noFill/>
-                </a:ln>
-                <a:solidFill>
-                  <a:srgbClr val="CC7832"/>
-                </a:solidFill>
-                <a:effectLst/>
-                <a:latin typeface="Arial Unicode MS" panose="020B0604020202020204" pitchFamily="34" charset="-120"/>
-                <a:ea typeface="JetBrains Mono"/>
-              </a:rPr>
-              <a:t>void </a:t>
-            </a:r>
-            <a:r>
-              <a:rPr kumimoji="0" lang="zh-TW" altLang="zh-TW" sz="1200" b="0" i="0" u="none" strike="noStrike" cap="none" normalizeH="0" baseline="0" dirty="0">
-                <a:ln>
-                  <a:noFill/>
-                </a:ln>
-                <a:solidFill>
-                  <a:srgbClr val="FFC66D"/>
-                </a:solidFill>
-                <a:effectLst/>
-                <a:latin typeface="Arial Unicode MS" panose="020B0604020202020204" pitchFamily="34" charset="-120"/>
-                <a:ea typeface="JetBrains Mono"/>
-              </a:rPr>
-              <a:t>customizeSpringfoxHandlerMappings</a:t>
-            </a:r>
-            <a:r>
-              <a:rPr kumimoji="0" lang="zh-TW" altLang="zh-TW" sz="1200" b="0" i="0" u="none" strike="noStrike" cap="none" normalizeH="0" baseline="0" dirty="0">
-                <a:ln>
-                  <a:noFill/>
-                </a:ln>
-                <a:solidFill>
-                  <a:srgbClr val="A9B7C6"/>
-                </a:solidFill>
-                <a:effectLst/>
-                <a:latin typeface="Arial Unicode MS" panose="020B0604020202020204" pitchFamily="34" charset="-120"/>
-                <a:ea typeface="JetBrains Mono"/>
-              </a:rPr>
-              <a:t>(List&lt;</a:t>
-            </a:r>
-            <a:r>
-              <a:rPr kumimoji="0" lang="zh-TW" altLang="zh-TW" sz="1200" b="0" i="0" u="none" strike="noStrike" cap="none" normalizeH="0" baseline="0" dirty="0">
-                <a:ln>
-                  <a:noFill/>
-                </a:ln>
-                <a:solidFill>
-                  <a:srgbClr val="507874"/>
-                </a:solidFill>
-                <a:effectLst/>
-                <a:latin typeface="Arial Unicode MS" panose="020B0604020202020204" pitchFamily="34" charset="-120"/>
-                <a:ea typeface="JetBrains Mono"/>
-              </a:rPr>
-              <a:t>T</a:t>
-            </a:r>
-            <a:r>
-              <a:rPr kumimoji="0" lang="zh-TW" altLang="zh-TW" sz="1200" b="0" i="0" u="none" strike="noStrike" cap="none" normalizeH="0" baseline="0" dirty="0">
-                <a:ln>
-                  <a:noFill/>
-                </a:ln>
-                <a:solidFill>
-                  <a:srgbClr val="A9B7C6"/>
-                </a:solidFill>
-                <a:effectLst/>
-                <a:latin typeface="Arial Unicode MS" panose="020B0604020202020204" pitchFamily="34" charset="-120"/>
-                <a:ea typeface="JetBrains Mono"/>
-              </a:rPr>
-              <a:t>&gt; mappings) {</a:t>
-            </a:r>
-            <a:br>
-              <a:rPr kumimoji="0" lang="zh-TW" altLang="zh-TW" sz="1200" b="0" i="0" u="none" strike="noStrike" cap="none" normalizeH="0" baseline="0" dirty="0">
-                <a:ln>
-                  <a:noFill/>
-                </a:ln>
-                <a:solidFill>
-                  <a:srgbClr val="A9B7C6"/>
-                </a:solidFill>
-                <a:effectLst/>
-                <a:latin typeface="Arial Unicode MS" panose="020B0604020202020204" pitchFamily="34" charset="-120"/>
-                <a:ea typeface="JetBrains Mono"/>
-              </a:rPr>
-            </a:br>
-            <a:r>
-              <a:rPr kumimoji="0" lang="zh-TW" altLang="zh-TW" sz="1200" b="0" i="0" u="none" strike="noStrike" cap="none" normalizeH="0" baseline="0" dirty="0">
-                <a:ln>
-                  <a:noFill/>
-                </a:ln>
-                <a:solidFill>
-                  <a:srgbClr val="A9B7C6"/>
-                </a:solidFill>
-                <a:effectLst/>
-                <a:latin typeface="Arial Unicode MS" panose="020B0604020202020204" pitchFamily="34" charset="-120"/>
-                <a:ea typeface="JetBrains Mono"/>
-              </a:rPr>
-              <a:t>            List&lt;</a:t>
-            </a:r>
-            <a:r>
-              <a:rPr kumimoji="0" lang="zh-TW" altLang="zh-TW" sz="1200" b="0" i="0" u="none" strike="noStrike" cap="none" normalizeH="0" baseline="0" dirty="0">
-                <a:ln>
-                  <a:noFill/>
-                </a:ln>
-                <a:solidFill>
-                  <a:srgbClr val="507874"/>
-                </a:solidFill>
-                <a:effectLst/>
-                <a:latin typeface="Arial Unicode MS" panose="020B0604020202020204" pitchFamily="34" charset="-120"/>
-                <a:ea typeface="JetBrains Mono"/>
-              </a:rPr>
-              <a:t>T</a:t>
-            </a:r>
-            <a:r>
-              <a:rPr kumimoji="0" lang="zh-TW" altLang="zh-TW" sz="1200" b="0" i="0" u="none" strike="noStrike" cap="none" normalizeH="0" baseline="0" dirty="0">
-                <a:ln>
-                  <a:noFill/>
-                </a:ln>
-                <a:solidFill>
-                  <a:srgbClr val="A9B7C6"/>
-                </a:solidFill>
-                <a:effectLst/>
-                <a:latin typeface="Arial Unicode MS" panose="020B0604020202020204" pitchFamily="34" charset="-120"/>
-                <a:ea typeface="JetBrains Mono"/>
-              </a:rPr>
-              <a:t>&gt; copy = mappings.stream()</a:t>
-            </a:r>
-            <a:br>
-              <a:rPr kumimoji="0" lang="zh-TW" altLang="zh-TW" sz="1200" b="0" i="0" u="none" strike="noStrike" cap="none" normalizeH="0" baseline="0" dirty="0">
-                <a:ln>
-                  <a:noFill/>
-                </a:ln>
-                <a:solidFill>
-                  <a:srgbClr val="A9B7C6"/>
-                </a:solidFill>
-                <a:effectLst/>
-                <a:latin typeface="Arial Unicode MS" panose="020B0604020202020204" pitchFamily="34" charset="-120"/>
-                <a:ea typeface="JetBrains Mono"/>
-              </a:rPr>
-            </a:br>
-            <a:r>
-              <a:rPr kumimoji="0" lang="zh-TW" altLang="zh-TW" sz="1200" b="0" i="0" u="none" strike="noStrike" cap="none" normalizeH="0" baseline="0" dirty="0">
-                <a:ln>
-                  <a:noFill/>
-                </a:ln>
-                <a:solidFill>
-                  <a:srgbClr val="A9B7C6"/>
-                </a:solidFill>
-                <a:effectLst/>
-                <a:latin typeface="Arial Unicode MS" panose="020B0604020202020204" pitchFamily="34" charset="-120"/>
-                <a:ea typeface="JetBrains Mono"/>
-              </a:rPr>
-              <a:t>                    .filter(mapping -&gt; mapping.getPatternParser() == </a:t>
-            </a:r>
-            <a:r>
-              <a:rPr kumimoji="0" lang="zh-TW" altLang="zh-TW" sz="1200" b="0" i="0" u="none" strike="noStrike" cap="none" normalizeH="0" baseline="0" dirty="0">
-                <a:ln>
-                  <a:noFill/>
-                </a:ln>
-                <a:solidFill>
-                  <a:srgbClr val="CC7832"/>
-                </a:solidFill>
-                <a:effectLst/>
-                <a:latin typeface="Arial Unicode MS" panose="020B0604020202020204" pitchFamily="34" charset="-120"/>
-                <a:ea typeface="JetBrains Mono"/>
-              </a:rPr>
-              <a:t>null</a:t>
-            </a:r>
-            <a:r>
-              <a:rPr kumimoji="0" lang="zh-TW" altLang="zh-TW" sz="1200" b="0" i="0" u="none" strike="noStrike" cap="none" normalizeH="0" baseline="0" dirty="0">
-                <a:ln>
-                  <a:noFill/>
-                </a:ln>
-                <a:solidFill>
-                  <a:srgbClr val="A9B7C6"/>
-                </a:solidFill>
-                <a:effectLst/>
-                <a:latin typeface="Arial Unicode MS" panose="020B0604020202020204" pitchFamily="34" charset="-120"/>
-                <a:ea typeface="JetBrains Mono"/>
-              </a:rPr>
-              <a:t>)</a:t>
-            </a:r>
-            <a:br>
-              <a:rPr kumimoji="0" lang="zh-TW" altLang="zh-TW" sz="1200" b="0" i="0" u="none" strike="noStrike" cap="none" normalizeH="0" baseline="0" dirty="0">
-                <a:ln>
-                  <a:noFill/>
-                </a:ln>
-                <a:solidFill>
-                  <a:srgbClr val="A9B7C6"/>
-                </a:solidFill>
-                <a:effectLst/>
-                <a:latin typeface="Arial Unicode MS" panose="020B0604020202020204" pitchFamily="34" charset="-120"/>
-                <a:ea typeface="JetBrains Mono"/>
-              </a:rPr>
-            </a:br>
-            <a:r>
-              <a:rPr kumimoji="0" lang="zh-TW" altLang="zh-TW" sz="1200" b="0" i="0" u="none" strike="noStrike" cap="none" normalizeH="0" baseline="0" dirty="0">
-                <a:ln>
-                  <a:noFill/>
-                </a:ln>
-                <a:solidFill>
-                  <a:srgbClr val="A9B7C6"/>
-                </a:solidFill>
-                <a:effectLst/>
-                <a:latin typeface="Arial Unicode MS" panose="020B0604020202020204" pitchFamily="34" charset="-120"/>
-                <a:ea typeface="JetBrains Mono"/>
-              </a:rPr>
-              <a:t>                    .collect(Collectors.</a:t>
-            </a:r>
-            <a:r>
-              <a:rPr kumimoji="0" lang="zh-TW" altLang="zh-TW" sz="1200" b="0" i="1" u="none" strike="noStrike" cap="none" normalizeH="0" baseline="0" dirty="0">
-                <a:ln>
-                  <a:noFill/>
-                </a:ln>
-                <a:solidFill>
-                  <a:srgbClr val="A9B7C6"/>
-                </a:solidFill>
-                <a:effectLst/>
-                <a:latin typeface="Arial Unicode MS" panose="020B0604020202020204" pitchFamily="34" charset="-120"/>
-                <a:ea typeface="JetBrains Mono"/>
-              </a:rPr>
-              <a:t>toList</a:t>
-            </a:r>
-            <a:r>
-              <a:rPr kumimoji="0" lang="zh-TW" altLang="zh-TW" sz="1200" b="0" i="0" u="none" strike="noStrike" cap="none" normalizeH="0" baseline="0" dirty="0">
-                <a:ln>
-                  <a:noFill/>
-                </a:ln>
-                <a:solidFill>
-                  <a:srgbClr val="A9B7C6"/>
-                </a:solidFill>
-                <a:effectLst/>
-                <a:latin typeface="Arial Unicode MS" panose="020B0604020202020204" pitchFamily="34" charset="-120"/>
-                <a:ea typeface="JetBrains Mono"/>
-              </a:rPr>
-              <a:t>())</a:t>
-            </a:r>
-            <a:r>
-              <a:rPr kumimoji="0" lang="zh-TW" altLang="zh-TW" sz="1200" b="0" i="0" u="none" strike="noStrike" cap="none" normalizeH="0" baseline="0" dirty="0">
-                <a:ln>
-                  <a:noFill/>
-                </a:ln>
-                <a:solidFill>
-                  <a:srgbClr val="CC7832"/>
-                </a:solidFill>
-                <a:effectLst/>
-                <a:latin typeface="Arial Unicode MS" panose="020B0604020202020204" pitchFamily="34" charset="-120"/>
-                <a:ea typeface="JetBrains Mono"/>
-              </a:rPr>
-              <a:t>;</a:t>
-            </a:r>
-            <a:br>
-              <a:rPr kumimoji="0" lang="zh-TW" altLang="zh-TW" sz="1200" b="0" i="0" u="none" strike="noStrike" cap="none" normalizeH="0" baseline="0" dirty="0">
-                <a:ln>
-                  <a:noFill/>
-                </a:ln>
-                <a:solidFill>
-                  <a:srgbClr val="CC7832"/>
-                </a:solidFill>
-                <a:effectLst/>
-                <a:latin typeface="Arial Unicode MS" panose="020B0604020202020204" pitchFamily="34" charset="-120"/>
-                <a:ea typeface="JetBrains Mono"/>
-              </a:rPr>
-            </a:br>
-            <a:r>
-              <a:rPr kumimoji="0" lang="zh-TW" altLang="zh-TW" sz="1200" b="0" i="0" u="none" strike="noStrike" cap="none" normalizeH="0" baseline="0" dirty="0">
-                <a:ln>
-                  <a:noFill/>
-                </a:ln>
-                <a:solidFill>
-                  <a:srgbClr val="CC7832"/>
-                </a:solidFill>
-                <a:effectLst/>
-                <a:latin typeface="Arial Unicode MS" panose="020B0604020202020204" pitchFamily="34" charset="-120"/>
-                <a:ea typeface="JetBrains Mono"/>
-              </a:rPr>
-              <a:t>            </a:t>
-            </a:r>
-            <a:r>
-              <a:rPr kumimoji="0" lang="zh-TW" altLang="zh-TW" sz="1200" b="0" i="0" u="none" strike="noStrike" cap="none" normalizeH="0" baseline="0" dirty="0">
-                <a:ln>
-                  <a:noFill/>
-                </a:ln>
-                <a:solidFill>
-                  <a:srgbClr val="A9B7C6"/>
-                </a:solidFill>
-                <a:effectLst/>
-                <a:latin typeface="Arial Unicode MS" panose="020B0604020202020204" pitchFamily="34" charset="-120"/>
-                <a:ea typeface="JetBrains Mono"/>
-              </a:rPr>
-              <a:t>mappings.clear()</a:t>
-            </a:r>
-            <a:r>
-              <a:rPr kumimoji="0" lang="zh-TW" altLang="zh-TW" sz="1200" b="0" i="0" u="none" strike="noStrike" cap="none" normalizeH="0" baseline="0" dirty="0">
-                <a:ln>
-                  <a:noFill/>
-                </a:ln>
-                <a:solidFill>
-                  <a:srgbClr val="CC7832"/>
-                </a:solidFill>
-                <a:effectLst/>
-                <a:latin typeface="Arial Unicode MS" panose="020B0604020202020204" pitchFamily="34" charset="-120"/>
-                <a:ea typeface="JetBrains Mono"/>
-              </a:rPr>
-              <a:t>;</a:t>
-            </a:r>
-            <a:br>
-              <a:rPr kumimoji="0" lang="zh-TW" altLang="zh-TW" sz="1200" b="0" i="0" u="none" strike="noStrike" cap="none" normalizeH="0" baseline="0" dirty="0">
-                <a:ln>
-                  <a:noFill/>
-                </a:ln>
-                <a:solidFill>
-                  <a:srgbClr val="CC7832"/>
-                </a:solidFill>
-                <a:effectLst/>
-                <a:latin typeface="Arial Unicode MS" panose="020B0604020202020204" pitchFamily="34" charset="-120"/>
-                <a:ea typeface="JetBrains Mono"/>
-              </a:rPr>
-            </a:br>
-            <a:r>
-              <a:rPr kumimoji="0" lang="zh-TW" altLang="zh-TW" sz="1200" b="0" i="0" u="none" strike="noStrike" cap="none" normalizeH="0" baseline="0" dirty="0">
-                <a:ln>
-                  <a:noFill/>
-                </a:ln>
-                <a:solidFill>
-                  <a:srgbClr val="CC7832"/>
-                </a:solidFill>
-                <a:effectLst/>
-                <a:latin typeface="Arial Unicode MS" panose="020B0604020202020204" pitchFamily="34" charset="-120"/>
-                <a:ea typeface="JetBrains Mono"/>
-              </a:rPr>
-              <a:t>            </a:t>
-            </a:r>
-            <a:r>
-              <a:rPr kumimoji="0" lang="zh-TW" altLang="zh-TW" sz="1200" b="0" i="0" u="none" strike="noStrike" cap="none" normalizeH="0" baseline="0" dirty="0">
-                <a:ln>
-                  <a:noFill/>
-                </a:ln>
-                <a:solidFill>
-                  <a:srgbClr val="A9B7C6"/>
-                </a:solidFill>
-                <a:effectLst/>
-                <a:latin typeface="Arial Unicode MS" panose="020B0604020202020204" pitchFamily="34" charset="-120"/>
-                <a:ea typeface="JetBrains Mono"/>
-              </a:rPr>
-              <a:t>mappings.addAll(copy)</a:t>
-            </a:r>
-            <a:r>
-              <a:rPr kumimoji="0" lang="zh-TW" altLang="zh-TW" sz="1200" b="0" i="0" u="none" strike="noStrike" cap="none" normalizeH="0" baseline="0" dirty="0">
-                <a:ln>
-                  <a:noFill/>
-                </a:ln>
-                <a:solidFill>
-                  <a:srgbClr val="CC7832"/>
-                </a:solidFill>
-                <a:effectLst/>
-                <a:latin typeface="Arial Unicode MS" panose="020B0604020202020204" pitchFamily="34" charset="-120"/>
-                <a:ea typeface="JetBrains Mono"/>
-              </a:rPr>
-              <a:t>;</a:t>
-            </a:r>
-            <a:br>
-              <a:rPr kumimoji="0" lang="zh-TW" altLang="zh-TW" sz="1200" b="0" i="0" u="none" strike="noStrike" cap="none" normalizeH="0" baseline="0" dirty="0">
-                <a:ln>
-                  <a:noFill/>
-                </a:ln>
-                <a:solidFill>
-                  <a:srgbClr val="CC7832"/>
-                </a:solidFill>
-                <a:effectLst/>
-                <a:latin typeface="Arial Unicode MS" panose="020B0604020202020204" pitchFamily="34" charset="-120"/>
-                <a:ea typeface="JetBrains Mono"/>
-              </a:rPr>
-            </a:br>
-            <a:r>
-              <a:rPr kumimoji="0" lang="zh-TW" altLang="zh-TW" sz="1200" b="0" i="0" u="none" strike="noStrike" cap="none" normalizeH="0" baseline="0" dirty="0">
-                <a:ln>
-                  <a:noFill/>
-                </a:ln>
-                <a:solidFill>
-                  <a:srgbClr val="CC7832"/>
-                </a:solidFill>
-                <a:effectLst/>
-                <a:latin typeface="Arial Unicode MS" panose="020B0604020202020204" pitchFamily="34" charset="-120"/>
-                <a:ea typeface="JetBrains Mono"/>
-              </a:rPr>
-              <a:t>        </a:t>
-            </a:r>
-            <a:r>
-              <a:rPr kumimoji="0" lang="zh-TW" altLang="zh-TW" sz="1200" b="0" i="0" u="none" strike="noStrike" cap="none" normalizeH="0" baseline="0" dirty="0">
-                <a:ln>
-                  <a:noFill/>
-                </a:ln>
-                <a:solidFill>
-                  <a:srgbClr val="A9B7C6"/>
-                </a:solidFill>
-                <a:effectLst/>
-                <a:latin typeface="Arial Unicode MS" panose="020B0604020202020204" pitchFamily="34" charset="-120"/>
-                <a:ea typeface="JetBrains Mono"/>
-              </a:rPr>
-              <a:t>}</a:t>
-            </a:r>
-            <a:br>
-              <a:rPr kumimoji="0" lang="zh-TW" altLang="zh-TW" sz="1200" b="0" i="0" u="none" strike="noStrike" cap="none" normalizeH="0" baseline="0" dirty="0">
-                <a:ln>
-                  <a:noFill/>
-                </a:ln>
-                <a:solidFill>
-                  <a:srgbClr val="A9B7C6"/>
-                </a:solidFill>
-                <a:effectLst/>
-                <a:latin typeface="Arial Unicode MS" panose="020B0604020202020204" pitchFamily="34" charset="-120"/>
-                <a:ea typeface="JetBrains Mono"/>
-              </a:rPr>
-            </a:br>
-            <a:br>
-              <a:rPr kumimoji="0" lang="zh-TW" altLang="zh-TW" sz="1200" b="0" i="0" u="none" strike="noStrike" cap="none" normalizeH="0" baseline="0" dirty="0">
-                <a:ln>
-                  <a:noFill/>
-                </a:ln>
-                <a:solidFill>
-                  <a:srgbClr val="A9B7C6"/>
-                </a:solidFill>
-                <a:effectLst/>
-                <a:latin typeface="Arial Unicode MS" panose="020B0604020202020204" pitchFamily="34" charset="-120"/>
-                <a:ea typeface="JetBrains Mono"/>
-              </a:rPr>
-            </a:br>
-            <a:r>
-              <a:rPr kumimoji="0" lang="zh-TW" altLang="zh-TW" sz="1200" b="0" i="0" u="none" strike="noStrike" cap="none" normalizeH="0" baseline="0" dirty="0">
-                <a:ln>
-                  <a:noFill/>
-                </a:ln>
-                <a:solidFill>
-                  <a:srgbClr val="A9B7C6"/>
-                </a:solidFill>
-                <a:effectLst/>
-                <a:latin typeface="Arial Unicode MS" panose="020B0604020202020204" pitchFamily="34" charset="-120"/>
-                <a:ea typeface="JetBrains Mono"/>
-              </a:rPr>
-              <a:t>        </a:t>
-            </a:r>
-            <a:r>
-              <a:rPr kumimoji="0" lang="zh-TW" altLang="zh-TW" sz="1200" b="0" i="0" u="none" strike="noStrike" cap="none" normalizeH="0" baseline="0" dirty="0">
-                <a:ln>
-                  <a:noFill/>
-                </a:ln>
-                <a:solidFill>
-                  <a:srgbClr val="BBB529"/>
-                </a:solidFill>
-                <a:effectLst/>
-                <a:latin typeface="Arial Unicode MS" panose="020B0604020202020204" pitchFamily="34" charset="-120"/>
-                <a:ea typeface="JetBrains Mono"/>
-              </a:rPr>
-              <a:t>@SuppressWarnings</a:t>
-            </a:r>
-            <a:r>
-              <a:rPr kumimoji="0" lang="zh-TW" altLang="zh-TW" sz="1200" b="0" i="0" u="none" strike="noStrike" cap="none" normalizeH="0" baseline="0" dirty="0">
-                <a:ln>
-                  <a:noFill/>
-                </a:ln>
-                <a:solidFill>
-                  <a:srgbClr val="A9B7C6"/>
-                </a:solidFill>
-                <a:effectLst/>
-                <a:latin typeface="Arial Unicode MS" panose="020B0604020202020204" pitchFamily="34" charset="-120"/>
-                <a:ea typeface="JetBrains Mono"/>
-              </a:rPr>
-              <a:t>(</a:t>
-            </a:r>
-            <a:r>
-              <a:rPr kumimoji="0" lang="zh-TW" altLang="zh-TW" sz="1200" b="0" i="0" u="none" strike="noStrike" cap="none" normalizeH="0" baseline="0" dirty="0">
+              <a:t>spring.mvc.pathmatch.matching-strategy</a:t>
+            </a:r>
+            <a:r>
+              <a:rPr kumimoji="0" lang="zh-TW" altLang="zh-TW" sz="1300" b="0" i="0" u="none" strike="noStrike" cap="none" normalizeH="0" baseline="0">
+                <a:ln>
+                  <a:noFill/>
+                </a:ln>
+                <a:solidFill>
+                  <a:srgbClr val="808080"/>
+                </a:solidFill>
+                <a:effectLst/>
+                <a:latin typeface="Arial Unicode MS" panose="020B0604020202020204" pitchFamily="34" charset="-120"/>
+                <a:ea typeface="JetBrains Mono"/>
+              </a:rPr>
+              <a:t>=</a:t>
+            </a:r>
+            <a:r>
+              <a:rPr kumimoji="0" lang="zh-TW" altLang="zh-TW" sz="1300" b="0" i="0" u="none" strike="noStrike" cap="none" normalizeH="0" baseline="0">
                 <a:ln>
                   <a:noFill/>
                 </a:ln>
@@ -9570,711 +9000,9 @@
                 <a:latin typeface="Arial Unicode MS" panose="020B0604020202020204" pitchFamily="34" charset="-120"/>
                 <a:ea typeface="JetBrains Mono"/>
               </a:rPr>
-              <a:t>"unchecked"</a:t>
-            </a:r>
-            <a:r>
-              <a:rPr kumimoji="0" lang="zh-TW" altLang="zh-TW" sz="1200" b="0" i="0" u="none" strike="noStrike" cap="none" normalizeH="0" baseline="0" dirty="0">
-                <a:ln>
-                  <a:noFill/>
-                </a:ln>
-                <a:solidFill>
-                  <a:srgbClr val="A9B7C6"/>
-                </a:solidFill>
-                <a:effectLst/>
-                <a:latin typeface="Arial Unicode MS" panose="020B0604020202020204" pitchFamily="34" charset="-120"/>
-                <a:ea typeface="JetBrains Mono"/>
-              </a:rPr>
-              <a:t>)</a:t>
-            </a:r>
-            <a:br>
-              <a:rPr kumimoji="0" lang="zh-TW" altLang="zh-TW" sz="1200" b="0" i="0" u="none" strike="noStrike" cap="none" normalizeH="0" baseline="0" dirty="0">
-                <a:ln>
-                  <a:noFill/>
-                </a:ln>
-                <a:solidFill>
-                  <a:srgbClr val="A9B7C6"/>
-                </a:solidFill>
-                <a:effectLst/>
-                <a:latin typeface="Arial Unicode MS" panose="020B0604020202020204" pitchFamily="34" charset="-120"/>
-                <a:ea typeface="JetBrains Mono"/>
-              </a:rPr>
-            </a:br>
-            <a:r>
-              <a:rPr kumimoji="0" lang="zh-TW" altLang="zh-TW" sz="1200" b="0" i="0" u="none" strike="noStrike" cap="none" normalizeH="0" baseline="0" dirty="0">
-                <a:ln>
-                  <a:noFill/>
-                </a:ln>
-                <a:solidFill>
-                  <a:srgbClr val="A9B7C6"/>
-                </a:solidFill>
-                <a:effectLst/>
-                <a:latin typeface="Arial Unicode MS" panose="020B0604020202020204" pitchFamily="34" charset="-120"/>
-                <a:ea typeface="JetBrains Mono"/>
-              </a:rPr>
-              <a:t>        </a:t>
-            </a:r>
-            <a:r>
-              <a:rPr kumimoji="0" lang="zh-TW" altLang="zh-TW" sz="1200" b="0" i="0" u="none" strike="noStrike" cap="none" normalizeH="0" baseline="0" dirty="0">
-                <a:ln>
-                  <a:noFill/>
-                </a:ln>
-                <a:solidFill>
-                  <a:srgbClr val="CC7832"/>
-                </a:solidFill>
-                <a:effectLst/>
-                <a:latin typeface="Arial Unicode MS" panose="020B0604020202020204" pitchFamily="34" charset="-120"/>
-                <a:ea typeface="JetBrains Mono"/>
-              </a:rPr>
-              <a:t>private </a:t>
-            </a:r>
-            <a:r>
-              <a:rPr kumimoji="0" lang="zh-TW" altLang="zh-TW" sz="1200" b="0" i="0" u="none" strike="noStrike" cap="none" normalizeH="0" baseline="0" dirty="0">
-                <a:ln>
-                  <a:noFill/>
-                </a:ln>
-                <a:solidFill>
-                  <a:srgbClr val="A9B7C6"/>
-                </a:solidFill>
-                <a:effectLst/>
-                <a:latin typeface="Arial Unicode MS" panose="020B0604020202020204" pitchFamily="34" charset="-120"/>
-                <a:ea typeface="JetBrains Mono"/>
-              </a:rPr>
-              <a:t>List&lt;RequestMappingInfoHandlerMapping&gt; </a:t>
-            </a:r>
-            <a:r>
-              <a:rPr kumimoji="0" lang="zh-TW" altLang="zh-TW" sz="1200" b="0" i="0" u="none" strike="noStrike" cap="none" normalizeH="0" baseline="0" dirty="0">
-                <a:ln>
-                  <a:noFill/>
-                </a:ln>
-                <a:solidFill>
-                  <a:srgbClr val="FFC66D"/>
-                </a:solidFill>
-                <a:effectLst/>
-                <a:latin typeface="Arial Unicode MS" panose="020B0604020202020204" pitchFamily="34" charset="-120"/>
-                <a:ea typeface="JetBrains Mono"/>
-              </a:rPr>
-              <a:t>getHandlerMappings</a:t>
-            </a:r>
-            <a:r>
-              <a:rPr kumimoji="0" lang="zh-TW" altLang="zh-TW" sz="1200" b="0" i="0" u="none" strike="noStrike" cap="none" normalizeH="0" baseline="0" dirty="0">
-                <a:ln>
-                  <a:noFill/>
-                </a:ln>
-                <a:solidFill>
-                  <a:srgbClr val="A9B7C6"/>
-                </a:solidFill>
-                <a:effectLst/>
-                <a:latin typeface="Arial Unicode MS" panose="020B0604020202020204" pitchFamily="34" charset="-120"/>
-                <a:ea typeface="JetBrains Mono"/>
-              </a:rPr>
-              <a:t>(Object bean) {</a:t>
-            </a:r>
-            <a:br>
-              <a:rPr kumimoji="0" lang="zh-TW" altLang="zh-TW" sz="1200" b="0" i="0" u="none" strike="noStrike" cap="none" normalizeH="0" baseline="0" dirty="0">
-                <a:ln>
-                  <a:noFill/>
-                </a:ln>
-                <a:solidFill>
-                  <a:srgbClr val="A9B7C6"/>
-                </a:solidFill>
-                <a:effectLst/>
-                <a:latin typeface="Arial Unicode MS" panose="020B0604020202020204" pitchFamily="34" charset="-120"/>
-                <a:ea typeface="JetBrains Mono"/>
-              </a:rPr>
-            </a:br>
-            <a:r>
-              <a:rPr kumimoji="0" lang="zh-TW" altLang="zh-TW" sz="1200" b="0" i="0" u="none" strike="noStrike" cap="none" normalizeH="0" baseline="0" dirty="0">
-                <a:ln>
-                  <a:noFill/>
-                </a:ln>
-                <a:solidFill>
-                  <a:srgbClr val="A9B7C6"/>
-                </a:solidFill>
-                <a:effectLst/>
-                <a:latin typeface="Arial Unicode MS" panose="020B0604020202020204" pitchFamily="34" charset="-120"/>
-                <a:ea typeface="JetBrains Mono"/>
-              </a:rPr>
-              <a:t>            </a:t>
-            </a:r>
-            <a:r>
-              <a:rPr kumimoji="0" lang="zh-TW" altLang="zh-TW" sz="1200" b="0" i="0" u="none" strike="noStrike" cap="none" normalizeH="0" baseline="0" dirty="0">
-                <a:ln>
-                  <a:noFill/>
-                </a:ln>
-                <a:solidFill>
-                  <a:srgbClr val="CC7832"/>
-                </a:solidFill>
-                <a:effectLst/>
-                <a:latin typeface="Arial Unicode MS" panose="020B0604020202020204" pitchFamily="34" charset="-120"/>
-                <a:ea typeface="JetBrains Mono"/>
-              </a:rPr>
-              <a:t>try </a:t>
-            </a:r>
-            <a:r>
-              <a:rPr kumimoji="0" lang="zh-TW" altLang="zh-TW" sz="1200" b="0" i="0" u="none" strike="noStrike" cap="none" normalizeH="0" baseline="0" dirty="0">
-                <a:ln>
-                  <a:noFill/>
-                </a:ln>
-                <a:solidFill>
-                  <a:srgbClr val="A9B7C6"/>
-                </a:solidFill>
-                <a:effectLst/>
-                <a:latin typeface="Arial Unicode MS" panose="020B0604020202020204" pitchFamily="34" charset="-120"/>
-                <a:ea typeface="JetBrains Mono"/>
-              </a:rPr>
-              <a:t>{</a:t>
-            </a:r>
-            <a:br>
-              <a:rPr kumimoji="0" lang="zh-TW" altLang="zh-TW" sz="1200" b="0" i="0" u="none" strike="noStrike" cap="none" normalizeH="0" baseline="0" dirty="0">
-                <a:ln>
-                  <a:noFill/>
-                </a:ln>
-                <a:solidFill>
-                  <a:srgbClr val="A9B7C6"/>
-                </a:solidFill>
-                <a:effectLst/>
-                <a:latin typeface="Arial Unicode MS" panose="020B0604020202020204" pitchFamily="34" charset="-120"/>
-                <a:ea typeface="JetBrains Mono"/>
-              </a:rPr>
-            </a:br>
-            <a:r>
-              <a:rPr kumimoji="0" lang="zh-TW" altLang="zh-TW" sz="1200" b="0" i="0" u="none" strike="noStrike" cap="none" normalizeH="0" baseline="0" dirty="0">
-                <a:ln>
-                  <a:noFill/>
-                </a:ln>
-                <a:solidFill>
-                  <a:srgbClr val="A9B7C6"/>
-                </a:solidFill>
-                <a:effectLst/>
-                <a:latin typeface="Arial Unicode MS" panose="020B0604020202020204" pitchFamily="34" charset="-120"/>
-                <a:ea typeface="JetBrains Mono"/>
-              </a:rPr>
-              <a:t>                Field field = ReflectionUtils.</a:t>
-            </a:r>
-            <a:r>
-              <a:rPr kumimoji="0" lang="zh-TW" altLang="zh-TW" sz="1200" b="0" i="1" u="none" strike="noStrike" cap="none" normalizeH="0" baseline="0" dirty="0">
-                <a:ln>
-                  <a:noFill/>
-                </a:ln>
-                <a:solidFill>
-                  <a:srgbClr val="A9B7C6"/>
-                </a:solidFill>
-                <a:effectLst/>
-                <a:latin typeface="Arial Unicode MS" panose="020B0604020202020204" pitchFamily="34" charset="-120"/>
-                <a:ea typeface="JetBrains Mono"/>
-              </a:rPr>
-              <a:t>findField</a:t>
-            </a:r>
-            <a:r>
-              <a:rPr kumimoji="0" lang="zh-TW" altLang="zh-TW" sz="1200" b="0" i="0" u="none" strike="noStrike" cap="none" normalizeH="0" baseline="0" dirty="0">
-                <a:ln>
-                  <a:noFill/>
-                </a:ln>
-                <a:solidFill>
-                  <a:srgbClr val="A9B7C6"/>
-                </a:solidFill>
-                <a:effectLst/>
-                <a:latin typeface="Arial Unicode MS" panose="020B0604020202020204" pitchFamily="34" charset="-120"/>
-                <a:ea typeface="JetBrains Mono"/>
-              </a:rPr>
-              <a:t>(bean.getClass()</a:t>
-            </a:r>
-            <a:r>
-              <a:rPr kumimoji="0" lang="zh-TW" altLang="zh-TW" sz="1200" b="0" i="0" u="none" strike="noStrike" cap="none" normalizeH="0" baseline="0" dirty="0">
-                <a:ln>
-                  <a:noFill/>
-                </a:ln>
-                <a:solidFill>
-                  <a:srgbClr val="CC7832"/>
-                </a:solidFill>
-                <a:effectLst/>
-                <a:latin typeface="Arial Unicode MS" panose="020B0604020202020204" pitchFamily="34" charset="-120"/>
-                <a:ea typeface="JetBrains Mono"/>
-              </a:rPr>
-              <a:t>,</a:t>
-            </a:r>
-            <a:br>
-              <a:rPr kumimoji="0" lang="zh-TW" altLang="zh-TW" sz="1200" b="0" i="0" u="none" strike="noStrike" cap="none" normalizeH="0" baseline="0" dirty="0">
-                <a:ln>
-                  <a:noFill/>
-                </a:ln>
-                <a:solidFill>
-                  <a:srgbClr val="CC7832"/>
-                </a:solidFill>
-                <a:effectLst/>
-                <a:latin typeface="Arial Unicode MS" panose="020B0604020202020204" pitchFamily="34" charset="-120"/>
-                <a:ea typeface="JetBrains Mono"/>
-              </a:rPr>
-            </a:br>
-            <a:r>
-              <a:rPr kumimoji="0" lang="zh-TW" altLang="zh-TW" sz="1200" b="0" i="0" u="none" strike="noStrike" cap="none" normalizeH="0" baseline="0" dirty="0">
-                <a:ln>
-                  <a:noFill/>
-                </a:ln>
-                <a:solidFill>
-                  <a:srgbClr val="CC7832"/>
-                </a:solidFill>
-                <a:effectLst/>
-                <a:latin typeface="Arial Unicode MS" panose="020B0604020202020204" pitchFamily="34" charset="-120"/>
-                <a:ea typeface="JetBrains Mono"/>
-              </a:rPr>
-              <a:t>                        </a:t>
-            </a:r>
-            <a:r>
-              <a:rPr kumimoji="0" lang="zh-TW" altLang="zh-TW" sz="1200" b="0" i="0" u="none" strike="noStrike" cap="none" normalizeH="0" baseline="0" dirty="0">
-                <a:ln>
-                  <a:noFill/>
-                </a:ln>
-                <a:solidFill>
-                  <a:srgbClr val="6A8759"/>
-                </a:solidFill>
-                <a:effectLst/>
-                <a:latin typeface="Arial Unicode MS" panose="020B0604020202020204" pitchFamily="34" charset="-120"/>
-                <a:ea typeface="JetBrains Mono"/>
-              </a:rPr>
-              <a:t>"handlerMappings"</a:t>
-            </a:r>
-            <a:r>
-              <a:rPr kumimoji="0" lang="zh-TW" altLang="zh-TW" sz="1200" b="0" i="0" u="none" strike="noStrike" cap="none" normalizeH="0" baseline="0" dirty="0">
-                <a:ln>
-                  <a:noFill/>
-                </a:ln>
-                <a:solidFill>
-                  <a:srgbClr val="A9B7C6"/>
-                </a:solidFill>
-                <a:effectLst/>
-                <a:latin typeface="Arial Unicode MS" panose="020B0604020202020204" pitchFamily="34" charset="-120"/>
-                <a:ea typeface="JetBrains Mono"/>
-              </a:rPr>
-              <a:t>)</a:t>
-            </a:r>
-            <a:r>
-              <a:rPr kumimoji="0" lang="zh-TW" altLang="zh-TW" sz="1200" b="0" i="0" u="none" strike="noStrike" cap="none" normalizeH="0" baseline="0" dirty="0">
-                <a:ln>
-                  <a:noFill/>
-                </a:ln>
-                <a:solidFill>
-                  <a:srgbClr val="CC7832"/>
-                </a:solidFill>
-                <a:effectLst/>
-                <a:latin typeface="Arial Unicode MS" panose="020B0604020202020204" pitchFamily="34" charset="-120"/>
-                <a:ea typeface="JetBrains Mono"/>
-              </a:rPr>
-              <a:t>;</a:t>
-            </a:r>
-            <a:br>
-              <a:rPr kumimoji="0" lang="zh-TW" altLang="zh-TW" sz="1200" b="0" i="0" u="none" strike="noStrike" cap="none" normalizeH="0" baseline="0" dirty="0">
-                <a:ln>
-                  <a:noFill/>
-                </a:ln>
-                <a:solidFill>
-                  <a:srgbClr val="CC7832"/>
-                </a:solidFill>
-                <a:effectLst/>
-                <a:latin typeface="Arial Unicode MS" panose="020B0604020202020204" pitchFamily="34" charset="-120"/>
-                <a:ea typeface="JetBrains Mono"/>
-              </a:rPr>
-            </a:br>
-            <a:r>
-              <a:rPr kumimoji="0" lang="zh-TW" altLang="zh-TW" sz="1200" b="0" i="0" u="none" strike="noStrike" cap="none" normalizeH="0" baseline="0" dirty="0">
-                <a:ln>
-                  <a:noFill/>
-                </a:ln>
-                <a:solidFill>
-                  <a:srgbClr val="CC7832"/>
-                </a:solidFill>
-                <a:effectLst/>
-                <a:latin typeface="Arial Unicode MS" panose="020B0604020202020204" pitchFamily="34" charset="-120"/>
-                <a:ea typeface="JetBrains Mono"/>
-              </a:rPr>
-              <a:t>                </a:t>
-            </a:r>
-            <a:r>
-              <a:rPr kumimoji="0" lang="zh-TW" altLang="zh-TW" sz="1200" b="0" i="0" u="none" strike="noStrike" cap="none" normalizeH="0" baseline="0" dirty="0">
-                <a:ln>
-                  <a:noFill/>
-                </a:ln>
-                <a:solidFill>
-                  <a:srgbClr val="A9B7C6"/>
-                </a:solidFill>
-                <a:effectLst/>
-                <a:latin typeface="Arial Unicode MS" panose="020B0604020202020204" pitchFamily="34" charset="-120"/>
-                <a:ea typeface="JetBrains Mono"/>
-              </a:rPr>
-              <a:t>field.setAccessible(</a:t>
-            </a:r>
-            <a:r>
-              <a:rPr kumimoji="0" lang="zh-TW" altLang="zh-TW" sz="1200" b="0" i="0" u="none" strike="noStrike" cap="none" normalizeH="0" baseline="0" dirty="0">
-                <a:ln>
-                  <a:noFill/>
-                </a:ln>
-                <a:solidFill>
-                  <a:srgbClr val="CC7832"/>
-                </a:solidFill>
-                <a:effectLst/>
-                <a:latin typeface="Arial Unicode MS" panose="020B0604020202020204" pitchFamily="34" charset="-120"/>
-                <a:ea typeface="JetBrains Mono"/>
-              </a:rPr>
-              <a:t>true</a:t>
-            </a:r>
-            <a:r>
-              <a:rPr kumimoji="0" lang="zh-TW" altLang="zh-TW" sz="1200" b="0" i="0" u="none" strike="noStrike" cap="none" normalizeH="0" baseline="0" dirty="0">
-                <a:ln>
-                  <a:noFill/>
-                </a:ln>
-                <a:solidFill>
-                  <a:srgbClr val="A9B7C6"/>
-                </a:solidFill>
-                <a:effectLst/>
-                <a:latin typeface="Arial Unicode MS" panose="020B0604020202020204" pitchFamily="34" charset="-120"/>
-                <a:ea typeface="JetBrains Mono"/>
-              </a:rPr>
-              <a:t>)</a:t>
-            </a:r>
-            <a:r>
-              <a:rPr kumimoji="0" lang="zh-TW" altLang="zh-TW" sz="1200" b="0" i="0" u="none" strike="noStrike" cap="none" normalizeH="0" baseline="0" dirty="0">
-                <a:ln>
-                  <a:noFill/>
-                </a:ln>
-                <a:solidFill>
-                  <a:srgbClr val="CC7832"/>
-                </a:solidFill>
-                <a:effectLst/>
-                <a:latin typeface="Arial Unicode MS" panose="020B0604020202020204" pitchFamily="34" charset="-120"/>
-                <a:ea typeface="JetBrains Mono"/>
-              </a:rPr>
-              <a:t>;</a:t>
-            </a:r>
-            <a:br>
-              <a:rPr kumimoji="0" lang="zh-TW" altLang="zh-TW" sz="1200" b="0" i="0" u="none" strike="noStrike" cap="none" normalizeH="0" baseline="0" dirty="0">
-                <a:ln>
-                  <a:noFill/>
-                </a:ln>
-                <a:solidFill>
-                  <a:srgbClr val="CC7832"/>
-                </a:solidFill>
-                <a:effectLst/>
-                <a:latin typeface="Arial Unicode MS" panose="020B0604020202020204" pitchFamily="34" charset="-120"/>
-                <a:ea typeface="JetBrains Mono"/>
-              </a:rPr>
-            </a:br>
-            <a:r>
-              <a:rPr kumimoji="0" lang="zh-TW" altLang="zh-TW" sz="1200" b="0" i="0" u="none" strike="noStrike" cap="none" normalizeH="0" baseline="0" dirty="0">
-                <a:ln>
-                  <a:noFill/>
-                </a:ln>
-                <a:solidFill>
-                  <a:srgbClr val="CC7832"/>
-                </a:solidFill>
-                <a:effectLst/>
-                <a:latin typeface="Arial Unicode MS" panose="020B0604020202020204" pitchFamily="34" charset="-120"/>
-                <a:ea typeface="JetBrains Mono"/>
-              </a:rPr>
-              <a:t>                return </a:t>
-            </a:r>
-            <a:r>
-              <a:rPr kumimoji="0" lang="zh-TW" altLang="zh-TW" sz="1200" b="0" i="0" u="none" strike="noStrike" cap="none" normalizeH="0" baseline="0" dirty="0">
-                <a:ln>
-                  <a:noFill/>
-                </a:ln>
-                <a:solidFill>
-                  <a:srgbClr val="A9B7C6"/>
-                </a:solidFill>
-                <a:effectLst/>
-                <a:latin typeface="Arial Unicode MS" panose="020B0604020202020204" pitchFamily="34" charset="-120"/>
-                <a:ea typeface="JetBrains Mono"/>
-              </a:rPr>
-              <a:t>(List&lt;RequestMappingInfoHandlerMapping&gt;) field.get(bean)</a:t>
-            </a:r>
-            <a:r>
-              <a:rPr kumimoji="0" lang="zh-TW" altLang="zh-TW" sz="1200" b="0" i="0" u="none" strike="noStrike" cap="none" normalizeH="0" baseline="0" dirty="0">
-                <a:ln>
-                  <a:noFill/>
-                </a:ln>
-                <a:solidFill>
-                  <a:srgbClr val="CC7832"/>
-                </a:solidFill>
-                <a:effectLst/>
-                <a:latin typeface="Arial Unicode MS" panose="020B0604020202020204" pitchFamily="34" charset="-120"/>
-                <a:ea typeface="JetBrains Mono"/>
-              </a:rPr>
-              <a:t>;</a:t>
-            </a:r>
-            <a:br>
-              <a:rPr kumimoji="0" lang="zh-TW" altLang="zh-TW" sz="1200" b="0" i="0" u="none" strike="noStrike" cap="none" normalizeH="0" baseline="0" dirty="0">
-                <a:ln>
-                  <a:noFill/>
-                </a:ln>
-                <a:solidFill>
-                  <a:srgbClr val="CC7832"/>
-                </a:solidFill>
-                <a:effectLst/>
-                <a:latin typeface="Arial Unicode MS" panose="020B0604020202020204" pitchFamily="34" charset="-120"/>
-                <a:ea typeface="JetBrains Mono"/>
-              </a:rPr>
-            </a:br>
-            <a:r>
-              <a:rPr kumimoji="0" lang="zh-TW" altLang="zh-TW" sz="1200" b="0" i="0" u="none" strike="noStrike" cap="none" normalizeH="0" baseline="0" dirty="0">
-                <a:ln>
-                  <a:noFill/>
-                </a:ln>
-                <a:solidFill>
-                  <a:srgbClr val="CC7832"/>
-                </a:solidFill>
-                <a:effectLst/>
-                <a:latin typeface="Arial Unicode MS" panose="020B0604020202020204" pitchFamily="34" charset="-120"/>
-                <a:ea typeface="JetBrains Mono"/>
-              </a:rPr>
-              <a:t>            </a:t>
-            </a:r>
-            <a:r>
-              <a:rPr kumimoji="0" lang="zh-TW" altLang="zh-TW" sz="1200" b="0" i="0" u="none" strike="noStrike" cap="none" normalizeH="0" baseline="0" dirty="0">
-                <a:ln>
-                  <a:noFill/>
-                </a:ln>
-                <a:solidFill>
-                  <a:srgbClr val="A9B7C6"/>
-                </a:solidFill>
-                <a:effectLst/>
-                <a:latin typeface="Arial Unicode MS" panose="020B0604020202020204" pitchFamily="34" charset="-120"/>
-                <a:ea typeface="JetBrains Mono"/>
-              </a:rPr>
-              <a:t>} </a:t>
-            </a:r>
-            <a:r>
-              <a:rPr kumimoji="0" lang="zh-TW" altLang="zh-TW" sz="1200" b="0" i="0" u="none" strike="noStrike" cap="none" normalizeH="0" baseline="0" dirty="0">
-                <a:ln>
-                  <a:noFill/>
-                </a:ln>
-                <a:solidFill>
-                  <a:srgbClr val="CC7832"/>
-                </a:solidFill>
-                <a:effectLst/>
-                <a:latin typeface="Arial Unicode MS" panose="020B0604020202020204" pitchFamily="34" charset="-120"/>
-                <a:ea typeface="JetBrains Mono"/>
-              </a:rPr>
-              <a:t>catch </a:t>
-            </a:r>
-            <a:r>
-              <a:rPr kumimoji="0" lang="zh-TW" altLang="zh-TW" sz="1200" b="0" i="0" u="none" strike="noStrike" cap="none" normalizeH="0" baseline="0" dirty="0">
-                <a:ln>
-                  <a:noFill/>
-                </a:ln>
-                <a:solidFill>
-                  <a:srgbClr val="A9B7C6"/>
-                </a:solidFill>
-                <a:effectLst/>
-                <a:latin typeface="Arial Unicode MS" panose="020B0604020202020204" pitchFamily="34" charset="-120"/>
-                <a:ea typeface="JetBrains Mono"/>
-              </a:rPr>
-              <a:t>(IllegalArgumentException | IllegalAccessException e) {</a:t>
-            </a:r>
-            <a:br>
-              <a:rPr kumimoji="0" lang="zh-TW" altLang="zh-TW" sz="1200" b="0" i="0" u="none" strike="noStrike" cap="none" normalizeH="0" baseline="0" dirty="0">
-                <a:ln>
-                  <a:noFill/>
-                </a:ln>
-                <a:solidFill>
-                  <a:srgbClr val="A9B7C6"/>
-                </a:solidFill>
-                <a:effectLst/>
-                <a:latin typeface="Arial Unicode MS" panose="020B0604020202020204" pitchFamily="34" charset="-120"/>
-                <a:ea typeface="JetBrains Mono"/>
-              </a:rPr>
-            </a:br>
-            <a:r>
-              <a:rPr kumimoji="0" lang="zh-TW" altLang="zh-TW" sz="1200" b="0" i="0" u="none" strike="noStrike" cap="none" normalizeH="0" baseline="0" dirty="0">
-                <a:ln>
-                  <a:noFill/>
-                </a:ln>
-                <a:solidFill>
-                  <a:srgbClr val="A9B7C6"/>
-                </a:solidFill>
-                <a:effectLst/>
-                <a:latin typeface="Arial Unicode MS" panose="020B0604020202020204" pitchFamily="34" charset="-120"/>
-                <a:ea typeface="JetBrains Mono"/>
-              </a:rPr>
-              <a:t>                </a:t>
-            </a:r>
-            <a:r>
-              <a:rPr kumimoji="0" lang="zh-TW" altLang="zh-TW" sz="1200" b="0" i="0" u="none" strike="noStrike" cap="none" normalizeH="0" baseline="0" dirty="0">
-                <a:ln>
-                  <a:noFill/>
-                </a:ln>
-                <a:solidFill>
-                  <a:srgbClr val="CC7832"/>
-                </a:solidFill>
-                <a:effectLst/>
-                <a:latin typeface="Arial Unicode MS" panose="020B0604020202020204" pitchFamily="34" charset="-120"/>
-                <a:ea typeface="JetBrains Mono"/>
-              </a:rPr>
-              <a:t>throw new </a:t>
-            </a:r>
-            <a:r>
-              <a:rPr kumimoji="0" lang="zh-TW" altLang="zh-TW" sz="1200" b="0" i="0" u="none" strike="noStrike" cap="none" normalizeH="0" baseline="0" dirty="0">
-                <a:ln>
-                  <a:noFill/>
-                </a:ln>
-                <a:solidFill>
-                  <a:srgbClr val="A9B7C6"/>
-                </a:solidFill>
-                <a:effectLst/>
-                <a:latin typeface="Arial Unicode MS" panose="020B0604020202020204" pitchFamily="34" charset="-120"/>
-                <a:ea typeface="JetBrains Mono"/>
-              </a:rPr>
-              <a:t>IllegalStateException(e)</a:t>
-            </a:r>
-            <a:r>
-              <a:rPr kumimoji="0" lang="zh-TW" altLang="zh-TW" sz="1200" b="0" i="0" u="none" strike="noStrike" cap="none" normalizeH="0" baseline="0" dirty="0">
-                <a:ln>
-                  <a:noFill/>
-                </a:ln>
-                <a:solidFill>
-                  <a:srgbClr val="CC7832"/>
-                </a:solidFill>
-                <a:effectLst/>
-                <a:latin typeface="Arial Unicode MS" panose="020B0604020202020204" pitchFamily="34" charset="-120"/>
-                <a:ea typeface="JetBrains Mono"/>
-              </a:rPr>
-              <a:t>;</a:t>
-            </a:r>
-            <a:br>
-              <a:rPr kumimoji="0" lang="zh-TW" altLang="zh-TW" sz="1200" b="0" i="0" u="none" strike="noStrike" cap="none" normalizeH="0" baseline="0" dirty="0">
-                <a:ln>
-                  <a:noFill/>
-                </a:ln>
-                <a:solidFill>
-                  <a:srgbClr val="CC7832"/>
-                </a:solidFill>
-                <a:effectLst/>
-                <a:latin typeface="Arial Unicode MS" panose="020B0604020202020204" pitchFamily="34" charset="-120"/>
-                <a:ea typeface="JetBrains Mono"/>
-              </a:rPr>
-            </a:br>
-            <a:r>
-              <a:rPr kumimoji="0" lang="zh-TW" altLang="zh-TW" sz="1200" b="0" i="0" u="none" strike="noStrike" cap="none" normalizeH="0" baseline="0" dirty="0">
-                <a:ln>
-                  <a:noFill/>
-                </a:ln>
-                <a:solidFill>
-                  <a:srgbClr val="CC7832"/>
-                </a:solidFill>
-                <a:effectLst/>
-                <a:latin typeface="Arial Unicode MS" panose="020B0604020202020204" pitchFamily="34" charset="-120"/>
-                <a:ea typeface="JetBrains Mono"/>
-              </a:rPr>
-              <a:t>            </a:t>
-            </a:r>
-            <a:r>
-              <a:rPr kumimoji="0" lang="zh-TW" altLang="zh-TW" sz="1200" b="0" i="0" u="none" strike="noStrike" cap="none" normalizeH="0" baseline="0" dirty="0">
-                <a:ln>
-                  <a:noFill/>
-                </a:ln>
-                <a:solidFill>
-                  <a:srgbClr val="A9B7C6"/>
-                </a:solidFill>
-                <a:effectLst/>
-                <a:latin typeface="Arial Unicode MS" panose="020B0604020202020204" pitchFamily="34" charset="-120"/>
-                <a:ea typeface="JetBrains Mono"/>
-              </a:rPr>
-              <a:t>}</a:t>
-            </a:r>
-            <a:br>
-              <a:rPr kumimoji="0" lang="zh-TW" altLang="zh-TW" sz="1200" b="0" i="0" u="none" strike="noStrike" cap="none" normalizeH="0" baseline="0" dirty="0">
-                <a:ln>
-                  <a:noFill/>
-                </a:ln>
-                <a:solidFill>
-                  <a:srgbClr val="A9B7C6"/>
-                </a:solidFill>
-                <a:effectLst/>
-                <a:latin typeface="Arial Unicode MS" panose="020B0604020202020204" pitchFamily="34" charset="-120"/>
-                <a:ea typeface="JetBrains Mono"/>
-              </a:rPr>
-            </a:br>
-            <a:r>
-              <a:rPr kumimoji="0" lang="zh-TW" altLang="zh-TW" sz="1200" b="0" i="0" u="none" strike="noStrike" cap="none" normalizeH="0" baseline="0" dirty="0">
-                <a:ln>
-                  <a:noFill/>
-                </a:ln>
-                <a:solidFill>
-                  <a:srgbClr val="A9B7C6"/>
-                </a:solidFill>
-                <a:effectLst/>
-                <a:latin typeface="Arial Unicode MS" panose="020B0604020202020204" pitchFamily="34" charset="-120"/>
-                <a:ea typeface="JetBrains Mono"/>
-              </a:rPr>
-              <a:t>        }</a:t>
-            </a:r>
-            <a:br>
-              <a:rPr kumimoji="0" lang="zh-TW" altLang="zh-TW" sz="1200" b="0" i="0" u="none" strike="noStrike" cap="none" normalizeH="0" baseline="0" dirty="0">
-                <a:ln>
-                  <a:noFill/>
-                </a:ln>
-                <a:solidFill>
-                  <a:srgbClr val="A9B7C6"/>
-                </a:solidFill>
-                <a:effectLst/>
-                <a:latin typeface="Arial Unicode MS" panose="020B0604020202020204" pitchFamily="34" charset="-120"/>
-                <a:ea typeface="JetBrains Mono"/>
-              </a:rPr>
-            </a:br>
-            <a:r>
-              <a:rPr kumimoji="0" lang="zh-TW" altLang="zh-TW" sz="1200" b="0" i="0" u="none" strike="noStrike" cap="none" normalizeH="0" baseline="0" dirty="0">
-                <a:ln>
-                  <a:noFill/>
-                </a:ln>
-                <a:solidFill>
-                  <a:srgbClr val="A9B7C6"/>
-                </a:solidFill>
-                <a:effectLst/>
-                <a:latin typeface="Arial Unicode MS" panose="020B0604020202020204" pitchFamily="34" charset="-120"/>
-                <a:ea typeface="JetBrains Mono"/>
-              </a:rPr>
-              <a:t>    }</a:t>
-            </a:r>
-            <a:r>
-              <a:rPr kumimoji="0" lang="zh-TW" altLang="zh-TW" sz="1200" b="0" i="0" u="none" strike="noStrike" cap="none" normalizeH="0" baseline="0" dirty="0">
-                <a:ln>
-                  <a:noFill/>
-                </a:ln>
-                <a:solidFill>
-                  <a:srgbClr val="CC7832"/>
-                </a:solidFill>
-                <a:effectLst/>
-                <a:latin typeface="Arial Unicode MS" panose="020B0604020202020204" pitchFamily="34" charset="-120"/>
-                <a:ea typeface="JetBrains Mono"/>
-              </a:rPr>
-              <a:t>;</a:t>
-            </a:r>
-            <a:br>
-              <a:rPr kumimoji="0" lang="zh-TW" altLang="zh-TW" sz="1200" b="0" i="0" u="none" strike="noStrike" cap="none" normalizeH="0" baseline="0" dirty="0">
-                <a:ln>
-                  <a:noFill/>
-                </a:ln>
-                <a:solidFill>
-                  <a:srgbClr val="CC7832"/>
-                </a:solidFill>
-                <a:effectLst/>
-                <a:latin typeface="Arial Unicode MS" panose="020B0604020202020204" pitchFamily="34" charset="-120"/>
-                <a:ea typeface="JetBrains Mono"/>
-              </a:rPr>
-            </a:br>
-            <a:r>
-              <a:rPr kumimoji="0" lang="zh-TW" altLang="zh-TW" sz="1200" b="0" i="0" u="none" strike="noStrike" cap="none" normalizeH="0" baseline="0" dirty="0">
-                <a:ln>
-                  <a:noFill/>
-                </a:ln>
-                <a:solidFill>
-                  <a:srgbClr val="A9B7C6"/>
-                </a:solidFill>
-                <a:effectLst/>
-                <a:latin typeface="Arial Unicode MS" panose="020B0604020202020204" pitchFamily="34" charset="-120"/>
-                <a:ea typeface="JetBrains Mono"/>
-              </a:rPr>
-              <a:t>}</a:t>
-            </a:r>
-            <a:endParaRPr kumimoji="0" lang="zh-TW" altLang="zh-TW" sz="1600" b="0" i="0" u="none" strike="noStrike" cap="none" normalizeH="0" baseline="0" dirty="0">
+              <a:t>ant-path-matcher</a:t>
+            </a:r>
+            <a:endParaRPr kumimoji="0" lang="zh-TW" altLang="zh-TW" sz="1800" b="0" i="0" u="none" strike="noStrike" cap="none" normalizeH="0" baseline="0">
               <a:ln>
                 <a:noFill/>
               </a:ln>
@@ -10287,10 +9015,40 @@
           </a:p>
         </p:txBody>
       </p:sp>
+      <p:pic>
+        <p:nvPicPr>
+          <p:cNvPr id="6" name="圖片 5">
+            <a:extLst>
+              <a:ext uri="{FF2B5EF4-FFF2-40B4-BE49-F238E27FC236}">
+                <a16:creationId xmlns:a16="http://schemas.microsoft.com/office/drawing/2014/main" id="{B04C6B4B-3EA8-40D0-BB83-6395123A71AD}"/>
+              </a:ext>
+            </a:extLst>
+          </p:cNvPr>
+          <p:cNvPicPr>
+            <a:picLocks noChangeAspect="1"/>
+          </p:cNvPicPr>
+          <p:nvPr/>
+        </p:nvPicPr>
+        <p:blipFill>
+          <a:blip r:embed="rId2"/>
+          <a:stretch>
+            <a:fillRect/>
+          </a:stretch>
+        </p:blipFill>
+        <p:spPr>
+          <a:xfrm>
+            <a:off x="713371" y="1889051"/>
+            <a:ext cx="5851279" cy="4322618"/>
+          </a:xfrm>
+          <a:prstGeom prst="rect">
+            <a:avLst/>
+          </a:prstGeom>
+        </p:spPr>
+      </p:pic>
     </p:spTree>
     <p:extLst>
       <p:ext uri="{BB962C8B-B14F-4D97-AF65-F5344CB8AC3E}">
-        <p14:creationId xmlns:p14="http://schemas.microsoft.com/office/powerpoint/2010/main" val="4201398053"/>
+        <p14:creationId xmlns:p14="http://schemas.microsoft.com/office/powerpoint/2010/main" val="4244656585"/>
       </p:ext>
     </p:extLst>
   </p:cSld>
